--- a/Arduino IO Compendium.pptx
+++ b/Arduino IO Compendium.pptx
@@ -5,7 +5,7 @@
     <p:sldMasterId id="2147483648" r:id="rId1"/>
   </p:sldMasterIdLst>
   <p:notesMasterIdLst>
-    <p:notesMasterId r:id="rId38"/>
+    <p:notesMasterId r:id="rId39"/>
   </p:notesMasterIdLst>
   <p:sldIdLst>
     <p:sldId id="336" r:id="rId2"/>
@@ -44,6 +44,7 @@
     <p:sldId id="352" r:id="rId35"/>
     <p:sldId id="326" r:id="rId36"/>
     <p:sldId id="327" r:id="rId37"/>
+    <p:sldId id="373" r:id="rId38"/>
   </p:sldIdLst>
   <p:sldSz cx="12192000" cy="6858000"/>
   <p:notesSz cx="7016750" cy="9309100"/>
@@ -657,7 +658,7 @@
           <a:p>
             <a:fld id="{12D35354-3C70-45FE-A7BC-FEBCE88C825A}" type="datetime8">
               <a:rPr lang="en-US" smtClean="0"/>
-              <a:t>5/6/2022 12:34 PM</a:t>
+              <a:t>5/6/2022 4:45 PM</a:t>
             </a:fld>
             <a:endParaRPr lang="en-US"/>
           </a:p>
@@ -855,7 +856,7 @@
           <a:p>
             <a:fld id="{DE273977-2B4E-4BD8-8226-CAEE823F3008}" type="datetime8">
               <a:rPr lang="en-US" smtClean="0"/>
-              <a:t>5/6/2022 12:34 PM</a:t>
+              <a:t>5/6/2022 4:45 PM</a:t>
             </a:fld>
             <a:endParaRPr lang="en-US"/>
           </a:p>
@@ -1063,7 +1064,7 @@
           <a:p>
             <a:fld id="{7E2DC526-9E9D-4998-8C50-0541226B08CF}" type="datetime8">
               <a:rPr lang="en-US" smtClean="0"/>
-              <a:t>5/6/2022 12:34 PM</a:t>
+              <a:t>5/6/2022 4:45 PM</a:t>
             </a:fld>
             <a:endParaRPr lang="en-US"/>
           </a:p>
@@ -1261,7 +1262,7 @@
           <a:p>
             <a:fld id="{956EF2D3-783C-4E62-879C-6E42AA097112}" type="datetime8">
               <a:rPr lang="en-US" smtClean="0"/>
-              <a:t>5/6/2022 12:34 PM</a:t>
+              <a:t>5/6/2022 4:45 PM</a:t>
             </a:fld>
             <a:endParaRPr lang="en-US"/>
           </a:p>
@@ -1536,7 +1537,7 @@
           <a:p>
             <a:fld id="{CEEB4330-8AFB-48E3-B890-210D056A958B}" type="datetime8">
               <a:rPr lang="en-US" smtClean="0"/>
-              <a:t>5/6/2022 12:34 PM</a:t>
+              <a:t>5/6/2022 4:45 PM</a:t>
             </a:fld>
             <a:endParaRPr lang="en-US"/>
           </a:p>
@@ -1801,7 +1802,7 @@
           <a:p>
             <a:fld id="{66E23911-0252-40BE-BBB8-760394743E26}" type="datetime8">
               <a:rPr lang="en-US" smtClean="0"/>
-              <a:t>5/6/2022 12:34 PM</a:t>
+              <a:t>5/6/2022 4:45 PM</a:t>
             </a:fld>
             <a:endParaRPr lang="en-US"/>
           </a:p>
@@ -2213,7 +2214,7 @@
           <a:p>
             <a:fld id="{BBB6AC5D-77FB-46F6-9132-21FF30B4912F}" type="datetime8">
               <a:rPr lang="en-US" smtClean="0"/>
-              <a:t>5/6/2022 12:34 PM</a:t>
+              <a:t>5/6/2022 4:45 PM</a:t>
             </a:fld>
             <a:endParaRPr lang="en-US"/>
           </a:p>
@@ -2354,7 +2355,7 @@
           <a:p>
             <a:fld id="{6017FBC6-3D6B-4CF2-A705-4BC9E7D4582C}" type="datetime8">
               <a:rPr lang="en-US" smtClean="0"/>
-              <a:t>5/6/2022 12:34 PM</a:t>
+              <a:t>5/6/2022 4:45 PM</a:t>
             </a:fld>
             <a:endParaRPr lang="en-US"/>
           </a:p>
@@ -2735,7 +2736,7 @@
           <a:p>
             <a:fld id="{0D1B1BD9-FAAE-42CF-9C1C-24872CEE05A7}" type="datetime8">
               <a:rPr lang="en-US" smtClean="0"/>
-              <a:t>5/6/2022 12:34 PM</a:t>
+              <a:t>5/6/2022 4:45 PM</a:t>
             </a:fld>
             <a:endParaRPr lang="en-US"/>
           </a:p>
@@ -3023,7 +3024,7 @@
           <a:p>
             <a:fld id="{63B48E98-414D-4169-A026-380BA4A7A23F}" type="datetime8">
               <a:rPr lang="en-US" smtClean="0"/>
-              <a:t>5/6/2022 12:34 PM</a:t>
+              <a:t>5/6/2022 4:45 PM</a:t>
             </a:fld>
             <a:endParaRPr lang="en-US"/>
           </a:p>
@@ -3264,7 +3265,7 @@
           <a:p>
             <a:fld id="{9D52C73E-D6AD-4984-9C4A-C03CB437FD89}" type="datetime8">
               <a:rPr lang="en-US" smtClean="0"/>
-              <a:t>5/6/2022 12:34 PM</a:t>
+              <a:t>5/6/2022 4:45 PM</a:t>
             </a:fld>
             <a:endParaRPr lang="en-US"/>
           </a:p>
@@ -3749,7 +3750,7 @@
               <a:rPr lang="en-US" sz="9800" b="1" dirty="0">
                 <a:latin typeface="Algerian" panose="04020705040A02060702" pitchFamily="82" charset="0"/>
               </a:rPr>
-              <a:t>ARDUINO</a:t>
+              <a:t>ARDUINO I/O</a:t>
             </a:r>
             <a:br>
               <a:rPr lang="en-US" sz="5400" b="1" dirty="0">
@@ -3770,7 +3771,7 @@
                 </a:solidFill>
                 <a:latin typeface="Algerian" panose="04020705040A02060702" pitchFamily="82" charset="0"/>
               </a:rPr>
-              <a:t>I/O Compendium</a:t>
+              <a:t>HARDWARE Compendium</a:t>
             </a:r>
           </a:p>
         </p:txBody>
@@ -4591,7 +4592,7 @@
                   <a:schemeClr val="tx1"/>
                 </a:solidFill>
               </a:rPr>
-              <a:t>If you don’t write out a new value the pulses just keep repeating at 490 Hz.   (pins 5 and 6 work at 980 Hz).</a:t>
+              <a:t>This behavior is what is needed to move servos!</a:t>
             </a:r>
           </a:p>
           <a:p>
@@ -4605,7 +4606,7 @@
                   <a:schemeClr val="tx1"/>
                 </a:solidFill>
               </a:rPr>
-              <a:t>This is exactly as needed to move servos!</a:t>
+              <a:t>If you don’t write out a new value the pulses just keep repeating at 490 Hz.   (pins 5 and 6 work at 980 Hz).</a:t>
             </a:r>
           </a:p>
           <a:p>
@@ -5111,18 +5112,86 @@
             </a:lvl9pPr>
           </a:lstStyle>
           <a:p>
+            <a:endParaRPr lang="en-US" sz="3200" b="1" dirty="0">
+              <a:solidFill>
+                <a:schemeClr val="accent1">
+                  <a:lumMod val="60000"/>
+                  <a:lumOff val="40000"/>
+                </a:schemeClr>
+              </a:solidFill>
+              <a:latin typeface="MERG_Logo" pitchFamily="2" charset="0"/>
+            </a:endParaRPr>
+          </a:p>
+        </p:txBody>
+      </p:sp>
+      <p:sp>
+        <p:nvSpPr>
+          <p:cNvPr id="3" name="Rectangle 2">
+            <a:extLst>
+              <a:ext uri="{FF2B5EF4-FFF2-40B4-BE49-F238E27FC236}">
+                <a16:creationId xmlns:a16="http://schemas.microsoft.com/office/drawing/2014/main" id="{C3E5B2A3-5D06-09BE-8BD5-E3713119D207}"/>
+              </a:ext>
+            </a:extLst>
+          </p:cNvPr>
+          <p:cNvSpPr/>
+          <p:nvPr/>
+        </p:nvSpPr>
+        <p:spPr>
+          <a:xfrm rot="18967230">
+            <a:off x="4640126" y="3136190"/>
+            <a:ext cx="6118214" cy="923330"/>
+          </a:xfrm>
+          <a:prstGeom prst="rect">
+            <a:avLst/>
+          </a:prstGeom>
+          <a:noFill/>
+        </p:spPr>
+        <p:txBody>
+          <a:bodyPr wrap="none" lIns="91440" tIns="45720" rIns="91440" bIns="45720">
+            <a:spAutoFit/>
+          </a:bodyPr>
+          <a:lstStyle/>
+          <a:p>
+            <a:pPr algn="ctr"/>
             <a:r>
-              <a:rPr lang="en-US" sz="3200" b="1" dirty="0">
-                <a:solidFill>
-                  <a:schemeClr val="accent1">
-                    <a:lumMod val="60000"/>
-                    <a:lumOff val="40000"/>
-                  </a:schemeClr>
-                </a:solidFill>
-                <a:latin typeface="MERG_Logo" pitchFamily="2" charset="0"/>
+              <a:rPr lang="en-US" sz="5400" b="1" dirty="0">
+                <a:ln w="22225">
+                  <a:solidFill>
+                    <a:schemeClr val="tx1"/>
+                  </a:solidFill>
+                  <a:prstDash val="solid"/>
+                </a:ln>
+                <a:solidFill>
+                  <a:srgbClr val="FFC000"/>
+                </a:solidFill>
               </a:rPr>
-              <a:t>(MERG)</a:t>
+              <a:t>Test servo </a:t>
             </a:r>
+            <a:r>
+              <a:rPr lang="en-US" sz="5400" b="1" dirty="0" err="1">
+                <a:ln w="22225">
+                  <a:solidFill>
+                    <a:schemeClr val="tx1"/>
+                  </a:solidFill>
+                  <a:prstDash val="solid"/>
+                </a:ln>
+                <a:solidFill>
+                  <a:srgbClr val="FFC000"/>
+                </a:solidFill>
+              </a:rPr>
+              <a:t>behaviour</a:t>
+            </a:r>
+            <a:endParaRPr lang="en-US" sz="5400" b="1" dirty="0">
+              <a:ln w="22225">
+                <a:solidFill>
+                  <a:schemeClr val="tx1"/>
+                </a:solidFill>
+                <a:prstDash val="solid"/>
+              </a:ln>
+              <a:solidFill>
+                <a:srgbClr val="FFC000"/>
+              </a:solidFill>
+            </a:endParaRPr>
           </a:p>
         </p:txBody>
       </p:sp>
@@ -5295,76 +5364,6 @@
                                   </p:childTnLst>
                                 </p:cTn>
                               </p:par>
-                              <p:par>
-                                <p:cTn id="16" presetID="22" presetClass="entr" presetSubtype="4" fill="hold" nodeType="withEffect">
-                                  <p:stCondLst>
-                                    <p:cond delay="0"/>
-                                  </p:stCondLst>
-                                  <p:childTnLst>
-                                    <p:set>
-                                      <p:cBhvr>
-                                        <p:cTn id="17" dur="1" fill="hold">
-                                          <p:stCondLst>
-                                            <p:cond delay="0"/>
-                                          </p:stCondLst>
-                                        </p:cTn>
-                                        <p:tgtEl>
-                                          <p:spTgt spid="9"/>
-                                        </p:tgtEl>
-                                        <p:attrNameLst>
-                                          <p:attrName>style.visibility</p:attrName>
-                                        </p:attrNameLst>
-                                      </p:cBhvr>
-                                      <p:to>
-                                        <p:strVal val="visible"/>
-                                      </p:to>
-                                    </p:set>
-                                    <p:animEffect transition="in" filter="wipe(down)">
-                                      <p:cBhvr>
-                                        <p:cTn id="18" dur="500"/>
-                                        <p:tgtEl>
-                                          <p:spTgt spid="9"/>
-                                        </p:tgtEl>
-                                      </p:cBhvr>
-                                    </p:animEffect>
-                                  </p:childTnLst>
-                                </p:cTn>
-                              </p:par>
-                              <p:par>
-                                <p:cTn id="19" presetID="10" presetClass="entr" presetSubtype="0" fill="hold" grpId="0" nodeType="withEffect">
-                                  <p:stCondLst>
-                                    <p:cond delay="0"/>
-                                  </p:stCondLst>
-                                  <p:childTnLst>
-                                    <p:set>
-                                      <p:cBhvr>
-                                        <p:cTn id="20" dur="1" fill="hold">
-                                          <p:stCondLst>
-                                            <p:cond delay="0"/>
-                                          </p:stCondLst>
-                                        </p:cTn>
-                                        <p:tgtEl>
-                                          <p:spTgt spid="16"/>
-                                        </p:tgtEl>
-                                        <p:attrNameLst>
-                                          <p:attrName>style.visibility</p:attrName>
-                                        </p:attrNameLst>
-                                      </p:cBhvr>
-                                      <p:to>
-                                        <p:strVal val="visible"/>
-                                      </p:to>
-                                    </p:set>
-                                    <p:animEffect transition="in" filter="fade">
-                                      <p:cBhvr>
-                                        <p:cTn id="21" dur="500"/>
-                                        <p:tgtEl>
-                                          <p:spTgt spid="16"/>
-                                        </p:tgtEl>
-                                      </p:cBhvr>
-                                    </p:animEffect>
-                                  </p:childTnLst>
-                                </p:cTn>
-                              </p:par>
                             </p:childTnLst>
                           </p:cTn>
                         </p:par>
@@ -5372,26 +5371,26 @@
                     </p:cTn>
                   </p:par>
                   <p:par>
-                    <p:cTn id="22" fill="hold">
+                    <p:cTn id="16" fill="hold">
                       <p:stCondLst>
                         <p:cond delay="indefinite"/>
                       </p:stCondLst>
                       <p:childTnLst>
                         <p:par>
-                          <p:cTn id="23" fill="hold">
+                          <p:cTn id="17" fill="hold">
                             <p:stCondLst>
                               <p:cond delay="0"/>
                             </p:stCondLst>
                             <p:childTnLst>
                               <p:par>
-                                <p:cTn id="24" presetID="10" presetClass="entr" presetSubtype="0" fill="hold" nodeType="clickEffect">
+                                <p:cTn id="18" presetID="10" presetClass="entr" presetSubtype="0" fill="hold" nodeType="clickEffect">
                                   <p:stCondLst>
                                     <p:cond delay="0"/>
                                   </p:stCondLst>
                                   <p:childTnLst>
                                     <p:set>
                                       <p:cBhvr>
-                                        <p:cTn id="25" dur="1" fill="hold">
+                                        <p:cTn id="19" dur="1" fill="hold">
                                           <p:stCondLst>
                                             <p:cond delay="0"/>
                                           </p:stCondLst>
@@ -5413,13 +5412,83 @@
                                     </p:set>
                                     <p:animEffect transition="in" filter="fade">
                                       <p:cBhvr>
-                                        <p:cTn id="26" dur="500"/>
+                                        <p:cTn id="20" dur="500"/>
                                         <p:tgtEl>
                                           <p:spTgt spid="4">
                                             <p:txEl>
                                               <p:pRg st="3" end="3"/>
                                             </p:txEl>
                                           </p:spTgt>
+                                        </p:tgtEl>
+                                      </p:cBhvr>
+                                    </p:animEffect>
+                                  </p:childTnLst>
+                                </p:cTn>
+                              </p:par>
+                              <p:par>
+                                <p:cTn id="21" presetID="22" presetClass="entr" presetSubtype="4" fill="hold" nodeType="withEffect">
+                                  <p:stCondLst>
+                                    <p:cond delay="0"/>
+                                  </p:stCondLst>
+                                  <p:childTnLst>
+                                    <p:set>
+                                      <p:cBhvr>
+                                        <p:cTn id="22" dur="1" fill="hold">
+                                          <p:stCondLst>
+                                            <p:cond delay="0"/>
+                                          </p:stCondLst>
+                                        </p:cTn>
+                                        <p:tgtEl>
+                                          <p:spTgt spid="9"/>
+                                        </p:tgtEl>
+                                        <p:attrNameLst>
+                                          <p:attrName>style.visibility</p:attrName>
+                                        </p:attrNameLst>
+                                      </p:cBhvr>
+                                      <p:to>
+                                        <p:strVal val="visible"/>
+                                      </p:to>
+                                    </p:set>
+                                    <p:animEffect transition="in" filter="wipe(down)">
+                                      <p:cBhvr>
+                                        <p:cTn id="23" dur="500"/>
+                                        <p:tgtEl>
+                                          <p:spTgt spid="9"/>
+                                        </p:tgtEl>
+                                      </p:cBhvr>
+                                    </p:animEffect>
+                                  </p:childTnLst>
+                                </p:cTn>
+                              </p:par>
+                              <p:par>
+                                <p:cTn id="24" presetID="10" presetClass="entr" presetSubtype="0" fill="hold" grpId="0" nodeType="withEffect">
+                                  <p:stCondLst>
+                                    <p:cond delay="0"/>
+                                  </p:stCondLst>
+                                  <p:childTnLst>
+                                    <p:set>
+                                      <p:cBhvr>
+                                        <p:cTn id="25" dur="1" fill="hold">
+                                          <p:stCondLst>
+                                            <p:cond delay="0"/>
+                                          </p:stCondLst>
+                                        </p:cTn>
+                                        <p:tgtEl>
+                                          <p:spTgt spid="16"/>
+                                        </p:tgtEl>
+                                        <p:attrNameLst>
+                                          <p:attrName>style.visibility</p:attrName>
+                                        </p:attrNameLst>
+                                      </p:cBhvr>
+                                      <p:to>
+                                        <p:strVal val="visible"/>
+                                      </p:to>
+                                    </p:set>
+                                    <p:animEffect transition="in" filter="fade">
+                                      <p:cBhvr>
+                                        <p:cTn id="26" dur="500"/>
+                                        <p:tgtEl>
+                                          <p:spTgt spid="16"/>
                                         </p:tgtEl>
                                       </p:cBhvr>
                                     </p:animEffect>
@@ -6404,7 +6473,7 @@
                   <a:schemeClr val="tx1"/>
                 </a:solidFill>
               </a:rPr>
-              <a:t>   = Master In Slave Out</a:t>
+              <a:t>   = Master In, Slave Out</a:t>
             </a:r>
           </a:p>
           <a:p>
@@ -7611,14 +7680,14 @@
           <p:nvPr>
             <p:extLst>
               <p:ext uri="{D42A27DB-BD31-4B8C-83A1-F6EECF244321}">
-                <p14:modId xmlns:p14="http://schemas.microsoft.com/office/powerpoint/2010/main" val="3034596904"/>
+                <p14:modId xmlns:p14="http://schemas.microsoft.com/office/powerpoint/2010/main" val="2509371247"/>
               </p:ext>
             </p:extLst>
           </p:nvPr>
         </p:nvGraphicFramePr>
         <p:xfrm>
           <a:off x="415505" y="391004"/>
-          <a:ext cx="11360989" cy="5499870"/>
+          <a:ext cx="11360989" cy="5774190"/>
         </p:xfrm>
         <a:graphic>
           <a:graphicData uri="http://schemas.openxmlformats.org/drawingml/2006/table">
@@ -8014,7 +8083,30 @@
                       </a:pPr>
                       <a:r>
                         <a:rPr lang="en-US" dirty="0"/>
-                        <a:t>Contact ‘bounce’</a:t>
+                        <a:t>Contact ‘bounce’ (software debouncing is common) </a:t>
+                      </a:r>
+                    </a:p>
+                    <a:p>
+                      <a:pPr marL="0" marR="0" lvl="0" indent="0" algn="l" defTabSz="914400" rtl="0" eaLnBrk="1" fontAlgn="auto" latinLnBrk="0" hangingPunct="1">
+                        <a:lnSpc>
+                          <a:spcPct val="100000"/>
+                        </a:lnSpc>
+                        <a:spcBef>
+                          <a:spcPts val="0"/>
+                        </a:spcBef>
+                        <a:spcAft>
+                          <a:spcPts val="0"/>
+                        </a:spcAft>
+                        <a:buClrTx/>
+                        <a:buSzTx/>
+                        <a:buFont typeface="Arial" panose="020B0604020202020204" pitchFamily="34" charset="0"/>
+                        <a:buNone/>
+                        <a:tabLst/>
+                        <a:defRPr/>
+                      </a:pPr>
+                      <a:r>
+                        <a:rPr lang="en-US" dirty="0"/>
+                        <a:t>      (Arduino is fast enough to pick up bouncing contacts)</a:t>
                       </a:r>
                     </a:p>
                     <a:p>
@@ -8477,18 +8569,15 @@
             </a:lvl9pPr>
           </a:lstStyle>
           <a:p>
-            <a:r>
-              <a:rPr lang="en-US" sz="3200" b="1" dirty="0">
-                <a:solidFill>
-                  <a:schemeClr val="accent1">
-                    <a:lumMod val="60000"/>
-                    <a:lumOff val="40000"/>
-                  </a:schemeClr>
-                </a:solidFill>
-                <a:latin typeface="MERG_Logo" pitchFamily="2" charset="0"/>
-              </a:rPr>
-              <a:t>(MERG)</a:t>
-            </a:r>
+            <a:endParaRPr lang="en-US" sz="3200" b="1" dirty="0">
+              <a:solidFill>
+                <a:schemeClr val="accent1">
+                  <a:lumMod val="60000"/>
+                  <a:lumOff val="40000"/>
+                </a:schemeClr>
+              </a:solidFill>
+              <a:latin typeface="MERG_Logo" pitchFamily="2" charset="0"/>
+            </a:endParaRPr>
           </a:p>
         </p:txBody>
       </p:sp>
@@ -8573,14 +8662,14 @@
           <p:nvPr>
             <p:extLst>
               <p:ext uri="{D42A27DB-BD31-4B8C-83A1-F6EECF244321}">
-                <p14:modId xmlns:p14="http://schemas.microsoft.com/office/powerpoint/2010/main" val="3143389015"/>
+                <p14:modId xmlns:p14="http://schemas.microsoft.com/office/powerpoint/2010/main" val="935233343"/>
               </p:ext>
             </p:extLst>
           </p:nvPr>
         </p:nvGraphicFramePr>
         <p:xfrm>
-          <a:off x="415505" y="391004"/>
-          <a:ext cx="11360989" cy="5796869"/>
+          <a:off x="415504" y="391004"/>
+          <a:ext cx="11663718" cy="5600931"/>
         </p:xfrm>
         <a:graphic>
           <a:graphicData uri="http://schemas.openxmlformats.org/drawingml/2006/table">
@@ -8589,21 +8678,21 @@
                 <a:tableStyleId>{5C22544A-7EE6-4342-B048-85BDC9FD1C3A}</a:tableStyleId>
               </a:tblPr>
               <a:tblGrid>
-                <a:gridCol w="1130060">
+                <a:gridCol w="1160172">
                   <a:extLst>
                     <a:ext uri="{9D8B030D-6E8A-4147-A177-3AD203B41FA5}">
                       <a16:colId xmlns:a16="http://schemas.microsoft.com/office/drawing/2014/main" val="747525499"/>
                     </a:ext>
                   </a:extLst>
                 </a:gridCol>
-                <a:gridCol w="4466567">
+                <a:gridCol w="4212476">
                   <a:extLst>
                     <a:ext uri="{9D8B030D-6E8A-4147-A177-3AD203B41FA5}">
                       <a16:colId xmlns:a16="http://schemas.microsoft.com/office/drawing/2014/main" val="2892156475"/>
                     </a:ext>
                   </a:extLst>
                 </a:gridCol>
-                <a:gridCol w="5764362">
+                <a:gridCol w="6291070">
                   <a:extLst>
                     <a:ext uri="{9D8B030D-6E8A-4147-A177-3AD203B41FA5}">
                       <a16:colId xmlns:a16="http://schemas.microsoft.com/office/drawing/2014/main" val="3449804923"/>
@@ -8685,7 +8774,7 @@
                   </a:ext>
                 </a:extLst>
               </a:tr>
-              <a:tr h="1492309">
+              <a:tr h="1389566">
                 <a:tc gridSpan="2">
                   <a:txBody>
                     <a:bodyPr/>
@@ -8912,6 +9001,29 @@
                       </a:r>
                     </a:p>
                     <a:p>
+                      <a:pPr marL="0" marR="0" lvl="0" indent="0" algn="l" defTabSz="914400" rtl="0" eaLnBrk="1" fontAlgn="auto" latinLnBrk="0" hangingPunct="1">
+                        <a:lnSpc>
+                          <a:spcPct val="100000"/>
+                        </a:lnSpc>
+                        <a:spcBef>
+                          <a:spcPts val="0"/>
+                        </a:spcBef>
+                        <a:spcAft>
+                          <a:spcPts val="0"/>
+                        </a:spcAft>
+                        <a:buClrTx/>
+                        <a:buSzTx/>
+                        <a:buFontTx/>
+                        <a:buNone/>
+                        <a:tabLst/>
+                        <a:defRPr/>
+                      </a:pPr>
+                      <a:r>
+                        <a:rPr lang="en-US" b="1" dirty="0"/>
+                        <a:t>Cons:</a:t>
+                      </a:r>
+                    </a:p>
+                    <a:p>
                       <a:pPr marL="285750" marR="0" lvl="0" indent="-285750" algn="l" defTabSz="914400" rtl="0" eaLnBrk="1" fontAlgn="auto" latinLnBrk="0" hangingPunct="1">
                         <a:lnSpc>
                           <a:spcPct val="100000"/>
@@ -8931,30 +9043,7 @@
                       </a:pPr>
                       <a:r>
                         <a:rPr lang="en-US" dirty="0"/>
-                        <a:t>Combination presses are distinguishable</a:t>
-                      </a:r>
-                    </a:p>
-                    <a:p>
-                      <a:pPr marL="0" marR="0" lvl="0" indent="0" algn="l" defTabSz="914400" rtl="0" eaLnBrk="1" fontAlgn="auto" latinLnBrk="0" hangingPunct="1">
-                        <a:lnSpc>
-                          <a:spcPct val="100000"/>
-                        </a:lnSpc>
-                        <a:spcBef>
-                          <a:spcPts val="0"/>
-                        </a:spcBef>
-                        <a:spcAft>
-                          <a:spcPts val="0"/>
-                        </a:spcAft>
-                        <a:buClrTx/>
-                        <a:buSzTx/>
-                        <a:buFontTx/>
-                        <a:buNone/>
-                        <a:tabLst/>
-                        <a:defRPr/>
-                      </a:pPr>
-                      <a:r>
-                        <a:rPr lang="en-US" b="1" dirty="0"/>
-                        <a:t>Cons:</a:t>
+                        <a:t>Size and button pattern fixed for the module</a:t>
                       </a:r>
                     </a:p>
                     <a:p>
@@ -8977,29 +9066,6 @@
                       </a:pPr>
                       <a:r>
                         <a:rPr lang="en-US" dirty="0"/>
-                        <a:t>Size and button pattern fixed for the module</a:t>
-                      </a:r>
-                    </a:p>
-                    <a:p>
-                      <a:pPr marL="285750" marR="0" lvl="0" indent="-285750" algn="l" defTabSz="914400" rtl="0" eaLnBrk="1" fontAlgn="auto" latinLnBrk="0" hangingPunct="1">
-                        <a:lnSpc>
-                          <a:spcPct val="100000"/>
-                        </a:lnSpc>
-                        <a:spcBef>
-                          <a:spcPts val="0"/>
-                        </a:spcBef>
-                        <a:spcAft>
-                          <a:spcPts val="0"/>
-                        </a:spcAft>
-                        <a:buClrTx/>
-                        <a:buSzTx/>
-                        <a:buFont typeface="Arial" panose="020B0604020202020204" pitchFamily="34" charset="0"/>
-                        <a:buChar char="•"/>
-                        <a:tabLst/>
-                        <a:defRPr/>
-                      </a:pPr>
-                      <a:r>
-                        <a:rPr lang="en-US" dirty="0"/>
                         <a:t>Some experimentation to determine what analog value maps to what button push.</a:t>
                       </a:r>
                     </a:p>
@@ -9032,7 +9098,13 @@
                     <a:p>
                       <a:r>
                         <a:rPr lang="en-US" b="0" dirty="0"/>
-                        <a:t>(Google it to learn more).  You can build your own resistor ladder using standalone switches and resistors.</a:t>
+                        <a:t>You can build your own resistor ladder using standalone switches and resistors. Circuit shown is simple (same R) </a:t>
+                      </a:r>
+                    </a:p>
+                    <a:p>
+                      <a:r>
+                        <a:rPr lang="en-US" b="0" dirty="0"/>
+                        <a:t>( Other designs use different values of R,   or R and 2R)</a:t>
                       </a:r>
                     </a:p>
                   </a:txBody>
@@ -9103,7 +9175,7 @@
         <p:spPr>
           <a:xfrm>
             <a:off x="6096000" y="1591056"/>
-            <a:ext cx="2048218" cy="1062256"/>
+            <a:ext cx="1941576" cy="1006949"/>
           </a:xfrm>
           <a:prstGeom prst="rect">
             <a:avLst/>
@@ -9302,18 +9374,15 @@
             </a:lvl9pPr>
           </a:lstStyle>
           <a:p>
-            <a:r>
-              <a:rPr lang="en-US" sz="3200" b="1" dirty="0">
-                <a:solidFill>
-                  <a:schemeClr val="accent1">
-                    <a:lumMod val="60000"/>
-                    <a:lumOff val="40000"/>
-                  </a:schemeClr>
-                </a:solidFill>
-                <a:latin typeface="MERG_Logo" pitchFamily="2" charset="0"/>
-              </a:rPr>
-              <a:t>(MERG)</a:t>
-            </a:r>
+            <a:endParaRPr lang="en-US" sz="3200" b="1" dirty="0">
+              <a:solidFill>
+                <a:schemeClr val="accent1">
+                  <a:lumMod val="60000"/>
+                  <a:lumOff val="40000"/>
+                </a:schemeClr>
+              </a:solidFill>
+              <a:latin typeface="MERG_Logo" pitchFamily="2" charset="0"/>
+            </a:endParaRPr>
           </a:p>
         </p:txBody>
       </p:sp>
@@ -9381,8 +9450,38 @@
         </p:blipFill>
         <p:spPr>
           <a:xfrm>
-            <a:off x="8647176" y="1293713"/>
-            <a:ext cx="2417064" cy="1359599"/>
+            <a:off x="8647176" y="1293714"/>
+            <a:ext cx="2318740" cy="1304292"/>
+          </a:xfrm>
+          <a:prstGeom prst="rect">
+            <a:avLst/>
+          </a:prstGeom>
+        </p:spPr>
+      </p:pic>
+      <p:pic>
+        <p:nvPicPr>
+          <p:cNvPr id="4" name="Picture 3">
+            <a:extLst>
+              <a:ext uri="{FF2B5EF4-FFF2-40B4-BE49-F238E27FC236}">
+                <a16:creationId xmlns:a16="http://schemas.microsoft.com/office/drawing/2014/main" id="{4EDFB79A-2014-D6DB-732E-88A0972E7878}"/>
+              </a:ext>
+            </a:extLst>
+          </p:cNvPr>
+          <p:cNvPicPr>
+            <a:picLocks noChangeAspect="1"/>
+          </p:cNvPicPr>
+          <p:nvPr/>
+        </p:nvPicPr>
+        <p:blipFill>
+          <a:blip r:embed="rId5"/>
+          <a:stretch>
+            <a:fillRect/>
+          </a:stretch>
+        </p:blipFill>
+        <p:spPr>
+          <a:xfrm>
+            <a:off x="5957278" y="4657802"/>
+            <a:ext cx="2984459" cy="1218283"/>
           </a:xfrm>
           <a:prstGeom prst="rect">
             <a:avLst/>
@@ -9434,7 +9533,7 @@
           <p:nvPr>
             <p:extLst>
               <p:ext uri="{D42A27DB-BD31-4B8C-83A1-F6EECF244321}">
-                <p14:modId xmlns:p14="http://schemas.microsoft.com/office/powerpoint/2010/main" val="3356699324"/>
+                <p14:modId xmlns:p14="http://schemas.microsoft.com/office/powerpoint/2010/main" val="1923733488"/>
               </p:ext>
             </p:extLst>
           </p:nvPr>
@@ -9704,7 +9803,7 @@
                       </a:pPr>
                       <a:r>
                         <a:rPr lang="en-US" b="0" dirty="0"/>
-                        <a:t>Resistive material. Electrically</a:t>
+                        <a:t>resistive material. Electrically</a:t>
                       </a:r>
                     </a:p>
                     <a:p>
@@ -9727,7 +9826,7 @@
                       </a:pPr>
                       <a:r>
                         <a:rPr lang="en-US" b="0" dirty="0"/>
-                        <a:t>the wiper and end points are</a:t>
+                        <a:t>the two end points and the</a:t>
                       </a:r>
                     </a:p>
                     <a:p>
@@ -9750,7 +9849,7 @@
                       </a:pPr>
                       <a:r>
                         <a:rPr lang="en-US" b="0" dirty="0"/>
-                        <a:t>All brought out to pins.</a:t>
+                        <a:t>wiper are brought out to pins.</a:t>
                       </a:r>
                     </a:p>
                   </a:txBody>
@@ -9856,6 +9955,12 @@
                       <a:r>
                         <a:rPr lang="en-US" dirty="0"/>
                         <a:t>Different resistor values are available to suit the application. Also the resistance may vary linear with rotation or logarithmically (common in audio applications) </a:t>
+                      </a:r>
+                    </a:p>
+                    <a:p>
+                      <a:r>
+                        <a:rPr lang="en-US" dirty="0"/>
+                        <a:t>Multi-turn, single turn, linear are also options</a:t>
                       </a:r>
                     </a:p>
                   </a:txBody>
@@ -10227,18 +10332,15 @@
             </a:lvl9pPr>
           </a:lstStyle>
           <a:p>
-            <a:r>
-              <a:rPr lang="en-US" sz="3200" b="1" dirty="0">
-                <a:solidFill>
-                  <a:schemeClr val="accent1">
-                    <a:lumMod val="60000"/>
-                    <a:lumOff val="40000"/>
-                  </a:schemeClr>
-                </a:solidFill>
-                <a:latin typeface="MERG_Logo" pitchFamily="2" charset="0"/>
-              </a:rPr>
-              <a:t>(MERG)</a:t>
-            </a:r>
+            <a:endParaRPr lang="en-US" sz="3200" b="1" dirty="0">
+              <a:solidFill>
+                <a:schemeClr val="accent1">
+                  <a:lumMod val="60000"/>
+                  <a:lumOff val="40000"/>
+                </a:schemeClr>
+              </a:solidFill>
+              <a:latin typeface="MERG_Logo" pitchFamily="2" charset="0"/>
+            </a:endParaRPr>
           </a:p>
         </p:txBody>
       </p:sp>
@@ -10323,7 +10425,7 @@
           <p:nvPr>
             <p:extLst>
               <p:ext uri="{D42A27DB-BD31-4B8C-83A1-F6EECF244321}">
-                <p14:modId xmlns:p14="http://schemas.microsoft.com/office/powerpoint/2010/main" val="2809137810"/>
+                <p14:modId xmlns:p14="http://schemas.microsoft.com/office/powerpoint/2010/main" val="1513889061"/>
               </p:ext>
             </p:extLst>
           </p:nvPr>
@@ -10637,7 +10739,7 @@
                       </a:pPr>
                       <a:r>
                         <a:rPr lang="en-US" dirty="0"/>
-                        <a:t>Sensitive to ambient light</a:t>
+                        <a:t>Sensitive to ambient light. (solutions available)</a:t>
                       </a:r>
                     </a:p>
                   </a:txBody>
@@ -10999,18 +11101,15 @@
             </a:lvl9pPr>
           </a:lstStyle>
           <a:p>
-            <a:r>
-              <a:rPr lang="en-US" sz="3200" b="1" dirty="0">
-                <a:solidFill>
-                  <a:schemeClr val="accent1">
-                    <a:lumMod val="60000"/>
-                    <a:lumOff val="40000"/>
-                  </a:schemeClr>
-                </a:solidFill>
-                <a:latin typeface="MERG_Logo" pitchFamily="2" charset="0"/>
-              </a:rPr>
-              <a:t>(MERG)</a:t>
-            </a:r>
+            <a:endParaRPr lang="en-US" sz="3200" b="1" dirty="0">
+              <a:solidFill>
+                <a:schemeClr val="accent1">
+                  <a:lumMod val="60000"/>
+                  <a:lumOff val="40000"/>
+                </a:schemeClr>
+              </a:solidFill>
+              <a:latin typeface="MERG_Logo" pitchFamily="2" charset="0"/>
+            </a:endParaRPr>
           </a:p>
         </p:txBody>
       </p:sp>
@@ -11095,14 +11194,14 @@
           <p:nvPr>
             <p:extLst>
               <p:ext uri="{D42A27DB-BD31-4B8C-83A1-F6EECF244321}">
-                <p14:modId xmlns:p14="http://schemas.microsoft.com/office/powerpoint/2010/main" val="202576625"/>
+                <p14:modId xmlns:p14="http://schemas.microsoft.com/office/powerpoint/2010/main" val="3673809812"/>
               </p:ext>
             </p:extLst>
           </p:nvPr>
         </p:nvGraphicFramePr>
         <p:xfrm>
           <a:off x="415505" y="391004"/>
-          <a:ext cx="11463070" cy="5067968"/>
+          <a:ext cx="11463070" cy="5196529"/>
         </p:xfrm>
         <a:graphic>
           <a:graphicData uri="http://schemas.openxmlformats.org/drawingml/2006/table">
@@ -11397,6 +11496,29 @@
                       </a:r>
                     </a:p>
                     <a:p>
+                      <a:pPr marL="285750" marR="0" lvl="0" indent="-285750" algn="l" defTabSz="914400" rtl="0" eaLnBrk="1" fontAlgn="auto" latinLnBrk="0" hangingPunct="1">
+                        <a:lnSpc>
+                          <a:spcPct val="100000"/>
+                        </a:lnSpc>
+                        <a:spcBef>
+                          <a:spcPts val="0"/>
+                        </a:spcBef>
+                        <a:spcAft>
+                          <a:spcPts val="0"/>
+                        </a:spcAft>
+                        <a:buClrTx/>
+                        <a:buSzTx/>
+                        <a:buFont typeface="Arial" panose="020B0604020202020204" pitchFamily="34" charset="0"/>
+                        <a:buChar char="•"/>
+                        <a:tabLst/>
+                        <a:defRPr/>
+                      </a:pPr>
+                      <a:r>
+                        <a:rPr lang="en-US" dirty="0"/>
+                        <a:t>3 pin = DO only,   4 Pin has DO and AO outputs</a:t>
+                      </a:r>
+                    </a:p>
+                    <a:p>
                       <a:r>
                         <a:rPr lang="en-US" b="1" dirty="0"/>
                         <a:t>Cons:</a:t>
@@ -11409,7 +11531,7 @@
                       </a:pPr>
                       <a:r>
                         <a:rPr lang="en-US" dirty="0"/>
-                        <a:t>Module size varies by manufacturer </a:t>
+                        <a:t>Module size and pinout varies by manufacturer </a:t>
                       </a:r>
                     </a:p>
                   </a:txBody>
@@ -11747,18 +11869,15 @@
             </a:lvl9pPr>
           </a:lstStyle>
           <a:p>
-            <a:r>
-              <a:rPr lang="en-US" sz="3200" b="1" dirty="0">
-                <a:solidFill>
-                  <a:schemeClr val="accent1">
-                    <a:lumMod val="60000"/>
-                    <a:lumOff val="40000"/>
-                  </a:schemeClr>
-                </a:solidFill>
-                <a:latin typeface="MERG_Logo" pitchFamily="2" charset="0"/>
-              </a:rPr>
-              <a:t>(MERG)</a:t>
-            </a:r>
+            <a:endParaRPr lang="en-US" sz="3200" b="1" dirty="0">
+              <a:solidFill>
+                <a:schemeClr val="accent1">
+                  <a:lumMod val="60000"/>
+                  <a:lumOff val="40000"/>
+                </a:schemeClr>
+              </a:solidFill>
+              <a:latin typeface="MERG_Logo" pitchFamily="2" charset="0"/>
+            </a:endParaRPr>
           </a:p>
         </p:txBody>
       </p:sp>
@@ -11882,7 +12001,7 @@
           <p:nvPr>
             <p:extLst>
               <p:ext uri="{D42A27DB-BD31-4B8C-83A1-F6EECF244321}">
-                <p14:modId xmlns:p14="http://schemas.microsoft.com/office/powerpoint/2010/main" val="3597282880"/>
+                <p14:modId xmlns:p14="http://schemas.microsoft.com/office/powerpoint/2010/main" val="1783088132"/>
               </p:ext>
             </p:extLst>
           </p:nvPr>
@@ -12236,24 +12355,16 @@
                       </a:r>
                     </a:p>
                     <a:p>
-                      <a:pPr marL="0" marR="0" lvl="0" indent="0" algn="l" defTabSz="914400" rtl="0" eaLnBrk="1" fontAlgn="auto" latinLnBrk="0" hangingPunct="1">
-                        <a:lnSpc>
-                          <a:spcPct val="100000"/>
-                        </a:lnSpc>
-                        <a:spcBef>
-                          <a:spcPts val="0"/>
-                        </a:spcBef>
-                        <a:spcAft>
-                          <a:spcPts val="0"/>
-                        </a:spcAft>
-                        <a:buClrTx/>
-                        <a:buSzTx/>
-                        <a:buFontTx/>
-                        <a:buNone/>
-                        <a:tabLst/>
-                        <a:defRPr/>
-                      </a:pPr>
-                      <a:endParaRPr lang="en-US" dirty="0"/>
+                      <a:r>
+                        <a:rPr lang="en-US" b="0" dirty="0"/>
+                        <a:t>Does not depend on visible light. </a:t>
+                      </a:r>
+                    </a:p>
+                    <a:p>
+                      <a:r>
+                        <a:rPr lang="en-US" b="0" dirty="0"/>
+                        <a:t>A common application at home is to turn on security lights when someone approaches at night.</a:t>
+                      </a:r>
                     </a:p>
                   </a:txBody>
                   <a:tcPr/>
@@ -12522,18 +12633,15 @@
             </a:lvl9pPr>
           </a:lstStyle>
           <a:p>
-            <a:r>
-              <a:rPr lang="en-US" sz="3200" b="1" dirty="0">
-                <a:solidFill>
-                  <a:schemeClr val="accent1">
-                    <a:lumMod val="60000"/>
-                    <a:lumOff val="40000"/>
-                  </a:schemeClr>
-                </a:solidFill>
-                <a:latin typeface="MERG_Logo" pitchFamily="2" charset="0"/>
-              </a:rPr>
-              <a:t>(MERG)</a:t>
-            </a:r>
+            <a:endParaRPr lang="en-US" sz="3200" b="1" dirty="0">
+              <a:solidFill>
+                <a:schemeClr val="accent1">
+                  <a:lumMod val="60000"/>
+                  <a:lumOff val="40000"/>
+                </a:schemeClr>
+              </a:solidFill>
+              <a:latin typeface="MERG_Logo" pitchFamily="2" charset="0"/>
+            </a:endParaRPr>
           </a:p>
         </p:txBody>
       </p:sp>
@@ -12618,7 +12726,7 @@
           <p:nvPr>
             <p:extLst>
               <p:ext uri="{D42A27DB-BD31-4B8C-83A1-F6EECF244321}">
-                <p14:modId xmlns:p14="http://schemas.microsoft.com/office/powerpoint/2010/main" val="1527311748"/>
+                <p14:modId xmlns:p14="http://schemas.microsoft.com/office/powerpoint/2010/main" val="3703664602"/>
               </p:ext>
             </p:extLst>
           </p:nvPr>
@@ -13037,7 +13145,7 @@
                     <a:p>
                       <a:r>
                         <a:rPr lang="en-US" b="0" dirty="0"/>
-                        <a:t>Due to the Hysteresis I do edge detection travelling in the same direction</a:t>
+                        <a:t>Due to the Hysteresis I do edge detection always travelling in the same direction</a:t>
                       </a:r>
                     </a:p>
                     <a:p>
@@ -13379,18 +13487,15 @@
             </a:lvl9pPr>
           </a:lstStyle>
           <a:p>
-            <a:r>
-              <a:rPr lang="en-US" sz="3200" b="1" dirty="0">
-                <a:solidFill>
-                  <a:schemeClr val="accent1">
-                    <a:lumMod val="60000"/>
-                    <a:lumOff val="40000"/>
-                  </a:schemeClr>
-                </a:solidFill>
-                <a:latin typeface="MERG_Logo" pitchFamily="2" charset="0"/>
-              </a:rPr>
-              <a:t>(MERG)</a:t>
-            </a:r>
+            <a:endParaRPr lang="en-US" sz="3200" b="1" dirty="0">
+              <a:solidFill>
+                <a:schemeClr val="accent1">
+                  <a:lumMod val="60000"/>
+                  <a:lumOff val="40000"/>
+                </a:schemeClr>
+              </a:solidFill>
+              <a:latin typeface="MERG_Logo" pitchFamily="2" charset="0"/>
+            </a:endParaRPr>
           </a:p>
         </p:txBody>
       </p:sp>
@@ -13812,14 +13917,14 @@
           <p:nvPr>
             <p:extLst>
               <p:ext uri="{D42A27DB-BD31-4B8C-83A1-F6EECF244321}">
-                <p14:modId xmlns:p14="http://schemas.microsoft.com/office/powerpoint/2010/main" val="4121901758"/>
+                <p14:modId xmlns:p14="http://schemas.microsoft.com/office/powerpoint/2010/main" val="1872482319"/>
               </p:ext>
             </p:extLst>
           </p:nvPr>
         </p:nvGraphicFramePr>
         <p:xfrm>
           <a:off x="415505" y="391004"/>
-          <a:ext cx="11360989" cy="5562787"/>
+          <a:ext cx="11360989" cy="5774190"/>
         </p:xfrm>
         <a:graphic>
           <a:graphicData uri="http://schemas.openxmlformats.org/drawingml/2006/table">
@@ -14140,26 +14245,9 @@
                         <a:tabLst/>
                         <a:defRPr/>
                       </a:pPr>
-                      <a:endParaRPr lang="en-US" dirty="0"/>
-                    </a:p>
-                  </a:txBody>
-                  <a:tcPr/>
-                </a:tc>
-                <a:extLst>
-                  <a:ext uri="{0D108BD9-81ED-4DB2-BD59-A6C34878D82A}">
-                    <a16:rowId xmlns:a16="http://schemas.microsoft.com/office/drawing/2014/main" val="2494442280"/>
-                  </a:ext>
-                </a:extLst>
-              </a:tr>
-              <a:tr h="1525957">
-                <a:tc gridSpan="2">
-                  <a:txBody>
-                    <a:bodyPr/>
-                    <a:lstStyle/>
-                    <a:p>
                       <a:r>
                         <a:rPr lang="en-US" b="1" dirty="0"/>
-                        <a:t>Notes:</a:t>
+                        <a:t>Cons:</a:t>
                       </a:r>
                     </a:p>
                     <a:p>
@@ -14181,8 +14269,28 @@
                         <a:defRPr/>
                       </a:pPr>
                       <a:r>
-                        <a:rPr lang="en-US" b="0" dirty="0"/>
-                        <a:t>The chip calculates relative humidity</a:t>
+                        <a:rPr lang="en-US" dirty="0"/>
+                        <a:t>Narrow operating range (geared to typical ambient values)</a:t>
+                      </a:r>
+                    </a:p>
+                  </a:txBody>
+                  <a:tcPr/>
+                </a:tc>
+                <a:extLst>
+                  <a:ext uri="{0D108BD9-81ED-4DB2-BD59-A6C34878D82A}">
+                    <a16:rowId xmlns:a16="http://schemas.microsoft.com/office/drawing/2014/main" val="2494442280"/>
+                  </a:ext>
+                </a:extLst>
+              </a:tr>
+              <a:tr h="1525957">
+                <a:tc gridSpan="2">
+                  <a:txBody>
+                    <a:bodyPr/>
+                    <a:lstStyle/>
+                    <a:p>
+                      <a:r>
+                        <a:rPr lang="en-US" b="1" dirty="0"/>
+                        <a:t>Notes:</a:t>
                       </a:r>
                     </a:p>
                     <a:p>
@@ -14205,6 +14313,29 @@
                       </a:pPr>
                       <a:r>
                         <a:rPr lang="en-US" b="0" dirty="0"/>
+                        <a:t>The chip calculates relative humidity</a:t>
+                      </a:r>
+                    </a:p>
+                    <a:p>
+                      <a:pPr marL="0" marR="0" lvl="0" indent="0" algn="l" defTabSz="914400" rtl="0" eaLnBrk="1" fontAlgn="auto" latinLnBrk="0" hangingPunct="1">
+                        <a:lnSpc>
+                          <a:spcPct val="100000"/>
+                        </a:lnSpc>
+                        <a:spcBef>
+                          <a:spcPts val="0"/>
+                        </a:spcBef>
+                        <a:spcAft>
+                          <a:spcPts val="0"/>
+                        </a:spcAft>
+                        <a:buClrTx/>
+                        <a:buSzTx/>
+                        <a:buFontTx/>
+                        <a:buNone/>
+                        <a:tabLst/>
+                        <a:defRPr/>
+                      </a:pPr>
+                      <a:r>
+                        <a:rPr lang="en-US" b="0" dirty="0"/>
                         <a:t>All readings are sent via serial communication</a:t>
                       </a:r>
                     </a:p>
@@ -14218,6 +14349,12 @@
                       <a:r>
                         <a:rPr lang="en-US" b="0" dirty="0"/>
                         <a:t>Be aware of differing pinouts</a:t>
+                      </a:r>
+                    </a:p>
+                    <a:p>
+                      <a:r>
+                        <a:rPr lang="en-US" b="0" dirty="0"/>
+                        <a:t>Thermistor &lt;&gt; Thermocouple</a:t>
                       </a:r>
                     </a:p>
                   </a:txBody>
@@ -14483,18 +14620,15 @@
             </a:lvl9pPr>
           </a:lstStyle>
           <a:p>
-            <a:r>
-              <a:rPr lang="en-US" sz="3200" b="1" dirty="0">
-                <a:solidFill>
-                  <a:schemeClr val="accent1">
-                    <a:lumMod val="60000"/>
-                    <a:lumOff val="40000"/>
-                  </a:schemeClr>
-                </a:solidFill>
-                <a:latin typeface="MERG_Logo" pitchFamily="2" charset="0"/>
-              </a:rPr>
-              <a:t>(MERG)</a:t>
-            </a:r>
+            <a:endParaRPr lang="en-US" sz="3200" b="1" dirty="0">
+              <a:solidFill>
+                <a:schemeClr val="accent1">
+                  <a:lumMod val="60000"/>
+                  <a:lumOff val="40000"/>
+                </a:schemeClr>
+              </a:solidFill>
+              <a:latin typeface="MERG_Logo" pitchFamily="2" charset="0"/>
+            </a:endParaRPr>
           </a:p>
         </p:txBody>
       </p:sp>
@@ -14609,14 +14743,14 @@
           <p:nvPr>
             <p:extLst>
               <p:ext uri="{D42A27DB-BD31-4B8C-83A1-F6EECF244321}">
-                <p14:modId xmlns:p14="http://schemas.microsoft.com/office/powerpoint/2010/main" val="1482306661"/>
+                <p14:modId xmlns:p14="http://schemas.microsoft.com/office/powerpoint/2010/main" val="242048909"/>
               </p:ext>
             </p:extLst>
           </p:nvPr>
         </p:nvGraphicFramePr>
         <p:xfrm>
           <a:off x="415505" y="391005"/>
-          <a:ext cx="11360989" cy="5669167"/>
+          <a:ext cx="11360989" cy="5493117"/>
         </p:xfrm>
         <a:graphic>
           <a:graphicData uri="http://schemas.openxmlformats.org/drawingml/2006/table">
@@ -14783,7 +14917,7 @@
                   </a:ext>
                 </a:extLst>
               </a:tr>
-              <a:tr h="2462050">
+              <a:tr h="2262166">
                 <a:tc gridSpan="2">
                   <a:txBody>
                     <a:bodyPr/>
@@ -14973,7 +15107,7 @@
                     <a:p>
                       <a:r>
                         <a:rPr lang="en-US" dirty="0"/>
-                        <a:t>MERG PMK7 is this example.</a:t>
+                        <a:t>MERG PMK7 is this example. Others are available.</a:t>
                       </a:r>
                     </a:p>
                     <a:p>
@@ -15091,213 +15225,6 @@
           </a:prstGeom>
         </p:spPr>
       </p:pic>
-      <p:sp>
-        <p:nvSpPr>
-          <p:cNvPr id="5" name="Subtitle 2">
-            <a:extLst>
-              <a:ext uri="{FF2B5EF4-FFF2-40B4-BE49-F238E27FC236}">
-                <a16:creationId xmlns:a16="http://schemas.microsoft.com/office/drawing/2014/main" id="{898AB35D-C157-65A6-665E-30B7E3F93130}"/>
-              </a:ext>
-            </a:extLst>
-          </p:cNvPr>
-          <p:cNvSpPr txBox="1">
-            <a:spLocks/>
-          </p:cNvSpPr>
-          <p:nvPr/>
-        </p:nvSpPr>
-        <p:spPr>
-          <a:xfrm>
-            <a:off x="560718" y="6177560"/>
-            <a:ext cx="1357223" cy="558771"/>
-          </a:xfrm>
-          <a:prstGeom prst="rect">
-            <a:avLst/>
-          </a:prstGeom>
-        </p:spPr>
-        <p:txBody>
-          <a:bodyPr vert="horz" lIns="91440" tIns="45720" rIns="91440" bIns="45720" rtlCol="0">
-            <a:noAutofit/>
-          </a:bodyPr>
-          <a:lstStyle>
-            <a:lvl1pPr marL="0" indent="0" algn="ctr" defTabSz="914400" rtl="0" eaLnBrk="1" latinLnBrk="0" hangingPunct="1">
-              <a:lnSpc>
-                <a:spcPct val="90000"/>
-              </a:lnSpc>
-              <a:spcBef>
-                <a:spcPts val="1000"/>
-              </a:spcBef>
-              <a:buFont typeface="Arial" panose="020B0604020202020204" pitchFamily="34" charset="0"/>
-              <a:buNone/>
-              <a:defRPr sz="2400" kern="1200">
-                <a:solidFill>
-                  <a:schemeClr val="tx1"/>
-                </a:solidFill>
-                <a:latin typeface="+mn-lt"/>
-                <a:ea typeface="+mn-ea"/>
-                <a:cs typeface="+mn-cs"/>
-              </a:defRPr>
-            </a:lvl1pPr>
-            <a:lvl2pPr marL="457200" indent="0" algn="ctr" defTabSz="914400" rtl="0" eaLnBrk="1" latinLnBrk="0" hangingPunct="1">
-              <a:lnSpc>
-                <a:spcPct val="90000"/>
-              </a:lnSpc>
-              <a:spcBef>
-                <a:spcPts val="500"/>
-              </a:spcBef>
-              <a:buFont typeface="Arial" panose="020B0604020202020204" pitchFamily="34" charset="0"/>
-              <a:buNone/>
-              <a:defRPr sz="2000" kern="1200">
-                <a:solidFill>
-                  <a:schemeClr val="tx1"/>
-                </a:solidFill>
-                <a:latin typeface="+mn-lt"/>
-                <a:ea typeface="+mn-ea"/>
-                <a:cs typeface="+mn-cs"/>
-              </a:defRPr>
-            </a:lvl2pPr>
-            <a:lvl3pPr marL="914400" indent="0" algn="ctr" defTabSz="914400" rtl="0" eaLnBrk="1" latinLnBrk="0" hangingPunct="1">
-              <a:lnSpc>
-                <a:spcPct val="90000"/>
-              </a:lnSpc>
-              <a:spcBef>
-                <a:spcPts val="500"/>
-              </a:spcBef>
-              <a:buFont typeface="Arial" panose="020B0604020202020204" pitchFamily="34" charset="0"/>
-              <a:buNone/>
-              <a:defRPr sz="1800" kern="1200">
-                <a:solidFill>
-                  <a:schemeClr val="tx1"/>
-                </a:solidFill>
-                <a:latin typeface="+mn-lt"/>
-                <a:ea typeface="+mn-ea"/>
-                <a:cs typeface="+mn-cs"/>
-              </a:defRPr>
-            </a:lvl3pPr>
-            <a:lvl4pPr marL="1371600" indent="0" algn="ctr" defTabSz="914400" rtl="0" eaLnBrk="1" latinLnBrk="0" hangingPunct="1">
-              <a:lnSpc>
-                <a:spcPct val="90000"/>
-              </a:lnSpc>
-              <a:spcBef>
-                <a:spcPts val="500"/>
-              </a:spcBef>
-              <a:buFont typeface="Arial" panose="020B0604020202020204" pitchFamily="34" charset="0"/>
-              <a:buNone/>
-              <a:defRPr sz="1600" kern="1200">
-                <a:solidFill>
-                  <a:schemeClr val="tx1"/>
-                </a:solidFill>
-                <a:latin typeface="+mn-lt"/>
-                <a:ea typeface="+mn-ea"/>
-                <a:cs typeface="+mn-cs"/>
-              </a:defRPr>
-            </a:lvl4pPr>
-            <a:lvl5pPr marL="1828800" indent="0" algn="ctr" defTabSz="914400" rtl="0" eaLnBrk="1" latinLnBrk="0" hangingPunct="1">
-              <a:lnSpc>
-                <a:spcPct val="90000"/>
-              </a:lnSpc>
-              <a:spcBef>
-                <a:spcPts val="500"/>
-              </a:spcBef>
-              <a:buFont typeface="Arial" panose="020B0604020202020204" pitchFamily="34" charset="0"/>
-              <a:buNone/>
-              <a:defRPr sz="1600" kern="1200">
-                <a:solidFill>
-                  <a:schemeClr val="tx1"/>
-                </a:solidFill>
-                <a:latin typeface="+mn-lt"/>
-                <a:ea typeface="+mn-ea"/>
-                <a:cs typeface="+mn-cs"/>
-              </a:defRPr>
-            </a:lvl5pPr>
-            <a:lvl6pPr marL="2286000" indent="0" algn="ctr" defTabSz="914400" rtl="0" eaLnBrk="1" latinLnBrk="0" hangingPunct="1">
-              <a:lnSpc>
-                <a:spcPct val="90000"/>
-              </a:lnSpc>
-              <a:spcBef>
-                <a:spcPts val="500"/>
-              </a:spcBef>
-              <a:buFont typeface="Arial" panose="020B0604020202020204" pitchFamily="34" charset="0"/>
-              <a:buNone/>
-              <a:defRPr sz="1600" kern="1200">
-                <a:solidFill>
-                  <a:schemeClr val="tx1"/>
-                </a:solidFill>
-                <a:latin typeface="+mn-lt"/>
-                <a:ea typeface="+mn-ea"/>
-                <a:cs typeface="+mn-cs"/>
-              </a:defRPr>
-            </a:lvl6pPr>
-            <a:lvl7pPr marL="2743200" indent="0" algn="ctr" defTabSz="914400" rtl="0" eaLnBrk="1" latinLnBrk="0" hangingPunct="1">
-              <a:lnSpc>
-                <a:spcPct val="90000"/>
-              </a:lnSpc>
-              <a:spcBef>
-                <a:spcPts val="500"/>
-              </a:spcBef>
-              <a:buFont typeface="Arial" panose="020B0604020202020204" pitchFamily="34" charset="0"/>
-              <a:buNone/>
-              <a:defRPr sz="1600" kern="1200">
-                <a:solidFill>
-                  <a:schemeClr val="tx1"/>
-                </a:solidFill>
-                <a:latin typeface="+mn-lt"/>
-                <a:ea typeface="+mn-ea"/>
-                <a:cs typeface="+mn-cs"/>
-              </a:defRPr>
-            </a:lvl7pPr>
-            <a:lvl8pPr marL="3200400" indent="0" algn="ctr" defTabSz="914400" rtl="0" eaLnBrk="1" latinLnBrk="0" hangingPunct="1">
-              <a:lnSpc>
-                <a:spcPct val="90000"/>
-              </a:lnSpc>
-              <a:spcBef>
-                <a:spcPts val="500"/>
-              </a:spcBef>
-              <a:buFont typeface="Arial" panose="020B0604020202020204" pitchFamily="34" charset="0"/>
-              <a:buNone/>
-              <a:defRPr sz="1600" kern="1200">
-                <a:solidFill>
-                  <a:schemeClr val="tx1"/>
-                </a:solidFill>
-                <a:latin typeface="+mn-lt"/>
-                <a:ea typeface="+mn-ea"/>
-                <a:cs typeface="+mn-cs"/>
-              </a:defRPr>
-            </a:lvl8pPr>
-            <a:lvl9pPr marL="3657600" indent="0" algn="ctr" defTabSz="914400" rtl="0" eaLnBrk="1" latinLnBrk="0" hangingPunct="1">
-              <a:lnSpc>
-                <a:spcPct val="90000"/>
-              </a:lnSpc>
-              <a:spcBef>
-                <a:spcPts val="500"/>
-              </a:spcBef>
-              <a:buFont typeface="Arial" panose="020B0604020202020204" pitchFamily="34" charset="0"/>
-              <a:buNone/>
-              <a:defRPr sz="1600" kern="1200">
-                <a:solidFill>
-                  <a:schemeClr val="tx1"/>
-                </a:solidFill>
-                <a:latin typeface="+mn-lt"/>
-                <a:ea typeface="+mn-ea"/>
-                <a:cs typeface="+mn-cs"/>
-              </a:defRPr>
-            </a:lvl9pPr>
-          </a:lstStyle>
-          <a:p>
-            <a:r>
-              <a:rPr lang="en-US" sz="3200" b="1" dirty="0">
-                <a:solidFill>
-                  <a:schemeClr val="accent1">
-                    <a:lumMod val="60000"/>
-                    <a:lumOff val="40000"/>
-                  </a:schemeClr>
-                </a:solidFill>
-                <a:latin typeface="MERG_Logo" pitchFamily="2" charset="0"/>
-              </a:rPr>
-              <a:t>(MERG)</a:t>
-            </a:r>
-          </a:p>
-        </p:txBody>
-      </p:sp>
       <p:pic>
         <p:nvPicPr>
           <p:cNvPr id="6" name="Picture 5">
@@ -16408,18 +16335,15 @@
             </a:lvl9pPr>
           </a:lstStyle>
           <a:p>
-            <a:r>
-              <a:rPr lang="en-US" sz="3200" b="1" dirty="0">
-                <a:solidFill>
-                  <a:schemeClr val="accent1">
-                    <a:lumMod val="60000"/>
-                    <a:lumOff val="40000"/>
-                  </a:schemeClr>
-                </a:solidFill>
-                <a:latin typeface="MERG_Logo" pitchFamily="2" charset="0"/>
-              </a:rPr>
-              <a:t>(MERG)</a:t>
-            </a:r>
+            <a:endParaRPr lang="en-US" sz="3200" b="1" dirty="0">
+              <a:solidFill>
+                <a:schemeClr val="accent1">
+                  <a:lumMod val="60000"/>
+                  <a:lumOff val="40000"/>
+                </a:schemeClr>
+              </a:solidFill>
+              <a:latin typeface="MERG_Logo" pitchFamily="2" charset="0"/>
+            </a:endParaRPr>
           </a:p>
         </p:txBody>
       </p:sp>
@@ -16543,7 +16467,7 @@
           <p:nvPr>
             <p:extLst>
               <p:ext uri="{D42A27DB-BD31-4B8C-83A1-F6EECF244321}">
-                <p14:modId xmlns:p14="http://schemas.microsoft.com/office/powerpoint/2010/main" val="1619439927"/>
+                <p14:modId xmlns:p14="http://schemas.microsoft.com/office/powerpoint/2010/main" val="4115823992"/>
               </p:ext>
             </p:extLst>
           </p:nvPr>
@@ -16883,7 +16807,7 @@
                     <a:p>
                       <a:r>
                         <a:rPr lang="en-US" dirty="0"/>
-                        <a:t>Wear and tear depends very much on frequency of operation and how much heat (current) the coil is subject to.</a:t>
+                        <a:t>Wear and tear depends very much on frequency of operation and how much heat the coil is subject to.</a:t>
                       </a:r>
                     </a:p>
                   </a:txBody>
@@ -16974,7 +16898,7 @@
                       </a:r>
                       <a:r>
                         <a:rPr lang="en-US" dirty="0"/>
-                        <a:t> mains) voltage.</a:t>
+                        <a:t> mains) voltages</a:t>
                       </a:r>
                     </a:p>
                   </a:txBody>
@@ -17218,18 +17142,15 @@
             </a:lvl9pPr>
           </a:lstStyle>
           <a:p>
-            <a:r>
-              <a:rPr lang="en-US" sz="3200" b="1" dirty="0">
-                <a:solidFill>
-                  <a:schemeClr val="accent1">
-                    <a:lumMod val="60000"/>
-                    <a:lumOff val="40000"/>
-                  </a:schemeClr>
-                </a:solidFill>
-                <a:latin typeface="MERG_Logo" pitchFamily="2" charset="0"/>
-              </a:rPr>
-              <a:t>(MERG)</a:t>
-            </a:r>
+            <a:endParaRPr lang="en-US" sz="3200" b="1" dirty="0">
+              <a:solidFill>
+                <a:schemeClr val="accent1">
+                  <a:lumMod val="60000"/>
+                  <a:lumOff val="40000"/>
+                </a:schemeClr>
+              </a:solidFill>
+              <a:latin typeface="MERG_Logo" pitchFamily="2" charset="0"/>
+            </a:endParaRPr>
           </a:p>
         </p:txBody>
       </p:sp>
@@ -17314,14 +17235,14 @@
           <p:nvPr>
             <p:extLst>
               <p:ext uri="{D42A27DB-BD31-4B8C-83A1-F6EECF244321}">
-                <p14:modId xmlns:p14="http://schemas.microsoft.com/office/powerpoint/2010/main" val="1823181176"/>
+                <p14:modId xmlns:p14="http://schemas.microsoft.com/office/powerpoint/2010/main" val="1304433491"/>
               </p:ext>
             </p:extLst>
           </p:nvPr>
         </p:nvGraphicFramePr>
         <p:xfrm>
-          <a:off x="415505" y="391004"/>
-          <a:ext cx="11360989" cy="5606887"/>
+          <a:off x="415505" y="395237"/>
+          <a:ext cx="11360989" cy="6092610"/>
         </p:xfrm>
         <a:graphic>
           <a:graphicData uri="http://schemas.openxmlformats.org/drawingml/2006/table">
@@ -17440,13 +17361,19 @@
                     <a:p>
                       <a:r>
                         <a:rPr lang="en-US" b="0" dirty="0"/>
-                        <a:t>Operating points (turnouts). (Use as a point motor)</a:t>
+                        <a:t>Operating points (turnouts). (Use it as a point motor)</a:t>
                       </a:r>
                     </a:p>
                     <a:p>
                       <a:r>
                         <a:rPr lang="en-US" b="0" dirty="0"/>
-                        <a:t>Animation effects (crossing gates, swing sets, door open) </a:t>
+                        <a:t>Semaphore signals (including bounce effects)</a:t>
+                      </a:r>
+                    </a:p>
+                    <a:p>
+                      <a:r>
+                        <a:rPr lang="en-US" b="0" dirty="0"/>
+                        <a:t>Animation effects (crossing gates, swings, opening doors) </a:t>
                       </a:r>
                     </a:p>
                   </a:txBody>
@@ -17555,34 +17482,9 @@
                       </a:pPr>
                       <a:r>
                         <a:rPr lang="en-US" b="0" dirty="0"/>
-                        <a:t>Narrow pulse = 0 degrees,  wide pulse = 180 deg (</a:t>
-                      </a:r>
-                      <a:r>
-                        <a:rPr lang="en-US" b="0" dirty="0" err="1"/>
-                        <a:t>typ</a:t>
-                      </a:r>
-                      <a:r>
-                        <a:rPr lang="en-US" b="0" dirty="0"/>
-                        <a:t>)</a:t>
-                      </a:r>
-                    </a:p>
-                  </a:txBody>
-                  <a:tcPr/>
-                </a:tc>
-                <a:tc hMerge="1">
-                  <a:txBody>
-                    <a:bodyPr/>
-                    <a:lstStyle/>
-                    <a:p>
-                      <a:endParaRPr lang="en-US"/>
-                    </a:p>
-                  </a:txBody>
-                  <a:tcPr/>
-                </a:tc>
-                <a:tc>
-                  <a:txBody>
-                    <a:bodyPr/>
-                    <a:lstStyle/>
+                        <a:t>Narrow pulse = 0 degrees,  wide pulse = 180 deg (typical)</a:t>
+                      </a:r>
+                    </a:p>
                     <a:p>
                       <a:pPr marL="0" marR="0" lvl="0" indent="0" algn="l" defTabSz="914400" rtl="0" eaLnBrk="1" fontAlgn="auto" latinLnBrk="0" hangingPunct="1">
                         <a:lnSpc>
@@ -17602,6 +17504,46 @@
                         <a:defRPr/>
                       </a:pPr>
                       <a:r>
+                        <a:rPr lang="en-US" b="0" dirty="0"/>
+                        <a:t>Be aware – similar looking servos can be different!</a:t>
+                      </a:r>
+                    </a:p>
+                  </a:txBody>
+                  <a:tcPr/>
+                </a:tc>
+                <a:tc hMerge="1">
+                  <a:txBody>
+                    <a:bodyPr/>
+                    <a:lstStyle/>
+                    <a:p>
+                      <a:endParaRPr lang="en-US"/>
+                    </a:p>
+                  </a:txBody>
+                  <a:tcPr/>
+                </a:tc>
+                <a:tc>
+                  <a:txBody>
+                    <a:bodyPr/>
+                    <a:lstStyle/>
+                    <a:p>
+                      <a:pPr marL="0" marR="0" lvl="0" indent="0" algn="l" defTabSz="914400" rtl="0" eaLnBrk="1" fontAlgn="auto" latinLnBrk="0" hangingPunct="1">
+                        <a:lnSpc>
+                          <a:spcPct val="100000"/>
+                        </a:lnSpc>
+                        <a:spcBef>
+                          <a:spcPts val="0"/>
+                        </a:spcBef>
+                        <a:spcAft>
+                          <a:spcPts val="0"/>
+                        </a:spcAft>
+                        <a:buClrTx/>
+                        <a:buSzTx/>
+                        <a:buFontTx/>
+                        <a:buNone/>
+                        <a:tabLst/>
+                        <a:defRPr/>
+                      </a:pPr>
+                      <a:r>
                         <a:rPr lang="en-US" b="1" dirty="0"/>
                         <a:t>Pros:</a:t>
                       </a:r>
@@ -17652,6 +17594,82 @@
                         <a:t>Simple 3 Wire Operation</a:t>
                       </a:r>
                     </a:p>
+                    <a:p>
+                      <a:pPr marL="0" marR="0" lvl="0" indent="0" algn="l" defTabSz="914400" rtl="0" eaLnBrk="1" fontAlgn="auto" latinLnBrk="0" hangingPunct="1">
+                        <a:lnSpc>
+                          <a:spcPct val="100000"/>
+                        </a:lnSpc>
+                        <a:spcBef>
+                          <a:spcPts val="0"/>
+                        </a:spcBef>
+                        <a:spcAft>
+                          <a:spcPts val="0"/>
+                        </a:spcAft>
+                        <a:buClrTx/>
+                        <a:buSzTx/>
+                        <a:buFontTx/>
+                        <a:buNone/>
+                        <a:tabLst/>
+                        <a:defRPr/>
+                      </a:pPr>
+                      <a:r>
+                        <a:rPr lang="en-US" sz="1800" b="1" kern="1200" dirty="0">
+                          <a:solidFill>
+                            <a:schemeClr val="dk1"/>
+                          </a:solidFill>
+                          <a:latin typeface="+mn-lt"/>
+                          <a:ea typeface="+mn-ea"/>
+                          <a:cs typeface="+mn-cs"/>
+                        </a:rPr>
+                        <a:t>Cons:</a:t>
+                      </a:r>
+                    </a:p>
+                    <a:p>
+                      <a:pPr marL="285750" marR="0" lvl="0" indent="-285750" algn="l" defTabSz="914400" rtl="0" eaLnBrk="1" fontAlgn="auto" latinLnBrk="0" hangingPunct="1">
+                        <a:lnSpc>
+                          <a:spcPct val="100000"/>
+                        </a:lnSpc>
+                        <a:spcBef>
+                          <a:spcPts val="0"/>
+                        </a:spcBef>
+                        <a:spcAft>
+                          <a:spcPts val="0"/>
+                        </a:spcAft>
+                        <a:buClrTx/>
+                        <a:buSzTx/>
+                        <a:buFont typeface="Arial" panose="020B0604020202020204" pitchFamily="34" charset="0"/>
+                        <a:buChar char="•"/>
+                        <a:tabLst/>
+                        <a:defRPr/>
+                      </a:pPr>
+                      <a:r>
+                        <a:rPr lang="en-US" b="0" dirty="0"/>
+                        <a:t>Usually requires a bracket for mounting.</a:t>
+                      </a:r>
+                    </a:p>
+                    <a:p>
+                      <a:pPr marL="285750" marR="0" lvl="0" indent="-285750" algn="l" defTabSz="914400" rtl="0" eaLnBrk="1" fontAlgn="auto" latinLnBrk="0" hangingPunct="1">
+                        <a:lnSpc>
+                          <a:spcPct val="100000"/>
+                        </a:lnSpc>
+                        <a:spcBef>
+                          <a:spcPts val="0"/>
+                        </a:spcBef>
+                        <a:spcAft>
+                          <a:spcPts val="0"/>
+                        </a:spcAft>
+                        <a:buClrTx/>
+                        <a:buSzTx/>
+                        <a:buFont typeface="Arial" panose="020B0604020202020204" pitchFamily="34" charset="0"/>
+                        <a:buChar char="•"/>
+                        <a:tabLst/>
+                        <a:defRPr/>
+                      </a:pPr>
+                      <a:r>
+                        <a:rPr lang="en-US" b="0" dirty="0"/>
+                        <a:t>Usually requires ‘calibrating’ for desired range of motion</a:t>
+                      </a:r>
+                    </a:p>
                   </a:txBody>
                   <a:tcPr/>
                 </a:tc>
@@ -17673,21 +17691,55 @@
                       </a:r>
                     </a:p>
                     <a:p>
+                      <a:pPr marL="0" marR="0" lvl="0" indent="0" algn="l" defTabSz="914400" rtl="0" eaLnBrk="1" fontAlgn="auto" latinLnBrk="0" hangingPunct="1">
+                        <a:lnSpc>
+                          <a:spcPct val="100000"/>
+                        </a:lnSpc>
+                        <a:spcBef>
+                          <a:spcPts val="0"/>
+                        </a:spcBef>
+                        <a:spcAft>
+                          <a:spcPts val="0"/>
+                        </a:spcAft>
+                        <a:buClrTx/>
+                        <a:buSzTx/>
+                        <a:buFontTx/>
+                        <a:buNone/>
+                        <a:tabLst/>
+                        <a:defRPr/>
+                      </a:pPr>
                       <a:r>
                         <a:rPr lang="en-US" b="0" dirty="0"/>
-                        <a:t>Various size arms attach to the shaft. Each arm has several holes into which you put a wire. The combination results in more or less linear motion for a given angular motion. </a:t>
+                        <a:t>Various size arms attach to the shaft. Each arm has several holes into which you put a wire. An ‘omega loop’ is a good idea for strain relief.</a:t>
                       </a:r>
                     </a:p>
                     <a:p>
                       <a:r>
                         <a:rPr lang="en-US" b="0" dirty="0"/>
-                        <a:t>Usually requires a bracket for mounting.</a:t>
-                      </a:r>
-                    </a:p>
-                    <a:p>
+                        <a:t>The combination results in more or less linear motion for a given angular motion. </a:t>
+                      </a:r>
+                    </a:p>
+                    <a:p>
+                      <a:pPr marL="0" marR="0" lvl="0" indent="0" algn="l" defTabSz="914400" rtl="0" eaLnBrk="1" fontAlgn="auto" latinLnBrk="0" hangingPunct="1">
+                        <a:lnSpc>
+                          <a:spcPct val="100000"/>
+                        </a:lnSpc>
+                        <a:spcBef>
+                          <a:spcPts val="0"/>
+                        </a:spcBef>
+                        <a:spcAft>
+                          <a:spcPts val="0"/>
+                        </a:spcAft>
+                        <a:buClrTx/>
+                        <a:buSzTx/>
+                        <a:buFontTx/>
+                        <a:buNone/>
+                        <a:tabLst/>
+                        <a:defRPr/>
+                      </a:pPr>
                       <a:r>
                         <a:rPr lang="en-US" b="0" dirty="0"/>
-                        <a:t>An ‘omega loop’ is a good idea for strain relief.</a:t>
+                        <a:t>9g refers to the weight in grams!</a:t>
                       </a:r>
                     </a:p>
                   </a:txBody>
@@ -17720,6 +17772,20 @@
                         </a:rPr>
                         <a:t>Excellent Deep Dive: </a:t>
                       </a:r>
+                    </a:p>
+                    <a:p>
+                      <a:pPr marL="0" algn="l" defTabSz="914400" rtl="0" eaLnBrk="1" latinLnBrk="0" hangingPunct="1"/>
+                      <a:endParaRPr lang="en-US" sz="1800" b="0" kern="1200" dirty="0">
+                        <a:solidFill>
+                          <a:schemeClr val="dk1"/>
+                        </a:solidFill>
+                        <a:latin typeface="+mn-lt"/>
+                        <a:ea typeface="+mn-ea"/>
+                        <a:cs typeface="+mn-cs"/>
+                      </a:endParaRPr>
+                    </a:p>
+                    <a:p>
+                      <a:pPr marL="0" algn="l" defTabSz="914400" rtl="0" eaLnBrk="1" latinLnBrk="0" hangingPunct="1"/>
                       <a:r>
                         <a:rPr lang="en-US" sz="1800" b="0" kern="1200" dirty="0">
                           <a:solidFill>
@@ -17731,17 +17797,6 @@
                         </a:rPr>
                         <a:t>How a Servo works on the inside:</a:t>
                       </a:r>
-                    </a:p>
-                    <a:p>
-                      <a:pPr marL="0" algn="l" defTabSz="914400" rtl="0" eaLnBrk="1" latinLnBrk="0" hangingPunct="1"/>
-                      <a:endParaRPr lang="en-US" sz="1800" b="0" kern="1200" dirty="0">
-                        <a:solidFill>
-                          <a:schemeClr val="dk1"/>
-                        </a:solidFill>
-                        <a:latin typeface="+mn-lt"/>
-                        <a:ea typeface="+mn-ea"/>
-                        <a:cs typeface="+mn-cs"/>
-                      </a:endParaRPr>
                     </a:p>
                     <a:p>
                       <a:r>
@@ -17965,18 +18020,15 @@
             </a:lvl9pPr>
           </a:lstStyle>
           <a:p>
-            <a:r>
-              <a:rPr lang="en-US" sz="3200" b="1" dirty="0">
-                <a:solidFill>
-                  <a:schemeClr val="accent1">
-                    <a:lumMod val="60000"/>
-                    <a:lumOff val="40000"/>
-                  </a:schemeClr>
-                </a:solidFill>
-                <a:latin typeface="MERG_Logo" pitchFamily="2" charset="0"/>
-              </a:rPr>
-              <a:t>(MERG)</a:t>
-            </a:r>
+            <a:endParaRPr lang="en-US" sz="3200" b="1" dirty="0">
+              <a:solidFill>
+                <a:schemeClr val="accent1">
+                  <a:lumMod val="60000"/>
+                  <a:lumOff val="40000"/>
+                </a:schemeClr>
+              </a:solidFill>
+              <a:latin typeface="MERG_Logo" pitchFamily="2" charset="0"/>
+            </a:endParaRPr>
           </a:p>
         </p:txBody>
       </p:sp>
@@ -18008,7 +18060,7 @@
         </p:blipFill>
         <p:spPr>
           <a:xfrm>
-            <a:off x="10749400" y="6239363"/>
+            <a:off x="10514498" y="5929076"/>
             <a:ext cx="1116784" cy="496968"/>
           </a:xfrm>
           <a:prstGeom prst="rect">
@@ -18018,10 +18070,10 @@
       </p:pic>
       <p:pic>
         <p:nvPicPr>
-          <p:cNvPr id="6" name="Picture 5">
+          <p:cNvPr id="9" name="Picture 8">
             <a:extLst>
               <a:ext uri="{FF2B5EF4-FFF2-40B4-BE49-F238E27FC236}">
-                <a16:creationId xmlns:a16="http://schemas.microsoft.com/office/drawing/2014/main" id="{10EFAE43-A443-D764-8A30-C4226844A17A}"/>
+                <a16:creationId xmlns:a16="http://schemas.microsoft.com/office/drawing/2014/main" id="{86CAB8E2-10CF-7216-7DE1-2767DFE02BE7}"/>
               </a:ext>
             </a:extLst>
           </p:cNvPr>
@@ -18037,9 +18089,9 @@
           </a:stretch>
         </p:blipFill>
         <p:spPr>
-          <a:xfrm>
-            <a:off x="7039634" y="1515014"/>
-            <a:ext cx="1170916" cy="1090163"/>
+          <a:xfrm flipH="1">
+            <a:off x="4288338" y="5347270"/>
+            <a:ext cx="301822" cy="294578"/>
           </a:xfrm>
           <a:prstGeom prst="rect">
             <a:avLst/>
@@ -18048,10 +18100,10 @@
       </p:pic>
       <p:pic>
         <p:nvPicPr>
-          <p:cNvPr id="9" name="Picture 8">
+          <p:cNvPr id="3" name="Picture 2">
             <a:extLst>
               <a:ext uri="{FF2B5EF4-FFF2-40B4-BE49-F238E27FC236}">
-                <a16:creationId xmlns:a16="http://schemas.microsoft.com/office/drawing/2014/main" id="{86CAB8E2-10CF-7216-7DE1-2767DFE02BE7}"/>
+                <a16:creationId xmlns:a16="http://schemas.microsoft.com/office/drawing/2014/main" id="{2D7E493B-4D0C-FEAF-D5C8-07D7D1EE57DD}"/>
               </a:ext>
             </a:extLst>
           </p:cNvPr>
@@ -18067,9 +18119,9 @@
           </a:stretch>
         </p:blipFill>
         <p:spPr>
-          <a:xfrm flipH="1">
-            <a:off x="5440482" y="5456998"/>
-            <a:ext cx="458316" cy="447316"/>
+          <a:xfrm>
+            <a:off x="7017257" y="1418844"/>
+            <a:ext cx="1469517" cy="1187196"/>
           </a:xfrm>
           <a:prstGeom prst="rect">
             <a:avLst/>
@@ -19208,18 +19260,15 @@
             </a:lvl9pPr>
           </a:lstStyle>
           <a:p>
-            <a:r>
-              <a:rPr lang="en-US" sz="3200" b="1" dirty="0">
-                <a:solidFill>
-                  <a:schemeClr val="accent1">
-                    <a:lumMod val="60000"/>
-                    <a:lumOff val="40000"/>
-                  </a:schemeClr>
-                </a:solidFill>
-                <a:latin typeface="MERG_Logo" pitchFamily="2" charset="0"/>
-              </a:rPr>
-              <a:t>(MERG)</a:t>
-            </a:r>
+            <a:endParaRPr lang="en-US" sz="3200" b="1" dirty="0">
+              <a:solidFill>
+                <a:schemeClr val="accent1">
+                  <a:lumMod val="60000"/>
+                  <a:lumOff val="40000"/>
+                </a:schemeClr>
+              </a:solidFill>
+              <a:latin typeface="MERG_Logo" pitchFamily="2" charset="0"/>
+            </a:endParaRPr>
           </a:p>
         </p:txBody>
       </p:sp>
@@ -20008,18 +20057,15 @@
             </a:lvl9pPr>
           </a:lstStyle>
           <a:p>
-            <a:r>
-              <a:rPr lang="en-US" sz="3200" b="1" dirty="0">
-                <a:solidFill>
-                  <a:schemeClr val="accent1">
-                    <a:lumMod val="60000"/>
-                    <a:lumOff val="40000"/>
-                  </a:schemeClr>
-                </a:solidFill>
-                <a:latin typeface="MERG_Logo" pitchFamily="2" charset="0"/>
-              </a:rPr>
-              <a:t>(MERG)</a:t>
-            </a:r>
+            <a:endParaRPr lang="en-US" sz="3200" b="1" dirty="0">
+              <a:solidFill>
+                <a:schemeClr val="accent1">
+                  <a:lumMod val="60000"/>
+                  <a:lumOff val="40000"/>
+                </a:schemeClr>
+              </a:solidFill>
+              <a:latin typeface="MERG_Logo" pitchFamily="2" charset="0"/>
+            </a:endParaRPr>
           </a:p>
         </p:txBody>
       </p:sp>
@@ -20104,7 +20150,7 @@
           <p:nvPr>
             <p:extLst>
               <p:ext uri="{D42A27DB-BD31-4B8C-83A1-F6EECF244321}">
-                <p14:modId xmlns:p14="http://schemas.microsoft.com/office/powerpoint/2010/main" val="36569362"/>
+                <p14:modId xmlns:p14="http://schemas.microsoft.com/office/powerpoint/2010/main" val="2738098199"/>
               </p:ext>
             </p:extLst>
           </p:nvPr>
@@ -20431,7 +20477,7 @@
                       </a:pPr>
                       <a:r>
                         <a:rPr lang="en-US" dirty="0"/>
-                        <a:t>Small and very expensive (above right – rotary replacement)</a:t>
+                        <a:t>Small and very expensive (above right direct rotary replacement)</a:t>
                       </a:r>
                     </a:p>
                   </a:txBody>
@@ -20463,7 +20509,7 @@
                     <a:p>
                       <a:r>
                         <a:rPr lang="en-US" b="0" dirty="0"/>
-                        <a:t>With a motor shields large stepper motors are possible (very powerful / lots of torque)</a:t>
+                        <a:t>With motor shields large stepper motors are possible (very powerful / lots of torque)</a:t>
                       </a:r>
                     </a:p>
                   </a:txBody>
@@ -20695,18 +20741,15 @@
             </a:lvl9pPr>
           </a:lstStyle>
           <a:p>
-            <a:r>
-              <a:rPr lang="en-US" sz="3200" b="1" dirty="0">
-                <a:solidFill>
-                  <a:schemeClr val="accent1">
-                    <a:lumMod val="60000"/>
-                    <a:lumOff val="40000"/>
-                  </a:schemeClr>
-                </a:solidFill>
-                <a:latin typeface="MERG_Logo" pitchFamily="2" charset="0"/>
-              </a:rPr>
-              <a:t>(MERG)</a:t>
-            </a:r>
+            <a:endParaRPr lang="en-US" sz="3200" b="1" dirty="0">
+              <a:solidFill>
+                <a:schemeClr val="accent1">
+                  <a:lumMod val="60000"/>
+                  <a:lumOff val="40000"/>
+                </a:schemeClr>
+              </a:solidFill>
+              <a:latin typeface="MERG_Logo" pitchFamily="2" charset="0"/>
+            </a:endParaRPr>
           </a:p>
         </p:txBody>
       </p:sp>
@@ -20975,8 +21018,8 @@
         </p:nvSpPr>
         <p:spPr>
           <a:xfrm>
-            <a:off x="884208" y="1720840"/>
-            <a:ext cx="10892286" cy="4801314"/>
+            <a:off x="884208" y="1512703"/>
+            <a:ext cx="10892286" cy="4524315"/>
           </a:xfrm>
           <a:prstGeom prst="rect">
             <a:avLst/>
@@ -21128,6 +21171,19 @@
           <a:p>
             <a:r>
               <a:rPr lang="en-US" b="1" dirty="0"/>
+              <a:t>PWM:      </a:t>
+            </a:r>
+            <a:r>
+              <a:rPr lang="en-US" dirty="0"/>
+              <a:t>Pulse Width Modulation. A digital signal whereby the width of pulses are altered to represent an analog range of values.</a:t>
+            </a:r>
+          </a:p>
+          <a:p>
+            <a:endParaRPr lang="en-US" b="1" dirty="0"/>
+          </a:p>
+          <a:p>
+            <a:r>
+              <a:rPr lang="en-US" b="1" dirty="0"/>
               <a:t>Sensor:    </a:t>
             </a:r>
             <a:r>
@@ -21148,26 +21204,6 @@
               <a:t>A device that converts an electrical signal into a physical property</a:t>
             </a:r>
           </a:p>
-          <a:p>
-            <a:endParaRPr lang="en-US" b="0" dirty="0"/>
-          </a:p>
-          <a:p>
-            <a:r>
-              <a:rPr lang="en-US" b="1" dirty="0"/>
-              <a:t>PWM:      </a:t>
-            </a:r>
-            <a:r>
-              <a:rPr lang="en-US" dirty="0"/>
-              <a:t>Pulse Width Modulation. The width of pulses are altered to represent a range of values.</a:t>
-            </a:r>
-            <a:endParaRPr lang="en-US" b="0" dirty="0"/>
-          </a:p>
-          <a:p>
-            <a:endParaRPr lang="en-US" b="0" dirty="0"/>
-          </a:p>
-          <a:p>
-            <a:endParaRPr lang="en-US" b="0" dirty="0"/>
-          </a:p>
         </p:txBody>
       </p:sp>
       <p:pic>
@@ -21206,213 +21242,6 @@
           </a:prstGeom>
         </p:spPr>
       </p:pic>
-      <p:sp>
-        <p:nvSpPr>
-          <p:cNvPr id="8" name="Subtitle 2">
-            <a:extLst>
-              <a:ext uri="{FF2B5EF4-FFF2-40B4-BE49-F238E27FC236}">
-                <a16:creationId xmlns:a16="http://schemas.microsoft.com/office/drawing/2014/main" id="{70AF5A90-2BA8-233A-5691-13150A265779}"/>
-              </a:ext>
-            </a:extLst>
-          </p:cNvPr>
-          <p:cNvSpPr txBox="1">
-            <a:spLocks/>
-          </p:cNvSpPr>
-          <p:nvPr/>
-        </p:nvSpPr>
-        <p:spPr>
-          <a:xfrm>
-            <a:off x="560718" y="6177560"/>
-            <a:ext cx="1357223" cy="558771"/>
-          </a:xfrm>
-          <a:prstGeom prst="rect">
-            <a:avLst/>
-          </a:prstGeom>
-        </p:spPr>
-        <p:txBody>
-          <a:bodyPr vert="horz" lIns="91440" tIns="45720" rIns="91440" bIns="45720" rtlCol="0">
-            <a:noAutofit/>
-          </a:bodyPr>
-          <a:lstStyle>
-            <a:lvl1pPr marL="0" indent="0" algn="ctr" defTabSz="914400" rtl="0" eaLnBrk="1" latinLnBrk="0" hangingPunct="1">
-              <a:lnSpc>
-                <a:spcPct val="90000"/>
-              </a:lnSpc>
-              <a:spcBef>
-                <a:spcPts val="1000"/>
-              </a:spcBef>
-              <a:buFont typeface="Arial" panose="020B0604020202020204" pitchFamily="34" charset="0"/>
-              <a:buNone/>
-              <a:defRPr sz="2400" kern="1200">
-                <a:solidFill>
-                  <a:schemeClr val="tx1"/>
-                </a:solidFill>
-                <a:latin typeface="+mn-lt"/>
-                <a:ea typeface="+mn-ea"/>
-                <a:cs typeface="+mn-cs"/>
-              </a:defRPr>
-            </a:lvl1pPr>
-            <a:lvl2pPr marL="457200" indent="0" algn="ctr" defTabSz="914400" rtl="0" eaLnBrk="1" latinLnBrk="0" hangingPunct="1">
-              <a:lnSpc>
-                <a:spcPct val="90000"/>
-              </a:lnSpc>
-              <a:spcBef>
-                <a:spcPts val="500"/>
-              </a:spcBef>
-              <a:buFont typeface="Arial" panose="020B0604020202020204" pitchFamily="34" charset="0"/>
-              <a:buNone/>
-              <a:defRPr sz="2000" kern="1200">
-                <a:solidFill>
-                  <a:schemeClr val="tx1"/>
-                </a:solidFill>
-                <a:latin typeface="+mn-lt"/>
-                <a:ea typeface="+mn-ea"/>
-                <a:cs typeface="+mn-cs"/>
-              </a:defRPr>
-            </a:lvl2pPr>
-            <a:lvl3pPr marL="914400" indent="0" algn="ctr" defTabSz="914400" rtl="0" eaLnBrk="1" latinLnBrk="0" hangingPunct="1">
-              <a:lnSpc>
-                <a:spcPct val="90000"/>
-              </a:lnSpc>
-              <a:spcBef>
-                <a:spcPts val="500"/>
-              </a:spcBef>
-              <a:buFont typeface="Arial" panose="020B0604020202020204" pitchFamily="34" charset="0"/>
-              <a:buNone/>
-              <a:defRPr sz="1800" kern="1200">
-                <a:solidFill>
-                  <a:schemeClr val="tx1"/>
-                </a:solidFill>
-                <a:latin typeface="+mn-lt"/>
-                <a:ea typeface="+mn-ea"/>
-                <a:cs typeface="+mn-cs"/>
-              </a:defRPr>
-            </a:lvl3pPr>
-            <a:lvl4pPr marL="1371600" indent="0" algn="ctr" defTabSz="914400" rtl="0" eaLnBrk="1" latinLnBrk="0" hangingPunct="1">
-              <a:lnSpc>
-                <a:spcPct val="90000"/>
-              </a:lnSpc>
-              <a:spcBef>
-                <a:spcPts val="500"/>
-              </a:spcBef>
-              <a:buFont typeface="Arial" panose="020B0604020202020204" pitchFamily="34" charset="0"/>
-              <a:buNone/>
-              <a:defRPr sz="1600" kern="1200">
-                <a:solidFill>
-                  <a:schemeClr val="tx1"/>
-                </a:solidFill>
-                <a:latin typeface="+mn-lt"/>
-                <a:ea typeface="+mn-ea"/>
-                <a:cs typeface="+mn-cs"/>
-              </a:defRPr>
-            </a:lvl4pPr>
-            <a:lvl5pPr marL="1828800" indent="0" algn="ctr" defTabSz="914400" rtl="0" eaLnBrk="1" latinLnBrk="0" hangingPunct="1">
-              <a:lnSpc>
-                <a:spcPct val="90000"/>
-              </a:lnSpc>
-              <a:spcBef>
-                <a:spcPts val="500"/>
-              </a:spcBef>
-              <a:buFont typeface="Arial" panose="020B0604020202020204" pitchFamily="34" charset="0"/>
-              <a:buNone/>
-              <a:defRPr sz="1600" kern="1200">
-                <a:solidFill>
-                  <a:schemeClr val="tx1"/>
-                </a:solidFill>
-                <a:latin typeface="+mn-lt"/>
-                <a:ea typeface="+mn-ea"/>
-                <a:cs typeface="+mn-cs"/>
-              </a:defRPr>
-            </a:lvl5pPr>
-            <a:lvl6pPr marL="2286000" indent="0" algn="ctr" defTabSz="914400" rtl="0" eaLnBrk="1" latinLnBrk="0" hangingPunct="1">
-              <a:lnSpc>
-                <a:spcPct val="90000"/>
-              </a:lnSpc>
-              <a:spcBef>
-                <a:spcPts val="500"/>
-              </a:spcBef>
-              <a:buFont typeface="Arial" panose="020B0604020202020204" pitchFamily="34" charset="0"/>
-              <a:buNone/>
-              <a:defRPr sz="1600" kern="1200">
-                <a:solidFill>
-                  <a:schemeClr val="tx1"/>
-                </a:solidFill>
-                <a:latin typeface="+mn-lt"/>
-                <a:ea typeface="+mn-ea"/>
-                <a:cs typeface="+mn-cs"/>
-              </a:defRPr>
-            </a:lvl6pPr>
-            <a:lvl7pPr marL="2743200" indent="0" algn="ctr" defTabSz="914400" rtl="0" eaLnBrk="1" latinLnBrk="0" hangingPunct="1">
-              <a:lnSpc>
-                <a:spcPct val="90000"/>
-              </a:lnSpc>
-              <a:spcBef>
-                <a:spcPts val="500"/>
-              </a:spcBef>
-              <a:buFont typeface="Arial" panose="020B0604020202020204" pitchFamily="34" charset="0"/>
-              <a:buNone/>
-              <a:defRPr sz="1600" kern="1200">
-                <a:solidFill>
-                  <a:schemeClr val="tx1"/>
-                </a:solidFill>
-                <a:latin typeface="+mn-lt"/>
-                <a:ea typeface="+mn-ea"/>
-                <a:cs typeface="+mn-cs"/>
-              </a:defRPr>
-            </a:lvl7pPr>
-            <a:lvl8pPr marL="3200400" indent="0" algn="ctr" defTabSz="914400" rtl="0" eaLnBrk="1" latinLnBrk="0" hangingPunct="1">
-              <a:lnSpc>
-                <a:spcPct val="90000"/>
-              </a:lnSpc>
-              <a:spcBef>
-                <a:spcPts val="500"/>
-              </a:spcBef>
-              <a:buFont typeface="Arial" panose="020B0604020202020204" pitchFamily="34" charset="0"/>
-              <a:buNone/>
-              <a:defRPr sz="1600" kern="1200">
-                <a:solidFill>
-                  <a:schemeClr val="tx1"/>
-                </a:solidFill>
-                <a:latin typeface="+mn-lt"/>
-                <a:ea typeface="+mn-ea"/>
-                <a:cs typeface="+mn-cs"/>
-              </a:defRPr>
-            </a:lvl8pPr>
-            <a:lvl9pPr marL="3657600" indent="0" algn="ctr" defTabSz="914400" rtl="0" eaLnBrk="1" latinLnBrk="0" hangingPunct="1">
-              <a:lnSpc>
-                <a:spcPct val="90000"/>
-              </a:lnSpc>
-              <a:spcBef>
-                <a:spcPts val="500"/>
-              </a:spcBef>
-              <a:buFont typeface="Arial" panose="020B0604020202020204" pitchFamily="34" charset="0"/>
-              <a:buNone/>
-              <a:defRPr sz="1600" kern="1200">
-                <a:solidFill>
-                  <a:schemeClr val="tx1"/>
-                </a:solidFill>
-                <a:latin typeface="+mn-lt"/>
-                <a:ea typeface="+mn-ea"/>
-                <a:cs typeface="+mn-cs"/>
-              </a:defRPr>
-            </a:lvl9pPr>
-          </a:lstStyle>
-          <a:p>
-            <a:r>
-              <a:rPr lang="en-US" sz="3200" b="1" dirty="0">
-                <a:solidFill>
-                  <a:schemeClr val="accent1">
-                    <a:lumMod val="60000"/>
-                    <a:lumOff val="40000"/>
-                  </a:schemeClr>
-                </a:solidFill>
-                <a:latin typeface="MERG_Logo" pitchFamily="2" charset="0"/>
-              </a:rPr>
-              <a:t>(MERG)</a:t>
-            </a:r>
-          </a:p>
-        </p:txBody>
-      </p:sp>
     </p:spTree>
     <p:extLst>
       <p:ext uri="{BB962C8B-B14F-4D97-AF65-F5344CB8AC3E}">
@@ -22037,7 +21866,7 @@
           <p:nvPr>
             <p:extLst>
               <p:ext uri="{D42A27DB-BD31-4B8C-83A1-F6EECF244321}">
-                <p14:modId xmlns:p14="http://schemas.microsoft.com/office/powerpoint/2010/main" val="3695752000"/>
+                <p14:modId xmlns:p14="http://schemas.microsoft.com/office/powerpoint/2010/main" val="3861967432"/>
               </p:ext>
             </p:extLst>
           </p:nvPr>
@@ -22083,7 +21912,7 @@
                     <a:p>
                       <a:r>
                         <a:rPr lang="en-US" sz="4400" dirty="0"/>
-                        <a:t>10</a:t>
+                        <a:t>23</a:t>
                       </a:r>
                     </a:p>
                   </a:txBody>
@@ -22342,18 +22171,15 @@
             </a:lvl9pPr>
           </a:lstStyle>
           <a:p>
-            <a:r>
-              <a:rPr lang="en-US" sz="3200" b="1" dirty="0">
-                <a:solidFill>
-                  <a:schemeClr val="accent1">
-                    <a:lumMod val="60000"/>
-                    <a:lumOff val="40000"/>
-                  </a:schemeClr>
-                </a:solidFill>
-                <a:latin typeface="MERG_Logo" pitchFamily="2" charset="0"/>
-              </a:rPr>
-              <a:t>(MERG)</a:t>
-            </a:r>
+            <a:endParaRPr lang="en-US" sz="3200" b="1" dirty="0">
+              <a:solidFill>
+                <a:schemeClr val="accent1">
+                  <a:lumMod val="60000"/>
+                  <a:lumOff val="40000"/>
+                </a:schemeClr>
+              </a:solidFill>
+              <a:latin typeface="MERG_Logo" pitchFamily="2" charset="0"/>
+            </a:endParaRPr>
           </a:p>
         </p:txBody>
       </p:sp>
@@ -23740,18 +23566,15 @@
             </a:lvl9pPr>
           </a:lstStyle>
           <a:p>
-            <a:r>
-              <a:rPr lang="en-US" sz="3200" b="1" dirty="0">
-                <a:solidFill>
-                  <a:schemeClr val="accent1">
-                    <a:lumMod val="60000"/>
-                    <a:lumOff val="40000"/>
-                  </a:schemeClr>
-                </a:solidFill>
-                <a:latin typeface="MERG_Logo" pitchFamily="2" charset="0"/>
-              </a:rPr>
-              <a:t>(MERG)</a:t>
-            </a:r>
+            <a:endParaRPr lang="en-US" sz="3200" b="1" dirty="0">
+              <a:solidFill>
+                <a:schemeClr val="accent1">
+                  <a:lumMod val="60000"/>
+                  <a:lumOff val="40000"/>
+                </a:schemeClr>
+              </a:solidFill>
+              <a:latin typeface="MERG_Logo" pitchFamily="2" charset="0"/>
+            </a:endParaRPr>
           </a:p>
         </p:txBody>
       </p:sp>
@@ -23806,7 +23629,7 @@
         <p:spPr>
           <a:xfrm>
             <a:off x="560718" y="1463701"/>
-            <a:ext cx="11362426" cy="3693319"/>
+            <a:ext cx="11362426" cy="4339650"/>
           </a:xfrm>
           <a:prstGeom prst="rect">
             <a:avLst/>
@@ -23837,20 +23660,20 @@
               <a:defRPr/>
             </a:pPr>
             <a:r>
-              <a:rPr lang="en-US" b="1" dirty="0"/>
+              <a:rPr lang="en-US" sz="2400" b="1" dirty="0"/>
               <a:t>Notes</a:t>
             </a:r>
           </a:p>
           <a:p>
             <a:r>
               <a:rPr lang="en-US" dirty="0"/>
-              <a:t>Well planned Arduino projects often begin with an input/output list (I/O list). </a:t>
+              <a:t>Well planned Arduino projects begin with a good input/output list (I/O list). </a:t>
             </a:r>
           </a:p>
           <a:p>
             <a:r>
               <a:rPr lang="en-US" dirty="0"/>
-              <a:t>This is not a difficult exercise but will greatly aid your project development including:</a:t>
+              <a:t>This is not difficult but will greatly aid your project development including:</a:t>
             </a:r>
           </a:p>
           <a:p>
@@ -23860,7 +23683,7 @@
             </a:pPr>
             <a:r>
               <a:rPr lang="en-US" dirty="0"/>
-              <a:t>selecting the right sensors and actuators</a:t>
+              <a:t>Selecting the right sensors and actuators</a:t>
             </a:r>
           </a:p>
           <a:p>
@@ -23870,7 +23693,7 @@
             </a:pPr>
             <a:r>
               <a:rPr lang="en-US" dirty="0"/>
-              <a:t>Picking the right platform (Arduino) and pin assignments</a:t>
+              <a:t>Picking the right platform (Arduino)</a:t>
             </a:r>
           </a:p>
           <a:p>
@@ -23880,7 +23703,7 @@
             </a:pPr>
             <a:r>
               <a:rPr lang="en-US" dirty="0"/>
-              <a:t>Where to break down a sketch into reusable parts (functions, structures, or classes as appropriate)</a:t>
+              <a:t>Making the right pin assignments</a:t>
             </a:r>
           </a:p>
           <a:p>
@@ -23890,17 +23713,37 @@
             </a:pPr>
             <a:r>
               <a:rPr lang="en-US" dirty="0"/>
-              <a:t>Identifying ‘risk’ – areas where more research or testing may be needed</a:t>
+              <a:t>Logical approach to program (sketch) development</a:t>
             </a:r>
           </a:p>
           <a:p>
-            <a:pPr marL="285750" indent="-285750">
+            <a:pPr marL="742950" lvl="1" indent="-285750">
               <a:buFont typeface="Arial" panose="020B0604020202020204" pitchFamily="34" charset="0"/>
               <a:buChar char="•"/>
             </a:pPr>
             <a:r>
               <a:rPr lang="en-US" dirty="0"/>
-              <a:t>Logical approach to program (sketch) development (A simple concept is  naming your variables according to a plan)</a:t>
+              <a:t>Naming your variables according to a plan)</a:t>
+            </a:r>
+          </a:p>
+          <a:p>
+            <a:pPr marL="742950" lvl="1" indent="-285750">
+              <a:buFont typeface="Arial" panose="020B0604020202020204" pitchFamily="34" charset="0"/>
+              <a:buChar char="•"/>
+            </a:pPr>
+            <a:r>
+              <a:rPr lang="en-US" dirty="0"/>
+              <a:t>Where to break down a sketch into reusable parts (functions, structures, or classes as appropriate)</a:t>
+            </a:r>
+          </a:p>
+          <a:p>
+            <a:pPr marL="742950" lvl="1" indent="-285750">
+              <a:buFont typeface="Arial" panose="020B0604020202020204" pitchFamily="34" charset="0"/>
+              <a:buChar char="•"/>
+            </a:pPr>
+            <a:r>
+              <a:rPr lang="en-US" dirty="0"/>
+              <a:t>Identifying ‘risk’ – areas where more research or testing may be needed</a:t>
             </a:r>
           </a:p>
           <a:p>
@@ -23939,7 +23782,7 @@
             </a:pPr>
             <a:r>
               <a:rPr lang="en-US" dirty="0"/>
-              <a:t>Can be expanded to include (for example) sensor type, JMRI/CMRI designation</a:t>
+              <a:t>Can be expanded to include (for example) sensor type, a JMRI/CMRI designation</a:t>
             </a:r>
           </a:p>
         </p:txBody>
@@ -24291,18 +24134,15 @@
             </a:lvl9pPr>
           </a:lstStyle>
           <a:p>
-            <a:r>
-              <a:rPr lang="en-US" sz="3200" b="1" dirty="0">
-                <a:solidFill>
-                  <a:schemeClr val="accent1">
-                    <a:lumMod val="60000"/>
-                    <a:lumOff val="40000"/>
-                  </a:schemeClr>
-                </a:solidFill>
-                <a:latin typeface="MERG_Logo" pitchFamily="2" charset="0"/>
-              </a:rPr>
-              <a:t>(MERG)</a:t>
-            </a:r>
+            <a:endParaRPr lang="en-US" sz="3200" b="1" dirty="0">
+              <a:solidFill>
+                <a:schemeClr val="accent1">
+                  <a:lumMod val="60000"/>
+                  <a:lumOff val="40000"/>
+                </a:schemeClr>
+              </a:solidFill>
+              <a:latin typeface="MERG_Logo" pitchFamily="2" charset="0"/>
+            </a:endParaRPr>
           </a:p>
         </p:txBody>
       </p:sp>
@@ -24407,7 +24247,7 @@
                 <a:ea typeface="+mn-ea"/>
                 <a:cs typeface="+mn-cs"/>
               </a:rPr>
-              <a:t>(In my plan Inputs and Outputs are distinguished by colour)</a:t>
+              <a:t>(In this plan Inputs and Outputs are distinguished by colour)</a:t>
             </a:r>
           </a:p>
           <a:p>
@@ -24699,7 +24539,7 @@
           <p:nvPr>
             <p:extLst>
               <p:ext uri="{D42A27DB-BD31-4B8C-83A1-F6EECF244321}">
-                <p14:modId xmlns:p14="http://schemas.microsoft.com/office/powerpoint/2010/main" val="2175504536"/>
+                <p14:modId xmlns:p14="http://schemas.microsoft.com/office/powerpoint/2010/main" val="3532844365"/>
               </p:ext>
             </p:extLst>
           </p:nvPr>
@@ -24743,10 +24583,7 @@
                     <a:bodyPr/>
                     <a:lstStyle/>
                     <a:p>
-                      <a:r>
-                        <a:rPr lang="en-US" sz="4400" dirty="0"/>
-                        <a:t>10</a:t>
-                      </a:r>
+                      <a:endParaRPr lang="en-US" sz="4400" dirty="0"/>
                     </a:p>
                   </a:txBody>
                   <a:tcPr/>
@@ -26575,18 +26412,15 @@
             </a:lvl9pPr>
           </a:lstStyle>
           <a:p>
-            <a:r>
-              <a:rPr lang="en-US" sz="3200" b="1" dirty="0">
-                <a:solidFill>
-                  <a:schemeClr val="accent1">
-                    <a:lumMod val="60000"/>
-                    <a:lumOff val="40000"/>
-                  </a:schemeClr>
-                </a:solidFill>
-                <a:latin typeface="MERG_Logo" pitchFamily="2" charset="0"/>
-              </a:rPr>
-              <a:t>(MERG)</a:t>
-            </a:r>
+            <a:endParaRPr lang="en-US" sz="3200" b="1" dirty="0">
+              <a:solidFill>
+                <a:schemeClr val="accent1">
+                  <a:lumMod val="60000"/>
+                  <a:lumOff val="40000"/>
+                </a:schemeClr>
+              </a:solidFill>
+              <a:latin typeface="MERG_Logo" pitchFamily="2" charset="0"/>
+            </a:endParaRPr>
           </a:p>
         </p:txBody>
       </p:sp>
@@ -26671,7 +26505,7 @@
           <p:nvPr>
             <p:extLst>
               <p:ext uri="{D42A27DB-BD31-4B8C-83A1-F6EECF244321}">
-                <p14:modId xmlns:p14="http://schemas.microsoft.com/office/powerpoint/2010/main" val="2996431452"/>
+                <p14:modId xmlns:p14="http://schemas.microsoft.com/office/powerpoint/2010/main" val="3644113796"/>
               </p:ext>
             </p:extLst>
           </p:nvPr>
@@ -26715,10 +26549,7 @@
                     <a:bodyPr/>
                     <a:lstStyle/>
                     <a:p>
-                      <a:r>
-                        <a:rPr lang="en-US" sz="4400" dirty="0"/>
-                        <a:t>12</a:t>
-                      </a:r>
+                      <a:endParaRPr lang="en-US" sz="4400" dirty="0"/>
                     </a:p>
                   </a:txBody>
                   <a:tcPr/>
@@ -27311,18 +27142,15 @@
             </a:lvl9pPr>
           </a:lstStyle>
           <a:p>
-            <a:r>
-              <a:rPr lang="en-US" sz="3200" b="1" dirty="0">
-                <a:solidFill>
-                  <a:schemeClr val="accent1">
-                    <a:lumMod val="60000"/>
-                    <a:lumOff val="40000"/>
-                  </a:schemeClr>
-                </a:solidFill>
-                <a:latin typeface="MERG_Logo" pitchFamily="2" charset="0"/>
-              </a:rPr>
-              <a:t>(MERG)</a:t>
-            </a:r>
+            <a:endParaRPr lang="en-US" sz="3200" b="1" dirty="0">
+              <a:solidFill>
+                <a:schemeClr val="accent1">
+                  <a:lumMod val="60000"/>
+                  <a:lumOff val="40000"/>
+                </a:schemeClr>
+              </a:solidFill>
+              <a:latin typeface="MERG_Logo" pitchFamily="2" charset="0"/>
+            </a:endParaRPr>
           </a:p>
         </p:txBody>
       </p:sp>
@@ -27407,7 +27235,7 @@
           <p:nvPr>
             <p:extLst>
               <p:ext uri="{D42A27DB-BD31-4B8C-83A1-F6EECF244321}">
-                <p14:modId xmlns:p14="http://schemas.microsoft.com/office/powerpoint/2010/main" val="2445159665"/>
+                <p14:modId xmlns:p14="http://schemas.microsoft.com/office/powerpoint/2010/main" val="2328512351"/>
               </p:ext>
             </p:extLst>
           </p:nvPr>
@@ -27451,10 +27279,7 @@
                     <a:bodyPr/>
                     <a:lstStyle/>
                     <a:p>
-                      <a:r>
-                        <a:rPr lang="en-US" sz="4400" dirty="0"/>
-                        <a:t>13</a:t>
-                      </a:r>
+                      <a:endParaRPr lang="en-US" sz="4400" dirty="0"/>
                     </a:p>
                   </a:txBody>
                   <a:tcPr/>
@@ -28096,213 +27921,6 @@
           </a:prstGeom>
         </p:spPr>
       </p:pic>
-      <p:sp>
-        <p:nvSpPr>
-          <p:cNvPr id="8" name="Subtitle 2">
-            <a:extLst>
-              <a:ext uri="{FF2B5EF4-FFF2-40B4-BE49-F238E27FC236}">
-                <a16:creationId xmlns:a16="http://schemas.microsoft.com/office/drawing/2014/main" id="{71B6BC35-B74A-6FFC-D2FE-1D4F4EFE5551}"/>
-              </a:ext>
-            </a:extLst>
-          </p:cNvPr>
-          <p:cNvSpPr txBox="1">
-            <a:spLocks/>
-          </p:cNvSpPr>
-          <p:nvPr/>
-        </p:nvSpPr>
-        <p:spPr>
-          <a:xfrm>
-            <a:off x="560718" y="6177560"/>
-            <a:ext cx="1357223" cy="558771"/>
-          </a:xfrm>
-          <a:prstGeom prst="rect">
-            <a:avLst/>
-          </a:prstGeom>
-        </p:spPr>
-        <p:txBody>
-          <a:bodyPr vert="horz" lIns="91440" tIns="45720" rIns="91440" bIns="45720" rtlCol="0">
-            <a:noAutofit/>
-          </a:bodyPr>
-          <a:lstStyle>
-            <a:lvl1pPr marL="0" indent="0" algn="ctr" defTabSz="914400" rtl="0" eaLnBrk="1" latinLnBrk="0" hangingPunct="1">
-              <a:lnSpc>
-                <a:spcPct val="90000"/>
-              </a:lnSpc>
-              <a:spcBef>
-                <a:spcPts val="1000"/>
-              </a:spcBef>
-              <a:buFont typeface="Arial" panose="020B0604020202020204" pitchFamily="34" charset="0"/>
-              <a:buNone/>
-              <a:defRPr sz="2400" kern="1200">
-                <a:solidFill>
-                  <a:schemeClr val="tx1"/>
-                </a:solidFill>
-                <a:latin typeface="+mn-lt"/>
-                <a:ea typeface="+mn-ea"/>
-                <a:cs typeface="+mn-cs"/>
-              </a:defRPr>
-            </a:lvl1pPr>
-            <a:lvl2pPr marL="457200" indent="0" algn="ctr" defTabSz="914400" rtl="0" eaLnBrk="1" latinLnBrk="0" hangingPunct="1">
-              <a:lnSpc>
-                <a:spcPct val="90000"/>
-              </a:lnSpc>
-              <a:spcBef>
-                <a:spcPts val="500"/>
-              </a:spcBef>
-              <a:buFont typeface="Arial" panose="020B0604020202020204" pitchFamily="34" charset="0"/>
-              <a:buNone/>
-              <a:defRPr sz="2000" kern="1200">
-                <a:solidFill>
-                  <a:schemeClr val="tx1"/>
-                </a:solidFill>
-                <a:latin typeface="+mn-lt"/>
-                <a:ea typeface="+mn-ea"/>
-                <a:cs typeface="+mn-cs"/>
-              </a:defRPr>
-            </a:lvl2pPr>
-            <a:lvl3pPr marL="914400" indent="0" algn="ctr" defTabSz="914400" rtl="0" eaLnBrk="1" latinLnBrk="0" hangingPunct="1">
-              <a:lnSpc>
-                <a:spcPct val="90000"/>
-              </a:lnSpc>
-              <a:spcBef>
-                <a:spcPts val="500"/>
-              </a:spcBef>
-              <a:buFont typeface="Arial" panose="020B0604020202020204" pitchFamily="34" charset="0"/>
-              <a:buNone/>
-              <a:defRPr sz="1800" kern="1200">
-                <a:solidFill>
-                  <a:schemeClr val="tx1"/>
-                </a:solidFill>
-                <a:latin typeface="+mn-lt"/>
-                <a:ea typeface="+mn-ea"/>
-                <a:cs typeface="+mn-cs"/>
-              </a:defRPr>
-            </a:lvl3pPr>
-            <a:lvl4pPr marL="1371600" indent="0" algn="ctr" defTabSz="914400" rtl="0" eaLnBrk="1" latinLnBrk="0" hangingPunct="1">
-              <a:lnSpc>
-                <a:spcPct val="90000"/>
-              </a:lnSpc>
-              <a:spcBef>
-                <a:spcPts val="500"/>
-              </a:spcBef>
-              <a:buFont typeface="Arial" panose="020B0604020202020204" pitchFamily="34" charset="0"/>
-              <a:buNone/>
-              <a:defRPr sz="1600" kern="1200">
-                <a:solidFill>
-                  <a:schemeClr val="tx1"/>
-                </a:solidFill>
-                <a:latin typeface="+mn-lt"/>
-                <a:ea typeface="+mn-ea"/>
-                <a:cs typeface="+mn-cs"/>
-              </a:defRPr>
-            </a:lvl4pPr>
-            <a:lvl5pPr marL="1828800" indent="0" algn="ctr" defTabSz="914400" rtl="0" eaLnBrk="1" latinLnBrk="0" hangingPunct="1">
-              <a:lnSpc>
-                <a:spcPct val="90000"/>
-              </a:lnSpc>
-              <a:spcBef>
-                <a:spcPts val="500"/>
-              </a:spcBef>
-              <a:buFont typeface="Arial" panose="020B0604020202020204" pitchFamily="34" charset="0"/>
-              <a:buNone/>
-              <a:defRPr sz="1600" kern="1200">
-                <a:solidFill>
-                  <a:schemeClr val="tx1"/>
-                </a:solidFill>
-                <a:latin typeface="+mn-lt"/>
-                <a:ea typeface="+mn-ea"/>
-                <a:cs typeface="+mn-cs"/>
-              </a:defRPr>
-            </a:lvl5pPr>
-            <a:lvl6pPr marL="2286000" indent="0" algn="ctr" defTabSz="914400" rtl="0" eaLnBrk="1" latinLnBrk="0" hangingPunct="1">
-              <a:lnSpc>
-                <a:spcPct val="90000"/>
-              </a:lnSpc>
-              <a:spcBef>
-                <a:spcPts val="500"/>
-              </a:spcBef>
-              <a:buFont typeface="Arial" panose="020B0604020202020204" pitchFamily="34" charset="0"/>
-              <a:buNone/>
-              <a:defRPr sz="1600" kern="1200">
-                <a:solidFill>
-                  <a:schemeClr val="tx1"/>
-                </a:solidFill>
-                <a:latin typeface="+mn-lt"/>
-                <a:ea typeface="+mn-ea"/>
-                <a:cs typeface="+mn-cs"/>
-              </a:defRPr>
-            </a:lvl6pPr>
-            <a:lvl7pPr marL="2743200" indent="0" algn="ctr" defTabSz="914400" rtl="0" eaLnBrk="1" latinLnBrk="0" hangingPunct="1">
-              <a:lnSpc>
-                <a:spcPct val="90000"/>
-              </a:lnSpc>
-              <a:spcBef>
-                <a:spcPts val="500"/>
-              </a:spcBef>
-              <a:buFont typeface="Arial" panose="020B0604020202020204" pitchFamily="34" charset="0"/>
-              <a:buNone/>
-              <a:defRPr sz="1600" kern="1200">
-                <a:solidFill>
-                  <a:schemeClr val="tx1"/>
-                </a:solidFill>
-                <a:latin typeface="+mn-lt"/>
-                <a:ea typeface="+mn-ea"/>
-                <a:cs typeface="+mn-cs"/>
-              </a:defRPr>
-            </a:lvl7pPr>
-            <a:lvl8pPr marL="3200400" indent="0" algn="ctr" defTabSz="914400" rtl="0" eaLnBrk="1" latinLnBrk="0" hangingPunct="1">
-              <a:lnSpc>
-                <a:spcPct val="90000"/>
-              </a:lnSpc>
-              <a:spcBef>
-                <a:spcPts val="500"/>
-              </a:spcBef>
-              <a:buFont typeface="Arial" panose="020B0604020202020204" pitchFamily="34" charset="0"/>
-              <a:buNone/>
-              <a:defRPr sz="1600" kern="1200">
-                <a:solidFill>
-                  <a:schemeClr val="tx1"/>
-                </a:solidFill>
-                <a:latin typeface="+mn-lt"/>
-                <a:ea typeface="+mn-ea"/>
-                <a:cs typeface="+mn-cs"/>
-              </a:defRPr>
-            </a:lvl8pPr>
-            <a:lvl9pPr marL="3657600" indent="0" algn="ctr" defTabSz="914400" rtl="0" eaLnBrk="1" latinLnBrk="0" hangingPunct="1">
-              <a:lnSpc>
-                <a:spcPct val="90000"/>
-              </a:lnSpc>
-              <a:spcBef>
-                <a:spcPts val="500"/>
-              </a:spcBef>
-              <a:buFont typeface="Arial" panose="020B0604020202020204" pitchFamily="34" charset="0"/>
-              <a:buNone/>
-              <a:defRPr sz="1600" kern="1200">
-                <a:solidFill>
-                  <a:schemeClr val="tx1"/>
-                </a:solidFill>
-                <a:latin typeface="+mn-lt"/>
-                <a:ea typeface="+mn-ea"/>
-                <a:cs typeface="+mn-cs"/>
-              </a:defRPr>
-            </a:lvl9pPr>
-          </a:lstStyle>
-          <a:p>
-            <a:r>
-              <a:rPr lang="en-US" sz="3200" b="1" dirty="0">
-                <a:solidFill>
-                  <a:schemeClr val="accent1">
-                    <a:lumMod val="60000"/>
-                    <a:lumOff val="40000"/>
-                  </a:schemeClr>
-                </a:solidFill>
-                <a:latin typeface="MERG_Logo" pitchFamily="2" charset="0"/>
-              </a:rPr>
-              <a:t>(MERG)</a:t>
-            </a:r>
-          </a:p>
-        </p:txBody>
-      </p:sp>
       <p:pic>
         <p:nvPicPr>
           <p:cNvPr id="9" name="Picture 8">
@@ -28343,6 +27961,289 @@
     <p:extLst>
       <p:ext uri="{BB962C8B-B14F-4D97-AF65-F5344CB8AC3E}">
         <p14:creationId xmlns:p14="http://schemas.microsoft.com/office/powerpoint/2010/main" val="2556668720"/>
+      </p:ext>
+    </p:extLst>
+  </p:cSld>
+  <p:clrMapOvr>
+    <a:masterClrMapping/>
+  </p:clrMapOvr>
+</p:sld>
+</file>
+
+<file path=ppt/slides/slide37.xml><?xml version="1.0" encoding="utf-8"?>
+<p:sld xmlns:a="http://schemas.openxmlformats.org/drawingml/2006/main" xmlns:r="http://schemas.openxmlformats.org/officeDocument/2006/relationships" xmlns:p="http://schemas.openxmlformats.org/presentationml/2006/main">
+  <p:cSld>
+    <p:bg>
+      <p:bgPr>
+        <a:gradFill flip="none" rotWithShape="1">
+          <a:gsLst>
+            <a:gs pos="0">
+              <a:schemeClr val="accent5">
+                <a:lumMod val="0"/>
+                <a:lumOff val="100000"/>
+              </a:schemeClr>
+            </a:gs>
+            <a:gs pos="35000">
+              <a:schemeClr val="accent5">
+                <a:lumMod val="0"/>
+                <a:lumOff val="100000"/>
+              </a:schemeClr>
+            </a:gs>
+            <a:gs pos="100000">
+              <a:schemeClr val="accent5">
+                <a:lumMod val="100000"/>
+              </a:schemeClr>
+            </a:gs>
+          </a:gsLst>
+          <a:path path="circle">
+            <a:fillToRect l="50000" t="-80000" r="50000" b="180000"/>
+          </a:path>
+          <a:tileRect/>
+        </a:gradFill>
+        <a:effectLst/>
+      </p:bgPr>
+    </p:bg>
+    <p:spTree>
+      <p:nvGrpSpPr>
+        <p:cNvPr id="1" name=""/>
+        <p:cNvGrpSpPr/>
+        <p:nvPr/>
+      </p:nvGrpSpPr>
+      <p:grpSpPr>
+        <a:xfrm>
+          <a:off x="0" y="0"/>
+          <a:ext cx="0" cy="0"/>
+          <a:chOff x="0" y="0"/>
+          <a:chExt cx="0" cy="0"/>
+        </a:xfrm>
+      </p:grpSpPr>
+      <p:sp>
+        <p:nvSpPr>
+          <p:cNvPr id="2" name="Title 1">
+            <a:extLst>
+              <a:ext uri="{FF2B5EF4-FFF2-40B4-BE49-F238E27FC236}">
+                <a16:creationId xmlns:a16="http://schemas.microsoft.com/office/drawing/2014/main" id="{C5742B55-31B7-4052-A777-A8223F0961DD}"/>
+              </a:ext>
+            </a:extLst>
+          </p:cNvPr>
+          <p:cNvSpPr>
+            <a:spLocks noGrp="1"/>
+          </p:cNvSpPr>
+          <p:nvPr>
+            <p:ph type="ctrTitle"/>
+          </p:nvPr>
+        </p:nvSpPr>
+        <p:spPr/>
+        <p:txBody>
+          <a:bodyPr>
+            <a:normAutofit fontScale="90000"/>
+          </a:bodyPr>
+          <a:lstStyle/>
+          <a:p>
+            <a:br>
+              <a:rPr lang="en-US" sz="5400" b="1" dirty="0">
+                <a:latin typeface="Algerian" panose="04020705040A02060702" pitchFamily="82" charset="0"/>
+              </a:rPr>
+            </a:br>
+            <a:br>
+              <a:rPr lang="en-US" sz="5400" b="1" dirty="0">
+                <a:latin typeface="Algerian" panose="04020705040A02060702" pitchFamily="82" charset="0"/>
+              </a:rPr>
+            </a:br>
+            <a:r>
+              <a:rPr lang="en-US" sz="8000" b="1" dirty="0">
+                <a:latin typeface="MERG_Logo" pitchFamily="2" charset="0"/>
+                <a:ea typeface="+mn-ea"/>
+                <a:cs typeface="+mn-cs"/>
+              </a:rPr>
+              <a:t>(</a:t>
+            </a:r>
+            <a:r>
+              <a:rPr lang="en-US" sz="8000" b="1" dirty="0" err="1">
+                <a:latin typeface="MERG_Logo" pitchFamily="2" charset="0"/>
+                <a:ea typeface="+mn-ea"/>
+                <a:cs typeface="+mn-cs"/>
+              </a:rPr>
+              <a:t>ThE</a:t>
+            </a:r>
+            <a:r>
+              <a:rPr lang="en-US" sz="8000" b="1" dirty="0">
+                <a:latin typeface="MERG_Logo" pitchFamily="2" charset="0"/>
+                <a:ea typeface="+mn-ea"/>
+                <a:cs typeface="+mn-cs"/>
+              </a:rPr>
+              <a:t>)  (</a:t>
+            </a:r>
+            <a:r>
+              <a:rPr lang="en-US" sz="8000" b="1" dirty="0" err="1">
+                <a:latin typeface="MERG_Logo" pitchFamily="2" charset="0"/>
+                <a:ea typeface="+mn-ea"/>
+                <a:cs typeface="+mn-cs"/>
+              </a:rPr>
+              <a:t>ENd</a:t>
+            </a:r>
+            <a:r>
+              <a:rPr lang="en-US" sz="8000" b="1" dirty="0">
+                <a:latin typeface="MERG_Logo" pitchFamily="2" charset="0"/>
+                <a:ea typeface="+mn-ea"/>
+                <a:cs typeface="+mn-cs"/>
+              </a:rPr>
+              <a:t>)</a:t>
+            </a:r>
+          </a:p>
+        </p:txBody>
+      </p:sp>
+      <p:sp>
+        <p:nvSpPr>
+          <p:cNvPr id="6" name="Subtitle 5">
+            <a:extLst>
+              <a:ext uri="{FF2B5EF4-FFF2-40B4-BE49-F238E27FC236}">
+                <a16:creationId xmlns:a16="http://schemas.microsoft.com/office/drawing/2014/main" id="{B61020B8-9BB1-F5C1-CE52-DE27EF7499AC}"/>
+              </a:ext>
+            </a:extLst>
+          </p:cNvPr>
+          <p:cNvSpPr>
+            <a:spLocks noGrp="1"/>
+          </p:cNvSpPr>
+          <p:nvPr>
+            <p:ph type="subTitle" idx="1"/>
+          </p:nvPr>
+        </p:nvSpPr>
+        <p:spPr/>
+        <p:txBody>
+          <a:bodyPr/>
+          <a:lstStyle/>
+          <a:p>
+            <a:endParaRPr lang="en-US" dirty="0"/>
+          </a:p>
+        </p:txBody>
+      </p:sp>
+      <p:pic>
+        <p:nvPicPr>
+          <p:cNvPr id="4" name="Picture 3">
+            <a:extLst>
+              <a:ext uri="{FF2B5EF4-FFF2-40B4-BE49-F238E27FC236}">
+                <a16:creationId xmlns:a16="http://schemas.microsoft.com/office/drawing/2014/main" id="{A1F6D8F6-E16C-93A6-5EDF-73E5ECED7A39}"/>
+              </a:ext>
+            </a:extLst>
+          </p:cNvPr>
+          <p:cNvPicPr>
+            <a:picLocks noChangeAspect="1"/>
+          </p:cNvPicPr>
+          <p:nvPr/>
+        </p:nvPicPr>
+        <p:blipFill>
+          <a:blip r:embed="rId2" cstate="email">
+            <a:extLst>
+              <a:ext uri="{28A0092B-C50C-407E-A947-70E740481C1C}">
+                <a14:useLocalDpi xmlns:a14="http://schemas.microsoft.com/office/drawing/2010/main"/>
+              </a:ext>
+            </a:extLst>
+          </a:blip>
+          <a:stretch>
+            <a:fillRect/>
+          </a:stretch>
+        </p:blipFill>
+        <p:spPr>
+          <a:xfrm>
+            <a:off x="10749400" y="6239363"/>
+            <a:ext cx="1116784" cy="496968"/>
+          </a:xfrm>
+          <a:prstGeom prst="rect">
+            <a:avLst/>
+          </a:prstGeom>
+        </p:spPr>
+      </p:pic>
+      <p:pic>
+        <p:nvPicPr>
+          <p:cNvPr id="5" name="Picture 2" descr="MERG Logo">
+            <a:extLst>
+              <a:ext uri="{FF2B5EF4-FFF2-40B4-BE49-F238E27FC236}">
+                <a16:creationId xmlns:a16="http://schemas.microsoft.com/office/drawing/2014/main" id="{67A36C07-3373-5C78-241C-E2418A300CFF}"/>
+              </a:ext>
+            </a:extLst>
+          </p:cNvPr>
+          <p:cNvPicPr>
+            <a:picLocks noChangeAspect="1" noChangeArrowheads="1"/>
+          </p:cNvPicPr>
+          <p:nvPr/>
+        </p:nvPicPr>
+        <p:blipFill>
+          <a:blip r:embed="rId3" cstate="email">
+            <a:extLst>
+              <a:ext uri="{28A0092B-C50C-407E-A947-70E740481C1C}">
+                <a14:useLocalDpi xmlns:a14="http://schemas.microsoft.com/office/drawing/2010/main"/>
+              </a:ext>
+            </a:extLst>
+          </a:blip>
+          <a:srcRect/>
+          <a:stretch>
+            <a:fillRect/>
+          </a:stretch>
+        </p:blipFill>
+        <p:spPr bwMode="auto">
+          <a:xfrm>
+            <a:off x="600015" y="5973864"/>
+            <a:ext cx="1940824" cy="762467"/>
+          </a:xfrm>
+          <a:prstGeom prst="rect">
+            <a:avLst/>
+          </a:prstGeom>
+          <a:noFill/>
+          <a:extLst>
+            <a:ext uri="{909E8E84-426E-40DD-AFC4-6F175D3DCCD1}">
+              <a14:hiddenFill xmlns:a14="http://schemas.microsoft.com/office/drawing/2010/main">
+                <a:solidFill>
+                  <a:srgbClr val="FFFFFF"/>
+                </a:solidFill>
+              </a14:hiddenFill>
+            </a:ext>
+          </a:extLst>
+        </p:spPr>
+      </p:pic>
+      <p:pic>
+        <p:nvPicPr>
+          <p:cNvPr id="7" name="Picture 6">
+            <a:extLst>
+              <a:ext uri="{FF2B5EF4-FFF2-40B4-BE49-F238E27FC236}">
+                <a16:creationId xmlns:a16="http://schemas.microsoft.com/office/drawing/2014/main" id="{3C962C3A-BB49-B3B2-2B8E-CA15E746E0C4}"/>
+              </a:ext>
+            </a:extLst>
+          </p:cNvPr>
+          <p:cNvPicPr>
+            <a:picLocks noChangeAspect="1"/>
+          </p:cNvPicPr>
+          <p:nvPr/>
+        </p:nvPicPr>
+        <p:blipFill>
+          <a:blip r:embed="rId4" cstate="email">
+            <a:extLst>
+              <a:ext uri="{28A0092B-C50C-407E-A947-70E740481C1C}">
+                <a14:useLocalDpi xmlns:a14="http://schemas.microsoft.com/office/drawing/2010/main"/>
+              </a:ext>
+              <a:ext uri="{837473B0-CC2E-450A-ABE3-18F120FF3D39}">
+                <a1611:picAttrSrcUrl xmlns:a1611="http://schemas.microsoft.com/office/drawing/2016/11/main" r:id="rId5"/>
+              </a:ext>
+            </a:extLst>
+          </a:blip>
+          <a:stretch>
+            <a:fillRect/>
+          </a:stretch>
+        </p:blipFill>
+        <p:spPr>
+          <a:xfrm>
+            <a:off x="6955535" y="4029003"/>
+            <a:ext cx="627617" cy="627617"/>
+          </a:xfrm>
+          <a:prstGeom prst="rect">
+            <a:avLst/>
+          </a:prstGeom>
+        </p:spPr>
+      </p:pic>
+    </p:spTree>
+    <p:extLst>
+      <p:ext uri="{BB962C8B-B14F-4D97-AF65-F5344CB8AC3E}">
+        <p14:creationId xmlns:p14="http://schemas.microsoft.com/office/powerpoint/2010/main" val="784109280"/>
       </p:ext>
     </p:extLst>
   </p:cSld>
@@ -28796,18 +28697,15 @@
             </a:lvl9pPr>
           </a:lstStyle>
           <a:p>
-            <a:r>
-              <a:rPr lang="en-US" sz="3200" b="1" dirty="0">
-                <a:solidFill>
-                  <a:schemeClr val="accent1">
-                    <a:lumMod val="60000"/>
-                    <a:lumOff val="40000"/>
-                  </a:schemeClr>
-                </a:solidFill>
-                <a:latin typeface="MERG_Logo" pitchFamily="2" charset="0"/>
-              </a:rPr>
-              <a:t>(MERG)</a:t>
-            </a:r>
+            <a:endParaRPr lang="en-US" sz="3200" b="1" dirty="0">
+              <a:solidFill>
+                <a:schemeClr val="accent1">
+                  <a:lumMod val="60000"/>
+                  <a:lumOff val="40000"/>
+                </a:schemeClr>
+              </a:solidFill>
+              <a:latin typeface="MERG_Logo" pitchFamily="2" charset="0"/>
+            </a:endParaRPr>
           </a:p>
         </p:txBody>
       </p:sp>
@@ -29047,7 +28945,7 @@
                   <a:schemeClr val="tx1"/>
                 </a:solidFill>
               </a:rPr>
-              <a:t>Simplistically they are small, medium and large … but the differences can go a long way beyond this obvious aspect.</a:t>
+              <a:t>Simplistically they are small, medium and large … but differences can go a long way beyond this obvious aspect.</a:t>
             </a:r>
           </a:p>
           <a:p>
@@ -30138,18 +30036,15 @@
             </a:lvl9pPr>
           </a:lstStyle>
           <a:p>
-            <a:r>
-              <a:rPr lang="en-US" sz="3200" b="1" dirty="0">
-                <a:solidFill>
-                  <a:schemeClr val="accent1">
-                    <a:lumMod val="60000"/>
-                    <a:lumOff val="40000"/>
-                  </a:schemeClr>
-                </a:solidFill>
-                <a:latin typeface="MERG_Logo" pitchFamily="2" charset="0"/>
-              </a:rPr>
-              <a:t>(MERG)</a:t>
-            </a:r>
+            <a:endParaRPr lang="en-US" sz="3200" b="1" dirty="0">
+              <a:solidFill>
+                <a:schemeClr val="accent1">
+                  <a:lumMod val="60000"/>
+                  <a:lumOff val="40000"/>
+                </a:schemeClr>
+              </a:solidFill>
+              <a:latin typeface="MERG_Logo" pitchFamily="2" charset="0"/>
+            </a:endParaRPr>
           </a:p>
         </p:txBody>
       </p:sp>
@@ -30702,18 +30597,15 @@
             </a:lvl9pPr>
           </a:lstStyle>
           <a:p>
-            <a:r>
-              <a:rPr lang="en-US" sz="3200" b="1" dirty="0">
-                <a:solidFill>
-                  <a:schemeClr val="accent1">
-                    <a:lumMod val="60000"/>
-                    <a:lumOff val="40000"/>
-                  </a:schemeClr>
-                </a:solidFill>
-                <a:latin typeface="MERG_Logo" pitchFamily="2" charset="0"/>
-              </a:rPr>
-              <a:t>(MERG)</a:t>
-            </a:r>
+            <a:endParaRPr lang="en-US" sz="3200" b="1" dirty="0">
+              <a:solidFill>
+                <a:schemeClr val="accent1">
+                  <a:lumMod val="60000"/>
+                  <a:lumOff val="40000"/>
+                </a:schemeClr>
+              </a:solidFill>
+              <a:latin typeface="MERG_Logo" pitchFamily="2" charset="0"/>
+            </a:endParaRPr>
           </a:p>
         </p:txBody>
       </p:sp>
@@ -31388,8 +31280,8 @@
         </p:nvSpPr>
         <p:spPr>
           <a:xfrm>
-            <a:off x="5952226" y="1759789"/>
-            <a:ext cx="6021238" cy="2622430"/>
+            <a:off x="5727220" y="1414731"/>
+            <a:ext cx="6021238" cy="2855343"/>
           </a:xfrm>
           <a:prstGeom prst="rect">
             <a:avLst/>
@@ -31510,7 +31402,17 @@
                   <a:schemeClr val="tx1"/>
                 </a:solidFill>
               </a:rPr>
-              <a:t>– output from the 5V regulator and supply to the board</a:t>
+              <a:t>– output from the 5V regulator. Also can supply power to</a:t>
+            </a:r>
+          </a:p>
+          <a:p>
+            <a:r>
+              <a:rPr lang="en-US" dirty="0">
+                <a:solidFill>
+                  <a:schemeClr val="tx1"/>
+                </a:solidFill>
+              </a:rPr>
+              <a:t>             the board here (This is after the regulator of course).</a:t>
             </a:r>
           </a:p>
           <a:p>
@@ -31760,18 +31662,15 @@
             </a:lvl9pPr>
           </a:lstStyle>
           <a:p>
-            <a:r>
-              <a:rPr lang="en-US" sz="3200" b="1" dirty="0">
-                <a:solidFill>
-                  <a:schemeClr val="accent1">
-                    <a:lumMod val="60000"/>
-                    <a:lumOff val="40000"/>
-                  </a:schemeClr>
-                </a:solidFill>
-                <a:latin typeface="MERG_Logo" pitchFamily="2" charset="0"/>
-              </a:rPr>
-              <a:t>(MERG)</a:t>
-            </a:r>
+            <a:endParaRPr lang="en-US" sz="3200" b="1" dirty="0">
+              <a:solidFill>
+                <a:schemeClr val="accent1">
+                  <a:lumMod val="60000"/>
+                  <a:lumOff val="40000"/>
+                </a:schemeClr>
+              </a:solidFill>
+              <a:latin typeface="MERG_Logo" pitchFamily="2" charset="0"/>
+            </a:endParaRPr>
           </a:p>
         </p:txBody>
       </p:sp>
@@ -31825,8 +31724,8 @@
         </p:nvSpPr>
         <p:spPr>
           <a:xfrm>
-            <a:off x="4579433" y="4508864"/>
-            <a:ext cx="6728359" cy="1877437"/>
+            <a:off x="4234254" y="4307184"/>
+            <a:ext cx="6811698" cy="2123658"/>
           </a:xfrm>
           <a:prstGeom prst="rect">
             <a:avLst/>
@@ -31946,7 +31845,7 @@
             </a:r>
             <a:r>
               <a:rPr lang="en-US" sz="1600" dirty="0"/>
-              <a:t>= 40ma however </a:t>
+              <a:t>= 40mA however </a:t>
             </a:r>
             <a:r>
               <a:rPr lang="en-US" sz="1600" b="1" dirty="0">
@@ -31954,7 +31853,7 @@
                   <a:srgbClr val="C00000"/>
                 </a:solidFill>
               </a:rPr>
-              <a:t>recommended is &lt; 20ma</a:t>
+              <a:t>recommended is &lt; 20mA</a:t>
             </a:r>
           </a:p>
           <a:p>
@@ -31967,7 +31866,7 @@
             </a:r>
             <a:r>
               <a:rPr lang="en-US" sz="1600" dirty="0"/>
-              <a:t>is 200ma however </a:t>
+              <a:t>is 200mA however </a:t>
             </a:r>
             <a:r>
               <a:rPr lang="en-US" sz="1600" b="1" dirty="0">
@@ -31975,7 +31874,7 @@
                   <a:srgbClr val="C00000"/>
                 </a:solidFill>
               </a:rPr>
-              <a:t>recommended is &lt; 150ma</a:t>
+              <a:t>recommended is &lt; 150mA</a:t>
             </a:r>
           </a:p>
           <a:p>
@@ -31984,7 +31883,7 @@
             </a:pPr>
             <a:r>
               <a:rPr lang="en-US" sz="1600" dirty="0"/>
-              <a:t>The on board voltage regulator can supply 800ma for external sensors. </a:t>
+              <a:t>The on board voltage regulator can supply 800mA for external sensors. </a:t>
             </a:r>
           </a:p>
           <a:p>
@@ -31996,6 +31895,15 @@
               <a:t>It is advised to review and consider power requirements for each project</a:t>
             </a:r>
           </a:p>
+          <a:p>
+            <a:pPr>
+              <a:defRPr/>
+            </a:pPr>
+            <a:r>
+              <a:rPr lang="en-US" sz="1600" dirty="0"/>
+              <a:t>Note that clones do come at much lower cost but may also have less strict Q/C</a:t>
+            </a:r>
+          </a:p>
         </p:txBody>
       </p:sp>
       <p:pic>
@@ -32029,7 +31937,7 @@
         </p:blipFill>
         <p:spPr>
           <a:xfrm>
-            <a:off x="10927848" y="4494192"/>
+            <a:off x="11227095" y="4510645"/>
             <a:ext cx="627617" cy="627617"/>
           </a:xfrm>
           <a:prstGeom prst="rect">
@@ -32196,6 +32104,37 @@
                                   </p:childTnLst>
                                 </p:cTn>
                               </p:par>
+                              <p:par>
+                                <p:cTn id="15" presetID="1" presetClass="entr" presetSubtype="0" fill="hold" nodeType="withEffect">
+                                  <p:stCondLst>
+                                    <p:cond delay="0"/>
+                                  </p:stCondLst>
+                                  <p:childTnLst>
+                                    <p:set>
+                                      <p:cBhvr>
+                                        <p:cTn id="16" dur="1" fill="hold">
+                                          <p:stCondLst>
+                                            <p:cond delay="0"/>
+                                          </p:stCondLst>
+                                        </p:cTn>
+                                        <p:tgtEl>
+                                          <p:spTgt spid="4">
+                                            <p:txEl>
+                                              <p:pRg st="6" end="6"/>
+                                            </p:txEl>
+                                          </p:spTgt>
+                                        </p:tgtEl>
+                                        <p:attrNameLst>
+                                          <p:attrName>style.visibility</p:attrName>
+                                        </p:attrNameLst>
+                                      </p:cBhvr>
+                                      <p:to>
+                                        <p:strVal val="visible"/>
+                                      </p:to>
+                                    </p:set>
+                                  </p:childTnLst>
+                                </p:cTn>
+                              </p:par>
                             </p:childTnLst>
                           </p:cTn>
                         </p:par>
@@ -32203,26 +32142,155 @@
                     </p:cTn>
                   </p:par>
                   <p:par>
-                    <p:cTn id="15" fill="hold">
+                    <p:cTn id="17" fill="hold">
                       <p:stCondLst>
                         <p:cond delay="indefinite"/>
                       </p:stCondLst>
                       <p:childTnLst>
                         <p:par>
-                          <p:cTn id="16" fill="hold">
+                          <p:cTn id="18" fill="hold">
                             <p:stCondLst>
                               <p:cond delay="0"/>
                             </p:stCondLst>
                             <p:childTnLst>
                               <p:par>
-                                <p:cTn id="17" presetID="1" presetClass="entr" presetSubtype="0" fill="hold" nodeType="clickEffect">
+                                <p:cTn id="19" presetID="1" presetClass="entr" presetSubtype="0" fill="hold" nodeType="clickEffect">
                                   <p:stCondLst>
                                     <p:cond delay="0"/>
                                   </p:stCondLst>
                                   <p:childTnLst>
                                     <p:set>
                                       <p:cBhvr>
-                                        <p:cTn id="18" dur="1" fill="hold">
+                                        <p:cTn id="20" dur="1" fill="hold">
+                                          <p:stCondLst>
+                                            <p:cond delay="0"/>
+                                          </p:stCondLst>
+                                        </p:cTn>
+                                        <p:tgtEl>
+                                          <p:spTgt spid="4">
+                                            <p:txEl>
+                                              <p:pRg st="9" end="9"/>
+                                            </p:txEl>
+                                          </p:spTgt>
+                                        </p:tgtEl>
+                                        <p:attrNameLst>
+                                          <p:attrName>style.visibility</p:attrName>
+                                        </p:attrNameLst>
+                                      </p:cBhvr>
+                                      <p:to>
+                                        <p:strVal val="visible"/>
+                                      </p:to>
+                                    </p:set>
+                                  </p:childTnLst>
+                                </p:cTn>
+                              </p:par>
+                            </p:childTnLst>
+                          </p:cTn>
+                        </p:par>
+                      </p:childTnLst>
+                    </p:cTn>
+                  </p:par>
+                  <p:par>
+                    <p:cTn id="21" fill="hold">
+                      <p:stCondLst>
+                        <p:cond delay="indefinite"/>
+                      </p:stCondLst>
+                      <p:childTnLst>
+                        <p:par>
+                          <p:cTn id="22" fill="hold">
+                            <p:stCondLst>
+                              <p:cond delay="0"/>
+                            </p:stCondLst>
+                            <p:childTnLst>
+                              <p:par>
+                                <p:cTn id="23" presetID="1" presetClass="entr" presetSubtype="0" fill="hold" nodeType="clickEffect">
+                                  <p:stCondLst>
+                                    <p:cond delay="0"/>
+                                  </p:stCondLst>
+                                  <p:childTnLst>
+                                    <p:set>
+                                      <p:cBhvr>
+                                        <p:cTn id="24" dur="1" fill="hold">
+                                          <p:stCondLst>
+                                            <p:cond delay="0"/>
+                                          </p:stCondLst>
+                                        </p:cTn>
+                                        <p:tgtEl>
+                                          <p:spTgt spid="4">
+                                            <p:txEl>
+                                              <p:pRg st="4" end="4"/>
+                                            </p:txEl>
+                                          </p:spTgt>
+                                        </p:tgtEl>
+                                        <p:attrNameLst>
+                                          <p:attrName>style.visibility</p:attrName>
+                                        </p:attrNameLst>
+                                      </p:cBhvr>
+                                      <p:to>
+                                        <p:strVal val="visible"/>
+                                      </p:to>
+                                    </p:set>
+                                  </p:childTnLst>
+                                </p:cTn>
+                              </p:par>
+                            </p:childTnLst>
+                          </p:cTn>
+                        </p:par>
+                      </p:childTnLst>
+                    </p:cTn>
+                  </p:par>
+                  <p:par>
+                    <p:cTn id="25" fill="hold">
+                      <p:stCondLst>
+                        <p:cond delay="indefinite"/>
+                      </p:stCondLst>
+                      <p:childTnLst>
+                        <p:par>
+                          <p:cTn id="26" fill="hold">
+                            <p:stCondLst>
+                              <p:cond delay="0"/>
+                            </p:stCondLst>
+                            <p:childTnLst>
+                              <p:par>
+                                <p:cTn id="27" presetID="1" presetClass="entr" presetSubtype="0" fill="hold" nodeType="clickEffect">
+                                  <p:stCondLst>
+                                    <p:cond delay="0"/>
+                                  </p:stCondLst>
+                                  <p:childTnLst>
+                                    <p:set>
+                                      <p:cBhvr>
+                                        <p:cTn id="28" dur="1" fill="hold">
+                                          <p:stCondLst>
+                                            <p:cond delay="0"/>
+                                          </p:stCondLst>
+                                        </p:cTn>
+                                        <p:tgtEl>
+                                          <p:spTgt spid="4">
+                                            <p:txEl>
+                                              <p:pRg st="7" end="7"/>
+                                            </p:txEl>
+                                          </p:spTgt>
+                                        </p:tgtEl>
+                                        <p:attrNameLst>
+                                          <p:attrName>style.visibility</p:attrName>
+                                        </p:attrNameLst>
+                                      </p:cBhvr>
+                                      <p:to>
+                                        <p:strVal val="visible"/>
+                                      </p:to>
+                                    </p:set>
+                                  </p:childTnLst>
+                                </p:cTn>
+                              </p:par>
+                              <p:par>
+                                <p:cTn id="29" presetID="1" presetClass="entr" presetSubtype="0" fill="hold" nodeType="withEffect">
+                                  <p:stCondLst>
+                                    <p:cond delay="0"/>
+                                  </p:stCondLst>
+                                  <p:childTnLst>
+                                    <p:set>
+                                      <p:cBhvr>
+                                        <p:cTn id="30" dur="1" fill="hold">
                                           <p:stCondLst>
                                             <p:cond delay="0"/>
                                           </p:stCondLst>
@@ -32252,155 +32320,26 @@
                     </p:cTn>
                   </p:par>
                   <p:par>
-                    <p:cTn id="19" fill="hold">
+                    <p:cTn id="31" fill="hold">
                       <p:stCondLst>
                         <p:cond delay="indefinite"/>
                       </p:stCondLst>
                       <p:childTnLst>
                         <p:par>
-                          <p:cTn id="20" fill="hold">
+                          <p:cTn id="32" fill="hold">
                             <p:stCondLst>
                               <p:cond delay="0"/>
                             </p:stCondLst>
                             <p:childTnLst>
                               <p:par>
-                                <p:cTn id="21" presetID="1" presetClass="entr" presetSubtype="0" fill="hold" nodeType="clickEffect">
+                                <p:cTn id="33" presetID="10" presetClass="entr" presetSubtype="0" fill="hold" nodeType="clickEffect">
                                   <p:stCondLst>
                                     <p:cond delay="0"/>
                                   </p:stCondLst>
                                   <p:childTnLst>
                                     <p:set>
                                       <p:cBhvr>
-                                        <p:cTn id="22" dur="1" fill="hold">
-                                          <p:stCondLst>
-                                            <p:cond delay="0"/>
-                                          </p:stCondLst>
-                                        </p:cTn>
-                                        <p:tgtEl>
-                                          <p:spTgt spid="4">
-                                            <p:txEl>
-                                              <p:pRg st="4" end="4"/>
-                                            </p:txEl>
-                                          </p:spTgt>
-                                        </p:tgtEl>
-                                        <p:attrNameLst>
-                                          <p:attrName>style.visibility</p:attrName>
-                                        </p:attrNameLst>
-                                      </p:cBhvr>
-                                      <p:to>
-                                        <p:strVal val="visible"/>
-                                      </p:to>
-                                    </p:set>
-                                  </p:childTnLst>
-                                </p:cTn>
-                              </p:par>
-                            </p:childTnLst>
-                          </p:cTn>
-                        </p:par>
-                      </p:childTnLst>
-                    </p:cTn>
-                  </p:par>
-                  <p:par>
-                    <p:cTn id="23" fill="hold">
-                      <p:stCondLst>
-                        <p:cond delay="indefinite"/>
-                      </p:stCondLst>
-                      <p:childTnLst>
-                        <p:par>
-                          <p:cTn id="24" fill="hold">
-                            <p:stCondLst>
-                              <p:cond delay="0"/>
-                            </p:stCondLst>
-                            <p:childTnLst>
-                              <p:par>
-                                <p:cTn id="25" presetID="1" presetClass="entr" presetSubtype="0" fill="hold" nodeType="clickEffect">
-                                  <p:stCondLst>
-                                    <p:cond delay="0"/>
-                                  </p:stCondLst>
-                                  <p:childTnLst>
-                                    <p:set>
-                                      <p:cBhvr>
-                                        <p:cTn id="26" dur="1" fill="hold">
-                                          <p:stCondLst>
-                                            <p:cond delay="0"/>
-                                          </p:stCondLst>
-                                        </p:cTn>
-                                        <p:tgtEl>
-                                          <p:spTgt spid="4">
-                                            <p:txEl>
-                                              <p:pRg st="6" end="6"/>
-                                            </p:txEl>
-                                          </p:spTgt>
-                                        </p:tgtEl>
-                                        <p:attrNameLst>
-                                          <p:attrName>style.visibility</p:attrName>
-                                        </p:attrNameLst>
-                                      </p:cBhvr>
-                                      <p:to>
-                                        <p:strVal val="visible"/>
-                                      </p:to>
-                                    </p:set>
-                                  </p:childTnLst>
-                                </p:cTn>
-                              </p:par>
-                              <p:par>
-                                <p:cTn id="27" presetID="1" presetClass="entr" presetSubtype="0" fill="hold" nodeType="withEffect">
-                                  <p:stCondLst>
-                                    <p:cond delay="0"/>
-                                  </p:stCondLst>
-                                  <p:childTnLst>
-                                    <p:set>
-                                      <p:cBhvr>
-                                        <p:cTn id="28" dur="1" fill="hold">
-                                          <p:stCondLst>
-                                            <p:cond delay="0"/>
-                                          </p:stCondLst>
-                                        </p:cTn>
-                                        <p:tgtEl>
-                                          <p:spTgt spid="4">
-                                            <p:txEl>
-                                              <p:pRg st="7" end="7"/>
-                                            </p:txEl>
-                                          </p:spTgt>
-                                        </p:tgtEl>
-                                        <p:attrNameLst>
-                                          <p:attrName>style.visibility</p:attrName>
-                                        </p:attrNameLst>
-                                      </p:cBhvr>
-                                      <p:to>
-                                        <p:strVal val="visible"/>
-                                      </p:to>
-                                    </p:set>
-                                  </p:childTnLst>
-                                </p:cTn>
-                              </p:par>
-                            </p:childTnLst>
-                          </p:cTn>
-                        </p:par>
-                      </p:childTnLst>
-                    </p:cTn>
-                  </p:par>
-                  <p:par>
-                    <p:cTn id="29" fill="hold">
-                      <p:stCondLst>
-                        <p:cond delay="indefinite"/>
-                      </p:stCondLst>
-                      <p:childTnLst>
-                        <p:par>
-                          <p:cTn id="30" fill="hold">
-                            <p:stCondLst>
-                              <p:cond delay="0"/>
-                            </p:stCondLst>
-                            <p:childTnLst>
-                              <p:par>
-                                <p:cTn id="31" presetID="10" presetClass="entr" presetSubtype="0" fill="hold" nodeType="clickEffect">
-                                  <p:stCondLst>
-                                    <p:cond delay="0"/>
-                                  </p:stCondLst>
-                                  <p:childTnLst>
-                                    <p:set>
-                                      <p:cBhvr>
-                                        <p:cTn id="32" dur="1" fill="hold">
+                                        <p:cTn id="34" dur="1" fill="hold">
                                           <p:stCondLst>
                                             <p:cond delay="0"/>
                                           </p:stCondLst>
@@ -32422,7 +32361,7 @@
                                     </p:set>
                                     <p:animEffect transition="in" filter="fade">
                                       <p:cBhvr>
-                                        <p:cTn id="33" dur="500"/>
+                                        <p:cTn id="35" dur="500"/>
                                         <p:tgtEl>
                                           <p:spTgt spid="16">
                                             <p:txEl>
@@ -32442,26 +32381,26 @@
                     </p:cTn>
                   </p:par>
                   <p:par>
-                    <p:cTn id="34" fill="hold">
+                    <p:cTn id="36" fill="hold">
                       <p:stCondLst>
                         <p:cond delay="indefinite"/>
                       </p:stCondLst>
                       <p:childTnLst>
                         <p:par>
-                          <p:cTn id="35" fill="hold">
+                          <p:cTn id="37" fill="hold">
                             <p:stCondLst>
                               <p:cond delay="0"/>
                             </p:stCondLst>
                             <p:childTnLst>
                               <p:par>
-                                <p:cTn id="36" presetID="10" presetClass="entr" presetSubtype="0" fill="hold" nodeType="clickEffect">
+                                <p:cTn id="38" presetID="10" presetClass="entr" presetSubtype="0" fill="hold" nodeType="clickEffect">
                                   <p:stCondLst>
                                     <p:cond delay="0"/>
                                   </p:stCondLst>
                                   <p:childTnLst>
                                     <p:set>
                                       <p:cBhvr>
-                                        <p:cTn id="37" dur="1" fill="hold">
+                                        <p:cTn id="39" dur="1" fill="hold">
                                           <p:stCondLst>
                                             <p:cond delay="0"/>
                                           </p:stCondLst>
@@ -32483,7 +32422,7 @@
                                     </p:set>
                                     <p:animEffect transition="in" filter="fade">
                                       <p:cBhvr>
-                                        <p:cTn id="38" dur="500"/>
+                                        <p:cTn id="40" dur="500"/>
                                         <p:tgtEl>
                                           <p:spTgt spid="16">
                                             <p:txEl>
@@ -32503,26 +32442,26 @@
                     </p:cTn>
                   </p:par>
                   <p:par>
-                    <p:cTn id="39" fill="hold">
+                    <p:cTn id="41" fill="hold">
                       <p:stCondLst>
                         <p:cond delay="indefinite"/>
                       </p:stCondLst>
                       <p:childTnLst>
                         <p:par>
-                          <p:cTn id="40" fill="hold">
+                          <p:cTn id="42" fill="hold">
                             <p:stCondLst>
                               <p:cond delay="0"/>
                             </p:stCondLst>
                             <p:childTnLst>
                               <p:par>
-                                <p:cTn id="41" presetID="10" presetClass="entr" presetSubtype="0" fill="hold" nodeType="clickEffect">
+                                <p:cTn id="43" presetID="10" presetClass="entr" presetSubtype="0" fill="hold" nodeType="clickEffect">
                                   <p:stCondLst>
                                     <p:cond delay="0"/>
                                   </p:stCondLst>
                                   <p:childTnLst>
                                     <p:set>
                                       <p:cBhvr>
-                                        <p:cTn id="42" dur="1" fill="hold">
+                                        <p:cTn id="44" dur="1" fill="hold">
                                           <p:stCondLst>
                                             <p:cond delay="0"/>
                                           </p:stCondLst>
@@ -32544,7 +32483,7 @@
                                     </p:set>
                                     <p:animEffect transition="in" filter="fade">
                                       <p:cBhvr>
-                                        <p:cTn id="43" dur="500"/>
+                                        <p:cTn id="45" dur="500"/>
                                         <p:tgtEl>
                                           <p:spTgt spid="16">
                                             <p:txEl>
@@ -32558,14 +32497,14 @@
                                 </p:cTn>
                               </p:par>
                               <p:par>
-                                <p:cTn id="44" presetID="10" presetClass="entr" presetSubtype="0" fill="hold" nodeType="withEffect">
+                                <p:cTn id="46" presetID="10" presetClass="entr" presetSubtype="0" fill="hold" nodeType="withEffect">
                                   <p:stCondLst>
                                     <p:cond delay="0"/>
                                   </p:stCondLst>
                                   <p:childTnLst>
                                     <p:set>
                                       <p:cBhvr>
-                                        <p:cTn id="45" dur="1" fill="hold">
+                                        <p:cTn id="47" dur="1" fill="hold">
                                           <p:stCondLst>
                                             <p:cond delay="0"/>
                                           </p:stCondLst>
@@ -32583,7 +32522,7 @@
                                     </p:set>
                                     <p:animEffect transition="in" filter="fade">
                                       <p:cBhvr>
-                                        <p:cTn id="46" dur="500"/>
+                                        <p:cTn id="48" dur="500"/>
                                         <p:tgtEl>
                                           <p:spTgt spid="17"/>
                                         </p:tgtEl>
@@ -32599,26 +32538,26 @@
                     </p:cTn>
                   </p:par>
                   <p:par>
-                    <p:cTn id="47" fill="hold">
+                    <p:cTn id="49" fill="hold">
                       <p:stCondLst>
                         <p:cond delay="indefinite"/>
                       </p:stCondLst>
                       <p:childTnLst>
                         <p:par>
-                          <p:cTn id="48" fill="hold">
+                          <p:cTn id="50" fill="hold">
                             <p:stCondLst>
                               <p:cond delay="0"/>
                             </p:stCondLst>
                             <p:childTnLst>
                               <p:par>
-                                <p:cTn id="49" presetID="10" presetClass="entr" presetSubtype="0" fill="hold" nodeType="clickEffect">
+                                <p:cTn id="51" presetID="10" presetClass="entr" presetSubtype="0" fill="hold" nodeType="clickEffect">
                                   <p:stCondLst>
                                     <p:cond delay="0"/>
                                   </p:stCondLst>
                                   <p:childTnLst>
                                     <p:set>
                                       <p:cBhvr>
-                                        <p:cTn id="50" dur="1" fill="hold">
+                                        <p:cTn id="52" dur="1" fill="hold">
                                           <p:stCondLst>
                                             <p:cond delay="0"/>
                                           </p:stCondLst>
@@ -32640,7 +32579,7 @@
                                     </p:set>
                                     <p:animEffect transition="in" filter="fade">
                                       <p:cBhvr>
-                                        <p:cTn id="51" dur="500"/>
+                                        <p:cTn id="53" dur="500"/>
                                         <p:tgtEl>
                                           <p:spTgt spid="16">
                                             <p:txEl>
@@ -32660,26 +32599,26 @@
                     </p:cTn>
                   </p:par>
                   <p:par>
-                    <p:cTn id="52" fill="hold">
+                    <p:cTn id="54" fill="hold">
                       <p:stCondLst>
                         <p:cond delay="indefinite"/>
                       </p:stCondLst>
                       <p:childTnLst>
                         <p:par>
-                          <p:cTn id="53" fill="hold">
+                          <p:cTn id="55" fill="hold">
                             <p:stCondLst>
                               <p:cond delay="0"/>
                             </p:stCondLst>
                             <p:childTnLst>
                               <p:par>
-                                <p:cTn id="54" presetID="10" presetClass="entr" presetSubtype="0" fill="hold" nodeType="clickEffect">
+                                <p:cTn id="56" presetID="10" presetClass="entr" presetSubtype="0" fill="hold" nodeType="clickEffect">
                                   <p:stCondLst>
                                     <p:cond delay="0"/>
                                   </p:stCondLst>
                                   <p:childTnLst>
                                     <p:set>
                                       <p:cBhvr>
-                                        <p:cTn id="55" dur="1" fill="hold">
+                                        <p:cTn id="57" dur="1" fill="hold">
                                           <p:stCondLst>
                                             <p:cond delay="0"/>
                                           </p:stCondLst>
@@ -32701,7 +32640,7 @@
                                     </p:set>
                                     <p:animEffect transition="in" filter="fade">
                                       <p:cBhvr>
-                                        <p:cTn id="56" dur="500"/>
+                                        <p:cTn id="58" dur="500"/>
                                         <p:tgtEl>
                                           <p:spTgt spid="16">
                                             <p:txEl>
@@ -32721,26 +32660,26 @@
                     </p:cTn>
                   </p:par>
                   <p:par>
-                    <p:cTn id="57" fill="hold">
+                    <p:cTn id="59" fill="hold">
                       <p:stCondLst>
                         <p:cond delay="indefinite"/>
                       </p:stCondLst>
                       <p:childTnLst>
                         <p:par>
-                          <p:cTn id="58" fill="hold">
+                          <p:cTn id="60" fill="hold">
                             <p:stCondLst>
                               <p:cond delay="0"/>
                             </p:stCondLst>
                             <p:childTnLst>
                               <p:par>
-                                <p:cTn id="59" presetID="10" presetClass="entr" presetSubtype="0" fill="hold" nodeType="clickEffect">
+                                <p:cTn id="61" presetID="10" presetClass="entr" presetSubtype="0" fill="hold" nodeType="clickEffect">
                                   <p:stCondLst>
                                     <p:cond delay="0"/>
                                   </p:stCondLst>
                                   <p:childTnLst>
                                     <p:set>
                                       <p:cBhvr>
-                                        <p:cTn id="60" dur="1" fill="hold">
+                                        <p:cTn id="62" dur="1" fill="hold">
                                           <p:stCondLst>
                                             <p:cond delay="0"/>
                                           </p:stCondLst>
@@ -32762,7 +32701,7 @@
                                     </p:set>
                                     <p:animEffect transition="in" filter="fade">
                                       <p:cBhvr>
-                                        <p:cTn id="61" dur="500"/>
+                                        <p:cTn id="63" dur="500"/>
                                         <p:tgtEl>
                                           <p:spTgt spid="16">
                                             <p:txEl>
@@ -32782,26 +32721,26 @@
                     </p:cTn>
                   </p:par>
                   <p:par>
-                    <p:cTn id="62" fill="hold">
+                    <p:cTn id="64" fill="hold">
                       <p:stCondLst>
                         <p:cond delay="indefinite"/>
                       </p:stCondLst>
                       <p:childTnLst>
                         <p:par>
-                          <p:cTn id="63" fill="hold">
+                          <p:cTn id="65" fill="hold">
                             <p:stCondLst>
                               <p:cond delay="0"/>
                             </p:stCondLst>
                             <p:childTnLst>
                               <p:par>
-                                <p:cTn id="64" presetID="10" presetClass="entr" presetSubtype="0" fill="hold" nodeType="clickEffect">
+                                <p:cTn id="66" presetID="10" presetClass="entr" presetSubtype="0" fill="hold" nodeType="clickEffect">
                                   <p:stCondLst>
                                     <p:cond delay="0"/>
                                   </p:stCondLst>
                                   <p:childTnLst>
                                     <p:set>
                                       <p:cBhvr>
-                                        <p:cTn id="65" dur="1" fill="hold">
+                                        <p:cTn id="67" dur="1" fill="hold">
                                           <p:stCondLst>
                                             <p:cond delay="0"/>
                                           </p:stCondLst>
@@ -32823,11 +32762,72 @@
                                     </p:set>
                                     <p:animEffect transition="in" filter="fade">
                                       <p:cBhvr>
-                                        <p:cTn id="66" dur="500"/>
+                                        <p:cTn id="68" dur="500"/>
                                         <p:tgtEl>
                                           <p:spTgt spid="16">
                                             <p:txEl>
                                               <p:pRg st="6" end="6"/>
+                                            </p:txEl>
+                                          </p:spTgt>
+                                        </p:tgtEl>
+                                      </p:cBhvr>
+                                    </p:animEffect>
+                                  </p:childTnLst>
+                                </p:cTn>
+                              </p:par>
+                            </p:childTnLst>
+                          </p:cTn>
+                        </p:par>
+                      </p:childTnLst>
+                    </p:cTn>
+                  </p:par>
+                  <p:par>
+                    <p:cTn id="69" fill="hold">
+                      <p:stCondLst>
+                        <p:cond delay="indefinite"/>
+                      </p:stCondLst>
+                      <p:childTnLst>
+                        <p:par>
+                          <p:cTn id="70" fill="hold">
+                            <p:stCondLst>
+                              <p:cond delay="0"/>
+                            </p:stCondLst>
+                            <p:childTnLst>
+                              <p:par>
+                                <p:cTn id="71" presetID="10" presetClass="entr" presetSubtype="0" fill="hold" nodeType="clickEffect">
+                                  <p:stCondLst>
+                                    <p:cond delay="0"/>
+                                  </p:stCondLst>
+                                  <p:childTnLst>
+                                    <p:set>
+                                      <p:cBhvr>
+                                        <p:cTn id="72" dur="1" fill="hold">
+                                          <p:stCondLst>
+                                            <p:cond delay="0"/>
+                                          </p:stCondLst>
+                                        </p:cTn>
+                                        <p:tgtEl>
+                                          <p:spTgt spid="16">
+                                            <p:txEl>
+                                              <p:pRg st="7" end="7"/>
+                                            </p:txEl>
+                                          </p:spTgt>
+                                        </p:tgtEl>
+                                        <p:attrNameLst>
+                                          <p:attrName>style.visibility</p:attrName>
+                                        </p:attrNameLst>
+                                      </p:cBhvr>
+                                      <p:to>
+                                        <p:strVal val="visible"/>
+                                      </p:to>
+                                    </p:set>
+                                    <p:animEffect transition="in" filter="fade">
+                                      <p:cBhvr>
+                                        <p:cTn id="73" dur="500"/>
+                                        <p:tgtEl>
+                                          <p:spTgt spid="16">
+                                            <p:txEl>
+                                              <p:pRg st="7" end="7"/>
                                             </p:txEl>
                                           </p:spTgt>
                                         </p:tgtEl>
@@ -33149,7 +33149,7 @@
           </p:nvSpPr>
           <p:spPr>
             <a:xfrm>
-              <a:off x="950342" y="5855555"/>
+              <a:off x="950342" y="5837267"/>
               <a:ext cx="5217545" cy="762244"/>
             </a:xfrm>
             <a:prstGeom prst="rect">
@@ -33420,8 +33420,8 @@
         </p:nvSpPr>
         <p:spPr>
           <a:xfrm>
-            <a:off x="5231548" y="1507144"/>
-            <a:ext cx="6719660" cy="5110655"/>
+            <a:off x="5185828" y="1388613"/>
+            <a:ext cx="6719660" cy="5078384"/>
           </a:xfrm>
           <a:prstGeom prst="rect">
             <a:avLst/>
@@ -33463,9 +33463,6 @@
             </a:r>
           </a:p>
           <a:p>
-            <a:endParaRPr lang="en-US" b="1" dirty="0"/>
-          </a:p>
-          <a:p>
             <a:r>
               <a:rPr lang="en-US" b="1" dirty="0">
                 <a:solidFill>
@@ -33529,6 +33526,36 @@
                 </a:solidFill>
               </a:rPr>
               <a:t>A voltage of 0V  is read as ‘low’         (aka   ‘off’ or ‘false’)</a:t>
+            </a:r>
+          </a:p>
+          <a:p>
+            <a:r>
+              <a:rPr lang="en-US" dirty="0">
+                <a:solidFill>
+                  <a:schemeClr val="tx1"/>
+                </a:solidFill>
+              </a:rPr>
+              <a:t>This also known as positive logic. Depending on your wiring you may use negative logic – where a 0V level actually turns something ‘ON’.</a:t>
+            </a:r>
+          </a:p>
+          <a:p>
+            <a:r>
+              <a:rPr lang="en-US" dirty="0">
+                <a:solidFill>
+                  <a:schemeClr val="tx1"/>
+                </a:solidFill>
+              </a:rPr>
+              <a:t>You can use these pins interchangeably, however some pins have alternate uses (stay tuned). </a:t>
+            </a:r>
+          </a:p>
+          <a:p>
+            <a:r>
+              <a:rPr lang="en-US" dirty="0">
+                <a:solidFill>
+                  <a:schemeClr val="tx1"/>
+                </a:solidFill>
+              </a:rPr>
+              <a:t>Selecting the right pins gives future flexibility as your project evolves</a:t>
             </a:r>
           </a:p>
           <a:p>
@@ -33545,17 +33572,7 @@
                   <a:schemeClr val="tx1"/>
                 </a:solidFill>
               </a:rPr>
-              <a:t>You can use these pins interchangeably, however some pins have alternate uses (stay tuned). </a:t>
-            </a:r>
-          </a:p>
-          <a:p>
-            <a:r>
-              <a:rPr lang="en-US" dirty="0">
-                <a:solidFill>
-                  <a:schemeClr val="tx1"/>
-                </a:solidFill>
-              </a:rPr>
-              <a:t>Selecting the right pins can give you future flexibility if your project evolves. Changing pins in software is quite easy, however if you are including your Arduino on a custom PCB selecting the wrong pin initially is a bit of a problem.</a:t>
+              <a:t>Changing pins in software is quite easy, however if you are including your Arduino on a custom PCB selecting the wrong pin can be a bit of a problem.</a:t>
             </a:r>
           </a:p>
           <a:p>
@@ -33580,17 +33597,8 @@
                   <a:schemeClr val="tx1"/>
                 </a:solidFill>
               </a:rPr>
-              <a:t>is also special in that has an LED already built into it onboard. Knowing this makes it handy for doing simple tests.(but not if you are driving something else with it.)</a:t>
+              <a:t>is also special in that has an LED already built into it onboard. Knowing this makes it handy for doing simple tests.(but not if you are driving something else with it.) In my experience </a:t>
             </a:r>
-          </a:p>
-          <a:p>
-            <a:endParaRPr lang="en-US" dirty="0">
-              <a:solidFill>
-                <a:schemeClr val="tx1"/>
-              </a:solidFill>
-            </a:endParaRPr>
-          </a:p>
-          <a:p>
             <a:r>
               <a:rPr lang="en-US" b="1" dirty="0">
                 <a:solidFill>
@@ -33605,7 +33613,7 @@
                   <a:schemeClr val="tx1"/>
                 </a:solidFill>
               </a:rPr>
-              <a:t> come factory programmed with the ‘blink’ program using </a:t>
+              <a:t> normally come factory programmed with the ‘blink’ program using </a:t>
             </a:r>
             <a:r>
               <a:rPr lang="en-US" b="1" dirty="0">
@@ -33815,21 +33823,57 @@
             </a:lvl9pPr>
           </a:lstStyle>
           <a:p>
-            <a:r>
-              <a:rPr lang="en-US" sz="3200" b="1" dirty="0">
-                <a:solidFill>
-                  <a:schemeClr val="accent1">
-                    <a:lumMod val="60000"/>
-                    <a:lumOff val="40000"/>
-                  </a:schemeClr>
-                </a:solidFill>
-                <a:latin typeface="MERG_Logo" pitchFamily="2" charset="0"/>
-              </a:rPr>
-              <a:t>(MERG)</a:t>
-            </a:r>
+            <a:endParaRPr lang="en-US" sz="3200" b="1" dirty="0">
+              <a:solidFill>
+                <a:schemeClr val="accent1">
+                  <a:lumMod val="60000"/>
+                  <a:lumOff val="40000"/>
+                </a:schemeClr>
+              </a:solidFill>
+              <a:latin typeface="MERG_Logo" pitchFamily="2" charset="0"/>
+            </a:endParaRPr>
           </a:p>
         </p:txBody>
       </p:sp>
+      <p:pic>
+        <p:nvPicPr>
+          <p:cNvPr id="14" name="Picture 13">
+            <a:extLst>
+              <a:ext uri="{FF2B5EF4-FFF2-40B4-BE49-F238E27FC236}">
+                <a16:creationId xmlns:a16="http://schemas.microsoft.com/office/drawing/2014/main" id="{99841714-5130-99B5-3077-FA9A4A4EAEDA}"/>
+              </a:ext>
+            </a:extLst>
+          </p:cNvPr>
+          <p:cNvPicPr>
+            <a:picLocks noChangeAspect="1"/>
+          </p:cNvPicPr>
+          <p:nvPr/>
+        </p:nvPicPr>
+        <p:blipFill>
+          <a:blip r:embed="rId3" cstate="email">
+            <a:extLst>
+              <a:ext uri="{28A0092B-C50C-407E-A947-70E740481C1C}">
+                <a14:useLocalDpi xmlns:a14="http://schemas.microsoft.com/office/drawing/2010/main"/>
+              </a:ext>
+              <a:ext uri="{837473B0-CC2E-450A-ABE3-18F120FF3D39}">
+                <a1611:picAttrSrcUrl xmlns:a1611="http://schemas.microsoft.com/office/drawing/2016/11/main" r:id="rId4"/>
+              </a:ext>
+            </a:extLst>
+          </a:blip>
+          <a:stretch>
+            <a:fillRect/>
+          </a:stretch>
+        </p:blipFill>
+        <p:spPr>
+          <a:xfrm>
+            <a:off x="6347364" y="4688477"/>
+            <a:ext cx="627617" cy="627617"/>
+          </a:xfrm>
+          <a:prstGeom prst="rect">
+            <a:avLst/>
+          </a:prstGeom>
+        </p:spPr>
+      </p:pic>
     </p:spTree>
     <p:extLst>
       <p:ext uri="{BB962C8B-B14F-4D97-AF65-F5344CB8AC3E}">
@@ -33876,7 +33920,7 @@
                                         <p:tgtEl>
                                           <p:spTgt spid="4">
                                             <p:txEl>
-                                              <p:pRg st="2" end="2"/>
+                                              <p:pRg st="1" end="1"/>
                                             </p:txEl>
                                           </p:spTgt>
                                         </p:tgtEl>
@@ -33894,7 +33938,7 @@
                                         <p:tgtEl>
                                           <p:spTgt spid="4">
                                             <p:txEl>
-                                              <p:pRg st="2" end="2"/>
+                                              <p:pRg st="1" end="1"/>
                                             </p:txEl>
                                           </p:spTgt>
                                         </p:tgtEl>
@@ -33937,7 +33981,7 @@
                                         <p:tgtEl>
                                           <p:spTgt spid="4">
                                             <p:txEl>
-                                              <p:pRg st="3" end="3"/>
+                                              <p:pRg st="2" end="2"/>
                                             </p:txEl>
                                           </p:spTgt>
                                         </p:tgtEl>
@@ -33955,7 +33999,7 @@
                                         <p:tgtEl>
                                           <p:spTgt spid="4">
                                             <p:txEl>
-                                              <p:pRg st="3" end="3"/>
+                                              <p:pRg st="2" end="2"/>
                                             </p:txEl>
                                           </p:spTgt>
                                         </p:tgtEl>
@@ -33998,7 +34042,7 @@
                                         <p:tgtEl>
                                           <p:spTgt spid="4">
                                             <p:txEl>
-                                              <p:pRg st="4" end="4"/>
+                                              <p:pRg st="3" end="3"/>
                                             </p:txEl>
                                           </p:spTgt>
                                         </p:tgtEl>
@@ -34016,7 +34060,7 @@
                                         <p:tgtEl>
                                           <p:spTgt spid="4">
                                             <p:txEl>
-                                              <p:pRg st="4" end="4"/>
+                                              <p:pRg st="3" end="3"/>
                                             </p:txEl>
                                           </p:spTgt>
                                         </p:tgtEl>
@@ -34059,7 +34103,7 @@
                                         <p:tgtEl>
                                           <p:spTgt spid="4">
                                             <p:txEl>
-                                              <p:pRg st="6" end="6"/>
+                                              <p:pRg st="4" end="4"/>
                                             </p:txEl>
                                           </p:spTgt>
                                         </p:tgtEl>
@@ -34077,7 +34121,7 @@
                                         <p:tgtEl>
                                           <p:spTgt spid="4">
                                             <p:txEl>
-                                              <p:pRg st="6" end="6"/>
+                                              <p:pRg st="4" end="4"/>
                                             </p:txEl>
                                           </p:spTgt>
                                         </p:tgtEl>
@@ -34120,7 +34164,7 @@
                                         <p:tgtEl>
                                           <p:spTgt spid="4">
                                             <p:txEl>
-                                              <p:pRg st="7" end="7"/>
+                                              <p:pRg st="5" end="5"/>
                                             </p:txEl>
                                           </p:spTgt>
                                         </p:tgtEl>
@@ -34138,7 +34182,7 @@
                                         <p:tgtEl>
                                           <p:spTgt spid="4">
                                             <p:txEl>
-                                              <p:pRg st="7" end="7"/>
+                                              <p:pRg st="5" end="5"/>
                                             </p:txEl>
                                           </p:spTgt>
                                         </p:tgtEl>
@@ -34181,7 +34225,7 @@
                                         <p:tgtEl>
                                           <p:spTgt spid="4">
                                             <p:txEl>
-                                              <p:pRg st="9" end="9"/>
+                                              <p:pRg st="6" end="6"/>
                                             </p:txEl>
                                           </p:spTgt>
                                         </p:tgtEl>
@@ -34199,7 +34243,7 @@
                                         <p:tgtEl>
                                           <p:spTgt spid="4">
                                             <p:txEl>
-                                              <p:pRg st="9" end="9"/>
+                                              <p:pRg st="6" end="6"/>
                                             </p:txEl>
                                           </p:spTgt>
                                         </p:tgtEl>
@@ -34242,7 +34286,7 @@
                                         <p:tgtEl>
                                           <p:spTgt spid="4">
                                             <p:txEl>
-                                              <p:pRg st="11" end="11"/>
+                                              <p:pRg st="8" end="8"/>
                                             </p:txEl>
                                           </p:spTgt>
                                         </p:tgtEl>
@@ -34260,7 +34304,103 @@
                                         <p:tgtEl>
                                           <p:spTgt spid="4">
                                             <p:txEl>
-                                              <p:pRg st="11" end="11"/>
+                                              <p:pRg st="8" end="8"/>
+                                            </p:txEl>
+                                          </p:spTgt>
+                                        </p:tgtEl>
+                                      </p:cBhvr>
+                                    </p:animEffect>
+                                  </p:childTnLst>
+                                </p:cTn>
+                              </p:par>
+                              <p:par>
+                                <p:cTn id="38" presetID="10" presetClass="entr" presetSubtype="0" fill="hold" nodeType="withEffect">
+                                  <p:stCondLst>
+                                    <p:cond delay="0"/>
+                                  </p:stCondLst>
+                                  <p:childTnLst>
+                                    <p:set>
+                                      <p:cBhvr>
+                                        <p:cTn id="39" dur="1" fill="hold">
+                                          <p:stCondLst>
+                                            <p:cond delay="0"/>
+                                          </p:stCondLst>
+                                        </p:cTn>
+                                        <p:tgtEl>
+                                          <p:spTgt spid="14"/>
+                                        </p:tgtEl>
+                                        <p:attrNameLst>
+                                          <p:attrName>style.visibility</p:attrName>
+                                        </p:attrNameLst>
+                                      </p:cBhvr>
+                                      <p:to>
+                                        <p:strVal val="visible"/>
+                                      </p:to>
+                                    </p:set>
+                                    <p:animEffect transition="in" filter="fade">
+                                      <p:cBhvr>
+                                        <p:cTn id="40" dur="500"/>
+                                        <p:tgtEl>
+                                          <p:spTgt spid="14"/>
+                                        </p:tgtEl>
+                                      </p:cBhvr>
+                                    </p:animEffect>
+                                  </p:childTnLst>
+                                </p:cTn>
+                              </p:par>
+                            </p:childTnLst>
+                          </p:cTn>
+                        </p:par>
+                      </p:childTnLst>
+                    </p:cTn>
+                  </p:par>
+                  <p:par>
+                    <p:cTn id="41" fill="hold">
+                      <p:stCondLst>
+                        <p:cond delay="indefinite"/>
+                      </p:stCondLst>
+                      <p:childTnLst>
+                        <p:par>
+                          <p:cTn id="42" fill="hold">
+                            <p:stCondLst>
+                              <p:cond delay="0"/>
+                            </p:stCondLst>
+                            <p:childTnLst>
+                              <p:par>
+                                <p:cTn id="43" presetID="10" presetClass="entr" presetSubtype="0" fill="hold" nodeType="clickEffect">
+                                  <p:stCondLst>
+                                    <p:cond delay="0"/>
+                                  </p:stCondLst>
+                                  <p:childTnLst>
+                                    <p:set>
+                                      <p:cBhvr>
+                                        <p:cTn id="44" dur="1" fill="hold">
+                                          <p:stCondLst>
+                                            <p:cond delay="0"/>
+                                          </p:stCondLst>
+                                        </p:cTn>
+                                        <p:tgtEl>
+                                          <p:spTgt spid="4">
+                                            <p:txEl>
+                                              <p:pRg st="10" end="10"/>
+                                            </p:txEl>
+                                          </p:spTgt>
+                                        </p:tgtEl>
+                                        <p:attrNameLst>
+                                          <p:attrName>style.visibility</p:attrName>
+                                        </p:attrNameLst>
+                                      </p:cBhvr>
+                                      <p:to>
+                                        <p:strVal val="visible"/>
+                                      </p:to>
+                                    </p:set>
+                                    <p:animEffect transition="in" filter="fade">
+                                      <p:cBhvr>
+                                        <p:cTn id="45" dur="500"/>
+                                        <p:tgtEl>
+                                          <p:spTgt spid="4">
+                                            <p:txEl>
+                                              <p:pRg st="10" end="10"/>
                                             </p:txEl>
                                           </p:spTgt>
                                         </p:tgtEl>
@@ -34486,7 +34626,7 @@
         </p:blipFill>
         <p:spPr>
           <a:xfrm>
-            <a:off x="950343" y="1414732"/>
+            <a:off x="968026" y="1367371"/>
             <a:ext cx="5145657" cy="5145657"/>
           </a:xfrm>
           <a:prstGeom prst="rect">
@@ -34508,7 +34648,7 @@
         </p:nvSpPr>
         <p:spPr>
           <a:xfrm>
-            <a:off x="1095375" y="6183741"/>
+            <a:off x="1095375" y="6147165"/>
             <a:ext cx="5072512" cy="434057"/>
           </a:xfrm>
           <a:prstGeom prst="rect">
@@ -34779,7 +34919,7 @@
         <p:spPr>
           <a:xfrm>
             <a:off x="5400675" y="1496696"/>
-            <a:ext cx="6572789" cy="4437759"/>
+            <a:ext cx="6572789" cy="4353347"/>
           </a:xfrm>
           <a:prstGeom prst="rect">
             <a:avLst/>
@@ -34948,7 +35088,7 @@
                   <a:schemeClr val="tx1"/>
                 </a:solidFill>
               </a:rPr>
-              <a:t>A6 / A7 </a:t>
+              <a:t>A6 / A7 (not available on an UNO) </a:t>
             </a:r>
             <a:r>
               <a:rPr lang="en-US" dirty="0">
@@ -34956,7 +35096,7 @@
                   <a:schemeClr val="tx1"/>
                 </a:solidFill>
               </a:rPr>
-              <a:t>are different in that the circuitry on the chip lacks the pullup resistor. Be aware of this when using Analog pins in digital mode or with some components that may depend on the pullup to work.   </a:t>
+              <a:t>are different in that the circuitry on the chip lacks the pullup resistor. Be aware of this when using Analog pins in digital mode or with some components that may depend on the pullup to work.  (LDR’s for example) </a:t>
             </a:r>
           </a:p>
           <a:p>
@@ -35000,7 +35140,7 @@
         </p:nvSpPr>
         <p:spPr>
           <a:xfrm>
-            <a:off x="1035309" y="5850043"/>
+            <a:off x="1035309" y="5786035"/>
             <a:ext cx="2362200" cy="207857"/>
           </a:xfrm>
           <a:prstGeom prst="rect">
@@ -35232,18 +35372,15 @@
             </a:lvl9pPr>
           </a:lstStyle>
           <a:p>
-            <a:r>
-              <a:rPr lang="en-US" sz="3200" b="1" dirty="0">
-                <a:solidFill>
-                  <a:schemeClr val="accent1">
-                    <a:lumMod val="60000"/>
-                    <a:lumOff val="40000"/>
-                  </a:schemeClr>
-                </a:solidFill>
-                <a:latin typeface="MERG_Logo" pitchFamily="2" charset="0"/>
-              </a:rPr>
-              <a:t>(MERG)</a:t>
-            </a:r>
+            <a:endParaRPr lang="en-US" sz="3200" b="1" dirty="0">
+              <a:solidFill>
+                <a:schemeClr val="accent1">
+                  <a:lumMod val="60000"/>
+                  <a:lumOff val="40000"/>
+                </a:schemeClr>
+              </a:solidFill>
+              <a:latin typeface="MERG_Logo" pitchFamily="2" charset="0"/>
+            </a:endParaRPr>
           </a:p>
         </p:txBody>
       </p:sp>
@@ -35283,6 +35420,397 @@
           </a:prstGeom>
         </p:spPr>
       </p:pic>
+      <p:pic>
+        <p:nvPicPr>
+          <p:cNvPr id="14" name="Picture 13">
+            <a:extLst>
+              <a:ext uri="{FF2B5EF4-FFF2-40B4-BE49-F238E27FC236}">
+                <a16:creationId xmlns:a16="http://schemas.microsoft.com/office/drawing/2014/main" id="{75D482CB-4D52-1D84-D07D-2BA7681D9D0F}"/>
+              </a:ext>
+            </a:extLst>
+          </p:cNvPr>
+          <p:cNvPicPr>
+            <a:picLocks noChangeAspect="1"/>
+          </p:cNvPicPr>
+          <p:nvPr/>
+        </p:nvPicPr>
+        <p:blipFill>
+          <a:blip r:embed="rId4" cstate="email">
+            <a:extLst>
+              <a:ext uri="{28A0092B-C50C-407E-A947-70E740481C1C}">
+                <a14:useLocalDpi xmlns:a14="http://schemas.microsoft.com/office/drawing/2010/main"/>
+              </a:ext>
+              <a:ext uri="{837473B0-CC2E-450A-ABE3-18F120FF3D39}">
+                <a1611:picAttrSrcUrl xmlns:a1611="http://schemas.microsoft.com/office/drawing/2016/11/main" r:id="rId5"/>
+              </a:ext>
+            </a:extLst>
+          </a:blip>
+          <a:stretch>
+            <a:fillRect/>
+          </a:stretch>
+        </p:blipFill>
+        <p:spPr>
+          <a:xfrm>
+            <a:off x="11552375" y="3969789"/>
+            <a:ext cx="627617" cy="627617"/>
+          </a:xfrm>
+          <a:prstGeom prst="rect">
+            <a:avLst/>
+          </a:prstGeom>
+        </p:spPr>
+      </p:pic>
+      <p:grpSp>
+        <p:nvGrpSpPr>
+          <p:cNvPr id="12" name="Group 11">
+            <a:extLst>
+              <a:ext uri="{FF2B5EF4-FFF2-40B4-BE49-F238E27FC236}">
+                <a16:creationId xmlns:a16="http://schemas.microsoft.com/office/drawing/2014/main" id="{AC7E37D3-C6F2-42CF-3B93-4364D38BFCD3}"/>
+              </a:ext>
+            </a:extLst>
+          </p:cNvPr>
+          <p:cNvGrpSpPr/>
+          <p:nvPr/>
+        </p:nvGrpSpPr>
+        <p:grpSpPr>
+          <a:xfrm>
+            <a:off x="1598939" y="2021959"/>
+            <a:ext cx="3801736" cy="2673522"/>
+            <a:chOff x="1598939" y="2021959"/>
+            <a:chExt cx="3801736" cy="2673522"/>
+          </a:xfrm>
+        </p:grpSpPr>
+        <p:sp>
+          <p:nvSpPr>
+            <p:cNvPr id="18" name="Oval 17">
+              <a:extLst>
+                <a:ext uri="{FF2B5EF4-FFF2-40B4-BE49-F238E27FC236}">
+                  <a16:creationId xmlns:a16="http://schemas.microsoft.com/office/drawing/2014/main" id="{DCB0DD3E-60B1-4FC4-830A-2F258D9622FE}"/>
+                </a:ext>
+              </a:extLst>
+            </p:cNvPr>
+            <p:cNvSpPr/>
+            <p:nvPr/>
+          </p:nvSpPr>
+          <p:spPr>
+            <a:xfrm>
+              <a:off x="1598939" y="3000719"/>
+              <a:ext cx="875791" cy="1694762"/>
+            </a:xfrm>
+            <a:prstGeom prst="ellipse">
+              <a:avLst/>
+            </a:prstGeom>
+            <a:noFill/>
+            <a:ln w="38100">
+              <a:solidFill>
+                <a:srgbClr val="FF0000"/>
+              </a:solidFill>
+            </a:ln>
+          </p:spPr>
+          <p:style>
+            <a:lnRef idx="2">
+              <a:schemeClr val="accent1">
+                <a:shade val="50000"/>
+              </a:schemeClr>
+            </a:lnRef>
+            <a:fillRef idx="1">
+              <a:schemeClr val="accent1"/>
+            </a:fillRef>
+            <a:effectRef idx="0">
+              <a:schemeClr val="accent1"/>
+            </a:effectRef>
+            <a:fontRef idx="minor">
+              <a:schemeClr val="lt1"/>
+            </a:fontRef>
+          </p:style>
+          <p:txBody>
+            <a:bodyPr rtlCol="0" anchor="ctr"/>
+            <a:lstStyle/>
+            <a:p>
+              <a:pPr algn="ctr"/>
+              <a:endParaRPr lang="en-US"/>
+            </a:p>
+          </p:txBody>
+        </p:sp>
+        <p:cxnSp>
+          <p:nvCxnSpPr>
+            <p:cNvPr id="19" name="Straight Arrow Connector 18">
+              <a:extLst>
+                <a:ext uri="{FF2B5EF4-FFF2-40B4-BE49-F238E27FC236}">
+                  <a16:creationId xmlns:a16="http://schemas.microsoft.com/office/drawing/2014/main" id="{F7537DFE-1C66-D5C3-7ABD-EF07182C0640}"/>
+                </a:ext>
+              </a:extLst>
+            </p:cNvPr>
+            <p:cNvCxnSpPr>
+              <a:cxnSpLocks/>
+            </p:cNvCxnSpPr>
+            <p:nvPr/>
+          </p:nvCxnSpPr>
+          <p:spPr>
+            <a:xfrm flipH="1">
+              <a:off x="2460472" y="2021959"/>
+              <a:ext cx="2940203" cy="1489337"/>
+            </a:xfrm>
+            <a:prstGeom prst="straightConnector1">
+              <a:avLst/>
+            </a:prstGeom>
+            <a:ln w="38100">
+              <a:solidFill>
+                <a:srgbClr val="FF0000"/>
+              </a:solidFill>
+              <a:tailEnd type="triangle"/>
+            </a:ln>
+          </p:spPr>
+          <p:style>
+            <a:lnRef idx="1">
+              <a:schemeClr val="accent1"/>
+            </a:lnRef>
+            <a:fillRef idx="0">
+              <a:schemeClr val="accent1"/>
+            </a:fillRef>
+            <a:effectRef idx="0">
+              <a:schemeClr val="accent1"/>
+            </a:effectRef>
+            <a:fontRef idx="minor">
+              <a:schemeClr val="tx1"/>
+            </a:fontRef>
+          </p:style>
+        </p:cxnSp>
+      </p:grpSp>
+      <p:grpSp>
+        <p:nvGrpSpPr>
+          <p:cNvPr id="24" name="Group 23">
+            <a:extLst>
+              <a:ext uri="{FF2B5EF4-FFF2-40B4-BE49-F238E27FC236}">
+                <a16:creationId xmlns:a16="http://schemas.microsoft.com/office/drawing/2014/main" id="{8DDB69AB-5D9D-FB00-3029-443FCBB9D92C}"/>
+              </a:ext>
+            </a:extLst>
+          </p:cNvPr>
+          <p:cNvGrpSpPr/>
+          <p:nvPr/>
+        </p:nvGrpSpPr>
+        <p:grpSpPr>
+          <a:xfrm>
+            <a:off x="1861950" y="3673370"/>
+            <a:ext cx="3538725" cy="885202"/>
+            <a:chOff x="1861950" y="3673370"/>
+            <a:chExt cx="3538725" cy="885202"/>
+          </a:xfrm>
+        </p:grpSpPr>
+        <p:sp>
+          <p:nvSpPr>
+            <p:cNvPr id="21" name="Oval 20">
+              <a:extLst>
+                <a:ext uri="{FF2B5EF4-FFF2-40B4-BE49-F238E27FC236}">
+                  <a16:creationId xmlns:a16="http://schemas.microsoft.com/office/drawing/2014/main" id="{65DFBB62-3B43-8F61-7958-4F4D370EBBBE}"/>
+                </a:ext>
+              </a:extLst>
+            </p:cNvPr>
+            <p:cNvSpPr/>
+            <p:nvPr/>
+          </p:nvSpPr>
+          <p:spPr>
+            <a:xfrm>
+              <a:off x="1861950" y="4130910"/>
+              <a:ext cx="330224" cy="427662"/>
+            </a:xfrm>
+            <a:prstGeom prst="ellipse">
+              <a:avLst/>
+            </a:prstGeom>
+            <a:noFill/>
+            <a:ln w="38100">
+              <a:solidFill>
+                <a:srgbClr val="FF0000"/>
+              </a:solidFill>
+            </a:ln>
+          </p:spPr>
+          <p:style>
+            <a:lnRef idx="2">
+              <a:schemeClr val="accent1">
+                <a:shade val="50000"/>
+              </a:schemeClr>
+            </a:lnRef>
+            <a:fillRef idx="1">
+              <a:schemeClr val="accent1"/>
+            </a:fillRef>
+            <a:effectRef idx="0">
+              <a:schemeClr val="accent1"/>
+            </a:effectRef>
+            <a:fontRef idx="minor">
+              <a:schemeClr val="lt1"/>
+            </a:fontRef>
+          </p:style>
+          <p:txBody>
+            <a:bodyPr rtlCol="0" anchor="ctr"/>
+            <a:lstStyle/>
+            <a:p>
+              <a:pPr algn="ctr"/>
+              <a:endParaRPr lang="en-US"/>
+            </a:p>
+          </p:txBody>
+        </p:sp>
+        <p:cxnSp>
+          <p:nvCxnSpPr>
+            <p:cNvPr id="22" name="Straight Arrow Connector 21">
+              <a:extLst>
+                <a:ext uri="{FF2B5EF4-FFF2-40B4-BE49-F238E27FC236}">
+                  <a16:creationId xmlns:a16="http://schemas.microsoft.com/office/drawing/2014/main" id="{D47CBB8C-F449-4A71-3FF1-E262029D4162}"/>
+                </a:ext>
+              </a:extLst>
+            </p:cNvPr>
+            <p:cNvCxnSpPr>
+              <a:cxnSpLocks/>
+              <a:stCxn id="4" idx="1"/>
+            </p:cNvCxnSpPr>
+            <p:nvPr/>
+          </p:nvCxnSpPr>
+          <p:spPr>
+            <a:xfrm flipH="1">
+              <a:off x="2150615" y="3673370"/>
+              <a:ext cx="3250060" cy="656594"/>
+            </a:xfrm>
+            <a:prstGeom prst="straightConnector1">
+              <a:avLst/>
+            </a:prstGeom>
+            <a:ln w="38100">
+              <a:solidFill>
+                <a:srgbClr val="FF0000"/>
+              </a:solidFill>
+              <a:tailEnd type="triangle"/>
+            </a:ln>
+          </p:spPr>
+          <p:style>
+            <a:lnRef idx="1">
+              <a:schemeClr val="accent1"/>
+            </a:lnRef>
+            <a:fillRef idx="0">
+              <a:schemeClr val="accent1"/>
+            </a:fillRef>
+            <a:effectRef idx="0">
+              <a:schemeClr val="accent1"/>
+            </a:effectRef>
+            <a:fontRef idx="minor">
+              <a:schemeClr val="tx1"/>
+            </a:fontRef>
+          </p:style>
+        </p:cxnSp>
+      </p:grpSp>
+      <p:grpSp>
+        <p:nvGrpSpPr>
+          <p:cNvPr id="29" name="Group 28">
+            <a:extLst>
+              <a:ext uri="{FF2B5EF4-FFF2-40B4-BE49-F238E27FC236}">
+                <a16:creationId xmlns:a16="http://schemas.microsoft.com/office/drawing/2014/main" id="{5F671A89-7577-40E8-9F30-2CD820B447FA}"/>
+              </a:ext>
+            </a:extLst>
+          </p:cNvPr>
+          <p:cNvGrpSpPr/>
+          <p:nvPr/>
+        </p:nvGrpSpPr>
+        <p:grpSpPr>
+          <a:xfrm>
+            <a:off x="1874400" y="3795102"/>
+            <a:ext cx="3517130" cy="1180435"/>
+            <a:chOff x="1874400" y="3795102"/>
+            <a:chExt cx="3517130" cy="1180435"/>
+          </a:xfrm>
+        </p:grpSpPr>
+        <p:sp>
+          <p:nvSpPr>
+            <p:cNvPr id="26" name="Oval 25">
+              <a:extLst>
+                <a:ext uri="{FF2B5EF4-FFF2-40B4-BE49-F238E27FC236}">
+                  <a16:creationId xmlns:a16="http://schemas.microsoft.com/office/drawing/2014/main" id="{3152B71D-7876-29B3-2B76-EDAD71DD9264}"/>
+                </a:ext>
+              </a:extLst>
+            </p:cNvPr>
+            <p:cNvSpPr/>
+            <p:nvPr/>
+          </p:nvSpPr>
+          <p:spPr>
+            <a:xfrm>
+              <a:off x="1874400" y="3795102"/>
+              <a:ext cx="312935" cy="427662"/>
+            </a:xfrm>
+            <a:prstGeom prst="ellipse">
+              <a:avLst/>
+            </a:prstGeom>
+            <a:noFill/>
+            <a:ln w="38100">
+              <a:solidFill>
+                <a:srgbClr val="FF0000"/>
+              </a:solidFill>
+            </a:ln>
+          </p:spPr>
+          <p:style>
+            <a:lnRef idx="2">
+              <a:schemeClr val="accent1">
+                <a:shade val="50000"/>
+              </a:schemeClr>
+            </a:lnRef>
+            <a:fillRef idx="1">
+              <a:schemeClr val="accent1"/>
+            </a:fillRef>
+            <a:effectRef idx="0">
+              <a:schemeClr val="accent1"/>
+            </a:effectRef>
+            <a:fontRef idx="minor">
+              <a:schemeClr val="lt1"/>
+            </a:fontRef>
+          </p:style>
+          <p:txBody>
+            <a:bodyPr rtlCol="0" anchor="ctr"/>
+            <a:lstStyle/>
+            <a:p>
+              <a:pPr algn="ctr"/>
+              <a:endParaRPr lang="en-US"/>
+            </a:p>
+          </p:txBody>
+        </p:sp>
+        <p:cxnSp>
+          <p:nvCxnSpPr>
+            <p:cNvPr id="27" name="Straight Arrow Connector 26">
+              <a:extLst>
+                <a:ext uri="{FF2B5EF4-FFF2-40B4-BE49-F238E27FC236}">
+                  <a16:creationId xmlns:a16="http://schemas.microsoft.com/office/drawing/2014/main" id="{ECF0B18C-FAD6-3FEA-3BCA-169EF477318B}"/>
+                </a:ext>
+              </a:extLst>
+            </p:cNvPr>
+            <p:cNvCxnSpPr>
+              <a:cxnSpLocks/>
+            </p:cNvCxnSpPr>
+            <p:nvPr/>
+          </p:nvCxnSpPr>
+          <p:spPr>
+            <a:xfrm flipH="1" flipV="1">
+              <a:off x="2114569" y="4043886"/>
+              <a:ext cx="3276961" cy="931651"/>
+            </a:xfrm>
+            <a:prstGeom prst="straightConnector1">
+              <a:avLst/>
+            </a:prstGeom>
+            <a:ln w="38100">
+              <a:solidFill>
+                <a:srgbClr val="FF0000"/>
+              </a:solidFill>
+              <a:tailEnd type="triangle"/>
+            </a:ln>
+          </p:spPr>
+          <p:style>
+            <a:lnRef idx="1">
+              <a:schemeClr val="accent1"/>
+            </a:lnRef>
+            <a:fillRef idx="0">
+              <a:schemeClr val="accent1"/>
+            </a:fillRef>
+            <a:effectRef idx="0">
+              <a:schemeClr val="accent1"/>
+            </a:effectRef>
+            <a:fontRef idx="minor">
+              <a:schemeClr val="tx1"/>
+            </a:fontRef>
+          </p:style>
+        </p:cxnSp>
+      </p:grpSp>
     </p:spTree>
     <p:extLst>
       <p:ext uri="{BB962C8B-B14F-4D97-AF65-F5344CB8AC3E}">
@@ -35357,7 +35885,7 @@
                                 </p:cTn>
                               </p:par>
                               <p:par>
-                                <p:cTn id="8" presetID="10" presetClass="entr" presetSubtype="0" fill="hold" nodeType="withEffect">
+                                <p:cTn id="8" presetID="1" presetClass="entr" presetSubtype="0" fill="hold" nodeType="withEffect">
                                   <p:stCondLst>
                                     <p:cond delay="0"/>
                                   </p:stCondLst>
@@ -35365,6 +35893,33 @@
                                     <p:set>
                                       <p:cBhvr>
                                         <p:cTn id="9" dur="1" fill="hold">
+                                          <p:stCondLst>
+                                            <p:cond delay="0"/>
+                                          </p:stCondLst>
+                                        </p:cTn>
+                                        <p:tgtEl>
+                                          <p:spTgt spid="12"/>
+                                        </p:tgtEl>
+                                        <p:attrNameLst>
+                                          <p:attrName>style.visibility</p:attrName>
+                                        </p:attrNameLst>
+                                      </p:cBhvr>
+                                      <p:to>
+                                        <p:strVal val="visible"/>
+                                      </p:to>
+                                    </p:set>
+                                  </p:childTnLst>
+                                </p:cTn>
+                              </p:par>
+                              <p:par>
+                                <p:cTn id="10" presetID="10" presetClass="entr" presetSubtype="0" fill="hold" nodeType="withEffect">
+                                  <p:stCondLst>
+                                    <p:cond delay="0"/>
+                                  </p:stCondLst>
+                                  <p:childTnLst>
+                                    <p:set>
+                                      <p:cBhvr>
+                                        <p:cTn id="11" dur="1" fill="hold">
                                           <p:stCondLst>
                                             <p:cond delay="0"/>
                                           </p:stCondLst>
@@ -35386,7 +35941,7 @@
                                     </p:set>
                                     <p:animEffect transition="in" filter="fade">
                                       <p:cBhvr>
-                                        <p:cTn id="10" dur="500"/>
+                                        <p:cTn id="12" dur="500"/>
                                         <p:tgtEl>
                                           <p:spTgt spid="4">
                                             <p:txEl>
@@ -35400,14 +35955,14 @@
                                 </p:cTn>
                               </p:par>
                               <p:par>
-                                <p:cTn id="11" presetID="10" presetClass="entr" presetSubtype="0" fill="hold" nodeType="withEffect">
+                                <p:cTn id="13" presetID="10" presetClass="entr" presetSubtype="0" fill="hold" nodeType="withEffect">
                                   <p:stCondLst>
                                     <p:cond delay="0"/>
                                   </p:stCondLst>
                                   <p:childTnLst>
                                     <p:set>
                                       <p:cBhvr>
-                                        <p:cTn id="12" dur="1" fill="hold">
+                                        <p:cTn id="14" dur="1" fill="hold">
                                           <p:stCondLst>
                                             <p:cond delay="0"/>
                                           </p:stCondLst>
@@ -35429,7 +35984,7 @@
                                     </p:set>
                                     <p:animEffect transition="in" filter="fade">
                                       <p:cBhvr>
-                                        <p:cTn id="13" dur="500"/>
+                                        <p:cTn id="15" dur="500"/>
                                         <p:tgtEl>
                                           <p:spTgt spid="4">
                                             <p:txEl>
@@ -35443,14 +35998,14 @@
                                 </p:cTn>
                               </p:par>
                               <p:par>
-                                <p:cTn id="14" presetID="10" presetClass="entr" presetSubtype="0" fill="hold" nodeType="withEffect">
+                                <p:cTn id="16" presetID="10" presetClass="entr" presetSubtype="0" fill="hold" nodeType="withEffect">
                                   <p:stCondLst>
                                     <p:cond delay="0"/>
                                   </p:stCondLst>
                                   <p:childTnLst>
                                     <p:set>
                                       <p:cBhvr>
-                                        <p:cTn id="15" dur="1" fill="hold">
+                                        <p:cTn id="17" dur="1" fill="hold">
                                           <p:stCondLst>
                                             <p:cond delay="0"/>
                                           </p:stCondLst>
@@ -35472,7 +36027,7 @@
                                     </p:set>
                                     <p:animEffect transition="in" filter="fade">
                                       <p:cBhvr>
-                                        <p:cTn id="16" dur="500"/>
+                                        <p:cTn id="18" dur="500"/>
                                         <p:tgtEl>
                                           <p:spTgt spid="4">
                                             <p:txEl>
@@ -35486,14 +36041,14 @@
                                 </p:cTn>
                               </p:par>
                               <p:par>
-                                <p:cTn id="17" presetID="10" presetClass="entr" presetSubtype="0" fill="hold" nodeType="withEffect">
+                                <p:cTn id="19" presetID="10" presetClass="entr" presetSubtype="0" fill="hold" nodeType="withEffect">
                                   <p:stCondLst>
                                     <p:cond delay="0"/>
                                   </p:stCondLst>
                                   <p:childTnLst>
                                     <p:set>
                                       <p:cBhvr>
-                                        <p:cTn id="18" dur="1" fill="hold">
+                                        <p:cTn id="20" dur="1" fill="hold">
                                           <p:stCondLst>
                                             <p:cond delay="0"/>
                                           </p:stCondLst>
@@ -35515,7 +36070,7 @@
                                     </p:set>
                                     <p:animEffect transition="in" filter="fade">
                                       <p:cBhvr>
-                                        <p:cTn id="19" dur="500"/>
+                                        <p:cTn id="21" dur="500"/>
                                         <p:tgtEl>
                                           <p:spTgt spid="4">
                                             <p:txEl>
@@ -35535,26 +36090,26 @@
                     </p:cTn>
                   </p:par>
                   <p:par>
-                    <p:cTn id="20" fill="hold">
+                    <p:cTn id="22" fill="hold">
                       <p:stCondLst>
                         <p:cond delay="indefinite"/>
                       </p:stCondLst>
                       <p:childTnLst>
                         <p:par>
-                          <p:cTn id="21" fill="hold">
+                          <p:cTn id="23" fill="hold">
                             <p:stCondLst>
                               <p:cond delay="0"/>
                             </p:stCondLst>
                             <p:childTnLst>
                               <p:par>
-                                <p:cTn id="22" presetID="10" presetClass="entr" presetSubtype="0" fill="hold" nodeType="clickEffect">
+                                <p:cTn id="24" presetID="10" presetClass="entr" presetSubtype="0" fill="hold" nodeType="clickEffect">
                                   <p:stCondLst>
                                     <p:cond delay="0"/>
                                   </p:stCondLst>
                                   <p:childTnLst>
                                     <p:set>
                                       <p:cBhvr>
-                                        <p:cTn id="23" dur="1" fill="hold">
+                                        <p:cTn id="25" dur="1" fill="hold">
                                           <p:stCondLst>
                                             <p:cond delay="0"/>
                                           </p:stCondLst>
@@ -35576,13 +36131,110 @@
                                     </p:set>
                                     <p:animEffect transition="in" filter="fade">
                                       <p:cBhvr>
-                                        <p:cTn id="24" dur="500"/>
+                                        <p:cTn id="26" dur="500"/>
                                         <p:tgtEl>
                                           <p:spTgt spid="4">
                                             <p:txEl>
                                               <p:pRg st="7" end="7"/>
                                             </p:txEl>
                                           </p:spTgt>
+                                        </p:tgtEl>
+                                      </p:cBhvr>
+                                    </p:animEffect>
+                                  </p:childTnLst>
+                                </p:cTn>
+                              </p:par>
+                              <p:par>
+                                <p:cTn id="27" presetID="10" presetClass="exit" presetSubtype="0" fill="hold" nodeType="withEffect">
+                                  <p:stCondLst>
+                                    <p:cond delay="0"/>
+                                  </p:stCondLst>
+                                  <p:childTnLst>
+                                    <p:animEffect transition="out" filter="fade">
+                                      <p:cBhvr>
+                                        <p:cTn id="28" dur="500"/>
+                                        <p:tgtEl>
+                                          <p:spTgt spid="12"/>
+                                        </p:tgtEl>
+                                      </p:cBhvr>
+                                    </p:animEffect>
+                                    <p:set>
+                                      <p:cBhvr>
+                                        <p:cTn id="29" dur="1" fill="hold">
+                                          <p:stCondLst>
+                                            <p:cond delay="499"/>
+                                          </p:stCondLst>
+                                        </p:cTn>
+                                        <p:tgtEl>
+                                          <p:spTgt spid="12"/>
+                                        </p:tgtEl>
+                                        <p:attrNameLst>
+                                          <p:attrName>style.visibility</p:attrName>
+                                        </p:attrNameLst>
+                                      </p:cBhvr>
+                                      <p:to>
+                                        <p:strVal val="hidden"/>
+                                      </p:to>
+                                    </p:set>
+                                  </p:childTnLst>
+                                </p:cTn>
+                              </p:par>
+                              <p:par>
+                                <p:cTn id="30" presetID="1" presetClass="entr" presetSubtype="0" fill="hold" nodeType="withEffect">
+                                  <p:stCondLst>
+                                    <p:cond delay="0"/>
+                                  </p:stCondLst>
+                                  <p:childTnLst>
+                                    <p:set>
+                                      <p:cBhvr>
+                                        <p:cTn id="31" dur="1" fill="hold">
+                                          <p:stCondLst>
+                                            <p:cond delay="0"/>
+                                          </p:stCondLst>
+                                        </p:cTn>
+                                        <p:tgtEl>
+                                          <p:spTgt spid="24"/>
+                                        </p:tgtEl>
+                                        <p:attrNameLst>
+                                          <p:attrName>style.visibility</p:attrName>
+                                        </p:attrNameLst>
+                                      </p:cBhvr>
+                                      <p:to>
+                                        <p:strVal val="visible"/>
+                                      </p:to>
+                                    </p:set>
+                                  </p:childTnLst>
+                                </p:cTn>
+                              </p:par>
+                              <p:par>
+                                <p:cTn id="32" presetID="10" presetClass="entr" presetSubtype="0" fill="hold" nodeType="withEffect">
+                                  <p:stCondLst>
+                                    <p:cond delay="0"/>
+                                  </p:stCondLst>
+                                  <p:childTnLst>
+                                    <p:set>
+                                      <p:cBhvr>
+                                        <p:cTn id="33" dur="1" fill="hold">
+                                          <p:stCondLst>
+                                            <p:cond delay="0"/>
+                                          </p:stCondLst>
+                                        </p:cTn>
+                                        <p:tgtEl>
+                                          <p:spTgt spid="14"/>
+                                        </p:tgtEl>
+                                        <p:attrNameLst>
+                                          <p:attrName>style.visibility</p:attrName>
+                                        </p:attrNameLst>
+                                      </p:cBhvr>
+                                      <p:to>
+                                        <p:strVal val="visible"/>
+                                      </p:to>
+                                    </p:set>
+                                    <p:animEffect transition="in" filter="fade">
+                                      <p:cBhvr>
+                                        <p:cTn id="34" dur="500"/>
+                                        <p:tgtEl>
+                                          <p:spTgt spid="14"/>
                                         </p:tgtEl>
                                       </p:cBhvr>
                                     </p:animEffect>
@@ -35596,26 +36248,26 @@
                     </p:cTn>
                   </p:par>
                   <p:par>
-                    <p:cTn id="25" fill="hold">
+                    <p:cTn id="35" fill="hold">
                       <p:stCondLst>
                         <p:cond delay="indefinite"/>
                       </p:stCondLst>
                       <p:childTnLst>
                         <p:par>
-                          <p:cTn id="26" fill="hold">
+                          <p:cTn id="36" fill="hold">
                             <p:stCondLst>
                               <p:cond delay="0"/>
                             </p:stCondLst>
                             <p:childTnLst>
                               <p:par>
-                                <p:cTn id="27" presetID="10" presetClass="entr" presetSubtype="0" fill="hold" nodeType="clickEffect">
+                                <p:cTn id="37" presetID="10" presetClass="entr" presetSubtype="0" fill="hold" nodeType="clickEffect">
                                   <p:stCondLst>
                                     <p:cond delay="0"/>
                                   </p:stCondLst>
                                   <p:childTnLst>
                                     <p:set>
                                       <p:cBhvr>
-                                        <p:cTn id="28" dur="1" fill="hold">
+                                        <p:cTn id="38" dur="1" fill="hold">
                                           <p:stCondLst>
                                             <p:cond delay="0"/>
                                           </p:stCondLst>
@@ -35637,7 +36289,7 @@
                                     </p:set>
                                     <p:animEffect transition="in" filter="fade">
                                       <p:cBhvr>
-                                        <p:cTn id="29" dur="500"/>
+                                        <p:cTn id="39" dur="500"/>
                                         <p:tgtEl>
                                           <p:spTgt spid="4">
                                             <p:txEl>
@@ -35647,6 +36299,68 @@
                                         </p:tgtEl>
                                       </p:cBhvr>
                                     </p:animEffect>
+                                  </p:childTnLst>
+                                </p:cTn>
+                              </p:par>
+                              <p:par>
+                                <p:cTn id="40" presetID="10" presetClass="exit" presetSubtype="0" fill="hold" nodeType="withEffect">
+                                  <p:stCondLst>
+                                    <p:cond delay="0"/>
+                                  </p:stCondLst>
+                                  <p:childTnLst>
+                                    <p:animEffect transition="out" filter="fade">
+                                      <p:cBhvr>
+                                        <p:cTn id="41" dur="500"/>
+                                        <p:tgtEl>
+                                          <p:spTgt spid="24"/>
+                                        </p:tgtEl>
+                                      </p:cBhvr>
+                                    </p:animEffect>
+                                    <p:set>
+                                      <p:cBhvr>
+                                        <p:cTn id="42" dur="1" fill="hold">
+                                          <p:stCondLst>
+                                            <p:cond delay="499"/>
+                                          </p:stCondLst>
+                                        </p:cTn>
+                                        <p:tgtEl>
+                                          <p:spTgt spid="24"/>
+                                        </p:tgtEl>
+                                        <p:attrNameLst>
+                                          <p:attrName>style.visibility</p:attrName>
+                                        </p:attrNameLst>
+                                      </p:cBhvr>
+                                      <p:to>
+                                        <p:strVal val="hidden"/>
+                                      </p:to>
+                                    </p:set>
+                                  </p:childTnLst>
+                                </p:cTn>
+                              </p:par>
+                              <p:par>
+                                <p:cTn id="43" presetID="1" presetClass="entr" presetSubtype="0" fill="hold" nodeType="withEffect">
+                                  <p:stCondLst>
+                                    <p:cond delay="0"/>
+                                  </p:stCondLst>
+                                  <p:childTnLst>
+                                    <p:set>
+                                      <p:cBhvr>
+                                        <p:cTn id="44" dur="1" fill="hold">
+                                          <p:stCondLst>
+                                            <p:cond delay="0"/>
+                                          </p:stCondLst>
+                                        </p:cTn>
+                                        <p:tgtEl>
+                                          <p:spTgt spid="29"/>
+                                        </p:tgtEl>
+                                        <p:attrNameLst>
+                                          <p:attrName>style.visibility</p:attrName>
+                                        </p:attrNameLst>
+                                      </p:cBhvr>
+                                      <p:to>
+                                        <p:strVal val="visible"/>
+                                      </p:to>
+                                    </p:set>
                                   </p:childTnLst>
                                 </p:cTn>
                               </p:par>

--- a/Arduino IO Compendium.pptx
+++ b/Arduino IO Compendium.pptx
@@ -659,7 +659,7 @@
           <a:p>
             <a:fld id="{12D35354-3C70-45FE-A7BC-FEBCE88C825A}" type="datetime8">
               <a:rPr lang="en-US" smtClean="0"/>
-              <a:t>5/8/2022 11:58 AM</a:t>
+              <a:t>5/8/2022 8:40 PM</a:t>
             </a:fld>
             <a:endParaRPr lang="en-US"/>
           </a:p>
@@ -857,7 +857,7 @@
           <a:p>
             <a:fld id="{DE273977-2B4E-4BD8-8226-CAEE823F3008}" type="datetime8">
               <a:rPr lang="en-US" smtClean="0"/>
-              <a:t>5/8/2022 11:58 AM</a:t>
+              <a:t>5/8/2022 8:40 PM</a:t>
             </a:fld>
             <a:endParaRPr lang="en-US"/>
           </a:p>
@@ -1065,7 +1065,7 @@
           <a:p>
             <a:fld id="{7E2DC526-9E9D-4998-8C50-0541226B08CF}" type="datetime8">
               <a:rPr lang="en-US" smtClean="0"/>
-              <a:t>5/8/2022 11:58 AM</a:t>
+              <a:t>5/8/2022 8:40 PM</a:t>
             </a:fld>
             <a:endParaRPr lang="en-US"/>
           </a:p>
@@ -1263,7 +1263,7 @@
           <a:p>
             <a:fld id="{956EF2D3-783C-4E62-879C-6E42AA097112}" type="datetime8">
               <a:rPr lang="en-US" smtClean="0"/>
-              <a:t>5/8/2022 11:58 AM</a:t>
+              <a:t>5/8/2022 8:40 PM</a:t>
             </a:fld>
             <a:endParaRPr lang="en-US"/>
           </a:p>
@@ -1538,7 +1538,7 @@
           <a:p>
             <a:fld id="{CEEB4330-8AFB-48E3-B890-210D056A958B}" type="datetime8">
               <a:rPr lang="en-US" smtClean="0"/>
-              <a:t>5/8/2022 11:58 AM</a:t>
+              <a:t>5/8/2022 8:40 PM</a:t>
             </a:fld>
             <a:endParaRPr lang="en-US"/>
           </a:p>
@@ -1803,7 +1803,7 @@
           <a:p>
             <a:fld id="{66E23911-0252-40BE-BBB8-760394743E26}" type="datetime8">
               <a:rPr lang="en-US" smtClean="0"/>
-              <a:t>5/8/2022 11:58 AM</a:t>
+              <a:t>5/8/2022 8:40 PM</a:t>
             </a:fld>
             <a:endParaRPr lang="en-US"/>
           </a:p>
@@ -2215,7 +2215,7 @@
           <a:p>
             <a:fld id="{BBB6AC5D-77FB-46F6-9132-21FF30B4912F}" type="datetime8">
               <a:rPr lang="en-US" smtClean="0"/>
-              <a:t>5/8/2022 11:58 AM</a:t>
+              <a:t>5/8/2022 8:40 PM</a:t>
             </a:fld>
             <a:endParaRPr lang="en-US"/>
           </a:p>
@@ -2356,7 +2356,7 @@
           <a:p>
             <a:fld id="{6017FBC6-3D6B-4CF2-A705-4BC9E7D4582C}" type="datetime8">
               <a:rPr lang="en-US" smtClean="0"/>
-              <a:t>5/8/2022 11:58 AM</a:t>
+              <a:t>5/8/2022 8:40 PM</a:t>
             </a:fld>
             <a:endParaRPr lang="en-US"/>
           </a:p>
@@ -2737,7 +2737,7 @@
           <a:p>
             <a:fld id="{0D1B1BD9-FAAE-42CF-9C1C-24872CEE05A7}" type="datetime8">
               <a:rPr lang="en-US" smtClean="0"/>
-              <a:t>5/8/2022 11:58 AM</a:t>
+              <a:t>5/8/2022 8:40 PM</a:t>
             </a:fld>
             <a:endParaRPr lang="en-US"/>
           </a:p>
@@ -3025,7 +3025,7 @@
           <a:p>
             <a:fld id="{63B48E98-414D-4169-A026-380BA4A7A23F}" type="datetime8">
               <a:rPr lang="en-US" smtClean="0"/>
-              <a:t>5/8/2022 11:58 AM</a:t>
+              <a:t>5/8/2022 8:40 PM</a:t>
             </a:fld>
             <a:endParaRPr lang="en-US"/>
           </a:p>
@@ -3266,7 +3266,7 @@
           <a:p>
             <a:fld id="{9D52C73E-D6AD-4984-9C4A-C03CB437FD89}" type="datetime8">
               <a:rPr lang="en-US" smtClean="0"/>
-              <a:t>5/8/2022 11:58 AM</a:t>
+              <a:t>5/8/2022 8:40 PM</a:t>
             </a:fld>
             <a:endParaRPr lang="en-US"/>
           </a:p>
@@ -7683,8 +7683,8 @@
         </p:nvSpPr>
         <p:spPr>
           <a:xfrm>
-            <a:off x="8479765" y="1484463"/>
-            <a:ext cx="3536831" cy="4131333"/>
+            <a:off x="8195095" y="1484463"/>
+            <a:ext cx="3821501" cy="4131333"/>
           </a:xfrm>
           <a:prstGeom prst="rect">
             <a:avLst/>
@@ -7730,8 +7730,24 @@
           <a:p>
             <a:r>
               <a:rPr lang="en-US" dirty="0"/>
-              <a:t>PORTS are designated B, C, and D. PORTS are banks of I/O on the microcontroller and for advanced programming this can be important</a:t>
+              <a:t>PORTS are banks of I/O on the microcontroller and for advanced </a:t>
             </a:r>
+            <a:r>
+              <a:rPr lang="en-US" sz="1600" dirty="0"/>
+              <a:t>programming the port can be important.</a:t>
+            </a:r>
+          </a:p>
+          <a:p>
+            <a:endParaRPr lang="en-US" dirty="0"/>
+          </a:p>
+          <a:p>
+            <a:r>
+              <a:rPr lang="en-US" dirty="0"/>
+              <a:t>PORTS are designated B, C, and D.</a:t>
+            </a:r>
+          </a:p>
+          <a:p>
+            <a:endParaRPr lang="en-US" dirty="0"/>
           </a:p>
           <a:p>
             <a:r>
@@ -7740,9 +7756,12 @@
             </a:r>
           </a:p>
           <a:p>
+            <a:endParaRPr lang="en-US" dirty="0"/>
+          </a:p>
+          <a:p>
             <a:r>
               <a:rPr lang="en-US" dirty="0"/>
-              <a:t>Finally there are interrupts available on a lot of pins.</a:t>
+              <a:t>Finally there are interrupts available on a lot of the pins.</a:t>
             </a:r>
           </a:p>
         </p:txBody>
@@ -8252,41 +8271,6 @@
                                   </p:childTnLst>
                                 </p:cTn>
                               </p:par>
-                              <p:par>
-                                <p:cTn id="8" presetID="22" presetClass="entr" presetSubtype="4" fill="hold" grpId="0" nodeType="withEffect">
-                                  <p:stCondLst>
-                                    <p:cond delay="0"/>
-                                  </p:stCondLst>
-                                  <p:childTnLst>
-                                    <p:set>
-                                      <p:cBhvr>
-                                        <p:cTn id="9" dur="1" fill="hold">
-                                          <p:stCondLst>
-                                            <p:cond delay="0"/>
-                                          </p:stCondLst>
-                                        </p:cTn>
-                                        <p:tgtEl>
-                                          <p:spTgt spid="8"/>
-                                        </p:tgtEl>
-                                        <p:attrNameLst>
-                                          <p:attrName>style.visibility</p:attrName>
-                                        </p:attrNameLst>
-                                      </p:cBhvr>
-                                      <p:to>
-                                        <p:strVal val="visible"/>
-                                      </p:to>
-                                    </p:set>
-                                    <p:animEffect transition="in" filter="wipe(down)">
-                                      <p:cBhvr>
-                                        <p:cTn id="10" dur="500"/>
-                                        <p:tgtEl>
-                                          <p:spTgt spid="8"/>
-                                        </p:tgtEl>
-                                      </p:cBhvr>
-                                    </p:animEffect>
-                                  </p:childTnLst>
-                                </p:cTn>
-                              </p:par>
                             </p:childTnLst>
                           </p:cTn>
                         </p:par>
@@ -8294,122 +8278,26 @@
                     </p:cTn>
                   </p:par>
                   <p:par>
-                    <p:cTn id="11" fill="hold">
+                    <p:cTn id="8" fill="hold">
                       <p:stCondLst>
                         <p:cond delay="indefinite"/>
                       </p:stCondLst>
                       <p:childTnLst>
                         <p:par>
-                          <p:cTn id="12" fill="hold">
+                          <p:cTn id="9" fill="hold">
                             <p:stCondLst>
                               <p:cond delay="0"/>
                             </p:stCondLst>
                             <p:childTnLst>
                               <p:par>
-                                <p:cTn id="13" presetID="10" presetClass="entr" presetSubtype="0" fill="hold" nodeType="clickEffect">
+                                <p:cTn id="10" presetID="10" presetClass="entr" presetSubtype="0" fill="hold" nodeType="clickEffect">
                                   <p:stCondLst>
                                     <p:cond delay="0"/>
                                   </p:stCondLst>
                                   <p:childTnLst>
                                     <p:set>
                                       <p:cBhvr>
-                                        <p:cTn id="14" dur="1" fill="hold">
-                                          <p:stCondLst>
-                                            <p:cond delay="0"/>
-                                          </p:stCondLst>
-                                        </p:cTn>
-                                        <p:tgtEl>
-                                          <p:spTgt spid="4">
-                                            <p:txEl>
-                                              <p:pRg st="2" end="2"/>
-                                            </p:txEl>
-                                          </p:spTgt>
-                                        </p:tgtEl>
-                                        <p:attrNameLst>
-                                          <p:attrName>style.visibility</p:attrName>
-                                        </p:attrNameLst>
-                                      </p:cBhvr>
-                                      <p:to>
-                                        <p:strVal val="visible"/>
-                                      </p:to>
-                                    </p:set>
-                                    <p:animEffect transition="in" filter="fade">
-                                      <p:cBhvr>
-                                        <p:cTn id="15" dur="500"/>
-                                        <p:tgtEl>
-                                          <p:spTgt spid="4">
-                                            <p:txEl>
-                                              <p:pRg st="2" end="2"/>
-                                            </p:txEl>
-                                          </p:spTgt>
-                                        </p:tgtEl>
-                                      </p:cBhvr>
-                                    </p:animEffect>
-                                  </p:childTnLst>
-                                </p:cTn>
-                              </p:par>
-                              <p:par>
-                                <p:cTn id="16" presetID="22" presetClass="entr" presetSubtype="4" fill="hold" grpId="0" nodeType="withEffect">
-                                  <p:stCondLst>
-                                    <p:cond delay="0"/>
-                                  </p:stCondLst>
-                                  <p:childTnLst>
-                                    <p:set>
-                                      <p:cBhvr>
-                                        <p:cTn id="17" dur="1" fill="hold">
-                                          <p:stCondLst>
-                                            <p:cond delay="0"/>
-                                          </p:stCondLst>
-                                        </p:cTn>
-                                        <p:tgtEl>
-                                          <p:spTgt spid="11"/>
-                                        </p:tgtEl>
-                                        <p:attrNameLst>
-                                          <p:attrName>style.visibility</p:attrName>
-                                        </p:attrNameLst>
-                                      </p:cBhvr>
-                                      <p:to>
-                                        <p:strVal val="visible"/>
-                                      </p:to>
-                                    </p:set>
-                                    <p:animEffect transition="in" filter="wipe(down)">
-                                      <p:cBhvr>
-                                        <p:cTn id="18" dur="500"/>
-                                        <p:tgtEl>
-                                          <p:spTgt spid="11"/>
-                                        </p:tgtEl>
-                                      </p:cBhvr>
-                                    </p:animEffect>
-                                  </p:childTnLst>
-                                </p:cTn>
-                              </p:par>
-                            </p:childTnLst>
-                          </p:cTn>
-                        </p:par>
-                      </p:childTnLst>
-                    </p:cTn>
-                  </p:par>
-                  <p:par>
-                    <p:cTn id="19" fill="hold">
-                      <p:stCondLst>
-                        <p:cond delay="indefinite"/>
-                      </p:stCondLst>
-                      <p:childTnLst>
-                        <p:par>
-                          <p:cTn id="20" fill="hold">
-                            <p:stCondLst>
-                              <p:cond delay="0"/>
-                            </p:stCondLst>
-                            <p:childTnLst>
-                              <p:par>
-                                <p:cTn id="21" presetID="10" presetClass="entr" presetSubtype="0" fill="hold" nodeType="clickEffect">
-                                  <p:stCondLst>
-                                    <p:cond delay="0"/>
-                                  </p:stCondLst>
-                                  <p:childTnLst>
-                                    <p:set>
-                                      <p:cBhvr>
-                                        <p:cTn id="22" dur="1" fill="hold">
+                                        <p:cTn id="11" dur="1" fill="hold">
                                           <p:stCondLst>
                                             <p:cond delay="0"/>
                                           </p:stCondLst>
@@ -8431,7 +8319,7 @@
                                     </p:set>
                                     <p:animEffect transition="in" filter="fade">
                                       <p:cBhvr>
-                                        <p:cTn id="23" dur="500"/>
+                                        <p:cTn id="12" dur="500"/>
                                         <p:tgtEl>
                                           <p:spTgt spid="4">
                                             <p:txEl>
@@ -8445,14 +8333,206 @@
                                 </p:cTn>
                               </p:par>
                               <p:par>
-                                <p:cTn id="24" presetID="22" presetClass="entr" presetSubtype="4" fill="hold" grpId="0" nodeType="withEffect">
+                                <p:cTn id="13" presetID="22" presetClass="entr" presetSubtype="4" fill="hold" grpId="0" nodeType="withEffect">
                                   <p:stCondLst>
                                     <p:cond delay="0"/>
                                   </p:stCondLst>
                                   <p:childTnLst>
                                     <p:set>
                                       <p:cBhvr>
-                                        <p:cTn id="25" dur="1" fill="hold">
+                                        <p:cTn id="14" dur="1" fill="hold">
+                                          <p:stCondLst>
+                                            <p:cond delay="0"/>
+                                          </p:stCondLst>
+                                        </p:cTn>
+                                        <p:tgtEl>
+                                          <p:spTgt spid="8"/>
+                                        </p:tgtEl>
+                                        <p:attrNameLst>
+                                          <p:attrName>style.visibility</p:attrName>
+                                        </p:attrNameLst>
+                                      </p:cBhvr>
+                                      <p:to>
+                                        <p:strVal val="visible"/>
+                                      </p:to>
+                                    </p:set>
+                                    <p:animEffect transition="in" filter="wipe(down)">
+                                      <p:cBhvr>
+                                        <p:cTn id="15" dur="500"/>
+                                        <p:tgtEl>
+                                          <p:spTgt spid="8"/>
+                                        </p:tgtEl>
+                                      </p:cBhvr>
+                                    </p:animEffect>
+                                  </p:childTnLst>
+                                </p:cTn>
+                              </p:par>
+                            </p:childTnLst>
+                          </p:cTn>
+                        </p:par>
+                      </p:childTnLst>
+                    </p:cTn>
+                  </p:par>
+                  <p:par>
+                    <p:cTn id="16" fill="hold">
+                      <p:stCondLst>
+                        <p:cond delay="indefinite"/>
+                      </p:stCondLst>
+                      <p:childTnLst>
+                        <p:par>
+                          <p:cTn id="17" fill="hold">
+                            <p:stCondLst>
+                              <p:cond delay="0"/>
+                            </p:stCondLst>
+                            <p:childTnLst>
+                              <p:par>
+                                <p:cTn id="18" presetID="10" presetClass="entr" presetSubtype="0" fill="hold" nodeType="clickEffect">
+                                  <p:stCondLst>
+                                    <p:cond delay="0"/>
+                                  </p:stCondLst>
+                                  <p:childTnLst>
+                                    <p:set>
+                                      <p:cBhvr>
+                                        <p:cTn id="19" dur="1" fill="hold">
+                                          <p:stCondLst>
+                                            <p:cond delay="0"/>
+                                          </p:stCondLst>
+                                        </p:cTn>
+                                        <p:tgtEl>
+                                          <p:spTgt spid="4">
+                                            <p:txEl>
+                                              <p:pRg st="5" end="5"/>
+                                            </p:txEl>
+                                          </p:spTgt>
+                                        </p:tgtEl>
+                                        <p:attrNameLst>
+                                          <p:attrName>style.visibility</p:attrName>
+                                        </p:attrNameLst>
+                                      </p:cBhvr>
+                                      <p:to>
+                                        <p:strVal val="visible"/>
+                                      </p:to>
+                                    </p:set>
+                                    <p:animEffect transition="in" filter="fade">
+                                      <p:cBhvr>
+                                        <p:cTn id="20" dur="500"/>
+                                        <p:tgtEl>
+                                          <p:spTgt spid="4">
+                                            <p:txEl>
+                                              <p:pRg st="5" end="5"/>
+                                            </p:txEl>
+                                          </p:spTgt>
+                                        </p:tgtEl>
+                                      </p:cBhvr>
+                                    </p:animEffect>
+                                  </p:childTnLst>
+                                </p:cTn>
+                              </p:par>
+                              <p:par>
+                                <p:cTn id="21" presetID="22" presetClass="entr" presetSubtype="4" fill="hold" grpId="0" nodeType="withEffect">
+                                  <p:stCondLst>
+                                    <p:cond delay="0"/>
+                                  </p:stCondLst>
+                                  <p:childTnLst>
+                                    <p:set>
+                                      <p:cBhvr>
+                                        <p:cTn id="22" dur="1" fill="hold">
+                                          <p:stCondLst>
+                                            <p:cond delay="0"/>
+                                          </p:stCondLst>
+                                        </p:cTn>
+                                        <p:tgtEl>
+                                          <p:spTgt spid="11"/>
+                                        </p:tgtEl>
+                                        <p:attrNameLst>
+                                          <p:attrName>style.visibility</p:attrName>
+                                        </p:attrNameLst>
+                                      </p:cBhvr>
+                                      <p:to>
+                                        <p:strVal val="visible"/>
+                                      </p:to>
+                                    </p:set>
+                                    <p:animEffect transition="in" filter="wipe(down)">
+                                      <p:cBhvr>
+                                        <p:cTn id="23" dur="500"/>
+                                        <p:tgtEl>
+                                          <p:spTgt spid="11"/>
+                                        </p:tgtEl>
+                                      </p:cBhvr>
+                                    </p:animEffect>
+                                  </p:childTnLst>
+                                </p:cTn>
+                              </p:par>
+                            </p:childTnLst>
+                          </p:cTn>
+                        </p:par>
+                      </p:childTnLst>
+                    </p:cTn>
+                  </p:par>
+                  <p:par>
+                    <p:cTn id="24" fill="hold">
+                      <p:stCondLst>
+                        <p:cond delay="indefinite"/>
+                      </p:stCondLst>
+                      <p:childTnLst>
+                        <p:par>
+                          <p:cTn id="25" fill="hold">
+                            <p:stCondLst>
+                              <p:cond delay="0"/>
+                            </p:stCondLst>
+                            <p:childTnLst>
+                              <p:par>
+                                <p:cTn id="26" presetID="10" presetClass="entr" presetSubtype="0" fill="hold" nodeType="clickEffect">
+                                  <p:stCondLst>
+                                    <p:cond delay="0"/>
+                                  </p:stCondLst>
+                                  <p:childTnLst>
+                                    <p:set>
+                                      <p:cBhvr>
+                                        <p:cTn id="27" dur="1" fill="hold">
+                                          <p:stCondLst>
+                                            <p:cond delay="0"/>
+                                          </p:stCondLst>
+                                        </p:cTn>
+                                        <p:tgtEl>
+                                          <p:spTgt spid="4">
+                                            <p:txEl>
+                                              <p:pRg st="7" end="7"/>
+                                            </p:txEl>
+                                          </p:spTgt>
+                                        </p:tgtEl>
+                                        <p:attrNameLst>
+                                          <p:attrName>style.visibility</p:attrName>
+                                        </p:attrNameLst>
+                                      </p:cBhvr>
+                                      <p:to>
+                                        <p:strVal val="visible"/>
+                                      </p:to>
+                                    </p:set>
+                                    <p:animEffect transition="in" filter="fade">
+                                      <p:cBhvr>
+                                        <p:cTn id="28" dur="500"/>
+                                        <p:tgtEl>
+                                          <p:spTgt spid="4">
+                                            <p:txEl>
+                                              <p:pRg st="7" end="7"/>
+                                            </p:txEl>
+                                          </p:spTgt>
+                                        </p:tgtEl>
+                                      </p:cBhvr>
+                                    </p:animEffect>
+                                  </p:childTnLst>
+                                </p:cTn>
+                              </p:par>
+                              <p:par>
+                                <p:cTn id="29" presetID="22" presetClass="entr" presetSubtype="4" fill="hold" grpId="0" nodeType="withEffect">
+                                  <p:stCondLst>
+                                    <p:cond delay="0"/>
+                                  </p:stCondLst>
+                                  <p:childTnLst>
+                                    <p:set>
+                                      <p:cBhvr>
+                                        <p:cTn id="30" dur="1" fill="hold">
                                           <p:stCondLst>
                                             <p:cond delay="0"/>
                                           </p:stCondLst>
@@ -8470,7 +8550,7 @@
                                     </p:set>
                                     <p:animEffect transition="in" filter="wipe(down)">
                                       <p:cBhvr>
-                                        <p:cTn id="26" dur="500"/>
+                                        <p:cTn id="31" dur="500"/>
                                         <p:tgtEl>
                                           <p:spTgt spid="12"/>
                                         </p:tgtEl>
@@ -10682,7 +10762,7 @@
           <p:nvPr>
             <p:extLst>
               <p:ext uri="{D42A27DB-BD31-4B8C-83A1-F6EECF244321}">
-                <p14:modId xmlns:p14="http://schemas.microsoft.com/office/powerpoint/2010/main" val="1923733488"/>
+                <p14:modId xmlns:p14="http://schemas.microsoft.com/office/powerpoint/2010/main" val="1535110050"/>
               </p:ext>
             </p:extLst>
           </p:nvPr>
@@ -11130,7 +11210,10 @@
                     <a:bodyPr/>
                     <a:lstStyle/>
                     <a:p>
-                      <a:endParaRPr lang="en-US" dirty="0"/>
+                      <a:r>
+                        <a:rPr lang="en-US" dirty="0"/>
+                        <a:t>Also known as a ‘potentiometer’ ( or pot for short)</a:t>
+                      </a:r>
                     </a:p>
                   </a:txBody>
                   <a:tcPr/>
@@ -17640,14 +17723,14 @@
           <p:nvPr>
             <p:extLst>
               <p:ext uri="{D42A27DB-BD31-4B8C-83A1-F6EECF244321}">
-                <p14:modId xmlns:p14="http://schemas.microsoft.com/office/powerpoint/2010/main" val="25925389"/>
+                <p14:modId xmlns:p14="http://schemas.microsoft.com/office/powerpoint/2010/main" val="3177946039"/>
               </p:ext>
             </p:extLst>
           </p:nvPr>
         </p:nvGraphicFramePr>
         <p:xfrm>
           <a:off x="415505" y="395237"/>
-          <a:ext cx="11360989" cy="6207421"/>
+          <a:ext cx="11360989" cy="5933101"/>
         </p:xfrm>
         <a:graphic>
           <a:graphicData uri="http://schemas.openxmlformats.org/drawingml/2006/table">
@@ -18142,7 +18225,7 @@
                       </a:pPr>
                       <a:r>
                         <a:rPr lang="en-US" b="0" dirty="0"/>
-                        <a:t>Technically the signal is not PWM as only the time spent high is important not the high/low ratio.</a:t>
+                        <a:t>Only the time spent high is important. </a:t>
                       </a:r>
                     </a:p>
                     <a:p>
@@ -18165,7 +18248,15 @@
                       </a:pPr>
                       <a:r>
                         <a:rPr lang="en-US" b="0" dirty="0"/>
-                        <a:t>9g refers to the weight in grams!</a:t>
+                        <a:t>Use the &lt;</a:t>
+                      </a:r>
+                      <a:r>
+                        <a:rPr lang="en-US" b="0" dirty="0" err="1"/>
+                        <a:t>Servo.h</a:t>
+                      </a:r>
+                      <a:r>
+                        <a:rPr lang="en-US" b="0" dirty="0"/>
+                        <a:t>&gt; library – it has built in error checking.</a:t>
                       </a:r>
                     </a:p>
                     <a:p>
@@ -18304,6 +18395,37 @@
                           <a:srgbClr val="0070C0"/>
                         </a:solidFill>
                       </a:endParaRPr>
+                    </a:p>
+                    <a:p>
+                      <a:pPr marL="0" marR="0" lvl="0" indent="0" algn="l" defTabSz="914400" rtl="0" eaLnBrk="1" fontAlgn="auto" latinLnBrk="0" hangingPunct="1">
+                        <a:lnSpc>
+                          <a:spcPct val="100000"/>
+                        </a:lnSpc>
+                        <a:spcBef>
+                          <a:spcPts val="0"/>
+                        </a:spcBef>
+                        <a:spcAft>
+                          <a:spcPts val="0"/>
+                        </a:spcAft>
+                        <a:buClrTx/>
+                        <a:buSzTx/>
+                        <a:buFontTx/>
+                        <a:buNone/>
+                        <a:tabLst/>
+                        <a:defRPr/>
+                      </a:pPr>
+                      <a:r>
+                        <a:rPr lang="en-US" b="1" dirty="0">
+                          <a:solidFill>
+                            <a:srgbClr val="0070C0"/>
+                          </a:solidFill>
+                        </a:rPr>
+                        <a:t>Trivia : </a:t>
+                      </a:r>
+                      <a:r>
+                        <a:rPr lang="en-US" b="0" dirty="0"/>
+                        <a:t>9g refers to the weight in grams!</a:t>
+                      </a:r>
                     </a:p>
                   </a:txBody>
                   <a:tcPr/>
@@ -30289,7 +30411,7 @@
                   <a:schemeClr val="tx1"/>
                 </a:solidFill>
               </a:rPr>
-              <a:t>(and others) are names given to individual products in the Arduino. </a:t>
+              <a:t>(and others) are names given to individual products in the Arduino family. </a:t>
             </a:r>
           </a:p>
           <a:p>
@@ -31677,6 +31799,317 @@
       </p:sp>
       <p:sp>
         <p:nvSpPr>
+          <p:cNvPr id="9" name="Subtitle 2">
+            <a:extLst>
+              <a:ext uri="{FF2B5EF4-FFF2-40B4-BE49-F238E27FC236}">
+                <a16:creationId xmlns:a16="http://schemas.microsoft.com/office/drawing/2014/main" id="{1E25AA03-1616-196B-526C-882CFD5E07C2}"/>
+              </a:ext>
+            </a:extLst>
+          </p:cNvPr>
+          <p:cNvSpPr txBox="1">
+            <a:spLocks/>
+          </p:cNvSpPr>
+          <p:nvPr/>
+        </p:nvSpPr>
+        <p:spPr>
+          <a:xfrm>
+            <a:off x="10480356" y="406404"/>
+            <a:ext cx="1357223" cy="558771"/>
+          </a:xfrm>
+          <a:prstGeom prst="rect">
+            <a:avLst/>
+          </a:prstGeom>
+        </p:spPr>
+        <p:txBody>
+          <a:bodyPr vert="horz" lIns="91440" tIns="45720" rIns="91440" bIns="45720" rtlCol="0">
+            <a:noAutofit/>
+          </a:bodyPr>
+          <a:lstStyle>
+            <a:lvl1pPr marL="0" indent="0" algn="ctr" defTabSz="914400" rtl="0" eaLnBrk="1" latinLnBrk="0" hangingPunct="1">
+              <a:lnSpc>
+                <a:spcPct val="90000"/>
+              </a:lnSpc>
+              <a:spcBef>
+                <a:spcPts val="1000"/>
+              </a:spcBef>
+              <a:buFont typeface="Arial" panose="020B0604020202020204" pitchFamily="34" charset="0"/>
+              <a:buNone/>
+              <a:defRPr sz="2400" kern="1200">
+                <a:solidFill>
+                  <a:schemeClr val="tx1"/>
+                </a:solidFill>
+                <a:latin typeface="+mn-lt"/>
+                <a:ea typeface="+mn-ea"/>
+                <a:cs typeface="+mn-cs"/>
+              </a:defRPr>
+            </a:lvl1pPr>
+            <a:lvl2pPr marL="457200" indent="0" algn="ctr" defTabSz="914400" rtl="0" eaLnBrk="1" latinLnBrk="0" hangingPunct="1">
+              <a:lnSpc>
+                <a:spcPct val="90000"/>
+              </a:lnSpc>
+              <a:spcBef>
+                <a:spcPts val="500"/>
+              </a:spcBef>
+              <a:buFont typeface="Arial" panose="020B0604020202020204" pitchFamily="34" charset="0"/>
+              <a:buNone/>
+              <a:defRPr sz="2000" kern="1200">
+                <a:solidFill>
+                  <a:schemeClr val="tx1"/>
+                </a:solidFill>
+                <a:latin typeface="+mn-lt"/>
+                <a:ea typeface="+mn-ea"/>
+                <a:cs typeface="+mn-cs"/>
+              </a:defRPr>
+            </a:lvl2pPr>
+            <a:lvl3pPr marL="914400" indent="0" algn="ctr" defTabSz="914400" rtl="0" eaLnBrk="1" latinLnBrk="0" hangingPunct="1">
+              <a:lnSpc>
+                <a:spcPct val="90000"/>
+              </a:lnSpc>
+              <a:spcBef>
+                <a:spcPts val="500"/>
+              </a:spcBef>
+              <a:buFont typeface="Arial" panose="020B0604020202020204" pitchFamily="34" charset="0"/>
+              <a:buNone/>
+              <a:defRPr sz="1800" kern="1200">
+                <a:solidFill>
+                  <a:schemeClr val="tx1"/>
+                </a:solidFill>
+                <a:latin typeface="+mn-lt"/>
+                <a:ea typeface="+mn-ea"/>
+                <a:cs typeface="+mn-cs"/>
+              </a:defRPr>
+            </a:lvl3pPr>
+            <a:lvl4pPr marL="1371600" indent="0" algn="ctr" defTabSz="914400" rtl="0" eaLnBrk="1" latinLnBrk="0" hangingPunct="1">
+              <a:lnSpc>
+                <a:spcPct val="90000"/>
+              </a:lnSpc>
+              <a:spcBef>
+                <a:spcPts val="500"/>
+              </a:spcBef>
+              <a:buFont typeface="Arial" panose="020B0604020202020204" pitchFamily="34" charset="0"/>
+              <a:buNone/>
+              <a:defRPr sz="1600" kern="1200">
+                <a:solidFill>
+                  <a:schemeClr val="tx1"/>
+                </a:solidFill>
+                <a:latin typeface="+mn-lt"/>
+                <a:ea typeface="+mn-ea"/>
+                <a:cs typeface="+mn-cs"/>
+              </a:defRPr>
+            </a:lvl4pPr>
+            <a:lvl5pPr marL="1828800" indent="0" algn="ctr" defTabSz="914400" rtl="0" eaLnBrk="1" latinLnBrk="0" hangingPunct="1">
+              <a:lnSpc>
+                <a:spcPct val="90000"/>
+              </a:lnSpc>
+              <a:spcBef>
+                <a:spcPts val="500"/>
+              </a:spcBef>
+              <a:buFont typeface="Arial" panose="020B0604020202020204" pitchFamily="34" charset="0"/>
+              <a:buNone/>
+              <a:defRPr sz="1600" kern="1200">
+                <a:solidFill>
+                  <a:schemeClr val="tx1"/>
+                </a:solidFill>
+                <a:latin typeface="+mn-lt"/>
+                <a:ea typeface="+mn-ea"/>
+                <a:cs typeface="+mn-cs"/>
+              </a:defRPr>
+            </a:lvl5pPr>
+            <a:lvl6pPr marL="2286000" indent="0" algn="ctr" defTabSz="914400" rtl="0" eaLnBrk="1" latinLnBrk="0" hangingPunct="1">
+              <a:lnSpc>
+                <a:spcPct val="90000"/>
+              </a:lnSpc>
+              <a:spcBef>
+                <a:spcPts val="500"/>
+              </a:spcBef>
+              <a:buFont typeface="Arial" panose="020B0604020202020204" pitchFamily="34" charset="0"/>
+              <a:buNone/>
+              <a:defRPr sz="1600" kern="1200">
+                <a:solidFill>
+                  <a:schemeClr val="tx1"/>
+                </a:solidFill>
+                <a:latin typeface="+mn-lt"/>
+                <a:ea typeface="+mn-ea"/>
+                <a:cs typeface="+mn-cs"/>
+              </a:defRPr>
+            </a:lvl6pPr>
+            <a:lvl7pPr marL="2743200" indent="0" algn="ctr" defTabSz="914400" rtl="0" eaLnBrk="1" latinLnBrk="0" hangingPunct="1">
+              <a:lnSpc>
+                <a:spcPct val="90000"/>
+              </a:lnSpc>
+              <a:spcBef>
+                <a:spcPts val="500"/>
+              </a:spcBef>
+              <a:buFont typeface="Arial" panose="020B0604020202020204" pitchFamily="34" charset="0"/>
+              <a:buNone/>
+              <a:defRPr sz="1600" kern="1200">
+                <a:solidFill>
+                  <a:schemeClr val="tx1"/>
+                </a:solidFill>
+                <a:latin typeface="+mn-lt"/>
+                <a:ea typeface="+mn-ea"/>
+                <a:cs typeface="+mn-cs"/>
+              </a:defRPr>
+            </a:lvl7pPr>
+            <a:lvl8pPr marL="3200400" indent="0" algn="ctr" defTabSz="914400" rtl="0" eaLnBrk="1" latinLnBrk="0" hangingPunct="1">
+              <a:lnSpc>
+                <a:spcPct val="90000"/>
+              </a:lnSpc>
+              <a:spcBef>
+                <a:spcPts val="500"/>
+              </a:spcBef>
+              <a:buFont typeface="Arial" panose="020B0604020202020204" pitchFamily="34" charset="0"/>
+              <a:buNone/>
+              <a:defRPr sz="1600" kern="1200">
+                <a:solidFill>
+                  <a:schemeClr val="tx1"/>
+                </a:solidFill>
+                <a:latin typeface="+mn-lt"/>
+                <a:ea typeface="+mn-ea"/>
+                <a:cs typeface="+mn-cs"/>
+              </a:defRPr>
+            </a:lvl8pPr>
+            <a:lvl9pPr marL="3657600" indent="0" algn="ctr" defTabSz="914400" rtl="0" eaLnBrk="1" latinLnBrk="0" hangingPunct="1">
+              <a:lnSpc>
+                <a:spcPct val="90000"/>
+              </a:lnSpc>
+              <a:spcBef>
+                <a:spcPts val="500"/>
+              </a:spcBef>
+              <a:buFont typeface="Arial" panose="020B0604020202020204" pitchFamily="34" charset="0"/>
+              <a:buNone/>
+              <a:defRPr sz="1600" kern="1200">
+                <a:solidFill>
+                  <a:schemeClr val="tx1"/>
+                </a:solidFill>
+                <a:latin typeface="+mn-lt"/>
+                <a:ea typeface="+mn-ea"/>
+                <a:cs typeface="+mn-cs"/>
+              </a:defRPr>
+            </a:lvl9pPr>
+          </a:lstStyle>
+          <a:p>
+            <a:endParaRPr lang="en-US" sz="3200" b="1" dirty="0">
+              <a:solidFill>
+                <a:schemeClr val="accent1">
+                  <a:lumMod val="60000"/>
+                  <a:lumOff val="40000"/>
+                </a:schemeClr>
+              </a:solidFill>
+              <a:latin typeface="MERG_Logo" pitchFamily="2" charset="0"/>
+            </a:endParaRPr>
+          </a:p>
+        </p:txBody>
+      </p:sp>
+      <p:pic>
+        <p:nvPicPr>
+          <p:cNvPr id="10" name="Picture 9">
+            <a:extLst>
+              <a:ext uri="{FF2B5EF4-FFF2-40B4-BE49-F238E27FC236}">
+                <a16:creationId xmlns:a16="http://schemas.microsoft.com/office/drawing/2014/main" id="{411C9DF4-8351-85C6-48AB-6581D3BCC601}"/>
+              </a:ext>
+            </a:extLst>
+          </p:cNvPr>
+          <p:cNvPicPr>
+            <a:picLocks noChangeAspect="1"/>
+          </p:cNvPicPr>
+          <p:nvPr/>
+        </p:nvPicPr>
+        <p:blipFill>
+          <a:blip r:embed="rId2" cstate="email">
+            <a:extLst>
+              <a:ext uri="{28A0092B-C50C-407E-A947-70E740481C1C}">
+                <a14:useLocalDpi xmlns:a14="http://schemas.microsoft.com/office/drawing/2010/main"/>
+              </a:ext>
+            </a:extLst>
+          </a:blip>
+          <a:stretch>
+            <a:fillRect/>
+          </a:stretch>
+        </p:blipFill>
+        <p:spPr>
+          <a:xfrm>
+            <a:off x="10749400" y="6239363"/>
+            <a:ext cx="1116784" cy="496968"/>
+          </a:xfrm>
+          <a:prstGeom prst="rect">
+            <a:avLst/>
+          </a:prstGeom>
+        </p:spPr>
+      </p:pic>
+      <p:pic>
+        <p:nvPicPr>
+          <p:cNvPr id="3" name="Picture 2">
+            <a:extLst>
+              <a:ext uri="{FF2B5EF4-FFF2-40B4-BE49-F238E27FC236}">
+                <a16:creationId xmlns:a16="http://schemas.microsoft.com/office/drawing/2014/main" id="{F625BC8B-FBCB-7B78-8927-67F8FB799916}"/>
+              </a:ext>
+            </a:extLst>
+          </p:cNvPr>
+          <p:cNvPicPr>
+            <a:picLocks noChangeAspect="1"/>
+          </p:cNvPicPr>
+          <p:nvPr/>
+        </p:nvPicPr>
+        <p:blipFill>
+          <a:blip r:embed="rId3" cstate="email">
+            <a:extLst>
+              <a:ext uri="{28A0092B-C50C-407E-A947-70E740481C1C}">
+                <a14:useLocalDpi xmlns:a14="http://schemas.microsoft.com/office/drawing/2010/main"/>
+              </a:ext>
+            </a:extLst>
+          </a:blip>
+          <a:stretch>
+            <a:fillRect/>
+          </a:stretch>
+        </p:blipFill>
+        <p:spPr>
+          <a:xfrm>
+            <a:off x="685801" y="1628519"/>
+            <a:ext cx="7509294" cy="3669672"/>
+          </a:xfrm>
+          <a:prstGeom prst="rect">
+            <a:avLst/>
+          </a:prstGeom>
+        </p:spPr>
+      </p:pic>
+      <p:sp>
+        <p:nvSpPr>
+          <p:cNvPr id="11" name="TextBox 10">
+            <a:extLst>
+              <a:ext uri="{FF2B5EF4-FFF2-40B4-BE49-F238E27FC236}">
+                <a16:creationId xmlns:a16="http://schemas.microsoft.com/office/drawing/2014/main" id="{78A1D33C-71B7-9D70-BDD5-BAF410E660D9}"/>
+              </a:ext>
+            </a:extLst>
+          </p:cNvPr>
+          <p:cNvSpPr txBox="1"/>
+          <p:nvPr/>
+        </p:nvSpPr>
+        <p:spPr>
+          <a:xfrm>
+            <a:off x="971171" y="6128442"/>
+            <a:ext cx="6094562" cy="338554"/>
+          </a:xfrm>
+          <a:prstGeom prst="rect">
+            <a:avLst/>
+          </a:prstGeom>
+          <a:noFill/>
+        </p:spPr>
+        <p:txBody>
+          <a:bodyPr wrap="square">
+            <a:spAutoFit/>
+          </a:bodyPr>
+          <a:lstStyle/>
+          <a:p>
+            <a:r>
+              <a:rPr lang="en-US" sz="1600" dirty="0"/>
+              <a:t>https://commons.wikimedia.org/wiki/File:Arduino-nano-pinout.png</a:t>
+            </a:r>
+          </a:p>
+        </p:txBody>
+      </p:sp>
+      <p:sp>
+        <p:nvSpPr>
           <p:cNvPr id="6" name="Rectangle 5">
             <a:extLst>
               <a:ext uri="{FF2B5EF4-FFF2-40B4-BE49-F238E27FC236}">
@@ -31689,7 +32122,7 @@
         </p:nvSpPr>
         <p:spPr>
           <a:xfrm>
-            <a:off x="2708695" y="5429461"/>
+            <a:off x="6535946" y="5156673"/>
             <a:ext cx="4771846" cy="919355"/>
           </a:xfrm>
           <a:prstGeom prst="rect">
@@ -31740,282 +32173,6 @@
           </a:p>
         </p:txBody>
       </p:sp>
-      <p:sp>
-        <p:nvSpPr>
-          <p:cNvPr id="9" name="Subtitle 2">
-            <a:extLst>
-              <a:ext uri="{FF2B5EF4-FFF2-40B4-BE49-F238E27FC236}">
-                <a16:creationId xmlns:a16="http://schemas.microsoft.com/office/drawing/2014/main" id="{1E25AA03-1616-196B-526C-882CFD5E07C2}"/>
-              </a:ext>
-            </a:extLst>
-          </p:cNvPr>
-          <p:cNvSpPr txBox="1">
-            <a:spLocks/>
-          </p:cNvSpPr>
-          <p:nvPr/>
-        </p:nvSpPr>
-        <p:spPr>
-          <a:xfrm>
-            <a:off x="10480356" y="406404"/>
-            <a:ext cx="1357223" cy="558771"/>
-          </a:xfrm>
-          <a:prstGeom prst="rect">
-            <a:avLst/>
-          </a:prstGeom>
-        </p:spPr>
-        <p:txBody>
-          <a:bodyPr vert="horz" lIns="91440" tIns="45720" rIns="91440" bIns="45720" rtlCol="0">
-            <a:noAutofit/>
-          </a:bodyPr>
-          <a:lstStyle>
-            <a:lvl1pPr marL="0" indent="0" algn="ctr" defTabSz="914400" rtl="0" eaLnBrk="1" latinLnBrk="0" hangingPunct="1">
-              <a:lnSpc>
-                <a:spcPct val="90000"/>
-              </a:lnSpc>
-              <a:spcBef>
-                <a:spcPts val="1000"/>
-              </a:spcBef>
-              <a:buFont typeface="Arial" panose="020B0604020202020204" pitchFamily="34" charset="0"/>
-              <a:buNone/>
-              <a:defRPr sz="2400" kern="1200">
-                <a:solidFill>
-                  <a:schemeClr val="tx1"/>
-                </a:solidFill>
-                <a:latin typeface="+mn-lt"/>
-                <a:ea typeface="+mn-ea"/>
-                <a:cs typeface="+mn-cs"/>
-              </a:defRPr>
-            </a:lvl1pPr>
-            <a:lvl2pPr marL="457200" indent="0" algn="ctr" defTabSz="914400" rtl="0" eaLnBrk="1" latinLnBrk="0" hangingPunct="1">
-              <a:lnSpc>
-                <a:spcPct val="90000"/>
-              </a:lnSpc>
-              <a:spcBef>
-                <a:spcPts val="500"/>
-              </a:spcBef>
-              <a:buFont typeface="Arial" panose="020B0604020202020204" pitchFamily="34" charset="0"/>
-              <a:buNone/>
-              <a:defRPr sz="2000" kern="1200">
-                <a:solidFill>
-                  <a:schemeClr val="tx1"/>
-                </a:solidFill>
-                <a:latin typeface="+mn-lt"/>
-                <a:ea typeface="+mn-ea"/>
-                <a:cs typeface="+mn-cs"/>
-              </a:defRPr>
-            </a:lvl2pPr>
-            <a:lvl3pPr marL="914400" indent="0" algn="ctr" defTabSz="914400" rtl="0" eaLnBrk="1" latinLnBrk="0" hangingPunct="1">
-              <a:lnSpc>
-                <a:spcPct val="90000"/>
-              </a:lnSpc>
-              <a:spcBef>
-                <a:spcPts val="500"/>
-              </a:spcBef>
-              <a:buFont typeface="Arial" panose="020B0604020202020204" pitchFamily="34" charset="0"/>
-              <a:buNone/>
-              <a:defRPr sz="1800" kern="1200">
-                <a:solidFill>
-                  <a:schemeClr val="tx1"/>
-                </a:solidFill>
-                <a:latin typeface="+mn-lt"/>
-                <a:ea typeface="+mn-ea"/>
-                <a:cs typeface="+mn-cs"/>
-              </a:defRPr>
-            </a:lvl3pPr>
-            <a:lvl4pPr marL="1371600" indent="0" algn="ctr" defTabSz="914400" rtl="0" eaLnBrk="1" latinLnBrk="0" hangingPunct="1">
-              <a:lnSpc>
-                <a:spcPct val="90000"/>
-              </a:lnSpc>
-              <a:spcBef>
-                <a:spcPts val="500"/>
-              </a:spcBef>
-              <a:buFont typeface="Arial" panose="020B0604020202020204" pitchFamily="34" charset="0"/>
-              <a:buNone/>
-              <a:defRPr sz="1600" kern="1200">
-                <a:solidFill>
-                  <a:schemeClr val="tx1"/>
-                </a:solidFill>
-                <a:latin typeface="+mn-lt"/>
-                <a:ea typeface="+mn-ea"/>
-                <a:cs typeface="+mn-cs"/>
-              </a:defRPr>
-            </a:lvl4pPr>
-            <a:lvl5pPr marL="1828800" indent="0" algn="ctr" defTabSz="914400" rtl="0" eaLnBrk="1" latinLnBrk="0" hangingPunct="1">
-              <a:lnSpc>
-                <a:spcPct val="90000"/>
-              </a:lnSpc>
-              <a:spcBef>
-                <a:spcPts val="500"/>
-              </a:spcBef>
-              <a:buFont typeface="Arial" panose="020B0604020202020204" pitchFamily="34" charset="0"/>
-              <a:buNone/>
-              <a:defRPr sz="1600" kern="1200">
-                <a:solidFill>
-                  <a:schemeClr val="tx1"/>
-                </a:solidFill>
-                <a:latin typeface="+mn-lt"/>
-                <a:ea typeface="+mn-ea"/>
-                <a:cs typeface="+mn-cs"/>
-              </a:defRPr>
-            </a:lvl5pPr>
-            <a:lvl6pPr marL="2286000" indent="0" algn="ctr" defTabSz="914400" rtl="0" eaLnBrk="1" latinLnBrk="0" hangingPunct="1">
-              <a:lnSpc>
-                <a:spcPct val="90000"/>
-              </a:lnSpc>
-              <a:spcBef>
-                <a:spcPts val="500"/>
-              </a:spcBef>
-              <a:buFont typeface="Arial" panose="020B0604020202020204" pitchFamily="34" charset="0"/>
-              <a:buNone/>
-              <a:defRPr sz="1600" kern="1200">
-                <a:solidFill>
-                  <a:schemeClr val="tx1"/>
-                </a:solidFill>
-                <a:latin typeface="+mn-lt"/>
-                <a:ea typeface="+mn-ea"/>
-                <a:cs typeface="+mn-cs"/>
-              </a:defRPr>
-            </a:lvl6pPr>
-            <a:lvl7pPr marL="2743200" indent="0" algn="ctr" defTabSz="914400" rtl="0" eaLnBrk="1" latinLnBrk="0" hangingPunct="1">
-              <a:lnSpc>
-                <a:spcPct val="90000"/>
-              </a:lnSpc>
-              <a:spcBef>
-                <a:spcPts val="500"/>
-              </a:spcBef>
-              <a:buFont typeface="Arial" panose="020B0604020202020204" pitchFamily="34" charset="0"/>
-              <a:buNone/>
-              <a:defRPr sz="1600" kern="1200">
-                <a:solidFill>
-                  <a:schemeClr val="tx1"/>
-                </a:solidFill>
-                <a:latin typeface="+mn-lt"/>
-                <a:ea typeface="+mn-ea"/>
-                <a:cs typeface="+mn-cs"/>
-              </a:defRPr>
-            </a:lvl7pPr>
-            <a:lvl8pPr marL="3200400" indent="0" algn="ctr" defTabSz="914400" rtl="0" eaLnBrk="1" latinLnBrk="0" hangingPunct="1">
-              <a:lnSpc>
-                <a:spcPct val="90000"/>
-              </a:lnSpc>
-              <a:spcBef>
-                <a:spcPts val="500"/>
-              </a:spcBef>
-              <a:buFont typeface="Arial" panose="020B0604020202020204" pitchFamily="34" charset="0"/>
-              <a:buNone/>
-              <a:defRPr sz="1600" kern="1200">
-                <a:solidFill>
-                  <a:schemeClr val="tx1"/>
-                </a:solidFill>
-                <a:latin typeface="+mn-lt"/>
-                <a:ea typeface="+mn-ea"/>
-                <a:cs typeface="+mn-cs"/>
-              </a:defRPr>
-            </a:lvl8pPr>
-            <a:lvl9pPr marL="3657600" indent="0" algn="ctr" defTabSz="914400" rtl="0" eaLnBrk="1" latinLnBrk="0" hangingPunct="1">
-              <a:lnSpc>
-                <a:spcPct val="90000"/>
-              </a:lnSpc>
-              <a:spcBef>
-                <a:spcPts val="500"/>
-              </a:spcBef>
-              <a:buFont typeface="Arial" panose="020B0604020202020204" pitchFamily="34" charset="0"/>
-              <a:buNone/>
-              <a:defRPr sz="1600" kern="1200">
-                <a:solidFill>
-                  <a:schemeClr val="tx1"/>
-                </a:solidFill>
-                <a:latin typeface="+mn-lt"/>
-                <a:ea typeface="+mn-ea"/>
-                <a:cs typeface="+mn-cs"/>
-              </a:defRPr>
-            </a:lvl9pPr>
-          </a:lstStyle>
-          <a:p>
-            <a:endParaRPr lang="en-US" sz="3200" b="1" dirty="0">
-              <a:solidFill>
-                <a:schemeClr val="accent1">
-                  <a:lumMod val="60000"/>
-                  <a:lumOff val="40000"/>
-                </a:schemeClr>
-              </a:solidFill>
-              <a:latin typeface="MERG_Logo" pitchFamily="2" charset="0"/>
-            </a:endParaRPr>
-          </a:p>
-        </p:txBody>
-      </p:sp>
-      <p:pic>
-        <p:nvPicPr>
-          <p:cNvPr id="10" name="Picture 9">
-            <a:extLst>
-              <a:ext uri="{FF2B5EF4-FFF2-40B4-BE49-F238E27FC236}">
-                <a16:creationId xmlns:a16="http://schemas.microsoft.com/office/drawing/2014/main" id="{411C9DF4-8351-85C6-48AB-6581D3BCC601}"/>
-              </a:ext>
-            </a:extLst>
-          </p:cNvPr>
-          <p:cNvPicPr>
-            <a:picLocks noChangeAspect="1"/>
-          </p:cNvPicPr>
-          <p:nvPr/>
-        </p:nvPicPr>
-        <p:blipFill>
-          <a:blip r:embed="rId2" cstate="email">
-            <a:extLst>
-              <a:ext uri="{28A0092B-C50C-407E-A947-70E740481C1C}">
-                <a14:useLocalDpi xmlns:a14="http://schemas.microsoft.com/office/drawing/2010/main"/>
-              </a:ext>
-            </a:extLst>
-          </a:blip>
-          <a:stretch>
-            <a:fillRect/>
-          </a:stretch>
-        </p:blipFill>
-        <p:spPr>
-          <a:xfrm>
-            <a:off x="10749400" y="6239363"/>
-            <a:ext cx="1116784" cy="496968"/>
-          </a:xfrm>
-          <a:prstGeom prst="rect">
-            <a:avLst/>
-          </a:prstGeom>
-        </p:spPr>
-      </p:pic>
-      <p:pic>
-        <p:nvPicPr>
-          <p:cNvPr id="3" name="Picture 2">
-            <a:extLst>
-              <a:ext uri="{FF2B5EF4-FFF2-40B4-BE49-F238E27FC236}">
-                <a16:creationId xmlns:a16="http://schemas.microsoft.com/office/drawing/2014/main" id="{F625BC8B-FBCB-7B78-8927-67F8FB799916}"/>
-              </a:ext>
-            </a:extLst>
-          </p:cNvPr>
-          <p:cNvPicPr>
-            <a:picLocks noChangeAspect="1"/>
-          </p:cNvPicPr>
-          <p:nvPr/>
-        </p:nvPicPr>
-        <p:blipFill>
-          <a:blip r:embed="rId3" cstate="email">
-            <a:extLst>
-              <a:ext uri="{28A0092B-C50C-407E-A947-70E740481C1C}">
-                <a14:useLocalDpi xmlns:a14="http://schemas.microsoft.com/office/drawing/2010/main"/>
-              </a:ext>
-            </a:extLst>
-          </a:blip>
-          <a:stretch>
-            <a:fillRect/>
-          </a:stretch>
-        </p:blipFill>
-        <p:spPr>
-          <a:xfrm>
-            <a:off x="685801" y="1628519"/>
-            <a:ext cx="7509294" cy="3669672"/>
-          </a:xfrm>
-          <a:prstGeom prst="rect">
-            <a:avLst/>
-          </a:prstGeom>
-        </p:spPr>
-      </p:pic>
     </p:spTree>
     <p:extLst>
       <p:ext uri="{BB962C8B-B14F-4D97-AF65-F5344CB8AC3E}">

--- a/Arduino IO Compendium.pptx
+++ b/Arduino IO Compendium.pptx
@@ -5,7 +5,7 @@
     <p:sldMasterId id="2147483648" r:id="rId1"/>
   </p:sldMasterIdLst>
   <p:notesMasterIdLst>
-    <p:notesMasterId r:id="rId40"/>
+    <p:notesMasterId r:id="rId44"/>
   </p:notesMasterIdLst>
   <p:sldIdLst>
     <p:sldId id="336" r:id="rId2"/>
@@ -44,8 +44,12 @@
     <p:sldId id="352" r:id="rId35"/>
     <p:sldId id="372" r:id="rId36"/>
     <p:sldId id="326" r:id="rId37"/>
-    <p:sldId id="327" r:id="rId38"/>
-    <p:sldId id="373" r:id="rId39"/>
+    <p:sldId id="377" r:id="rId38"/>
+    <p:sldId id="375" r:id="rId39"/>
+    <p:sldId id="327" r:id="rId40"/>
+    <p:sldId id="376" r:id="rId41"/>
+    <p:sldId id="378" r:id="rId42"/>
+    <p:sldId id="373" r:id="rId43"/>
   </p:sldIdLst>
   <p:sldSz cx="12192000" cy="6858000"/>
   <p:notesSz cx="7016750" cy="9309100"/>
@@ -245,7 +249,7 @@
           <a:p>
             <a:fld id="{12054D22-7DC6-4818-8DE5-E280DFD5FB49}" type="datetimeFigureOut">
               <a:rPr lang="en-US" smtClean="0"/>
-              <a:t>5/8/2022</a:t>
+              <a:t>5/13/2022</a:t>
             </a:fld>
             <a:endParaRPr lang="en-US"/>
           </a:p>
@@ -659,7 +663,7 @@
           <a:p>
             <a:fld id="{12D35354-3C70-45FE-A7BC-FEBCE88C825A}" type="datetime8">
               <a:rPr lang="en-US" smtClean="0"/>
-              <a:t>5/8/2022 8:40 PM</a:t>
+              <a:t>5/13/2022 2:39 PM</a:t>
             </a:fld>
             <a:endParaRPr lang="en-US"/>
           </a:p>
@@ -857,7 +861,7 @@
           <a:p>
             <a:fld id="{DE273977-2B4E-4BD8-8226-CAEE823F3008}" type="datetime8">
               <a:rPr lang="en-US" smtClean="0"/>
-              <a:t>5/8/2022 8:40 PM</a:t>
+              <a:t>5/13/2022 2:39 PM</a:t>
             </a:fld>
             <a:endParaRPr lang="en-US"/>
           </a:p>
@@ -1065,7 +1069,7 @@
           <a:p>
             <a:fld id="{7E2DC526-9E9D-4998-8C50-0541226B08CF}" type="datetime8">
               <a:rPr lang="en-US" smtClean="0"/>
-              <a:t>5/8/2022 8:40 PM</a:t>
+              <a:t>5/13/2022 2:39 PM</a:t>
             </a:fld>
             <a:endParaRPr lang="en-US"/>
           </a:p>
@@ -1263,7 +1267,7 @@
           <a:p>
             <a:fld id="{956EF2D3-783C-4E62-879C-6E42AA097112}" type="datetime8">
               <a:rPr lang="en-US" smtClean="0"/>
-              <a:t>5/8/2022 8:40 PM</a:t>
+              <a:t>5/13/2022 2:39 PM</a:t>
             </a:fld>
             <a:endParaRPr lang="en-US"/>
           </a:p>
@@ -1538,7 +1542,7 @@
           <a:p>
             <a:fld id="{CEEB4330-8AFB-48E3-B890-210D056A958B}" type="datetime8">
               <a:rPr lang="en-US" smtClean="0"/>
-              <a:t>5/8/2022 8:40 PM</a:t>
+              <a:t>5/13/2022 2:39 PM</a:t>
             </a:fld>
             <a:endParaRPr lang="en-US"/>
           </a:p>
@@ -1803,7 +1807,7 @@
           <a:p>
             <a:fld id="{66E23911-0252-40BE-BBB8-760394743E26}" type="datetime8">
               <a:rPr lang="en-US" smtClean="0"/>
-              <a:t>5/8/2022 8:40 PM</a:t>
+              <a:t>5/13/2022 2:39 PM</a:t>
             </a:fld>
             <a:endParaRPr lang="en-US"/>
           </a:p>
@@ -2215,7 +2219,7 @@
           <a:p>
             <a:fld id="{BBB6AC5D-77FB-46F6-9132-21FF30B4912F}" type="datetime8">
               <a:rPr lang="en-US" smtClean="0"/>
-              <a:t>5/8/2022 8:40 PM</a:t>
+              <a:t>5/13/2022 2:39 PM</a:t>
             </a:fld>
             <a:endParaRPr lang="en-US"/>
           </a:p>
@@ -2356,7 +2360,7 @@
           <a:p>
             <a:fld id="{6017FBC6-3D6B-4CF2-A705-4BC9E7D4582C}" type="datetime8">
               <a:rPr lang="en-US" smtClean="0"/>
-              <a:t>5/8/2022 8:40 PM</a:t>
+              <a:t>5/13/2022 2:39 PM</a:t>
             </a:fld>
             <a:endParaRPr lang="en-US"/>
           </a:p>
@@ -2737,7 +2741,7 @@
           <a:p>
             <a:fld id="{0D1B1BD9-FAAE-42CF-9C1C-24872CEE05A7}" type="datetime8">
               <a:rPr lang="en-US" smtClean="0"/>
-              <a:t>5/8/2022 8:40 PM</a:t>
+              <a:t>5/13/2022 2:39 PM</a:t>
             </a:fld>
             <a:endParaRPr lang="en-US"/>
           </a:p>
@@ -3025,7 +3029,7 @@
           <a:p>
             <a:fld id="{63B48E98-414D-4169-A026-380BA4A7A23F}" type="datetime8">
               <a:rPr lang="en-US" smtClean="0"/>
-              <a:t>5/8/2022 8:40 PM</a:t>
+              <a:t>5/13/2022 2:39 PM</a:t>
             </a:fld>
             <a:endParaRPr lang="en-US"/>
           </a:p>
@@ -3266,7 +3270,7 @@
           <a:p>
             <a:fld id="{9D52C73E-D6AD-4984-9C4A-C03CB437FD89}" type="datetime8">
               <a:rPr lang="en-US" smtClean="0"/>
-              <a:t>5/8/2022 8:40 PM</a:t>
+              <a:t>5/13/2022 2:39 PM</a:t>
             </a:fld>
             <a:endParaRPr lang="en-US"/>
           </a:p>
@@ -6491,7 +6495,7 @@
           <a:p>
             <a:pPr lvl="1"/>
             <a:r>
-              <a:rPr lang="en-US" b="1" dirty="0" err="1">
+              <a:rPr lang="en-US" b="1" dirty="0">
                 <a:solidFill>
                   <a:srgbClr val="C00000"/>
                 </a:solidFill>
@@ -27998,14 +28002,1874 @@
           <p:nvPr>
             <p:extLst>
               <p:ext uri="{D42A27DB-BD31-4B8C-83A1-F6EECF244321}">
-                <p14:modId xmlns:p14="http://schemas.microsoft.com/office/powerpoint/2010/main" val="3644113796"/>
+                <p14:modId xmlns:p14="http://schemas.microsoft.com/office/powerpoint/2010/main" val="647882297"/>
+              </p:ext>
+            </p:extLst>
+          </p:nvPr>
+        </p:nvGraphicFramePr>
+        <p:xfrm>
+          <a:off x="496738" y="274354"/>
+          <a:ext cx="11198524" cy="5729403"/>
+        </p:xfrm>
+        <a:graphic>
+          <a:graphicData uri="http://schemas.openxmlformats.org/drawingml/2006/table">
+            <a:tbl>
+              <a:tblPr firstRow="1" bandRow="1">
+                <a:tableStyleId>{5C22544A-7EE6-4342-B048-85BDC9FD1C3A}</a:tableStyleId>
+              </a:tblPr>
+              <a:tblGrid>
+                <a:gridCol w="967595">
+                  <a:extLst>
+                    <a:ext uri="{9D8B030D-6E8A-4147-A177-3AD203B41FA5}">
+                      <a16:colId xmlns:a16="http://schemas.microsoft.com/office/drawing/2014/main" val="747525499"/>
+                    </a:ext>
+                  </a:extLst>
+                </a:gridCol>
+                <a:gridCol w="3604405">
+                  <a:extLst>
+                    <a:ext uri="{9D8B030D-6E8A-4147-A177-3AD203B41FA5}">
+                      <a16:colId xmlns:a16="http://schemas.microsoft.com/office/drawing/2014/main" val="2892156475"/>
+                    </a:ext>
+                  </a:extLst>
+                </a:gridCol>
+                <a:gridCol w="6626524">
+                  <a:extLst>
+                    <a:ext uri="{9D8B030D-6E8A-4147-A177-3AD203B41FA5}">
+                      <a16:colId xmlns:a16="http://schemas.microsoft.com/office/drawing/2014/main" val="3449804923"/>
+                    </a:ext>
+                  </a:extLst>
+                </a:gridCol>
+              </a:tblGrid>
+              <a:tr h="791643">
+                <a:tc>
+                  <a:txBody>
+                    <a:bodyPr/>
+                    <a:lstStyle/>
+                    <a:p>
+                      <a:endParaRPr lang="en-US" sz="4400" dirty="0"/>
+                    </a:p>
+                  </a:txBody>
+                  <a:tcPr/>
+                </a:tc>
+                <a:tc>
+                  <a:txBody>
+                    <a:bodyPr/>
+                    <a:lstStyle/>
+                    <a:p>
+                      <a:r>
+                        <a:rPr lang="en-US" sz="4400" dirty="0">
+                          <a:solidFill>
+                            <a:srgbClr val="FFFF00"/>
+                          </a:solidFill>
+                        </a:rPr>
+                        <a:t>At a Glance</a:t>
+                      </a:r>
+                    </a:p>
+                  </a:txBody>
+                  <a:tcPr/>
+                </a:tc>
+                <a:tc>
+                  <a:txBody>
+                    <a:bodyPr/>
+                    <a:lstStyle/>
+                    <a:p>
+                      <a:pPr marL="0" marR="0" lvl="0" indent="0" algn="l" defTabSz="914400" rtl="0" eaLnBrk="1" fontAlgn="auto" latinLnBrk="0" hangingPunct="1">
+                        <a:lnSpc>
+                          <a:spcPct val="100000"/>
+                        </a:lnSpc>
+                        <a:spcBef>
+                          <a:spcPts val="0"/>
+                        </a:spcBef>
+                        <a:spcAft>
+                          <a:spcPts val="0"/>
+                        </a:spcAft>
+                        <a:buClrTx/>
+                        <a:buSzTx/>
+                        <a:buFontTx/>
+                        <a:buNone/>
+                        <a:tabLst/>
+                        <a:defRPr/>
+                      </a:pPr>
+                      <a:r>
+                        <a:rPr lang="en-US" sz="4400" b="1" kern="1200" dirty="0">
+                          <a:solidFill>
+                            <a:schemeClr val="lt1"/>
+                          </a:solidFill>
+                          <a:latin typeface="+mn-lt"/>
+                          <a:ea typeface="+mn-ea"/>
+                          <a:cs typeface="+mn-cs"/>
+                        </a:rPr>
+                        <a:t>Arduino Communications</a:t>
+                      </a:r>
+                    </a:p>
+                  </a:txBody>
+                  <a:tcPr/>
+                </a:tc>
+                <a:extLst>
+                  <a:ext uri="{0D108BD9-81ED-4DB2-BD59-A6C34878D82A}">
+                    <a16:rowId xmlns:a16="http://schemas.microsoft.com/office/drawing/2014/main" val="4166713368"/>
+                  </a:ext>
+                </a:extLst>
+              </a:tr>
+              <a:tr h="1215495">
+                <a:tc gridSpan="2">
+                  <a:txBody>
+                    <a:bodyPr/>
+                    <a:lstStyle/>
+                    <a:p>
+                      <a:pPr marL="0" indent="0">
+                        <a:buFont typeface="Arial" panose="020B0604020202020204" pitchFamily="34" charset="0"/>
+                        <a:buNone/>
+                      </a:pPr>
+                      <a:r>
+                        <a:rPr lang="en-US" sz="1800" b="1" i="0" kern="1200" dirty="0">
+                          <a:solidFill>
+                            <a:schemeClr val="dk1"/>
+                          </a:solidFill>
+                          <a:effectLst/>
+                          <a:latin typeface="+mn-lt"/>
+                          <a:ea typeface="+mn-ea"/>
+                          <a:cs typeface="+mn-cs"/>
+                        </a:rPr>
+                        <a:t>Simple Serial</a:t>
+                      </a:r>
+                    </a:p>
+                    <a:p>
+                      <a:pPr marL="285750" indent="-285750">
+                        <a:buFont typeface="Arial" panose="020B0604020202020204" pitchFamily="34" charset="0"/>
+                        <a:buChar char="•"/>
+                      </a:pPr>
+                      <a:r>
+                        <a:rPr lang="en-US" sz="1800" b="0" i="0" kern="1200" dirty="0">
+                          <a:solidFill>
+                            <a:schemeClr val="dk1"/>
+                          </a:solidFill>
+                          <a:effectLst/>
+                          <a:latin typeface="+mn-lt"/>
+                          <a:ea typeface="+mn-ea"/>
+                          <a:cs typeface="+mn-cs"/>
+                        </a:rPr>
+                        <a:t>Asynchronous</a:t>
+                      </a:r>
+                    </a:p>
+                    <a:p>
+                      <a:pPr marL="285750" indent="-285750">
+                        <a:buFont typeface="Arial" panose="020B0604020202020204" pitchFamily="34" charset="0"/>
+                        <a:buChar char="•"/>
+                      </a:pPr>
+                      <a:r>
+                        <a:rPr lang="en-US" sz="1800" b="0" i="0" kern="1200" dirty="0">
+                          <a:solidFill>
+                            <a:schemeClr val="dk1"/>
+                          </a:solidFill>
+                          <a:effectLst/>
+                          <a:latin typeface="+mn-lt"/>
+                          <a:ea typeface="+mn-ea"/>
+                          <a:cs typeface="+mn-cs"/>
+                        </a:rPr>
+                        <a:t>Point to Point</a:t>
+                      </a:r>
+                    </a:p>
+                    <a:p>
+                      <a:pPr marL="285750" indent="-285750">
+                        <a:buFont typeface="Arial" panose="020B0604020202020204" pitchFamily="34" charset="0"/>
+                        <a:buChar char="•"/>
+                      </a:pPr>
+                      <a:r>
+                        <a:rPr lang="en-US" sz="1800" b="0" i="0" kern="1200" dirty="0">
+                          <a:solidFill>
+                            <a:schemeClr val="dk1"/>
+                          </a:solidFill>
+                          <a:effectLst/>
+                          <a:latin typeface="+mn-lt"/>
+                          <a:ea typeface="+mn-ea"/>
+                          <a:cs typeface="+mn-cs"/>
+                        </a:rPr>
+                        <a:t>Slow</a:t>
+                      </a:r>
+                    </a:p>
+                    <a:p>
+                      <a:pPr marL="285750" indent="-285750">
+                        <a:buFont typeface="Arial" panose="020B0604020202020204" pitchFamily="34" charset="0"/>
+                        <a:buChar char="•"/>
+                      </a:pPr>
+                      <a:r>
+                        <a:rPr lang="en-US" sz="1800" b="0" i="0" kern="1200" dirty="0">
+                          <a:solidFill>
+                            <a:schemeClr val="dk1"/>
+                          </a:solidFill>
+                          <a:effectLst/>
+                          <a:latin typeface="+mn-lt"/>
+                          <a:ea typeface="+mn-ea"/>
+                          <a:cs typeface="+mn-cs"/>
+                        </a:rPr>
+                        <a:t>Short distances only</a:t>
+                      </a:r>
+                      <a:endParaRPr lang="en-US" b="0" dirty="0"/>
+                    </a:p>
+                  </a:txBody>
+                  <a:tcPr/>
+                </a:tc>
+                <a:tc hMerge="1">
+                  <a:txBody>
+                    <a:bodyPr/>
+                    <a:lstStyle/>
+                    <a:p>
+                      <a:endParaRPr lang="en-US"/>
+                    </a:p>
+                  </a:txBody>
+                  <a:tcPr/>
+                </a:tc>
+                <a:tc>
+                  <a:txBody>
+                    <a:bodyPr/>
+                    <a:lstStyle/>
+                    <a:p>
+                      <a:pPr marL="0" marR="0" lvl="0" indent="0" algn="l" defTabSz="914400" rtl="0" eaLnBrk="1" fontAlgn="auto" latinLnBrk="0" hangingPunct="1">
+                        <a:lnSpc>
+                          <a:spcPct val="100000"/>
+                        </a:lnSpc>
+                        <a:spcBef>
+                          <a:spcPts val="0"/>
+                        </a:spcBef>
+                        <a:spcAft>
+                          <a:spcPts val="0"/>
+                        </a:spcAft>
+                        <a:buClrTx/>
+                        <a:buSzTx/>
+                        <a:buFontTx/>
+                        <a:buNone/>
+                        <a:tabLst/>
+                        <a:defRPr/>
+                      </a:pPr>
+                      <a:r>
+                        <a:rPr lang="en-US" sz="1800" b="1" i="0" kern="1200" dirty="0">
+                          <a:solidFill>
+                            <a:schemeClr val="dk1"/>
+                          </a:solidFill>
+                          <a:effectLst/>
+                          <a:latin typeface="+mn-lt"/>
+                          <a:ea typeface="+mn-ea"/>
+                          <a:cs typeface="+mn-cs"/>
+                        </a:rPr>
+                        <a:t>RS485</a:t>
+                      </a:r>
+                    </a:p>
+                    <a:p>
+                      <a:pPr marL="285750" indent="-285750">
+                        <a:buFont typeface="Arial" panose="020B0604020202020204" pitchFamily="34" charset="0"/>
+                        <a:buChar char="•"/>
+                      </a:pPr>
+                      <a:r>
+                        <a:rPr lang="en-US" sz="1800" b="0" i="0" kern="1200" dirty="0">
+                          <a:solidFill>
+                            <a:schemeClr val="dk1"/>
+                          </a:solidFill>
+                          <a:effectLst/>
+                          <a:latin typeface="+mn-lt"/>
+                          <a:ea typeface="+mn-ea"/>
+                          <a:cs typeface="+mn-cs"/>
+                        </a:rPr>
+                        <a:t>Asynchronous</a:t>
+                      </a:r>
+                    </a:p>
+                    <a:p>
+                      <a:pPr marL="285750" indent="-285750">
+                        <a:buFont typeface="Arial" panose="020B0604020202020204" pitchFamily="34" charset="0"/>
+                        <a:buChar char="•"/>
+                      </a:pPr>
+                      <a:r>
+                        <a:rPr lang="en-US" sz="1800" b="0" i="0" kern="1200" dirty="0">
+                          <a:solidFill>
+                            <a:schemeClr val="dk1"/>
+                          </a:solidFill>
+                          <a:effectLst/>
+                          <a:latin typeface="+mn-lt"/>
+                          <a:ea typeface="+mn-ea"/>
+                          <a:cs typeface="+mn-cs"/>
+                        </a:rPr>
+                        <a:t>Multidrop</a:t>
+                      </a:r>
+                    </a:p>
+                    <a:p>
+                      <a:pPr marL="285750" indent="-285750">
+                        <a:buFont typeface="Arial" panose="020B0604020202020204" pitchFamily="34" charset="0"/>
+                        <a:buChar char="•"/>
+                      </a:pPr>
+                      <a:r>
+                        <a:rPr lang="en-US" sz="1800" b="0" i="0" kern="1200" dirty="0">
+                          <a:solidFill>
+                            <a:schemeClr val="dk1"/>
+                          </a:solidFill>
+                          <a:effectLst/>
+                          <a:latin typeface="+mn-lt"/>
+                          <a:ea typeface="+mn-ea"/>
+                          <a:cs typeface="+mn-cs"/>
+                        </a:rPr>
+                        <a:t>Relatively Slow (19.2 Kbps)</a:t>
+                      </a:r>
+                    </a:p>
+                    <a:p>
+                      <a:pPr marL="285750" indent="-285750">
+                        <a:buFont typeface="Arial" panose="020B0604020202020204" pitchFamily="34" charset="0"/>
+                        <a:buChar char="•"/>
+                      </a:pPr>
+                      <a:r>
+                        <a:rPr lang="en-US" sz="1800" b="0" i="0" kern="1200" dirty="0">
+                          <a:solidFill>
+                            <a:schemeClr val="dk1"/>
+                          </a:solidFill>
+                          <a:effectLst/>
+                          <a:latin typeface="+mn-lt"/>
+                          <a:ea typeface="+mn-ea"/>
+                          <a:cs typeface="+mn-cs"/>
+                        </a:rPr>
+                        <a:t>Long distances</a:t>
+                      </a:r>
+                    </a:p>
+                    <a:p>
+                      <a:pPr marL="285750" indent="-285750">
+                        <a:buFont typeface="Arial" panose="020B0604020202020204" pitchFamily="34" charset="0"/>
+                        <a:buChar char="•"/>
+                      </a:pPr>
+                      <a:r>
+                        <a:rPr lang="en-US" sz="1800" b="0" i="0" kern="1200" dirty="0">
+                          <a:solidFill>
+                            <a:schemeClr val="dk1"/>
+                          </a:solidFill>
+                          <a:effectLst/>
+                          <a:latin typeface="+mn-lt"/>
+                          <a:ea typeface="+mn-ea"/>
+                          <a:cs typeface="+mn-cs"/>
+                        </a:rPr>
+                        <a:t>Has no specified protocol so this must be created (layered on top)</a:t>
+                      </a:r>
+                      <a:endParaRPr lang="en-US" b="0" dirty="0"/>
+                    </a:p>
+                  </a:txBody>
+                  <a:tcPr/>
+                </a:tc>
+                <a:extLst>
+                  <a:ext uri="{0D108BD9-81ED-4DB2-BD59-A6C34878D82A}">
+                    <a16:rowId xmlns:a16="http://schemas.microsoft.com/office/drawing/2014/main" val="1083252038"/>
+                  </a:ext>
+                </a:extLst>
+              </a:tr>
+              <a:tr h="1109972">
+                <a:tc gridSpan="2">
+                  <a:txBody>
+                    <a:bodyPr/>
+                    <a:lstStyle/>
+                    <a:p>
+                      <a:pPr marL="0" marR="0" lvl="0" indent="0" algn="l" defTabSz="914400" rtl="0" eaLnBrk="1" fontAlgn="auto" latinLnBrk="0" hangingPunct="1">
+                        <a:lnSpc>
+                          <a:spcPct val="100000"/>
+                        </a:lnSpc>
+                        <a:spcBef>
+                          <a:spcPts val="0"/>
+                        </a:spcBef>
+                        <a:spcAft>
+                          <a:spcPts val="0"/>
+                        </a:spcAft>
+                        <a:buClrTx/>
+                        <a:buSzTx/>
+                        <a:buFontTx/>
+                        <a:buNone/>
+                        <a:tabLst/>
+                        <a:defRPr/>
+                      </a:pPr>
+                      <a:r>
+                        <a:rPr lang="en-US" b="1" dirty="0"/>
+                        <a:t>I2C</a:t>
+                      </a:r>
+                    </a:p>
+                    <a:p>
+                      <a:pPr marL="285750" indent="-285750">
+                        <a:buFont typeface="Arial" panose="020B0604020202020204" pitchFamily="34" charset="0"/>
+                        <a:buChar char="•"/>
+                      </a:pPr>
+                      <a:r>
+                        <a:rPr lang="en-US" sz="1800" b="0" i="0" kern="1200" dirty="0">
+                          <a:solidFill>
+                            <a:schemeClr val="dk1"/>
+                          </a:solidFill>
+                          <a:effectLst/>
+                          <a:latin typeface="+mn-lt"/>
+                          <a:ea typeface="+mn-ea"/>
+                          <a:cs typeface="+mn-cs"/>
+                        </a:rPr>
+                        <a:t>Synchronous</a:t>
+                      </a:r>
+                    </a:p>
+                    <a:p>
+                      <a:pPr marL="285750" indent="-285750">
+                        <a:buFont typeface="Arial" panose="020B0604020202020204" pitchFamily="34" charset="0"/>
+                        <a:buChar char="•"/>
+                      </a:pPr>
+                      <a:r>
+                        <a:rPr lang="en-US" sz="1800" b="0" i="0" kern="1200" dirty="0">
+                          <a:solidFill>
+                            <a:schemeClr val="dk1"/>
+                          </a:solidFill>
+                          <a:effectLst/>
+                          <a:latin typeface="+mn-lt"/>
+                          <a:ea typeface="+mn-ea"/>
+                          <a:cs typeface="+mn-cs"/>
+                        </a:rPr>
+                        <a:t>Two bidirectional lines  (data + Clock)</a:t>
+                      </a:r>
+                    </a:p>
+                    <a:p>
+                      <a:pPr marL="285750" indent="-285750">
+                        <a:buFont typeface="Arial" panose="020B0604020202020204" pitchFamily="34" charset="0"/>
+                        <a:buChar char="•"/>
+                      </a:pPr>
+                      <a:r>
+                        <a:rPr lang="en-US" sz="1800" b="0" i="0" kern="1200" dirty="0">
+                          <a:solidFill>
+                            <a:schemeClr val="dk1"/>
+                          </a:solidFill>
+                          <a:effectLst/>
+                          <a:latin typeface="+mn-lt"/>
+                          <a:ea typeface="+mn-ea"/>
+                          <a:cs typeface="+mn-cs"/>
+                        </a:rPr>
+                        <a:t>Multi-drop and Multi-master</a:t>
+                      </a:r>
+                    </a:p>
+                    <a:p>
+                      <a:pPr marL="285750" indent="-285750">
+                        <a:buFont typeface="Arial" panose="020B0604020202020204" pitchFamily="34" charset="0"/>
+                        <a:buChar char="•"/>
+                      </a:pPr>
+                      <a:r>
+                        <a:rPr lang="en-US" sz="1800" b="0" i="0" kern="1200" dirty="0">
+                          <a:solidFill>
+                            <a:schemeClr val="dk1"/>
+                          </a:solidFill>
+                          <a:effectLst/>
+                          <a:latin typeface="+mn-lt"/>
+                          <a:ea typeface="+mn-ea"/>
+                          <a:cs typeface="+mn-cs"/>
+                        </a:rPr>
+                        <a:t>Performant (5Mhz)</a:t>
+                      </a:r>
+                    </a:p>
+                    <a:p>
+                      <a:pPr marL="285750" indent="-285750">
+                        <a:buFont typeface="Arial" panose="020B0604020202020204" pitchFamily="34" charset="0"/>
+                        <a:buChar char="•"/>
+                      </a:pPr>
+                      <a:r>
+                        <a:rPr lang="en-US" sz="1800" b="0" i="0" kern="1200" dirty="0">
+                          <a:solidFill>
+                            <a:schemeClr val="dk1"/>
+                          </a:solidFill>
+                          <a:effectLst/>
+                          <a:latin typeface="+mn-lt"/>
+                          <a:ea typeface="+mn-ea"/>
+                          <a:cs typeface="+mn-cs"/>
+                        </a:rPr>
+                        <a:t>Short to Medium distances</a:t>
+                      </a:r>
+                      <a:endParaRPr lang="en-US" b="0" dirty="0"/>
+                    </a:p>
+                  </a:txBody>
+                  <a:tcPr/>
+                </a:tc>
+                <a:tc hMerge="1">
+                  <a:txBody>
+                    <a:bodyPr/>
+                    <a:lstStyle/>
+                    <a:p>
+                      <a:endParaRPr lang="en-US"/>
+                    </a:p>
+                  </a:txBody>
+                  <a:tcPr/>
+                </a:tc>
+                <a:tc>
+                  <a:txBody>
+                    <a:bodyPr/>
+                    <a:lstStyle/>
+                    <a:p>
+                      <a:pPr marL="0" marR="0" lvl="0" indent="0" algn="l" defTabSz="914400" rtl="0" eaLnBrk="1" fontAlgn="auto" latinLnBrk="0" hangingPunct="1">
+                        <a:lnSpc>
+                          <a:spcPct val="100000"/>
+                        </a:lnSpc>
+                        <a:spcBef>
+                          <a:spcPts val="0"/>
+                        </a:spcBef>
+                        <a:spcAft>
+                          <a:spcPts val="0"/>
+                        </a:spcAft>
+                        <a:buClrTx/>
+                        <a:buSzTx/>
+                        <a:buFontTx/>
+                        <a:buNone/>
+                        <a:tabLst/>
+                        <a:defRPr/>
+                      </a:pPr>
+                      <a:r>
+                        <a:rPr lang="en-US" sz="1800" b="1" i="0" kern="1200" dirty="0">
+                          <a:solidFill>
+                            <a:schemeClr val="dk1"/>
+                          </a:solidFill>
+                          <a:effectLst/>
+                          <a:latin typeface="+mn-lt"/>
+                          <a:ea typeface="+mn-ea"/>
+                          <a:cs typeface="+mn-cs"/>
+                        </a:rPr>
+                        <a:t>CAN</a:t>
+                      </a:r>
+                    </a:p>
+                    <a:p>
+                      <a:pPr marL="285750" indent="-285750">
+                        <a:buFont typeface="Arial" panose="020B0604020202020204" pitchFamily="34" charset="0"/>
+                        <a:buChar char="•"/>
+                      </a:pPr>
+                      <a:r>
+                        <a:rPr lang="en-US" sz="1800" b="0" i="0" kern="1200" dirty="0">
+                          <a:solidFill>
+                            <a:schemeClr val="dk1"/>
+                          </a:solidFill>
+                          <a:effectLst/>
+                          <a:latin typeface="+mn-lt"/>
+                          <a:ea typeface="+mn-ea"/>
+                          <a:cs typeface="+mn-cs"/>
+                        </a:rPr>
+                        <a:t>Multidrop</a:t>
+                      </a:r>
+                    </a:p>
+                    <a:p>
+                      <a:pPr marL="285750" indent="-285750">
+                        <a:buFont typeface="Arial" panose="020B0604020202020204" pitchFamily="34" charset="0"/>
+                        <a:buChar char="•"/>
+                      </a:pPr>
+                      <a:r>
+                        <a:rPr lang="en-US" sz="1800" b="0" i="0" kern="1200" dirty="0">
+                          <a:solidFill>
+                            <a:schemeClr val="dk1"/>
+                          </a:solidFill>
+                          <a:effectLst/>
+                          <a:latin typeface="+mn-lt"/>
+                          <a:ea typeface="+mn-ea"/>
+                          <a:cs typeface="+mn-cs"/>
+                        </a:rPr>
+                        <a:t>Moderately Performant (1Mhz)</a:t>
+                      </a:r>
+                    </a:p>
+                    <a:p>
+                      <a:pPr marL="285750" indent="-285750">
+                        <a:buFont typeface="Arial" panose="020B0604020202020204" pitchFamily="34" charset="0"/>
+                        <a:buChar char="•"/>
+                      </a:pPr>
+                      <a:r>
+                        <a:rPr lang="en-US" sz="1800" b="0" i="0" kern="1200" dirty="0">
+                          <a:solidFill>
+                            <a:schemeClr val="dk1"/>
+                          </a:solidFill>
+                          <a:effectLst/>
+                          <a:latin typeface="+mn-lt"/>
+                          <a:ea typeface="+mn-ea"/>
+                          <a:cs typeface="+mn-cs"/>
+                        </a:rPr>
+                        <a:t>Distance is not a practical issue.</a:t>
+                      </a:r>
+                    </a:p>
+                    <a:p>
+                      <a:pPr marL="285750" indent="-285750">
+                        <a:buFont typeface="Arial" panose="020B0604020202020204" pitchFamily="34" charset="0"/>
+                        <a:buChar char="•"/>
+                      </a:pPr>
+                      <a:r>
+                        <a:rPr lang="en-US" sz="1800" b="0" i="0" kern="1200" dirty="0">
+                          <a:solidFill>
+                            <a:schemeClr val="dk1"/>
+                          </a:solidFill>
+                          <a:effectLst/>
+                          <a:latin typeface="+mn-lt"/>
+                          <a:ea typeface="+mn-ea"/>
+                          <a:cs typeface="+mn-cs"/>
+                        </a:rPr>
+                        <a:t>Used as the Layout Control Bus on many MERG kits.</a:t>
+                      </a:r>
+                      <a:endParaRPr lang="en-US" b="0" dirty="0"/>
+                    </a:p>
+                  </a:txBody>
+                  <a:tcPr/>
+                </a:tc>
+                <a:extLst>
+                  <a:ext uri="{0D108BD9-81ED-4DB2-BD59-A6C34878D82A}">
+                    <a16:rowId xmlns:a16="http://schemas.microsoft.com/office/drawing/2014/main" val="2494442280"/>
+                  </a:ext>
+                </a:extLst>
+              </a:tr>
+              <a:tr h="1025778">
+                <a:tc gridSpan="2">
+                  <a:txBody>
+                    <a:bodyPr/>
+                    <a:lstStyle/>
+                    <a:p>
+                      <a:pPr marL="0" marR="0" lvl="0" indent="0" algn="l" defTabSz="914400" rtl="0" eaLnBrk="1" fontAlgn="auto" latinLnBrk="0" hangingPunct="1">
+                        <a:lnSpc>
+                          <a:spcPct val="100000"/>
+                        </a:lnSpc>
+                        <a:spcBef>
+                          <a:spcPts val="0"/>
+                        </a:spcBef>
+                        <a:spcAft>
+                          <a:spcPts val="0"/>
+                        </a:spcAft>
+                        <a:buClrTx/>
+                        <a:buSzTx/>
+                        <a:buFontTx/>
+                        <a:buNone/>
+                        <a:tabLst/>
+                        <a:defRPr/>
+                      </a:pPr>
+                      <a:r>
+                        <a:rPr lang="en-US" b="1" dirty="0"/>
+                        <a:t>SPI</a:t>
+                      </a:r>
+                    </a:p>
+                    <a:p>
+                      <a:pPr marL="285750" marR="0" lvl="0" indent="-285750" algn="l" defTabSz="914400" rtl="0" eaLnBrk="1" fontAlgn="auto" latinLnBrk="0" hangingPunct="1">
+                        <a:lnSpc>
+                          <a:spcPct val="100000"/>
+                        </a:lnSpc>
+                        <a:spcBef>
+                          <a:spcPts val="0"/>
+                        </a:spcBef>
+                        <a:spcAft>
+                          <a:spcPts val="0"/>
+                        </a:spcAft>
+                        <a:buClrTx/>
+                        <a:buSzTx/>
+                        <a:buFont typeface="Arial" panose="020B0604020202020204" pitchFamily="34" charset="0"/>
+                        <a:buChar char="•"/>
+                        <a:tabLst/>
+                        <a:defRPr/>
+                      </a:pPr>
+                      <a:r>
+                        <a:rPr lang="en-US" sz="1800" b="0" i="0" kern="1200" dirty="0">
+                          <a:solidFill>
+                            <a:schemeClr val="dk1"/>
+                          </a:solidFill>
+                          <a:effectLst/>
+                          <a:latin typeface="+mn-lt"/>
+                          <a:ea typeface="+mn-ea"/>
+                          <a:cs typeface="+mn-cs"/>
+                        </a:rPr>
+                        <a:t>Synchronous (2 Wire + Clock)</a:t>
+                      </a:r>
+                    </a:p>
+                    <a:p>
+                      <a:pPr marL="285750" indent="-285750">
+                        <a:buFont typeface="Arial" panose="020B0604020202020204" pitchFamily="34" charset="0"/>
+                        <a:buChar char="•"/>
+                      </a:pPr>
+                      <a:r>
+                        <a:rPr lang="en-US" sz="1800" b="0" i="0" kern="1200" dirty="0">
+                          <a:solidFill>
+                            <a:schemeClr val="dk1"/>
+                          </a:solidFill>
+                          <a:effectLst/>
+                          <a:latin typeface="+mn-lt"/>
+                          <a:ea typeface="+mn-ea"/>
+                          <a:cs typeface="+mn-cs"/>
+                        </a:rPr>
+                        <a:t>Multi drop (but not multi-master)</a:t>
+                      </a:r>
+                    </a:p>
+                    <a:p>
+                      <a:pPr marL="285750" indent="-285750">
+                        <a:buFont typeface="Arial" panose="020B0604020202020204" pitchFamily="34" charset="0"/>
+                        <a:buChar char="•"/>
+                      </a:pPr>
+                      <a:r>
+                        <a:rPr lang="en-US" sz="1800" b="0" i="0" kern="1200" dirty="0">
+                          <a:solidFill>
+                            <a:schemeClr val="dk1"/>
+                          </a:solidFill>
+                          <a:effectLst/>
+                          <a:latin typeface="+mn-lt"/>
+                          <a:ea typeface="+mn-ea"/>
+                          <a:cs typeface="+mn-cs"/>
+                        </a:rPr>
+                        <a:t>Very Performant</a:t>
+                      </a:r>
+                    </a:p>
+                    <a:p>
+                      <a:pPr marL="285750" indent="-285750">
+                        <a:buFont typeface="Arial" panose="020B0604020202020204" pitchFamily="34" charset="0"/>
+                        <a:buChar char="•"/>
+                      </a:pPr>
+                      <a:r>
+                        <a:rPr lang="en-US" sz="1800" b="0" i="0" kern="1200" dirty="0">
+                          <a:solidFill>
+                            <a:schemeClr val="dk1"/>
+                          </a:solidFill>
+                          <a:effectLst/>
+                          <a:latin typeface="+mn-lt"/>
+                          <a:ea typeface="+mn-ea"/>
+                          <a:cs typeface="+mn-cs"/>
+                        </a:rPr>
+                        <a:t>Short to Medium distances</a:t>
+                      </a:r>
+                      <a:endParaRPr lang="en-US" b="0" dirty="0"/>
+                    </a:p>
+                  </a:txBody>
+                  <a:tcPr/>
+                </a:tc>
+                <a:tc hMerge="1">
+                  <a:txBody>
+                    <a:bodyPr/>
+                    <a:lstStyle/>
+                    <a:p>
+                      <a:endParaRPr lang="en-US"/>
+                    </a:p>
+                  </a:txBody>
+                  <a:tcPr/>
+                </a:tc>
+                <a:tc>
+                  <a:txBody>
+                    <a:bodyPr/>
+                    <a:lstStyle/>
+                    <a:p>
+                      <a:endParaRPr lang="en-US" dirty="0"/>
+                    </a:p>
+                  </a:txBody>
+                  <a:tcPr/>
+                </a:tc>
+                <a:extLst>
+                  <a:ext uri="{0D108BD9-81ED-4DB2-BD59-A6C34878D82A}">
+                    <a16:rowId xmlns:a16="http://schemas.microsoft.com/office/drawing/2014/main" val="1235703702"/>
+                  </a:ext>
+                </a:extLst>
+              </a:tr>
+            </a:tbl>
+          </a:graphicData>
+        </a:graphic>
+      </p:graphicFrame>
+      <p:sp>
+        <p:nvSpPr>
+          <p:cNvPr id="8" name="Subtitle 2">
+            <a:extLst>
+              <a:ext uri="{FF2B5EF4-FFF2-40B4-BE49-F238E27FC236}">
+                <a16:creationId xmlns:a16="http://schemas.microsoft.com/office/drawing/2014/main" id="{7AFF94B5-A049-2183-7DF4-C57A515AC81C}"/>
+              </a:ext>
+            </a:extLst>
+          </p:cNvPr>
+          <p:cNvSpPr txBox="1">
+            <a:spLocks/>
+          </p:cNvSpPr>
+          <p:nvPr/>
+        </p:nvSpPr>
+        <p:spPr>
+          <a:xfrm>
+            <a:off x="560718" y="6177560"/>
+            <a:ext cx="1357223" cy="558771"/>
+          </a:xfrm>
+          <a:prstGeom prst="rect">
+            <a:avLst/>
+          </a:prstGeom>
+        </p:spPr>
+        <p:txBody>
+          <a:bodyPr vert="horz" lIns="91440" tIns="45720" rIns="91440" bIns="45720" rtlCol="0">
+            <a:noAutofit/>
+          </a:bodyPr>
+          <a:lstStyle>
+            <a:lvl1pPr marL="0" indent="0" algn="ctr" defTabSz="914400" rtl="0" eaLnBrk="1" latinLnBrk="0" hangingPunct="1">
+              <a:lnSpc>
+                <a:spcPct val="90000"/>
+              </a:lnSpc>
+              <a:spcBef>
+                <a:spcPts val="1000"/>
+              </a:spcBef>
+              <a:buFont typeface="Arial" panose="020B0604020202020204" pitchFamily="34" charset="0"/>
+              <a:buNone/>
+              <a:defRPr sz="2400" kern="1200">
+                <a:solidFill>
+                  <a:schemeClr val="tx1"/>
+                </a:solidFill>
+                <a:latin typeface="+mn-lt"/>
+                <a:ea typeface="+mn-ea"/>
+                <a:cs typeface="+mn-cs"/>
+              </a:defRPr>
+            </a:lvl1pPr>
+            <a:lvl2pPr marL="457200" indent="0" algn="ctr" defTabSz="914400" rtl="0" eaLnBrk="1" latinLnBrk="0" hangingPunct="1">
+              <a:lnSpc>
+                <a:spcPct val="90000"/>
+              </a:lnSpc>
+              <a:spcBef>
+                <a:spcPts val="500"/>
+              </a:spcBef>
+              <a:buFont typeface="Arial" panose="020B0604020202020204" pitchFamily="34" charset="0"/>
+              <a:buNone/>
+              <a:defRPr sz="2000" kern="1200">
+                <a:solidFill>
+                  <a:schemeClr val="tx1"/>
+                </a:solidFill>
+                <a:latin typeface="+mn-lt"/>
+                <a:ea typeface="+mn-ea"/>
+                <a:cs typeface="+mn-cs"/>
+              </a:defRPr>
+            </a:lvl2pPr>
+            <a:lvl3pPr marL="914400" indent="0" algn="ctr" defTabSz="914400" rtl="0" eaLnBrk="1" latinLnBrk="0" hangingPunct="1">
+              <a:lnSpc>
+                <a:spcPct val="90000"/>
+              </a:lnSpc>
+              <a:spcBef>
+                <a:spcPts val="500"/>
+              </a:spcBef>
+              <a:buFont typeface="Arial" panose="020B0604020202020204" pitchFamily="34" charset="0"/>
+              <a:buNone/>
+              <a:defRPr sz="1800" kern="1200">
+                <a:solidFill>
+                  <a:schemeClr val="tx1"/>
+                </a:solidFill>
+                <a:latin typeface="+mn-lt"/>
+                <a:ea typeface="+mn-ea"/>
+                <a:cs typeface="+mn-cs"/>
+              </a:defRPr>
+            </a:lvl3pPr>
+            <a:lvl4pPr marL="1371600" indent="0" algn="ctr" defTabSz="914400" rtl="0" eaLnBrk="1" latinLnBrk="0" hangingPunct="1">
+              <a:lnSpc>
+                <a:spcPct val="90000"/>
+              </a:lnSpc>
+              <a:spcBef>
+                <a:spcPts val="500"/>
+              </a:spcBef>
+              <a:buFont typeface="Arial" panose="020B0604020202020204" pitchFamily="34" charset="0"/>
+              <a:buNone/>
+              <a:defRPr sz="1600" kern="1200">
+                <a:solidFill>
+                  <a:schemeClr val="tx1"/>
+                </a:solidFill>
+                <a:latin typeface="+mn-lt"/>
+                <a:ea typeface="+mn-ea"/>
+                <a:cs typeface="+mn-cs"/>
+              </a:defRPr>
+            </a:lvl4pPr>
+            <a:lvl5pPr marL="1828800" indent="0" algn="ctr" defTabSz="914400" rtl="0" eaLnBrk="1" latinLnBrk="0" hangingPunct="1">
+              <a:lnSpc>
+                <a:spcPct val="90000"/>
+              </a:lnSpc>
+              <a:spcBef>
+                <a:spcPts val="500"/>
+              </a:spcBef>
+              <a:buFont typeface="Arial" panose="020B0604020202020204" pitchFamily="34" charset="0"/>
+              <a:buNone/>
+              <a:defRPr sz="1600" kern="1200">
+                <a:solidFill>
+                  <a:schemeClr val="tx1"/>
+                </a:solidFill>
+                <a:latin typeface="+mn-lt"/>
+                <a:ea typeface="+mn-ea"/>
+                <a:cs typeface="+mn-cs"/>
+              </a:defRPr>
+            </a:lvl5pPr>
+            <a:lvl6pPr marL="2286000" indent="0" algn="ctr" defTabSz="914400" rtl="0" eaLnBrk="1" latinLnBrk="0" hangingPunct="1">
+              <a:lnSpc>
+                <a:spcPct val="90000"/>
+              </a:lnSpc>
+              <a:spcBef>
+                <a:spcPts val="500"/>
+              </a:spcBef>
+              <a:buFont typeface="Arial" panose="020B0604020202020204" pitchFamily="34" charset="0"/>
+              <a:buNone/>
+              <a:defRPr sz="1600" kern="1200">
+                <a:solidFill>
+                  <a:schemeClr val="tx1"/>
+                </a:solidFill>
+                <a:latin typeface="+mn-lt"/>
+                <a:ea typeface="+mn-ea"/>
+                <a:cs typeface="+mn-cs"/>
+              </a:defRPr>
+            </a:lvl6pPr>
+            <a:lvl7pPr marL="2743200" indent="0" algn="ctr" defTabSz="914400" rtl="0" eaLnBrk="1" latinLnBrk="0" hangingPunct="1">
+              <a:lnSpc>
+                <a:spcPct val="90000"/>
+              </a:lnSpc>
+              <a:spcBef>
+                <a:spcPts val="500"/>
+              </a:spcBef>
+              <a:buFont typeface="Arial" panose="020B0604020202020204" pitchFamily="34" charset="0"/>
+              <a:buNone/>
+              <a:defRPr sz="1600" kern="1200">
+                <a:solidFill>
+                  <a:schemeClr val="tx1"/>
+                </a:solidFill>
+                <a:latin typeface="+mn-lt"/>
+                <a:ea typeface="+mn-ea"/>
+                <a:cs typeface="+mn-cs"/>
+              </a:defRPr>
+            </a:lvl7pPr>
+            <a:lvl8pPr marL="3200400" indent="0" algn="ctr" defTabSz="914400" rtl="0" eaLnBrk="1" latinLnBrk="0" hangingPunct="1">
+              <a:lnSpc>
+                <a:spcPct val="90000"/>
+              </a:lnSpc>
+              <a:spcBef>
+                <a:spcPts val="500"/>
+              </a:spcBef>
+              <a:buFont typeface="Arial" panose="020B0604020202020204" pitchFamily="34" charset="0"/>
+              <a:buNone/>
+              <a:defRPr sz="1600" kern="1200">
+                <a:solidFill>
+                  <a:schemeClr val="tx1"/>
+                </a:solidFill>
+                <a:latin typeface="+mn-lt"/>
+                <a:ea typeface="+mn-ea"/>
+                <a:cs typeface="+mn-cs"/>
+              </a:defRPr>
+            </a:lvl8pPr>
+            <a:lvl9pPr marL="3657600" indent="0" algn="ctr" defTabSz="914400" rtl="0" eaLnBrk="1" latinLnBrk="0" hangingPunct="1">
+              <a:lnSpc>
+                <a:spcPct val="90000"/>
+              </a:lnSpc>
+              <a:spcBef>
+                <a:spcPts val="500"/>
+              </a:spcBef>
+              <a:buFont typeface="Arial" panose="020B0604020202020204" pitchFamily="34" charset="0"/>
+              <a:buNone/>
+              <a:defRPr sz="1600" kern="1200">
+                <a:solidFill>
+                  <a:schemeClr val="tx1"/>
+                </a:solidFill>
+                <a:latin typeface="+mn-lt"/>
+                <a:ea typeface="+mn-ea"/>
+                <a:cs typeface="+mn-cs"/>
+              </a:defRPr>
+            </a:lvl9pPr>
+          </a:lstStyle>
+          <a:p>
+            <a:endParaRPr lang="en-US" sz="3200" b="1" dirty="0">
+              <a:solidFill>
+                <a:schemeClr val="accent1">
+                  <a:lumMod val="60000"/>
+                  <a:lumOff val="40000"/>
+                </a:schemeClr>
+              </a:solidFill>
+              <a:latin typeface="MERG_Logo" pitchFamily="2" charset="0"/>
+            </a:endParaRPr>
+          </a:p>
+        </p:txBody>
+      </p:sp>
+      <p:pic>
+        <p:nvPicPr>
+          <p:cNvPr id="9" name="Picture 8">
+            <a:extLst>
+              <a:ext uri="{FF2B5EF4-FFF2-40B4-BE49-F238E27FC236}">
+                <a16:creationId xmlns:a16="http://schemas.microsoft.com/office/drawing/2014/main" id="{8BDECE6B-87DF-5CB2-739B-0063A17FCC98}"/>
+              </a:ext>
+            </a:extLst>
+          </p:cNvPr>
+          <p:cNvPicPr>
+            <a:picLocks noChangeAspect="1"/>
+          </p:cNvPicPr>
+          <p:nvPr/>
+        </p:nvPicPr>
+        <p:blipFill>
+          <a:blip r:embed="rId2" cstate="email">
+            <a:extLst>
+              <a:ext uri="{28A0092B-C50C-407E-A947-70E740481C1C}">
+                <a14:useLocalDpi xmlns:a14="http://schemas.microsoft.com/office/drawing/2010/main"/>
+              </a:ext>
+            </a:extLst>
+          </a:blip>
+          <a:stretch>
+            <a:fillRect/>
+          </a:stretch>
+        </p:blipFill>
+        <p:spPr>
+          <a:xfrm>
+            <a:off x="10749400" y="6239363"/>
+            <a:ext cx="1116784" cy="496968"/>
+          </a:xfrm>
+          <a:prstGeom prst="rect">
+            <a:avLst/>
+          </a:prstGeom>
+        </p:spPr>
+      </p:pic>
+      <p:sp>
+        <p:nvSpPr>
+          <p:cNvPr id="2" name="TextBox 1">
+            <a:extLst>
+              <a:ext uri="{FF2B5EF4-FFF2-40B4-BE49-F238E27FC236}">
+                <a16:creationId xmlns:a16="http://schemas.microsoft.com/office/drawing/2014/main" id="{9AD0A64A-E3CF-1BFC-3C44-92607AC42E14}"/>
+              </a:ext>
+            </a:extLst>
+          </p:cNvPr>
+          <p:cNvSpPr txBox="1"/>
+          <p:nvPr/>
+        </p:nvSpPr>
+        <p:spPr>
+          <a:xfrm>
+            <a:off x="685800" y="6060426"/>
+            <a:ext cx="11090694" cy="523220"/>
+          </a:xfrm>
+          <a:prstGeom prst="rect">
+            <a:avLst/>
+          </a:prstGeom>
+          <a:noFill/>
+        </p:spPr>
+        <p:txBody>
+          <a:bodyPr wrap="square" rtlCol="0">
+            <a:spAutoFit/>
+          </a:bodyPr>
+          <a:lstStyle/>
+          <a:p>
+            <a:r>
+              <a:rPr lang="en-US" sz="1400" dirty="0"/>
+              <a:t>Some material on this and the following slides was extracted with permission from a forum posting by </a:t>
+            </a:r>
+            <a:r>
+              <a:rPr lang="en-US" sz="1400" dirty="0" err="1"/>
+              <a:t>ElectricDave</a:t>
+            </a:r>
+            <a:r>
+              <a:rPr lang="en-US" sz="1400" dirty="0"/>
+              <a:t>:</a:t>
+            </a:r>
+          </a:p>
+          <a:p>
+            <a:r>
+              <a:rPr lang="en-US" sz="1400" dirty="0">
+                <a:hlinkClick r:id="rId3"/>
+              </a:rPr>
+              <a:t>https://www.merg.org.uk/forum/viewtopic.php?p=172961#p172961</a:t>
+            </a:r>
+            <a:endParaRPr lang="en-US" sz="1400" dirty="0"/>
+          </a:p>
+        </p:txBody>
+      </p:sp>
+    </p:spTree>
+    <p:extLst>
+      <p:ext uri="{BB962C8B-B14F-4D97-AF65-F5344CB8AC3E}">
+        <p14:creationId xmlns:p14="http://schemas.microsoft.com/office/powerpoint/2010/main" val="4158339450"/>
+      </p:ext>
+    </p:extLst>
+  </p:cSld>
+  <p:clrMapOvr>
+    <a:masterClrMapping/>
+  </p:clrMapOvr>
+</p:sld>
+</file>
+
+<file path=ppt/slides/slide37.xml><?xml version="1.0" encoding="utf-8"?>
+<p:sld xmlns:a="http://schemas.openxmlformats.org/drawingml/2006/main" xmlns:r="http://schemas.openxmlformats.org/officeDocument/2006/relationships" xmlns:p="http://schemas.openxmlformats.org/presentationml/2006/main">
+  <p:cSld>
+    <p:spTree>
+      <p:nvGrpSpPr>
+        <p:cNvPr id="1" name=""/>
+        <p:cNvGrpSpPr/>
+        <p:nvPr/>
+      </p:nvGrpSpPr>
+      <p:grpSpPr>
+        <a:xfrm>
+          <a:off x="0" y="0"/>
+          <a:ext cx="0" cy="0"/>
+          <a:chOff x="0" y="0"/>
+          <a:chExt cx="0" cy="0"/>
+        </a:xfrm>
+      </p:grpSpPr>
+      <p:graphicFrame>
+        <p:nvGraphicFramePr>
+          <p:cNvPr id="7" name="Table 7">
+            <a:extLst>
+              <a:ext uri="{FF2B5EF4-FFF2-40B4-BE49-F238E27FC236}">
+                <a16:creationId xmlns:a16="http://schemas.microsoft.com/office/drawing/2014/main" id="{9B2F03AA-E6B2-4CB4-910F-7DA903FD6ED6}"/>
+              </a:ext>
+            </a:extLst>
+          </p:cNvPr>
+          <p:cNvGraphicFramePr>
+            <a:graphicFrameLocks noGrp="1"/>
+          </p:cNvGraphicFramePr>
+          <p:nvPr>
+            <p:extLst>
+              <p:ext uri="{D42A27DB-BD31-4B8C-83A1-F6EECF244321}">
+                <p14:modId xmlns:p14="http://schemas.microsoft.com/office/powerpoint/2010/main" val="1184423227"/>
               </p:ext>
             </p:extLst>
           </p:nvPr>
         </p:nvGraphicFramePr>
         <p:xfrm>
           <a:off x="415505" y="391004"/>
-          <a:ext cx="11360989" cy="5706146"/>
+          <a:ext cx="11385431" cy="5848194"/>
+        </p:xfrm>
+        <a:graphic>
+          <a:graphicData uri="http://schemas.openxmlformats.org/drawingml/2006/table">
+            <a:tbl>
+              <a:tblPr firstRow="1" bandRow="1">
+                <a:tableStyleId>{5C22544A-7EE6-4342-B048-85BDC9FD1C3A}</a:tableStyleId>
+              </a:tblPr>
+              <a:tblGrid>
+                <a:gridCol w="912963">
+                  <a:extLst>
+                    <a:ext uri="{9D8B030D-6E8A-4147-A177-3AD203B41FA5}">
+                      <a16:colId xmlns:a16="http://schemas.microsoft.com/office/drawing/2014/main" val="747525499"/>
+                    </a:ext>
+                  </a:extLst>
+                </a:gridCol>
+                <a:gridCol w="4787660">
+                  <a:extLst>
+                    <a:ext uri="{9D8B030D-6E8A-4147-A177-3AD203B41FA5}">
+                      <a16:colId xmlns:a16="http://schemas.microsoft.com/office/drawing/2014/main" val="2892156475"/>
+                    </a:ext>
+                  </a:extLst>
+                </a:gridCol>
+                <a:gridCol w="5684808">
+                  <a:extLst>
+                    <a:ext uri="{9D8B030D-6E8A-4147-A177-3AD203B41FA5}">
+                      <a16:colId xmlns:a16="http://schemas.microsoft.com/office/drawing/2014/main" val="3449804923"/>
+                    </a:ext>
+                  </a:extLst>
+                </a:gridCol>
+              </a:tblGrid>
+              <a:tr h="890459">
+                <a:tc>
+                  <a:txBody>
+                    <a:bodyPr/>
+                    <a:lstStyle/>
+                    <a:p>
+                      <a:endParaRPr lang="en-US" sz="4400" dirty="0"/>
+                    </a:p>
+                  </a:txBody>
+                  <a:tcPr/>
+                </a:tc>
+                <a:tc>
+                  <a:txBody>
+                    <a:bodyPr/>
+                    <a:lstStyle/>
+                    <a:p>
+                      <a:r>
+                        <a:rPr lang="en-US" sz="4400" dirty="0">
+                          <a:solidFill>
+                            <a:srgbClr val="FFFF00"/>
+                          </a:solidFill>
+                        </a:rPr>
+                        <a:t>Simple Serial</a:t>
+                      </a:r>
+                    </a:p>
+                  </a:txBody>
+                  <a:tcPr/>
+                </a:tc>
+                <a:tc>
+                  <a:txBody>
+                    <a:bodyPr/>
+                    <a:lstStyle/>
+                    <a:p>
+                      <a:pPr marL="0" marR="0" lvl="0" indent="0" algn="l" defTabSz="914400" rtl="0" eaLnBrk="1" fontAlgn="auto" latinLnBrk="0" hangingPunct="1">
+                        <a:lnSpc>
+                          <a:spcPct val="100000"/>
+                        </a:lnSpc>
+                        <a:spcBef>
+                          <a:spcPts val="0"/>
+                        </a:spcBef>
+                        <a:spcAft>
+                          <a:spcPts val="0"/>
+                        </a:spcAft>
+                        <a:buClrTx/>
+                        <a:buSzTx/>
+                        <a:buFontTx/>
+                        <a:buNone/>
+                        <a:tabLst/>
+                        <a:defRPr/>
+                      </a:pPr>
+                      <a:r>
+                        <a:rPr lang="en-US" sz="4400" b="1" kern="1200" dirty="0">
+                          <a:solidFill>
+                            <a:schemeClr val="lt1"/>
+                          </a:solidFill>
+                          <a:latin typeface="+mn-lt"/>
+                          <a:ea typeface="+mn-ea"/>
+                          <a:cs typeface="+mn-cs"/>
+                        </a:rPr>
+                        <a:t>Serial Communications</a:t>
+                      </a:r>
+                    </a:p>
+                  </a:txBody>
+                  <a:tcPr/>
+                </a:tc>
+                <a:extLst>
+                  <a:ext uri="{0D108BD9-81ED-4DB2-BD59-A6C34878D82A}">
+                    <a16:rowId xmlns:a16="http://schemas.microsoft.com/office/drawing/2014/main" val="4166713368"/>
+                  </a:ext>
+                </a:extLst>
+              </a:tr>
+              <a:tr h="788877">
+                <a:tc gridSpan="2">
+                  <a:txBody>
+                    <a:bodyPr/>
+                    <a:lstStyle/>
+                    <a:p>
+                      <a:r>
+                        <a:rPr lang="en-US" sz="1600" b="1" dirty="0"/>
+                        <a:t>Usage:</a:t>
+                      </a:r>
+                    </a:p>
+                    <a:p>
+                      <a:r>
+                        <a:rPr lang="en-US" sz="1600" dirty="0"/>
+                        <a:t>Relatively slow point to point communications over short distances.</a:t>
+                      </a:r>
+                    </a:p>
+                  </a:txBody>
+                  <a:tcPr/>
+                </a:tc>
+                <a:tc hMerge="1">
+                  <a:txBody>
+                    <a:bodyPr/>
+                    <a:lstStyle/>
+                    <a:p>
+                      <a:endParaRPr lang="en-US"/>
+                    </a:p>
+                  </a:txBody>
+                  <a:tcPr/>
+                </a:tc>
+                <a:tc>
+                  <a:txBody>
+                    <a:bodyPr/>
+                    <a:lstStyle/>
+                    <a:p>
+                      <a:r>
+                        <a:rPr lang="en-US" sz="1600" b="1" dirty="0"/>
+                        <a:t>Photo</a:t>
+                      </a:r>
+                      <a:r>
+                        <a:rPr lang="en-US" sz="1600" dirty="0"/>
+                        <a:t>:</a:t>
+                      </a:r>
+                    </a:p>
+                    <a:p>
+                      <a:endParaRPr lang="en-US" sz="1600" dirty="0"/>
+                    </a:p>
+                  </a:txBody>
+                  <a:tcPr/>
+                </a:tc>
+                <a:extLst>
+                  <a:ext uri="{0D108BD9-81ED-4DB2-BD59-A6C34878D82A}">
+                    <a16:rowId xmlns:a16="http://schemas.microsoft.com/office/drawing/2014/main" val="1083252038"/>
+                  </a:ext>
+                </a:extLst>
+              </a:tr>
+              <a:tr h="1604935">
+                <a:tc gridSpan="2">
+                  <a:txBody>
+                    <a:bodyPr/>
+                    <a:lstStyle/>
+                    <a:p>
+                      <a:pPr marL="0" marR="0" lvl="0" indent="0" algn="l" defTabSz="914400" rtl="0" eaLnBrk="1" fontAlgn="auto" latinLnBrk="0" hangingPunct="1">
+                        <a:lnSpc>
+                          <a:spcPct val="100000"/>
+                        </a:lnSpc>
+                        <a:spcBef>
+                          <a:spcPts val="0"/>
+                        </a:spcBef>
+                        <a:spcAft>
+                          <a:spcPts val="0"/>
+                        </a:spcAft>
+                        <a:buClrTx/>
+                        <a:buSzTx/>
+                        <a:buFontTx/>
+                        <a:buNone/>
+                        <a:tabLst/>
+                        <a:defRPr/>
+                      </a:pPr>
+                      <a:r>
+                        <a:rPr lang="en-US" sz="1600" b="1" dirty="0"/>
+                        <a:t>How it Works: </a:t>
+                      </a:r>
+                      <a:r>
+                        <a:rPr lang="en-US" sz="1600" b="1" dirty="0" err="1"/>
+                        <a:t>TxD</a:t>
+                      </a:r>
+                      <a:r>
+                        <a:rPr lang="en-US" sz="1600" b="0" dirty="0"/>
+                        <a:t> Transmit is digital pin 1 , </a:t>
+                      </a:r>
+                      <a:r>
+                        <a:rPr lang="en-US" sz="1600" b="1" dirty="0"/>
+                        <a:t>RxD</a:t>
+                      </a:r>
+                      <a:r>
+                        <a:rPr lang="en-US" sz="1600" b="0" dirty="0"/>
+                        <a:t> Receive is pin 0.   Using the &lt;</a:t>
+                      </a:r>
+                      <a:r>
+                        <a:rPr lang="en-US" sz="1600" b="0" dirty="0" err="1"/>
+                        <a:t>Serial.h</a:t>
+                      </a:r>
+                      <a:r>
+                        <a:rPr lang="en-US" sz="1600" b="0" dirty="0"/>
+                        <a:t>&gt; library we use simple commands like Print() to send messages out to the serial pins. The library sends the bytes that make up the message out the </a:t>
+                      </a:r>
+                      <a:r>
+                        <a:rPr lang="en-US" sz="1600" b="0" dirty="0" err="1"/>
+                        <a:t>TxD</a:t>
+                      </a:r>
+                      <a:r>
+                        <a:rPr lang="en-US" sz="1600" b="0" dirty="0"/>
+                        <a:t> pin in the form of a series of data frames. Each frame (corresponding to one byte of data) has a start bit, data bits, a parity bit and stop bits. </a:t>
+                      </a:r>
+                    </a:p>
+                  </a:txBody>
+                  <a:tcPr/>
+                </a:tc>
+                <a:tc hMerge="1">
+                  <a:txBody>
+                    <a:bodyPr/>
+                    <a:lstStyle/>
+                    <a:p>
+                      <a:endParaRPr lang="en-US"/>
+                    </a:p>
+                  </a:txBody>
+                  <a:tcPr/>
+                </a:tc>
+                <a:tc>
+                  <a:txBody>
+                    <a:bodyPr/>
+                    <a:lstStyle/>
+                    <a:p>
+                      <a:pPr marL="0" marR="0" lvl="0" indent="0" algn="l" defTabSz="914400" rtl="0" eaLnBrk="1" fontAlgn="auto" latinLnBrk="0" hangingPunct="1">
+                        <a:lnSpc>
+                          <a:spcPct val="100000"/>
+                        </a:lnSpc>
+                        <a:spcBef>
+                          <a:spcPts val="0"/>
+                        </a:spcBef>
+                        <a:spcAft>
+                          <a:spcPts val="0"/>
+                        </a:spcAft>
+                        <a:buClrTx/>
+                        <a:buSzTx/>
+                        <a:buFontTx/>
+                        <a:buNone/>
+                        <a:tabLst/>
+                        <a:defRPr/>
+                      </a:pPr>
+                      <a:r>
+                        <a:rPr lang="en-US" sz="1600" b="1" dirty="0"/>
+                        <a:t>Pros: </a:t>
+                      </a:r>
+                      <a:r>
+                        <a:rPr lang="en-US" sz="1600" b="0" dirty="0"/>
+                        <a:t>Proven in use. All Arduinos have Tx/Rx pins.</a:t>
+                      </a:r>
+                    </a:p>
+                    <a:p>
+                      <a:r>
+                        <a:rPr lang="en-US" sz="1600" b="1" dirty="0"/>
+                        <a:t>Cons: </a:t>
+                      </a:r>
+                      <a:r>
+                        <a:rPr lang="en-US" sz="1600" dirty="0"/>
+                        <a:t>Point to point communications only. Relatively slow.</a:t>
+                      </a:r>
+                    </a:p>
+                    <a:p>
+                      <a:r>
+                        <a:rPr lang="en-US" sz="1600" dirty="0"/>
+                        <a:t>Only the most basic error checking (and only if parity is enabled), no built in retry, or any form of guaranteed delivery. </a:t>
+                      </a:r>
+                    </a:p>
+                  </a:txBody>
+                  <a:tcPr/>
+                </a:tc>
+                <a:extLst>
+                  <a:ext uri="{0D108BD9-81ED-4DB2-BD59-A6C34878D82A}">
+                    <a16:rowId xmlns:a16="http://schemas.microsoft.com/office/drawing/2014/main" val="2494442280"/>
+                  </a:ext>
+                </a:extLst>
+              </a:tr>
+              <a:tr h="1153819">
+                <a:tc gridSpan="2">
+                  <a:txBody>
+                    <a:bodyPr/>
+                    <a:lstStyle/>
+                    <a:p>
+                      <a:r>
+                        <a:rPr lang="en-US" sz="1600" b="1" dirty="0"/>
+                        <a:t>Notes:  Some common terms associated with serial comms</a:t>
+                      </a:r>
+                    </a:p>
+                    <a:p>
+                      <a:pPr marL="0" marR="0" lvl="0" indent="0" algn="l" defTabSz="914400" rtl="0" eaLnBrk="1" fontAlgn="auto" latinLnBrk="0" hangingPunct="1">
+                        <a:lnSpc>
+                          <a:spcPct val="100000"/>
+                        </a:lnSpc>
+                        <a:spcBef>
+                          <a:spcPts val="0"/>
+                        </a:spcBef>
+                        <a:spcAft>
+                          <a:spcPts val="0"/>
+                        </a:spcAft>
+                        <a:buClrTx/>
+                        <a:buSzTx/>
+                        <a:buFontTx/>
+                        <a:buNone/>
+                        <a:tabLst/>
+                        <a:defRPr/>
+                      </a:pPr>
+                      <a:r>
+                        <a:rPr lang="en-US" sz="1600" b="1" dirty="0"/>
+                        <a:t>BPS = </a:t>
+                      </a:r>
+                      <a:r>
+                        <a:rPr lang="en-US" sz="1600" b="0" dirty="0"/>
+                        <a:t>Bits per Second i.e. the speed of communications. Higher is faster. Technically not the same as the </a:t>
+                      </a:r>
+                      <a:r>
+                        <a:rPr lang="en-US" sz="1600" b="1" dirty="0"/>
+                        <a:t>Baud rate </a:t>
+                      </a:r>
+                      <a:r>
+                        <a:rPr lang="en-US" sz="1600" b="0" dirty="0"/>
+                        <a:t>although (the number of state changes on the wire) but the two terms are often used interchangeably. </a:t>
+                      </a:r>
+                      <a:r>
+                        <a:rPr lang="en-US" sz="1600" b="1" dirty="0"/>
+                        <a:t>Parity </a:t>
+                      </a:r>
+                      <a:r>
+                        <a:rPr lang="en-US" sz="1600" b="0" dirty="0"/>
+                        <a:t>is a single bit added to the frame which can be either 1 or 0. It is used to make the total number of 1’s in the frame either Odd, or Even. </a:t>
+                      </a:r>
+                      <a:r>
+                        <a:rPr lang="en-US" sz="1600" b="1" dirty="0"/>
+                        <a:t>Stop bits </a:t>
+                      </a:r>
+                      <a:r>
+                        <a:rPr lang="en-US" sz="1600" b="0" dirty="0"/>
+                        <a:t>indicate the end of the frame.</a:t>
+                      </a:r>
+                      <a:r>
+                        <a:rPr lang="en-US" sz="1600" b="1" dirty="0"/>
+                        <a:t> </a:t>
+                      </a:r>
+                    </a:p>
+                    <a:p>
+                      <a:pPr marL="0" marR="0" lvl="0" indent="0" algn="l" defTabSz="914400" rtl="0" eaLnBrk="1" fontAlgn="auto" latinLnBrk="0" hangingPunct="1">
+                        <a:lnSpc>
+                          <a:spcPct val="100000"/>
+                        </a:lnSpc>
+                        <a:spcBef>
+                          <a:spcPts val="0"/>
+                        </a:spcBef>
+                        <a:spcAft>
+                          <a:spcPts val="0"/>
+                        </a:spcAft>
+                        <a:buClrTx/>
+                        <a:buSzTx/>
+                        <a:buFontTx/>
+                        <a:buNone/>
+                        <a:tabLst/>
+                        <a:defRPr/>
+                      </a:pPr>
+                      <a:r>
+                        <a:rPr lang="en-US" sz="1600" b="1" dirty="0"/>
+                        <a:t>9600 8N1 </a:t>
+                      </a:r>
+                      <a:r>
+                        <a:rPr lang="en-US" sz="1600" b="0" dirty="0"/>
+                        <a:t>is a shorthand notation for 9600 bps, 8 data bits, No parity and 1 stop bit.</a:t>
+                      </a:r>
+                    </a:p>
+                  </a:txBody>
+                  <a:tcPr/>
+                </a:tc>
+                <a:tc hMerge="1">
+                  <a:txBody>
+                    <a:bodyPr/>
+                    <a:lstStyle/>
+                    <a:p>
+                      <a:endParaRPr lang="en-US"/>
+                    </a:p>
+                  </a:txBody>
+                  <a:tcPr/>
+                </a:tc>
+                <a:tc>
+                  <a:txBody>
+                    <a:bodyPr/>
+                    <a:lstStyle/>
+                    <a:p>
+                      <a:pPr marL="0" marR="0" lvl="0" indent="0" algn="l" defTabSz="914400" rtl="0" eaLnBrk="1" fontAlgn="auto" latinLnBrk="0" hangingPunct="1">
+                        <a:lnSpc>
+                          <a:spcPct val="100000"/>
+                        </a:lnSpc>
+                        <a:spcBef>
+                          <a:spcPts val="0"/>
+                        </a:spcBef>
+                        <a:spcAft>
+                          <a:spcPts val="0"/>
+                        </a:spcAft>
+                        <a:buClrTx/>
+                        <a:buSzTx/>
+                        <a:buFontTx/>
+                        <a:buNone/>
+                        <a:tabLst/>
+                        <a:defRPr/>
+                      </a:pPr>
+                      <a:r>
+                        <a:rPr lang="en-US" sz="1600" b="1" dirty="0"/>
+                        <a:t>UART – </a:t>
+                      </a:r>
+                      <a:r>
+                        <a:rPr lang="en-US" sz="1600" b="0" dirty="0"/>
+                        <a:t>Universal asynchronous Receiver/Transmitter. Takes a byte (8 bits) as input and shuffles the data bits out serially at a specific BPS while automatically adding the start, stop and parity bits as may have been configured.</a:t>
+                      </a:r>
+                    </a:p>
+                    <a:p>
+                      <a:pPr marL="0" marR="0" lvl="0" indent="0" algn="l" defTabSz="914400" rtl="0" eaLnBrk="1" fontAlgn="auto" latinLnBrk="0" hangingPunct="1">
+                        <a:lnSpc>
+                          <a:spcPct val="100000"/>
+                        </a:lnSpc>
+                        <a:spcBef>
+                          <a:spcPts val="0"/>
+                        </a:spcBef>
+                        <a:spcAft>
+                          <a:spcPts val="0"/>
+                        </a:spcAft>
+                        <a:buClrTx/>
+                        <a:buSzTx/>
+                        <a:buFontTx/>
+                        <a:buNone/>
+                        <a:tabLst/>
+                        <a:defRPr/>
+                      </a:pPr>
+                      <a:endParaRPr lang="en-US" sz="1600" b="1" dirty="0"/>
+                    </a:p>
+                    <a:p>
+                      <a:pPr marL="0" marR="0" lvl="0" indent="0" algn="l" defTabSz="914400" rtl="0" eaLnBrk="1" fontAlgn="auto" latinLnBrk="0" hangingPunct="1">
+                        <a:lnSpc>
+                          <a:spcPct val="100000"/>
+                        </a:lnSpc>
+                        <a:spcBef>
+                          <a:spcPts val="0"/>
+                        </a:spcBef>
+                        <a:spcAft>
+                          <a:spcPts val="0"/>
+                        </a:spcAft>
+                        <a:buClrTx/>
+                        <a:buSzTx/>
+                        <a:buFontTx/>
+                        <a:buNone/>
+                        <a:tabLst/>
+                        <a:defRPr/>
+                      </a:pPr>
+                      <a:r>
+                        <a:rPr lang="en-US" sz="1600" b="1" dirty="0"/>
+                        <a:t>RS-232</a:t>
+                      </a:r>
+                      <a:r>
+                        <a:rPr lang="en-US" sz="1600" b="0" dirty="0"/>
+                        <a:t> is a</a:t>
+                      </a:r>
+                      <a:r>
+                        <a:rPr lang="en-US" sz="1600" dirty="0"/>
+                        <a:t>n old serial standard that use to be very common. It operates on +/- 12 volt signals. The physical connector for RS-232 had a 25 pin plug/socket (later 9 pins). (DO NOT connect RS-232 signals directly to Tx/Rx or bad things will happen!)</a:t>
+                      </a:r>
+                    </a:p>
+                  </a:txBody>
+                  <a:tcPr/>
+                </a:tc>
+                <a:extLst>
+                  <a:ext uri="{0D108BD9-81ED-4DB2-BD59-A6C34878D82A}">
+                    <a16:rowId xmlns:a16="http://schemas.microsoft.com/office/drawing/2014/main" val="1235703702"/>
+                  </a:ext>
+                </a:extLst>
+              </a:tr>
+            </a:tbl>
+          </a:graphicData>
+        </a:graphic>
+      </p:graphicFrame>
+      <p:sp>
+        <p:nvSpPr>
+          <p:cNvPr id="8" name="Subtitle 2">
+            <a:extLst>
+              <a:ext uri="{FF2B5EF4-FFF2-40B4-BE49-F238E27FC236}">
+                <a16:creationId xmlns:a16="http://schemas.microsoft.com/office/drawing/2014/main" id="{7AFF94B5-A049-2183-7DF4-C57A515AC81C}"/>
+              </a:ext>
+            </a:extLst>
+          </p:cNvPr>
+          <p:cNvSpPr txBox="1">
+            <a:spLocks/>
+          </p:cNvSpPr>
+          <p:nvPr/>
+        </p:nvSpPr>
+        <p:spPr>
+          <a:xfrm>
+            <a:off x="560718" y="6177560"/>
+            <a:ext cx="1357223" cy="558771"/>
+          </a:xfrm>
+          <a:prstGeom prst="rect">
+            <a:avLst/>
+          </a:prstGeom>
+        </p:spPr>
+        <p:txBody>
+          <a:bodyPr vert="horz" lIns="91440" tIns="45720" rIns="91440" bIns="45720" rtlCol="0">
+            <a:noAutofit/>
+          </a:bodyPr>
+          <a:lstStyle>
+            <a:lvl1pPr marL="0" indent="0" algn="ctr" defTabSz="914400" rtl="0" eaLnBrk="1" latinLnBrk="0" hangingPunct="1">
+              <a:lnSpc>
+                <a:spcPct val="90000"/>
+              </a:lnSpc>
+              <a:spcBef>
+                <a:spcPts val="1000"/>
+              </a:spcBef>
+              <a:buFont typeface="Arial" panose="020B0604020202020204" pitchFamily="34" charset="0"/>
+              <a:buNone/>
+              <a:defRPr sz="2400" kern="1200">
+                <a:solidFill>
+                  <a:schemeClr val="tx1"/>
+                </a:solidFill>
+                <a:latin typeface="+mn-lt"/>
+                <a:ea typeface="+mn-ea"/>
+                <a:cs typeface="+mn-cs"/>
+              </a:defRPr>
+            </a:lvl1pPr>
+            <a:lvl2pPr marL="457200" indent="0" algn="ctr" defTabSz="914400" rtl="0" eaLnBrk="1" latinLnBrk="0" hangingPunct="1">
+              <a:lnSpc>
+                <a:spcPct val="90000"/>
+              </a:lnSpc>
+              <a:spcBef>
+                <a:spcPts val="500"/>
+              </a:spcBef>
+              <a:buFont typeface="Arial" panose="020B0604020202020204" pitchFamily="34" charset="0"/>
+              <a:buNone/>
+              <a:defRPr sz="2000" kern="1200">
+                <a:solidFill>
+                  <a:schemeClr val="tx1"/>
+                </a:solidFill>
+                <a:latin typeface="+mn-lt"/>
+                <a:ea typeface="+mn-ea"/>
+                <a:cs typeface="+mn-cs"/>
+              </a:defRPr>
+            </a:lvl2pPr>
+            <a:lvl3pPr marL="914400" indent="0" algn="ctr" defTabSz="914400" rtl="0" eaLnBrk="1" latinLnBrk="0" hangingPunct="1">
+              <a:lnSpc>
+                <a:spcPct val="90000"/>
+              </a:lnSpc>
+              <a:spcBef>
+                <a:spcPts val="500"/>
+              </a:spcBef>
+              <a:buFont typeface="Arial" panose="020B0604020202020204" pitchFamily="34" charset="0"/>
+              <a:buNone/>
+              <a:defRPr sz="1800" kern="1200">
+                <a:solidFill>
+                  <a:schemeClr val="tx1"/>
+                </a:solidFill>
+                <a:latin typeface="+mn-lt"/>
+                <a:ea typeface="+mn-ea"/>
+                <a:cs typeface="+mn-cs"/>
+              </a:defRPr>
+            </a:lvl3pPr>
+            <a:lvl4pPr marL="1371600" indent="0" algn="ctr" defTabSz="914400" rtl="0" eaLnBrk="1" latinLnBrk="0" hangingPunct="1">
+              <a:lnSpc>
+                <a:spcPct val="90000"/>
+              </a:lnSpc>
+              <a:spcBef>
+                <a:spcPts val="500"/>
+              </a:spcBef>
+              <a:buFont typeface="Arial" panose="020B0604020202020204" pitchFamily="34" charset="0"/>
+              <a:buNone/>
+              <a:defRPr sz="1600" kern="1200">
+                <a:solidFill>
+                  <a:schemeClr val="tx1"/>
+                </a:solidFill>
+                <a:latin typeface="+mn-lt"/>
+                <a:ea typeface="+mn-ea"/>
+                <a:cs typeface="+mn-cs"/>
+              </a:defRPr>
+            </a:lvl4pPr>
+            <a:lvl5pPr marL="1828800" indent="0" algn="ctr" defTabSz="914400" rtl="0" eaLnBrk="1" latinLnBrk="0" hangingPunct="1">
+              <a:lnSpc>
+                <a:spcPct val="90000"/>
+              </a:lnSpc>
+              <a:spcBef>
+                <a:spcPts val="500"/>
+              </a:spcBef>
+              <a:buFont typeface="Arial" panose="020B0604020202020204" pitchFamily="34" charset="0"/>
+              <a:buNone/>
+              <a:defRPr sz="1600" kern="1200">
+                <a:solidFill>
+                  <a:schemeClr val="tx1"/>
+                </a:solidFill>
+                <a:latin typeface="+mn-lt"/>
+                <a:ea typeface="+mn-ea"/>
+                <a:cs typeface="+mn-cs"/>
+              </a:defRPr>
+            </a:lvl5pPr>
+            <a:lvl6pPr marL="2286000" indent="0" algn="ctr" defTabSz="914400" rtl="0" eaLnBrk="1" latinLnBrk="0" hangingPunct="1">
+              <a:lnSpc>
+                <a:spcPct val="90000"/>
+              </a:lnSpc>
+              <a:spcBef>
+                <a:spcPts val="500"/>
+              </a:spcBef>
+              <a:buFont typeface="Arial" panose="020B0604020202020204" pitchFamily="34" charset="0"/>
+              <a:buNone/>
+              <a:defRPr sz="1600" kern="1200">
+                <a:solidFill>
+                  <a:schemeClr val="tx1"/>
+                </a:solidFill>
+                <a:latin typeface="+mn-lt"/>
+                <a:ea typeface="+mn-ea"/>
+                <a:cs typeface="+mn-cs"/>
+              </a:defRPr>
+            </a:lvl6pPr>
+            <a:lvl7pPr marL="2743200" indent="0" algn="ctr" defTabSz="914400" rtl="0" eaLnBrk="1" latinLnBrk="0" hangingPunct="1">
+              <a:lnSpc>
+                <a:spcPct val="90000"/>
+              </a:lnSpc>
+              <a:spcBef>
+                <a:spcPts val="500"/>
+              </a:spcBef>
+              <a:buFont typeface="Arial" panose="020B0604020202020204" pitchFamily="34" charset="0"/>
+              <a:buNone/>
+              <a:defRPr sz="1600" kern="1200">
+                <a:solidFill>
+                  <a:schemeClr val="tx1"/>
+                </a:solidFill>
+                <a:latin typeface="+mn-lt"/>
+                <a:ea typeface="+mn-ea"/>
+                <a:cs typeface="+mn-cs"/>
+              </a:defRPr>
+            </a:lvl7pPr>
+            <a:lvl8pPr marL="3200400" indent="0" algn="ctr" defTabSz="914400" rtl="0" eaLnBrk="1" latinLnBrk="0" hangingPunct="1">
+              <a:lnSpc>
+                <a:spcPct val="90000"/>
+              </a:lnSpc>
+              <a:spcBef>
+                <a:spcPts val="500"/>
+              </a:spcBef>
+              <a:buFont typeface="Arial" panose="020B0604020202020204" pitchFamily="34" charset="0"/>
+              <a:buNone/>
+              <a:defRPr sz="1600" kern="1200">
+                <a:solidFill>
+                  <a:schemeClr val="tx1"/>
+                </a:solidFill>
+                <a:latin typeface="+mn-lt"/>
+                <a:ea typeface="+mn-ea"/>
+                <a:cs typeface="+mn-cs"/>
+              </a:defRPr>
+            </a:lvl8pPr>
+            <a:lvl9pPr marL="3657600" indent="0" algn="ctr" defTabSz="914400" rtl="0" eaLnBrk="1" latinLnBrk="0" hangingPunct="1">
+              <a:lnSpc>
+                <a:spcPct val="90000"/>
+              </a:lnSpc>
+              <a:spcBef>
+                <a:spcPts val="500"/>
+              </a:spcBef>
+              <a:buFont typeface="Arial" panose="020B0604020202020204" pitchFamily="34" charset="0"/>
+              <a:buNone/>
+              <a:defRPr sz="1600" kern="1200">
+                <a:solidFill>
+                  <a:schemeClr val="tx1"/>
+                </a:solidFill>
+                <a:latin typeface="+mn-lt"/>
+                <a:ea typeface="+mn-ea"/>
+                <a:cs typeface="+mn-cs"/>
+              </a:defRPr>
+            </a:lvl9pPr>
+          </a:lstStyle>
+          <a:p>
+            <a:endParaRPr lang="en-US" sz="3200" b="1" dirty="0">
+              <a:solidFill>
+                <a:schemeClr val="accent1">
+                  <a:lumMod val="60000"/>
+                  <a:lumOff val="40000"/>
+                </a:schemeClr>
+              </a:solidFill>
+              <a:latin typeface="MERG_Logo" pitchFamily="2" charset="0"/>
+            </a:endParaRPr>
+          </a:p>
+        </p:txBody>
+      </p:sp>
+      <p:pic>
+        <p:nvPicPr>
+          <p:cNvPr id="4" name="Picture 3">
+            <a:extLst>
+              <a:ext uri="{FF2B5EF4-FFF2-40B4-BE49-F238E27FC236}">
+                <a16:creationId xmlns:a16="http://schemas.microsoft.com/office/drawing/2014/main" id="{C6E2AC96-7822-1777-C1B8-461219E9678D}"/>
+              </a:ext>
+            </a:extLst>
+          </p:cNvPr>
+          <p:cNvPicPr>
+            <a:picLocks noChangeAspect="1"/>
+          </p:cNvPicPr>
+          <p:nvPr/>
+        </p:nvPicPr>
+        <p:blipFill>
+          <a:blip r:embed="rId2"/>
+          <a:stretch>
+            <a:fillRect/>
+          </a:stretch>
+        </p:blipFill>
+        <p:spPr>
+          <a:xfrm>
+            <a:off x="8186468" y="1393256"/>
+            <a:ext cx="1979582" cy="539154"/>
+          </a:xfrm>
+          <a:prstGeom prst="rect">
+            <a:avLst/>
+          </a:prstGeom>
+        </p:spPr>
+      </p:pic>
+    </p:spTree>
+    <p:extLst>
+      <p:ext uri="{BB962C8B-B14F-4D97-AF65-F5344CB8AC3E}">
+        <p14:creationId xmlns:p14="http://schemas.microsoft.com/office/powerpoint/2010/main" val="699886772"/>
+      </p:ext>
+    </p:extLst>
+  </p:cSld>
+  <p:clrMapOvr>
+    <a:masterClrMapping/>
+  </p:clrMapOvr>
+</p:sld>
+</file>
+
+<file path=ppt/slides/slide38.xml><?xml version="1.0" encoding="utf-8"?>
+<p:sld xmlns:a="http://schemas.openxmlformats.org/drawingml/2006/main" xmlns:r="http://schemas.openxmlformats.org/officeDocument/2006/relationships" xmlns:p="http://schemas.openxmlformats.org/presentationml/2006/main">
+  <p:cSld>
+    <p:spTree>
+      <p:nvGrpSpPr>
+        <p:cNvPr id="1" name=""/>
+        <p:cNvGrpSpPr/>
+        <p:nvPr/>
+      </p:nvGrpSpPr>
+      <p:grpSpPr>
+        <a:xfrm>
+          <a:off x="0" y="0"/>
+          <a:ext cx="0" cy="0"/>
+          <a:chOff x="0" y="0"/>
+          <a:chExt cx="0" cy="0"/>
+        </a:xfrm>
+      </p:grpSpPr>
+      <p:graphicFrame>
+        <p:nvGraphicFramePr>
+          <p:cNvPr id="7" name="Table 7">
+            <a:extLst>
+              <a:ext uri="{FF2B5EF4-FFF2-40B4-BE49-F238E27FC236}">
+                <a16:creationId xmlns:a16="http://schemas.microsoft.com/office/drawing/2014/main" id="{9B2F03AA-E6B2-4CB4-910F-7DA903FD6ED6}"/>
+              </a:ext>
+            </a:extLst>
+          </p:cNvPr>
+          <p:cNvGraphicFramePr>
+            <a:graphicFrameLocks noGrp="1"/>
+          </p:cNvGraphicFramePr>
+          <p:nvPr>
+            <p:extLst>
+              <p:ext uri="{D42A27DB-BD31-4B8C-83A1-F6EECF244321}">
+                <p14:modId xmlns:p14="http://schemas.microsoft.com/office/powerpoint/2010/main" val="3449590086"/>
+              </p:ext>
+            </p:extLst>
+          </p:nvPr>
+        </p:nvGraphicFramePr>
+        <p:xfrm>
+          <a:off x="415505" y="391004"/>
+          <a:ext cx="11360989" cy="6254786"/>
         </p:xfrm>
         <a:graphic>
           <a:graphicData uri="http://schemas.openxmlformats.org/drawingml/2006/table">
@@ -28121,7 +29985,7 @@
                     <a:p>
                       <a:r>
                         <a:rPr lang="en-US" dirty="0"/>
-                        <a:t>Relatively slow long distance communications in electrically noisy environments.</a:t>
+                        <a:t>Relatively slow long distance communications in electrically noisy environments. Layers itself on top of simple serial. Unlike simple serial this can be multi drop.</a:t>
                       </a:r>
                     </a:p>
                   </a:txBody>
@@ -28163,7 +30027,7 @@
                   </a:ext>
                 </a:extLst>
               </a:tr>
-              <a:tr h="2214148">
+              <a:tr h="1975449">
                 <a:tc gridSpan="2">
                   <a:txBody>
                     <a:bodyPr/>
@@ -28211,7 +30075,7 @@
                       </a:pPr>
                       <a:r>
                         <a:rPr lang="en-US" dirty="0"/>
-                        <a:t>Individual devices (nodes) are given an address and only respond to messages addressed to them. Most only respond - but one (called the master) can also initiate communications. Signal is via voltage difference on two unshielded wires. Any electrical noise is picked up equally on both wires - and thus cancel out (no difference).</a:t>
+                        <a:t>Individual devices (nodes) are given an address and only respond to messages addressed to them. Signal is via voltage difference on two unshielded wires. Any electrical noise is picked up equally on both wires - and thus cancel out (no difference).</a:t>
                       </a:r>
                     </a:p>
                   </a:txBody>
@@ -28274,7 +30138,7 @@
                       </a:pPr>
                       <a:r>
                         <a:rPr lang="en-US" dirty="0"/>
-                        <a:t>Old school and reliable. (Was) commonly used in industry for PLC's and robotics as the underlying transport for 'Modbus’. </a:t>
+                        <a:t>Old school and reliable. Forgiving of less than ideal wiring practices. (Was) commonly used in industry for PLC's and robotics as the underlying transport for 'Modbus’. </a:t>
                       </a:r>
                     </a:p>
                     <a:p>
@@ -28284,9 +30148,30 @@
                       </a:r>
                     </a:p>
                     <a:p>
+                      <a:pPr marL="0" marR="0" lvl="0" indent="0" algn="l" defTabSz="914400" rtl="0" eaLnBrk="1" fontAlgn="auto" latinLnBrk="0" hangingPunct="1">
+                        <a:lnSpc>
+                          <a:spcPct val="100000"/>
+                        </a:lnSpc>
+                        <a:spcBef>
+                          <a:spcPts val="0"/>
+                        </a:spcBef>
+                        <a:spcAft>
+                          <a:spcPts val="0"/>
+                        </a:spcAft>
+                        <a:buClrTx/>
+                        <a:buSzTx/>
+                        <a:buFontTx/>
+                        <a:buNone/>
+                        <a:tabLst/>
+                        <a:defRPr/>
+                      </a:pPr>
+                      <a:r>
+                        <a:rPr lang="en-US" sz="1800" dirty="0"/>
+                        <a:t>Relatively slow. </a:t>
+                      </a:r>
                       <a:r>
                         <a:rPr lang="en-US" dirty="0"/>
-                        <a:t>Slow. It is a transport mechanism, but is not connection oriented. There is no built in error checking, no retry, or any guaranteed delivery. </a:t>
+                        <a:t>Extra hardware for distances. Be aware of termination resistors (too many or not enough)</a:t>
                       </a:r>
                     </a:p>
                   </a:txBody>
@@ -28312,30 +30197,7 @@
                     <a:p>
                       <a:r>
                         <a:rPr lang="en-US" dirty="0"/>
-                        <a:t>My display layout has 6 RS485 modules including a USB.</a:t>
-                      </a:r>
-                    </a:p>
-                    <a:p>
-                      <a:pPr marL="0" marR="0" lvl="0" indent="0" algn="l" defTabSz="914400" rtl="0" eaLnBrk="1" fontAlgn="auto" latinLnBrk="0" hangingPunct="1">
-                        <a:lnSpc>
-                          <a:spcPct val="100000"/>
-                        </a:lnSpc>
-                        <a:spcBef>
-                          <a:spcPts val="0"/>
-                        </a:spcBef>
-                        <a:spcAft>
-                          <a:spcPts val="0"/>
-                        </a:spcAft>
-                        <a:buClrTx/>
-                        <a:buSzTx/>
-                        <a:buFontTx/>
-                        <a:buNone/>
-                        <a:tabLst/>
-                        <a:defRPr/>
-                      </a:pPr>
-                      <a:r>
-                        <a:rPr lang="en-US" dirty="0"/>
-                        <a:t>RS485 modules have built in termination resistor R7 which must be removed if more than one module is used.</a:t>
+                        <a:t>RS485 has no defined transmission protocol. This must be added/layered on top/ or created. My display layout has 5 RS485 modules plus a USB interface. RS485 modules have built in termination resistor R7 which must be removed from each intermediate module (i.e. not the last one) on a network. </a:t>
                       </a:r>
                     </a:p>
                   </a:txBody>
@@ -28356,6 +30218,39 @@
                     <a:bodyPr/>
                     <a:lstStyle/>
                     <a:p>
+                      <a:r>
+                        <a:rPr lang="en-US" dirty="0"/>
+                        <a:t>One node (called the master) can initiate communications while all other nodes (called slaves) can only respond. </a:t>
+                      </a:r>
+                    </a:p>
+                    <a:p>
+                      <a:endParaRPr lang="en-US" sz="1800" b="0" i="0" kern="1200" dirty="0">
+                        <a:solidFill>
+                          <a:schemeClr val="accent2">
+                            <a:lumMod val="75000"/>
+                          </a:schemeClr>
+                        </a:solidFill>
+                        <a:effectLst/>
+                        <a:latin typeface="+mn-lt"/>
+                        <a:ea typeface="+mn-ea"/>
+                        <a:cs typeface="+mn-cs"/>
+                      </a:endParaRPr>
+                    </a:p>
+                    <a:p>
+                      <a:r>
+                        <a:rPr lang="en-US" sz="1800" b="0" i="0" kern="1200" dirty="0">
+                          <a:solidFill>
+                            <a:schemeClr val="accent2">
+                              <a:lumMod val="75000"/>
+                            </a:schemeClr>
+                          </a:solidFill>
+                          <a:effectLst/>
+                          <a:latin typeface="+mn-lt"/>
+                          <a:ea typeface="+mn-ea"/>
+                          <a:cs typeface="+mn-cs"/>
+                        </a:rPr>
+                        <a:t>If you are JMRI user then the CMRI subsystem makes using RS-485 very simple as it implements the transmission protocol and the complexity is all hidden.</a:t>
+                      </a:r>
                       <a:endParaRPr lang="en-US" dirty="0"/>
                     </a:p>
                   </a:txBody>
@@ -28443,210 +30338,6 @@
           </a:prstGeom>
         </p:spPr>
       </p:pic>
-      <p:sp>
-        <p:nvSpPr>
-          <p:cNvPr id="8" name="Subtitle 2">
-            <a:extLst>
-              <a:ext uri="{FF2B5EF4-FFF2-40B4-BE49-F238E27FC236}">
-                <a16:creationId xmlns:a16="http://schemas.microsoft.com/office/drawing/2014/main" id="{7AFF94B5-A049-2183-7DF4-C57A515AC81C}"/>
-              </a:ext>
-            </a:extLst>
-          </p:cNvPr>
-          <p:cNvSpPr txBox="1">
-            <a:spLocks/>
-          </p:cNvSpPr>
-          <p:nvPr/>
-        </p:nvSpPr>
-        <p:spPr>
-          <a:xfrm>
-            <a:off x="560718" y="6177560"/>
-            <a:ext cx="1357223" cy="558771"/>
-          </a:xfrm>
-          <a:prstGeom prst="rect">
-            <a:avLst/>
-          </a:prstGeom>
-        </p:spPr>
-        <p:txBody>
-          <a:bodyPr vert="horz" lIns="91440" tIns="45720" rIns="91440" bIns="45720" rtlCol="0">
-            <a:noAutofit/>
-          </a:bodyPr>
-          <a:lstStyle>
-            <a:lvl1pPr marL="0" indent="0" algn="ctr" defTabSz="914400" rtl="0" eaLnBrk="1" latinLnBrk="0" hangingPunct="1">
-              <a:lnSpc>
-                <a:spcPct val="90000"/>
-              </a:lnSpc>
-              <a:spcBef>
-                <a:spcPts val="1000"/>
-              </a:spcBef>
-              <a:buFont typeface="Arial" panose="020B0604020202020204" pitchFamily="34" charset="0"/>
-              <a:buNone/>
-              <a:defRPr sz="2400" kern="1200">
-                <a:solidFill>
-                  <a:schemeClr val="tx1"/>
-                </a:solidFill>
-                <a:latin typeface="+mn-lt"/>
-                <a:ea typeface="+mn-ea"/>
-                <a:cs typeface="+mn-cs"/>
-              </a:defRPr>
-            </a:lvl1pPr>
-            <a:lvl2pPr marL="457200" indent="0" algn="ctr" defTabSz="914400" rtl="0" eaLnBrk="1" latinLnBrk="0" hangingPunct="1">
-              <a:lnSpc>
-                <a:spcPct val="90000"/>
-              </a:lnSpc>
-              <a:spcBef>
-                <a:spcPts val="500"/>
-              </a:spcBef>
-              <a:buFont typeface="Arial" panose="020B0604020202020204" pitchFamily="34" charset="0"/>
-              <a:buNone/>
-              <a:defRPr sz="2000" kern="1200">
-                <a:solidFill>
-                  <a:schemeClr val="tx1"/>
-                </a:solidFill>
-                <a:latin typeface="+mn-lt"/>
-                <a:ea typeface="+mn-ea"/>
-                <a:cs typeface="+mn-cs"/>
-              </a:defRPr>
-            </a:lvl2pPr>
-            <a:lvl3pPr marL="914400" indent="0" algn="ctr" defTabSz="914400" rtl="0" eaLnBrk="1" latinLnBrk="0" hangingPunct="1">
-              <a:lnSpc>
-                <a:spcPct val="90000"/>
-              </a:lnSpc>
-              <a:spcBef>
-                <a:spcPts val="500"/>
-              </a:spcBef>
-              <a:buFont typeface="Arial" panose="020B0604020202020204" pitchFamily="34" charset="0"/>
-              <a:buNone/>
-              <a:defRPr sz="1800" kern="1200">
-                <a:solidFill>
-                  <a:schemeClr val="tx1"/>
-                </a:solidFill>
-                <a:latin typeface="+mn-lt"/>
-                <a:ea typeface="+mn-ea"/>
-                <a:cs typeface="+mn-cs"/>
-              </a:defRPr>
-            </a:lvl3pPr>
-            <a:lvl4pPr marL="1371600" indent="0" algn="ctr" defTabSz="914400" rtl="0" eaLnBrk="1" latinLnBrk="0" hangingPunct="1">
-              <a:lnSpc>
-                <a:spcPct val="90000"/>
-              </a:lnSpc>
-              <a:spcBef>
-                <a:spcPts val="500"/>
-              </a:spcBef>
-              <a:buFont typeface="Arial" panose="020B0604020202020204" pitchFamily="34" charset="0"/>
-              <a:buNone/>
-              <a:defRPr sz="1600" kern="1200">
-                <a:solidFill>
-                  <a:schemeClr val="tx1"/>
-                </a:solidFill>
-                <a:latin typeface="+mn-lt"/>
-                <a:ea typeface="+mn-ea"/>
-                <a:cs typeface="+mn-cs"/>
-              </a:defRPr>
-            </a:lvl4pPr>
-            <a:lvl5pPr marL="1828800" indent="0" algn="ctr" defTabSz="914400" rtl="0" eaLnBrk="1" latinLnBrk="0" hangingPunct="1">
-              <a:lnSpc>
-                <a:spcPct val="90000"/>
-              </a:lnSpc>
-              <a:spcBef>
-                <a:spcPts val="500"/>
-              </a:spcBef>
-              <a:buFont typeface="Arial" panose="020B0604020202020204" pitchFamily="34" charset="0"/>
-              <a:buNone/>
-              <a:defRPr sz="1600" kern="1200">
-                <a:solidFill>
-                  <a:schemeClr val="tx1"/>
-                </a:solidFill>
-                <a:latin typeface="+mn-lt"/>
-                <a:ea typeface="+mn-ea"/>
-                <a:cs typeface="+mn-cs"/>
-              </a:defRPr>
-            </a:lvl5pPr>
-            <a:lvl6pPr marL="2286000" indent="0" algn="ctr" defTabSz="914400" rtl="0" eaLnBrk="1" latinLnBrk="0" hangingPunct="1">
-              <a:lnSpc>
-                <a:spcPct val="90000"/>
-              </a:lnSpc>
-              <a:spcBef>
-                <a:spcPts val="500"/>
-              </a:spcBef>
-              <a:buFont typeface="Arial" panose="020B0604020202020204" pitchFamily="34" charset="0"/>
-              <a:buNone/>
-              <a:defRPr sz="1600" kern="1200">
-                <a:solidFill>
-                  <a:schemeClr val="tx1"/>
-                </a:solidFill>
-                <a:latin typeface="+mn-lt"/>
-                <a:ea typeface="+mn-ea"/>
-                <a:cs typeface="+mn-cs"/>
-              </a:defRPr>
-            </a:lvl6pPr>
-            <a:lvl7pPr marL="2743200" indent="0" algn="ctr" defTabSz="914400" rtl="0" eaLnBrk="1" latinLnBrk="0" hangingPunct="1">
-              <a:lnSpc>
-                <a:spcPct val="90000"/>
-              </a:lnSpc>
-              <a:spcBef>
-                <a:spcPts val="500"/>
-              </a:spcBef>
-              <a:buFont typeface="Arial" panose="020B0604020202020204" pitchFamily="34" charset="0"/>
-              <a:buNone/>
-              <a:defRPr sz="1600" kern="1200">
-                <a:solidFill>
-                  <a:schemeClr val="tx1"/>
-                </a:solidFill>
-                <a:latin typeface="+mn-lt"/>
-                <a:ea typeface="+mn-ea"/>
-                <a:cs typeface="+mn-cs"/>
-              </a:defRPr>
-            </a:lvl7pPr>
-            <a:lvl8pPr marL="3200400" indent="0" algn="ctr" defTabSz="914400" rtl="0" eaLnBrk="1" latinLnBrk="0" hangingPunct="1">
-              <a:lnSpc>
-                <a:spcPct val="90000"/>
-              </a:lnSpc>
-              <a:spcBef>
-                <a:spcPts val="500"/>
-              </a:spcBef>
-              <a:buFont typeface="Arial" panose="020B0604020202020204" pitchFamily="34" charset="0"/>
-              <a:buNone/>
-              <a:defRPr sz="1600" kern="1200">
-                <a:solidFill>
-                  <a:schemeClr val="tx1"/>
-                </a:solidFill>
-                <a:latin typeface="+mn-lt"/>
-                <a:ea typeface="+mn-ea"/>
-                <a:cs typeface="+mn-cs"/>
-              </a:defRPr>
-            </a:lvl8pPr>
-            <a:lvl9pPr marL="3657600" indent="0" algn="ctr" defTabSz="914400" rtl="0" eaLnBrk="1" latinLnBrk="0" hangingPunct="1">
-              <a:lnSpc>
-                <a:spcPct val="90000"/>
-              </a:lnSpc>
-              <a:spcBef>
-                <a:spcPts val="500"/>
-              </a:spcBef>
-              <a:buFont typeface="Arial" panose="020B0604020202020204" pitchFamily="34" charset="0"/>
-              <a:buNone/>
-              <a:defRPr sz="1600" kern="1200">
-                <a:solidFill>
-                  <a:schemeClr val="tx1"/>
-                </a:solidFill>
-                <a:latin typeface="+mn-lt"/>
-                <a:ea typeface="+mn-ea"/>
-                <a:cs typeface="+mn-cs"/>
-              </a:defRPr>
-            </a:lvl9pPr>
-          </a:lstStyle>
-          <a:p>
-            <a:endParaRPr lang="en-US" sz="3200" b="1" dirty="0">
-              <a:solidFill>
-                <a:schemeClr val="accent1">
-                  <a:lumMod val="60000"/>
-                  <a:lumOff val="40000"/>
-                </a:schemeClr>
-              </a:solidFill>
-              <a:latin typeface="MERG_Logo" pitchFamily="2" charset="0"/>
-            </a:endParaRPr>
-          </a:p>
-        </p:txBody>
-      </p:sp>
       <p:pic>
         <p:nvPicPr>
           <p:cNvPr id="9" name="Picture 8">
@@ -28686,7 +30377,7 @@
     </p:spTree>
     <p:extLst>
       <p:ext uri="{BB962C8B-B14F-4D97-AF65-F5344CB8AC3E}">
-        <p14:creationId xmlns:p14="http://schemas.microsoft.com/office/powerpoint/2010/main" val="4158339450"/>
+        <p14:creationId xmlns:p14="http://schemas.microsoft.com/office/powerpoint/2010/main" val="1297582196"/>
       </p:ext>
     </p:extLst>
   </p:cSld>
@@ -28696,7 +30387,7 @@
 </p:sld>
 </file>
 
-<file path=ppt/slides/slide37.xml><?xml version="1.0" encoding="utf-8"?>
+<file path=ppt/slides/slide39.xml><?xml version="1.0" encoding="utf-8"?>
 <p:sld xmlns:a="http://schemas.openxmlformats.org/drawingml/2006/main" xmlns:r="http://schemas.openxmlformats.org/officeDocument/2006/relationships" xmlns:p="http://schemas.openxmlformats.org/presentationml/2006/main">
   <p:cSld>
     <p:spTree>
@@ -28728,14 +30419,14 @@
           <p:nvPr>
             <p:extLst>
               <p:ext uri="{D42A27DB-BD31-4B8C-83A1-F6EECF244321}">
-                <p14:modId xmlns:p14="http://schemas.microsoft.com/office/powerpoint/2010/main" val="2328512351"/>
+                <p14:modId xmlns:p14="http://schemas.microsoft.com/office/powerpoint/2010/main" val="2706631152"/>
               </p:ext>
             </p:extLst>
           </p:nvPr>
         </p:nvGraphicFramePr>
         <p:xfrm>
           <a:off x="415505" y="391004"/>
-          <a:ext cx="11450679" cy="5759630"/>
+          <a:ext cx="11450679" cy="6294733"/>
         </p:xfrm>
         <a:graphic>
           <a:graphicData uri="http://schemas.openxmlformats.org/drawingml/2006/table">
@@ -28751,14 +30442,14 @@
                     </a:ext>
                   </a:extLst>
                 </a:gridCol>
-                <a:gridCol w="4501829">
+                <a:gridCol w="4233839">
                   <a:extLst>
                     <a:ext uri="{9D8B030D-6E8A-4147-A177-3AD203B41FA5}">
                       <a16:colId xmlns:a16="http://schemas.microsoft.com/office/drawing/2014/main" val="2892156475"/>
                     </a:ext>
                   </a:extLst>
                 </a:gridCol>
-                <a:gridCol w="5809869">
+                <a:gridCol w="6077859">
                   <a:extLst>
                     <a:ext uri="{9D8B030D-6E8A-4147-A177-3AD203B41FA5}">
                       <a16:colId xmlns:a16="http://schemas.microsoft.com/office/drawing/2014/main" val="3449804923"/>
@@ -28766,7 +30457,7 @@
                   </a:extLst>
                 </a:gridCol>
               </a:tblGrid>
-              <a:tr h="889641">
+              <a:tr h="808333">
                 <a:tc>
                   <a:txBody>
                     <a:bodyPr/>
@@ -28837,7 +30528,7 @@
                   </a:ext>
                 </a:extLst>
               </a:tr>
-              <a:tr h="1669589">
+              <a:tr h="1164301">
                 <a:tc gridSpan="2">
                   <a:txBody>
                     <a:bodyPr/>
@@ -28851,7 +30542,23 @@
                     <a:p>
                       <a:r>
                         <a:rPr lang="en-US" dirty="0"/>
-                        <a:t>Moderate speed short distance communications. Inter Integrated Circuit Communications (I2C) was designed so that chips on a circuit board could talk to each other with a minimum of wires in between. </a:t>
+                        <a:t>A multi master bus with good speed </a:t>
+                      </a:r>
+                      <a:r>
+                        <a:rPr lang="en-US" sz="1800" b="0" i="0" kern="1200" dirty="0">
+                          <a:solidFill>
+                            <a:schemeClr val="dk1"/>
+                          </a:solidFill>
+                          <a:effectLst/>
+                          <a:latin typeface="+mn-lt"/>
+                          <a:ea typeface="+mn-ea"/>
+                          <a:cs typeface="+mn-cs"/>
+                        </a:rPr>
+                        <a:t>( 5Mhz) over </a:t>
+                      </a:r>
+                      <a:r>
+                        <a:rPr lang="en-US" dirty="0"/>
+                        <a:t>short distances. Since the clock signal is generated the speed can be  variable.  Lower speeds yield longer distances. Good for most model railway distances.</a:t>
                       </a:r>
                     </a:p>
                   </a:txBody>
@@ -28889,7 +30596,7 @@
                   </a:ext>
                 </a:extLst>
               </a:tr>
-              <a:tr h="1536850">
+              <a:tr h="1785864">
                 <a:tc gridSpan="2">
                   <a:txBody>
                     <a:bodyPr/>
@@ -28936,8 +30643,24 @@
                         <a:defRPr/>
                       </a:pPr>
                       <a:r>
+                        <a:rPr lang="en-US" sz="1800" b="1" dirty="0"/>
+                        <a:t>SDA</a:t>
+                      </a:r>
+                      <a:r>
+                        <a:rPr lang="en-US" sz="1800" b="0" dirty="0"/>
+                        <a:t> is bidirectional serial data, </a:t>
+                      </a:r>
+                      <a:r>
+                        <a:rPr lang="en-US" sz="1800" b="1" dirty="0"/>
+                        <a:t>SCL</a:t>
+                      </a:r>
+                      <a:r>
+                        <a:rPr lang="en-US" sz="1800" b="0" dirty="0"/>
+                        <a:t> is a bidirectional serial clock.  </a:t>
+                      </a:r>
+                      <a:r>
                         <a:rPr lang="en-US" dirty="0"/>
-                        <a:t>Messages are sent out to specified addresses. </a:t>
+                        <a:t>Messages sent to specific addresses. </a:t>
                       </a:r>
                     </a:p>
                     <a:p>
@@ -28960,7 +30683,7 @@
                       </a:pPr>
                       <a:r>
                         <a:rPr lang="en-US" dirty="0"/>
-                        <a:t>(essentially just a print statement in software). </a:t>
+                        <a:t>(A print statement in software).  The software library function handles all the details. </a:t>
                       </a:r>
                     </a:p>
                     <a:p>
@@ -28983,9 +30706,26 @@
                       </a:pPr>
                       <a:r>
                         <a:rPr lang="en-US" dirty="0"/>
-                        <a:t>A software library function handles all the details.</a:t>
-                      </a:r>
-                    </a:p>
+                        <a:t>I2C is a network that has been proven in use at 10’s of meters (which is far beyond its design intent &lt; 1 m)</a:t>
+                      </a:r>
+                    </a:p>
+                  </a:txBody>
+                  <a:tcPr/>
+                </a:tc>
+                <a:tc hMerge="1">
+                  <a:txBody>
+                    <a:bodyPr/>
+                    <a:lstStyle/>
+                    <a:p>
+                      <a:endParaRPr lang="en-US"/>
+                    </a:p>
+                  </a:txBody>
+                  <a:tcPr/>
+                </a:tc>
+                <a:tc>
+                  <a:txBody>
+                    <a:bodyPr/>
+                    <a:lstStyle/>
                     <a:p>
                       <a:pPr marL="0" marR="0" lvl="0" indent="0" algn="l" defTabSz="914400" rtl="0" eaLnBrk="1" fontAlgn="auto" latinLnBrk="0" hangingPunct="1">
                         <a:lnSpc>
@@ -29005,46 +30745,6 @@
                         <a:defRPr/>
                       </a:pPr>
                       <a:r>
-                        <a:rPr lang="en-US" dirty="0"/>
-                        <a:t>Essentially a network on a circuit board but has been proven in use beyond this (model railway distances)</a:t>
-                      </a:r>
-                    </a:p>
-                  </a:txBody>
-                  <a:tcPr/>
-                </a:tc>
-                <a:tc hMerge="1">
-                  <a:txBody>
-                    <a:bodyPr/>
-                    <a:lstStyle/>
-                    <a:p>
-                      <a:endParaRPr lang="en-US"/>
-                    </a:p>
-                  </a:txBody>
-                  <a:tcPr/>
-                </a:tc>
-                <a:tc>
-                  <a:txBody>
-                    <a:bodyPr/>
-                    <a:lstStyle/>
-                    <a:p>
-                      <a:pPr marL="0" marR="0" lvl="0" indent="0" algn="l" defTabSz="914400" rtl="0" eaLnBrk="1" fontAlgn="auto" latinLnBrk="0" hangingPunct="1">
-                        <a:lnSpc>
-                          <a:spcPct val="100000"/>
-                        </a:lnSpc>
-                        <a:spcBef>
-                          <a:spcPts val="0"/>
-                        </a:spcBef>
-                        <a:spcAft>
-                          <a:spcPts val="0"/>
-                        </a:spcAft>
-                        <a:buClrTx/>
-                        <a:buSzTx/>
-                        <a:buFontTx/>
-                        <a:buNone/>
-                        <a:tabLst/>
-                        <a:defRPr/>
-                      </a:pPr>
-                      <a:r>
                         <a:rPr lang="en-US" b="1" dirty="0"/>
                         <a:t>Pros:</a:t>
                       </a:r>
@@ -29115,30 +30815,15 @@
                       </a:pPr>
                       <a:r>
                         <a:rPr lang="en-US" dirty="0"/>
-                        <a:t>Arduino has built in support</a:t>
-                      </a:r>
-                    </a:p>
-                    <a:p>
-                      <a:pPr marL="0" marR="0" lvl="0" indent="0" algn="l" defTabSz="914400" rtl="0" eaLnBrk="1" fontAlgn="auto" latinLnBrk="0" hangingPunct="1">
-                        <a:lnSpc>
-                          <a:spcPct val="100000"/>
-                        </a:lnSpc>
-                        <a:spcBef>
-                          <a:spcPts val="0"/>
-                        </a:spcBef>
-                        <a:spcAft>
-                          <a:spcPts val="0"/>
-                        </a:spcAft>
-                        <a:buClrTx/>
-                        <a:buSzTx/>
-                        <a:buFontTx/>
-                        <a:buNone/>
-                        <a:tabLst/>
-                        <a:defRPr/>
-                      </a:pPr>
+                        <a:t>Arduino has built in support (</a:t>
+                      </a:r>
                       <a:r>
                         <a:rPr lang="en-US" b="1" dirty="0"/>
-                        <a:t>Be aware:</a:t>
+                        <a:t>A4 = SDA,  A5 = SCL</a:t>
+                      </a:r>
+                      <a:r>
+                        <a:rPr lang="en-US" dirty="0"/>
+                        <a:t>)</a:t>
                       </a:r>
                     </a:p>
                     <a:p>
@@ -29161,7 +30846,53 @@
                       </a:pPr>
                       <a:r>
                         <a:rPr lang="en-US" dirty="0"/>
-                        <a:t>Addresses are often fixed at factory and can’t be changed</a:t>
+                        <a:t>Many IC’s have I2C support built in. (Temperature sensors, EEPROM, display modules)</a:t>
+                      </a:r>
+                    </a:p>
+                    <a:p>
+                      <a:pPr marL="0" marR="0" lvl="0" indent="0" algn="l" defTabSz="914400" rtl="0" eaLnBrk="1" fontAlgn="auto" latinLnBrk="0" hangingPunct="1">
+                        <a:lnSpc>
+                          <a:spcPct val="100000"/>
+                        </a:lnSpc>
+                        <a:spcBef>
+                          <a:spcPts val="0"/>
+                        </a:spcBef>
+                        <a:spcAft>
+                          <a:spcPts val="0"/>
+                        </a:spcAft>
+                        <a:buClrTx/>
+                        <a:buSzTx/>
+                        <a:buFont typeface="Arial" panose="020B0604020202020204" pitchFamily="34" charset="0"/>
+                        <a:buNone/>
+                        <a:tabLst/>
+                        <a:defRPr/>
+                      </a:pPr>
+                      <a:r>
+                        <a:rPr lang="en-US" b="1" dirty="0"/>
+                        <a:t>Cons:</a:t>
+                      </a:r>
+                    </a:p>
+                    <a:p>
+                      <a:pPr marL="285750" marR="0" lvl="0" indent="-285750" algn="l" defTabSz="914400" rtl="0" eaLnBrk="1" fontAlgn="auto" latinLnBrk="0" hangingPunct="1">
+                        <a:lnSpc>
+                          <a:spcPct val="100000"/>
+                        </a:lnSpc>
+                        <a:spcBef>
+                          <a:spcPts val="0"/>
+                        </a:spcBef>
+                        <a:spcAft>
+                          <a:spcPts val="0"/>
+                        </a:spcAft>
+                        <a:buClrTx/>
+                        <a:buSzTx/>
+                        <a:buFont typeface="Arial" panose="020B0604020202020204" pitchFamily="34" charset="0"/>
+                        <a:buChar char="•"/>
+                        <a:tabLst/>
+                        <a:defRPr/>
+                      </a:pPr>
+                      <a:r>
+                        <a:rPr lang="en-US" dirty="0"/>
+                        <a:t>SDA and SCL need pullup resistors (Arduino pullup is ok)</a:t>
                       </a:r>
                     </a:p>
                   </a:txBody>
@@ -29173,7 +30904,7 @@
                   </a:ext>
                 </a:extLst>
               </a:tr>
-              <a:tr h="1226568">
+              <a:tr h="1737095">
                 <a:tc gridSpan="2">
                   <a:txBody>
                     <a:bodyPr/>
@@ -29204,7 +30935,7 @@
                       </a:pPr>
                       <a:r>
                         <a:rPr lang="en-US" dirty="0"/>
-                        <a:t>Two applications on my own layout</a:t>
+                        <a:t>Two applications on my own layouts</a:t>
                       </a:r>
                     </a:p>
                     <a:p>
@@ -29254,6 +30985,29 @@
                       </a:r>
                     </a:p>
                     <a:p>
+                      <a:pPr marL="0" marR="0" lvl="0" indent="0" algn="l" defTabSz="914400" rtl="0" eaLnBrk="1" fontAlgn="auto" latinLnBrk="0" hangingPunct="1">
+                        <a:lnSpc>
+                          <a:spcPct val="100000"/>
+                        </a:lnSpc>
+                        <a:spcBef>
+                          <a:spcPts val="0"/>
+                        </a:spcBef>
+                        <a:spcAft>
+                          <a:spcPts val="0"/>
+                        </a:spcAft>
+                        <a:buClrTx/>
+                        <a:buSzTx/>
+                        <a:buFontTx/>
+                        <a:buNone/>
+                        <a:tabLst/>
+                        <a:defRPr/>
+                      </a:pPr>
+                      <a:r>
+                        <a:rPr lang="en-US" b="1" dirty="0"/>
+                        <a:t>Be aware:</a:t>
+                      </a:r>
+                    </a:p>
+                    <a:p>
                       <a:pPr marL="285750" marR="0" lvl="0" indent="-285750" algn="l" defTabSz="914400" rtl="0" eaLnBrk="1" fontAlgn="auto" latinLnBrk="0" hangingPunct="1">
                         <a:lnSpc>
                           <a:spcPct val="100000"/>
@@ -29271,7 +31025,10 @@
                         <a:tabLst/>
                         <a:defRPr/>
                       </a:pPr>
-                      <a:endParaRPr lang="en-US" dirty="0"/>
+                      <a:r>
+                        <a:rPr lang="en-US" dirty="0"/>
+                        <a:t>Addresses are often fixed at factory (can’t change)</a:t>
+                      </a:r>
                     </a:p>
                   </a:txBody>
                   <a:tcPr/>
@@ -29334,7 +31091,7 @@
         </p:blipFill>
         <p:spPr>
           <a:xfrm>
-            <a:off x="6096000" y="1689429"/>
+            <a:off x="6542585" y="1567224"/>
             <a:ext cx="911684" cy="710872"/>
           </a:xfrm>
           <a:prstGeom prst="rect">
@@ -29370,8 +31127,8 @@
         </p:blipFill>
         <p:spPr>
           <a:xfrm>
-            <a:off x="7182638" y="1454718"/>
-            <a:ext cx="1929811" cy="1364682"/>
+            <a:off x="8239479" y="1233940"/>
+            <a:ext cx="1482491" cy="1048356"/>
           </a:xfrm>
           <a:prstGeom prst="rect">
             <a:avLst/>
@@ -29406,7 +31163,7 @@
         </p:blipFill>
         <p:spPr>
           <a:xfrm>
-            <a:off x="6140844" y="4806239"/>
+            <a:off x="5914308" y="5222519"/>
             <a:ext cx="3063541" cy="1265328"/>
           </a:xfrm>
           <a:prstGeom prst="rect">
@@ -29454,289 +31211,6 @@
     <p:extLst>
       <p:ext uri="{BB962C8B-B14F-4D97-AF65-F5344CB8AC3E}">
         <p14:creationId xmlns:p14="http://schemas.microsoft.com/office/powerpoint/2010/main" val="2556668720"/>
-      </p:ext>
-    </p:extLst>
-  </p:cSld>
-  <p:clrMapOvr>
-    <a:masterClrMapping/>
-  </p:clrMapOvr>
-</p:sld>
-</file>
-
-<file path=ppt/slides/slide38.xml><?xml version="1.0" encoding="utf-8"?>
-<p:sld xmlns:a="http://schemas.openxmlformats.org/drawingml/2006/main" xmlns:r="http://schemas.openxmlformats.org/officeDocument/2006/relationships" xmlns:p="http://schemas.openxmlformats.org/presentationml/2006/main">
-  <p:cSld>
-    <p:bg>
-      <p:bgPr>
-        <a:gradFill flip="none" rotWithShape="1">
-          <a:gsLst>
-            <a:gs pos="0">
-              <a:schemeClr val="accent5">
-                <a:lumMod val="0"/>
-                <a:lumOff val="100000"/>
-              </a:schemeClr>
-            </a:gs>
-            <a:gs pos="35000">
-              <a:schemeClr val="accent5">
-                <a:lumMod val="0"/>
-                <a:lumOff val="100000"/>
-              </a:schemeClr>
-            </a:gs>
-            <a:gs pos="100000">
-              <a:schemeClr val="accent5">
-                <a:lumMod val="100000"/>
-              </a:schemeClr>
-            </a:gs>
-          </a:gsLst>
-          <a:path path="circle">
-            <a:fillToRect l="50000" t="-80000" r="50000" b="180000"/>
-          </a:path>
-          <a:tileRect/>
-        </a:gradFill>
-        <a:effectLst/>
-      </p:bgPr>
-    </p:bg>
-    <p:spTree>
-      <p:nvGrpSpPr>
-        <p:cNvPr id="1" name=""/>
-        <p:cNvGrpSpPr/>
-        <p:nvPr/>
-      </p:nvGrpSpPr>
-      <p:grpSpPr>
-        <a:xfrm>
-          <a:off x="0" y="0"/>
-          <a:ext cx="0" cy="0"/>
-          <a:chOff x="0" y="0"/>
-          <a:chExt cx="0" cy="0"/>
-        </a:xfrm>
-      </p:grpSpPr>
-      <p:sp>
-        <p:nvSpPr>
-          <p:cNvPr id="2" name="Title 1">
-            <a:extLst>
-              <a:ext uri="{FF2B5EF4-FFF2-40B4-BE49-F238E27FC236}">
-                <a16:creationId xmlns:a16="http://schemas.microsoft.com/office/drawing/2014/main" id="{C5742B55-31B7-4052-A777-A8223F0961DD}"/>
-              </a:ext>
-            </a:extLst>
-          </p:cNvPr>
-          <p:cNvSpPr>
-            <a:spLocks noGrp="1"/>
-          </p:cNvSpPr>
-          <p:nvPr>
-            <p:ph type="ctrTitle"/>
-          </p:nvPr>
-        </p:nvSpPr>
-        <p:spPr/>
-        <p:txBody>
-          <a:bodyPr>
-            <a:normAutofit fontScale="90000"/>
-          </a:bodyPr>
-          <a:lstStyle/>
-          <a:p>
-            <a:br>
-              <a:rPr lang="en-US" sz="5400" b="1" dirty="0">
-                <a:latin typeface="Algerian" panose="04020705040A02060702" pitchFamily="82" charset="0"/>
-              </a:rPr>
-            </a:br>
-            <a:br>
-              <a:rPr lang="en-US" sz="5400" b="1" dirty="0">
-                <a:latin typeface="Algerian" panose="04020705040A02060702" pitchFamily="82" charset="0"/>
-              </a:rPr>
-            </a:br>
-            <a:r>
-              <a:rPr lang="en-US" sz="8000" b="1" dirty="0">
-                <a:latin typeface="MERG_Logo" pitchFamily="2" charset="0"/>
-                <a:ea typeface="+mn-ea"/>
-                <a:cs typeface="+mn-cs"/>
-              </a:rPr>
-              <a:t>(</a:t>
-            </a:r>
-            <a:r>
-              <a:rPr lang="en-US" sz="8000" b="1" dirty="0" err="1">
-                <a:latin typeface="MERG_Logo" pitchFamily="2" charset="0"/>
-                <a:ea typeface="+mn-ea"/>
-                <a:cs typeface="+mn-cs"/>
-              </a:rPr>
-              <a:t>ThE</a:t>
-            </a:r>
-            <a:r>
-              <a:rPr lang="en-US" sz="8000" b="1" dirty="0">
-                <a:latin typeface="MERG_Logo" pitchFamily="2" charset="0"/>
-                <a:ea typeface="+mn-ea"/>
-                <a:cs typeface="+mn-cs"/>
-              </a:rPr>
-              <a:t>)  (</a:t>
-            </a:r>
-            <a:r>
-              <a:rPr lang="en-US" sz="8000" b="1" dirty="0" err="1">
-                <a:latin typeface="MERG_Logo" pitchFamily="2" charset="0"/>
-                <a:ea typeface="+mn-ea"/>
-                <a:cs typeface="+mn-cs"/>
-              </a:rPr>
-              <a:t>ENd</a:t>
-            </a:r>
-            <a:r>
-              <a:rPr lang="en-US" sz="8000" b="1" dirty="0">
-                <a:latin typeface="MERG_Logo" pitchFamily="2" charset="0"/>
-                <a:ea typeface="+mn-ea"/>
-                <a:cs typeface="+mn-cs"/>
-              </a:rPr>
-              <a:t>)</a:t>
-            </a:r>
-          </a:p>
-        </p:txBody>
-      </p:sp>
-      <p:sp>
-        <p:nvSpPr>
-          <p:cNvPr id="6" name="Subtitle 5">
-            <a:extLst>
-              <a:ext uri="{FF2B5EF4-FFF2-40B4-BE49-F238E27FC236}">
-                <a16:creationId xmlns:a16="http://schemas.microsoft.com/office/drawing/2014/main" id="{B61020B8-9BB1-F5C1-CE52-DE27EF7499AC}"/>
-              </a:ext>
-            </a:extLst>
-          </p:cNvPr>
-          <p:cNvSpPr>
-            <a:spLocks noGrp="1"/>
-          </p:cNvSpPr>
-          <p:nvPr>
-            <p:ph type="subTitle" idx="1"/>
-          </p:nvPr>
-        </p:nvSpPr>
-        <p:spPr/>
-        <p:txBody>
-          <a:bodyPr/>
-          <a:lstStyle/>
-          <a:p>
-            <a:endParaRPr lang="en-US" dirty="0"/>
-          </a:p>
-        </p:txBody>
-      </p:sp>
-      <p:pic>
-        <p:nvPicPr>
-          <p:cNvPr id="4" name="Picture 3">
-            <a:extLst>
-              <a:ext uri="{FF2B5EF4-FFF2-40B4-BE49-F238E27FC236}">
-                <a16:creationId xmlns:a16="http://schemas.microsoft.com/office/drawing/2014/main" id="{A1F6D8F6-E16C-93A6-5EDF-73E5ECED7A39}"/>
-              </a:ext>
-            </a:extLst>
-          </p:cNvPr>
-          <p:cNvPicPr>
-            <a:picLocks noChangeAspect="1"/>
-          </p:cNvPicPr>
-          <p:nvPr/>
-        </p:nvPicPr>
-        <p:blipFill>
-          <a:blip r:embed="rId2" cstate="email">
-            <a:extLst>
-              <a:ext uri="{28A0092B-C50C-407E-A947-70E740481C1C}">
-                <a14:useLocalDpi xmlns:a14="http://schemas.microsoft.com/office/drawing/2010/main"/>
-              </a:ext>
-            </a:extLst>
-          </a:blip>
-          <a:stretch>
-            <a:fillRect/>
-          </a:stretch>
-        </p:blipFill>
-        <p:spPr>
-          <a:xfrm>
-            <a:off x="10749400" y="6239363"/>
-            <a:ext cx="1116784" cy="496968"/>
-          </a:xfrm>
-          <a:prstGeom prst="rect">
-            <a:avLst/>
-          </a:prstGeom>
-        </p:spPr>
-      </p:pic>
-      <p:pic>
-        <p:nvPicPr>
-          <p:cNvPr id="5" name="Picture 2" descr="MERG Logo">
-            <a:extLst>
-              <a:ext uri="{FF2B5EF4-FFF2-40B4-BE49-F238E27FC236}">
-                <a16:creationId xmlns:a16="http://schemas.microsoft.com/office/drawing/2014/main" id="{67A36C07-3373-5C78-241C-E2418A300CFF}"/>
-              </a:ext>
-            </a:extLst>
-          </p:cNvPr>
-          <p:cNvPicPr>
-            <a:picLocks noChangeAspect="1" noChangeArrowheads="1"/>
-          </p:cNvPicPr>
-          <p:nvPr/>
-        </p:nvPicPr>
-        <p:blipFill>
-          <a:blip r:embed="rId3" cstate="email">
-            <a:extLst>
-              <a:ext uri="{28A0092B-C50C-407E-A947-70E740481C1C}">
-                <a14:useLocalDpi xmlns:a14="http://schemas.microsoft.com/office/drawing/2010/main"/>
-              </a:ext>
-            </a:extLst>
-          </a:blip>
-          <a:srcRect/>
-          <a:stretch>
-            <a:fillRect/>
-          </a:stretch>
-        </p:blipFill>
-        <p:spPr bwMode="auto">
-          <a:xfrm>
-            <a:off x="600015" y="5973864"/>
-            <a:ext cx="1940824" cy="762467"/>
-          </a:xfrm>
-          <a:prstGeom prst="rect">
-            <a:avLst/>
-          </a:prstGeom>
-          <a:noFill/>
-          <a:extLst>
-            <a:ext uri="{909E8E84-426E-40DD-AFC4-6F175D3DCCD1}">
-              <a14:hiddenFill xmlns:a14="http://schemas.microsoft.com/office/drawing/2010/main">
-                <a:solidFill>
-                  <a:srgbClr val="FFFFFF"/>
-                </a:solidFill>
-              </a14:hiddenFill>
-            </a:ext>
-          </a:extLst>
-        </p:spPr>
-      </p:pic>
-      <p:pic>
-        <p:nvPicPr>
-          <p:cNvPr id="7" name="Picture 6">
-            <a:extLst>
-              <a:ext uri="{FF2B5EF4-FFF2-40B4-BE49-F238E27FC236}">
-                <a16:creationId xmlns:a16="http://schemas.microsoft.com/office/drawing/2014/main" id="{3C962C3A-BB49-B3B2-2B8E-CA15E746E0C4}"/>
-              </a:ext>
-            </a:extLst>
-          </p:cNvPr>
-          <p:cNvPicPr>
-            <a:picLocks noChangeAspect="1"/>
-          </p:cNvPicPr>
-          <p:nvPr/>
-        </p:nvPicPr>
-        <p:blipFill>
-          <a:blip r:embed="rId4" cstate="email">
-            <a:extLst>
-              <a:ext uri="{28A0092B-C50C-407E-A947-70E740481C1C}">
-                <a14:useLocalDpi xmlns:a14="http://schemas.microsoft.com/office/drawing/2010/main"/>
-              </a:ext>
-              <a:ext uri="{837473B0-CC2E-450A-ABE3-18F120FF3D39}">
-                <a1611:picAttrSrcUrl xmlns:a1611="http://schemas.microsoft.com/office/drawing/2016/11/main" r:id="rId5"/>
-              </a:ext>
-            </a:extLst>
-          </a:blip>
-          <a:stretch>
-            <a:fillRect/>
-          </a:stretch>
-        </p:blipFill>
-        <p:spPr>
-          <a:xfrm>
-            <a:off x="6955535" y="4029003"/>
-            <a:ext cx="627617" cy="627617"/>
-          </a:xfrm>
-          <a:prstGeom prst="rect">
-            <a:avLst/>
-          </a:prstGeom>
-        </p:spPr>
-      </p:pic>
-    </p:spTree>
-    <p:extLst>
-      <p:ext uri="{BB962C8B-B14F-4D97-AF65-F5344CB8AC3E}">
-        <p14:creationId xmlns:p14="http://schemas.microsoft.com/office/powerpoint/2010/main" val="784109280"/>
       </p:ext>
     </p:extLst>
   </p:cSld>
@@ -31137,6 +32611,2567 @@
       </p:par>
     </p:tnLst>
   </p:timing>
+</p:sld>
+</file>
+
+<file path=ppt/slides/slide40.xml><?xml version="1.0" encoding="utf-8"?>
+<p:sld xmlns:a="http://schemas.openxmlformats.org/drawingml/2006/main" xmlns:r="http://schemas.openxmlformats.org/officeDocument/2006/relationships" xmlns:p="http://schemas.openxmlformats.org/presentationml/2006/main">
+  <p:cSld>
+    <p:spTree>
+      <p:nvGrpSpPr>
+        <p:cNvPr id="1" name=""/>
+        <p:cNvGrpSpPr/>
+        <p:nvPr/>
+      </p:nvGrpSpPr>
+      <p:grpSpPr>
+        <a:xfrm>
+          <a:off x="0" y="0"/>
+          <a:ext cx="0" cy="0"/>
+          <a:chOff x="0" y="0"/>
+          <a:chExt cx="0" cy="0"/>
+        </a:xfrm>
+      </p:grpSpPr>
+      <p:graphicFrame>
+        <p:nvGraphicFramePr>
+          <p:cNvPr id="7" name="Table 7">
+            <a:extLst>
+              <a:ext uri="{FF2B5EF4-FFF2-40B4-BE49-F238E27FC236}">
+                <a16:creationId xmlns:a16="http://schemas.microsoft.com/office/drawing/2014/main" id="{9B2F03AA-E6B2-4CB4-910F-7DA903FD6ED6}"/>
+              </a:ext>
+            </a:extLst>
+          </p:cNvPr>
+          <p:cNvGraphicFramePr>
+            <a:graphicFrameLocks noGrp="1"/>
+          </p:cNvGraphicFramePr>
+          <p:nvPr>
+            <p:extLst>
+              <p:ext uri="{D42A27DB-BD31-4B8C-83A1-F6EECF244321}">
+                <p14:modId xmlns:p14="http://schemas.microsoft.com/office/powerpoint/2010/main" val="2217419928"/>
+              </p:ext>
+            </p:extLst>
+          </p:nvPr>
+        </p:nvGraphicFramePr>
+        <p:xfrm>
+          <a:off x="577970" y="391006"/>
+          <a:ext cx="11198524" cy="4958881"/>
+        </p:xfrm>
+        <a:graphic>
+          <a:graphicData uri="http://schemas.openxmlformats.org/drawingml/2006/table">
+            <a:tbl>
+              <a:tblPr firstRow="1" bandRow="1">
+                <a:tableStyleId>{5C22544A-7EE6-4342-B048-85BDC9FD1C3A}</a:tableStyleId>
+              </a:tblPr>
+              <a:tblGrid>
+                <a:gridCol w="967595">
+                  <a:extLst>
+                    <a:ext uri="{9D8B030D-6E8A-4147-A177-3AD203B41FA5}">
+                      <a16:colId xmlns:a16="http://schemas.microsoft.com/office/drawing/2014/main" val="747525499"/>
+                    </a:ext>
+                  </a:extLst>
+                </a:gridCol>
+                <a:gridCol w="3604405">
+                  <a:extLst>
+                    <a:ext uri="{9D8B030D-6E8A-4147-A177-3AD203B41FA5}">
+                      <a16:colId xmlns:a16="http://schemas.microsoft.com/office/drawing/2014/main" val="2892156475"/>
+                    </a:ext>
+                  </a:extLst>
+                </a:gridCol>
+                <a:gridCol w="6626524">
+                  <a:extLst>
+                    <a:ext uri="{9D8B030D-6E8A-4147-A177-3AD203B41FA5}">
+                      <a16:colId xmlns:a16="http://schemas.microsoft.com/office/drawing/2014/main" val="3449804923"/>
+                    </a:ext>
+                  </a:extLst>
+                </a:gridCol>
+              </a:tblGrid>
+              <a:tr h="767489">
+                <a:tc>
+                  <a:txBody>
+                    <a:bodyPr/>
+                    <a:lstStyle/>
+                    <a:p>
+                      <a:endParaRPr lang="en-US" sz="4400" dirty="0"/>
+                    </a:p>
+                  </a:txBody>
+                  <a:tcPr/>
+                </a:tc>
+                <a:tc>
+                  <a:txBody>
+                    <a:bodyPr/>
+                    <a:lstStyle/>
+                    <a:p>
+                      <a:r>
+                        <a:rPr lang="en-US" sz="4400" dirty="0">
+                          <a:solidFill>
+                            <a:srgbClr val="FFFF00"/>
+                          </a:solidFill>
+                        </a:rPr>
+                        <a:t>SPI </a:t>
+                      </a:r>
+                    </a:p>
+                  </a:txBody>
+                  <a:tcPr/>
+                </a:tc>
+                <a:tc>
+                  <a:txBody>
+                    <a:bodyPr/>
+                    <a:lstStyle/>
+                    <a:p>
+                      <a:pPr marL="0" marR="0" lvl="0" indent="0" algn="l" defTabSz="914400" rtl="0" eaLnBrk="1" fontAlgn="auto" latinLnBrk="0" hangingPunct="1">
+                        <a:lnSpc>
+                          <a:spcPct val="100000"/>
+                        </a:lnSpc>
+                        <a:spcBef>
+                          <a:spcPts val="0"/>
+                        </a:spcBef>
+                        <a:spcAft>
+                          <a:spcPts val="0"/>
+                        </a:spcAft>
+                        <a:buClrTx/>
+                        <a:buSzTx/>
+                        <a:buFontTx/>
+                        <a:buNone/>
+                        <a:tabLst/>
+                        <a:defRPr/>
+                      </a:pPr>
+                      <a:r>
+                        <a:rPr lang="en-US" sz="4400" b="1" kern="1200" dirty="0">
+                          <a:solidFill>
+                            <a:schemeClr val="lt1"/>
+                          </a:solidFill>
+                          <a:latin typeface="+mn-lt"/>
+                          <a:ea typeface="+mn-ea"/>
+                          <a:cs typeface="+mn-cs"/>
+                        </a:rPr>
+                        <a:t>Serial Communications</a:t>
+                      </a:r>
+                    </a:p>
+                  </a:txBody>
+                  <a:tcPr/>
+                </a:tc>
+                <a:extLst>
+                  <a:ext uri="{0D108BD9-81ED-4DB2-BD59-A6C34878D82A}">
+                    <a16:rowId xmlns:a16="http://schemas.microsoft.com/office/drawing/2014/main" val="4166713368"/>
+                  </a:ext>
+                </a:extLst>
+              </a:tr>
+              <a:tr h="1733872">
+                <a:tc gridSpan="2">
+                  <a:txBody>
+                    <a:bodyPr/>
+                    <a:lstStyle/>
+                    <a:p>
+                      <a:r>
+                        <a:rPr lang="en-US" sz="1800" b="1" i="0" kern="1200" dirty="0">
+                          <a:solidFill>
+                            <a:schemeClr val="dk1"/>
+                          </a:solidFill>
+                          <a:effectLst/>
+                          <a:latin typeface="+mn-lt"/>
+                          <a:ea typeface="+mn-ea"/>
+                          <a:cs typeface="+mn-cs"/>
+                        </a:rPr>
+                        <a:t>SPI = </a:t>
+                      </a:r>
+                      <a:r>
+                        <a:rPr lang="en-US" sz="1800" b="0" i="0" kern="1200" dirty="0">
+                          <a:solidFill>
+                            <a:schemeClr val="dk1"/>
+                          </a:solidFill>
+                          <a:effectLst/>
+                          <a:latin typeface="+mn-lt"/>
+                          <a:ea typeface="+mn-ea"/>
+                          <a:cs typeface="+mn-cs"/>
+                        </a:rPr>
+                        <a:t>Serial Peripheral Interconnect</a:t>
+                      </a:r>
+                    </a:p>
+                    <a:p>
+                      <a:pPr marL="0" marR="0" lvl="0" indent="0" algn="l" defTabSz="914400" rtl="0" eaLnBrk="1" fontAlgn="auto" latinLnBrk="0" hangingPunct="1">
+                        <a:lnSpc>
+                          <a:spcPct val="100000"/>
+                        </a:lnSpc>
+                        <a:spcBef>
+                          <a:spcPts val="0"/>
+                        </a:spcBef>
+                        <a:spcAft>
+                          <a:spcPts val="0"/>
+                        </a:spcAft>
+                        <a:buClrTx/>
+                        <a:buSzTx/>
+                        <a:buFontTx/>
+                        <a:buNone/>
+                        <a:tabLst/>
+                        <a:defRPr/>
+                      </a:pPr>
+                      <a:r>
+                        <a:rPr lang="en-US" sz="1800" b="0" i="0" kern="1200" dirty="0">
+                          <a:solidFill>
+                            <a:schemeClr val="dk1"/>
+                          </a:solidFill>
+                          <a:effectLst/>
+                          <a:latin typeface="+mn-lt"/>
+                          <a:ea typeface="+mn-ea"/>
+                          <a:cs typeface="+mn-cs"/>
+                        </a:rPr>
+                        <a:t>A synchronous multi-drop communication protocol. (not multi-master)</a:t>
+                      </a:r>
+                    </a:p>
+                    <a:p>
+                      <a:pPr marL="0" marR="0" lvl="0" indent="0" algn="l" defTabSz="914400" rtl="0" eaLnBrk="1" fontAlgn="auto" latinLnBrk="0" hangingPunct="1">
+                        <a:lnSpc>
+                          <a:spcPct val="100000"/>
+                        </a:lnSpc>
+                        <a:spcBef>
+                          <a:spcPts val="0"/>
+                        </a:spcBef>
+                        <a:spcAft>
+                          <a:spcPts val="0"/>
+                        </a:spcAft>
+                        <a:buClrTx/>
+                        <a:buSzTx/>
+                        <a:buFontTx/>
+                        <a:buNone/>
+                        <a:tabLst/>
+                        <a:defRPr/>
+                      </a:pPr>
+                      <a:endParaRPr lang="en-US" sz="1800" b="1" i="0" kern="1200" dirty="0">
+                        <a:solidFill>
+                          <a:schemeClr val="dk1"/>
+                        </a:solidFill>
+                        <a:effectLst/>
+                        <a:latin typeface="+mn-lt"/>
+                        <a:ea typeface="+mn-ea"/>
+                        <a:cs typeface="+mn-cs"/>
+                      </a:endParaRPr>
+                    </a:p>
+                    <a:p>
+                      <a:endParaRPr lang="en-US" b="0" dirty="0"/>
+                    </a:p>
+                  </a:txBody>
+                  <a:tcPr/>
+                </a:tc>
+                <a:tc hMerge="1">
+                  <a:txBody>
+                    <a:bodyPr/>
+                    <a:lstStyle/>
+                    <a:p>
+                      <a:endParaRPr lang="en-US"/>
+                    </a:p>
+                  </a:txBody>
+                  <a:tcPr/>
+                </a:tc>
+                <a:tc>
+                  <a:txBody>
+                    <a:bodyPr/>
+                    <a:lstStyle/>
+                    <a:p>
+                      <a:r>
+                        <a:rPr lang="en-US" sz="1800" b="1" i="0" kern="1200" dirty="0">
+                          <a:solidFill>
+                            <a:schemeClr val="dk1"/>
+                          </a:solidFill>
+                          <a:effectLst/>
+                          <a:latin typeface="+mn-lt"/>
+                          <a:ea typeface="+mn-ea"/>
+                          <a:cs typeface="+mn-cs"/>
+                        </a:rPr>
+                        <a:t>Note: </a:t>
+                      </a:r>
+                      <a:r>
+                        <a:rPr lang="en-US" sz="1800" b="0" i="0" kern="1200" dirty="0">
+                          <a:solidFill>
+                            <a:schemeClr val="dk1"/>
+                          </a:solidFill>
+                          <a:effectLst/>
+                          <a:latin typeface="+mn-lt"/>
+                          <a:ea typeface="+mn-ea"/>
+                          <a:cs typeface="+mn-cs"/>
+                        </a:rPr>
+                        <a:t>The terminology for SPI is in transition. </a:t>
+                      </a:r>
+                    </a:p>
+                  </a:txBody>
+                  <a:tcPr/>
+                </a:tc>
+                <a:extLst>
+                  <a:ext uri="{0D108BD9-81ED-4DB2-BD59-A6C34878D82A}">
+                    <a16:rowId xmlns:a16="http://schemas.microsoft.com/office/drawing/2014/main" val="1083252038"/>
+                  </a:ext>
+                </a:extLst>
+              </a:tr>
+              <a:tr h="1418400">
+                <a:tc gridSpan="2">
+                  <a:txBody>
+                    <a:bodyPr/>
+                    <a:lstStyle/>
+                    <a:p>
+                      <a:pPr marL="0" marR="0" lvl="0" indent="0" algn="l" defTabSz="914400" rtl="0" eaLnBrk="1" fontAlgn="auto" latinLnBrk="0" hangingPunct="1">
+                        <a:lnSpc>
+                          <a:spcPct val="100000"/>
+                        </a:lnSpc>
+                        <a:spcBef>
+                          <a:spcPts val="0"/>
+                        </a:spcBef>
+                        <a:spcAft>
+                          <a:spcPts val="0"/>
+                        </a:spcAft>
+                        <a:buClrTx/>
+                        <a:buSzTx/>
+                        <a:buFontTx/>
+                        <a:buNone/>
+                        <a:tabLst/>
+                        <a:defRPr/>
+                      </a:pPr>
+                      <a:endParaRPr lang="en-US" sz="1800" b="1" i="0" kern="1200" dirty="0">
+                        <a:solidFill>
+                          <a:schemeClr val="dk1"/>
+                        </a:solidFill>
+                        <a:effectLst/>
+                        <a:latin typeface="+mn-lt"/>
+                        <a:ea typeface="+mn-ea"/>
+                        <a:cs typeface="+mn-cs"/>
+                      </a:endParaRPr>
+                    </a:p>
+                    <a:p>
+                      <a:pPr marL="0" marR="0" lvl="0" indent="0" algn="l" defTabSz="914400" rtl="0" eaLnBrk="1" fontAlgn="auto" latinLnBrk="0" hangingPunct="1">
+                        <a:lnSpc>
+                          <a:spcPct val="100000"/>
+                        </a:lnSpc>
+                        <a:spcBef>
+                          <a:spcPts val="0"/>
+                        </a:spcBef>
+                        <a:spcAft>
+                          <a:spcPts val="0"/>
+                        </a:spcAft>
+                        <a:buClrTx/>
+                        <a:buSzTx/>
+                        <a:buFontTx/>
+                        <a:buNone/>
+                        <a:tabLst/>
+                        <a:defRPr/>
+                      </a:pPr>
+                      <a:r>
+                        <a:rPr lang="en-US" sz="1800" b="1" i="0" kern="1200" dirty="0">
+                          <a:solidFill>
+                            <a:schemeClr val="dk1"/>
+                          </a:solidFill>
+                          <a:effectLst/>
+                          <a:latin typeface="+mn-lt"/>
+                          <a:ea typeface="+mn-ea"/>
+                          <a:cs typeface="+mn-cs"/>
+                        </a:rPr>
+                        <a:t>SPI</a:t>
+                      </a:r>
+                      <a:r>
+                        <a:rPr lang="en-US" sz="1800" b="0" i="0" kern="1200" dirty="0">
+                          <a:solidFill>
+                            <a:schemeClr val="dk1"/>
+                          </a:solidFill>
+                          <a:effectLst/>
+                          <a:latin typeface="+mn-lt"/>
+                          <a:ea typeface="+mn-ea"/>
+                          <a:cs typeface="+mn-cs"/>
+                        </a:rPr>
+                        <a:t> offers the best functionality for closely coupled applications. </a:t>
+                      </a:r>
+                    </a:p>
+                    <a:p>
+                      <a:pPr marL="0" marR="0" lvl="0" indent="0" algn="l" defTabSz="914400" rtl="0" eaLnBrk="1" fontAlgn="auto" latinLnBrk="0" hangingPunct="1">
+                        <a:lnSpc>
+                          <a:spcPct val="100000"/>
+                        </a:lnSpc>
+                        <a:spcBef>
+                          <a:spcPts val="0"/>
+                        </a:spcBef>
+                        <a:spcAft>
+                          <a:spcPts val="0"/>
+                        </a:spcAft>
+                        <a:buClrTx/>
+                        <a:buSzTx/>
+                        <a:buFontTx/>
+                        <a:buNone/>
+                        <a:tabLst/>
+                        <a:defRPr/>
+                      </a:pPr>
+                      <a:endParaRPr lang="en-US" dirty="0"/>
+                    </a:p>
+                  </a:txBody>
+                  <a:tcPr/>
+                </a:tc>
+                <a:tc hMerge="1">
+                  <a:txBody>
+                    <a:bodyPr/>
+                    <a:lstStyle/>
+                    <a:p>
+                      <a:endParaRPr lang="en-US"/>
+                    </a:p>
+                  </a:txBody>
+                  <a:tcPr/>
+                </a:tc>
+                <a:tc>
+                  <a:txBody>
+                    <a:bodyPr/>
+                    <a:lstStyle/>
+                    <a:p>
+                      <a:pPr marL="0" marR="0" lvl="0" indent="0" algn="l" defTabSz="914400" rtl="0" eaLnBrk="1" fontAlgn="auto" latinLnBrk="0" hangingPunct="1">
+                        <a:lnSpc>
+                          <a:spcPct val="100000"/>
+                        </a:lnSpc>
+                        <a:spcBef>
+                          <a:spcPts val="0"/>
+                        </a:spcBef>
+                        <a:spcAft>
+                          <a:spcPts val="0"/>
+                        </a:spcAft>
+                        <a:buClrTx/>
+                        <a:buSzTx/>
+                        <a:buFontTx/>
+                        <a:buNone/>
+                        <a:tabLst/>
+                        <a:defRPr/>
+                      </a:pPr>
+                      <a:r>
+                        <a:rPr lang="en-US" b="1" dirty="0"/>
+                        <a:t>Pros:</a:t>
+                      </a:r>
+                    </a:p>
+                    <a:p>
+                      <a:pPr marL="0" marR="0" lvl="0" indent="0" algn="l" defTabSz="914400" rtl="0" eaLnBrk="1" fontAlgn="auto" latinLnBrk="0" hangingPunct="1">
+                        <a:lnSpc>
+                          <a:spcPct val="100000"/>
+                        </a:lnSpc>
+                        <a:spcBef>
+                          <a:spcPts val="0"/>
+                        </a:spcBef>
+                        <a:spcAft>
+                          <a:spcPts val="0"/>
+                        </a:spcAft>
+                        <a:buClrTx/>
+                        <a:buSzTx/>
+                        <a:buFontTx/>
+                        <a:buNone/>
+                        <a:tabLst/>
+                        <a:defRPr/>
+                      </a:pPr>
+                      <a:r>
+                        <a:rPr lang="en-US" sz="1800" b="0" i="0" kern="1200" dirty="0">
+                          <a:solidFill>
+                            <a:schemeClr val="dk1"/>
+                          </a:solidFill>
+                          <a:effectLst/>
+                          <a:latin typeface="+mn-lt"/>
+                          <a:ea typeface="+mn-ea"/>
+                          <a:cs typeface="+mn-cs"/>
+                        </a:rPr>
+                        <a:t>Significantly more performance than other protocols.</a:t>
+                      </a:r>
+                    </a:p>
+                    <a:p>
+                      <a:pPr marL="0" marR="0" lvl="0" indent="0" algn="l" defTabSz="914400" rtl="0" eaLnBrk="1" fontAlgn="auto" latinLnBrk="0" hangingPunct="1">
+                        <a:lnSpc>
+                          <a:spcPct val="100000"/>
+                        </a:lnSpc>
+                        <a:spcBef>
+                          <a:spcPts val="0"/>
+                        </a:spcBef>
+                        <a:spcAft>
+                          <a:spcPts val="0"/>
+                        </a:spcAft>
+                        <a:buClrTx/>
+                        <a:buSzTx/>
+                        <a:buFontTx/>
+                        <a:buNone/>
+                        <a:tabLst/>
+                        <a:defRPr/>
+                      </a:pPr>
+                      <a:r>
+                        <a:rPr lang="en-US" sz="1800" b="0" i="0" kern="1200" dirty="0">
+                          <a:solidFill>
+                            <a:schemeClr val="dk1"/>
+                          </a:solidFill>
+                          <a:effectLst/>
+                          <a:latin typeface="+mn-lt"/>
+                          <a:ea typeface="+mn-ea"/>
+                          <a:cs typeface="+mn-cs"/>
+                        </a:rPr>
+                        <a:t>No addressing except by hardware (using chip select)</a:t>
+                      </a:r>
+                    </a:p>
+                    <a:p>
+                      <a:pPr marL="0" marR="0" lvl="0" indent="0" algn="l" defTabSz="914400" rtl="0" eaLnBrk="1" fontAlgn="auto" latinLnBrk="0" hangingPunct="1">
+                        <a:lnSpc>
+                          <a:spcPct val="100000"/>
+                        </a:lnSpc>
+                        <a:spcBef>
+                          <a:spcPts val="0"/>
+                        </a:spcBef>
+                        <a:spcAft>
+                          <a:spcPts val="0"/>
+                        </a:spcAft>
+                        <a:buClrTx/>
+                        <a:buSzTx/>
+                        <a:buFontTx/>
+                        <a:buNone/>
+                        <a:tabLst/>
+                        <a:defRPr/>
+                      </a:pPr>
+                      <a:r>
+                        <a:rPr lang="en-US" b="1" dirty="0"/>
+                        <a:t>Cons: </a:t>
+                      </a:r>
+                      <a:r>
+                        <a:rPr lang="en-US" b="0" dirty="0"/>
+                        <a:t>R</a:t>
+                      </a:r>
+                      <a:r>
+                        <a:rPr lang="en-US" sz="1800" b="0" i="0" kern="1200" dirty="0">
+                          <a:solidFill>
+                            <a:schemeClr val="dk1"/>
+                          </a:solidFill>
+                          <a:effectLst/>
+                          <a:latin typeface="+mn-lt"/>
+                          <a:ea typeface="+mn-ea"/>
+                          <a:cs typeface="+mn-cs"/>
+                        </a:rPr>
+                        <a:t>equires chip select logic if you have multiple peripherals. </a:t>
+                      </a:r>
+                    </a:p>
+                    <a:p>
+                      <a:pPr marL="0" marR="0" lvl="0" indent="0" algn="l" defTabSz="914400" rtl="0" eaLnBrk="1" fontAlgn="auto" latinLnBrk="0" hangingPunct="1">
+                        <a:lnSpc>
+                          <a:spcPct val="100000"/>
+                        </a:lnSpc>
+                        <a:spcBef>
+                          <a:spcPts val="0"/>
+                        </a:spcBef>
+                        <a:spcAft>
+                          <a:spcPts val="0"/>
+                        </a:spcAft>
+                        <a:buClrTx/>
+                        <a:buSzTx/>
+                        <a:buFontTx/>
+                        <a:buNone/>
+                        <a:tabLst/>
+                        <a:defRPr/>
+                      </a:pPr>
+                      <a:endParaRPr lang="en-US" dirty="0">
+                        <a:solidFill>
+                          <a:schemeClr val="accent2">
+                            <a:lumMod val="75000"/>
+                          </a:schemeClr>
+                        </a:solidFill>
+                      </a:endParaRPr>
+                    </a:p>
+                  </a:txBody>
+                  <a:tcPr/>
+                </a:tc>
+                <a:extLst>
+                  <a:ext uri="{0D108BD9-81ED-4DB2-BD59-A6C34878D82A}">
+                    <a16:rowId xmlns:a16="http://schemas.microsoft.com/office/drawing/2014/main" val="2494442280"/>
+                  </a:ext>
+                </a:extLst>
+              </a:tr>
+              <a:tr h="994480">
+                <a:tc gridSpan="3">
+                  <a:txBody>
+                    <a:bodyPr/>
+                    <a:lstStyle/>
+                    <a:p>
+                      <a:pPr marL="0" marR="0" lvl="0" indent="0" algn="l" defTabSz="914400" rtl="0" eaLnBrk="1" fontAlgn="auto" latinLnBrk="0" hangingPunct="1">
+                        <a:lnSpc>
+                          <a:spcPct val="100000"/>
+                        </a:lnSpc>
+                        <a:spcBef>
+                          <a:spcPts val="0"/>
+                        </a:spcBef>
+                        <a:spcAft>
+                          <a:spcPts val="0"/>
+                        </a:spcAft>
+                        <a:buClrTx/>
+                        <a:buSzTx/>
+                        <a:buFontTx/>
+                        <a:buNone/>
+                        <a:tabLst/>
+                        <a:defRPr/>
+                      </a:pPr>
+                      <a:r>
+                        <a:rPr lang="en-US" sz="1800" b="0" i="0" kern="1200" dirty="0">
+                          <a:solidFill>
+                            <a:schemeClr val="dk1"/>
+                          </a:solidFill>
+                          <a:effectLst/>
+                          <a:latin typeface="+mn-lt"/>
+                          <a:ea typeface="+mn-ea"/>
+                          <a:cs typeface="+mn-cs"/>
+                        </a:rPr>
+                        <a:t>Built in support is present on most controllers and makes the implementation task quite simple however (according to Arduino) the difficult part about SPI is that the standard is loose and each device implements it a little differently. This means you have to pay special attention to the datasheet of your peripheral.</a:t>
+                      </a:r>
+                      <a:endParaRPr lang="en-US" dirty="0"/>
+                    </a:p>
+                  </a:txBody>
+                  <a:tcPr/>
+                </a:tc>
+                <a:tc hMerge="1">
+                  <a:txBody>
+                    <a:bodyPr/>
+                    <a:lstStyle/>
+                    <a:p>
+                      <a:endParaRPr lang="en-US"/>
+                    </a:p>
+                  </a:txBody>
+                  <a:tcPr/>
+                </a:tc>
+                <a:tc hMerge="1">
+                  <a:txBody>
+                    <a:bodyPr/>
+                    <a:lstStyle/>
+                    <a:p>
+                      <a:endParaRPr lang="en-US" dirty="0"/>
+                    </a:p>
+                  </a:txBody>
+                  <a:tcPr/>
+                </a:tc>
+                <a:extLst>
+                  <a:ext uri="{0D108BD9-81ED-4DB2-BD59-A6C34878D82A}">
+                    <a16:rowId xmlns:a16="http://schemas.microsoft.com/office/drawing/2014/main" val="1235703702"/>
+                  </a:ext>
+                </a:extLst>
+              </a:tr>
+            </a:tbl>
+          </a:graphicData>
+        </a:graphic>
+      </p:graphicFrame>
+      <p:sp>
+        <p:nvSpPr>
+          <p:cNvPr id="8" name="Subtitle 2">
+            <a:extLst>
+              <a:ext uri="{FF2B5EF4-FFF2-40B4-BE49-F238E27FC236}">
+                <a16:creationId xmlns:a16="http://schemas.microsoft.com/office/drawing/2014/main" id="{7AFF94B5-A049-2183-7DF4-C57A515AC81C}"/>
+              </a:ext>
+            </a:extLst>
+          </p:cNvPr>
+          <p:cNvSpPr txBox="1">
+            <a:spLocks/>
+          </p:cNvSpPr>
+          <p:nvPr/>
+        </p:nvSpPr>
+        <p:spPr>
+          <a:xfrm>
+            <a:off x="560718" y="6177560"/>
+            <a:ext cx="1357223" cy="558771"/>
+          </a:xfrm>
+          <a:prstGeom prst="rect">
+            <a:avLst/>
+          </a:prstGeom>
+        </p:spPr>
+        <p:txBody>
+          <a:bodyPr vert="horz" lIns="91440" tIns="45720" rIns="91440" bIns="45720" rtlCol="0">
+            <a:noAutofit/>
+          </a:bodyPr>
+          <a:lstStyle>
+            <a:lvl1pPr marL="0" indent="0" algn="ctr" defTabSz="914400" rtl="0" eaLnBrk="1" latinLnBrk="0" hangingPunct="1">
+              <a:lnSpc>
+                <a:spcPct val="90000"/>
+              </a:lnSpc>
+              <a:spcBef>
+                <a:spcPts val="1000"/>
+              </a:spcBef>
+              <a:buFont typeface="Arial" panose="020B0604020202020204" pitchFamily="34" charset="0"/>
+              <a:buNone/>
+              <a:defRPr sz="2400" kern="1200">
+                <a:solidFill>
+                  <a:schemeClr val="tx1"/>
+                </a:solidFill>
+                <a:latin typeface="+mn-lt"/>
+                <a:ea typeface="+mn-ea"/>
+                <a:cs typeface="+mn-cs"/>
+              </a:defRPr>
+            </a:lvl1pPr>
+            <a:lvl2pPr marL="457200" indent="0" algn="ctr" defTabSz="914400" rtl="0" eaLnBrk="1" latinLnBrk="0" hangingPunct="1">
+              <a:lnSpc>
+                <a:spcPct val="90000"/>
+              </a:lnSpc>
+              <a:spcBef>
+                <a:spcPts val="500"/>
+              </a:spcBef>
+              <a:buFont typeface="Arial" panose="020B0604020202020204" pitchFamily="34" charset="0"/>
+              <a:buNone/>
+              <a:defRPr sz="2000" kern="1200">
+                <a:solidFill>
+                  <a:schemeClr val="tx1"/>
+                </a:solidFill>
+                <a:latin typeface="+mn-lt"/>
+                <a:ea typeface="+mn-ea"/>
+                <a:cs typeface="+mn-cs"/>
+              </a:defRPr>
+            </a:lvl2pPr>
+            <a:lvl3pPr marL="914400" indent="0" algn="ctr" defTabSz="914400" rtl="0" eaLnBrk="1" latinLnBrk="0" hangingPunct="1">
+              <a:lnSpc>
+                <a:spcPct val="90000"/>
+              </a:lnSpc>
+              <a:spcBef>
+                <a:spcPts val="500"/>
+              </a:spcBef>
+              <a:buFont typeface="Arial" panose="020B0604020202020204" pitchFamily="34" charset="0"/>
+              <a:buNone/>
+              <a:defRPr sz="1800" kern="1200">
+                <a:solidFill>
+                  <a:schemeClr val="tx1"/>
+                </a:solidFill>
+                <a:latin typeface="+mn-lt"/>
+                <a:ea typeface="+mn-ea"/>
+                <a:cs typeface="+mn-cs"/>
+              </a:defRPr>
+            </a:lvl3pPr>
+            <a:lvl4pPr marL="1371600" indent="0" algn="ctr" defTabSz="914400" rtl="0" eaLnBrk="1" latinLnBrk="0" hangingPunct="1">
+              <a:lnSpc>
+                <a:spcPct val="90000"/>
+              </a:lnSpc>
+              <a:spcBef>
+                <a:spcPts val="500"/>
+              </a:spcBef>
+              <a:buFont typeface="Arial" panose="020B0604020202020204" pitchFamily="34" charset="0"/>
+              <a:buNone/>
+              <a:defRPr sz="1600" kern="1200">
+                <a:solidFill>
+                  <a:schemeClr val="tx1"/>
+                </a:solidFill>
+                <a:latin typeface="+mn-lt"/>
+                <a:ea typeface="+mn-ea"/>
+                <a:cs typeface="+mn-cs"/>
+              </a:defRPr>
+            </a:lvl4pPr>
+            <a:lvl5pPr marL="1828800" indent="0" algn="ctr" defTabSz="914400" rtl="0" eaLnBrk="1" latinLnBrk="0" hangingPunct="1">
+              <a:lnSpc>
+                <a:spcPct val="90000"/>
+              </a:lnSpc>
+              <a:spcBef>
+                <a:spcPts val="500"/>
+              </a:spcBef>
+              <a:buFont typeface="Arial" panose="020B0604020202020204" pitchFamily="34" charset="0"/>
+              <a:buNone/>
+              <a:defRPr sz="1600" kern="1200">
+                <a:solidFill>
+                  <a:schemeClr val="tx1"/>
+                </a:solidFill>
+                <a:latin typeface="+mn-lt"/>
+                <a:ea typeface="+mn-ea"/>
+                <a:cs typeface="+mn-cs"/>
+              </a:defRPr>
+            </a:lvl5pPr>
+            <a:lvl6pPr marL="2286000" indent="0" algn="ctr" defTabSz="914400" rtl="0" eaLnBrk="1" latinLnBrk="0" hangingPunct="1">
+              <a:lnSpc>
+                <a:spcPct val="90000"/>
+              </a:lnSpc>
+              <a:spcBef>
+                <a:spcPts val="500"/>
+              </a:spcBef>
+              <a:buFont typeface="Arial" panose="020B0604020202020204" pitchFamily="34" charset="0"/>
+              <a:buNone/>
+              <a:defRPr sz="1600" kern="1200">
+                <a:solidFill>
+                  <a:schemeClr val="tx1"/>
+                </a:solidFill>
+                <a:latin typeface="+mn-lt"/>
+                <a:ea typeface="+mn-ea"/>
+                <a:cs typeface="+mn-cs"/>
+              </a:defRPr>
+            </a:lvl6pPr>
+            <a:lvl7pPr marL="2743200" indent="0" algn="ctr" defTabSz="914400" rtl="0" eaLnBrk="1" latinLnBrk="0" hangingPunct="1">
+              <a:lnSpc>
+                <a:spcPct val="90000"/>
+              </a:lnSpc>
+              <a:spcBef>
+                <a:spcPts val="500"/>
+              </a:spcBef>
+              <a:buFont typeface="Arial" panose="020B0604020202020204" pitchFamily="34" charset="0"/>
+              <a:buNone/>
+              <a:defRPr sz="1600" kern="1200">
+                <a:solidFill>
+                  <a:schemeClr val="tx1"/>
+                </a:solidFill>
+                <a:latin typeface="+mn-lt"/>
+                <a:ea typeface="+mn-ea"/>
+                <a:cs typeface="+mn-cs"/>
+              </a:defRPr>
+            </a:lvl7pPr>
+            <a:lvl8pPr marL="3200400" indent="0" algn="ctr" defTabSz="914400" rtl="0" eaLnBrk="1" latinLnBrk="0" hangingPunct="1">
+              <a:lnSpc>
+                <a:spcPct val="90000"/>
+              </a:lnSpc>
+              <a:spcBef>
+                <a:spcPts val="500"/>
+              </a:spcBef>
+              <a:buFont typeface="Arial" panose="020B0604020202020204" pitchFamily="34" charset="0"/>
+              <a:buNone/>
+              <a:defRPr sz="1600" kern="1200">
+                <a:solidFill>
+                  <a:schemeClr val="tx1"/>
+                </a:solidFill>
+                <a:latin typeface="+mn-lt"/>
+                <a:ea typeface="+mn-ea"/>
+                <a:cs typeface="+mn-cs"/>
+              </a:defRPr>
+            </a:lvl8pPr>
+            <a:lvl9pPr marL="3657600" indent="0" algn="ctr" defTabSz="914400" rtl="0" eaLnBrk="1" latinLnBrk="0" hangingPunct="1">
+              <a:lnSpc>
+                <a:spcPct val="90000"/>
+              </a:lnSpc>
+              <a:spcBef>
+                <a:spcPts val="500"/>
+              </a:spcBef>
+              <a:buFont typeface="Arial" panose="020B0604020202020204" pitchFamily="34" charset="0"/>
+              <a:buNone/>
+              <a:defRPr sz="1600" kern="1200">
+                <a:solidFill>
+                  <a:schemeClr val="tx1"/>
+                </a:solidFill>
+                <a:latin typeface="+mn-lt"/>
+                <a:ea typeface="+mn-ea"/>
+                <a:cs typeface="+mn-cs"/>
+              </a:defRPr>
+            </a:lvl9pPr>
+          </a:lstStyle>
+          <a:p>
+            <a:endParaRPr lang="en-US" sz="3200" b="1" dirty="0">
+              <a:solidFill>
+                <a:schemeClr val="accent1">
+                  <a:lumMod val="60000"/>
+                  <a:lumOff val="40000"/>
+                </a:schemeClr>
+              </a:solidFill>
+              <a:latin typeface="MERG_Logo" pitchFamily="2" charset="0"/>
+            </a:endParaRPr>
+          </a:p>
+        </p:txBody>
+      </p:sp>
+      <p:pic>
+        <p:nvPicPr>
+          <p:cNvPr id="9" name="Picture 8">
+            <a:extLst>
+              <a:ext uri="{FF2B5EF4-FFF2-40B4-BE49-F238E27FC236}">
+                <a16:creationId xmlns:a16="http://schemas.microsoft.com/office/drawing/2014/main" id="{8BDECE6B-87DF-5CB2-739B-0063A17FCC98}"/>
+              </a:ext>
+            </a:extLst>
+          </p:cNvPr>
+          <p:cNvPicPr>
+            <a:picLocks noChangeAspect="1"/>
+          </p:cNvPicPr>
+          <p:nvPr/>
+        </p:nvPicPr>
+        <p:blipFill>
+          <a:blip r:embed="rId2" cstate="email">
+            <a:extLst>
+              <a:ext uri="{28A0092B-C50C-407E-A947-70E740481C1C}">
+                <a14:useLocalDpi xmlns:a14="http://schemas.microsoft.com/office/drawing/2010/main"/>
+              </a:ext>
+            </a:extLst>
+          </a:blip>
+          <a:stretch>
+            <a:fillRect/>
+          </a:stretch>
+        </p:blipFill>
+        <p:spPr>
+          <a:xfrm>
+            <a:off x="10749400" y="6239363"/>
+            <a:ext cx="1116784" cy="496968"/>
+          </a:xfrm>
+          <a:prstGeom prst="rect">
+            <a:avLst/>
+          </a:prstGeom>
+        </p:spPr>
+      </p:pic>
+      <p:graphicFrame>
+        <p:nvGraphicFramePr>
+          <p:cNvPr id="3" name="Table 2">
+            <a:extLst>
+              <a:ext uri="{FF2B5EF4-FFF2-40B4-BE49-F238E27FC236}">
+                <a16:creationId xmlns:a16="http://schemas.microsoft.com/office/drawing/2014/main" id="{61F56E76-EADF-09CF-21D5-1013C20E5A2D}"/>
+              </a:ext>
+            </a:extLst>
+          </p:cNvPr>
+          <p:cNvGraphicFramePr>
+            <a:graphicFrameLocks noGrp="1"/>
+          </p:cNvGraphicFramePr>
+          <p:nvPr>
+            <p:extLst>
+              <p:ext uri="{D42A27DB-BD31-4B8C-83A1-F6EECF244321}">
+                <p14:modId xmlns:p14="http://schemas.microsoft.com/office/powerpoint/2010/main" val="19319153"/>
+              </p:ext>
+            </p:extLst>
+          </p:nvPr>
+        </p:nvGraphicFramePr>
+        <p:xfrm>
+          <a:off x="6219645" y="1627229"/>
+          <a:ext cx="4372874" cy="990600"/>
+        </p:xfrm>
+        <a:graphic>
+          <a:graphicData uri="http://schemas.openxmlformats.org/drawingml/2006/table">
+            <a:tbl>
+              <a:tblPr/>
+              <a:tblGrid>
+                <a:gridCol w="2017384">
+                  <a:extLst>
+                    <a:ext uri="{9D8B030D-6E8A-4147-A177-3AD203B41FA5}">
+                      <a16:colId xmlns:a16="http://schemas.microsoft.com/office/drawing/2014/main" val="2121324212"/>
+                    </a:ext>
+                  </a:extLst>
+                </a:gridCol>
+                <a:gridCol w="2355490">
+                  <a:extLst>
+                    <a:ext uri="{9D8B030D-6E8A-4147-A177-3AD203B41FA5}">
+                      <a16:colId xmlns:a16="http://schemas.microsoft.com/office/drawing/2014/main" val="2950741367"/>
+                    </a:ext>
+                  </a:extLst>
+                </a:gridCol>
+              </a:tblGrid>
+              <a:tr h="0">
+                <a:tc>
+                  <a:txBody>
+                    <a:bodyPr/>
+                    <a:lstStyle/>
+                    <a:p>
+                      <a:pPr algn="l"/>
+                      <a:r>
+                        <a:rPr lang="en-US" sz="1000" b="1" dirty="0">
+                          <a:effectLst/>
+                          <a:latin typeface="Open Sans" panose="020B0606030504020204" pitchFamily="34" charset="0"/>
+                        </a:rPr>
+                        <a:t>Master/Slave (OLD)</a:t>
+                      </a:r>
+                    </a:p>
+                  </a:txBody>
+                  <a:tcPr marL="76200" marR="76200" marT="76200" marB="76200" anchor="ctr">
+                    <a:lnL w="9525" cap="flat" cmpd="sng" algn="ctr">
+                      <a:solidFill>
+                        <a:srgbClr val="C9D2D2"/>
+                      </a:solidFill>
+                      <a:prstDash val="solid"/>
+                      <a:round/>
+                      <a:headEnd type="none" w="med" len="med"/>
+                      <a:tailEnd type="none" w="med" len="med"/>
+                    </a:lnL>
+                    <a:lnR w="9525" cap="flat" cmpd="sng" algn="ctr">
+                      <a:solidFill>
+                        <a:srgbClr val="C9D2D2"/>
+                      </a:solidFill>
+                      <a:prstDash val="solid"/>
+                      <a:round/>
+                      <a:headEnd type="none" w="med" len="med"/>
+                      <a:tailEnd type="none" w="med" len="med"/>
+                    </a:lnR>
+                    <a:lnT w="9525" cap="flat" cmpd="sng" algn="ctr">
+                      <a:solidFill>
+                        <a:srgbClr val="C9D2D2"/>
+                      </a:solidFill>
+                      <a:prstDash val="solid"/>
+                      <a:round/>
+                      <a:headEnd type="none" w="med" len="med"/>
+                      <a:tailEnd type="none" w="med" len="med"/>
+                    </a:lnT>
+                    <a:lnB w="9525" cap="flat" cmpd="sng" algn="ctr">
+                      <a:solidFill>
+                        <a:srgbClr val="C9D2D2"/>
+                      </a:solidFill>
+                      <a:prstDash val="solid"/>
+                      <a:round/>
+                      <a:headEnd type="none" w="med" len="med"/>
+                      <a:tailEnd type="none" w="med" len="med"/>
+                    </a:lnB>
+                    <a:solidFill>
+                      <a:schemeClr val="accent4">
+                        <a:lumMod val="40000"/>
+                        <a:lumOff val="60000"/>
+                      </a:schemeClr>
+                    </a:solidFill>
+                  </a:tcPr>
+                </a:tc>
+                <a:tc>
+                  <a:txBody>
+                    <a:bodyPr/>
+                    <a:lstStyle/>
+                    <a:p>
+                      <a:pPr algn="l"/>
+                      <a:r>
+                        <a:rPr lang="en-US" sz="1000" b="1" dirty="0">
+                          <a:effectLst/>
+                          <a:latin typeface="Open Sans" panose="020B0606030504020204" pitchFamily="34" charset="0"/>
+                        </a:rPr>
+                        <a:t>Controller/Peripheral (NEW)</a:t>
+                      </a:r>
+                    </a:p>
+                  </a:txBody>
+                  <a:tcPr marL="76200" marR="76200" marT="76200" marB="76200" anchor="ctr">
+                    <a:lnL w="9525" cap="flat" cmpd="sng" algn="ctr">
+                      <a:solidFill>
+                        <a:srgbClr val="C9D2D2"/>
+                      </a:solidFill>
+                      <a:prstDash val="solid"/>
+                      <a:round/>
+                      <a:headEnd type="none" w="med" len="med"/>
+                      <a:tailEnd type="none" w="med" len="med"/>
+                    </a:lnL>
+                    <a:lnR w="9525" cap="flat" cmpd="sng" algn="ctr">
+                      <a:solidFill>
+                        <a:srgbClr val="C9D2D2"/>
+                      </a:solidFill>
+                      <a:prstDash val="solid"/>
+                      <a:round/>
+                      <a:headEnd type="none" w="med" len="med"/>
+                      <a:tailEnd type="none" w="med" len="med"/>
+                    </a:lnR>
+                    <a:lnT w="9525" cap="flat" cmpd="sng" algn="ctr">
+                      <a:solidFill>
+                        <a:srgbClr val="C9D2D2"/>
+                      </a:solidFill>
+                      <a:prstDash val="solid"/>
+                      <a:round/>
+                      <a:headEnd type="none" w="med" len="med"/>
+                      <a:tailEnd type="none" w="med" len="med"/>
+                    </a:lnT>
+                    <a:lnB w="9525" cap="flat" cmpd="sng" algn="ctr">
+                      <a:solidFill>
+                        <a:srgbClr val="C9D2D2"/>
+                      </a:solidFill>
+                      <a:prstDash val="solid"/>
+                      <a:round/>
+                      <a:headEnd type="none" w="med" len="med"/>
+                      <a:tailEnd type="none" w="med" len="med"/>
+                    </a:lnB>
+                    <a:solidFill>
+                      <a:schemeClr val="accent4">
+                        <a:lumMod val="40000"/>
+                        <a:lumOff val="60000"/>
+                      </a:schemeClr>
+                    </a:solidFill>
+                  </a:tcPr>
+                </a:tc>
+                <a:extLst>
+                  <a:ext uri="{0D108BD9-81ED-4DB2-BD59-A6C34878D82A}">
+                    <a16:rowId xmlns:a16="http://schemas.microsoft.com/office/drawing/2014/main" val="3982844356"/>
+                  </a:ext>
+                </a:extLst>
+              </a:tr>
+              <a:tr h="0">
+                <a:tc>
+                  <a:txBody>
+                    <a:bodyPr/>
+                    <a:lstStyle/>
+                    <a:p>
+                      <a:r>
+                        <a:rPr lang="en-US" sz="1000" dirty="0">
+                          <a:effectLst/>
+                          <a:latin typeface="Open Sans" panose="020B0606030504020204" pitchFamily="34" charset="0"/>
+                        </a:rPr>
+                        <a:t>Master In Slave Out (MISO)</a:t>
+                      </a:r>
+                    </a:p>
+                  </a:txBody>
+                  <a:tcPr marL="76200" marR="76200" marT="38100" marB="38100" anchor="ctr">
+                    <a:lnL w="9525" cap="flat" cmpd="sng" algn="ctr">
+                      <a:solidFill>
+                        <a:srgbClr val="C9D2D2"/>
+                      </a:solidFill>
+                      <a:prstDash val="solid"/>
+                      <a:round/>
+                      <a:headEnd type="none" w="med" len="med"/>
+                      <a:tailEnd type="none" w="med" len="med"/>
+                    </a:lnL>
+                    <a:lnR w="9525" cap="flat" cmpd="sng" algn="ctr">
+                      <a:solidFill>
+                        <a:srgbClr val="C9D2D2"/>
+                      </a:solidFill>
+                      <a:prstDash val="solid"/>
+                      <a:round/>
+                      <a:headEnd type="none" w="med" len="med"/>
+                      <a:tailEnd type="none" w="med" len="med"/>
+                    </a:lnR>
+                    <a:lnT w="9525" cap="flat" cmpd="sng" algn="ctr">
+                      <a:solidFill>
+                        <a:srgbClr val="C9D2D2"/>
+                      </a:solidFill>
+                      <a:prstDash val="solid"/>
+                      <a:round/>
+                      <a:headEnd type="none" w="med" len="med"/>
+                      <a:tailEnd type="none" w="med" len="med"/>
+                    </a:lnT>
+                    <a:lnB w="9525" cap="flat" cmpd="sng" algn="ctr">
+                      <a:solidFill>
+                        <a:srgbClr val="C9D2D2"/>
+                      </a:solidFill>
+                      <a:prstDash val="solid"/>
+                      <a:round/>
+                      <a:headEnd type="none" w="med" len="med"/>
+                      <a:tailEnd type="none" w="med" len="med"/>
+                    </a:lnB>
+                    <a:solidFill>
+                      <a:schemeClr val="accent4">
+                        <a:lumMod val="20000"/>
+                        <a:lumOff val="80000"/>
+                      </a:schemeClr>
+                    </a:solidFill>
+                  </a:tcPr>
+                </a:tc>
+                <a:tc>
+                  <a:txBody>
+                    <a:bodyPr/>
+                    <a:lstStyle/>
+                    <a:p>
+                      <a:r>
+                        <a:rPr lang="en-US" sz="1000">
+                          <a:effectLst/>
+                          <a:latin typeface="Open Sans" panose="020B0606030504020204" pitchFamily="34" charset="0"/>
+                        </a:rPr>
+                        <a:t>Controller In, Peripheral Out (CIPO)</a:t>
+                      </a:r>
+                    </a:p>
+                  </a:txBody>
+                  <a:tcPr marL="76200" marR="76200" marT="38100" marB="38100" anchor="ctr">
+                    <a:lnL w="9525" cap="flat" cmpd="sng" algn="ctr">
+                      <a:solidFill>
+                        <a:srgbClr val="C9D2D2"/>
+                      </a:solidFill>
+                      <a:prstDash val="solid"/>
+                      <a:round/>
+                      <a:headEnd type="none" w="med" len="med"/>
+                      <a:tailEnd type="none" w="med" len="med"/>
+                    </a:lnL>
+                    <a:lnR w="9525" cap="flat" cmpd="sng" algn="ctr">
+                      <a:solidFill>
+                        <a:srgbClr val="C9D2D2"/>
+                      </a:solidFill>
+                      <a:prstDash val="solid"/>
+                      <a:round/>
+                      <a:headEnd type="none" w="med" len="med"/>
+                      <a:tailEnd type="none" w="med" len="med"/>
+                    </a:lnR>
+                    <a:lnT w="9525" cap="flat" cmpd="sng" algn="ctr">
+                      <a:solidFill>
+                        <a:srgbClr val="C9D2D2"/>
+                      </a:solidFill>
+                      <a:prstDash val="solid"/>
+                      <a:round/>
+                      <a:headEnd type="none" w="med" len="med"/>
+                      <a:tailEnd type="none" w="med" len="med"/>
+                    </a:lnT>
+                    <a:lnB w="9525" cap="flat" cmpd="sng" algn="ctr">
+                      <a:solidFill>
+                        <a:srgbClr val="C9D2D2"/>
+                      </a:solidFill>
+                      <a:prstDash val="solid"/>
+                      <a:round/>
+                      <a:headEnd type="none" w="med" len="med"/>
+                      <a:tailEnd type="none" w="med" len="med"/>
+                    </a:lnB>
+                    <a:solidFill>
+                      <a:schemeClr val="accent4">
+                        <a:lumMod val="20000"/>
+                        <a:lumOff val="80000"/>
+                      </a:schemeClr>
+                    </a:solidFill>
+                  </a:tcPr>
+                </a:tc>
+                <a:extLst>
+                  <a:ext uri="{0D108BD9-81ED-4DB2-BD59-A6C34878D82A}">
+                    <a16:rowId xmlns:a16="http://schemas.microsoft.com/office/drawing/2014/main" val="3542193222"/>
+                  </a:ext>
+                </a:extLst>
+              </a:tr>
+              <a:tr h="0">
+                <a:tc>
+                  <a:txBody>
+                    <a:bodyPr/>
+                    <a:lstStyle/>
+                    <a:p>
+                      <a:r>
+                        <a:rPr lang="en-US" sz="1000">
+                          <a:effectLst/>
+                          <a:latin typeface="Open Sans" panose="020B0606030504020204" pitchFamily="34" charset="0"/>
+                        </a:rPr>
+                        <a:t>Master Out Slave In (MOSI)</a:t>
+                      </a:r>
+                    </a:p>
+                  </a:txBody>
+                  <a:tcPr marL="76200" marR="76200" marT="38100" marB="38100" anchor="ctr">
+                    <a:lnL w="9525" cap="flat" cmpd="sng" algn="ctr">
+                      <a:solidFill>
+                        <a:srgbClr val="C9D2D2"/>
+                      </a:solidFill>
+                      <a:prstDash val="solid"/>
+                      <a:round/>
+                      <a:headEnd type="none" w="med" len="med"/>
+                      <a:tailEnd type="none" w="med" len="med"/>
+                    </a:lnL>
+                    <a:lnR w="9525" cap="flat" cmpd="sng" algn="ctr">
+                      <a:solidFill>
+                        <a:srgbClr val="C9D2D2"/>
+                      </a:solidFill>
+                      <a:prstDash val="solid"/>
+                      <a:round/>
+                      <a:headEnd type="none" w="med" len="med"/>
+                      <a:tailEnd type="none" w="med" len="med"/>
+                    </a:lnR>
+                    <a:lnT w="9525" cap="flat" cmpd="sng" algn="ctr">
+                      <a:solidFill>
+                        <a:srgbClr val="C9D2D2"/>
+                      </a:solidFill>
+                      <a:prstDash val="solid"/>
+                      <a:round/>
+                      <a:headEnd type="none" w="med" len="med"/>
+                      <a:tailEnd type="none" w="med" len="med"/>
+                    </a:lnT>
+                    <a:lnB w="9525" cap="flat" cmpd="sng" algn="ctr">
+                      <a:solidFill>
+                        <a:srgbClr val="C9D2D2"/>
+                      </a:solidFill>
+                      <a:prstDash val="solid"/>
+                      <a:round/>
+                      <a:headEnd type="none" w="med" len="med"/>
+                      <a:tailEnd type="none" w="med" len="med"/>
+                    </a:lnB>
+                    <a:solidFill>
+                      <a:schemeClr val="accent4">
+                        <a:lumMod val="20000"/>
+                        <a:lumOff val="80000"/>
+                      </a:schemeClr>
+                    </a:solidFill>
+                  </a:tcPr>
+                </a:tc>
+                <a:tc>
+                  <a:txBody>
+                    <a:bodyPr/>
+                    <a:lstStyle/>
+                    <a:p>
+                      <a:r>
+                        <a:rPr lang="en-US" sz="1000">
+                          <a:effectLst/>
+                          <a:latin typeface="Open Sans" panose="020B0606030504020204" pitchFamily="34" charset="0"/>
+                        </a:rPr>
+                        <a:t>Controller Out Peripheral In (COPI)</a:t>
+                      </a:r>
+                    </a:p>
+                  </a:txBody>
+                  <a:tcPr marL="76200" marR="76200" marT="38100" marB="38100" anchor="ctr">
+                    <a:lnL w="9525" cap="flat" cmpd="sng" algn="ctr">
+                      <a:solidFill>
+                        <a:srgbClr val="C9D2D2"/>
+                      </a:solidFill>
+                      <a:prstDash val="solid"/>
+                      <a:round/>
+                      <a:headEnd type="none" w="med" len="med"/>
+                      <a:tailEnd type="none" w="med" len="med"/>
+                    </a:lnL>
+                    <a:lnR w="9525" cap="flat" cmpd="sng" algn="ctr">
+                      <a:solidFill>
+                        <a:srgbClr val="C9D2D2"/>
+                      </a:solidFill>
+                      <a:prstDash val="solid"/>
+                      <a:round/>
+                      <a:headEnd type="none" w="med" len="med"/>
+                      <a:tailEnd type="none" w="med" len="med"/>
+                    </a:lnR>
+                    <a:lnT w="9525" cap="flat" cmpd="sng" algn="ctr">
+                      <a:solidFill>
+                        <a:srgbClr val="C9D2D2"/>
+                      </a:solidFill>
+                      <a:prstDash val="solid"/>
+                      <a:round/>
+                      <a:headEnd type="none" w="med" len="med"/>
+                      <a:tailEnd type="none" w="med" len="med"/>
+                    </a:lnT>
+                    <a:lnB w="9525" cap="flat" cmpd="sng" algn="ctr">
+                      <a:solidFill>
+                        <a:srgbClr val="C9D2D2"/>
+                      </a:solidFill>
+                      <a:prstDash val="solid"/>
+                      <a:round/>
+                      <a:headEnd type="none" w="med" len="med"/>
+                      <a:tailEnd type="none" w="med" len="med"/>
+                    </a:lnB>
+                    <a:solidFill>
+                      <a:schemeClr val="accent4">
+                        <a:lumMod val="20000"/>
+                        <a:lumOff val="80000"/>
+                      </a:schemeClr>
+                    </a:solidFill>
+                  </a:tcPr>
+                </a:tc>
+                <a:extLst>
+                  <a:ext uri="{0D108BD9-81ED-4DB2-BD59-A6C34878D82A}">
+                    <a16:rowId xmlns:a16="http://schemas.microsoft.com/office/drawing/2014/main" val="2657361176"/>
+                  </a:ext>
+                </a:extLst>
+              </a:tr>
+              <a:tr h="0">
+                <a:tc>
+                  <a:txBody>
+                    <a:bodyPr/>
+                    <a:lstStyle/>
+                    <a:p>
+                      <a:r>
+                        <a:rPr lang="en-US" sz="1000">
+                          <a:effectLst/>
+                          <a:latin typeface="Open Sans" panose="020B0606030504020204" pitchFamily="34" charset="0"/>
+                        </a:rPr>
+                        <a:t>Slave Select pin (SS)</a:t>
+                      </a:r>
+                    </a:p>
+                  </a:txBody>
+                  <a:tcPr marL="76200" marR="76200" marT="38100" marB="38100" anchor="ctr">
+                    <a:lnL w="9525" cap="flat" cmpd="sng" algn="ctr">
+                      <a:solidFill>
+                        <a:srgbClr val="C9D2D2"/>
+                      </a:solidFill>
+                      <a:prstDash val="solid"/>
+                      <a:round/>
+                      <a:headEnd type="none" w="med" len="med"/>
+                      <a:tailEnd type="none" w="med" len="med"/>
+                    </a:lnL>
+                    <a:lnR w="9525" cap="flat" cmpd="sng" algn="ctr">
+                      <a:solidFill>
+                        <a:srgbClr val="C9D2D2"/>
+                      </a:solidFill>
+                      <a:prstDash val="solid"/>
+                      <a:round/>
+                      <a:headEnd type="none" w="med" len="med"/>
+                      <a:tailEnd type="none" w="med" len="med"/>
+                    </a:lnR>
+                    <a:lnT w="9525" cap="flat" cmpd="sng" algn="ctr">
+                      <a:solidFill>
+                        <a:srgbClr val="C9D2D2"/>
+                      </a:solidFill>
+                      <a:prstDash val="solid"/>
+                      <a:round/>
+                      <a:headEnd type="none" w="med" len="med"/>
+                      <a:tailEnd type="none" w="med" len="med"/>
+                    </a:lnT>
+                    <a:lnB w="9525" cap="flat" cmpd="sng" algn="ctr">
+                      <a:solidFill>
+                        <a:srgbClr val="C9D2D2"/>
+                      </a:solidFill>
+                      <a:prstDash val="solid"/>
+                      <a:round/>
+                      <a:headEnd type="none" w="med" len="med"/>
+                      <a:tailEnd type="none" w="med" len="med"/>
+                    </a:lnB>
+                    <a:solidFill>
+                      <a:schemeClr val="accent4">
+                        <a:lumMod val="20000"/>
+                        <a:lumOff val="80000"/>
+                      </a:schemeClr>
+                    </a:solidFill>
+                  </a:tcPr>
+                </a:tc>
+                <a:tc>
+                  <a:txBody>
+                    <a:bodyPr/>
+                    <a:lstStyle/>
+                    <a:p>
+                      <a:r>
+                        <a:rPr lang="en-US" sz="1000" dirty="0">
+                          <a:effectLst/>
+                          <a:latin typeface="Open Sans" panose="020B0606030504020204" pitchFamily="34" charset="0"/>
+                        </a:rPr>
+                        <a:t>Chip Select Pin (CS)</a:t>
+                      </a:r>
+                    </a:p>
+                  </a:txBody>
+                  <a:tcPr marL="76200" marR="76200" marT="38100" marB="38100" anchor="ctr">
+                    <a:lnL w="9525" cap="flat" cmpd="sng" algn="ctr">
+                      <a:solidFill>
+                        <a:srgbClr val="C9D2D2"/>
+                      </a:solidFill>
+                      <a:prstDash val="solid"/>
+                      <a:round/>
+                      <a:headEnd type="none" w="med" len="med"/>
+                      <a:tailEnd type="none" w="med" len="med"/>
+                    </a:lnL>
+                    <a:lnR w="9525" cap="flat" cmpd="sng" algn="ctr">
+                      <a:solidFill>
+                        <a:srgbClr val="C9D2D2"/>
+                      </a:solidFill>
+                      <a:prstDash val="solid"/>
+                      <a:round/>
+                      <a:headEnd type="none" w="med" len="med"/>
+                      <a:tailEnd type="none" w="med" len="med"/>
+                    </a:lnR>
+                    <a:lnT w="9525" cap="flat" cmpd="sng" algn="ctr">
+                      <a:solidFill>
+                        <a:srgbClr val="C9D2D2"/>
+                      </a:solidFill>
+                      <a:prstDash val="solid"/>
+                      <a:round/>
+                      <a:headEnd type="none" w="med" len="med"/>
+                      <a:tailEnd type="none" w="med" len="med"/>
+                    </a:lnT>
+                    <a:lnB w="9525" cap="flat" cmpd="sng" algn="ctr">
+                      <a:solidFill>
+                        <a:srgbClr val="C9D2D2"/>
+                      </a:solidFill>
+                      <a:prstDash val="solid"/>
+                      <a:round/>
+                      <a:headEnd type="none" w="med" len="med"/>
+                      <a:tailEnd type="none" w="med" len="med"/>
+                    </a:lnB>
+                    <a:solidFill>
+                      <a:schemeClr val="accent4">
+                        <a:lumMod val="20000"/>
+                        <a:lumOff val="80000"/>
+                      </a:schemeClr>
+                    </a:solidFill>
+                  </a:tcPr>
+                </a:tc>
+                <a:extLst>
+                  <a:ext uri="{0D108BD9-81ED-4DB2-BD59-A6C34878D82A}">
+                    <a16:rowId xmlns:a16="http://schemas.microsoft.com/office/drawing/2014/main" val="3769574167"/>
+                  </a:ext>
+                </a:extLst>
+              </a:tr>
+            </a:tbl>
+          </a:graphicData>
+        </a:graphic>
+      </p:graphicFrame>
+    </p:spTree>
+    <p:extLst>
+      <p:ext uri="{BB962C8B-B14F-4D97-AF65-F5344CB8AC3E}">
+        <p14:creationId xmlns:p14="http://schemas.microsoft.com/office/powerpoint/2010/main" val="4272944301"/>
+      </p:ext>
+    </p:extLst>
+  </p:cSld>
+  <p:clrMapOvr>
+    <a:masterClrMapping/>
+  </p:clrMapOvr>
+</p:sld>
+</file>
+
+<file path=ppt/slides/slide41.xml><?xml version="1.0" encoding="utf-8"?>
+<p:sld xmlns:a="http://schemas.openxmlformats.org/drawingml/2006/main" xmlns:r="http://schemas.openxmlformats.org/officeDocument/2006/relationships" xmlns:p="http://schemas.openxmlformats.org/presentationml/2006/main">
+  <p:cSld>
+    <p:spTree>
+      <p:nvGrpSpPr>
+        <p:cNvPr id="1" name=""/>
+        <p:cNvGrpSpPr/>
+        <p:nvPr/>
+      </p:nvGrpSpPr>
+      <p:grpSpPr>
+        <a:xfrm>
+          <a:off x="0" y="0"/>
+          <a:ext cx="0" cy="0"/>
+          <a:chOff x="0" y="0"/>
+          <a:chExt cx="0" cy="0"/>
+        </a:xfrm>
+      </p:grpSpPr>
+      <p:graphicFrame>
+        <p:nvGraphicFramePr>
+          <p:cNvPr id="7" name="Table 7">
+            <a:extLst>
+              <a:ext uri="{FF2B5EF4-FFF2-40B4-BE49-F238E27FC236}">
+                <a16:creationId xmlns:a16="http://schemas.microsoft.com/office/drawing/2014/main" id="{9B2F03AA-E6B2-4CB4-910F-7DA903FD6ED6}"/>
+              </a:ext>
+            </a:extLst>
+          </p:cNvPr>
+          <p:cNvGraphicFramePr>
+            <a:graphicFrameLocks noGrp="1"/>
+          </p:cNvGraphicFramePr>
+          <p:nvPr>
+            <p:extLst>
+              <p:ext uri="{D42A27DB-BD31-4B8C-83A1-F6EECF244321}">
+                <p14:modId xmlns:p14="http://schemas.microsoft.com/office/powerpoint/2010/main" val="1607958188"/>
+              </p:ext>
+            </p:extLst>
+          </p:nvPr>
+        </p:nvGraphicFramePr>
+        <p:xfrm>
+          <a:off x="577970" y="391005"/>
+          <a:ext cx="11198524" cy="5343221"/>
+        </p:xfrm>
+        <a:graphic>
+          <a:graphicData uri="http://schemas.openxmlformats.org/drawingml/2006/table">
+            <a:tbl>
+              <a:tblPr firstRow="1" bandRow="1">
+                <a:tableStyleId>{5C22544A-7EE6-4342-B048-85BDC9FD1C3A}</a:tableStyleId>
+              </a:tblPr>
+              <a:tblGrid>
+                <a:gridCol w="967595">
+                  <a:extLst>
+                    <a:ext uri="{9D8B030D-6E8A-4147-A177-3AD203B41FA5}">
+                      <a16:colId xmlns:a16="http://schemas.microsoft.com/office/drawing/2014/main" val="747525499"/>
+                    </a:ext>
+                  </a:extLst>
+                </a:gridCol>
+                <a:gridCol w="4182375">
+                  <a:extLst>
+                    <a:ext uri="{9D8B030D-6E8A-4147-A177-3AD203B41FA5}">
+                      <a16:colId xmlns:a16="http://schemas.microsoft.com/office/drawing/2014/main" val="2892156475"/>
+                    </a:ext>
+                  </a:extLst>
+                </a:gridCol>
+                <a:gridCol w="6048554">
+                  <a:extLst>
+                    <a:ext uri="{9D8B030D-6E8A-4147-A177-3AD203B41FA5}">
+                      <a16:colId xmlns:a16="http://schemas.microsoft.com/office/drawing/2014/main" val="3449804923"/>
+                    </a:ext>
+                  </a:extLst>
+                </a:gridCol>
+              </a:tblGrid>
+              <a:tr h="791643">
+                <a:tc>
+                  <a:txBody>
+                    <a:bodyPr/>
+                    <a:lstStyle/>
+                    <a:p>
+                      <a:endParaRPr lang="en-US" sz="4400" dirty="0"/>
+                    </a:p>
+                  </a:txBody>
+                  <a:tcPr/>
+                </a:tc>
+                <a:tc>
+                  <a:txBody>
+                    <a:bodyPr/>
+                    <a:lstStyle/>
+                    <a:p>
+                      <a:r>
+                        <a:rPr lang="en-US" sz="4400" dirty="0">
+                          <a:solidFill>
+                            <a:srgbClr val="FFFF00"/>
+                          </a:solidFill>
+                        </a:rPr>
+                        <a:t>CAN </a:t>
+                      </a:r>
+                    </a:p>
+                  </a:txBody>
+                  <a:tcPr/>
+                </a:tc>
+                <a:tc>
+                  <a:txBody>
+                    <a:bodyPr/>
+                    <a:lstStyle/>
+                    <a:p>
+                      <a:pPr marL="0" marR="0" lvl="0" indent="0" algn="l" defTabSz="914400" rtl="0" eaLnBrk="1" fontAlgn="auto" latinLnBrk="0" hangingPunct="1">
+                        <a:lnSpc>
+                          <a:spcPct val="100000"/>
+                        </a:lnSpc>
+                        <a:spcBef>
+                          <a:spcPts val="0"/>
+                        </a:spcBef>
+                        <a:spcAft>
+                          <a:spcPts val="0"/>
+                        </a:spcAft>
+                        <a:buClrTx/>
+                        <a:buSzTx/>
+                        <a:buFontTx/>
+                        <a:buNone/>
+                        <a:tabLst/>
+                        <a:defRPr/>
+                      </a:pPr>
+                      <a:r>
+                        <a:rPr lang="en-US" sz="4400" b="1" kern="1200" dirty="0">
+                          <a:solidFill>
+                            <a:schemeClr val="lt1"/>
+                          </a:solidFill>
+                          <a:latin typeface="+mn-lt"/>
+                          <a:ea typeface="+mn-ea"/>
+                          <a:cs typeface="+mn-cs"/>
+                        </a:rPr>
+                        <a:t>Serial Communications</a:t>
+                      </a:r>
+                    </a:p>
+                  </a:txBody>
+                  <a:tcPr/>
+                </a:tc>
+                <a:extLst>
+                  <a:ext uri="{0D108BD9-81ED-4DB2-BD59-A6C34878D82A}">
+                    <a16:rowId xmlns:a16="http://schemas.microsoft.com/office/drawing/2014/main" val="4166713368"/>
+                  </a:ext>
+                </a:extLst>
+              </a:tr>
+              <a:tr h="1788440">
+                <a:tc gridSpan="2">
+                  <a:txBody>
+                    <a:bodyPr/>
+                    <a:lstStyle/>
+                    <a:p>
+                      <a:pPr marL="0" marR="0" lvl="0" indent="0" algn="l" defTabSz="914400" rtl="0" eaLnBrk="1" fontAlgn="auto" latinLnBrk="0" hangingPunct="1">
+                        <a:lnSpc>
+                          <a:spcPct val="100000"/>
+                        </a:lnSpc>
+                        <a:spcBef>
+                          <a:spcPts val="0"/>
+                        </a:spcBef>
+                        <a:spcAft>
+                          <a:spcPts val="0"/>
+                        </a:spcAft>
+                        <a:buClrTx/>
+                        <a:buSzTx/>
+                        <a:buFontTx/>
+                        <a:buNone/>
+                        <a:tabLst/>
+                        <a:defRPr/>
+                      </a:pPr>
+                      <a:r>
+                        <a:rPr lang="en-US" sz="1800" b="1" i="0" kern="1200" dirty="0">
+                          <a:solidFill>
+                            <a:schemeClr val="dk1"/>
+                          </a:solidFill>
+                          <a:effectLst/>
+                          <a:latin typeface="+mn-lt"/>
+                          <a:ea typeface="+mn-ea"/>
+                          <a:cs typeface="+mn-cs"/>
+                        </a:rPr>
+                        <a:t>CAN:</a:t>
+                      </a:r>
+                      <a:r>
+                        <a:rPr lang="en-US" sz="1800" b="0" i="0" kern="1200" dirty="0">
+                          <a:solidFill>
+                            <a:schemeClr val="dk1"/>
+                          </a:solidFill>
+                          <a:effectLst/>
+                          <a:latin typeface="+mn-lt"/>
+                          <a:ea typeface="+mn-ea"/>
+                          <a:cs typeface="+mn-cs"/>
+                        </a:rPr>
+                        <a:t> is an asynchronous multidrop communication protocol. It was designed for applications that are not closely coupled. (i.e. they work more or less independently)</a:t>
+                      </a:r>
+                      <a:endParaRPr lang="en-US" dirty="0"/>
+                    </a:p>
+                  </a:txBody>
+                  <a:tcPr/>
+                </a:tc>
+                <a:tc hMerge="1">
+                  <a:txBody>
+                    <a:bodyPr/>
+                    <a:lstStyle/>
+                    <a:p>
+                      <a:endParaRPr lang="en-US"/>
+                    </a:p>
+                  </a:txBody>
+                  <a:tcPr/>
+                </a:tc>
+                <a:tc>
+                  <a:txBody>
+                    <a:bodyPr/>
+                    <a:lstStyle/>
+                    <a:p>
+                      <a:r>
+                        <a:rPr lang="en-US" b="1" dirty="0"/>
+                        <a:t>Photo:</a:t>
+                      </a:r>
+                    </a:p>
+                  </a:txBody>
+                  <a:tcPr/>
+                </a:tc>
+                <a:extLst>
+                  <a:ext uri="{0D108BD9-81ED-4DB2-BD59-A6C34878D82A}">
+                    <a16:rowId xmlns:a16="http://schemas.microsoft.com/office/drawing/2014/main" val="1083252038"/>
+                  </a:ext>
+                </a:extLst>
+              </a:tr>
+              <a:tr h="1109972">
+                <a:tc gridSpan="2">
+                  <a:txBody>
+                    <a:bodyPr/>
+                    <a:lstStyle/>
+                    <a:p>
+                      <a:pPr marL="0" marR="0" lvl="0" indent="0" algn="l" defTabSz="914400" rtl="0" eaLnBrk="1" fontAlgn="auto" latinLnBrk="0" hangingPunct="1">
+                        <a:lnSpc>
+                          <a:spcPct val="100000"/>
+                        </a:lnSpc>
+                        <a:spcBef>
+                          <a:spcPts val="0"/>
+                        </a:spcBef>
+                        <a:spcAft>
+                          <a:spcPts val="0"/>
+                        </a:spcAft>
+                        <a:buClrTx/>
+                        <a:buSzTx/>
+                        <a:buFontTx/>
+                        <a:buNone/>
+                        <a:tabLst/>
+                        <a:defRPr/>
+                      </a:pPr>
+                      <a:r>
+                        <a:rPr lang="en-US" dirty="0"/>
+                        <a:t>Uses a D9 serial connector (as with legacy serial) </a:t>
+                      </a:r>
+                    </a:p>
+                    <a:p>
+                      <a:pPr marL="0" marR="0" lvl="0" indent="0" algn="l" defTabSz="914400" rtl="0" eaLnBrk="1" fontAlgn="auto" latinLnBrk="0" hangingPunct="1">
+                        <a:lnSpc>
+                          <a:spcPct val="100000"/>
+                        </a:lnSpc>
+                        <a:spcBef>
+                          <a:spcPts val="0"/>
+                        </a:spcBef>
+                        <a:spcAft>
+                          <a:spcPts val="0"/>
+                        </a:spcAft>
+                        <a:buClrTx/>
+                        <a:buSzTx/>
+                        <a:buFontTx/>
+                        <a:buNone/>
+                        <a:tabLst/>
+                        <a:defRPr/>
+                      </a:pPr>
+                      <a:r>
+                        <a:rPr lang="en-US" dirty="0"/>
+                        <a:t>Not all pins are defined or used. </a:t>
+                      </a:r>
+                    </a:p>
+                    <a:p>
+                      <a:pPr marL="0" marR="0" lvl="0" indent="0" algn="l" defTabSz="914400" rtl="0" eaLnBrk="1" fontAlgn="auto" latinLnBrk="0" hangingPunct="1">
+                        <a:lnSpc>
+                          <a:spcPct val="100000"/>
+                        </a:lnSpc>
+                        <a:spcBef>
+                          <a:spcPts val="0"/>
+                        </a:spcBef>
+                        <a:spcAft>
+                          <a:spcPts val="0"/>
+                        </a:spcAft>
+                        <a:buClrTx/>
+                        <a:buSzTx/>
+                        <a:buFontTx/>
+                        <a:buNone/>
+                        <a:tabLst/>
+                        <a:defRPr/>
+                      </a:pPr>
+                      <a:r>
+                        <a:rPr lang="en-US" dirty="0"/>
+                        <a:t>3 wires are the minimum (CANL, CANH, GND) with  </a:t>
+                      </a:r>
+                      <a:r>
+                        <a:rPr lang="en-US" b="1" i="1" dirty="0"/>
+                        <a:t>optional</a:t>
+                      </a:r>
+                      <a:r>
+                        <a:rPr lang="en-US" dirty="0"/>
+                        <a:t> Power and Shield pins.</a:t>
+                      </a:r>
+                    </a:p>
+                  </a:txBody>
+                  <a:tcPr/>
+                </a:tc>
+                <a:tc hMerge="1">
+                  <a:txBody>
+                    <a:bodyPr/>
+                    <a:lstStyle/>
+                    <a:p>
+                      <a:endParaRPr lang="en-US"/>
+                    </a:p>
+                  </a:txBody>
+                  <a:tcPr/>
+                </a:tc>
+                <a:tc>
+                  <a:txBody>
+                    <a:bodyPr/>
+                    <a:lstStyle/>
+                    <a:p>
+                      <a:pPr marL="0" marR="0" lvl="0" indent="0" algn="l" defTabSz="914400" rtl="0" eaLnBrk="1" fontAlgn="auto" latinLnBrk="0" hangingPunct="1">
+                        <a:lnSpc>
+                          <a:spcPct val="100000"/>
+                        </a:lnSpc>
+                        <a:spcBef>
+                          <a:spcPts val="0"/>
+                        </a:spcBef>
+                        <a:spcAft>
+                          <a:spcPts val="0"/>
+                        </a:spcAft>
+                        <a:buClrTx/>
+                        <a:buSzTx/>
+                        <a:buFontTx/>
+                        <a:buNone/>
+                        <a:tabLst/>
+                        <a:defRPr/>
+                      </a:pPr>
+                      <a:r>
+                        <a:rPr lang="en-US" b="1" dirty="0"/>
+                        <a:t>Pros:</a:t>
+                      </a:r>
+                    </a:p>
+                    <a:p>
+                      <a:pPr marL="285750" indent="-285750">
+                        <a:buFont typeface="Arial" panose="020B0604020202020204" pitchFamily="34" charset="0"/>
+                        <a:buChar char="•"/>
+                      </a:pPr>
+                      <a:r>
+                        <a:rPr lang="en-US" sz="1800" b="0" i="0" kern="1200" dirty="0">
+                          <a:solidFill>
+                            <a:schemeClr val="dk1"/>
+                          </a:solidFill>
+                          <a:effectLst/>
+                          <a:latin typeface="+mn-lt"/>
+                          <a:ea typeface="+mn-ea"/>
+                          <a:cs typeface="+mn-cs"/>
+                        </a:rPr>
+                        <a:t>Multidrop</a:t>
+                      </a:r>
+                    </a:p>
+                    <a:p>
+                      <a:pPr marL="285750" indent="-285750">
+                        <a:buFont typeface="Arial" panose="020B0604020202020204" pitchFamily="34" charset="0"/>
+                        <a:buChar char="•"/>
+                      </a:pPr>
+                      <a:r>
+                        <a:rPr lang="en-US" sz="1800" b="0" i="0" kern="1200" dirty="0">
+                          <a:solidFill>
+                            <a:schemeClr val="dk1"/>
+                          </a:solidFill>
+                          <a:effectLst/>
+                          <a:latin typeface="+mn-lt"/>
+                          <a:ea typeface="+mn-ea"/>
+                          <a:cs typeface="+mn-cs"/>
+                        </a:rPr>
+                        <a:t>Moderately Performant (1Mhz)</a:t>
+                      </a:r>
+                    </a:p>
+                    <a:p>
+                      <a:pPr marL="285750" indent="-285750">
+                        <a:buFont typeface="Arial" panose="020B0604020202020204" pitchFamily="34" charset="0"/>
+                        <a:buChar char="•"/>
+                      </a:pPr>
+                      <a:r>
+                        <a:rPr lang="en-US" sz="1800" b="0" i="0" kern="1200" dirty="0">
+                          <a:solidFill>
+                            <a:schemeClr val="dk1"/>
+                          </a:solidFill>
+                          <a:effectLst/>
+                          <a:latin typeface="+mn-lt"/>
+                          <a:ea typeface="+mn-ea"/>
+                          <a:cs typeface="+mn-cs"/>
+                        </a:rPr>
+                        <a:t>Distance is not a practical issue.</a:t>
+                      </a:r>
+                    </a:p>
+                    <a:p>
+                      <a:r>
+                        <a:rPr lang="en-US" b="1" dirty="0"/>
+                        <a:t>Cons:</a:t>
+                      </a:r>
+                    </a:p>
+                    <a:p>
+                      <a:pPr marL="285750" marR="0" lvl="0" indent="-285750" algn="l" defTabSz="914400" rtl="0" eaLnBrk="1" fontAlgn="auto" latinLnBrk="0" hangingPunct="1">
+                        <a:lnSpc>
+                          <a:spcPct val="100000"/>
+                        </a:lnSpc>
+                        <a:spcBef>
+                          <a:spcPts val="0"/>
+                        </a:spcBef>
+                        <a:spcAft>
+                          <a:spcPts val="0"/>
+                        </a:spcAft>
+                        <a:buClrTx/>
+                        <a:buSzTx/>
+                        <a:buFont typeface="Arial" panose="020B0604020202020204" pitchFamily="34" charset="0"/>
+                        <a:buChar char="•"/>
+                        <a:tabLst/>
+                        <a:defRPr/>
+                      </a:pPr>
+                      <a:r>
+                        <a:rPr lang="en-US" sz="1800" b="0" i="0" kern="1200" dirty="0">
+                          <a:solidFill>
+                            <a:schemeClr val="dk1"/>
+                          </a:solidFill>
+                          <a:effectLst/>
+                          <a:latin typeface="+mn-lt"/>
+                          <a:ea typeface="+mn-ea"/>
+                          <a:cs typeface="+mn-cs"/>
+                        </a:rPr>
+                        <a:t>Requires a shield (external hardware) for use on Arduinos</a:t>
+                      </a:r>
+                      <a:endParaRPr lang="en-US" dirty="0">
+                        <a:solidFill>
+                          <a:schemeClr val="accent2">
+                            <a:lumMod val="75000"/>
+                          </a:schemeClr>
+                        </a:solidFill>
+                      </a:endParaRPr>
+                    </a:p>
+                  </a:txBody>
+                  <a:tcPr/>
+                </a:tc>
+                <a:extLst>
+                  <a:ext uri="{0D108BD9-81ED-4DB2-BD59-A6C34878D82A}">
+                    <a16:rowId xmlns:a16="http://schemas.microsoft.com/office/drawing/2014/main" val="2494442280"/>
+                  </a:ext>
+                </a:extLst>
+              </a:tr>
+              <a:tr h="1025778">
+                <a:tc gridSpan="2">
+                  <a:txBody>
+                    <a:bodyPr/>
+                    <a:lstStyle/>
+                    <a:p>
+                      <a:pPr marL="0" marR="0" lvl="0" indent="0" algn="l" defTabSz="914400" rtl="0" eaLnBrk="1" fontAlgn="auto" latinLnBrk="0" hangingPunct="1">
+                        <a:lnSpc>
+                          <a:spcPct val="100000"/>
+                        </a:lnSpc>
+                        <a:spcBef>
+                          <a:spcPts val="0"/>
+                        </a:spcBef>
+                        <a:spcAft>
+                          <a:spcPts val="0"/>
+                        </a:spcAft>
+                        <a:buClrTx/>
+                        <a:buSzTx/>
+                        <a:buFontTx/>
+                        <a:buNone/>
+                        <a:tabLst/>
+                        <a:defRPr/>
+                      </a:pPr>
+                      <a:endParaRPr lang="en-US" dirty="0"/>
+                    </a:p>
+                  </a:txBody>
+                  <a:tcPr/>
+                </a:tc>
+                <a:tc hMerge="1">
+                  <a:txBody>
+                    <a:bodyPr/>
+                    <a:lstStyle/>
+                    <a:p>
+                      <a:endParaRPr lang="en-US"/>
+                    </a:p>
+                  </a:txBody>
+                  <a:tcPr/>
+                </a:tc>
+                <a:tc>
+                  <a:txBody>
+                    <a:bodyPr/>
+                    <a:lstStyle/>
+                    <a:p>
+                      <a:pPr marL="0" indent="0">
+                        <a:buFont typeface="Arial" panose="020B0604020202020204" pitchFamily="34" charset="0"/>
+                        <a:buNone/>
+                      </a:pPr>
+                      <a:endParaRPr lang="en-US" sz="1800" b="0" i="0" kern="1200" dirty="0">
+                        <a:solidFill>
+                          <a:schemeClr val="dk1"/>
+                        </a:solidFill>
+                        <a:effectLst/>
+                        <a:latin typeface="+mn-lt"/>
+                        <a:ea typeface="+mn-ea"/>
+                        <a:cs typeface="+mn-cs"/>
+                      </a:endParaRPr>
+                    </a:p>
+                    <a:p>
+                      <a:pPr marL="0" indent="0">
+                        <a:buFont typeface="Arial" panose="020B0604020202020204" pitchFamily="34" charset="0"/>
+                        <a:buNone/>
+                      </a:pPr>
+                      <a:r>
+                        <a:rPr lang="en-US" sz="1800" b="0" i="0" kern="1200" dirty="0">
+                          <a:solidFill>
+                            <a:schemeClr val="dk1"/>
+                          </a:solidFill>
+                          <a:effectLst/>
+                          <a:latin typeface="+mn-lt"/>
+                          <a:ea typeface="+mn-ea"/>
+                          <a:cs typeface="+mn-cs"/>
+                        </a:rPr>
+                        <a:t>Used as </a:t>
+                      </a:r>
+                      <a:r>
+                        <a:rPr lang="en-US" sz="1800" b="1" i="0" kern="1200" dirty="0">
+                          <a:solidFill>
+                            <a:schemeClr val="dk1"/>
+                          </a:solidFill>
+                          <a:effectLst/>
+                          <a:latin typeface="+mn-lt"/>
+                          <a:ea typeface="+mn-ea"/>
+                          <a:cs typeface="+mn-cs"/>
+                        </a:rPr>
+                        <a:t>The Layout Control Bus </a:t>
+                      </a:r>
+                      <a:r>
+                        <a:rPr lang="en-US" sz="1800" b="0" i="0" kern="1200" dirty="0">
+                          <a:solidFill>
+                            <a:schemeClr val="dk1"/>
+                          </a:solidFill>
+                          <a:effectLst/>
+                          <a:latin typeface="+mn-lt"/>
+                          <a:ea typeface="+mn-ea"/>
+                          <a:cs typeface="+mn-cs"/>
+                        </a:rPr>
+                        <a:t>on many MERG kits.</a:t>
+                      </a:r>
+                      <a:endParaRPr lang="en-US" b="0" dirty="0"/>
+                    </a:p>
+                  </a:txBody>
+                  <a:tcPr/>
+                </a:tc>
+                <a:extLst>
+                  <a:ext uri="{0D108BD9-81ED-4DB2-BD59-A6C34878D82A}">
+                    <a16:rowId xmlns:a16="http://schemas.microsoft.com/office/drawing/2014/main" val="1235703702"/>
+                  </a:ext>
+                </a:extLst>
+              </a:tr>
+            </a:tbl>
+          </a:graphicData>
+        </a:graphic>
+      </p:graphicFrame>
+      <p:sp>
+        <p:nvSpPr>
+          <p:cNvPr id="8" name="Subtitle 2">
+            <a:extLst>
+              <a:ext uri="{FF2B5EF4-FFF2-40B4-BE49-F238E27FC236}">
+                <a16:creationId xmlns:a16="http://schemas.microsoft.com/office/drawing/2014/main" id="{7AFF94B5-A049-2183-7DF4-C57A515AC81C}"/>
+              </a:ext>
+            </a:extLst>
+          </p:cNvPr>
+          <p:cNvSpPr txBox="1">
+            <a:spLocks/>
+          </p:cNvSpPr>
+          <p:nvPr/>
+        </p:nvSpPr>
+        <p:spPr>
+          <a:xfrm>
+            <a:off x="560718" y="6177560"/>
+            <a:ext cx="1357223" cy="558771"/>
+          </a:xfrm>
+          <a:prstGeom prst="rect">
+            <a:avLst/>
+          </a:prstGeom>
+        </p:spPr>
+        <p:txBody>
+          <a:bodyPr vert="horz" lIns="91440" tIns="45720" rIns="91440" bIns="45720" rtlCol="0">
+            <a:noAutofit/>
+          </a:bodyPr>
+          <a:lstStyle>
+            <a:lvl1pPr marL="0" indent="0" algn="ctr" defTabSz="914400" rtl="0" eaLnBrk="1" latinLnBrk="0" hangingPunct="1">
+              <a:lnSpc>
+                <a:spcPct val="90000"/>
+              </a:lnSpc>
+              <a:spcBef>
+                <a:spcPts val="1000"/>
+              </a:spcBef>
+              <a:buFont typeface="Arial" panose="020B0604020202020204" pitchFamily="34" charset="0"/>
+              <a:buNone/>
+              <a:defRPr sz="2400" kern="1200">
+                <a:solidFill>
+                  <a:schemeClr val="tx1"/>
+                </a:solidFill>
+                <a:latin typeface="+mn-lt"/>
+                <a:ea typeface="+mn-ea"/>
+                <a:cs typeface="+mn-cs"/>
+              </a:defRPr>
+            </a:lvl1pPr>
+            <a:lvl2pPr marL="457200" indent="0" algn="ctr" defTabSz="914400" rtl="0" eaLnBrk="1" latinLnBrk="0" hangingPunct="1">
+              <a:lnSpc>
+                <a:spcPct val="90000"/>
+              </a:lnSpc>
+              <a:spcBef>
+                <a:spcPts val="500"/>
+              </a:spcBef>
+              <a:buFont typeface="Arial" panose="020B0604020202020204" pitchFamily="34" charset="0"/>
+              <a:buNone/>
+              <a:defRPr sz="2000" kern="1200">
+                <a:solidFill>
+                  <a:schemeClr val="tx1"/>
+                </a:solidFill>
+                <a:latin typeface="+mn-lt"/>
+                <a:ea typeface="+mn-ea"/>
+                <a:cs typeface="+mn-cs"/>
+              </a:defRPr>
+            </a:lvl2pPr>
+            <a:lvl3pPr marL="914400" indent="0" algn="ctr" defTabSz="914400" rtl="0" eaLnBrk="1" latinLnBrk="0" hangingPunct="1">
+              <a:lnSpc>
+                <a:spcPct val="90000"/>
+              </a:lnSpc>
+              <a:spcBef>
+                <a:spcPts val="500"/>
+              </a:spcBef>
+              <a:buFont typeface="Arial" panose="020B0604020202020204" pitchFamily="34" charset="0"/>
+              <a:buNone/>
+              <a:defRPr sz="1800" kern="1200">
+                <a:solidFill>
+                  <a:schemeClr val="tx1"/>
+                </a:solidFill>
+                <a:latin typeface="+mn-lt"/>
+                <a:ea typeface="+mn-ea"/>
+                <a:cs typeface="+mn-cs"/>
+              </a:defRPr>
+            </a:lvl3pPr>
+            <a:lvl4pPr marL="1371600" indent="0" algn="ctr" defTabSz="914400" rtl="0" eaLnBrk="1" latinLnBrk="0" hangingPunct="1">
+              <a:lnSpc>
+                <a:spcPct val="90000"/>
+              </a:lnSpc>
+              <a:spcBef>
+                <a:spcPts val="500"/>
+              </a:spcBef>
+              <a:buFont typeface="Arial" panose="020B0604020202020204" pitchFamily="34" charset="0"/>
+              <a:buNone/>
+              <a:defRPr sz="1600" kern="1200">
+                <a:solidFill>
+                  <a:schemeClr val="tx1"/>
+                </a:solidFill>
+                <a:latin typeface="+mn-lt"/>
+                <a:ea typeface="+mn-ea"/>
+                <a:cs typeface="+mn-cs"/>
+              </a:defRPr>
+            </a:lvl4pPr>
+            <a:lvl5pPr marL="1828800" indent="0" algn="ctr" defTabSz="914400" rtl="0" eaLnBrk="1" latinLnBrk="0" hangingPunct="1">
+              <a:lnSpc>
+                <a:spcPct val="90000"/>
+              </a:lnSpc>
+              <a:spcBef>
+                <a:spcPts val="500"/>
+              </a:spcBef>
+              <a:buFont typeface="Arial" panose="020B0604020202020204" pitchFamily="34" charset="0"/>
+              <a:buNone/>
+              <a:defRPr sz="1600" kern="1200">
+                <a:solidFill>
+                  <a:schemeClr val="tx1"/>
+                </a:solidFill>
+                <a:latin typeface="+mn-lt"/>
+                <a:ea typeface="+mn-ea"/>
+                <a:cs typeface="+mn-cs"/>
+              </a:defRPr>
+            </a:lvl5pPr>
+            <a:lvl6pPr marL="2286000" indent="0" algn="ctr" defTabSz="914400" rtl="0" eaLnBrk="1" latinLnBrk="0" hangingPunct="1">
+              <a:lnSpc>
+                <a:spcPct val="90000"/>
+              </a:lnSpc>
+              <a:spcBef>
+                <a:spcPts val="500"/>
+              </a:spcBef>
+              <a:buFont typeface="Arial" panose="020B0604020202020204" pitchFamily="34" charset="0"/>
+              <a:buNone/>
+              <a:defRPr sz="1600" kern="1200">
+                <a:solidFill>
+                  <a:schemeClr val="tx1"/>
+                </a:solidFill>
+                <a:latin typeface="+mn-lt"/>
+                <a:ea typeface="+mn-ea"/>
+                <a:cs typeface="+mn-cs"/>
+              </a:defRPr>
+            </a:lvl6pPr>
+            <a:lvl7pPr marL="2743200" indent="0" algn="ctr" defTabSz="914400" rtl="0" eaLnBrk="1" latinLnBrk="0" hangingPunct="1">
+              <a:lnSpc>
+                <a:spcPct val="90000"/>
+              </a:lnSpc>
+              <a:spcBef>
+                <a:spcPts val="500"/>
+              </a:spcBef>
+              <a:buFont typeface="Arial" panose="020B0604020202020204" pitchFamily="34" charset="0"/>
+              <a:buNone/>
+              <a:defRPr sz="1600" kern="1200">
+                <a:solidFill>
+                  <a:schemeClr val="tx1"/>
+                </a:solidFill>
+                <a:latin typeface="+mn-lt"/>
+                <a:ea typeface="+mn-ea"/>
+                <a:cs typeface="+mn-cs"/>
+              </a:defRPr>
+            </a:lvl7pPr>
+            <a:lvl8pPr marL="3200400" indent="0" algn="ctr" defTabSz="914400" rtl="0" eaLnBrk="1" latinLnBrk="0" hangingPunct="1">
+              <a:lnSpc>
+                <a:spcPct val="90000"/>
+              </a:lnSpc>
+              <a:spcBef>
+                <a:spcPts val="500"/>
+              </a:spcBef>
+              <a:buFont typeface="Arial" panose="020B0604020202020204" pitchFamily="34" charset="0"/>
+              <a:buNone/>
+              <a:defRPr sz="1600" kern="1200">
+                <a:solidFill>
+                  <a:schemeClr val="tx1"/>
+                </a:solidFill>
+                <a:latin typeface="+mn-lt"/>
+                <a:ea typeface="+mn-ea"/>
+                <a:cs typeface="+mn-cs"/>
+              </a:defRPr>
+            </a:lvl8pPr>
+            <a:lvl9pPr marL="3657600" indent="0" algn="ctr" defTabSz="914400" rtl="0" eaLnBrk="1" latinLnBrk="0" hangingPunct="1">
+              <a:lnSpc>
+                <a:spcPct val="90000"/>
+              </a:lnSpc>
+              <a:spcBef>
+                <a:spcPts val="500"/>
+              </a:spcBef>
+              <a:buFont typeface="Arial" panose="020B0604020202020204" pitchFamily="34" charset="0"/>
+              <a:buNone/>
+              <a:defRPr sz="1600" kern="1200">
+                <a:solidFill>
+                  <a:schemeClr val="tx1"/>
+                </a:solidFill>
+                <a:latin typeface="+mn-lt"/>
+                <a:ea typeface="+mn-ea"/>
+                <a:cs typeface="+mn-cs"/>
+              </a:defRPr>
+            </a:lvl9pPr>
+          </a:lstStyle>
+          <a:p>
+            <a:endParaRPr lang="en-US" sz="3200" b="1" dirty="0">
+              <a:solidFill>
+                <a:schemeClr val="accent1">
+                  <a:lumMod val="60000"/>
+                  <a:lumOff val="40000"/>
+                </a:schemeClr>
+              </a:solidFill>
+              <a:latin typeface="MERG_Logo" pitchFamily="2" charset="0"/>
+            </a:endParaRPr>
+          </a:p>
+        </p:txBody>
+      </p:sp>
+      <p:pic>
+        <p:nvPicPr>
+          <p:cNvPr id="9" name="Picture 8">
+            <a:extLst>
+              <a:ext uri="{FF2B5EF4-FFF2-40B4-BE49-F238E27FC236}">
+                <a16:creationId xmlns:a16="http://schemas.microsoft.com/office/drawing/2014/main" id="{8BDECE6B-87DF-5CB2-739B-0063A17FCC98}"/>
+              </a:ext>
+            </a:extLst>
+          </p:cNvPr>
+          <p:cNvPicPr>
+            <a:picLocks noChangeAspect="1"/>
+          </p:cNvPicPr>
+          <p:nvPr/>
+        </p:nvPicPr>
+        <p:blipFill>
+          <a:blip r:embed="rId2" cstate="email">
+            <a:extLst>
+              <a:ext uri="{28A0092B-C50C-407E-A947-70E740481C1C}">
+                <a14:useLocalDpi xmlns:a14="http://schemas.microsoft.com/office/drawing/2010/main"/>
+              </a:ext>
+            </a:extLst>
+          </a:blip>
+          <a:stretch>
+            <a:fillRect/>
+          </a:stretch>
+        </p:blipFill>
+        <p:spPr>
+          <a:xfrm>
+            <a:off x="10749400" y="6239363"/>
+            <a:ext cx="1116784" cy="496968"/>
+          </a:xfrm>
+          <a:prstGeom prst="rect">
+            <a:avLst/>
+          </a:prstGeom>
+        </p:spPr>
+      </p:pic>
+      <p:pic>
+        <p:nvPicPr>
+          <p:cNvPr id="4" name="Picture 3">
+            <a:extLst>
+              <a:ext uri="{FF2B5EF4-FFF2-40B4-BE49-F238E27FC236}">
+                <a16:creationId xmlns:a16="http://schemas.microsoft.com/office/drawing/2014/main" id="{84CFE277-DFC1-5063-94D6-0EF208BA0C9F}"/>
+              </a:ext>
+            </a:extLst>
+          </p:cNvPr>
+          <p:cNvPicPr>
+            <a:picLocks noChangeAspect="1"/>
+          </p:cNvPicPr>
+          <p:nvPr/>
+        </p:nvPicPr>
+        <p:blipFill>
+          <a:blip r:embed="rId3"/>
+          <a:stretch>
+            <a:fillRect/>
+          </a:stretch>
+        </p:blipFill>
+        <p:spPr>
+          <a:xfrm>
+            <a:off x="7539204" y="1348596"/>
+            <a:ext cx="1784243" cy="1454989"/>
+          </a:xfrm>
+          <a:prstGeom prst="rect">
+            <a:avLst/>
+          </a:prstGeom>
+        </p:spPr>
+      </p:pic>
+    </p:spTree>
+    <p:extLst>
+      <p:ext uri="{BB962C8B-B14F-4D97-AF65-F5344CB8AC3E}">
+        <p14:creationId xmlns:p14="http://schemas.microsoft.com/office/powerpoint/2010/main" val="3504230810"/>
+      </p:ext>
+    </p:extLst>
+  </p:cSld>
+  <p:clrMapOvr>
+    <a:masterClrMapping/>
+  </p:clrMapOvr>
+</p:sld>
+</file>
+
+<file path=ppt/slides/slide42.xml><?xml version="1.0" encoding="utf-8"?>
+<p:sld xmlns:a="http://schemas.openxmlformats.org/drawingml/2006/main" xmlns:r="http://schemas.openxmlformats.org/officeDocument/2006/relationships" xmlns:p="http://schemas.openxmlformats.org/presentationml/2006/main">
+  <p:cSld>
+    <p:bg>
+      <p:bgPr>
+        <a:gradFill flip="none" rotWithShape="1">
+          <a:gsLst>
+            <a:gs pos="0">
+              <a:schemeClr val="accent5">
+                <a:lumMod val="0"/>
+                <a:lumOff val="100000"/>
+              </a:schemeClr>
+            </a:gs>
+            <a:gs pos="35000">
+              <a:schemeClr val="accent5">
+                <a:lumMod val="0"/>
+                <a:lumOff val="100000"/>
+              </a:schemeClr>
+            </a:gs>
+            <a:gs pos="100000">
+              <a:schemeClr val="accent5">
+                <a:lumMod val="100000"/>
+              </a:schemeClr>
+            </a:gs>
+          </a:gsLst>
+          <a:path path="circle">
+            <a:fillToRect l="50000" t="-80000" r="50000" b="180000"/>
+          </a:path>
+          <a:tileRect/>
+        </a:gradFill>
+        <a:effectLst/>
+      </p:bgPr>
+    </p:bg>
+    <p:spTree>
+      <p:nvGrpSpPr>
+        <p:cNvPr id="1" name=""/>
+        <p:cNvGrpSpPr/>
+        <p:nvPr/>
+      </p:nvGrpSpPr>
+      <p:grpSpPr>
+        <a:xfrm>
+          <a:off x="0" y="0"/>
+          <a:ext cx="0" cy="0"/>
+          <a:chOff x="0" y="0"/>
+          <a:chExt cx="0" cy="0"/>
+        </a:xfrm>
+      </p:grpSpPr>
+      <p:sp>
+        <p:nvSpPr>
+          <p:cNvPr id="2" name="Title 1">
+            <a:extLst>
+              <a:ext uri="{FF2B5EF4-FFF2-40B4-BE49-F238E27FC236}">
+                <a16:creationId xmlns:a16="http://schemas.microsoft.com/office/drawing/2014/main" id="{C5742B55-31B7-4052-A777-A8223F0961DD}"/>
+              </a:ext>
+            </a:extLst>
+          </p:cNvPr>
+          <p:cNvSpPr>
+            <a:spLocks noGrp="1"/>
+          </p:cNvSpPr>
+          <p:nvPr>
+            <p:ph type="ctrTitle"/>
+          </p:nvPr>
+        </p:nvSpPr>
+        <p:spPr/>
+        <p:txBody>
+          <a:bodyPr>
+            <a:normAutofit fontScale="90000"/>
+          </a:bodyPr>
+          <a:lstStyle/>
+          <a:p>
+            <a:br>
+              <a:rPr lang="en-US" sz="5400" b="1" dirty="0">
+                <a:latin typeface="Algerian" panose="04020705040A02060702" pitchFamily="82" charset="0"/>
+              </a:rPr>
+            </a:br>
+            <a:br>
+              <a:rPr lang="en-US" sz="5400" b="1" dirty="0">
+                <a:latin typeface="Algerian" panose="04020705040A02060702" pitchFamily="82" charset="0"/>
+              </a:rPr>
+            </a:br>
+            <a:r>
+              <a:rPr lang="en-US" sz="8000" b="1" dirty="0">
+                <a:latin typeface="MERG_Logo" pitchFamily="2" charset="0"/>
+                <a:ea typeface="+mn-ea"/>
+                <a:cs typeface="+mn-cs"/>
+              </a:rPr>
+              <a:t>(</a:t>
+            </a:r>
+            <a:r>
+              <a:rPr lang="en-US" sz="8000" b="1" dirty="0" err="1">
+                <a:latin typeface="MERG_Logo" pitchFamily="2" charset="0"/>
+                <a:ea typeface="+mn-ea"/>
+                <a:cs typeface="+mn-cs"/>
+              </a:rPr>
+              <a:t>ThE</a:t>
+            </a:r>
+            <a:r>
+              <a:rPr lang="en-US" sz="8000" b="1" dirty="0">
+                <a:latin typeface="MERG_Logo" pitchFamily="2" charset="0"/>
+                <a:ea typeface="+mn-ea"/>
+                <a:cs typeface="+mn-cs"/>
+              </a:rPr>
+              <a:t>)  (</a:t>
+            </a:r>
+            <a:r>
+              <a:rPr lang="en-US" sz="8000" b="1" dirty="0" err="1">
+                <a:latin typeface="MERG_Logo" pitchFamily="2" charset="0"/>
+                <a:ea typeface="+mn-ea"/>
+                <a:cs typeface="+mn-cs"/>
+              </a:rPr>
+              <a:t>ENd</a:t>
+            </a:r>
+            <a:r>
+              <a:rPr lang="en-US" sz="8000" b="1" dirty="0">
+                <a:latin typeface="MERG_Logo" pitchFamily="2" charset="0"/>
+                <a:ea typeface="+mn-ea"/>
+                <a:cs typeface="+mn-cs"/>
+              </a:rPr>
+              <a:t>)</a:t>
+            </a:r>
+          </a:p>
+        </p:txBody>
+      </p:sp>
+      <p:sp>
+        <p:nvSpPr>
+          <p:cNvPr id="6" name="Subtitle 5">
+            <a:extLst>
+              <a:ext uri="{FF2B5EF4-FFF2-40B4-BE49-F238E27FC236}">
+                <a16:creationId xmlns:a16="http://schemas.microsoft.com/office/drawing/2014/main" id="{B61020B8-9BB1-F5C1-CE52-DE27EF7499AC}"/>
+              </a:ext>
+            </a:extLst>
+          </p:cNvPr>
+          <p:cNvSpPr>
+            <a:spLocks noGrp="1"/>
+          </p:cNvSpPr>
+          <p:nvPr>
+            <p:ph type="subTitle" idx="1"/>
+          </p:nvPr>
+        </p:nvSpPr>
+        <p:spPr/>
+        <p:txBody>
+          <a:bodyPr/>
+          <a:lstStyle/>
+          <a:p>
+            <a:endParaRPr lang="en-US" dirty="0"/>
+          </a:p>
+        </p:txBody>
+      </p:sp>
+      <p:pic>
+        <p:nvPicPr>
+          <p:cNvPr id="4" name="Picture 3">
+            <a:extLst>
+              <a:ext uri="{FF2B5EF4-FFF2-40B4-BE49-F238E27FC236}">
+                <a16:creationId xmlns:a16="http://schemas.microsoft.com/office/drawing/2014/main" id="{A1F6D8F6-E16C-93A6-5EDF-73E5ECED7A39}"/>
+              </a:ext>
+            </a:extLst>
+          </p:cNvPr>
+          <p:cNvPicPr>
+            <a:picLocks noChangeAspect="1"/>
+          </p:cNvPicPr>
+          <p:nvPr/>
+        </p:nvPicPr>
+        <p:blipFill>
+          <a:blip r:embed="rId2" cstate="email">
+            <a:extLst>
+              <a:ext uri="{28A0092B-C50C-407E-A947-70E740481C1C}">
+                <a14:useLocalDpi xmlns:a14="http://schemas.microsoft.com/office/drawing/2010/main"/>
+              </a:ext>
+            </a:extLst>
+          </a:blip>
+          <a:stretch>
+            <a:fillRect/>
+          </a:stretch>
+        </p:blipFill>
+        <p:spPr>
+          <a:xfrm>
+            <a:off x="10749400" y="6239363"/>
+            <a:ext cx="1116784" cy="496968"/>
+          </a:xfrm>
+          <a:prstGeom prst="rect">
+            <a:avLst/>
+          </a:prstGeom>
+        </p:spPr>
+      </p:pic>
+      <p:pic>
+        <p:nvPicPr>
+          <p:cNvPr id="5" name="Picture 2" descr="MERG Logo">
+            <a:extLst>
+              <a:ext uri="{FF2B5EF4-FFF2-40B4-BE49-F238E27FC236}">
+                <a16:creationId xmlns:a16="http://schemas.microsoft.com/office/drawing/2014/main" id="{67A36C07-3373-5C78-241C-E2418A300CFF}"/>
+              </a:ext>
+            </a:extLst>
+          </p:cNvPr>
+          <p:cNvPicPr>
+            <a:picLocks noChangeAspect="1" noChangeArrowheads="1"/>
+          </p:cNvPicPr>
+          <p:nvPr/>
+        </p:nvPicPr>
+        <p:blipFill>
+          <a:blip r:embed="rId3" cstate="email">
+            <a:extLst>
+              <a:ext uri="{28A0092B-C50C-407E-A947-70E740481C1C}">
+                <a14:useLocalDpi xmlns:a14="http://schemas.microsoft.com/office/drawing/2010/main"/>
+              </a:ext>
+            </a:extLst>
+          </a:blip>
+          <a:srcRect/>
+          <a:stretch>
+            <a:fillRect/>
+          </a:stretch>
+        </p:blipFill>
+        <p:spPr bwMode="auto">
+          <a:xfrm>
+            <a:off x="600015" y="5973864"/>
+            <a:ext cx="1940824" cy="762467"/>
+          </a:xfrm>
+          <a:prstGeom prst="rect">
+            <a:avLst/>
+          </a:prstGeom>
+          <a:noFill/>
+          <a:extLst>
+            <a:ext uri="{909E8E84-426E-40DD-AFC4-6F175D3DCCD1}">
+              <a14:hiddenFill xmlns:a14="http://schemas.microsoft.com/office/drawing/2010/main">
+                <a:solidFill>
+                  <a:srgbClr val="FFFFFF"/>
+                </a:solidFill>
+              </a14:hiddenFill>
+            </a:ext>
+          </a:extLst>
+        </p:spPr>
+      </p:pic>
+      <p:pic>
+        <p:nvPicPr>
+          <p:cNvPr id="7" name="Picture 6">
+            <a:extLst>
+              <a:ext uri="{FF2B5EF4-FFF2-40B4-BE49-F238E27FC236}">
+                <a16:creationId xmlns:a16="http://schemas.microsoft.com/office/drawing/2014/main" id="{3C962C3A-BB49-B3B2-2B8E-CA15E746E0C4}"/>
+              </a:ext>
+            </a:extLst>
+          </p:cNvPr>
+          <p:cNvPicPr>
+            <a:picLocks noChangeAspect="1"/>
+          </p:cNvPicPr>
+          <p:nvPr/>
+        </p:nvPicPr>
+        <p:blipFill>
+          <a:blip r:embed="rId4" cstate="email">
+            <a:extLst>
+              <a:ext uri="{28A0092B-C50C-407E-A947-70E740481C1C}">
+                <a14:useLocalDpi xmlns:a14="http://schemas.microsoft.com/office/drawing/2010/main"/>
+              </a:ext>
+              <a:ext uri="{837473B0-CC2E-450A-ABE3-18F120FF3D39}">
+                <a1611:picAttrSrcUrl xmlns:a1611="http://schemas.microsoft.com/office/drawing/2016/11/main" r:id="rId5"/>
+              </a:ext>
+            </a:extLst>
+          </a:blip>
+          <a:stretch>
+            <a:fillRect/>
+          </a:stretch>
+        </p:blipFill>
+        <p:spPr>
+          <a:xfrm>
+            <a:off x="6955535" y="4029003"/>
+            <a:ext cx="627617" cy="627617"/>
+          </a:xfrm>
+          <a:prstGeom prst="rect">
+            <a:avLst/>
+          </a:prstGeom>
+        </p:spPr>
+      </p:pic>
+    </p:spTree>
+    <p:extLst>
+      <p:ext uri="{BB962C8B-B14F-4D97-AF65-F5344CB8AC3E}">
+        <p14:creationId xmlns:p14="http://schemas.microsoft.com/office/powerpoint/2010/main" val="784109280"/>
+      </p:ext>
+    </p:extLst>
+  </p:cSld>
+  <p:clrMapOvr>
+    <a:masterClrMapping/>
+  </p:clrMapOvr>
 </p:sld>
 </file>
 

--- a/Arduino IO Compendium.pptx
+++ b/Arduino IO Compendium.pptx
@@ -5,7 +5,7 @@
     <p:sldMasterId id="2147483648" r:id="rId1"/>
   </p:sldMasterIdLst>
   <p:notesMasterIdLst>
-    <p:notesMasterId r:id="rId44"/>
+    <p:notesMasterId r:id="rId45"/>
   </p:notesMasterIdLst>
   <p:sldIdLst>
     <p:sldId id="336" r:id="rId2"/>
@@ -29,27 +29,28 @@
     <p:sldId id="357" r:id="rId20"/>
     <p:sldId id="367" r:id="rId21"/>
     <p:sldId id="321" r:id="rId22"/>
-    <p:sldId id="365" r:id="rId23"/>
-    <p:sldId id="366" r:id="rId24"/>
-    <p:sldId id="322" r:id="rId25"/>
-    <p:sldId id="361" r:id="rId26"/>
-    <p:sldId id="368" r:id="rId27"/>
-    <p:sldId id="323" r:id="rId28"/>
-    <p:sldId id="324" r:id="rId29"/>
-    <p:sldId id="369" r:id="rId30"/>
-    <p:sldId id="348" r:id="rId31"/>
-    <p:sldId id="359" r:id="rId32"/>
-    <p:sldId id="370" r:id="rId33"/>
-    <p:sldId id="371" r:id="rId34"/>
-    <p:sldId id="352" r:id="rId35"/>
-    <p:sldId id="372" r:id="rId36"/>
-    <p:sldId id="326" r:id="rId37"/>
-    <p:sldId id="377" r:id="rId38"/>
-    <p:sldId id="375" r:id="rId39"/>
-    <p:sldId id="327" r:id="rId40"/>
-    <p:sldId id="376" r:id="rId41"/>
-    <p:sldId id="378" r:id="rId42"/>
-    <p:sldId id="373" r:id="rId43"/>
+    <p:sldId id="379" r:id="rId23"/>
+    <p:sldId id="365" r:id="rId24"/>
+    <p:sldId id="366" r:id="rId25"/>
+    <p:sldId id="322" r:id="rId26"/>
+    <p:sldId id="361" r:id="rId27"/>
+    <p:sldId id="368" r:id="rId28"/>
+    <p:sldId id="323" r:id="rId29"/>
+    <p:sldId id="324" r:id="rId30"/>
+    <p:sldId id="369" r:id="rId31"/>
+    <p:sldId id="348" r:id="rId32"/>
+    <p:sldId id="359" r:id="rId33"/>
+    <p:sldId id="370" r:id="rId34"/>
+    <p:sldId id="371" r:id="rId35"/>
+    <p:sldId id="352" r:id="rId36"/>
+    <p:sldId id="372" r:id="rId37"/>
+    <p:sldId id="326" r:id="rId38"/>
+    <p:sldId id="377" r:id="rId39"/>
+    <p:sldId id="375" r:id="rId40"/>
+    <p:sldId id="327" r:id="rId41"/>
+    <p:sldId id="376" r:id="rId42"/>
+    <p:sldId id="378" r:id="rId43"/>
+    <p:sldId id="373" r:id="rId44"/>
   </p:sldIdLst>
   <p:sldSz cx="12192000" cy="6858000"/>
   <p:notesSz cx="7016750" cy="9309100"/>
@@ -163,6 +164,20 @@
         </p15:guide>
       </p15:sldGuideLst>
     </p:ext>
+    <p:ext uri="{2D200454-40CA-4A62-9FC3-DE9A4176ACB9}">
+      <p15:notesGuideLst xmlns:p15="http://schemas.microsoft.com/office/powerpoint/2012/main">
+        <p15:guide id="1" orient="horz" pos="2932" userDrawn="1">
+          <p15:clr>
+            <a:srgbClr val="A4A3A4"/>
+          </p15:clr>
+        </p15:guide>
+        <p15:guide id="2" pos="2210" userDrawn="1">
+          <p15:clr>
+            <a:srgbClr val="A4A3A4"/>
+          </p15:clr>
+        </p15:guide>
+      </p15:notesGuideLst>
+    </p:ext>
   </p:extLst>
 </p:presentation>
 </file>
@@ -249,7 +264,7 @@
           <a:p>
             <a:fld id="{12054D22-7DC6-4818-8DE5-E280DFD5FB49}" type="datetimeFigureOut">
               <a:rPr lang="en-US" smtClean="0"/>
-              <a:t>5/13/2022</a:t>
+              <a:t>5/14/2022</a:t>
             </a:fld>
             <a:endParaRPr lang="en-US"/>
           </a:p>
@@ -516,6 +531,2481 @@
 </p:notesMaster>
 </file>
 
+<file path=ppt/notesSlides/notesSlide1.xml><?xml version="1.0" encoding="utf-8"?>
+<p:notes xmlns:a="http://schemas.openxmlformats.org/drawingml/2006/main" xmlns:r="http://schemas.openxmlformats.org/officeDocument/2006/relationships" xmlns:p="http://schemas.openxmlformats.org/presentationml/2006/main">
+  <p:cSld>
+    <p:spTree>
+      <p:nvGrpSpPr>
+        <p:cNvPr id="1" name=""/>
+        <p:cNvGrpSpPr/>
+        <p:nvPr/>
+      </p:nvGrpSpPr>
+      <p:grpSpPr>
+        <a:xfrm>
+          <a:off x="0" y="0"/>
+          <a:ext cx="0" cy="0"/>
+          <a:chOff x="0" y="0"/>
+          <a:chExt cx="0" cy="0"/>
+        </a:xfrm>
+      </p:grpSpPr>
+      <p:sp>
+        <p:nvSpPr>
+          <p:cNvPr id="2" name="Slide Image Placeholder 1"/>
+          <p:cNvSpPr>
+            <a:spLocks noGrp="1" noRot="1" noChangeAspect="1"/>
+          </p:cNvSpPr>
+          <p:nvPr>
+            <p:ph type="sldImg"/>
+          </p:nvPr>
+        </p:nvSpPr>
+        <p:spPr/>
+      </p:sp>
+      <p:sp>
+        <p:nvSpPr>
+          <p:cNvPr id="3" name="Notes Placeholder 2"/>
+          <p:cNvSpPr>
+            <a:spLocks noGrp="1"/>
+          </p:cNvSpPr>
+          <p:nvPr>
+            <p:ph type="body" idx="1"/>
+          </p:nvPr>
+        </p:nvSpPr>
+        <p:spPr/>
+        <p:txBody>
+          <a:bodyPr/>
+          <a:lstStyle/>
+          <a:p>
+            <a:r>
+              <a:rPr lang="en-US" dirty="0"/>
+              <a:t>Prepared for a MERG ARDUINO-SIG presentation on May 17 2022.</a:t>
+            </a:r>
+          </a:p>
+        </p:txBody>
+      </p:sp>
+      <p:sp>
+        <p:nvSpPr>
+          <p:cNvPr id="4" name="Slide Number Placeholder 3"/>
+          <p:cNvSpPr>
+            <a:spLocks noGrp="1"/>
+          </p:cNvSpPr>
+          <p:nvPr>
+            <p:ph type="sldNum" sz="quarter" idx="5"/>
+          </p:nvPr>
+        </p:nvSpPr>
+        <p:spPr/>
+        <p:txBody>
+          <a:bodyPr/>
+          <a:lstStyle/>
+          <a:p>
+            <a:fld id="{4573CD83-9A02-4825-93C1-7C2EF9CD9900}" type="slidenum">
+              <a:rPr lang="en-US" smtClean="0"/>
+              <a:t>1</a:t>
+            </a:fld>
+            <a:endParaRPr lang="en-US" dirty="0"/>
+          </a:p>
+        </p:txBody>
+      </p:sp>
+    </p:spTree>
+    <p:extLst>
+      <p:ext uri="{BB962C8B-B14F-4D97-AF65-F5344CB8AC3E}">
+        <p14:creationId xmlns:p14="http://schemas.microsoft.com/office/powerpoint/2010/main" val="562962944"/>
+      </p:ext>
+    </p:extLst>
+  </p:cSld>
+  <p:clrMapOvr>
+    <a:masterClrMapping/>
+  </p:clrMapOvr>
+</p:notes>
+</file>
+
+<file path=ppt/notesSlides/notesSlide10.xml><?xml version="1.0" encoding="utf-8"?>
+<p:notes xmlns:a="http://schemas.openxmlformats.org/drawingml/2006/main" xmlns:r="http://schemas.openxmlformats.org/officeDocument/2006/relationships" xmlns:p="http://schemas.openxmlformats.org/presentationml/2006/main">
+  <p:cSld>
+    <p:spTree>
+      <p:nvGrpSpPr>
+        <p:cNvPr id="1" name=""/>
+        <p:cNvGrpSpPr/>
+        <p:nvPr/>
+      </p:nvGrpSpPr>
+      <p:grpSpPr>
+        <a:xfrm>
+          <a:off x="0" y="0"/>
+          <a:ext cx="0" cy="0"/>
+          <a:chOff x="0" y="0"/>
+          <a:chExt cx="0" cy="0"/>
+        </a:xfrm>
+      </p:grpSpPr>
+      <p:sp>
+        <p:nvSpPr>
+          <p:cNvPr id="2" name="Slide Image Placeholder 1"/>
+          <p:cNvSpPr>
+            <a:spLocks noGrp="1" noRot="1" noChangeAspect="1"/>
+          </p:cNvSpPr>
+          <p:nvPr>
+            <p:ph type="sldImg"/>
+          </p:nvPr>
+        </p:nvSpPr>
+        <p:spPr/>
+      </p:sp>
+      <p:sp>
+        <p:nvSpPr>
+          <p:cNvPr id="3" name="Notes Placeholder 2"/>
+          <p:cNvSpPr>
+            <a:spLocks noGrp="1"/>
+          </p:cNvSpPr>
+          <p:nvPr>
+            <p:ph type="body" idx="1"/>
+          </p:nvPr>
+        </p:nvSpPr>
+        <p:spPr/>
+        <p:txBody>
+          <a:bodyPr/>
+          <a:lstStyle/>
+          <a:p>
+            <a:r>
+              <a:rPr lang="en-US" dirty="0"/>
+              <a:t>PWM</a:t>
+            </a:r>
+          </a:p>
+        </p:txBody>
+      </p:sp>
+      <p:sp>
+        <p:nvSpPr>
+          <p:cNvPr id="4" name="Slide Number Placeholder 3"/>
+          <p:cNvSpPr>
+            <a:spLocks noGrp="1"/>
+          </p:cNvSpPr>
+          <p:nvPr>
+            <p:ph type="sldNum" sz="quarter" idx="5"/>
+          </p:nvPr>
+        </p:nvSpPr>
+        <p:spPr/>
+        <p:txBody>
+          <a:bodyPr/>
+          <a:lstStyle/>
+          <a:p>
+            <a:fld id="{4573CD83-9A02-4825-93C1-7C2EF9CD9900}" type="slidenum">
+              <a:rPr lang="en-US" smtClean="0"/>
+              <a:t>10</a:t>
+            </a:fld>
+            <a:endParaRPr lang="en-US"/>
+          </a:p>
+        </p:txBody>
+      </p:sp>
+    </p:spTree>
+    <p:extLst>
+      <p:ext uri="{BB962C8B-B14F-4D97-AF65-F5344CB8AC3E}">
+        <p14:creationId xmlns:p14="http://schemas.microsoft.com/office/powerpoint/2010/main" val="961114433"/>
+      </p:ext>
+    </p:extLst>
+  </p:cSld>
+  <p:clrMapOvr>
+    <a:masterClrMapping/>
+  </p:clrMapOvr>
+</p:notes>
+</file>
+
+<file path=ppt/notesSlides/notesSlide11.xml><?xml version="1.0" encoding="utf-8"?>
+<p:notes xmlns:a="http://schemas.openxmlformats.org/drawingml/2006/main" xmlns:r="http://schemas.openxmlformats.org/officeDocument/2006/relationships" xmlns:p="http://schemas.openxmlformats.org/presentationml/2006/main">
+  <p:cSld>
+    <p:spTree>
+      <p:nvGrpSpPr>
+        <p:cNvPr id="1" name=""/>
+        <p:cNvGrpSpPr/>
+        <p:nvPr/>
+      </p:nvGrpSpPr>
+      <p:grpSpPr>
+        <a:xfrm>
+          <a:off x="0" y="0"/>
+          <a:ext cx="0" cy="0"/>
+          <a:chOff x="0" y="0"/>
+          <a:chExt cx="0" cy="0"/>
+        </a:xfrm>
+      </p:grpSpPr>
+      <p:sp>
+        <p:nvSpPr>
+          <p:cNvPr id="2" name="Slide Image Placeholder 1"/>
+          <p:cNvSpPr>
+            <a:spLocks noGrp="1" noRot="1" noChangeAspect="1"/>
+          </p:cNvSpPr>
+          <p:nvPr>
+            <p:ph type="sldImg"/>
+          </p:nvPr>
+        </p:nvSpPr>
+        <p:spPr/>
+      </p:sp>
+      <p:sp>
+        <p:nvSpPr>
+          <p:cNvPr id="3" name="Notes Placeholder 2"/>
+          <p:cNvSpPr>
+            <a:spLocks noGrp="1"/>
+          </p:cNvSpPr>
+          <p:nvPr>
+            <p:ph type="body" idx="1"/>
+          </p:nvPr>
+        </p:nvSpPr>
+        <p:spPr/>
+        <p:txBody>
+          <a:bodyPr/>
+          <a:lstStyle/>
+          <a:p>
+            <a:r>
+              <a:rPr lang="en-US" dirty="0"/>
+              <a:t>Communications. Note that for standalone applications running on a single Arduino these pins can be used as conventional I/O</a:t>
+            </a:r>
+          </a:p>
+        </p:txBody>
+      </p:sp>
+      <p:sp>
+        <p:nvSpPr>
+          <p:cNvPr id="4" name="Slide Number Placeholder 3"/>
+          <p:cNvSpPr>
+            <a:spLocks noGrp="1"/>
+          </p:cNvSpPr>
+          <p:nvPr>
+            <p:ph type="sldNum" sz="quarter" idx="5"/>
+          </p:nvPr>
+        </p:nvSpPr>
+        <p:spPr/>
+        <p:txBody>
+          <a:bodyPr/>
+          <a:lstStyle/>
+          <a:p>
+            <a:fld id="{4573CD83-9A02-4825-93C1-7C2EF9CD9900}" type="slidenum">
+              <a:rPr lang="en-US" smtClean="0"/>
+              <a:t>11</a:t>
+            </a:fld>
+            <a:endParaRPr lang="en-US"/>
+          </a:p>
+        </p:txBody>
+      </p:sp>
+    </p:spTree>
+    <p:extLst>
+      <p:ext uri="{BB962C8B-B14F-4D97-AF65-F5344CB8AC3E}">
+        <p14:creationId xmlns:p14="http://schemas.microsoft.com/office/powerpoint/2010/main" val="63521767"/>
+      </p:ext>
+    </p:extLst>
+  </p:cSld>
+  <p:clrMapOvr>
+    <a:masterClrMapping/>
+  </p:clrMapOvr>
+</p:notes>
+</file>
+
+<file path=ppt/notesSlides/notesSlide12.xml><?xml version="1.0" encoding="utf-8"?>
+<p:notes xmlns:a="http://schemas.openxmlformats.org/drawingml/2006/main" xmlns:r="http://schemas.openxmlformats.org/officeDocument/2006/relationships" xmlns:p="http://schemas.openxmlformats.org/presentationml/2006/main">
+  <p:cSld>
+    <p:spTree>
+      <p:nvGrpSpPr>
+        <p:cNvPr id="1" name=""/>
+        <p:cNvGrpSpPr/>
+        <p:nvPr/>
+      </p:nvGrpSpPr>
+      <p:grpSpPr>
+        <a:xfrm>
+          <a:off x="0" y="0"/>
+          <a:ext cx="0" cy="0"/>
+          <a:chOff x="0" y="0"/>
+          <a:chExt cx="0" cy="0"/>
+        </a:xfrm>
+      </p:grpSpPr>
+      <p:sp>
+        <p:nvSpPr>
+          <p:cNvPr id="2" name="Slide Image Placeholder 1"/>
+          <p:cNvSpPr>
+            <a:spLocks noGrp="1" noRot="1" noChangeAspect="1"/>
+          </p:cNvSpPr>
+          <p:nvPr>
+            <p:ph type="sldImg"/>
+          </p:nvPr>
+        </p:nvSpPr>
+        <p:spPr/>
+      </p:sp>
+      <p:sp>
+        <p:nvSpPr>
+          <p:cNvPr id="3" name="Notes Placeholder 2"/>
+          <p:cNvSpPr>
+            <a:spLocks noGrp="1"/>
+          </p:cNvSpPr>
+          <p:nvPr>
+            <p:ph type="body" idx="1"/>
+          </p:nvPr>
+        </p:nvSpPr>
+        <p:spPr/>
+        <p:txBody>
+          <a:bodyPr/>
+          <a:lstStyle/>
+          <a:p>
+            <a:r>
+              <a:rPr lang="en-US" dirty="0"/>
+              <a:t>Deep down – Ports and Interrupts</a:t>
+            </a:r>
+          </a:p>
+        </p:txBody>
+      </p:sp>
+      <p:sp>
+        <p:nvSpPr>
+          <p:cNvPr id="4" name="Slide Number Placeholder 3"/>
+          <p:cNvSpPr>
+            <a:spLocks noGrp="1"/>
+          </p:cNvSpPr>
+          <p:nvPr>
+            <p:ph type="sldNum" sz="quarter" idx="5"/>
+          </p:nvPr>
+        </p:nvSpPr>
+        <p:spPr/>
+        <p:txBody>
+          <a:bodyPr/>
+          <a:lstStyle/>
+          <a:p>
+            <a:fld id="{4573CD83-9A02-4825-93C1-7C2EF9CD9900}" type="slidenum">
+              <a:rPr lang="en-US" smtClean="0"/>
+              <a:t>12</a:t>
+            </a:fld>
+            <a:endParaRPr lang="en-US"/>
+          </a:p>
+        </p:txBody>
+      </p:sp>
+    </p:spTree>
+    <p:extLst>
+      <p:ext uri="{BB962C8B-B14F-4D97-AF65-F5344CB8AC3E}">
+        <p14:creationId xmlns:p14="http://schemas.microsoft.com/office/powerpoint/2010/main" val="2983371435"/>
+      </p:ext>
+    </p:extLst>
+  </p:cSld>
+  <p:clrMapOvr>
+    <a:masterClrMapping/>
+  </p:clrMapOvr>
+</p:notes>
+</file>
+
+<file path=ppt/notesSlides/notesSlide13.xml><?xml version="1.0" encoding="utf-8"?>
+<p:notes xmlns:a="http://schemas.openxmlformats.org/drawingml/2006/main" xmlns:r="http://schemas.openxmlformats.org/officeDocument/2006/relationships" xmlns:p="http://schemas.openxmlformats.org/presentationml/2006/main">
+  <p:cSld>
+    <p:spTree>
+      <p:nvGrpSpPr>
+        <p:cNvPr id="1" name=""/>
+        <p:cNvGrpSpPr/>
+        <p:nvPr/>
+      </p:nvGrpSpPr>
+      <p:grpSpPr>
+        <a:xfrm>
+          <a:off x="0" y="0"/>
+          <a:ext cx="0" cy="0"/>
+          <a:chOff x="0" y="0"/>
+          <a:chExt cx="0" cy="0"/>
+        </a:xfrm>
+      </p:grpSpPr>
+      <p:sp>
+        <p:nvSpPr>
+          <p:cNvPr id="2" name="Slide Image Placeholder 1"/>
+          <p:cNvSpPr>
+            <a:spLocks noGrp="1" noRot="1" noChangeAspect="1"/>
+          </p:cNvSpPr>
+          <p:nvPr>
+            <p:ph type="sldImg"/>
+          </p:nvPr>
+        </p:nvSpPr>
+        <p:spPr/>
+      </p:sp>
+      <p:sp>
+        <p:nvSpPr>
+          <p:cNvPr id="3" name="Notes Placeholder 2"/>
+          <p:cNvSpPr>
+            <a:spLocks noGrp="1"/>
+          </p:cNvSpPr>
+          <p:nvPr>
+            <p:ph type="body" idx="1"/>
+          </p:nvPr>
+        </p:nvSpPr>
+        <p:spPr/>
+        <p:txBody>
+          <a:bodyPr/>
+          <a:lstStyle/>
+          <a:p>
+            <a:r>
+              <a:rPr lang="en-US" dirty="0"/>
+              <a:t>Devices</a:t>
+            </a:r>
+          </a:p>
+        </p:txBody>
+      </p:sp>
+      <p:sp>
+        <p:nvSpPr>
+          <p:cNvPr id="4" name="Slide Number Placeholder 3"/>
+          <p:cNvSpPr>
+            <a:spLocks noGrp="1"/>
+          </p:cNvSpPr>
+          <p:nvPr>
+            <p:ph type="sldNum" sz="quarter" idx="5"/>
+          </p:nvPr>
+        </p:nvSpPr>
+        <p:spPr/>
+        <p:txBody>
+          <a:bodyPr/>
+          <a:lstStyle/>
+          <a:p>
+            <a:fld id="{4573CD83-9A02-4825-93C1-7C2EF9CD9900}" type="slidenum">
+              <a:rPr lang="en-US" smtClean="0"/>
+              <a:t>13</a:t>
+            </a:fld>
+            <a:endParaRPr lang="en-US"/>
+          </a:p>
+        </p:txBody>
+      </p:sp>
+    </p:spTree>
+    <p:extLst>
+      <p:ext uri="{BB962C8B-B14F-4D97-AF65-F5344CB8AC3E}">
+        <p14:creationId xmlns:p14="http://schemas.microsoft.com/office/powerpoint/2010/main" val="3827896989"/>
+      </p:ext>
+    </p:extLst>
+  </p:cSld>
+  <p:clrMapOvr>
+    <a:masterClrMapping/>
+  </p:clrMapOvr>
+</p:notes>
+</file>
+
+<file path=ppt/notesSlides/notesSlide14.xml><?xml version="1.0" encoding="utf-8"?>
+<p:notes xmlns:a="http://schemas.openxmlformats.org/drawingml/2006/main" xmlns:r="http://schemas.openxmlformats.org/officeDocument/2006/relationships" xmlns:p="http://schemas.openxmlformats.org/presentationml/2006/main">
+  <p:cSld>
+    <p:spTree>
+      <p:nvGrpSpPr>
+        <p:cNvPr id="1" name=""/>
+        <p:cNvGrpSpPr/>
+        <p:nvPr/>
+      </p:nvGrpSpPr>
+      <p:grpSpPr>
+        <a:xfrm>
+          <a:off x="0" y="0"/>
+          <a:ext cx="0" cy="0"/>
+          <a:chOff x="0" y="0"/>
+          <a:chExt cx="0" cy="0"/>
+        </a:xfrm>
+      </p:grpSpPr>
+      <p:sp>
+        <p:nvSpPr>
+          <p:cNvPr id="2" name="Slide Image Placeholder 1"/>
+          <p:cNvSpPr>
+            <a:spLocks noGrp="1" noRot="1" noChangeAspect="1"/>
+          </p:cNvSpPr>
+          <p:nvPr>
+            <p:ph type="sldImg"/>
+          </p:nvPr>
+        </p:nvSpPr>
+        <p:spPr/>
+      </p:sp>
+      <p:sp>
+        <p:nvSpPr>
+          <p:cNvPr id="3" name="Notes Placeholder 2"/>
+          <p:cNvSpPr>
+            <a:spLocks noGrp="1"/>
+          </p:cNvSpPr>
+          <p:nvPr>
+            <p:ph type="body" idx="1"/>
+          </p:nvPr>
+        </p:nvSpPr>
+        <p:spPr/>
+        <p:txBody>
+          <a:bodyPr/>
+          <a:lstStyle/>
+          <a:p>
+            <a:r>
+              <a:rPr lang="en-US" dirty="0"/>
+              <a:t>Note diagram on electrical contacts.</a:t>
+            </a:r>
+          </a:p>
+          <a:p>
+            <a:r>
+              <a:rPr lang="en-US" dirty="0"/>
+              <a:t>This diagram applies to a switch where our finger moves the contact over</a:t>
+            </a:r>
+          </a:p>
+          <a:p>
+            <a:r>
+              <a:rPr lang="en-US" dirty="0"/>
+              <a:t>Also applies to a relay – where an electromagnet moves the contact over.</a:t>
+            </a:r>
+          </a:p>
+          <a:p>
+            <a:endParaRPr lang="en-US" dirty="0"/>
+          </a:p>
+          <a:p>
+            <a:r>
+              <a:rPr lang="en-US" dirty="0"/>
+              <a:t>Other common arrangements include DPDT   (two independent common terminals, each feeding two output terminals .. Changeover of both happens at same time.)</a:t>
+            </a:r>
+          </a:p>
+          <a:p>
+            <a:endParaRPr lang="en-US" dirty="0"/>
+          </a:p>
+          <a:p>
+            <a:r>
+              <a:rPr lang="en-US" dirty="0"/>
+              <a:t>4PDT comes up from time to time – for switching a DCC programming track.</a:t>
+            </a:r>
+          </a:p>
+        </p:txBody>
+      </p:sp>
+      <p:sp>
+        <p:nvSpPr>
+          <p:cNvPr id="4" name="Slide Number Placeholder 3"/>
+          <p:cNvSpPr>
+            <a:spLocks noGrp="1"/>
+          </p:cNvSpPr>
+          <p:nvPr>
+            <p:ph type="sldNum" sz="quarter" idx="5"/>
+          </p:nvPr>
+        </p:nvSpPr>
+        <p:spPr/>
+        <p:txBody>
+          <a:bodyPr/>
+          <a:lstStyle/>
+          <a:p>
+            <a:fld id="{4573CD83-9A02-4825-93C1-7C2EF9CD9900}" type="slidenum">
+              <a:rPr lang="en-US" smtClean="0"/>
+              <a:t>14</a:t>
+            </a:fld>
+            <a:endParaRPr lang="en-US"/>
+          </a:p>
+        </p:txBody>
+      </p:sp>
+    </p:spTree>
+    <p:extLst>
+      <p:ext uri="{BB962C8B-B14F-4D97-AF65-F5344CB8AC3E}">
+        <p14:creationId xmlns:p14="http://schemas.microsoft.com/office/powerpoint/2010/main" val="1589115770"/>
+      </p:ext>
+    </p:extLst>
+  </p:cSld>
+  <p:clrMapOvr>
+    <a:masterClrMapping/>
+  </p:clrMapOvr>
+</p:notes>
+</file>
+
+<file path=ppt/notesSlides/notesSlide15.xml><?xml version="1.0" encoding="utf-8"?>
+<p:notes xmlns:a="http://schemas.openxmlformats.org/drawingml/2006/main" xmlns:r="http://schemas.openxmlformats.org/officeDocument/2006/relationships" xmlns:p="http://schemas.openxmlformats.org/presentationml/2006/main">
+  <p:cSld>
+    <p:spTree>
+      <p:nvGrpSpPr>
+        <p:cNvPr id="1" name=""/>
+        <p:cNvGrpSpPr/>
+        <p:nvPr/>
+      </p:nvGrpSpPr>
+      <p:grpSpPr>
+        <a:xfrm>
+          <a:off x="0" y="0"/>
+          <a:ext cx="0" cy="0"/>
+          <a:chOff x="0" y="0"/>
+          <a:chExt cx="0" cy="0"/>
+        </a:xfrm>
+      </p:grpSpPr>
+      <p:sp>
+        <p:nvSpPr>
+          <p:cNvPr id="2" name="Slide Image Placeholder 1"/>
+          <p:cNvSpPr>
+            <a:spLocks noGrp="1" noRot="1" noChangeAspect="1"/>
+          </p:cNvSpPr>
+          <p:nvPr>
+            <p:ph type="sldImg"/>
+          </p:nvPr>
+        </p:nvSpPr>
+        <p:spPr/>
+      </p:sp>
+      <p:sp>
+        <p:nvSpPr>
+          <p:cNvPr id="3" name="Notes Placeholder 2"/>
+          <p:cNvSpPr>
+            <a:spLocks noGrp="1"/>
+          </p:cNvSpPr>
+          <p:nvPr>
+            <p:ph type="body" idx="1"/>
+          </p:nvPr>
+        </p:nvSpPr>
+        <p:spPr/>
+        <p:txBody>
+          <a:bodyPr/>
+          <a:lstStyle/>
+          <a:p>
+            <a:endParaRPr lang="en-US"/>
+          </a:p>
+        </p:txBody>
+      </p:sp>
+      <p:sp>
+        <p:nvSpPr>
+          <p:cNvPr id="4" name="Slide Number Placeholder 3"/>
+          <p:cNvSpPr>
+            <a:spLocks noGrp="1"/>
+          </p:cNvSpPr>
+          <p:nvPr>
+            <p:ph type="sldNum" sz="quarter" idx="5"/>
+          </p:nvPr>
+        </p:nvSpPr>
+        <p:spPr/>
+        <p:txBody>
+          <a:bodyPr/>
+          <a:lstStyle/>
+          <a:p>
+            <a:fld id="{4573CD83-9A02-4825-93C1-7C2EF9CD9900}" type="slidenum">
+              <a:rPr lang="en-US" smtClean="0"/>
+              <a:t>15</a:t>
+            </a:fld>
+            <a:endParaRPr lang="en-US"/>
+          </a:p>
+        </p:txBody>
+      </p:sp>
+    </p:spTree>
+    <p:extLst>
+      <p:ext uri="{BB962C8B-B14F-4D97-AF65-F5344CB8AC3E}">
+        <p14:creationId xmlns:p14="http://schemas.microsoft.com/office/powerpoint/2010/main" val="1938451871"/>
+      </p:ext>
+    </p:extLst>
+  </p:cSld>
+  <p:clrMapOvr>
+    <a:masterClrMapping/>
+  </p:clrMapOvr>
+</p:notes>
+</file>
+
+<file path=ppt/notesSlides/notesSlide16.xml><?xml version="1.0" encoding="utf-8"?>
+<p:notes xmlns:a="http://schemas.openxmlformats.org/drawingml/2006/main" xmlns:r="http://schemas.openxmlformats.org/officeDocument/2006/relationships" xmlns:p="http://schemas.openxmlformats.org/presentationml/2006/main">
+  <p:cSld>
+    <p:spTree>
+      <p:nvGrpSpPr>
+        <p:cNvPr id="1" name=""/>
+        <p:cNvGrpSpPr/>
+        <p:nvPr/>
+      </p:nvGrpSpPr>
+      <p:grpSpPr>
+        <a:xfrm>
+          <a:off x="0" y="0"/>
+          <a:ext cx="0" cy="0"/>
+          <a:chOff x="0" y="0"/>
+          <a:chExt cx="0" cy="0"/>
+        </a:xfrm>
+      </p:grpSpPr>
+      <p:sp>
+        <p:nvSpPr>
+          <p:cNvPr id="2" name="Slide Image Placeholder 1"/>
+          <p:cNvSpPr>
+            <a:spLocks noGrp="1" noRot="1" noChangeAspect="1"/>
+          </p:cNvSpPr>
+          <p:nvPr>
+            <p:ph type="sldImg"/>
+          </p:nvPr>
+        </p:nvSpPr>
+        <p:spPr/>
+      </p:sp>
+      <p:sp>
+        <p:nvSpPr>
+          <p:cNvPr id="3" name="Notes Placeholder 2"/>
+          <p:cNvSpPr>
+            <a:spLocks noGrp="1"/>
+          </p:cNvSpPr>
+          <p:nvPr>
+            <p:ph type="body" idx="1"/>
+          </p:nvPr>
+        </p:nvSpPr>
+        <p:spPr/>
+        <p:txBody>
+          <a:bodyPr/>
+          <a:lstStyle/>
+          <a:p>
+            <a:endParaRPr lang="en-US"/>
+          </a:p>
+        </p:txBody>
+      </p:sp>
+      <p:sp>
+        <p:nvSpPr>
+          <p:cNvPr id="4" name="Slide Number Placeholder 3"/>
+          <p:cNvSpPr>
+            <a:spLocks noGrp="1"/>
+          </p:cNvSpPr>
+          <p:nvPr>
+            <p:ph type="sldNum" sz="quarter" idx="5"/>
+          </p:nvPr>
+        </p:nvSpPr>
+        <p:spPr/>
+        <p:txBody>
+          <a:bodyPr/>
+          <a:lstStyle/>
+          <a:p>
+            <a:fld id="{4573CD83-9A02-4825-93C1-7C2EF9CD9900}" type="slidenum">
+              <a:rPr lang="en-US" smtClean="0"/>
+              <a:t>16</a:t>
+            </a:fld>
+            <a:endParaRPr lang="en-US"/>
+          </a:p>
+        </p:txBody>
+      </p:sp>
+    </p:spTree>
+    <p:extLst>
+      <p:ext uri="{BB962C8B-B14F-4D97-AF65-F5344CB8AC3E}">
+        <p14:creationId xmlns:p14="http://schemas.microsoft.com/office/powerpoint/2010/main" val="2233735027"/>
+      </p:ext>
+    </p:extLst>
+  </p:cSld>
+  <p:clrMapOvr>
+    <a:masterClrMapping/>
+  </p:clrMapOvr>
+</p:notes>
+</file>
+
+<file path=ppt/notesSlides/notesSlide17.xml><?xml version="1.0" encoding="utf-8"?>
+<p:notes xmlns:a="http://schemas.openxmlformats.org/drawingml/2006/main" xmlns:r="http://schemas.openxmlformats.org/officeDocument/2006/relationships" xmlns:p="http://schemas.openxmlformats.org/presentationml/2006/main">
+  <p:cSld>
+    <p:spTree>
+      <p:nvGrpSpPr>
+        <p:cNvPr id="1" name=""/>
+        <p:cNvGrpSpPr/>
+        <p:nvPr/>
+      </p:nvGrpSpPr>
+      <p:grpSpPr>
+        <a:xfrm>
+          <a:off x="0" y="0"/>
+          <a:ext cx="0" cy="0"/>
+          <a:chOff x="0" y="0"/>
+          <a:chExt cx="0" cy="0"/>
+        </a:xfrm>
+      </p:grpSpPr>
+      <p:sp>
+        <p:nvSpPr>
+          <p:cNvPr id="2" name="Slide Image Placeholder 1"/>
+          <p:cNvSpPr>
+            <a:spLocks noGrp="1" noRot="1" noChangeAspect="1"/>
+          </p:cNvSpPr>
+          <p:nvPr>
+            <p:ph type="sldImg"/>
+          </p:nvPr>
+        </p:nvSpPr>
+        <p:spPr/>
+      </p:sp>
+      <p:sp>
+        <p:nvSpPr>
+          <p:cNvPr id="3" name="Notes Placeholder 2"/>
+          <p:cNvSpPr>
+            <a:spLocks noGrp="1"/>
+          </p:cNvSpPr>
+          <p:nvPr>
+            <p:ph type="body" idx="1"/>
+          </p:nvPr>
+        </p:nvSpPr>
+        <p:spPr/>
+        <p:txBody>
+          <a:bodyPr/>
+          <a:lstStyle/>
+          <a:p>
+            <a:r>
+              <a:rPr lang="en-US" dirty="0"/>
+              <a:t>My demonstration layout uses two sets of three LDR’s.</a:t>
+            </a:r>
+          </a:p>
+          <a:p>
+            <a:endParaRPr lang="en-US" dirty="0"/>
+          </a:p>
+          <a:p>
+            <a:r>
+              <a:rPr lang="en-US" dirty="0"/>
+              <a:t>Each set of three is smoothed, then averaged. If any single value differs from the average it’s digital value is triggered. Before acting on those digitals I also used debounce logic.</a:t>
+            </a:r>
+          </a:p>
+          <a:p>
+            <a:endParaRPr lang="en-US" dirty="0"/>
+          </a:p>
+          <a:p>
+            <a:r>
+              <a:rPr lang="en-US" dirty="0"/>
+              <a:t>Ran flawlessly over a two day show triggering sound effects and also a mimic panel.</a:t>
+            </a:r>
+          </a:p>
+        </p:txBody>
+      </p:sp>
+      <p:sp>
+        <p:nvSpPr>
+          <p:cNvPr id="4" name="Slide Number Placeholder 3"/>
+          <p:cNvSpPr>
+            <a:spLocks noGrp="1"/>
+          </p:cNvSpPr>
+          <p:nvPr>
+            <p:ph type="sldNum" sz="quarter" idx="5"/>
+          </p:nvPr>
+        </p:nvSpPr>
+        <p:spPr/>
+        <p:txBody>
+          <a:bodyPr/>
+          <a:lstStyle/>
+          <a:p>
+            <a:fld id="{4573CD83-9A02-4825-93C1-7C2EF9CD9900}" type="slidenum">
+              <a:rPr lang="en-US" smtClean="0"/>
+              <a:t>17</a:t>
+            </a:fld>
+            <a:endParaRPr lang="en-US"/>
+          </a:p>
+        </p:txBody>
+      </p:sp>
+    </p:spTree>
+    <p:extLst>
+      <p:ext uri="{BB962C8B-B14F-4D97-AF65-F5344CB8AC3E}">
+        <p14:creationId xmlns:p14="http://schemas.microsoft.com/office/powerpoint/2010/main" val="1738908184"/>
+      </p:ext>
+    </p:extLst>
+  </p:cSld>
+  <p:clrMapOvr>
+    <a:masterClrMapping/>
+  </p:clrMapOvr>
+</p:notes>
+</file>
+
+<file path=ppt/notesSlides/notesSlide18.xml><?xml version="1.0" encoding="utf-8"?>
+<p:notes xmlns:a="http://schemas.openxmlformats.org/drawingml/2006/main" xmlns:r="http://schemas.openxmlformats.org/officeDocument/2006/relationships" xmlns:p="http://schemas.openxmlformats.org/presentationml/2006/main">
+  <p:cSld>
+    <p:spTree>
+      <p:nvGrpSpPr>
+        <p:cNvPr id="1" name=""/>
+        <p:cNvGrpSpPr/>
+        <p:nvPr/>
+      </p:nvGrpSpPr>
+      <p:grpSpPr>
+        <a:xfrm>
+          <a:off x="0" y="0"/>
+          <a:ext cx="0" cy="0"/>
+          <a:chOff x="0" y="0"/>
+          <a:chExt cx="0" cy="0"/>
+        </a:xfrm>
+      </p:grpSpPr>
+      <p:sp>
+        <p:nvSpPr>
+          <p:cNvPr id="2" name="Slide Image Placeholder 1"/>
+          <p:cNvSpPr>
+            <a:spLocks noGrp="1" noRot="1" noChangeAspect="1"/>
+          </p:cNvSpPr>
+          <p:nvPr>
+            <p:ph type="sldImg"/>
+          </p:nvPr>
+        </p:nvSpPr>
+        <p:spPr/>
+      </p:sp>
+      <p:sp>
+        <p:nvSpPr>
+          <p:cNvPr id="3" name="Notes Placeholder 2"/>
+          <p:cNvSpPr>
+            <a:spLocks noGrp="1"/>
+          </p:cNvSpPr>
+          <p:nvPr>
+            <p:ph type="body" idx="1"/>
+          </p:nvPr>
+        </p:nvSpPr>
+        <p:spPr/>
+        <p:txBody>
+          <a:bodyPr/>
+          <a:lstStyle/>
+          <a:p>
+            <a:endParaRPr lang="en-US"/>
+          </a:p>
+        </p:txBody>
+      </p:sp>
+      <p:sp>
+        <p:nvSpPr>
+          <p:cNvPr id="4" name="Slide Number Placeholder 3"/>
+          <p:cNvSpPr>
+            <a:spLocks noGrp="1"/>
+          </p:cNvSpPr>
+          <p:nvPr>
+            <p:ph type="sldNum" sz="quarter" idx="5"/>
+          </p:nvPr>
+        </p:nvSpPr>
+        <p:spPr/>
+        <p:txBody>
+          <a:bodyPr/>
+          <a:lstStyle/>
+          <a:p>
+            <a:fld id="{4573CD83-9A02-4825-93C1-7C2EF9CD9900}" type="slidenum">
+              <a:rPr lang="en-US" smtClean="0"/>
+              <a:t>18</a:t>
+            </a:fld>
+            <a:endParaRPr lang="en-US"/>
+          </a:p>
+        </p:txBody>
+      </p:sp>
+    </p:spTree>
+    <p:extLst>
+      <p:ext uri="{BB962C8B-B14F-4D97-AF65-F5344CB8AC3E}">
+        <p14:creationId xmlns:p14="http://schemas.microsoft.com/office/powerpoint/2010/main" val="2800627613"/>
+      </p:ext>
+    </p:extLst>
+  </p:cSld>
+  <p:clrMapOvr>
+    <a:masterClrMapping/>
+  </p:clrMapOvr>
+</p:notes>
+</file>
+
+<file path=ppt/notesSlides/notesSlide19.xml><?xml version="1.0" encoding="utf-8"?>
+<p:notes xmlns:a="http://schemas.openxmlformats.org/drawingml/2006/main" xmlns:r="http://schemas.openxmlformats.org/officeDocument/2006/relationships" xmlns:p="http://schemas.openxmlformats.org/presentationml/2006/main">
+  <p:cSld>
+    <p:spTree>
+      <p:nvGrpSpPr>
+        <p:cNvPr id="1" name=""/>
+        <p:cNvGrpSpPr/>
+        <p:nvPr/>
+      </p:nvGrpSpPr>
+      <p:grpSpPr>
+        <a:xfrm>
+          <a:off x="0" y="0"/>
+          <a:ext cx="0" cy="0"/>
+          <a:chOff x="0" y="0"/>
+          <a:chExt cx="0" cy="0"/>
+        </a:xfrm>
+      </p:grpSpPr>
+      <p:sp>
+        <p:nvSpPr>
+          <p:cNvPr id="2" name="Slide Image Placeholder 1"/>
+          <p:cNvSpPr>
+            <a:spLocks noGrp="1" noRot="1" noChangeAspect="1"/>
+          </p:cNvSpPr>
+          <p:nvPr>
+            <p:ph type="sldImg"/>
+          </p:nvPr>
+        </p:nvSpPr>
+        <p:spPr/>
+      </p:sp>
+      <p:sp>
+        <p:nvSpPr>
+          <p:cNvPr id="3" name="Notes Placeholder 2"/>
+          <p:cNvSpPr>
+            <a:spLocks noGrp="1"/>
+          </p:cNvSpPr>
+          <p:nvPr>
+            <p:ph type="body" idx="1"/>
+          </p:nvPr>
+        </p:nvSpPr>
+        <p:spPr/>
+        <p:txBody>
+          <a:bodyPr/>
+          <a:lstStyle/>
+          <a:p>
+            <a:endParaRPr lang="en-US"/>
+          </a:p>
+        </p:txBody>
+      </p:sp>
+      <p:sp>
+        <p:nvSpPr>
+          <p:cNvPr id="4" name="Slide Number Placeholder 3"/>
+          <p:cNvSpPr>
+            <a:spLocks noGrp="1"/>
+          </p:cNvSpPr>
+          <p:nvPr>
+            <p:ph type="sldNum" sz="quarter" idx="5"/>
+          </p:nvPr>
+        </p:nvSpPr>
+        <p:spPr/>
+        <p:txBody>
+          <a:bodyPr/>
+          <a:lstStyle/>
+          <a:p>
+            <a:fld id="{4573CD83-9A02-4825-93C1-7C2EF9CD9900}" type="slidenum">
+              <a:rPr lang="en-US" smtClean="0"/>
+              <a:t>19</a:t>
+            </a:fld>
+            <a:endParaRPr lang="en-US"/>
+          </a:p>
+        </p:txBody>
+      </p:sp>
+    </p:spTree>
+    <p:extLst>
+      <p:ext uri="{BB962C8B-B14F-4D97-AF65-F5344CB8AC3E}">
+        <p14:creationId xmlns:p14="http://schemas.microsoft.com/office/powerpoint/2010/main" val="1335960922"/>
+      </p:ext>
+    </p:extLst>
+  </p:cSld>
+  <p:clrMapOvr>
+    <a:masterClrMapping/>
+  </p:clrMapOvr>
+</p:notes>
+</file>
+
+<file path=ppt/notesSlides/notesSlide2.xml><?xml version="1.0" encoding="utf-8"?>
+<p:notes xmlns:a="http://schemas.openxmlformats.org/drawingml/2006/main" xmlns:r="http://schemas.openxmlformats.org/officeDocument/2006/relationships" xmlns:p="http://schemas.openxmlformats.org/presentationml/2006/main">
+  <p:cSld>
+    <p:spTree>
+      <p:nvGrpSpPr>
+        <p:cNvPr id="1" name=""/>
+        <p:cNvGrpSpPr/>
+        <p:nvPr/>
+      </p:nvGrpSpPr>
+      <p:grpSpPr>
+        <a:xfrm>
+          <a:off x="0" y="0"/>
+          <a:ext cx="0" cy="0"/>
+          <a:chOff x="0" y="0"/>
+          <a:chExt cx="0" cy="0"/>
+        </a:xfrm>
+      </p:grpSpPr>
+      <p:sp>
+        <p:nvSpPr>
+          <p:cNvPr id="2" name="Slide Image Placeholder 1"/>
+          <p:cNvSpPr>
+            <a:spLocks noGrp="1" noRot="1" noChangeAspect="1"/>
+          </p:cNvSpPr>
+          <p:nvPr>
+            <p:ph type="sldImg"/>
+          </p:nvPr>
+        </p:nvSpPr>
+        <p:spPr/>
+      </p:sp>
+      <p:sp>
+        <p:nvSpPr>
+          <p:cNvPr id="3" name="Notes Placeholder 2"/>
+          <p:cNvSpPr>
+            <a:spLocks noGrp="1"/>
+          </p:cNvSpPr>
+          <p:nvPr>
+            <p:ph type="body" idx="1"/>
+          </p:nvPr>
+        </p:nvSpPr>
+        <p:spPr/>
+        <p:txBody>
+          <a:bodyPr/>
+          <a:lstStyle/>
+          <a:p>
+            <a:r>
+              <a:rPr lang="en-US" dirty="0"/>
+              <a:t>This is a overview of Arduino I/O hardware and various sensors or actuators.</a:t>
+            </a:r>
+          </a:p>
+          <a:p>
+            <a:r>
+              <a:rPr lang="en-US" dirty="0"/>
+              <a:t>It covers typical usage cases and also pros and cons of the various types.</a:t>
+            </a:r>
+          </a:p>
+          <a:p>
+            <a:r>
+              <a:rPr lang="en-US" dirty="0"/>
+              <a:t>As a ‘Compendium’ it does not go deep on any one subject but it should serve as an excellent overview of what is out there and give guidance where an Arduino user may want to dig deeper.</a:t>
+            </a:r>
+          </a:p>
+          <a:p>
+            <a:endParaRPr lang="en-US" dirty="0"/>
+          </a:p>
+        </p:txBody>
+      </p:sp>
+      <p:sp>
+        <p:nvSpPr>
+          <p:cNvPr id="4" name="Slide Number Placeholder 3"/>
+          <p:cNvSpPr>
+            <a:spLocks noGrp="1"/>
+          </p:cNvSpPr>
+          <p:nvPr>
+            <p:ph type="sldNum" sz="quarter" idx="5"/>
+          </p:nvPr>
+        </p:nvSpPr>
+        <p:spPr/>
+        <p:txBody>
+          <a:bodyPr/>
+          <a:lstStyle/>
+          <a:p>
+            <a:fld id="{4573CD83-9A02-4825-93C1-7C2EF9CD9900}" type="slidenum">
+              <a:rPr lang="en-US" smtClean="0"/>
+              <a:t>2</a:t>
+            </a:fld>
+            <a:endParaRPr lang="en-US"/>
+          </a:p>
+        </p:txBody>
+      </p:sp>
+    </p:spTree>
+    <p:extLst>
+      <p:ext uri="{BB962C8B-B14F-4D97-AF65-F5344CB8AC3E}">
+        <p14:creationId xmlns:p14="http://schemas.microsoft.com/office/powerpoint/2010/main" val="327685413"/>
+      </p:ext>
+    </p:extLst>
+  </p:cSld>
+  <p:clrMapOvr>
+    <a:masterClrMapping/>
+  </p:clrMapOvr>
+</p:notes>
+</file>
+
+<file path=ppt/notesSlides/notesSlide20.xml><?xml version="1.0" encoding="utf-8"?>
+<p:notes xmlns:a="http://schemas.openxmlformats.org/drawingml/2006/main" xmlns:r="http://schemas.openxmlformats.org/officeDocument/2006/relationships" xmlns:p="http://schemas.openxmlformats.org/presentationml/2006/main">
+  <p:cSld>
+    <p:spTree>
+      <p:nvGrpSpPr>
+        <p:cNvPr id="1" name=""/>
+        <p:cNvGrpSpPr/>
+        <p:nvPr/>
+      </p:nvGrpSpPr>
+      <p:grpSpPr>
+        <a:xfrm>
+          <a:off x="0" y="0"/>
+          <a:ext cx="0" cy="0"/>
+          <a:chOff x="0" y="0"/>
+          <a:chExt cx="0" cy="0"/>
+        </a:xfrm>
+      </p:grpSpPr>
+      <p:sp>
+        <p:nvSpPr>
+          <p:cNvPr id="2" name="Slide Image Placeholder 1"/>
+          <p:cNvSpPr>
+            <a:spLocks noGrp="1" noRot="1" noChangeAspect="1"/>
+          </p:cNvSpPr>
+          <p:nvPr>
+            <p:ph type="sldImg"/>
+          </p:nvPr>
+        </p:nvSpPr>
+        <p:spPr/>
+      </p:sp>
+      <p:sp>
+        <p:nvSpPr>
+          <p:cNvPr id="3" name="Notes Placeholder 2"/>
+          <p:cNvSpPr>
+            <a:spLocks noGrp="1"/>
+          </p:cNvSpPr>
+          <p:nvPr>
+            <p:ph type="body" idx="1"/>
+          </p:nvPr>
+        </p:nvSpPr>
+        <p:spPr/>
+        <p:txBody>
+          <a:bodyPr/>
+          <a:lstStyle/>
+          <a:p>
+            <a:endParaRPr lang="en-US"/>
+          </a:p>
+        </p:txBody>
+      </p:sp>
+      <p:sp>
+        <p:nvSpPr>
+          <p:cNvPr id="4" name="Slide Number Placeholder 3"/>
+          <p:cNvSpPr>
+            <a:spLocks noGrp="1"/>
+          </p:cNvSpPr>
+          <p:nvPr>
+            <p:ph type="sldNum" sz="quarter" idx="5"/>
+          </p:nvPr>
+        </p:nvSpPr>
+        <p:spPr/>
+        <p:txBody>
+          <a:bodyPr/>
+          <a:lstStyle/>
+          <a:p>
+            <a:fld id="{4573CD83-9A02-4825-93C1-7C2EF9CD9900}" type="slidenum">
+              <a:rPr lang="en-US" smtClean="0"/>
+              <a:t>20</a:t>
+            </a:fld>
+            <a:endParaRPr lang="en-US"/>
+          </a:p>
+        </p:txBody>
+      </p:sp>
+    </p:spTree>
+    <p:extLst>
+      <p:ext uri="{BB962C8B-B14F-4D97-AF65-F5344CB8AC3E}">
+        <p14:creationId xmlns:p14="http://schemas.microsoft.com/office/powerpoint/2010/main" val="2727751167"/>
+      </p:ext>
+    </p:extLst>
+  </p:cSld>
+  <p:clrMapOvr>
+    <a:masterClrMapping/>
+  </p:clrMapOvr>
+</p:notes>
+</file>
+
+<file path=ppt/notesSlides/notesSlide21.xml><?xml version="1.0" encoding="utf-8"?>
+<p:notes xmlns:a="http://schemas.openxmlformats.org/drawingml/2006/main" xmlns:r="http://schemas.openxmlformats.org/officeDocument/2006/relationships" xmlns:p="http://schemas.openxmlformats.org/presentationml/2006/main">
+  <p:cSld>
+    <p:spTree>
+      <p:nvGrpSpPr>
+        <p:cNvPr id="1" name=""/>
+        <p:cNvGrpSpPr/>
+        <p:nvPr/>
+      </p:nvGrpSpPr>
+      <p:grpSpPr>
+        <a:xfrm>
+          <a:off x="0" y="0"/>
+          <a:ext cx="0" cy="0"/>
+          <a:chOff x="0" y="0"/>
+          <a:chExt cx="0" cy="0"/>
+        </a:xfrm>
+      </p:grpSpPr>
+      <p:sp>
+        <p:nvSpPr>
+          <p:cNvPr id="2" name="Slide Image Placeholder 1"/>
+          <p:cNvSpPr>
+            <a:spLocks noGrp="1" noRot="1" noChangeAspect="1"/>
+          </p:cNvSpPr>
+          <p:nvPr>
+            <p:ph type="sldImg"/>
+          </p:nvPr>
+        </p:nvSpPr>
+        <p:spPr/>
+      </p:sp>
+      <p:sp>
+        <p:nvSpPr>
+          <p:cNvPr id="3" name="Notes Placeholder 2"/>
+          <p:cNvSpPr>
+            <a:spLocks noGrp="1"/>
+          </p:cNvSpPr>
+          <p:nvPr>
+            <p:ph type="body" idx="1"/>
+          </p:nvPr>
+        </p:nvSpPr>
+        <p:spPr/>
+        <p:txBody>
+          <a:bodyPr/>
+          <a:lstStyle/>
+          <a:p>
+            <a:endParaRPr lang="en-US"/>
+          </a:p>
+        </p:txBody>
+      </p:sp>
+      <p:sp>
+        <p:nvSpPr>
+          <p:cNvPr id="4" name="Slide Number Placeholder 3"/>
+          <p:cNvSpPr>
+            <a:spLocks noGrp="1"/>
+          </p:cNvSpPr>
+          <p:nvPr>
+            <p:ph type="sldNum" sz="quarter" idx="5"/>
+          </p:nvPr>
+        </p:nvSpPr>
+        <p:spPr/>
+        <p:txBody>
+          <a:bodyPr/>
+          <a:lstStyle/>
+          <a:p>
+            <a:fld id="{4573CD83-9A02-4825-93C1-7C2EF9CD9900}" type="slidenum">
+              <a:rPr lang="en-US" smtClean="0"/>
+              <a:t>21</a:t>
+            </a:fld>
+            <a:endParaRPr lang="en-US"/>
+          </a:p>
+        </p:txBody>
+      </p:sp>
+    </p:spTree>
+    <p:extLst>
+      <p:ext uri="{BB962C8B-B14F-4D97-AF65-F5344CB8AC3E}">
+        <p14:creationId xmlns:p14="http://schemas.microsoft.com/office/powerpoint/2010/main" val="864502551"/>
+      </p:ext>
+    </p:extLst>
+  </p:cSld>
+  <p:clrMapOvr>
+    <a:masterClrMapping/>
+  </p:clrMapOvr>
+</p:notes>
+</file>
+
+<file path=ppt/notesSlides/notesSlide22.xml><?xml version="1.0" encoding="utf-8"?>
+<p:notes xmlns:a="http://schemas.openxmlformats.org/drawingml/2006/main" xmlns:r="http://schemas.openxmlformats.org/officeDocument/2006/relationships" xmlns:p="http://schemas.openxmlformats.org/presentationml/2006/main">
+  <p:cSld>
+    <p:spTree>
+      <p:nvGrpSpPr>
+        <p:cNvPr id="1" name=""/>
+        <p:cNvGrpSpPr/>
+        <p:nvPr/>
+      </p:nvGrpSpPr>
+      <p:grpSpPr>
+        <a:xfrm>
+          <a:off x="0" y="0"/>
+          <a:ext cx="0" cy="0"/>
+          <a:chOff x="0" y="0"/>
+          <a:chExt cx="0" cy="0"/>
+        </a:xfrm>
+      </p:grpSpPr>
+      <p:sp>
+        <p:nvSpPr>
+          <p:cNvPr id="2" name="Slide Image Placeholder 1"/>
+          <p:cNvSpPr>
+            <a:spLocks noGrp="1" noRot="1" noChangeAspect="1"/>
+          </p:cNvSpPr>
+          <p:nvPr>
+            <p:ph type="sldImg"/>
+          </p:nvPr>
+        </p:nvSpPr>
+        <p:spPr/>
+      </p:sp>
+      <p:sp>
+        <p:nvSpPr>
+          <p:cNvPr id="3" name="Notes Placeholder 2"/>
+          <p:cNvSpPr>
+            <a:spLocks noGrp="1"/>
+          </p:cNvSpPr>
+          <p:nvPr>
+            <p:ph type="body" idx="1"/>
+          </p:nvPr>
+        </p:nvSpPr>
+        <p:spPr/>
+        <p:txBody>
+          <a:bodyPr/>
+          <a:lstStyle/>
+          <a:p>
+            <a:endParaRPr lang="en-US"/>
+          </a:p>
+        </p:txBody>
+      </p:sp>
+      <p:sp>
+        <p:nvSpPr>
+          <p:cNvPr id="4" name="Slide Number Placeholder 3"/>
+          <p:cNvSpPr>
+            <a:spLocks noGrp="1"/>
+          </p:cNvSpPr>
+          <p:nvPr>
+            <p:ph type="sldNum" sz="quarter" idx="5"/>
+          </p:nvPr>
+        </p:nvSpPr>
+        <p:spPr/>
+        <p:txBody>
+          <a:bodyPr/>
+          <a:lstStyle/>
+          <a:p>
+            <a:fld id="{4573CD83-9A02-4825-93C1-7C2EF9CD9900}" type="slidenum">
+              <a:rPr lang="en-US" smtClean="0"/>
+              <a:t>22</a:t>
+            </a:fld>
+            <a:endParaRPr lang="en-US"/>
+          </a:p>
+        </p:txBody>
+      </p:sp>
+    </p:spTree>
+    <p:extLst>
+      <p:ext uri="{BB962C8B-B14F-4D97-AF65-F5344CB8AC3E}">
+        <p14:creationId xmlns:p14="http://schemas.microsoft.com/office/powerpoint/2010/main" val="1348732821"/>
+      </p:ext>
+    </p:extLst>
+  </p:cSld>
+  <p:clrMapOvr>
+    <a:masterClrMapping/>
+  </p:clrMapOvr>
+</p:notes>
+</file>
+
+<file path=ppt/notesSlides/notesSlide23.xml><?xml version="1.0" encoding="utf-8"?>
+<p:notes xmlns:a="http://schemas.openxmlformats.org/drawingml/2006/main" xmlns:r="http://schemas.openxmlformats.org/officeDocument/2006/relationships" xmlns:p="http://schemas.openxmlformats.org/presentationml/2006/main">
+  <p:cSld>
+    <p:spTree>
+      <p:nvGrpSpPr>
+        <p:cNvPr id="1" name=""/>
+        <p:cNvGrpSpPr/>
+        <p:nvPr/>
+      </p:nvGrpSpPr>
+      <p:grpSpPr>
+        <a:xfrm>
+          <a:off x="0" y="0"/>
+          <a:ext cx="0" cy="0"/>
+          <a:chOff x="0" y="0"/>
+          <a:chExt cx="0" cy="0"/>
+        </a:xfrm>
+      </p:grpSpPr>
+      <p:sp>
+        <p:nvSpPr>
+          <p:cNvPr id="2" name="Slide Image Placeholder 1"/>
+          <p:cNvSpPr>
+            <a:spLocks noGrp="1" noRot="1" noChangeAspect="1"/>
+          </p:cNvSpPr>
+          <p:nvPr>
+            <p:ph type="sldImg"/>
+          </p:nvPr>
+        </p:nvSpPr>
+        <p:spPr/>
+      </p:sp>
+      <p:sp>
+        <p:nvSpPr>
+          <p:cNvPr id="3" name="Notes Placeholder 2"/>
+          <p:cNvSpPr>
+            <a:spLocks noGrp="1"/>
+          </p:cNvSpPr>
+          <p:nvPr>
+            <p:ph type="body" idx="1"/>
+          </p:nvPr>
+        </p:nvSpPr>
+        <p:spPr/>
+        <p:txBody>
+          <a:bodyPr/>
+          <a:lstStyle/>
+          <a:p>
+            <a:endParaRPr lang="en-US"/>
+          </a:p>
+        </p:txBody>
+      </p:sp>
+      <p:sp>
+        <p:nvSpPr>
+          <p:cNvPr id="4" name="Slide Number Placeholder 3"/>
+          <p:cNvSpPr>
+            <a:spLocks noGrp="1"/>
+          </p:cNvSpPr>
+          <p:nvPr>
+            <p:ph type="sldNum" sz="quarter" idx="5"/>
+          </p:nvPr>
+        </p:nvSpPr>
+        <p:spPr/>
+        <p:txBody>
+          <a:bodyPr/>
+          <a:lstStyle/>
+          <a:p>
+            <a:fld id="{4573CD83-9A02-4825-93C1-7C2EF9CD9900}" type="slidenum">
+              <a:rPr lang="en-US" smtClean="0"/>
+              <a:t>23</a:t>
+            </a:fld>
+            <a:endParaRPr lang="en-US"/>
+          </a:p>
+        </p:txBody>
+      </p:sp>
+    </p:spTree>
+    <p:extLst>
+      <p:ext uri="{BB962C8B-B14F-4D97-AF65-F5344CB8AC3E}">
+        <p14:creationId xmlns:p14="http://schemas.microsoft.com/office/powerpoint/2010/main" val="1217123365"/>
+      </p:ext>
+    </p:extLst>
+  </p:cSld>
+  <p:clrMapOvr>
+    <a:masterClrMapping/>
+  </p:clrMapOvr>
+</p:notes>
+</file>
+
+<file path=ppt/notesSlides/notesSlide24.xml><?xml version="1.0" encoding="utf-8"?>
+<p:notes xmlns:a="http://schemas.openxmlformats.org/drawingml/2006/main" xmlns:r="http://schemas.openxmlformats.org/officeDocument/2006/relationships" xmlns:p="http://schemas.openxmlformats.org/presentationml/2006/main">
+  <p:cSld>
+    <p:spTree>
+      <p:nvGrpSpPr>
+        <p:cNvPr id="1" name=""/>
+        <p:cNvGrpSpPr/>
+        <p:nvPr/>
+      </p:nvGrpSpPr>
+      <p:grpSpPr>
+        <a:xfrm>
+          <a:off x="0" y="0"/>
+          <a:ext cx="0" cy="0"/>
+          <a:chOff x="0" y="0"/>
+          <a:chExt cx="0" cy="0"/>
+        </a:xfrm>
+      </p:grpSpPr>
+      <p:sp>
+        <p:nvSpPr>
+          <p:cNvPr id="2" name="Slide Image Placeholder 1"/>
+          <p:cNvSpPr>
+            <a:spLocks noGrp="1" noRot="1" noChangeAspect="1"/>
+          </p:cNvSpPr>
+          <p:nvPr>
+            <p:ph type="sldImg"/>
+          </p:nvPr>
+        </p:nvSpPr>
+        <p:spPr/>
+      </p:sp>
+      <p:sp>
+        <p:nvSpPr>
+          <p:cNvPr id="3" name="Notes Placeholder 2"/>
+          <p:cNvSpPr>
+            <a:spLocks noGrp="1"/>
+          </p:cNvSpPr>
+          <p:nvPr>
+            <p:ph type="body" idx="1"/>
+          </p:nvPr>
+        </p:nvSpPr>
+        <p:spPr/>
+        <p:txBody>
+          <a:bodyPr/>
+          <a:lstStyle/>
+          <a:p>
+            <a:endParaRPr lang="en-US"/>
+          </a:p>
+        </p:txBody>
+      </p:sp>
+      <p:sp>
+        <p:nvSpPr>
+          <p:cNvPr id="4" name="Slide Number Placeholder 3"/>
+          <p:cNvSpPr>
+            <a:spLocks noGrp="1"/>
+          </p:cNvSpPr>
+          <p:nvPr>
+            <p:ph type="sldNum" sz="quarter" idx="5"/>
+          </p:nvPr>
+        </p:nvSpPr>
+        <p:spPr/>
+        <p:txBody>
+          <a:bodyPr/>
+          <a:lstStyle/>
+          <a:p>
+            <a:fld id="{4573CD83-9A02-4825-93C1-7C2EF9CD9900}" type="slidenum">
+              <a:rPr lang="en-US" smtClean="0"/>
+              <a:t>24</a:t>
+            </a:fld>
+            <a:endParaRPr lang="en-US"/>
+          </a:p>
+        </p:txBody>
+      </p:sp>
+    </p:spTree>
+    <p:extLst>
+      <p:ext uri="{BB962C8B-B14F-4D97-AF65-F5344CB8AC3E}">
+        <p14:creationId xmlns:p14="http://schemas.microsoft.com/office/powerpoint/2010/main" val="1183925624"/>
+      </p:ext>
+    </p:extLst>
+  </p:cSld>
+  <p:clrMapOvr>
+    <a:masterClrMapping/>
+  </p:clrMapOvr>
+</p:notes>
+</file>
+
+<file path=ppt/notesSlides/notesSlide25.xml><?xml version="1.0" encoding="utf-8"?>
+<p:notes xmlns:a="http://schemas.openxmlformats.org/drawingml/2006/main" xmlns:r="http://schemas.openxmlformats.org/officeDocument/2006/relationships" xmlns:p="http://schemas.openxmlformats.org/presentationml/2006/main">
+  <p:cSld>
+    <p:spTree>
+      <p:nvGrpSpPr>
+        <p:cNvPr id="1" name=""/>
+        <p:cNvGrpSpPr/>
+        <p:nvPr/>
+      </p:nvGrpSpPr>
+      <p:grpSpPr>
+        <a:xfrm>
+          <a:off x="0" y="0"/>
+          <a:ext cx="0" cy="0"/>
+          <a:chOff x="0" y="0"/>
+          <a:chExt cx="0" cy="0"/>
+        </a:xfrm>
+      </p:grpSpPr>
+      <p:sp>
+        <p:nvSpPr>
+          <p:cNvPr id="2" name="Slide Image Placeholder 1"/>
+          <p:cNvSpPr>
+            <a:spLocks noGrp="1" noRot="1" noChangeAspect="1"/>
+          </p:cNvSpPr>
+          <p:nvPr>
+            <p:ph type="sldImg"/>
+          </p:nvPr>
+        </p:nvSpPr>
+        <p:spPr/>
+      </p:sp>
+      <p:sp>
+        <p:nvSpPr>
+          <p:cNvPr id="3" name="Notes Placeholder 2"/>
+          <p:cNvSpPr>
+            <a:spLocks noGrp="1"/>
+          </p:cNvSpPr>
+          <p:nvPr>
+            <p:ph type="body" idx="1"/>
+          </p:nvPr>
+        </p:nvSpPr>
+        <p:spPr/>
+        <p:txBody>
+          <a:bodyPr/>
+          <a:lstStyle/>
+          <a:p>
+            <a:endParaRPr lang="en-US"/>
+          </a:p>
+        </p:txBody>
+      </p:sp>
+      <p:sp>
+        <p:nvSpPr>
+          <p:cNvPr id="4" name="Slide Number Placeholder 3"/>
+          <p:cNvSpPr>
+            <a:spLocks noGrp="1"/>
+          </p:cNvSpPr>
+          <p:nvPr>
+            <p:ph type="sldNum" sz="quarter" idx="5"/>
+          </p:nvPr>
+        </p:nvSpPr>
+        <p:spPr/>
+        <p:txBody>
+          <a:bodyPr/>
+          <a:lstStyle/>
+          <a:p>
+            <a:fld id="{4573CD83-9A02-4825-93C1-7C2EF9CD9900}" type="slidenum">
+              <a:rPr lang="en-US" smtClean="0"/>
+              <a:t>25</a:t>
+            </a:fld>
+            <a:endParaRPr lang="en-US"/>
+          </a:p>
+        </p:txBody>
+      </p:sp>
+    </p:spTree>
+    <p:extLst>
+      <p:ext uri="{BB962C8B-B14F-4D97-AF65-F5344CB8AC3E}">
+        <p14:creationId xmlns:p14="http://schemas.microsoft.com/office/powerpoint/2010/main" val="2464502102"/>
+      </p:ext>
+    </p:extLst>
+  </p:cSld>
+  <p:clrMapOvr>
+    <a:masterClrMapping/>
+  </p:clrMapOvr>
+</p:notes>
+</file>
+
+<file path=ppt/notesSlides/notesSlide26.xml><?xml version="1.0" encoding="utf-8"?>
+<p:notes xmlns:a="http://schemas.openxmlformats.org/drawingml/2006/main" xmlns:r="http://schemas.openxmlformats.org/officeDocument/2006/relationships" xmlns:p="http://schemas.openxmlformats.org/presentationml/2006/main">
+  <p:cSld>
+    <p:spTree>
+      <p:nvGrpSpPr>
+        <p:cNvPr id="1" name=""/>
+        <p:cNvGrpSpPr/>
+        <p:nvPr/>
+      </p:nvGrpSpPr>
+      <p:grpSpPr>
+        <a:xfrm>
+          <a:off x="0" y="0"/>
+          <a:ext cx="0" cy="0"/>
+          <a:chOff x="0" y="0"/>
+          <a:chExt cx="0" cy="0"/>
+        </a:xfrm>
+      </p:grpSpPr>
+      <p:sp>
+        <p:nvSpPr>
+          <p:cNvPr id="2" name="Slide Image Placeholder 1"/>
+          <p:cNvSpPr>
+            <a:spLocks noGrp="1" noRot="1" noChangeAspect="1"/>
+          </p:cNvSpPr>
+          <p:nvPr>
+            <p:ph type="sldImg"/>
+          </p:nvPr>
+        </p:nvSpPr>
+        <p:spPr/>
+      </p:sp>
+      <p:sp>
+        <p:nvSpPr>
+          <p:cNvPr id="3" name="Notes Placeholder 2"/>
+          <p:cNvSpPr>
+            <a:spLocks noGrp="1"/>
+          </p:cNvSpPr>
+          <p:nvPr>
+            <p:ph type="body" idx="1"/>
+          </p:nvPr>
+        </p:nvSpPr>
+        <p:spPr/>
+        <p:txBody>
+          <a:bodyPr/>
+          <a:lstStyle/>
+          <a:p>
+            <a:endParaRPr lang="en-US"/>
+          </a:p>
+        </p:txBody>
+      </p:sp>
+      <p:sp>
+        <p:nvSpPr>
+          <p:cNvPr id="4" name="Slide Number Placeholder 3"/>
+          <p:cNvSpPr>
+            <a:spLocks noGrp="1"/>
+          </p:cNvSpPr>
+          <p:nvPr>
+            <p:ph type="sldNum" sz="quarter" idx="5"/>
+          </p:nvPr>
+        </p:nvSpPr>
+        <p:spPr/>
+        <p:txBody>
+          <a:bodyPr/>
+          <a:lstStyle/>
+          <a:p>
+            <a:fld id="{4573CD83-9A02-4825-93C1-7C2EF9CD9900}" type="slidenum">
+              <a:rPr lang="en-US" smtClean="0"/>
+              <a:t>26</a:t>
+            </a:fld>
+            <a:endParaRPr lang="en-US"/>
+          </a:p>
+        </p:txBody>
+      </p:sp>
+    </p:spTree>
+    <p:extLst>
+      <p:ext uri="{BB962C8B-B14F-4D97-AF65-F5344CB8AC3E}">
+        <p14:creationId xmlns:p14="http://schemas.microsoft.com/office/powerpoint/2010/main" val="515819040"/>
+      </p:ext>
+    </p:extLst>
+  </p:cSld>
+  <p:clrMapOvr>
+    <a:masterClrMapping/>
+  </p:clrMapOvr>
+</p:notes>
+</file>
+
+<file path=ppt/notesSlides/notesSlide27.xml><?xml version="1.0" encoding="utf-8"?>
+<p:notes xmlns:a="http://schemas.openxmlformats.org/drawingml/2006/main" xmlns:r="http://schemas.openxmlformats.org/officeDocument/2006/relationships" xmlns:p="http://schemas.openxmlformats.org/presentationml/2006/main">
+  <p:cSld>
+    <p:spTree>
+      <p:nvGrpSpPr>
+        <p:cNvPr id="1" name=""/>
+        <p:cNvGrpSpPr/>
+        <p:nvPr/>
+      </p:nvGrpSpPr>
+      <p:grpSpPr>
+        <a:xfrm>
+          <a:off x="0" y="0"/>
+          <a:ext cx="0" cy="0"/>
+          <a:chOff x="0" y="0"/>
+          <a:chExt cx="0" cy="0"/>
+        </a:xfrm>
+      </p:grpSpPr>
+      <p:sp>
+        <p:nvSpPr>
+          <p:cNvPr id="2" name="Slide Image Placeholder 1"/>
+          <p:cNvSpPr>
+            <a:spLocks noGrp="1" noRot="1" noChangeAspect="1"/>
+          </p:cNvSpPr>
+          <p:nvPr>
+            <p:ph type="sldImg"/>
+          </p:nvPr>
+        </p:nvSpPr>
+        <p:spPr/>
+      </p:sp>
+      <p:sp>
+        <p:nvSpPr>
+          <p:cNvPr id="3" name="Notes Placeholder 2"/>
+          <p:cNvSpPr>
+            <a:spLocks noGrp="1"/>
+          </p:cNvSpPr>
+          <p:nvPr>
+            <p:ph type="body" idx="1"/>
+          </p:nvPr>
+        </p:nvSpPr>
+        <p:spPr/>
+        <p:txBody>
+          <a:bodyPr/>
+          <a:lstStyle/>
+          <a:p>
+            <a:endParaRPr lang="en-US"/>
+          </a:p>
+        </p:txBody>
+      </p:sp>
+      <p:sp>
+        <p:nvSpPr>
+          <p:cNvPr id="4" name="Slide Number Placeholder 3"/>
+          <p:cNvSpPr>
+            <a:spLocks noGrp="1"/>
+          </p:cNvSpPr>
+          <p:nvPr>
+            <p:ph type="sldNum" sz="quarter" idx="5"/>
+          </p:nvPr>
+        </p:nvSpPr>
+        <p:spPr/>
+        <p:txBody>
+          <a:bodyPr/>
+          <a:lstStyle/>
+          <a:p>
+            <a:fld id="{4573CD83-9A02-4825-93C1-7C2EF9CD9900}" type="slidenum">
+              <a:rPr lang="en-US" smtClean="0"/>
+              <a:t>27</a:t>
+            </a:fld>
+            <a:endParaRPr lang="en-US"/>
+          </a:p>
+        </p:txBody>
+      </p:sp>
+    </p:spTree>
+    <p:extLst>
+      <p:ext uri="{BB962C8B-B14F-4D97-AF65-F5344CB8AC3E}">
+        <p14:creationId xmlns:p14="http://schemas.microsoft.com/office/powerpoint/2010/main" val="1731622598"/>
+      </p:ext>
+    </p:extLst>
+  </p:cSld>
+  <p:clrMapOvr>
+    <a:masterClrMapping/>
+  </p:clrMapOvr>
+</p:notes>
+</file>
+
+<file path=ppt/notesSlides/notesSlide28.xml><?xml version="1.0" encoding="utf-8"?>
+<p:notes xmlns:a="http://schemas.openxmlformats.org/drawingml/2006/main" xmlns:r="http://schemas.openxmlformats.org/officeDocument/2006/relationships" xmlns:p="http://schemas.openxmlformats.org/presentationml/2006/main">
+  <p:cSld>
+    <p:spTree>
+      <p:nvGrpSpPr>
+        <p:cNvPr id="1" name=""/>
+        <p:cNvGrpSpPr/>
+        <p:nvPr/>
+      </p:nvGrpSpPr>
+      <p:grpSpPr>
+        <a:xfrm>
+          <a:off x="0" y="0"/>
+          <a:ext cx="0" cy="0"/>
+          <a:chOff x="0" y="0"/>
+          <a:chExt cx="0" cy="0"/>
+        </a:xfrm>
+      </p:grpSpPr>
+      <p:sp>
+        <p:nvSpPr>
+          <p:cNvPr id="2" name="Slide Image Placeholder 1"/>
+          <p:cNvSpPr>
+            <a:spLocks noGrp="1" noRot="1" noChangeAspect="1"/>
+          </p:cNvSpPr>
+          <p:nvPr>
+            <p:ph type="sldImg"/>
+          </p:nvPr>
+        </p:nvSpPr>
+        <p:spPr/>
+      </p:sp>
+      <p:sp>
+        <p:nvSpPr>
+          <p:cNvPr id="3" name="Notes Placeholder 2"/>
+          <p:cNvSpPr>
+            <a:spLocks noGrp="1"/>
+          </p:cNvSpPr>
+          <p:nvPr>
+            <p:ph type="body" idx="1"/>
+          </p:nvPr>
+        </p:nvSpPr>
+        <p:spPr/>
+        <p:txBody>
+          <a:bodyPr/>
+          <a:lstStyle/>
+          <a:p>
+            <a:endParaRPr lang="en-US" dirty="0"/>
+          </a:p>
+        </p:txBody>
+      </p:sp>
+      <p:sp>
+        <p:nvSpPr>
+          <p:cNvPr id="4" name="Slide Number Placeholder 3"/>
+          <p:cNvSpPr>
+            <a:spLocks noGrp="1"/>
+          </p:cNvSpPr>
+          <p:nvPr>
+            <p:ph type="sldNum" sz="quarter" idx="5"/>
+          </p:nvPr>
+        </p:nvSpPr>
+        <p:spPr/>
+        <p:txBody>
+          <a:bodyPr/>
+          <a:lstStyle/>
+          <a:p>
+            <a:fld id="{4573CD83-9A02-4825-93C1-7C2EF9CD9900}" type="slidenum">
+              <a:rPr lang="en-US" smtClean="0"/>
+              <a:t>29</a:t>
+            </a:fld>
+            <a:endParaRPr lang="en-US"/>
+          </a:p>
+        </p:txBody>
+      </p:sp>
+    </p:spTree>
+    <p:extLst>
+      <p:ext uri="{BB962C8B-B14F-4D97-AF65-F5344CB8AC3E}">
+        <p14:creationId xmlns:p14="http://schemas.microsoft.com/office/powerpoint/2010/main" val="4137697082"/>
+      </p:ext>
+    </p:extLst>
+  </p:cSld>
+  <p:clrMapOvr>
+    <a:masterClrMapping/>
+  </p:clrMapOvr>
+</p:notes>
+</file>
+
+<file path=ppt/notesSlides/notesSlide3.xml><?xml version="1.0" encoding="utf-8"?>
+<p:notes xmlns:a="http://schemas.openxmlformats.org/drawingml/2006/main" xmlns:r="http://schemas.openxmlformats.org/officeDocument/2006/relationships" xmlns:p="http://schemas.openxmlformats.org/presentationml/2006/main">
+  <p:cSld>
+    <p:spTree>
+      <p:nvGrpSpPr>
+        <p:cNvPr id="1" name=""/>
+        <p:cNvGrpSpPr/>
+        <p:nvPr/>
+      </p:nvGrpSpPr>
+      <p:grpSpPr>
+        <a:xfrm>
+          <a:off x="0" y="0"/>
+          <a:ext cx="0" cy="0"/>
+          <a:chOff x="0" y="0"/>
+          <a:chExt cx="0" cy="0"/>
+        </a:xfrm>
+      </p:grpSpPr>
+      <p:sp>
+        <p:nvSpPr>
+          <p:cNvPr id="2" name="Slide Image Placeholder 1"/>
+          <p:cNvSpPr>
+            <a:spLocks noGrp="1" noRot="1" noChangeAspect="1"/>
+          </p:cNvSpPr>
+          <p:nvPr>
+            <p:ph type="sldImg"/>
+          </p:nvPr>
+        </p:nvSpPr>
+        <p:spPr/>
+      </p:sp>
+      <p:sp>
+        <p:nvSpPr>
+          <p:cNvPr id="3" name="Notes Placeholder 2"/>
+          <p:cNvSpPr>
+            <a:spLocks noGrp="1"/>
+          </p:cNvSpPr>
+          <p:nvPr>
+            <p:ph type="body" idx="1"/>
+          </p:nvPr>
+        </p:nvSpPr>
+        <p:spPr/>
+        <p:txBody>
+          <a:bodyPr/>
+          <a:lstStyle/>
+          <a:p>
+            <a:r>
+              <a:rPr lang="en-US" dirty="0"/>
+              <a:t>Basic terminology. Re sad face – The only person who never made a mistake – never did anything.</a:t>
+            </a:r>
+          </a:p>
+        </p:txBody>
+      </p:sp>
+      <p:sp>
+        <p:nvSpPr>
+          <p:cNvPr id="4" name="Slide Number Placeholder 3"/>
+          <p:cNvSpPr>
+            <a:spLocks noGrp="1"/>
+          </p:cNvSpPr>
+          <p:nvPr>
+            <p:ph type="sldNum" sz="quarter" idx="5"/>
+          </p:nvPr>
+        </p:nvSpPr>
+        <p:spPr/>
+        <p:txBody>
+          <a:bodyPr/>
+          <a:lstStyle/>
+          <a:p>
+            <a:fld id="{4573CD83-9A02-4825-93C1-7C2EF9CD9900}" type="slidenum">
+              <a:rPr lang="en-US" smtClean="0"/>
+              <a:t>3</a:t>
+            </a:fld>
+            <a:endParaRPr lang="en-US"/>
+          </a:p>
+        </p:txBody>
+      </p:sp>
+    </p:spTree>
+    <p:extLst>
+      <p:ext uri="{BB962C8B-B14F-4D97-AF65-F5344CB8AC3E}">
+        <p14:creationId xmlns:p14="http://schemas.microsoft.com/office/powerpoint/2010/main" val="1623043127"/>
+      </p:ext>
+    </p:extLst>
+  </p:cSld>
+  <p:clrMapOvr>
+    <a:masterClrMapping/>
+  </p:clrMapOvr>
+</p:notes>
+</file>
+
+<file path=ppt/notesSlides/notesSlide4.xml><?xml version="1.0" encoding="utf-8"?>
+<p:notes xmlns:a="http://schemas.openxmlformats.org/drawingml/2006/main" xmlns:r="http://schemas.openxmlformats.org/officeDocument/2006/relationships" xmlns:p="http://schemas.openxmlformats.org/presentationml/2006/main">
+  <p:cSld>
+    <p:spTree>
+      <p:nvGrpSpPr>
+        <p:cNvPr id="1" name=""/>
+        <p:cNvGrpSpPr/>
+        <p:nvPr/>
+      </p:nvGrpSpPr>
+      <p:grpSpPr>
+        <a:xfrm>
+          <a:off x="0" y="0"/>
+          <a:ext cx="0" cy="0"/>
+          <a:chOff x="0" y="0"/>
+          <a:chExt cx="0" cy="0"/>
+        </a:xfrm>
+      </p:grpSpPr>
+      <p:sp>
+        <p:nvSpPr>
+          <p:cNvPr id="2" name="Slide Image Placeholder 1"/>
+          <p:cNvSpPr>
+            <a:spLocks noGrp="1" noRot="1" noChangeAspect="1"/>
+          </p:cNvSpPr>
+          <p:nvPr>
+            <p:ph type="sldImg"/>
+          </p:nvPr>
+        </p:nvSpPr>
+        <p:spPr/>
+      </p:sp>
+      <p:sp>
+        <p:nvSpPr>
+          <p:cNvPr id="3" name="Notes Placeholder 2"/>
+          <p:cNvSpPr>
+            <a:spLocks noGrp="1"/>
+          </p:cNvSpPr>
+          <p:nvPr>
+            <p:ph type="body" idx="1"/>
+          </p:nvPr>
+        </p:nvSpPr>
+        <p:spPr/>
+        <p:txBody>
+          <a:bodyPr/>
+          <a:lstStyle/>
+          <a:p>
+            <a:r>
+              <a:rPr lang="en-US" dirty="0"/>
+              <a:t>An overview of 3 types of Arduino. </a:t>
+            </a:r>
+          </a:p>
+          <a:p>
+            <a:r>
+              <a:rPr lang="en-US" dirty="0"/>
+              <a:t>Note there are many more than what is shown.</a:t>
+            </a:r>
+          </a:p>
+        </p:txBody>
+      </p:sp>
+      <p:sp>
+        <p:nvSpPr>
+          <p:cNvPr id="4" name="Slide Number Placeholder 3"/>
+          <p:cNvSpPr>
+            <a:spLocks noGrp="1"/>
+          </p:cNvSpPr>
+          <p:nvPr>
+            <p:ph type="sldNum" sz="quarter" idx="5"/>
+          </p:nvPr>
+        </p:nvSpPr>
+        <p:spPr/>
+        <p:txBody>
+          <a:bodyPr/>
+          <a:lstStyle/>
+          <a:p>
+            <a:fld id="{4573CD83-9A02-4825-93C1-7C2EF9CD9900}" type="slidenum">
+              <a:rPr lang="en-US" smtClean="0"/>
+              <a:t>4</a:t>
+            </a:fld>
+            <a:endParaRPr lang="en-US"/>
+          </a:p>
+        </p:txBody>
+      </p:sp>
+    </p:spTree>
+    <p:extLst>
+      <p:ext uri="{BB962C8B-B14F-4D97-AF65-F5344CB8AC3E}">
+        <p14:creationId xmlns:p14="http://schemas.microsoft.com/office/powerpoint/2010/main" val="95775987"/>
+      </p:ext>
+    </p:extLst>
+  </p:cSld>
+  <p:clrMapOvr>
+    <a:masterClrMapping/>
+  </p:clrMapOvr>
+</p:notes>
+</file>
+
+<file path=ppt/notesSlides/notesSlide5.xml><?xml version="1.0" encoding="utf-8"?>
+<p:notes xmlns:a="http://schemas.openxmlformats.org/drawingml/2006/main" xmlns:r="http://schemas.openxmlformats.org/officeDocument/2006/relationships" xmlns:p="http://schemas.openxmlformats.org/presentationml/2006/main">
+  <p:cSld>
+    <p:spTree>
+      <p:nvGrpSpPr>
+        <p:cNvPr id="1" name=""/>
+        <p:cNvGrpSpPr/>
+        <p:nvPr/>
+      </p:nvGrpSpPr>
+      <p:grpSpPr>
+        <a:xfrm>
+          <a:off x="0" y="0"/>
+          <a:ext cx="0" cy="0"/>
+          <a:chOff x="0" y="0"/>
+          <a:chExt cx="0" cy="0"/>
+        </a:xfrm>
+      </p:grpSpPr>
+      <p:sp>
+        <p:nvSpPr>
+          <p:cNvPr id="2" name="Slide Image Placeholder 1"/>
+          <p:cNvSpPr>
+            <a:spLocks noGrp="1" noRot="1" noChangeAspect="1"/>
+          </p:cNvSpPr>
+          <p:nvPr>
+            <p:ph type="sldImg"/>
+          </p:nvPr>
+        </p:nvSpPr>
+        <p:spPr/>
+      </p:sp>
+      <p:sp>
+        <p:nvSpPr>
+          <p:cNvPr id="3" name="Notes Placeholder 2"/>
+          <p:cNvSpPr>
+            <a:spLocks noGrp="1"/>
+          </p:cNvSpPr>
+          <p:nvPr>
+            <p:ph type="body" idx="1"/>
+          </p:nvPr>
+        </p:nvSpPr>
+        <p:spPr/>
+        <p:txBody>
+          <a:bodyPr/>
+          <a:lstStyle/>
+          <a:p>
+            <a:r>
+              <a:rPr lang="en-US" dirty="0"/>
+              <a:t>Main message here – NANO is a very capable platform in a very small package.</a:t>
+            </a:r>
+          </a:p>
+          <a:p>
+            <a:endParaRPr lang="en-US" dirty="0"/>
+          </a:p>
+        </p:txBody>
+      </p:sp>
+      <p:sp>
+        <p:nvSpPr>
+          <p:cNvPr id="4" name="Slide Number Placeholder 3"/>
+          <p:cNvSpPr>
+            <a:spLocks noGrp="1"/>
+          </p:cNvSpPr>
+          <p:nvPr>
+            <p:ph type="sldNum" sz="quarter" idx="5"/>
+          </p:nvPr>
+        </p:nvSpPr>
+        <p:spPr/>
+        <p:txBody>
+          <a:bodyPr/>
+          <a:lstStyle/>
+          <a:p>
+            <a:fld id="{4573CD83-9A02-4825-93C1-7C2EF9CD9900}" type="slidenum">
+              <a:rPr lang="en-US" smtClean="0"/>
+              <a:t>5</a:t>
+            </a:fld>
+            <a:endParaRPr lang="en-US"/>
+          </a:p>
+        </p:txBody>
+      </p:sp>
+    </p:spTree>
+    <p:extLst>
+      <p:ext uri="{BB962C8B-B14F-4D97-AF65-F5344CB8AC3E}">
+        <p14:creationId xmlns:p14="http://schemas.microsoft.com/office/powerpoint/2010/main" val="200821212"/>
+      </p:ext>
+    </p:extLst>
+  </p:cSld>
+  <p:clrMapOvr>
+    <a:masterClrMapping/>
+  </p:clrMapOvr>
+</p:notes>
+</file>
+
+<file path=ppt/notesSlides/notesSlide6.xml><?xml version="1.0" encoding="utf-8"?>
+<p:notes xmlns:a="http://schemas.openxmlformats.org/drawingml/2006/main" xmlns:r="http://schemas.openxmlformats.org/officeDocument/2006/relationships" xmlns:p="http://schemas.openxmlformats.org/presentationml/2006/main">
+  <p:cSld>
+    <p:spTree>
+      <p:nvGrpSpPr>
+        <p:cNvPr id="1" name=""/>
+        <p:cNvGrpSpPr/>
+        <p:nvPr/>
+      </p:nvGrpSpPr>
+      <p:grpSpPr>
+        <a:xfrm>
+          <a:off x="0" y="0"/>
+          <a:ext cx="0" cy="0"/>
+          <a:chOff x="0" y="0"/>
+          <a:chExt cx="0" cy="0"/>
+        </a:xfrm>
+      </p:grpSpPr>
+      <p:sp>
+        <p:nvSpPr>
+          <p:cNvPr id="2" name="Slide Image Placeholder 1"/>
+          <p:cNvSpPr>
+            <a:spLocks noGrp="1" noRot="1" noChangeAspect="1"/>
+          </p:cNvSpPr>
+          <p:nvPr>
+            <p:ph type="sldImg"/>
+          </p:nvPr>
+        </p:nvSpPr>
+        <p:spPr/>
+      </p:sp>
+      <p:sp>
+        <p:nvSpPr>
+          <p:cNvPr id="3" name="Notes Placeholder 2"/>
+          <p:cNvSpPr>
+            <a:spLocks noGrp="1"/>
+          </p:cNvSpPr>
+          <p:nvPr>
+            <p:ph type="body" idx="1"/>
+          </p:nvPr>
+        </p:nvSpPr>
+        <p:spPr/>
+        <p:txBody>
+          <a:bodyPr/>
+          <a:lstStyle/>
+          <a:p>
+            <a:r>
+              <a:rPr lang="en-US" dirty="0"/>
+              <a:t>High level pinout diagram. </a:t>
+            </a:r>
+          </a:p>
+          <a:p>
+            <a:r>
+              <a:rPr lang="en-US" dirty="0"/>
+              <a:t>We will go into more detail on the pin groupings shortly.</a:t>
+            </a:r>
+          </a:p>
+        </p:txBody>
+      </p:sp>
+      <p:sp>
+        <p:nvSpPr>
+          <p:cNvPr id="4" name="Slide Number Placeholder 3"/>
+          <p:cNvSpPr>
+            <a:spLocks noGrp="1"/>
+          </p:cNvSpPr>
+          <p:nvPr>
+            <p:ph type="sldNum" sz="quarter" idx="5"/>
+          </p:nvPr>
+        </p:nvSpPr>
+        <p:spPr/>
+        <p:txBody>
+          <a:bodyPr/>
+          <a:lstStyle/>
+          <a:p>
+            <a:fld id="{4573CD83-9A02-4825-93C1-7C2EF9CD9900}" type="slidenum">
+              <a:rPr lang="en-US" smtClean="0"/>
+              <a:t>6</a:t>
+            </a:fld>
+            <a:endParaRPr lang="en-US"/>
+          </a:p>
+        </p:txBody>
+      </p:sp>
+    </p:spTree>
+    <p:extLst>
+      <p:ext uri="{BB962C8B-B14F-4D97-AF65-F5344CB8AC3E}">
+        <p14:creationId xmlns:p14="http://schemas.microsoft.com/office/powerpoint/2010/main" val="1035774256"/>
+      </p:ext>
+    </p:extLst>
+  </p:cSld>
+  <p:clrMapOvr>
+    <a:masterClrMapping/>
+  </p:clrMapOvr>
+</p:notes>
+</file>
+
+<file path=ppt/notesSlides/notesSlide7.xml><?xml version="1.0" encoding="utf-8"?>
+<p:notes xmlns:a="http://schemas.openxmlformats.org/drawingml/2006/main" xmlns:r="http://schemas.openxmlformats.org/officeDocument/2006/relationships" xmlns:p="http://schemas.openxmlformats.org/presentationml/2006/main">
+  <p:cSld>
+    <p:spTree>
+      <p:nvGrpSpPr>
+        <p:cNvPr id="1" name=""/>
+        <p:cNvGrpSpPr/>
+        <p:nvPr/>
+      </p:nvGrpSpPr>
+      <p:grpSpPr>
+        <a:xfrm>
+          <a:off x="0" y="0"/>
+          <a:ext cx="0" cy="0"/>
+          <a:chOff x="0" y="0"/>
+          <a:chExt cx="0" cy="0"/>
+        </a:xfrm>
+      </p:grpSpPr>
+      <p:sp>
+        <p:nvSpPr>
+          <p:cNvPr id="2" name="Slide Image Placeholder 1"/>
+          <p:cNvSpPr>
+            <a:spLocks noGrp="1" noRot="1" noChangeAspect="1"/>
+          </p:cNvSpPr>
+          <p:nvPr>
+            <p:ph type="sldImg"/>
+          </p:nvPr>
+        </p:nvSpPr>
+        <p:spPr/>
+      </p:sp>
+      <p:sp>
+        <p:nvSpPr>
+          <p:cNvPr id="3" name="Notes Placeholder 2"/>
+          <p:cNvSpPr>
+            <a:spLocks noGrp="1"/>
+          </p:cNvSpPr>
+          <p:nvPr>
+            <p:ph type="body" idx="1"/>
+          </p:nvPr>
+        </p:nvSpPr>
+        <p:spPr/>
+        <p:txBody>
+          <a:bodyPr/>
+          <a:lstStyle/>
+          <a:p>
+            <a:r>
+              <a:rPr lang="en-US" dirty="0"/>
+              <a:t>Power and Ground pins.</a:t>
+            </a:r>
+          </a:p>
+        </p:txBody>
+      </p:sp>
+      <p:sp>
+        <p:nvSpPr>
+          <p:cNvPr id="4" name="Slide Number Placeholder 3"/>
+          <p:cNvSpPr>
+            <a:spLocks noGrp="1"/>
+          </p:cNvSpPr>
+          <p:nvPr>
+            <p:ph type="sldNum" sz="quarter" idx="5"/>
+          </p:nvPr>
+        </p:nvSpPr>
+        <p:spPr/>
+        <p:txBody>
+          <a:bodyPr/>
+          <a:lstStyle/>
+          <a:p>
+            <a:fld id="{4573CD83-9A02-4825-93C1-7C2EF9CD9900}" type="slidenum">
+              <a:rPr lang="en-US" smtClean="0"/>
+              <a:t>7</a:t>
+            </a:fld>
+            <a:endParaRPr lang="en-US"/>
+          </a:p>
+        </p:txBody>
+      </p:sp>
+    </p:spTree>
+    <p:extLst>
+      <p:ext uri="{BB962C8B-B14F-4D97-AF65-F5344CB8AC3E}">
+        <p14:creationId xmlns:p14="http://schemas.microsoft.com/office/powerpoint/2010/main" val="1765777182"/>
+      </p:ext>
+    </p:extLst>
+  </p:cSld>
+  <p:clrMapOvr>
+    <a:masterClrMapping/>
+  </p:clrMapOvr>
+</p:notes>
+</file>
+
+<file path=ppt/notesSlides/notesSlide8.xml><?xml version="1.0" encoding="utf-8"?>
+<p:notes xmlns:a="http://schemas.openxmlformats.org/drawingml/2006/main" xmlns:r="http://schemas.openxmlformats.org/officeDocument/2006/relationships" xmlns:p="http://schemas.openxmlformats.org/presentationml/2006/main">
+  <p:cSld>
+    <p:spTree>
+      <p:nvGrpSpPr>
+        <p:cNvPr id="1" name=""/>
+        <p:cNvGrpSpPr/>
+        <p:nvPr/>
+      </p:nvGrpSpPr>
+      <p:grpSpPr>
+        <a:xfrm>
+          <a:off x="0" y="0"/>
+          <a:ext cx="0" cy="0"/>
+          <a:chOff x="0" y="0"/>
+          <a:chExt cx="0" cy="0"/>
+        </a:xfrm>
+      </p:grpSpPr>
+      <p:sp>
+        <p:nvSpPr>
+          <p:cNvPr id="2" name="Slide Image Placeholder 1"/>
+          <p:cNvSpPr>
+            <a:spLocks noGrp="1" noRot="1" noChangeAspect="1"/>
+          </p:cNvSpPr>
+          <p:nvPr>
+            <p:ph type="sldImg"/>
+          </p:nvPr>
+        </p:nvSpPr>
+        <p:spPr/>
+      </p:sp>
+      <p:sp>
+        <p:nvSpPr>
+          <p:cNvPr id="3" name="Notes Placeholder 2"/>
+          <p:cNvSpPr>
+            <a:spLocks noGrp="1"/>
+          </p:cNvSpPr>
+          <p:nvPr>
+            <p:ph type="body" idx="1"/>
+          </p:nvPr>
+        </p:nvSpPr>
+        <p:spPr/>
+        <p:txBody>
+          <a:bodyPr/>
+          <a:lstStyle/>
+          <a:p>
+            <a:r>
+              <a:rPr lang="en-US" dirty="0"/>
+              <a:t>Digitals</a:t>
+            </a:r>
+          </a:p>
+        </p:txBody>
+      </p:sp>
+      <p:sp>
+        <p:nvSpPr>
+          <p:cNvPr id="4" name="Slide Number Placeholder 3"/>
+          <p:cNvSpPr>
+            <a:spLocks noGrp="1"/>
+          </p:cNvSpPr>
+          <p:nvPr>
+            <p:ph type="sldNum" sz="quarter" idx="5"/>
+          </p:nvPr>
+        </p:nvSpPr>
+        <p:spPr/>
+        <p:txBody>
+          <a:bodyPr/>
+          <a:lstStyle/>
+          <a:p>
+            <a:fld id="{4573CD83-9A02-4825-93C1-7C2EF9CD9900}" type="slidenum">
+              <a:rPr lang="en-US" smtClean="0"/>
+              <a:t>8</a:t>
+            </a:fld>
+            <a:endParaRPr lang="en-US"/>
+          </a:p>
+        </p:txBody>
+      </p:sp>
+    </p:spTree>
+    <p:extLst>
+      <p:ext uri="{BB962C8B-B14F-4D97-AF65-F5344CB8AC3E}">
+        <p14:creationId xmlns:p14="http://schemas.microsoft.com/office/powerpoint/2010/main" val="321201644"/>
+      </p:ext>
+    </p:extLst>
+  </p:cSld>
+  <p:clrMapOvr>
+    <a:masterClrMapping/>
+  </p:clrMapOvr>
+</p:notes>
+</file>
+
+<file path=ppt/notesSlides/notesSlide9.xml><?xml version="1.0" encoding="utf-8"?>
+<p:notes xmlns:a="http://schemas.openxmlformats.org/drawingml/2006/main" xmlns:r="http://schemas.openxmlformats.org/officeDocument/2006/relationships" xmlns:p="http://schemas.openxmlformats.org/presentationml/2006/main">
+  <p:cSld>
+    <p:spTree>
+      <p:nvGrpSpPr>
+        <p:cNvPr id="1" name=""/>
+        <p:cNvGrpSpPr/>
+        <p:nvPr/>
+      </p:nvGrpSpPr>
+      <p:grpSpPr>
+        <a:xfrm>
+          <a:off x="0" y="0"/>
+          <a:ext cx="0" cy="0"/>
+          <a:chOff x="0" y="0"/>
+          <a:chExt cx="0" cy="0"/>
+        </a:xfrm>
+      </p:grpSpPr>
+      <p:sp>
+        <p:nvSpPr>
+          <p:cNvPr id="2" name="Slide Image Placeholder 1"/>
+          <p:cNvSpPr>
+            <a:spLocks noGrp="1" noRot="1" noChangeAspect="1"/>
+          </p:cNvSpPr>
+          <p:nvPr>
+            <p:ph type="sldImg"/>
+          </p:nvPr>
+        </p:nvSpPr>
+        <p:spPr/>
+      </p:sp>
+      <p:sp>
+        <p:nvSpPr>
+          <p:cNvPr id="3" name="Notes Placeholder 2"/>
+          <p:cNvSpPr>
+            <a:spLocks noGrp="1"/>
+          </p:cNvSpPr>
+          <p:nvPr>
+            <p:ph type="body" idx="1"/>
+          </p:nvPr>
+        </p:nvSpPr>
+        <p:spPr/>
+        <p:txBody>
+          <a:bodyPr/>
+          <a:lstStyle/>
+          <a:p>
+            <a:r>
+              <a:rPr lang="en-US" dirty="0"/>
+              <a:t>Analog Inputs</a:t>
+            </a:r>
+          </a:p>
+        </p:txBody>
+      </p:sp>
+      <p:sp>
+        <p:nvSpPr>
+          <p:cNvPr id="4" name="Slide Number Placeholder 3"/>
+          <p:cNvSpPr>
+            <a:spLocks noGrp="1"/>
+          </p:cNvSpPr>
+          <p:nvPr>
+            <p:ph type="sldNum" sz="quarter" idx="5"/>
+          </p:nvPr>
+        </p:nvSpPr>
+        <p:spPr/>
+        <p:txBody>
+          <a:bodyPr/>
+          <a:lstStyle/>
+          <a:p>
+            <a:fld id="{4573CD83-9A02-4825-93C1-7C2EF9CD9900}" type="slidenum">
+              <a:rPr lang="en-US" smtClean="0"/>
+              <a:t>9</a:t>
+            </a:fld>
+            <a:endParaRPr lang="en-US"/>
+          </a:p>
+        </p:txBody>
+      </p:sp>
+    </p:spTree>
+    <p:extLst>
+      <p:ext uri="{BB962C8B-B14F-4D97-AF65-F5344CB8AC3E}">
+        <p14:creationId xmlns:p14="http://schemas.microsoft.com/office/powerpoint/2010/main" val="1950565253"/>
+      </p:ext>
+    </p:extLst>
+  </p:cSld>
+  <p:clrMapOvr>
+    <a:masterClrMapping/>
+  </p:clrMapOvr>
+</p:notes>
+</file>
+
 <file path=ppt/slideLayouts/slideLayout1.xml><?xml version="1.0" encoding="utf-8"?>
 <p:sldLayout xmlns:a="http://schemas.openxmlformats.org/drawingml/2006/main" xmlns:r="http://schemas.openxmlformats.org/officeDocument/2006/relationships" xmlns:p="http://schemas.openxmlformats.org/presentationml/2006/main" type="title" preserve="1">
   <p:cSld name="Title Slide">
@@ -663,7 +3153,7 @@
           <a:p>
             <a:fld id="{12D35354-3C70-45FE-A7BC-FEBCE88C825A}" type="datetime8">
               <a:rPr lang="en-US" smtClean="0"/>
-              <a:t>5/13/2022 2:39 PM</a:t>
+              <a:t>5/14/2022 8:36 AM</a:t>
             </a:fld>
             <a:endParaRPr lang="en-US"/>
           </a:p>
@@ -861,7 +3351,7 @@
           <a:p>
             <a:fld id="{DE273977-2B4E-4BD8-8226-CAEE823F3008}" type="datetime8">
               <a:rPr lang="en-US" smtClean="0"/>
-              <a:t>5/13/2022 2:39 PM</a:t>
+              <a:t>5/14/2022 8:36 AM</a:t>
             </a:fld>
             <a:endParaRPr lang="en-US"/>
           </a:p>
@@ -1069,7 +3559,7 @@
           <a:p>
             <a:fld id="{7E2DC526-9E9D-4998-8C50-0541226B08CF}" type="datetime8">
               <a:rPr lang="en-US" smtClean="0"/>
-              <a:t>5/13/2022 2:39 PM</a:t>
+              <a:t>5/14/2022 8:36 AM</a:t>
             </a:fld>
             <a:endParaRPr lang="en-US"/>
           </a:p>
@@ -1267,7 +3757,7 @@
           <a:p>
             <a:fld id="{956EF2D3-783C-4E62-879C-6E42AA097112}" type="datetime8">
               <a:rPr lang="en-US" smtClean="0"/>
-              <a:t>5/13/2022 2:39 PM</a:t>
+              <a:t>5/14/2022 8:36 AM</a:t>
             </a:fld>
             <a:endParaRPr lang="en-US"/>
           </a:p>
@@ -1542,7 +4032,7 @@
           <a:p>
             <a:fld id="{CEEB4330-8AFB-48E3-B890-210D056A958B}" type="datetime8">
               <a:rPr lang="en-US" smtClean="0"/>
-              <a:t>5/13/2022 2:39 PM</a:t>
+              <a:t>5/14/2022 8:36 AM</a:t>
             </a:fld>
             <a:endParaRPr lang="en-US"/>
           </a:p>
@@ -1807,7 +4297,7 @@
           <a:p>
             <a:fld id="{66E23911-0252-40BE-BBB8-760394743E26}" type="datetime8">
               <a:rPr lang="en-US" smtClean="0"/>
-              <a:t>5/13/2022 2:39 PM</a:t>
+              <a:t>5/14/2022 8:36 AM</a:t>
             </a:fld>
             <a:endParaRPr lang="en-US"/>
           </a:p>
@@ -2219,7 +4709,7 @@
           <a:p>
             <a:fld id="{BBB6AC5D-77FB-46F6-9132-21FF30B4912F}" type="datetime8">
               <a:rPr lang="en-US" smtClean="0"/>
-              <a:t>5/13/2022 2:39 PM</a:t>
+              <a:t>5/14/2022 8:36 AM</a:t>
             </a:fld>
             <a:endParaRPr lang="en-US"/>
           </a:p>
@@ -2360,7 +4850,7 @@
           <a:p>
             <a:fld id="{6017FBC6-3D6B-4CF2-A705-4BC9E7D4582C}" type="datetime8">
               <a:rPr lang="en-US" smtClean="0"/>
-              <a:t>5/13/2022 2:39 PM</a:t>
+              <a:t>5/14/2022 8:36 AM</a:t>
             </a:fld>
             <a:endParaRPr lang="en-US"/>
           </a:p>
@@ -2741,7 +5231,7 @@
           <a:p>
             <a:fld id="{0D1B1BD9-FAAE-42CF-9C1C-24872CEE05A7}" type="datetime8">
               <a:rPr lang="en-US" smtClean="0"/>
-              <a:t>5/13/2022 2:39 PM</a:t>
+              <a:t>5/14/2022 8:36 AM</a:t>
             </a:fld>
             <a:endParaRPr lang="en-US"/>
           </a:p>
@@ -3029,7 +5519,7 @@
           <a:p>
             <a:fld id="{63B48E98-414D-4169-A026-380BA4A7A23F}" type="datetime8">
               <a:rPr lang="en-US" smtClean="0"/>
-              <a:t>5/13/2022 2:39 PM</a:t>
+              <a:t>5/14/2022 8:36 AM</a:t>
             </a:fld>
             <a:endParaRPr lang="en-US"/>
           </a:p>
@@ -3270,7 +5760,7 @@
           <a:p>
             <a:fld id="{9D52C73E-D6AD-4984-9C4A-C03CB437FD89}" type="datetime8">
               <a:rPr lang="en-US" smtClean="0"/>
-              <a:t>5/13/2022 2:39 PM</a:t>
+              <a:t>5/14/2022 8:36 AM</a:t>
             </a:fld>
             <a:endParaRPr lang="en-US"/>
           </a:p>
@@ -3997,7 +6487,7 @@
           <p:nvPr/>
         </p:nvPicPr>
         <p:blipFill>
-          <a:blip r:embed="rId2" cstate="email">
+          <a:blip r:embed="rId3" cstate="email">
             <a:extLst>
               <a:ext uri="{28A0092B-C50C-407E-A947-70E740481C1C}">
                 <a14:useLocalDpi xmlns:a14="http://schemas.microsoft.com/office/drawing/2010/main"/>
@@ -4074,7 +6564,7 @@
           <p:nvPr/>
         </p:nvPicPr>
         <p:blipFill>
-          <a:blip r:embed="rId2" cstate="email">
+          <a:blip r:embed="rId3" cstate="email">
             <a:extLst>
               <a:ext uri="{28A0092B-C50C-407E-A947-70E740481C1C}">
                 <a14:useLocalDpi xmlns:a14="http://schemas.microsoft.com/office/drawing/2010/main"/>
@@ -4785,7 +7275,7 @@
           <p:nvPr/>
         </p:nvPicPr>
         <p:blipFill>
-          <a:blip r:embed="rId3" cstate="email">
+          <a:blip r:embed="rId4" cstate="email">
             <a:extLst>
               <a:ext uri="{28A0092B-C50C-407E-A947-70E740481C1C}">
                 <a14:useLocalDpi xmlns:a14="http://schemas.microsoft.com/office/drawing/2010/main"/>
@@ -5291,13 +7781,13 @@
           <p:nvPr/>
         </p:nvPicPr>
         <p:blipFill>
-          <a:blip r:embed="rId4" cstate="email">
+          <a:blip r:embed="rId5" cstate="email">
             <a:extLst>
               <a:ext uri="{28A0092B-C50C-407E-A947-70E740481C1C}">
                 <a14:useLocalDpi xmlns:a14="http://schemas.microsoft.com/office/drawing/2010/main"/>
               </a:ext>
               <a:ext uri="{837473B0-CC2E-450A-ABE3-18F120FF3D39}">
-                <a1611:picAttrSrcUrl xmlns:a1611="http://schemas.microsoft.com/office/drawing/2016/11/main" r:id="rId5"/>
+                <a1611:picAttrSrcUrl xmlns:a1611="http://schemas.microsoft.com/office/drawing/2016/11/main" r:id="rId6"/>
               </a:ext>
             </a:extLst>
           </a:blip>
@@ -5771,7 +8261,7 @@
           <p:nvPr/>
         </p:nvPicPr>
         <p:blipFill>
-          <a:blip r:embed="rId2" cstate="email">
+          <a:blip r:embed="rId3" cstate="email">
             <a:extLst>
               <a:ext uri="{28A0092B-C50C-407E-A947-70E740481C1C}">
                 <a14:useLocalDpi xmlns:a14="http://schemas.microsoft.com/office/drawing/2010/main"/>
@@ -7989,7 +10479,7 @@
           <p:nvPr/>
         </p:nvPicPr>
         <p:blipFill>
-          <a:blip r:embed="rId2" cstate="email">
+          <a:blip r:embed="rId3" cstate="email">
             <a:extLst>
               <a:ext uri="{28A0092B-C50C-407E-A947-70E740481C1C}">
                 <a14:useLocalDpi xmlns:a14="http://schemas.microsoft.com/office/drawing/2010/main"/>
@@ -8025,7 +10515,7 @@
           <p:nvPr/>
         </p:nvPicPr>
         <p:blipFill>
-          <a:blip r:embed="rId3" cstate="email">
+          <a:blip r:embed="rId4" cstate="email">
             <a:extLst>
               <a:ext uri="{28A0092B-C50C-407E-A947-70E740481C1C}">
                 <a14:useLocalDpi xmlns:a14="http://schemas.microsoft.com/office/drawing/2010/main"/>
@@ -8756,7 +11246,7 @@
           <p:nvPr/>
         </p:nvPicPr>
         <p:blipFill>
-          <a:blip r:embed="rId2" cstate="email">
+          <a:blip r:embed="rId3" cstate="email">
             <a:extLst>
               <a:ext uri="{28A0092B-C50C-407E-A947-70E740481C1C}">
                 <a14:useLocalDpi xmlns:a14="http://schemas.microsoft.com/office/drawing/2010/main"/>
@@ -8792,7 +11282,7 @@
           <p:nvPr/>
         </p:nvPicPr>
         <p:blipFill>
-          <a:blip r:embed="rId3" cstate="email">
+          <a:blip r:embed="rId4" cstate="email">
             <a:extLst>
               <a:ext uri="{28A0092B-C50C-407E-A947-70E740481C1C}">
                 <a14:useLocalDpi xmlns:a14="http://schemas.microsoft.com/office/drawing/2010/main"/>
@@ -9465,7 +11955,7 @@
           <p:nvPr/>
         </p:nvPicPr>
         <p:blipFill>
-          <a:blip r:embed="rId2" cstate="email">
+          <a:blip r:embed="rId3" cstate="email">
             <a:extLst>
               <a:ext uri="{28A0092B-C50C-407E-A947-70E740481C1C}">
                 <a14:useLocalDpi xmlns:a14="http://schemas.microsoft.com/office/drawing/2010/main"/>
@@ -9501,7 +11991,7 @@
           <p:nvPr/>
         </p:nvPicPr>
         <p:blipFill>
-          <a:blip r:embed="rId3" cstate="email">
+          <a:blip r:embed="rId4" cstate="email">
             <a:extLst>
               <a:ext uri="{28A0092B-C50C-407E-A947-70E740481C1C}">
                 <a14:useLocalDpi xmlns:a14="http://schemas.microsoft.com/office/drawing/2010/main"/>
@@ -9537,7 +12027,7 @@
           <p:nvPr/>
         </p:nvPicPr>
         <p:blipFill>
-          <a:blip r:embed="rId4" cstate="email">
+          <a:blip r:embed="rId5" cstate="email">
             <a:extLst>
               <a:ext uri="{28A0092B-C50C-407E-A947-70E740481C1C}">
                 <a14:useLocalDpi xmlns:a14="http://schemas.microsoft.com/office/drawing/2010/main"/>
@@ -9573,7 +12063,7 @@
           <p:nvPr/>
         </p:nvPicPr>
         <p:blipFill>
-          <a:blip r:embed="rId5"/>
+          <a:blip r:embed="rId6"/>
           <a:stretch>
             <a:fillRect/>
           </a:stretch>
@@ -9603,7 +12093,7 @@
           <p:nvPr/>
         </p:nvPicPr>
         <p:blipFill>
-          <a:blip r:embed="rId6" cstate="email">
+          <a:blip r:embed="rId7" cstate="email">
             <a:extLst>
               <a:ext uri="{28A0092B-C50C-407E-A947-70E740481C1C}">
                 <a14:useLocalDpi xmlns:a14="http://schemas.microsoft.com/office/drawing/2010/main"/>
@@ -9843,7 +12333,7 @@
           <p:nvPr/>
         </p:nvPicPr>
         <p:blipFill>
-          <a:blip r:embed="rId7" cstate="email">
+          <a:blip r:embed="rId8" cstate="email">
             <a:extLst>
               <a:ext uri="{28A0092B-C50C-407E-A947-70E740481C1C}">
                 <a14:useLocalDpi xmlns:a14="http://schemas.microsoft.com/office/drawing/2010/main"/>
@@ -10388,7 +12878,7 @@
           <p:nvPr/>
         </p:nvPicPr>
         <p:blipFill>
-          <a:blip r:embed="rId2" cstate="email">
+          <a:blip r:embed="rId3" cstate="email">
             <a:extLst>
               <a:ext uri="{28A0092B-C50C-407E-A947-70E740481C1C}">
                 <a14:useLocalDpi xmlns:a14="http://schemas.microsoft.com/office/drawing/2010/main"/>
@@ -10628,7 +13118,7 @@
           <p:nvPr/>
         </p:nvPicPr>
         <p:blipFill>
-          <a:blip r:embed="rId3" cstate="email">
+          <a:blip r:embed="rId4" cstate="email">
             <a:extLst>
               <a:ext uri="{28A0092B-C50C-407E-A947-70E740481C1C}">
                 <a14:useLocalDpi xmlns:a14="http://schemas.microsoft.com/office/drawing/2010/main"/>
@@ -10664,7 +13154,7 @@
           <p:nvPr/>
         </p:nvPicPr>
         <p:blipFill>
-          <a:blip r:embed="rId4" cstate="email">
+          <a:blip r:embed="rId5" cstate="email">
             <a:extLst>
               <a:ext uri="{28A0092B-C50C-407E-A947-70E740481C1C}">
                 <a14:useLocalDpi xmlns:a14="http://schemas.microsoft.com/office/drawing/2010/main"/>
@@ -10700,7 +13190,7 @@
           <p:nvPr/>
         </p:nvPicPr>
         <p:blipFill>
-          <a:blip r:embed="rId5" cstate="email">
+          <a:blip r:embed="rId6" cstate="email">
             <a:extLst>
               <a:ext uri="{28A0092B-C50C-407E-A947-70E740481C1C}">
                 <a14:useLocalDpi xmlns:a14="http://schemas.microsoft.com/office/drawing/2010/main"/>
@@ -11247,7 +13737,7 @@
           <p:nvPr/>
         </p:nvPicPr>
         <p:blipFill>
-          <a:blip r:embed="rId2" cstate="email">
+          <a:blip r:embed="rId3" cstate="email">
             <a:extLst>
               <a:ext uri="{28A0092B-C50C-407E-A947-70E740481C1C}">
                 <a14:useLocalDpi xmlns:a14="http://schemas.microsoft.com/office/drawing/2010/main"/>
@@ -11283,7 +13773,7 @@
           <p:nvPr/>
         </p:nvPicPr>
         <p:blipFill>
-          <a:blip r:embed="rId3" cstate="email">
+          <a:blip r:embed="rId4" cstate="email">
             <a:extLst>
               <a:ext uri="{28A0092B-C50C-407E-A947-70E740481C1C}">
                 <a14:useLocalDpi xmlns:a14="http://schemas.microsoft.com/office/drawing/2010/main"/>
@@ -11319,7 +13809,7 @@
           <p:nvPr/>
         </p:nvPicPr>
         <p:blipFill>
-          <a:blip r:embed="rId4" cstate="email">
+          <a:blip r:embed="rId5" cstate="email">
             <a:extLst>
               <a:ext uri="{28A0092B-C50C-407E-A947-70E740481C1C}">
                 <a14:useLocalDpi xmlns:a14="http://schemas.microsoft.com/office/drawing/2010/main"/>
@@ -11355,7 +13845,7 @@
           <p:nvPr/>
         </p:nvPicPr>
         <p:blipFill>
-          <a:blip r:embed="rId5" cstate="email">
+          <a:blip r:embed="rId6" cstate="email">
             <a:extLst>
               <a:ext uri="{28A0092B-C50C-407E-A947-70E740481C1C}">
                 <a14:useLocalDpi xmlns:a14="http://schemas.microsoft.com/office/drawing/2010/main"/>
@@ -11595,7 +14085,7 @@
           <p:nvPr/>
         </p:nvPicPr>
         <p:blipFill>
-          <a:blip r:embed="rId6" cstate="email">
+          <a:blip r:embed="rId7" cstate="email">
             <a:extLst>
               <a:ext uri="{28A0092B-C50C-407E-A947-70E740481C1C}">
                 <a14:useLocalDpi xmlns:a14="http://schemas.microsoft.com/office/drawing/2010/main"/>
@@ -12124,7 +14614,7 @@
           <p:nvPr/>
         </p:nvPicPr>
         <p:blipFill>
-          <a:blip r:embed="rId2" cstate="email">
+          <a:blip r:embed="rId3" cstate="email">
             <a:extLst>
               <a:ext uri="{28A0092B-C50C-407E-A947-70E740481C1C}">
                 <a14:useLocalDpi xmlns:a14="http://schemas.microsoft.com/office/drawing/2010/main"/>
@@ -12364,7 +14854,7 @@
           <p:nvPr/>
         </p:nvPicPr>
         <p:blipFill>
-          <a:blip r:embed="rId3" cstate="email">
+          <a:blip r:embed="rId4" cstate="email">
             <a:extLst>
               <a:ext uri="{28A0092B-C50C-407E-A947-70E740481C1C}">
                 <a14:useLocalDpi xmlns:a14="http://schemas.microsoft.com/office/drawing/2010/main"/>
@@ -12400,7 +14890,7 @@
           <p:nvPr/>
         </p:nvPicPr>
         <p:blipFill>
-          <a:blip r:embed="rId4" cstate="email">
+          <a:blip r:embed="rId5" cstate="email">
             <a:extLst>
               <a:ext uri="{28A0092B-C50C-407E-A947-70E740481C1C}">
                 <a14:useLocalDpi xmlns:a14="http://schemas.microsoft.com/office/drawing/2010/main"/>
@@ -12901,7 +15391,7 @@
           <p:nvPr/>
         </p:nvPicPr>
         <p:blipFill>
-          <a:blip r:embed="rId2" cstate="email">
+          <a:blip r:embed="rId3" cstate="email">
             <a:extLst>
               <a:ext uri="{28A0092B-C50C-407E-A947-70E740481C1C}">
                 <a14:useLocalDpi xmlns:a14="http://schemas.microsoft.com/office/drawing/2010/main"/>
@@ -12937,7 +15427,7 @@
           <p:nvPr/>
         </p:nvPicPr>
         <p:blipFill>
-          <a:blip r:embed="rId3" cstate="email">
+          <a:blip r:embed="rId4" cstate="email">
             <a:extLst>
               <a:ext uri="{28A0092B-C50C-407E-A947-70E740481C1C}">
                 <a14:useLocalDpi xmlns:a14="http://schemas.microsoft.com/office/drawing/2010/main"/>
@@ -13177,7 +15667,7 @@
           <p:nvPr/>
         </p:nvPicPr>
         <p:blipFill>
-          <a:blip r:embed="rId4" cstate="email">
+          <a:blip r:embed="rId5" cstate="email">
             <a:extLst>
               <a:ext uri="{28A0092B-C50C-407E-A947-70E740481C1C}">
                 <a14:useLocalDpi xmlns:a14="http://schemas.microsoft.com/office/drawing/2010/main"/>
@@ -13213,13 +15703,13 @@
           <p:nvPr/>
         </p:nvPicPr>
         <p:blipFill>
-          <a:blip r:embed="rId5" cstate="email">
+          <a:blip r:embed="rId6" cstate="email">
             <a:extLst>
               <a:ext uri="{28A0092B-C50C-407E-A947-70E740481C1C}">
                 <a14:useLocalDpi xmlns:a14="http://schemas.microsoft.com/office/drawing/2010/main"/>
               </a:ext>
               <a:ext uri="{837473B0-CC2E-450A-ABE3-18F120FF3D39}">
-                <a1611:picAttrSrcUrl xmlns:a1611="http://schemas.microsoft.com/office/drawing/2016/11/main" r:id="rId6"/>
+                <a1611:picAttrSrcUrl xmlns:a1611="http://schemas.microsoft.com/office/drawing/2016/11/main" r:id="rId7"/>
               </a:ext>
             </a:extLst>
           </a:blip>
@@ -13252,7 +15742,7 @@
           <p:nvPr/>
         </p:nvPicPr>
         <p:blipFill>
-          <a:blip r:embed="rId7"/>
+          <a:blip r:embed="rId8"/>
           <a:stretch>
             <a:fillRect/>
           </a:stretch>
@@ -13731,7 +16221,7 @@
           <p:nvPr/>
         </p:nvPicPr>
         <p:blipFill>
-          <a:blip r:embed="rId2" cstate="email">
+          <a:blip r:embed="rId3" cstate="email">
             <a:extLst>
               <a:ext uri="{28A0092B-C50C-407E-A947-70E740481C1C}">
                 <a14:useLocalDpi xmlns:a14="http://schemas.microsoft.com/office/drawing/2010/main"/>
@@ -13971,7 +16461,7 @@
           <p:nvPr/>
         </p:nvPicPr>
         <p:blipFill>
-          <a:blip r:embed="rId3" cstate="email">
+          <a:blip r:embed="rId4" cstate="email">
             <a:extLst>
               <a:ext uri="{28A0092B-C50C-407E-A947-70E740481C1C}">
                 <a14:useLocalDpi xmlns:a14="http://schemas.microsoft.com/office/drawing/2010/main"/>
@@ -14162,7 +16652,7 @@
           <p:nvPr/>
         </p:nvPicPr>
         <p:blipFill>
-          <a:blip r:embed="rId2" cstate="email">
+          <a:blip r:embed="rId3" cstate="email">
             <a:extLst>
               <a:ext uri="{28A0092B-C50C-407E-A947-70E740481C1C}">
                 <a14:useLocalDpi xmlns:a14="http://schemas.microsoft.com/office/drawing/2010/main"/>
@@ -14198,7 +16688,7 @@
           <p:nvPr/>
         </p:nvPicPr>
         <p:blipFill>
-          <a:blip r:embed="rId3" cstate="email">
+          <a:blip r:embed="rId4" cstate="email">
             <a:extLst>
               <a:ext uri="{28A0092B-C50C-407E-A947-70E740481C1C}">
                 <a14:useLocalDpi xmlns:a14="http://schemas.microsoft.com/office/drawing/2010/main"/>
@@ -14821,7 +17311,7 @@
           <p:nvPr/>
         </p:nvPicPr>
         <p:blipFill>
-          <a:blip r:embed="rId2" cstate="email">
+          <a:blip r:embed="rId3" cstate="email">
             <a:extLst>
               <a:ext uri="{28A0092B-C50C-407E-A947-70E740481C1C}">
                 <a14:useLocalDpi xmlns:a14="http://schemas.microsoft.com/office/drawing/2010/main"/>
@@ -14857,7 +17347,7 @@
           <p:nvPr/>
         </p:nvPicPr>
         <p:blipFill>
-          <a:blip r:embed="rId3" cstate="email">
+          <a:blip r:embed="rId4" cstate="email">
             <a:extLst>
               <a:ext uri="{28A0092B-C50C-407E-A947-70E740481C1C}">
                 <a14:useLocalDpi xmlns:a14="http://schemas.microsoft.com/office/drawing/2010/main"/>
@@ -14893,7 +17383,7 @@
           <p:nvPr/>
         </p:nvPicPr>
         <p:blipFill>
-          <a:blip r:embed="rId4" cstate="email">
+          <a:blip r:embed="rId5" cstate="email">
             <a:extLst>
               <a:ext uri="{28A0092B-C50C-407E-A947-70E740481C1C}">
                 <a14:useLocalDpi xmlns:a14="http://schemas.microsoft.com/office/drawing/2010/main"/>
@@ -15133,7 +17623,7 @@
           <p:nvPr/>
         </p:nvPicPr>
         <p:blipFill>
-          <a:blip r:embed="rId5" cstate="email">
+          <a:blip r:embed="rId6" cstate="email">
             <a:extLst>
               <a:ext uri="{28A0092B-C50C-407E-A947-70E740481C1C}">
                 <a14:useLocalDpi xmlns:a14="http://schemas.microsoft.com/office/drawing/2010/main"/>
@@ -15169,7 +17659,7 @@
           <p:nvPr/>
         </p:nvPicPr>
         <p:blipFill>
-          <a:blip r:embed="rId6" cstate="email">
+          <a:blip r:embed="rId7" cstate="email">
             <a:extLst>
               <a:ext uri="{28A0092B-C50C-407E-A947-70E740481C1C}">
                 <a14:useLocalDpi xmlns:a14="http://schemas.microsoft.com/office/drawing/2010/main"/>
@@ -15235,14 +17725,14 @@
           <p:nvPr>
             <p:extLst>
               <p:ext uri="{D42A27DB-BD31-4B8C-83A1-F6EECF244321}">
-                <p14:modId xmlns:p14="http://schemas.microsoft.com/office/powerpoint/2010/main" val="171291097"/>
+                <p14:modId xmlns:p14="http://schemas.microsoft.com/office/powerpoint/2010/main" val="1230335255"/>
               </p:ext>
             </p:extLst>
           </p:nvPr>
         </p:nvGraphicFramePr>
         <p:xfrm>
           <a:off x="415505" y="391005"/>
-          <a:ext cx="11360989" cy="5493117"/>
+          <a:ext cx="11360989" cy="5759309"/>
         </p:xfrm>
         <a:graphic>
           <a:graphicData uri="http://schemas.openxmlformats.org/drawingml/2006/table">
@@ -15662,7 +18152,30 @@
                       </a:pPr>
                       <a:r>
                         <a:rPr lang="en-US" dirty="0"/>
-                        <a:t>A common Workaround for wagons and coaches is to add a 10k SMD resistor to the axle between metal wheels then conductive paint to connect the resistor ends to the wheel </a:t>
+                        <a:t>A workaround for wagons and coaches is to add a 10k SMD resistor to the axle between metal wheels then conductive paint to connect the resistor ends to the wheel. </a:t>
+                      </a:r>
+                    </a:p>
+                    <a:p>
+                      <a:pPr marL="0" marR="0" lvl="0" indent="0" algn="l" defTabSz="914400" rtl="0" eaLnBrk="1" fontAlgn="auto" latinLnBrk="0" hangingPunct="1">
+                        <a:lnSpc>
+                          <a:spcPct val="100000"/>
+                        </a:lnSpc>
+                        <a:spcBef>
+                          <a:spcPts val="0"/>
+                        </a:spcBef>
+                        <a:spcAft>
+                          <a:spcPts val="0"/>
+                        </a:spcAft>
+                        <a:buClrTx/>
+                        <a:buSzTx/>
+                        <a:buFontTx/>
+                        <a:buNone/>
+                        <a:tabLst/>
+                        <a:defRPr/>
+                      </a:pPr>
+                      <a:r>
+                        <a:rPr lang="en-US" dirty="0"/>
+                        <a:t>(from McKinley railway YouTube channel)</a:t>
                       </a:r>
                     </a:p>
                     <a:p>
@@ -15696,7 +18209,7 @@
           <p:nvPr/>
         </p:nvPicPr>
         <p:blipFill>
-          <a:blip r:embed="rId2" cstate="email">
+          <a:blip r:embed="rId3" cstate="email">
             <a:extLst>
               <a:ext uri="{28A0092B-C50C-407E-A947-70E740481C1C}">
                 <a14:useLocalDpi xmlns:a14="http://schemas.microsoft.com/office/drawing/2010/main"/>
@@ -15732,7 +18245,7 @@
           <p:nvPr/>
         </p:nvPicPr>
         <p:blipFill>
-          <a:blip r:embed="rId3" cstate="email">
+          <a:blip r:embed="rId4" cstate="email">
             <a:extLst>
               <a:ext uri="{28A0092B-C50C-407E-A947-70E740481C1C}">
                 <a14:useLocalDpi xmlns:a14="http://schemas.microsoft.com/office/drawing/2010/main"/>
@@ -15767,6 +18280,172 @@
 </file>
 
 <file path=ppt/slides/slide22.xml><?xml version="1.0" encoding="utf-8"?>
+<p:sld xmlns:a="http://schemas.openxmlformats.org/drawingml/2006/main" xmlns:r="http://schemas.openxmlformats.org/officeDocument/2006/relationships" xmlns:p="http://schemas.openxmlformats.org/presentationml/2006/main">
+  <p:cSld>
+    <p:bg>
+      <p:bgPr>
+        <a:gradFill flip="none" rotWithShape="1">
+          <a:gsLst>
+            <a:gs pos="82000">
+              <a:schemeClr val="accent1">
+                <a:lumMod val="5000"/>
+                <a:lumOff val="95000"/>
+              </a:schemeClr>
+            </a:gs>
+            <a:gs pos="100000">
+              <a:schemeClr val="accent1">
+                <a:lumMod val="45000"/>
+                <a:lumOff val="55000"/>
+              </a:schemeClr>
+            </a:gs>
+          </a:gsLst>
+          <a:path path="rect">
+            <a:fillToRect l="50000" t="50000" r="50000" b="50000"/>
+          </a:path>
+          <a:tileRect/>
+        </a:gradFill>
+        <a:effectLst/>
+      </p:bgPr>
+    </p:bg>
+    <p:spTree>
+      <p:nvGrpSpPr>
+        <p:cNvPr id="1" name=""/>
+        <p:cNvGrpSpPr/>
+        <p:nvPr/>
+      </p:nvGrpSpPr>
+      <p:grpSpPr>
+        <a:xfrm>
+          <a:off x="0" y="0"/>
+          <a:ext cx="0" cy="0"/>
+          <a:chOff x="0" y="0"/>
+          <a:chExt cx="0" cy="0"/>
+        </a:xfrm>
+      </p:grpSpPr>
+      <mc:AlternateContent xmlns:mc="http://schemas.openxmlformats.org/markup-compatibility/2006">
+        <mc:Choice xmlns:we="http://schemas.microsoft.com/office/webextensions/webextension/2010/11" xmlns:pca="http://schemas.microsoft.com/office/powerpoint/2013/contentapp" Requires="we pca">
+          <p:graphicFrame>
+            <p:nvGraphicFramePr>
+              <p:cNvPr id="4" name="Add-in 3" title="EasyTimer">
+                <a:extLst>
+                  <a:ext uri="{FF2B5EF4-FFF2-40B4-BE49-F238E27FC236}">
+                    <a16:creationId xmlns:a16="http://schemas.microsoft.com/office/drawing/2014/main" id="{883E6E9A-CD1C-4A86-A014-185D7E55417B}"/>
+                  </a:ext>
+                </a:extLst>
+              </p:cNvPr>
+              <p:cNvGraphicFramePr>
+                <a:graphicFrameLocks noGrp="1"/>
+              </p:cNvGraphicFramePr>
+              <p:nvPr>
+                <p:extLst>
+                  <p:ext uri="{D42A27DB-BD31-4B8C-83A1-F6EECF244321}">
+                    <p14:modId xmlns:p14="http://schemas.microsoft.com/office/powerpoint/2010/main" val="3655353586"/>
+                  </p:ext>
+                </p:extLst>
+              </p:nvPr>
+            </p:nvGraphicFramePr>
+            <p:xfrm>
+              <a:off x="1473781" y="1457842"/>
+              <a:ext cx="9563357" cy="3942316"/>
+            </p:xfrm>
+            <a:graphic>
+              <a:graphicData uri="http://schemas.microsoft.com/office/webextensions/webextension/2010/11">
+                <we:webextensionref xmlns:we="http://schemas.microsoft.com/office/webextensions/webextension/2010/11" xmlns:r="http://schemas.openxmlformats.org/officeDocument/2006/relationships" r:id="rId3"/>
+              </a:graphicData>
+            </a:graphic>
+          </p:graphicFrame>
+        </mc:Choice>
+        <mc:Fallback>
+          <p:pic>
+            <p:nvPicPr>
+              <p:cNvPr id="4" name="Add-in 3" title="EasyTimer">
+                <a:extLst>
+                  <a:ext uri="{FF2B5EF4-FFF2-40B4-BE49-F238E27FC236}">
+                    <a16:creationId xmlns:a16="http://schemas.microsoft.com/office/drawing/2014/main" id="{883E6E9A-CD1C-4A86-A014-185D7E55417B}"/>
+                  </a:ext>
+                </a:extLst>
+              </p:cNvPr>
+              <p:cNvPicPr>
+                <a:picLocks noGrp="1" noRot="1" noChangeAspect="1" noMove="1" noResize="1" noEditPoints="1" noAdjustHandles="1" noChangeArrowheads="1" noChangeShapeType="1"/>
+              </p:cNvPicPr>
+              <p:nvPr/>
+            </p:nvPicPr>
+            <p:blipFill>
+              <a:blip r:embed="rId4"/>
+              <a:stretch>
+                <a:fillRect/>
+              </a:stretch>
+            </p:blipFill>
+            <p:spPr>
+              <a:xfrm>
+                <a:off x="1473781" y="1457842"/>
+                <a:ext cx="9563357" cy="3942316"/>
+              </a:xfrm>
+              <a:prstGeom prst="rect">
+                <a:avLst/>
+              </a:prstGeom>
+            </p:spPr>
+          </p:pic>
+        </mc:Fallback>
+      </mc:AlternateContent>
+      <p:sp>
+        <p:nvSpPr>
+          <p:cNvPr id="3" name="TextBox 2">
+            <a:extLst>
+              <a:ext uri="{FF2B5EF4-FFF2-40B4-BE49-F238E27FC236}">
+                <a16:creationId xmlns:a16="http://schemas.microsoft.com/office/drawing/2014/main" id="{77F6057E-506B-4685-9B8F-B13D208C0CC0}"/>
+              </a:ext>
+            </a:extLst>
+          </p:cNvPr>
+          <p:cNvSpPr txBox="1"/>
+          <p:nvPr/>
+        </p:nvSpPr>
+        <p:spPr>
+          <a:xfrm>
+            <a:off x="4350100" y="1018041"/>
+            <a:ext cx="3491800" cy="369332"/>
+          </a:xfrm>
+          <a:prstGeom prst="rect">
+            <a:avLst/>
+          </a:prstGeom>
+          <a:solidFill>
+            <a:schemeClr val="accent5">
+              <a:lumMod val="75000"/>
+            </a:schemeClr>
+          </a:solidFill>
+        </p:spPr>
+        <p:txBody>
+          <a:bodyPr wrap="square" rtlCol="0">
+            <a:spAutoFit/>
+          </a:bodyPr>
+          <a:lstStyle/>
+          <a:p>
+            <a:pPr algn="ctr"/>
+            <a:r>
+              <a:rPr lang="en-US" dirty="0">
+                <a:solidFill>
+                  <a:schemeClr val="bg1"/>
+                </a:solidFill>
+                <a:latin typeface="BritishRailDarkNormal" panose="00000400000000000000" pitchFamily="2" charset="0"/>
+              </a:rPr>
+              <a:t>Time for a brief intermission.</a:t>
+            </a:r>
+          </a:p>
+        </p:txBody>
+      </p:sp>
+    </p:spTree>
+    <p:extLst>
+      <p:ext uri="{BB962C8B-B14F-4D97-AF65-F5344CB8AC3E}">
+        <p14:creationId xmlns:p14="http://schemas.microsoft.com/office/powerpoint/2010/main" val="2218756720"/>
+      </p:ext>
+    </p:extLst>
+  </p:cSld>
+  <p:clrMapOvr>
+    <a:masterClrMapping/>
+  </p:clrMapOvr>
+</p:sld>
+</file>
+
+<file path=ppt/slides/slide23.xml><?xml version="1.0" encoding="utf-8"?>
 <p:sld xmlns:a="http://schemas.openxmlformats.org/drawingml/2006/main" xmlns:r="http://schemas.openxmlformats.org/officeDocument/2006/relationships" xmlns:p="http://schemas.openxmlformats.org/presentationml/2006/main">
   <p:cSld>
     <p:spTree>
@@ -15923,7 +18602,7 @@
           <p:nvPr/>
         </p:nvPicPr>
         <p:blipFill>
-          <a:blip r:embed="rId2" cstate="email">
+          <a:blip r:embed="rId3" cstate="email">
             <a:extLst>
               <a:ext uri="{28A0092B-C50C-407E-A947-70E740481C1C}">
                 <a14:useLocalDpi xmlns:a14="http://schemas.microsoft.com/office/drawing/2010/main"/>
@@ -15959,7 +18638,7 @@
           <p:nvPr/>
         </p:nvPicPr>
         <p:blipFill>
-          <a:blip r:embed="rId3" cstate="email">
+          <a:blip r:embed="rId4" cstate="email">
             <a:extLst>
               <a:ext uri="{28A0092B-C50C-407E-A947-70E740481C1C}">
                 <a14:useLocalDpi xmlns:a14="http://schemas.microsoft.com/office/drawing/2010/main"/>
@@ -16062,7 +18741,7 @@
 </p:sld>
 </file>
 
-<file path=ppt/slides/slide23.xml><?xml version="1.0" encoding="utf-8"?>
+<file path=ppt/slides/slide24.xml><?xml version="1.0" encoding="utf-8"?>
 <p:sld xmlns:a="http://schemas.openxmlformats.org/drawingml/2006/main" xmlns:r="http://schemas.openxmlformats.org/officeDocument/2006/relationships" xmlns:p="http://schemas.openxmlformats.org/presentationml/2006/main">
   <p:cSld>
     <p:spTree>
@@ -16542,7 +19221,7 @@
           <p:nvPr/>
         </p:nvPicPr>
         <p:blipFill>
-          <a:blip r:embed="rId2" cstate="email">
+          <a:blip r:embed="rId3" cstate="email">
             <a:extLst>
               <a:ext uri="{28A0092B-C50C-407E-A947-70E740481C1C}">
                 <a14:useLocalDpi xmlns:a14="http://schemas.microsoft.com/office/drawing/2010/main"/>
@@ -16578,7 +19257,7 @@
           <p:nvPr/>
         </p:nvPicPr>
         <p:blipFill>
-          <a:blip r:embed="rId3" cstate="email">
+          <a:blip r:embed="rId4" cstate="email">
             <a:extLst>
               <a:ext uri="{28A0092B-C50C-407E-A947-70E740481C1C}">
                 <a14:useLocalDpi xmlns:a14="http://schemas.microsoft.com/office/drawing/2010/main"/>
@@ -16614,7 +19293,7 @@
           <p:nvPr/>
         </p:nvPicPr>
         <p:blipFill>
-          <a:blip r:embed="rId4" cstate="email">
+          <a:blip r:embed="rId5" cstate="email">
             <a:extLst>
               <a:ext uri="{28A0092B-C50C-407E-A947-70E740481C1C}">
                 <a14:useLocalDpi xmlns:a14="http://schemas.microsoft.com/office/drawing/2010/main"/>
@@ -16854,7 +19533,7 @@
           <p:nvPr/>
         </p:nvPicPr>
         <p:blipFill>
-          <a:blip r:embed="rId5" cstate="email">
+          <a:blip r:embed="rId6" cstate="email">
             <a:extLst>
               <a:ext uri="{28A0092B-C50C-407E-A947-70E740481C1C}">
                 <a14:useLocalDpi xmlns:a14="http://schemas.microsoft.com/office/drawing/2010/main"/>
@@ -16890,13 +19569,13 @@
           <p:nvPr/>
         </p:nvPicPr>
         <p:blipFill>
-          <a:blip r:embed="rId6" cstate="email">
+          <a:blip r:embed="rId7" cstate="email">
             <a:extLst>
               <a:ext uri="{28A0092B-C50C-407E-A947-70E740481C1C}">
                 <a14:useLocalDpi xmlns:a14="http://schemas.microsoft.com/office/drawing/2010/main"/>
               </a:ext>
               <a:ext uri="{837473B0-CC2E-450A-ABE3-18F120FF3D39}">
-                <a1611:picAttrSrcUrl xmlns:a1611="http://schemas.microsoft.com/office/drawing/2016/11/main" r:id="rId7"/>
+                <a1611:picAttrSrcUrl xmlns:a1611="http://schemas.microsoft.com/office/drawing/2016/11/main" r:id="rId8"/>
               </a:ext>
             </a:extLst>
           </a:blip>
@@ -16927,7 +19606,7 @@
 </p:sld>
 </file>
 
-<file path=ppt/slides/slide24.xml><?xml version="1.0" encoding="utf-8"?>
+<file path=ppt/slides/slide25.xml><?xml version="1.0" encoding="utf-8"?>
 <p:sld xmlns:a="http://schemas.openxmlformats.org/drawingml/2006/main" xmlns:r="http://schemas.openxmlformats.org/officeDocument/2006/relationships" xmlns:p="http://schemas.openxmlformats.org/presentationml/2006/main">
   <p:cSld>
     <p:spTree>
@@ -17421,7 +20100,7 @@
           <p:nvPr/>
         </p:nvPicPr>
         <p:blipFill>
-          <a:blip r:embed="rId2" cstate="email">
+          <a:blip r:embed="rId3" cstate="email">
             <a:extLst>
               <a:ext uri="{28A0092B-C50C-407E-A947-70E740481C1C}">
                 <a14:useLocalDpi xmlns:a14="http://schemas.microsoft.com/office/drawing/2010/main"/>
@@ -17661,7 +20340,7 @@
           <p:nvPr/>
         </p:nvPicPr>
         <p:blipFill>
-          <a:blip r:embed="rId3" cstate="email">
+          <a:blip r:embed="rId4" cstate="email">
             <a:extLst>
               <a:ext uri="{28A0092B-C50C-407E-A947-70E740481C1C}">
                 <a14:useLocalDpi xmlns:a14="http://schemas.microsoft.com/office/drawing/2010/main"/>
@@ -17695,7 +20374,7 @@
 </p:sld>
 </file>
 
-<file path=ppt/slides/slide25.xml><?xml version="1.0" encoding="utf-8"?>
+<file path=ppt/slides/slide26.xml><?xml version="1.0" encoding="utf-8"?>
 <p:sld xmlns:a="http://schemas.openxmlformats.org/drawingml/2006/main" xmlns:r="http://schemas.openxmlformats.org/officeDocument/2006/relationships" xmlns:p="http://schemas.openxmlformats.org/presentationml/2006/main">
   <p:cSld>
     <p:spTree>
@@ -18331,7 +21010,7 @@
                           <a:latin typeface="+mn-lt"/>
                           <a:ea typeface="+mn-ea"/>
                           <a:cs typeface="+mn-cs"/>
-                          <a:hlinkClick r:id="rId2"/>
+                          <a:hlinkClick r:id="rId3"/>
                         </a:rPr>
                         <a:t>https://www.youtube.com/watch?v=uY_M6kJRuUo&amp;t=425s</a:t>
                       </a:r>
@@ -18383,7 +21062,7 @@
                           <a:solidFill>
                             <a:srgbClr val="0070C0"/>
                           </a:solidFill>
-                          <a:hlinkClick r:id="rId3"/>
+                          <a:hlinkClick r:id="rId4"/>
                         </a:rPr>
                         <a:t>https://www.youtube.com/watch?v=xB_4KB72res&amp;t=309s</a:t>
                       </a:r>
@@ -18663,7 +21342,7 @@
           <p:nvPr/>
         </p:nvPicPr>
         <p:blipFill>
-          <a:blip r:embed="rId4" cstate="email">
+          <a:blip r:embed="rId5" cstate="email">
             <a:extLst>
               <a:ext uri="{28A0092B-C50C-407E-A947-70E740481C1C}">
                 <a14:useLocalDpi xmlns:a14="http://schemas.microsoft.com/office/drawing/2010/main"/>
@@ -18699,7 +21378,7 @@
           <p:nvPr/>
         </p:nvPicPr>
         <p:blipFill>
-          <a:blip r:embed="rId5" cstate="email">
+          <a:blip r:embed="rId6" cstate="email">
             <a:extLst>
               <a:ext uri="{28A0092B-C50C-407E-A947-70E740481C1C}">
                 <a14:useLocalDpi xmlns:a14="http://schemas.microsoft.com/office/drawing/2010/main"/>
@@ -18735,7 +21414,7 @@
           <p:nvPr/>
         </p:nvPicPr>
         <p:blipFill>
-          <a:blip r:embed="rId6" cstate="email">
+          <a:blip r:embed="rId7" cstate="email">
             <a:extLst>
               <a:ext uri="{28A0092B-C50C-407E-A947-70E740481C1C}">
                 <a14:useLocalDpi xmlns:a14="http://schemas.microsoft.com/office/drawing/2010/main"/>
@@ -18769,7 +21448,7 @@
 </p:sld>
 </file>
 
-<file path=ppt/slides/slide26.xml><?xml version="1.0" encoding="utf-8"?>
+<file path=ppt/slides/slide27.xml><?xml version="1.0" encoding="utf-8"?>
 <p:sld xmlns:a="http://schemas.openxmlformats.org/drawingml/2006/main" xmlns:r="http://schemas.openxmlformats.org/officeDocument/2006/relationships" xmlns:p="http://schemas.openxmlformats.org/presentationml/2006/main">
   <p:cSld>
     <p:spTree>
@@ -18926,7 +21605,7 @@
           <p:nvPr/>
         </p:nvPicPr>
         <p:blipFill>
-          <a:blip r:embed="rId2" cstate="email">
+          <a:blip r:embed="rId3" cstate="email">
             <a:extLst>
               <a:ext uri="{28A0092B-C50C-407E-A947-70E740481C1C}">
                 <a14:useLocalDpi xmlns:a14="http://schemas.microsoft.com/office/drawing/2010/main"/>
@@ -18962,7 +21641,7 @@
           <p:nvPr/>
         </p:nvPicPr>
         <p:blipFill>
-          <a:blip r:embed="rId3" cstate="email">
+          <a:blip r:embed="rId4" cstate="email">
             <a:extLst>
               <a:ext uri="{28A0092B-C50C-407E-A947-70E740481C1C}">
                 <a14:useLocalDpi xmlns:a14="http://schemas.microsoft.com/office/drawing/2010/main"/>
@@ -19087,7 +21766,7 @@
 </p:sld>
 </file>
 
-<file path=ppt/slides/slide27.xml><?xml version="1.0" encoding="utf-8"?>
+<file path=ppt/slides/slide28.xml><?xml version="1.0" encoding="utf-8"?>
 <p:sld xmlns:a="http://schemas.openxmlformats.org/drawingml/2006/main" xmlns:r="http://schemas.openxmlformats.org/officeDocument/2006/relationships" xmlns:p="http://schemas.openxmlformats.org/presentationml/2006/main">
   <p:cSld>
     <p:spTree>
@@ -19949,7 +22628,7 @@
 </p:sld>
 </file>
 
-<file path=ppt/slides/slide28.xml><?xml version="1.0" encoding="utf-8"?>
+<file path=ppt/slides/slide29.xml><?xml version="1.0" encoding="utf-8"?>
 <p:sld xmlns:a="http://schemas.openxmlformats.org/drawingml/2006/main" xmlns:r="http://schemas.openxmlformats.org/officeDocument/2006/relationships" xmlns:p="http://schemas.openxmlformats.org/presentationml/2006/main">
   <p:cSld>
     <p:spTree>
@@ -19981,7 +22660,7 @@
           <p:nvPr>
             <p:extLst>
               <p:ext uri="{D42A27DB-BD31-4B8C-83A1-F6EECF244321}">
-                <p14:modId xmlns:p14="http://schemas.microsoft.com/office/powerpoint/2010/main" val="2165065541"/>
+                <p14:modId xmlns:p14="http://schemas.microsoft.com/office/powerpoint/2010/main" val="3932686332"/>
               </p:ext>
             </p:extLst>
           </p:nvPr>
@@ -20107,7 +22786,7 @@
                     <a:p>
                       <a:r>
                         <a:rPr lang="en-US" dirty="0"/>
-                        <a:t>Very small pixel allows them to be made in arrays and used as a display for arbitrary shapes (fonts)</a:t>
+                        <a:t>Very small pixel allows them to be made in arrays and used as a display for arbitrary shapes (including fonts)</a:t>
                       </a:r>
                     </a:p>
                   </a:txBody>
@@ -20442,7 +23121,10 @@
                     <a:bodyPr/>
                     <a:lstStyle/>
                     <a:p>
-                      <a:endParaRPr lang="en-US" dirty="0"/>
+                      <a:r>
+                        <a:rPr lang="en-US" dirty="0"/>
+                        <a:t>Another common size is 132 x 64</a:t>
+                      </a:r>
                     </a:p>
                   </a:txBody>
                   <a:tcPr/>
@@ -20472,7 +23154,7 @@
           <p:nvPr/>
         </p:nvPicPr>
         <p:blipFill>
-          <a:blip r:embed="rId2" cstate="email">
+          <a:blip r:embed="rId3" cstate="email">
             <a:extLst>
               <a:ext uri="{28A0092B-C50C-407E-A947-70E740481C1C}">
                 <a14:useLocalDpi xmlns:a14="http://schemas.microsoft.com/office/drawing/2010/main"/>
@@ -20712,7 +23394,7 @@
           <p:nvPr/>
         </p:nvPicPr>
         <p:blipFill>
-          <a:blip r:embed="rId3" cstate="email">
+          <a:blip r:embed="rId4" cstate="email">
             <a:extLst>
               <a:ext uri="{28A0092B-C50C-407E-A947-70E740481C1C}">
                 <a14:useLocalDpi xmlns:a14="http://schemas.microsoft.com/office/drawing/2010/main"/>
@@ -20737,756 +23419,6 @@
     <p:extLst>
       <p:ext uri="{BB962C8B-B14F-4D97-AF65-F5344CB8AC3E}">
         <p14:creationId xmlns:p14="http://schemas.microsoft.com/office/powerpoint/2010/main" val="3422241517"/>
-      </p:ext>
-    </p:extLst>
-  </p:cSld>
-  <p:clrMapOvr>
-    <a:masterClrMapping/>
-  </p:clrMapOvr>
-</p:sld>
-</file>
-
-<file path=ppt/slides/slide29.xml><?xml version="1.0" encoding="utf-8"?>
-<p:sld xmlns:a="http://schemas.openxmlformats.org/drawingml/2006/main" xmlns:r="http://schemas.openxmlformats.org/officeDocument/2006/relationships" xmlns:p="http://schemas.openxmlformats.org/presentationml/2006/main">
-  <p:cSld>
-    <p:spTree>
-      <p:nvGrpSpPr>
-        <p:cNvPr id="1" name=""/>
-        <p:cNvGrpSpPr/>
-        <p:nvPr/>
-      </p:nvGrpSpPr>
-      <p:grpSpPr>
-        <a:xfrm>
-          <a:off x="0" y="0"/>
-          <a:ext cx="0" cy="0"/>
-          <a:chOff x="0" y="0"/>
-          <a:chExt cx="0" cy="0"/>
-        </a:xfrm>
-      </p:grpSpPr>
-      <p:graphicFrame>
-        <p:nvGraphicFramePr>
-          <p:cNvPr id="7" name="Table 7">
-            <a:extLst>
-              <a:ext uri="{FF2B5EF4-FFF2-40B4-BE49-F238E27FC236}">
-                <a16:creationId xmlns:a16="http://schemas.microsoft.com/office/drawing/2014/main" id="{9B2F03AA-E6B2-4CB4-910F-7DA903FD6ED6}"/>
-              </a:ext>
-            </a:extLst>
-          </p:cNvPr>
-          <p:cNvGraphicFramePr>
-            <a:graphicFrameLocks noGrp="1"/>
-          </p:cNvGraphicFramePr>
-          <p:nvPr>
-            <p:extLst>
-              <p:ext uri="{D42A27DB-BD31-4B8C-83A1-F6EECF244321}">
-                <p14:modId xmlns:p14="http://schemas.microsoft.com/office/powerpoint/2010/main" val="3620238595"/>
-              </p:ext>
-            </p:extLst>
-          </p:nvPr>
-        </p:nvGraphicFramePr>
-        <p:xfrm>
-          <a:off x="415505" y="391004"/>
-          <a:ext cx="11360989" cy="5562787"/>
-        </p:xfrm>
-        <a:graphic>
-          <a:graphicData uri="http://schemas.openxmlformats.org/drawingml/2006/table">
-            <a:tbl>
-              <a:tblPr firstRow="1" bandRow="1">
-                <a:tableStyleId>{5C22544A-7EE6-4342-B048-85BDC9FD1C3A}</a:tableStyleId>
-              </a:tblPr>
-              <a:tblGrid>
-                <a:gridCol w="1130060">
-                  <a:extLst>
-                    <a:ext uri="{9D8B030D-6E8A-4147-A177-3AD203B41FA5}">
-                      <a16:colId xmlns:a16="http://schemas.microsoft.com/office/drawing/2014/main" val="747525499"/>
-                    </a:ext>
-                  </a:extLst>
-                </a:gridCol>
-                <a:gridCol w="3992593">
-                  <a:extLst>
-                    <a:ext uri="{9D8B030D-6E8A-4147-A177-3AD203B41FA5}">
-                      <a16:colId xmlns:a16="http://schemas.microsoft.com/office/drawing/2014/main" val="2892156475"/>
-                    </a:ext>
-                  </a:extLst>
-                </a:gridCol>
-                <a:gridCol w="6238336">
-                  <a:extLst>
-                    <a:ext uri="{9D8B030D-6E8A-4147-A177-3AD203B41FA5}">
-                      <a16:colId xmlns:a16="http://schemas.microsoft.com/office/drawing/2014/main" val="3449804923"/>
-                    </a:ext>
-                  </a:extLst>
-                </a:gridCol>
-              </a:tblGrid>
-              <a:tr h="919355">
-                <a:tc>
-                  <a:txBody>
-                    <a:bodyPr/>
-                    <a:lstStyle/>
-                    <a:p>
-                      <a:r>
-                        <a:rPr lang="en-US" sz="4400" dirty="0"/>
-                        <a:t>16</a:t>
-                      </a:r>
-                    </a:p>
-                  </a:txBody>
-                  <a:tcPr/>
-                </a:tc>
-                <a:tc>
-                  <a:txBody>
-                    <a:bodyPr/>
-                    <a:lstStyle/>
-                    <a:p>
-                      <a:r>
-                        <a:rPr lang="en-US" sz="4400" dirty="0">
-                          <a:solidFill>
-                            <a:srgbClr val="FFFF00"/>
-                          </a:solidFill>
-                        </a:rPr>
-                        <a:t>Linear Motor</a:t>
-                      </a:r>
-                    </a:p>
-                  </a:txBody>
-                  <a:tcPr/>
-                </a:tc>
-                <a:tc>
-                  <a:txBody>
-                    <a:bodyPr/>
-                    <a:lstStyle/>
-                    <a:p>
-                      <a:pPr marL="0" marR="0" lvl="0" indent="0" algn="l" defTabSz="914400" rtl="0" eaLnBrk="1" fontAlgn="auto" latinLnBrk="0" hangingPunct="1">
-                        <a:lnSpc>
-                          <a:spcPct val="100000"/>
-                        </a:lnSpc>
-                        <a:spcBef>
-                          <a:spcPts val="0"/>
-                        </a:spcBef>
-                        <a:spcAft>
-                          <a:spcPts val="0"/>
-                        </a:spcAft>
-                        <a:buClrTx/>
-                        <a:buSzTx/>
-                        <a:buFontTx/>
-                        <a:buNone/>
-                        <a:tabLst/>
-                        <a:defRPr/>
-                      </a:pPr>
-                      <a:r>
-                        <a:rPr lang="en-US" sz="4400" b="1" kern="1200" dirty="0">
-                          <a:solidFill>
-                            <a:schemeClr val="lt1"/>
-                          </a:solidFill>
-                          <a:latin typeface="+mn-lt"/>
-                          <a:ea typeface="+mn-ea"/>
-                          <a:cs typeface="+mn-cs"/>
-                        </a:rPr>
-                        <a:t>Mechanical Motion</a:t>
-                      </a:r>
-                    </a:p>
-                  </a:txBody>
-                  <a:tcPr/>
-                </a:tc>
-                <a:extLst>
-                  <a:ext uri="{0D108BD9-81ED-4DB2-BD59-A6C34878D82A}">
-                    <a16:rowId xmlns:a16="http://schemas.microsoft.com/office/drawing/2014/main" val="4166713368"/>
-                  </a:ext>
-                </a:extLst>
-              </a:tr>
-              <a:tr h="1591518">
-                <a:tc gridSpan="2">
-                  <a:txBody>
-                    <a:bodyPr/>
-                    <a:lstStyle/>
-                    <a:p>
-                      <a:r>
-                        <a:rPr lang="en-US" b="1" dirty="0"/>
-                        <a:t>Usage:</a:t>
-                      </a:r>
-                    </a:p>
-                    <a:p>
-                      <a:r>
-                        <a:rPr lang="en-US" b="0" dirty="0"/>
-                        <a:t>Positioning</a:t>
-                      </a:r>
-                    </a:p>
-                    <a:p>
-                      <a:r>
-                        <a:rPr lang="en-US" b="0" dirty="0"/>
-                        <a:t>Animation - moving things in a straight line</a:t>
-                      </a:r>
-                    </a:p>
-                  </a:txBody>
-                  <a:tcPr/>
-                </a:tc>
-                <a:tc hMerge="1">
-                  <a:txBody>
-                    <a:bodyPr/>
-                    <a:lstStyle/>
-                    <a:p>
-                      <a:endParaRPr lang="en-US"/>
-                    </a:p>
-                  </a:txBody>
-                  <a:tcPr/>
-                </a:tc>
-                <a:tc>
-                  <a:txBody>
-                    <a:bodyPr/>
-                    <a:lstStyle/>
-                    <a:p>
-                      <a:r>
-                        <a:rPr lang="en-US" b="1" dirty="0"/>
-                        <a:t>Photo:</a:t>
-                      </a:r>
-                    </a:p>
-                    <a:p>
-                      <a:endParaRPr lang="en-US" dirty="0"/>
-                    </a:p>
-                  </a:txBody>
-                  <a:tcPr/>
-                </a:tc>
-                <a:extLst>
-                  <a:ext uri="{0D108BD9-81ED-4DB2-BD59-A6C34878D82A}">
-                    <a16:rowId xmlns:a16="http://schemas.microsoft.com/office/drawing/2014/main" val="1083252038"/>
-                  </a:ext>
-                </a:extLst>
-              </a:tr>
-              <a:tr h="1525957">
-                <a:tc gridSpan="2">
-                  <a:txBody>
-                    <a:bodyPr/>
-                    <a:lstStyle/>
-                    <a:p>
-                      <a:pPr marL="0" marR="0" lvl="0" indent="0" algn="l" defTabSz="914400" rtl="0" eaLnBrk="1" fontAlgn="auto" latinLnBrk="0" hangingPunct="1">
-                        <a:lnSpc>
-                          <a:spcPct val="100000"/>
-                        </a:lnSpc>
-                        <a:spcBef>
-                          <a:spcPts val="0"/>
-                        </a:spcBef>
-                        <a:spcAft>
-                          <a:spcPts val="0"/>
-                        </a:spcAft>
-                        <a:buClrTx/>
-                        <a:buSzTx/>
-                        <a:buFontTx/>
-                        <a:buNone/>
-                        <a:tabLst/>
-                        <a:defRPr/>
-                      </a:pPr>
-                      <a:r>
-                        <a:rPr lang="en-US" b="1" dirty="0"/>
-                        <a:t>How it Works:</a:t>
-                      </a:r>
-                    </a:p>
-                    <a:p>
-                      <a:pPr marL="0" marR="0" lvl="0" indent="0" algn="l" defTabSz="914400" rtl="0" eaLnBrk="1" fontAlgn="auto" latinLnBrk="0" hangingPunct="1">
-                        <a:lnSpc>
-                          <a:spcPct val="100000"/>
-                        </a:lnSpc>
-                        <a:spcBef>
-                          <a:spcPts val="0"/>
-                        </a:spcBef>
-                        <a:spcAft>
-                          <a:spcPts val="0"/>
-                        </a:spcAft>
-                        <a:buClrTx/>
-                        <a:buSzTx/>
-                        <a:buFontTx/>
-                        <a:buNone/>
-                        <a:tabLst/>
-                        <a:defRPr/>
-                      </a:pPr>
-                      <a:r>
-                        <a:rPr lang="en-US" b="0" dirty="0"/>
-                        <a:t>A stepper motor rotates a drive screw which pushes a captive nut back and forth along a track. </a:t>
-                      </a:r>
-                    </a:p>
-                  </a:txBody>
-                  <a:tcPr/>
-                </a:tc>
-                <a:tc hMerge="1">
-                  <a:txBody>
-                    <a:bodyPr/>
-                    <a:lstStyle/>
-                    <a:p>
-                      <a:endParaRPr lang="en-US"/>
-                    </a:p>
-                  </a:txBody>
-                  <a:tcPr/>
-                </a:tc>
-                <a:tc>
-                  <a:txBody>
-                    <a:bodyPr/>
-                    <a:lstStyle/>
-                    <a:p>
-                      <a:pPr marL="0" marR="0" lvl="0" indent="0" algn="l" defTabSz="914400" rtl="0" eaLnBrk="1" fontAlgn="auto" latinLnBrk="0" hangingPunct="1">
-                        <a:lnSpc>
-                          <a:spcPct val="100000"/>
-                        </a:lnSpc>
-                        <a:spcBef>
-                          <a:spcPts val="0"/>
-                        </a:spcBef>
-                        <a:spcAft>
-                          <a:spcPts val="0"/>
-                        </a:spcAft>
-                        <a:buClrTx/>
-                        <a:buSzTx/>
-                        <a:buFontTx/>
-                        <a:buNone/>
-                        <a:tabLst/>
-                        <a:defRPr/>
-                      </a:pPr>
-                      <a:r>
-                        <a:rPr lang="en-US" b="1" dirty="0"/>
-                        <a:t>Pros:</a:t>
-                      </a:r>
-                    </a:p>
-                    <a:p>
-                      <a:pPr marL="0" marR="0" lvl="0" indent="0" algn="l" defTabSz="914400" rtl="0" eaLnBrk="1" fontAlgn="auto" latinLnBrk="0" hangingPunct="1">
-                        <a:lnSpc>
-                          <a:spcPct val="100000"/>
-                        </a:lnSpc>
-                        <a:spcBef>
-                          <a:spcPts val="0"/>
-                        </a:spcBef>
-                        <a:spcAft>
-                          <a:spcPts val="0"/>
-                        </a:spcAft>
-                        <a:buClrTx/>
-                        <a:buSzTx/>
-                        <a:buFontTx/>
-                        <a:buNone/>
-                        <a:tabLst/>
-                        <a:defRPr/>
-                      </a:pPr>
-                      <a:r>
-                        <a:rPr lang="en-US" dirty="0"/>
-                        <a:t>Small and inexpensive (above left - no on board electronics)</a:t>
-                      </a:r>
-                    </a:p>
-                    <a:p>
-                      <a:pPr marL="0" marR="0" lvl="0" indent="0" algn="l" defTabSz="914400" rtl="0" eaLnBrk="1" fontAlgn="auto" latinLnBrk="0" hangingPunct="1">
-                        <a:lnSpc>
-                          <a:spcPct val="100000"/>
-                        </a:lnSpc>
-                        <a:spcBef>
-                          <a:spcPts val="0"/>
-                        </a:spcBef>
-                        <a:spcAft>
-                          <a:spcPts val="0"/>
-                        </a:spcAft>
-                        <a:buClrTx/>
-                        <a:buSzTx/>
-                        <a:buFontTx/>
-                        <a:buNone/>
-                        <a:tabLst/>
-                        <a:defRPr/>
-                      </a:pPr>
-                      <a:r>
-                        <a:rPr lang="en-US" b="1" dirty="0"/>
-                        <a:t>Cons:</a:t>
-                      </a:r>
-                    </a:p>
-                    <a:p>
-                      <a:pPr marL="0" marR="0" lvl="0" indent="0" algn="l" defTabSz="914400" rtl="0" eaLnBrk="1" fontAlgn="auto" latinLnBrk="0" hangingPunct="1">
-                        <a:lnSpc>
-                          <a:spcPct val="100000"/>
-                        </a:lnSpc>
-                        <a:spcBef>
-                          <a:spcPts val="0"/>
-                        </a:spcBef>
-                        <a:spcAft>
-                          <a:spcPts val="0"/>
-                        </a:spcAft>
-                        <a:buClrTx/>
-                        <a:buSzTx/>
-                        <a:buFontTx/>
-                        <a:buNone/>
-                        <a:tabLst/>
-                        <a:defRPr/>
-                      </a:pPr>
-                      <a:r>
-                        <a:rPr lang="en-US" dirty="0"/>
-                        <a:t>Small and very expensive (above right direct rotary replacement)</a:t>
-                      </a:r>
-                    </a:p>
-                  </a:txBody>
-                  <a:tcPr/>
-                </a:tc>
-                <a:extLst>
-                  <a:ext uri="{0D108BD9-81ED-4DB2-BD59-A6C34878D82A}">
-                    <a16:rowId xmlns:a16="http://schemas.microsoft.com/office/drawing/2014/main" val="2494442280"/>
-                  </a:ext>
-                </a:extLst>
-              </a:tr>
-              <a:tr h="1525957">
-                <a:tc gridSpan="2">
-                  <a:txBody>
-                    <a:bodyPr/>
-                    <a:lstStyle/>
-                    <a:p>
-                      <a:r>
-                        <a:rPr lang="en-US" b="1" dirty="0"/>
-                        <a:t>Notes:</a:t>
-                      </a:r>
-                    </a:p>
-                    <a:p>
-                      <a:r>
-                        <a:rPr lang="en-US" b="0" dirty="0"/>
-                        <a:t>Stepper motors normally use a motor shield. </a:t>
-                      </a:r>
-                    </a:p>
-                    <a:p>
-                      <a:r>
-                        <a:rPr lang="en-US" b="0" dirty="0"/>
-                        <a:t>With motor shields large stepper motors are possible (very powerful / lots of torque)</a:t>
-                      </a:r>
-                    </a:p>
-                  </a:txBody>
-                  <a:tcPr/>
-                </a:tc>
-                <a:tc hMerge="1">
-                  <a:txBody>
-                    <a:bodyPr/>
-                    <a:lstStyle/>
-                    <a:p>
-                      <a:endParaRPr lang="en-US"/>
-                    </a:p>
-                  </a:txBody>
-                  <a:tcPr/>
-                </a:tc>
-                <a:tc>
-                  <a:txBody>
-                    <a:bodyPr/>
-                    <a:lstStyle/>
-                    <a:p>
-                      <a:endParaRPr lang="en-US" b="1" dirty="0">
-                        <a:solidFill>
-                          <a:srgbClr val="0070C0"/>
-                        </a:solidFill>
-                      </a:endParaRPr>
-                    </a:p>
-                  </a:txBody>
-                  <a:tcPr/>
-                </a:tc>
-                <a:extLst>
-                  <a:ext uri="{0D108BD9-81ED-4DB2-BD59-A6C34878D82A}">
-                    <a16:rowId xmlns:a16="http://schemas.microsoft.com/office/drawing/2014/main" val="1235703702"/>
-                  </a:ext>
-                </a:extLst>
-              </a:tr>
-            </a:tbl>
-          </a:graphicData>
-        </a:graphic>
-      </p:graphicFrame>
-      <p:sp>
-        <p:nvSpPr>
-          <p:cNvPr id="4" name="Subtitle 2">
-            <a:extLst>
-              <a:ext uri="{FF2B5EF4-FFF2-40B4-BE49-F238E27FC236}">
-                <a16:creationId xmlns:a16="http://schemas.microsoft.com/office/drawing/2014/main" id="{87E44DCA-B9CB-A6CF-8CBE-2309C6C5F2ED}"/>
-              </a:ext>
-            </a:extLst>
-          </p:cNvPr>
-          <p:cNvSpPr txBox="1">
-            <a:spLocks/>
-          </p:cNvSpPr>
-          <p:nvPr/>
-        </p:nvSpPr>
-        <p:spPr>
-          <a:xfrm>
-            <a:off x="560718" y="6177560"/>
-            <a:ext cx="1357223" cy="558771"/>
-          </a:xfrm>
-          <a:prstGeom prst="rect">
-            <a:avLst/>
-          </a:prstGeom>
-        </p:spPr>
-        <p:txBody>
-          <a:bodyPr vert="horz" lIns="91440" tIns="45720" rIns="91440" bIns="45720" rtlCol="0">
-            <a:noAutofit/>
-          </a:bodyPr>
-          <a:lstStyle>
-            <a:lvl1pPr marL="0" indent="0" algn="ctr" defTabSz="914400" rtl="0" eaLnBrk="1" latinLnBrk="0" hangingPunct="1">
-              <a:lnSpc>
-                <a:spcPct val="90000"/>
-              </a:lnSpc>
-              <a:spcBef>
-                <a:spcPts val="1000"/>
-              </a:spcBef>
-              <a:buFont typeface="Arial" panose="020B0604020202020204" pitchFamily="34" charset="0"/>
-              <a:buNone/>
-              <a:defRPr sz="2400" kern="1200">
-                <a:solidFill>
-                  <a:schemeClr val="tx1"/>
-                </a:solidFill>
-                <a:latin typeface="+mn-lt"/>
-                <a:ea typeface="+mn-ea"/>
-                <a:cs typeface="+mn-cs"/>
-              </a:defRPr>
-            </a:lvl1pPr>
-            <a:lvl2pPr marL="457200" indent="0" algn="ctr" defTabSz="914400" rtl="0" eaLnBrk="1" latinLnBrk="0" hangingPunct="1">
-              <a:lnSpc>
-                <a:spcPct val="90000"/>
-              </a:lnSpc>
-              <a:spcBef>
-                <a:spcPts val="500"/>
-              </a:spcBef>
-              <a:buFont typeface="Arial" panose="020B0604020202020204" pitchFamily="34" charset="0"/>
-              <a:buNone/>
-              <a:defRPr sz="2000" kern="1200">
-                <a:solidFill>
-                  <a:schemeClr val="tx1"/>
-                </a:solidFill>
-                <a:latin typeface="+mn-lt"/>
-                <a:ea typeface="+mn-ea"/>
-                <a:cs typeface="+mn-cs"/>
-              </a:defRPr>
-            </a:lvl2pPr>
-            <a:lvl3pPr marL="914400" indent="0" algn="ctr" defTabSz="914400" rtl="0" eaLnBrk="1" latinLnBrk="0" hangingPunct="1">
-              <a:lnSpc>
-                <a:spcPct val="90000"/>
-              </a:lnSpc>
-              <a:spcBef>
-                <a:spcPts val="500"/>
-              </a:spcBef>
-              <a:buFont typeface="Arial" panose="020B0604020202020204" pitchFamily="34" charset="0"/>
-              <a:buNone/>
-              <a:defRPr sz="1800" kern="1200">
-                <a:solidFill>
-                  <a:schemeClr val="tx1"/>
-                </a:solidFill>
-                <a:latin typeface="+mn-lt"/>
-                <a:ea typeface="+mn-ea"/>
-                <a:cs typeface="+mn-cs"/>
-              </a:defRPr>
-            </a:lvl3pPr>
-            <a:lvl4pPr marL="1371600" indent="0" algn="ctr" defTabSz="914400" rtl="0" eaLnBrk="1" latinLnBrk="0" hangingPunct="1">
-              <a:lnSpc>
-                <a:spcPct val="90000"/>
-              </a:lnSpc>
-              <a:spcBef>
-                <a:spcPts val="500"/>
-              </a:spcBef>
-              <a:buFont typeface="Arial" panose="020B0604020202020204" pitchFamily="34" charset="0"/>
-              <a:buNone/>
-              <a:defRPr sz="1600" kern="1200">
-                <a:solidFill>
-                  <a:schemeClr val="tx1"/>
-                </a:solidFill>
-                <a:latin typeface="+mn-lt"/>
-                <a:ea typeface="+mn-ea"/>
-                <a:cs typeface="+mn-cs"/>
-              </a:defRPr>
-            </a:lvl4pPr>
-            <a:lvl5pPr marL="1828800" indent="0" algn="ctr" defTabSz="914400" rtl="0" eaLnBrk="1" latinLnBrk="0" hangingPunct="1">
-              <a:lnSpc>
-                <a:spcPct val="90000"/>
-              </a:lnSpc>
-              <a:spcBef>
-                <a:spcPts val="500"/>
-              </a:spcBef>
-              <a:buFont typeface="Arial" panose="020B0604020202020204" pitchFamily="34" charset="0"/>
-              <a:buNone/>
-              <a:defRPr sz="1600" kern="1200">
-                <a:solidFill>
-                  <a:schemeClr val="tx1"/>
-                </a:solidFill>
-                <a:latin typeface="+mn-lt"/>
-                <a:ea typeface="+mn-ea"/>
-                <a:cs typeface="+mn-cs"/>
-              </a:defRPr>
-            </a:lvl5pPr>
-            <a:lvl6pPr marL="2286000" indent="0" algn="ctr" defTabSz="914400" rtl="0" eaLnBrk="1" latinLnBrk="0" hangingPunct="1">
-              <a:lnSpc>
-                <a:spcPct val="90000"/>
-              </a:lnSpc>
-              <a:spcBef>
-                <a:spcPts val="500"/>
-              </a:spcBef>
-              <a:buFont typeface="Arial" panose="020B0604020202020204" pitchFamily="34" charset="0"/>
-              <a:buNone/>
-              <a:defRPr sz="1600" kern="1200">
-                <a:solidFill>
-                  <a:schemeClr val="tx1"/>
-                </a:solidFill>
-                <a:latin typeface="+mn-lt"/>
-                <a:ea typeface="+mn-ea"/>
-                <a:cs typeface="+mn-cs"/>
-              </a:defRPr>
-            </a:lvl6pPr>
-            <a:lvl7pPr marL="2743200" indent="0" algn="ctr" defTabSz="914400" rtl="0" eaLnBrk="1" latinLnBrk="0" hangingPunct="1">
-              <a:lnSpc>
-                <a:spcPct val="90000"/>
-              </a:lnSpc>
-              <a:spcBef>
-                <a:spcPts val="500"/>
-              </a:spcBef>
-              <a:buFont typeface="Arial" panose="020B0604020202020204" pitchFamily="34" charset="0"/>
-              <a:buNone/>
-              <a:defRPr sz="1600" kern="1200">
-                <a:solidFill>
-                  <a:schemeClr val="tx1"/>
-                </a:solidFill>
-                <a:latin typeface="+mn-lt"/>
-                <a:ea typeface="+mn-ea"/>
-                <a:cs typeface="+mn-cs"/>
-              </a:defRPr>
-            </a:lvl7pPr>
-            <a:lvl8pPr marL="3200400" indent="0" algn="ctr" defTabSz="914400" rtl="0" eaLnBrk="1" latinLnBrk="0" hangingPunct="1">
-              <a:lnSpc>
-                <a:spcPct val="90000"/>
-              </a:lnSpc>
-              <a:spcBef>
-                <a:spcPts val="500"/>
-              </a:spcBef>
-              <a:buFont typeface="Arial" panose="020B0604020202020204" pitchFamily="34" charset="0"/>
-              <a:buNone/>
-              <a:defRPr sz="1600" kern="1200">
-                <a:solidFill>
-                  <a:schemeClr val="tx1"/>
-                </a:solidFill>
-                <a:latin typeface="+mn-lt"/>
-                <a:ea typeface="+mn-ea"/>
-                <a:cs typeface="+mn-cs"/>
-              </a:defRPr>
-            </a:lvl8pPr>
-            <a:lvl9pPr marL="3657600" indent="0" algn="ctr" defTabSz="914400" rtl="0" eaLnBrk="1" latinLnBrk="0" hangingPunct="1">
-              <a:lnSpc>
-                <a:spcPct val="90000"/>
-              </a:lnSpc>
-              <a:spcBef>
-                <a:spcPts val="500"/>
-              </a:spcBef>
-              <a:buFont typeface="Arial" panose="020B0604020202020204" pitchFamily="34" charset="0"/>
-              <a:buNone/>
-              <a:defRPr sz="1600" kern="1200">
-                <a:solidFill>
-                  <a:schemeClr val="tx1"/>
-                </a:solidFill>
-                <a:latin typeface="+mn-lt"/>
-                <a:ea typeface="+mn-ea"/>
-                <a:cs typeface="+mn-cs"/>
-              </a:defRPr>
-            </a:lvl9pPr>
-          </a:lstStyle>
-          <a:p>
-            <a:endParaRPr lang="en-US" sz="3200" b="1" dirty="0">
-              <a:solidFill>
-                <a:schemeClr val="accent1">
-                  <a:lumMod val="60000"/>
-                  <a:lumOff val="40000"/>
-                </a:schemeClr>
-              </a:solidFill>
-              <a:latin typeface="MERG_Logo" pitchFamily="2" charset="0"/>
-            </a:endParaRPr>
-          </a:p>
-        </p:txBody>
-      </p:sp>
-      <p:pic>
-        <p:nvPicPr>
-          <p:cNvPr id="5" name="Picture 4">
-            <a:extLst>
-              <a:ext uri="{FF2B5EF4-FFF2-40B4-BE49-F238E27FC236}">
-                <a16:creationId xmlns:a16="http://schemas.microsoft.com/office/drawing/2014/main" id="{653A3362-FA0C-A2C9-4AC6-A240CE42D4A3}"/>
-              </a:ext>
-            </a:extLst>
-          </p:cNvPr>
-          <p:cNvPicPr>
-            <a:picLocks noChangeAspect="1"/>
-          </p:cNvPicPr>
-          <p:nvPr/>
-        </p:nvPicPr>
-        <p:blipFill>
-          <a:blip r:embed="rId2" cstate="email">
-            <a:extLst>
-              <a:ext uri="{28A0092B-C50C-407E-A947-70E740481C1C}">
-                <a14:useLocalDpi xmlns:a14="http://schemas.microsoft.com/office/drawing/2010/main"/>
-              </a:ext>
-            </a:extLst>
-          </a:blip>
-          <a:stretch>
-            <a:fillRect/>
-          </a:stretch>
-        </p:blipFill>
-        <p:spPr>
-          <a:xfrm>
-            <a:off x="10749400" y="6239363"/>
-            <a:ext cx="1116784" cy="496968"/>
-          </a:xfrm>
-          <a:prstGeom prst="rect">
-            <a:avLst/>
-          </a:prstGeom>
-        </p:spPr>
-      </p:pic>
-      <p:pic>
-        <p:nvPicPr>
-          <p:cNvPr id="3" name="Picture 2">
-            <a:extLst>
-              <a:ext uri="{FF2B5EF4-FFF2-40B4-BE49-F238E27FC236}">
-                <a16:creationId xmlns:a16="http://schemas.microsoft.com/office/drawing/2014/main" id="{105AAB9B-3EB2-E6BC-6798-21146DE7A60A}"/>
-              </a:ext>
-            </a:extLst>
-          </p:cNvPr>
-          <p:cNvPicPr>
-            <a:picLocks noChangeAspect="1"/>
-          </p:cNvPicPr>
-          <p:nvPr/>
-        </p:nvPicPr>
-        <p:blipFill>
-          <a:blip r:embed="rId3" cstate="email">
-            <a:extLst>
-              <a:ext uri="{28A0092B-C50C-407E-A947-70E740481C1C}">
-                <a14:useLocalDpi xmlns:a14="http://schemas.microsoft.com/office/drawing/2010/main"/>
-              </a:ext>
-            </a:extLst>
-          </a:blip>
-          <a:stretch>
-            <a:fillRect/>
-          </a:stretch>
-        </p:blipFill>
-        <p:spPr>
-          <a:xfrm>
-            <a:off x="6095999" y="1656092"/>
-            <a:ext cx="2282136" cy="1105495"/>
-          </a:xfrm>
-          <a:prstGeom prst="rect">
-            <a:avLst/>
-          </a:prstGeom>
-        </p:spPr>
-      </p:pic>
-      <p:pic>
-        <p:nvPicPr>
-          <p:cNvPr id="9" name="Picture 8">
-            <a:extLst>
-              <a:ext uri="{FF2B5EF4-FFF2-40B4-BE49-F238E27FC236}">
-                <a16:creationId xmlns:a16="http://schemas.microsoft.com/office/drawing/2014/main" id="{B18BD625-A604-9E78-7797-17173D4B6027}"/>
-              </a:ext>
-            </a:extLst>
-          </p:cNvPr>
-          <p:cNvPicPr>
-            <a:picLocks noChangeAspect="1"/>
-          </p:cNvPicPr>
-          <p:nvPr/>
-        </p:nvPicPr>
-        <p:blipFill>
-          <a:blip r:embed="rId4"/>
-          <a:stretch>
-            <a:fillRect/>
-          </a:stretch>
-        </p:blipFill>
-        <p:spPr>
-          <a:xfrm>
-            <a:off x="8515214" y="1423807"/>
-            <a:ext cx="2282136" cy="1321969"/>
-          </a:xfrm>
-          <a:prstGeom prst="rect">
-            <a:avLst/>
-          </a:prstGeom>
-        </p:spPr>
-      </p:pic>
-    </p:spTree>
-    <p:extLst>
-      <p:ext uri="{BB962C8B-B14F-4D97-AF65-F5344CB8AC3E}">
-        <p14:creationId xmlns:p14="http://schemas.microsoft.com/office/powerpoint/2010/main" val="469899194"/>
       </p:ext>
     </p:extLst>
   </p:cSld>
@@ -21652,8 +23584,8 @@
         </p:nvSpPr>
         <p:spPr>
           <a:xfrm>
-            <a:off x="884208" y="1512703"/>
-            <a:ext cx="10892286" cy="4524315"/>
+            <a:off x="760383" y="1310359"/>
+            <a:ext cx="10892286" cy="5078313"/>
           </a:xfrm>
           <a:prstGeom prst="rect">
             <a:avLst/>
@@ -21838,6 +23770,20 @@
               <a:t>A device that converts an electrical signal into a physical property</a:t>
             </a:r>
           </a:p>
+          <a:p>
+            <a:endParaRPr lang="en-US" dirty="0"/>
+          </a:p>
+          <a:p>
+            <a:r>
+              <a:rPr lang="en-US" b="0" dirty="0"/>
+              <a:t>              I used this face to identify areas where I have had some personal (usually not </a:t>
+            </a:r>
+            <a:r>
+              <a:rPr lang="en-US" dirty="0"/>
+              <a:t>good) experiences.</a:t>
+            </a:r>
+            <a:endParaRPr lang="en-US" b="0" dirty="0"/>
+          </a:p>
         </p:txBody>
       </p:sp>
       <p:pic>
@@ -21855,7 +23801,7 @@
           <p:nvPr/>
         </p:nvPicPr>
         <p:blipFill>
-          <a:blip r:embed="rId2" cstate="email">
+          <a:blip r:embed="rId3" cstate="email">
             <a:extLst>
               <a:ext uri="{28A0092B-C50C-407E-A947-70E740481C1C}">
                 <a14:useLocalDpi xmlns:a14="http://schemas.microsoft.com/office/drawing/2010/main"/>
@@ -21870,6 +23816,45 @@
           <a:xfrm>
             <a:off x="10749400" y="6239363"/>
             <a:ext cx="1116784" cy="496968"/>
+          </a:xfrm>
+          <a:prstGeom prst="rect">
+            <a:avLst/>
+          </a:prstGeom>
+        </p:spPr>
+      </p:pic>
+      <p:pic>
+        <p:nvPicPr>
+          <p:cNvPr id="6" name="Picture 5">
+            <a:extLst>
+              <a:ext uri="{FF2B5EF4-FFF2-40B4-BE49-F238E27FC236}">
+                <a16:creationId xmlns:a16="http://schemas.microsoft.com/office/drawing/2014/main" id="{E065CC3D-4FCA-3153-1A3C-EEC4E2F802A3}"/>
+              </a:ext>
+            </a:extLst>
+          </p:cNvPr>
+          <p:cNvPicPr>
+            <a:picLocks noChangeAspect="1"/>
+          </p:cNvPicPr>
+          <p:nvPr/>
+        </p:nvPicPr>
+        <p:blipFill>
+          <a:blip r:embed="rId4" cstate="email">
+            <a:extLst>
+              <a:ext uri="{28A0092B-C50C-407E-A947-70E740481C1C}">
+                <a14:useLocalDpi xmlns:a14="http://schemas.microsoft.com/office/drawing/2010/main"/>
+              </a:ext>
+              <a:ext uri="{837473B0-CC2E-450A-ABE3-18F120FF3D39}">
+                <a1611:picAttrSrcUrl xmlns:a1611="http://schemas.microsoft.com/office/drawing/2016/11/main" r:id="rId5"/>
+              </a:ext>
+            </a:extLst>
+          </a:blip>
+          <a:stretch>
+            <a:fillRect/>
+          </a:stretch>
+        </p:blipFill>
+        <p:spPr>
+          <a:xfrm>
+            <a:off x="857249" y="5934884"/>
+            <a:ext cx="627617" cy="627617"/>
           </a:xfrm>
           <a:prstGeom prst="rect">
             <a:avLst/>
@@ -22443,6 +24428,148 @@
                       </p:childTnLst>
                     </p:cTn>
                   </p:par>
+                  <p:par>
+                    <p:cTn id="48" fill="hold">
+                      <p:stCondLst>
+                        <p:cond delay="indefinite"/>
+                      </p:stCondLst>
+                      <p:childTnLst>
+                        <p:par>
+                          <p:cTn id="49" fill="hold">
+                            <p:stCondLst>
+                              <p:cond delay="0"/>
+                            </p:stCondLst>
+                            <p:childTnLst>
+                              <p:par>
+                                <p:cTn id="50" presetID="10" presetClass="entr" presetSubtype="0" fill="hold" nodeType="clickEffect">
+                                  <p:stCondLst>
+                                    <p:cond delay="0"/>
+                                  </p:stCondLst>
+                                  <p:childTnLst>
+                                    <p:set>
+                                      <p:cBhvr>
+                                        <p:cTn id="51" dur="1" fill="hold">
+                                          <p:stCondLst>
+                                            <p:cond delay="0"/>
+                                          </p:stCondLst>
+                                        </p:cTn>
+                                        <p:tgtEl>
+                                          <p:spTgt spid="5">
+                                            <p:txEl>
+                                              <p:pRg st="16" end="16"/>
+                                            </p:txEl>
+                                          </p:spTgt>
+                                        </p:tgtEl>
+                                        <p:attrNameLst>
+                                          <p:attrName>style.visibility</p:attrName>
+                                        </p:attrNameLst>
+                                      </p:cBhvr>
+                                      <p:to>
+                                        <p:strVal val="visible"/>
+                                      </p:to>
+                                    </p:set>
+                                    <p:animEffect transition="in" filter="fade">
+                                      <p:cBhvr>
+                                        <p:cTn id="52" dur="500"/>
+                                        <p:tgtEl>
+                                          <p:spTgt spid="5">
+                                            <p:txEl>
+                                              <p:pRg st="16" end="16"/>
+                                            </p:txEl>
+                                          </p:spTgt>
+                                        </p:tgtEl>
+                                      </p:cBhvr>
+                                    </p:animEffect>
+                                  </p:childTnLst>
+                                </p:cTn>
+                              </p:par>
+                              <p:par>
+                                <p:cTn id="53" presetID="42" presetClass="entr" presetSubtype="0" fill="hold" nodeType="withEffect">
+                                  <p:stCondLst>
+                                    <p:cond delay="0"/>
+                                  </p:stCondLst>
+                                  <p:childTnLst>
+                                    <p:set>
+                                      <p:cBhvr>
+                                        <p:cTn id="54" dur="1" fill="hold">
+                                          <p:stCondLst>
+                                            <p:cond delay="0"/>
+                                          </p:stCondLst>
+                                        </p:cTn>
+                                        <p:tgtEl>
+                                          <p:spTgt spid="6"/>
+                                        </p:tgtEl>
+                                        <p:attrNameLst>
+                                          <p:attrName>style.visibility</p:attrName>
+                                        </p:attrNameLst>
+                                      </p:cBhvr>
+                                      <p:to>
+                                        <p:strVal val="visible"/>
+                                      </p:to>
+                                    </p:set>
+                                    <p:animEffect transition="in" filter="fade">
+                                      <p:cBhvr>
+                                        <p:cTn id="55" dur="1000"/>
+                                        <p:tgtEl>
+                                          <p:spTgt spid="6"/>
+                                        </p:tgtEl>
+                                      </p:cBhvr>
+                                    </p:animEffect>
+                                    <p:anim calcmode="lin" valueType="num">
+                                      <p:cBhvr>
+                                        <p:cTn id="56" dur="1000" fill="hold"/>
+                                        <p:tgtEl>
+                                          <p:spTgt spid="6"/>
+                                        </p:tgtEl>
+                                        <p:attrNameLst>
+                                          <p:attrName>ppt_x</p:attrName>
+                                        </p:attrNameLst>
+                                      </p:cBhvr>
+                                      <p:tavLst>
+                                        <p:tav tm="0">
+                                          <p:val>
+                                            <p:strVal val="#ppt_x"/>
+                                          </p:val>
+                                        </p:tav>
+                                        <p:tav tm="100000">
+                                          <p:val>
+                                            <p:strVal val="#ppt_x"/>
+                                          </p:val>
+                                        </p:tav>
+                                      </p:tavLst>
+                                    </p:anim>
+                                    <p:anim calcmode="lin" valueType="num">
+                                      <p:cBhvr>
+                                        <p:cTn id="57" dur="1000" fill="hold"/>
+                                        <p:tgtEl>
+                                          <p:spTgt spid="6"/>
+                                        </p:tgtEl>
+                                        <p:attrNameLst>
+                                          <p:attrName>ppt_y</p:attrName>
+                                        </p:attrNameLst>
+                                      </p:cBhvr>
+                                      <p:tavLst>
+                                        <p:tav tm="0">
+                                          <p:val>
+                                            <p:strVal val="#ppt_y+.1"/>
+                                          </p:val>
+                                        </p:tav>
+                                        <p:tav tm="100000">
+                                          <p:val>
+                                            <p:strVal val="#ppt_y"/>
+                                          </p:val>
+                                        </p:tav>
+                                      </p:tavLst>
+                                    </p:anim>
+                                  </p:childTnLst>
+                                </p:cTn>
+                              </p:par>
+                            </p:childTnLst>
+                          </p:cTn>
+                        </p:par>
+                      </p:childTnLst>
+                    </p:cTn>
+                  </p:par>
                 </p:childTnLst>
               </p:cTn>
               <p:prevCondLst>
@@ -22469,6 +24596,756 @@
 </file>
 
 <file path=ppt/slides/slide30.xml><?xml version="1.0" encoding="utf-8"?>
+<p:sld xmlns:a="http://schemas.openxmlformats.org/drawingml/2006/main" xmlns:r="http://schemas.openxmlformats.org/officeDocument/2006/relationships" xmlns:p="http://schemas.openxmlformats.org/presentationml/2006/main">
+  <p:cSld>
+    <p:spTree>
+      <p:nvGrpSpPr>
+        <p:cNvPr id="1" name=""/>
+        <p:cNvGrpSpPr/>
+        <p:nvPr/>
+      </p:nvGrpSpPr>
+      <p:grpSpPr>
+        <a:xfrm>
+          <a:off x="0" y="0"/>
+          <a:ext cx="0" cy="0"/>
+          <a:chOff x="0" y="0"/>
+          <a:chExt cx="0" cy="0"/>
+        </a:xfrm>
+      </p:grpSpPr>
+      <p:graphicFrame>
+        <p:nvGraphicFramePr>
+          <p:cNvPr id="7" name="Table 7">
+            <a:extLst>
+              <a:ext uri="{FF2B5EF4-FFF2-40B4-BE49-F238E27FC236}">
+                <a16:creationId xmlns:a16="http://schemas.microsoft.com/office/drawing/2014/main" id="{9B2F03AA-E6B2-4CB4-910F-7DA903FD6ED6}"/>
+              </a:ext>
+            </a:extLst>
+          </p:cNvPr>
+          <p:cNvGraphicFramePr>
+            <a:graphicFrameLocks noGrp="1"/>
+          </p:cNvGraphicFramePr>
+          <p:nvPr>
+            <p:extLst>
+              <p:ext uri="{D42A27DB-BD31-4B8C-83A1-F6EECF244321}">
+                <p14:modId xmlns:p14="http://schemas.microsoft.com/office/powerpoint/2010/main" val="3620238595"/>
+              </p:ext>
+            </p:extLst>
+          </p:nvPr>
+        </p:nvGraphicFramePr>
+        <p:xfrm>
+          <a:off x="415505" y="391004"/>
+          <a:ext cx="11360989" cy="5562787"/>
+        </p:xfrm>
+        <a:graphic>
+          <a:graphicData uri="http://schemas.openxmlformats.org/drawingml/2006/table">
+            <a:tbl>
+              <a:tblPr firstRow="1" bandRow="1">
+                <a:tableStyleId>{5C22544A-7EE6-4342-B048-85BDC9FD1C3A}</a:tableStyleId>
+              </a:tblPr>
+              <a:tblGrid>
+                <a:gridCol w="1130060">
+                  <a:extLst>
+                    <a:ext uri="{9D8B030D-6E8A-4147-A177-3AD203B41FA5}">
+                      <a16:colId xmlns:a16="http://schemas.microsoft.com/office/drawing/2014/main" val="747525499"/>
+                    </a:ext>
+                  </a:extLst>
+                </a:gridCol>
+                <a:gridCol w="3992593">
+                  <a:extLst>
+                    <a:ext uri="{9D8B030D-6E8A-4147-A177-3AD203B41FA5}">
+                      <a16:colId xmlns:a16="http://schemas.microsoft.com/office/drawing/2014/main" val="2892156475"/>
+                    </a:ext>
+                  </a:extLst>
+                </a:gridCol>
+                <a:gridCol w="6238336">
+                  <a:extLst>
+                    <a:ext uri="{9D8B030D-6E8A-4147-A177-3AD203B41FA5}">
+                      <a16:colId xmlns:a16="http://schemas.microsoft.com/office/drawing/2014/main" val="3449804923"/>
+                    </a:ext>
+                  </a:extLst>
+                </a:gridCol>
+              </a:tblGrid>
+              <a:tr h="919355">
+                <a:tc>
+                  <a:txBody>
+                    <a:bodyPr/>
+                    <a:lstStyle/>
+                    <a:p>
+                      <a:r>
+                        <a:rPr lang="en-US" sz="4400" dirty="0"/>
+                        <a:t>16</a:t>
+                      </a:r>
+                    </a:p>
+                  </a:txBody>
+                  <a:tcPr/>
+                </a:tc>
+                <a:tc>
+                  <a:txBody>
+                    <a:bodyPr/>
+                    <a:lstStyle/>
+                    <a:p>
+                      <a:r>
+                        <a:rPr lang="en-US" sz="4400" dirty="0">
+                          <a:solidFill>
+                            <a:srgbClr val="FFFF00"/>
+                          </a:solidFill>
+                        </a:rPr>
+                        <a:t>Linear Motor</a:t>
+                      </a:r>
+                    </a:p>
+                  </a:txBody>
+                  <a:tcPr/>
+                </a:tc>
+                <a:tc>
+                  <a:txBody>
+                    <a:bodyPr/>
+                    <a:lstStyle/>
+                    <a:p>
+                      <a:pPr marL="0" marR="0" lvl="0" indent="0" algn="l" defTabSz="914400" rtl="0" eaLnBrk="1" fontAlgn="auto" latinLnBrk="0" hangingPunct="1">
+                        <a:lnSpc>
+                          <a:spcPct val="100000"/>
+                        </a:lnSpc>
+                        <a:spcBef>
+                          <a:spcPts val="0"/>
+                        </a:spcBef>
+                        <a:spcAft>
+                          <a:spcPts val="0"/>
+                        </a:spcAft>
+                        <a:buClrTx/>
+                        <a:buSzTx/>
+                        <a:buFontTx/>
+                        <a:buNone/>
+                        <a:tabLst/>
+                        <a:defRPr/>
+                      </a:pPr>
+                      <a:r>
+                        <a:rPr lang="en-US" sz="4400" b="1" kern="1200" dirty="0">
+                          <a:solidFill>
+                            <a:schemeClr val="lt1"/>
+                          </a:solidFill>
+                          <a:latin typeface="+mn-lt"/>
+                          <a:ea typeface="+mn-ea"/>
+                          <a:cs typeface="+mn-cs"/>
+                        </a:rPr>
+                        <a:t>Mechanical Motion</a:t>
+                      </a:r>
+                    </a:p>
+                  </a:txBody>
+                  <a:tcPr/>
+                </a:tc>
+                <a:extLst>
+                  <a:ext uri="{0D108BD9-81ED-4DB2-BD59-A6C34878D82A}">
+                    <a16:rowId xmlns:a16="http://schemas.microsoft.com/office/drawing/2014/main" val="4166713368"/>
+                  </a:ext>
+                </a:extLst>
+              </a:tr>
+              <a:tr h="1591518">
+                <a:tc gridSpan="2">
+                  <a:txBody>
+                    <a:bodyPr/>
+                    <a:lstStyle/>
+                    <a:p>
+                      <a:r>
+                        <a:rPr lang="en-US" b="1" dirty="0"/>
+                        <a:t>Usage:</a:t>
+                      </a:r>
+                    </a:p>
+                    <a:p>
+                      <a:r>
+                        <a:rPr lang="en-US" b="0" dirty="0"/>
+                        <a:t>Positioning</a:t>
+                      </a:r>
+                    </a:p>
+                    <a:p>
+                      <a:r>
+                        <a:rPr lang="en-US" b="0" dirty="0"/>
+                        <a:t>Animation - moving things in a straight line</a:t>
+                      </a:r>
+                    </a:p>
+                  </a:txBody>
+                  <a:tcPr/>
+                </a:tc>
+                <a:tc hMerge="1">
+                  <a:txBody>
+                    <a:bodyPr/>
+                    <a:lstStyle/>
+                    <a:p>
+                      <a:endParaRPr lang="en-US"/>
+                    </a:p>
+                  </a:txBody>
+                  <a:tcPr/>
+                </a:tc>
+                <a:tc>
+                  <a:txBody>
+                    <a:bodyPr/>
+                    <a:lstStyle/>
+                    <a:p>
+                      <a:r>
+                        <a:rPr lang="en-US" b="1" dirty="0"/>
+                        <a:t>Photo:</a:t>
+                      </a:r>
+                    </a:p>
+                    <a:p>
+                      <a:endParaRPr lang="en-US" dirty="0"/>
+                    </a:p>
+                  </a:txBody>
+                  <a:tcPr/>
+                </a:tc>
+                <a:extLst>
+                  <a:ext uri="{0D108BD9-81ED-4DB2-BD59-A6C34878D82A}">
+                    <a16:rowId xmlns:a16="http://schemas.microsoft.com/office/drawing/2014/main" val="1083252038"/>
+                  </a:ext>
+                </a:extLst>
+              </a:tr>
+              <a:tr h="1525957">
+                <a:tc gridSpan="2">
+                  <a:txBody>
+                    <a:bodyPr/>
+                    <a:lstStyle/>
+                    <a:p>
+                      <a:pPr marL="0" marR="0" lvl="0" indent="0" algn="l" defTabSz="914400" rtl="0" eaLnBrk="1" fontAlgn="auto" latinLnBrk="0" hangingPunct="1">
+                        <a:lnSpc>
+                          <a:spcPct val="100000"/>
+                        </a:lnSpc>
+                        <a:spcBef>
+                          <a:spcPts val="0"/>
+                        </a:spcBef>
+                        <a:spcAft>
+                          <a:spcPts val="0"/>
+                        </a:spcAft>
+                        <a:buClrTx/>
+                        <a:buSzTx/>
+                        <a:buFontTx/>
+                        <a:buNone/>
+                        <a:tabLst/>
+                        <a:defRPr/>
+                      </a:pPr>
+                      <a:r>
+                        <a:rPr lang="en-US" b="1" dirty="0"/>
+                        <a:t>How it Works:</a:t>
+                      </a:r>
+                    </a:p>
+                    <a:p>
+                      <a:pPr marL="0" marR="0" lvl="0" indent="0" algn="l" defTabSz="914400" rtl="0" eaLnBrk="1" fontAlgn="auto" latinLnBrk="0" hangingPunct="1">
+                        <a:lnSpc>
+                          <a:spcPct val="100000"/>
+                        </a:lnSpc>
+                        <a:spcBef>
+                          <a:spcPts val="0"/>
+                        </a:spcBef>
+                        <a:spcAft>
+                          <a:spcPts val="0"/>
+                        </a:spcAft>
+                        <a:buClrTx/>
+                        <a:buSzTx/>
+                        <a:buFontTx/>
+                        <a:buNone/>
+                        <a:tabLst/>
+                        <a:defRPr/>
+                      </a:pPr>
+                      <a:r>
+                        <a:rPr lang="en-US" b="0" dirty="0"/>
+                        <a:t>A stepper motor rotates a drive screw which pushes a captive nut back and forth along a track. </a:t>
+                      </a:r>
+                    </a:p>
+                  </a:txBody>
+                  <a:tcPr/>
+                </a:tc>
+                <a:tc hMerge="1">
+                  <a:txBody>
+                    <a:bodyPr/>
+                    <a:lstStyle/>
+                    <a:p>
+                      <a:endParaRPr lang="en-US"/>
+                    </a:p>
+                  </a:txBody>
+                  <a:tcPr/>
+                </a:tc>
+                <a:tc>
+                  <a:txBody>
+                    <a:bodyPr/>
+                    <a:lstStyle/>
+                    <a:p>
+                      <a:pPr marL="0" marR="0" lvl="0" indent="0" algn="l" defTabSz="914400" rtl="0" eaLnBrk="1" fontAlgn="auto" latinLnBrk="0" hangingPunct="1">
+                        <a:lnSpc>
+                          <a:spcPct val="100000"/>
+                        </a:lnSpc>
+                        <a:spcBef>
+                          <a:spcPts val="0"/>
+                        </a:spcBef>
+                        <a:spcAft>
+                          <a:spcPts val="0"/>
+                        </a:spcAft>
+                        <a:buClrTx/>
+                        <a:buSzTx/>
+                        <a:buFontTx/>
+                        <a:buNone/>
+                        <a:tabLst/>
+                        <a:defRPr/>
+                      </a:pPr>
+                      <a:r>
+                        <a:rPr lang="en-US" b="1" dirty="0"/>
+                        <a:t>Pros:</a:t>
+                      </a:r>
+                    </a:p>
+                    <a:p>
+                      <a:pPr marL="0" marR="0" lvl="0" indent="0" algn="l" defTabSz="914400" rtl="0" eaLnBrk="1" fontAlgn="auto" latinLnBrk="0" hangingPunct="1">
+                        <a:lnSpc>
+                          <a:spcPct val="100000"/>
+                        </a:lnSpc>
+                        <a:spcBef>
+                          <a:spcPts val="0"/>
+                        </a:spcBef>
+                        <a:spcAft>
+                          <a:spcPts val="0"/>
+                        </a:spcAft>
+                        <a:buClrTx/>
+                        <a:buSzTx/>
+                        <a:buFontTx/>
+                        <a:buNone/>
+                        <a:tabLst/>
+                        <a:defRPr/>
+                      </a:pPr>
+                      <a:r>
+                        <a:rPr lang="en-US" dirty="0"/>
+                        <a:t>Small and inexpensive (above left - no on board electronics)</a:t>
+                      </a:r>
+                    </a:p>
+                    <a:p>
+                      <a:pPr marL="0" marR="0" lvl="0" indent="0" algn="l" defTabSz="914400" rtl="0" eaLnBrk="1" fontAlgn="auto" latinLnBrk="0" hangingPunct="1">
+                        <a:lnSpc>
+                          <a:spcPct val="100000"/>
+                        </a:lnSpc>
+                        <a:spcBef>
+                          <a:spcPts val="0"/>
+                        </a:spcBef>
+                        <a:spcAft>
+                          <a:spcPts val="0"/>
+                        </a:spcAft>
+                        <a:buClrTx/>
+                        <a:buSzTx/>
+                        <a:buFontTx/>
+                        <a:buNone/>
+                        <a:tabLst/>
+                        <a:defRPr/>
+                      </a:pPr>
+                      <a:r>
+                        <a:rPr lang="en-US" b="1" dirty="0"/>
+                        <a:t>Cons:</a:t>
+                      </a:r>
+                    </a:p>
+                    <a:p>
+                      <a:pPr marL="0" marR="0" lvl="0" indent="0" algn="l" defTabSz="914400" rtl="0" eaLnBrk="1" fontAlgn="auto" latinLnBrk="0" hangingPunct="1">
+                        <a:lnSpc>
+                          <a:spcPct val="100000"/>
+                        </a:lnSpc>
+                        <a:spcBef>
+                          <a:spcPts val="0"/>
+                        </a:spcBef>
+                        <a:spcAft>
+                          <a:spcPts val="0"/>
+                        </a:spcAft>
+                        <a:buClrTx/>
+                        <a:buSzTx/>
+                        <a:buFontTx/>
+                        <a:buNone/>
+                        <a:tabLst/>
+                        <a:defRPr/>
+                      </a:pPr>
+                      <a:r>
+                        <a:rPr lang="en-US" dirty="0"/>
+                        <a:t>Small and very expensive (above right direct rotary replacement)</a:t>
+                      </a:r>
+                    </a:p>
+                  </a:txBody>
+                  <a:tcPr/>
+                </a:tc>
+                <a:extLst>
+                  <a:ext uri="{0D108BD9-81ED-4DB2-BD59-A6C34878D82A}">
+                    <a16:rowId xmlns:a16="http://schemas.microsoft.com/office/drawing/2014/main" val="2494442280"/>
+                  </a:ext>
+                </a:extLst>
+              </a:tr>
+              <a:tr h="1525957">
+                <a:tc gridSpan="2">
+                  <a:txBody>
+                    <a:bodyPr/>
+                    <a:lstStyle/>
+                    <a:p>
+                      <a:r>
+                        <a:rPr lang="en-US" b="1" dirty="0"/>
+                        <a:t>Notes:</a:t>
+                      </a:r>
+                    </a:p>
+                    <a:p>
+                      <a:r>
+                        <a:rPr lang="en-US" b="0" dirty="0"/>
+                        <a:t>Stepper motors normally use a motor shield. </a:t>
+                      </a:r>
+                    </a:p>
+                    <a:p>
+                      <a:r>
+                        <a:rPr lang="en-US" b="0" dirty="0"/>
+                        <a:t>With motor shields large stepper motors are possible (very powerful / lots of torque)</a:t>
+                      </a:r>
+                    </a:p>
+                  </a:txBody>
+                  <a:tcPr/>
+                </a:tc>
+                <a:tc hMerge="1">
+                  <a:txBody>
+                    <a:bodyPr/>
+                    <a:lstStyle/>
+                    <a:p>
+                      <a:endParaRPr lang="en-US"/>
+                    </a:p>
+                  </a:txBody>
+                  <a:tcPr/>
+                </a:tc>
+                <a:tc>
+                  <a:txBody>
+                    <a:bodyPr/>
+                    <a:lstStyle/>
+                    <a:p>
+                      <a:endParaRPr lang="en-US" b="1" dirty="0">
+                        <a:solidFill>
+                          <a:srgbClr val="0070C0"/>
+                        </a:solidFill>
+                      </a:endParaRPr>
+                    </a:p>
+                  </a:txBody>
+                  <a:tcPr/>
+                </a:tc>
+                <a:extLst>
+                  <a:ext uri="{0D108BD9-81ED-4DB2-BD59-A6C34878D82A}">
+                    <a16:rowId xmlns:a16="http://schemas.microsoft.com/office/drawing/2014/main" val="1235703702"/>
+                  </a:ext>
+                </a:extLst>
+              </a:tr>
+            </a:tbl>
+          </a:graphicData>
+        </a:graphic>
+      </p:graphicFrame>
+      <p:sp>
+        <p:nvSpPr>
+          <p:cNvPr id="4" name="Subtitle 2">
+            <a:extLst>
+              <a:ext uri="{FF2B5EF4-FFF2-40B4-BE49-F238E27FC236}">
+                <a16:creationId xmlns:a16="http://schemas.microsoft.com/office/drawing/2014/main" id="{87E44DCA-B9CB-A6CF-8CBE-2309C6C5F2ED}"/>
+              </a:ext>
+            </a:extLst>
+          </p:cNvPr>
+          <p:cNvSpPr txBox="1">
+            <a:spLocks/>
+          </p:cNvSpPr>
+          <p:nvPr/>
+        </p:nvSpPr>
+        <p:spPr>
+          <a:xfrm>
+            <a:off x="560718" y="6177560"/>
+            <a:ext cx="1357223" cy="558771"/>
+          </a:xfrm>
+          <a:prstGeom prst="rect">
+            <a:avLst/>
+          </a:prstGeom>
+        </p:spPr>
+        <p:txBody>
+          <a:bodyPr vert="horz" lIns="91440" tIns="45720" rIns="91440" bIns="45720" rtlCol="0">
+            <a:noAutofit/>
+          </a:bodyPr>
+          <a:lstStyle>
+            <a:lvl1pPr marL="0" indent="0" algn="ctr" defTabSz="914400" rtl="0" eaLnBrk="1" latinLnBrk="0" hangingPunct="1">
+              <a:lnSpc>
+                <a:spcPct val="90000"/>
+              </a:lnSpc>
+              <a:spcBef>
+                <a:spcPts val="1000"/>
+              </a:spcBef>
+              <a:buFont typeface="Arial" panose="020B0604020202020204" pitchFamily="34" charset="0"/>
+              <a:buNone/>
+              <a:defRPr sz="2400" kern="1200">
+                <a:solidFill>
+                  <a:schemeClr val="tx1"/>
+                </a:solidFill>
+                <a:latin typeface="+mn-lt"/>
+                <a:ea typeface="+mn-ea"/>
+                <a:cs typeface="+mn-cs"/>
+              </a:defRPr>
+            </a:lvl1pPr>
+            <a:lvl2pPr marL="457200" indent="0" algn="ctr" defTabSz="914400" rtl="0" eaLnBrk="1" latinLnBrk="0" hangingPunct="1">
+              <a:lnSpc>
+                <a:spcPct val="90000"/>
+              </a:lnSpc>
+              <a:spcBef>
+                <a:spcPts val="500"/>
+              </a:spcBef>
+              <a:buFont typeface="Arial" panose="020B0604020202020204" pitchFamily="34" charset="0"/>
+              <a:buNone/>
+              <a:defRPr sz="2000" kern="1200">
+                <a:solidFill>
+                  <a:schemeClr val="tx1"/>
+                </a:solidFill>
+                <a:latin typeface="+mn-lt"/>
+                <a:ea typeface="+mn-ea"/>
+                <a:cs typeface="+mn-cs"/>
+              </a:defRPr>
+            </a:lvl2pPr>
+            <a:lvl3pPr marL="914400" indent="0" algn="ctr" defTabSz="914400" rtl="0" eaLnBrk="1" latinLnBrk="0" hangingPunct="1">
+              <a:lnSpc>
+                <a:spcPct val="90000"/>
+              </a:lnSpc>
+              <a:spcBef>
+                <a:spcPts val="500"/>
+              </a:spcBef>
+              <a:buFont typeface="Arial" panose="020B0604020202020204" pitchFamily="34" charset="0"/>
+              <a:buNone/>
+              <a:defRPr sz="1800" kern="1200">
+                <a:solidFill>
+                  <a:schemeClr val="tx1"/>
+                </a:solidFill>
+                <a:latin typeface="+mn-lt"/>
+                <a:ea typeface="+mn-ea"/>
+                <a:cs typeface="+mn-cs"/>
+              </a:defRPr>
+            </a:lvl3pPr>
+            <a:lvl4pPr marL="1371600" indent="0" algn="ctr" defTabSz="914400" rtl="0" eaLnBrk="1" latinLnBrk="0" hangingPunct="1">
+              <a:lnSpc>
+                <a:spcPct val="90000"/>
+              </a:lnSpc>
+              <a:spcBef>
+                <a:spcPts val="500"/>
+              </a:spcBef>
+              <a:buFont typeface="Arial" panose="020B0604020202020204" pitchFamily="34" charset="0"/>
+              <a:buNone/>
+              <a:defRPr sz="1600" kern="1200">
+                <a:solidFill>
+                  <a:schemeClr val="tx1"/>
+                </a:solidFill>
+                <a:latin typeface="+mn-lt"/>
+                <a:ea typeface="+mn-ea"/>
+                <a:cs typeface="+mn-cs"/>
+              </a:defRPr>
+            </a:lvl4pPr>
+            <a:lvl5pPr marL="1828800" indent="0" algn="ctr" defTabSz="914400" rtl="0" eaLnBrk="1" latinLnBrk="0" hangingPunct="1">
+              <a:lnSpc>
+                <a:spcPct val="90000"/>
+              </a:lnSpc>
+              <a:spcBef>
+                <a:spcPts val="500"/>
+              </a:spcBef>
+              <a:buFont typeface="Arial" panose="020B0604020202020204" pitchFamily="34" charset="0"/>
+              <a:buNone/>
+              <a:defRPr sz="1600" kern="1200">
+                <a:solidFill>
+                  <a:schemeClr val="tx1"/>
+                </a:solidFill>
+                <a:latin typeface="+mn-lt"/>
+                <a:ea typeface="+mn-ea"/>
+                <a:cs typeface="+mn-cs"/>
+              </a:defRPr>
+            </a:lvl5pPr>
+            <a:lvl6pPr marL="2286000" indent="0" algn="ctr" defTabSz="914400" rtl="0" eaLnBrk="1" latinLnBrk="0" hangingPunct="1">
+              <a:lnSpc>
+                <a:spcPct val="90000"/>
+              </a:lnSpc>
+              <a:spcBef>
+                <a:spcPts val="500"/>
+              </a:spcBef>
+              <a:buFont typeface="Arial" panose="020B0604020202020204" pitchFamily="34" charset="0"/>
+              <a:buNone/>
+              <a:defRPr sz="1600" kern="1200">
+                <a:solidFill>
+                  <a:schemeClr val="tx1"/>
+                </a:solidFill>
+                <a:latin typeface="+mn-lt"/>
+                <a:ea typeface="+mn-ea"/>
+                <a:cs typeface="+mn-cs"/>
+              </a:defRPr>
+            </a:lvl6pPr>
+            <a:lvl7pPr marL="2743200" indent="0" algn="ctr" defTabSz="914400" rtl="0" eaLnBrk="1" latinLnBrk="0" hangingPunct="1">
+              <a:lnSpc>
+                <a:spcPct val="90000"/>
+              </a:lnSpc>
+              <a:spcBef>
+                <a:spcPts val="500"/>
+              </a:spcBef>
+              <a:buFont typeface="Arial" panose="020B0604020202020204" pitchFamily="34" charset="0"/>
+              <a:buNone/>
+              <a:defRPr sz="1600" kern="1200">
+                <a:solidFill>
+                  <a:schemeClr val="tx1"/>
+                </a:solidFill>
+                <a:latin typeface="+mn-lt"/>
+                <a:ea typeface="+mn-ea"/>
+                <a:cs typeface="+mn-cs"/>
+              </a:defRPr>
+            </a:lvl7pPr>
+            <a:lvl8pPr marL="3200400" indent="0" algn="ctr" defTabSz="914400" rtl="0" eaLnBrk="1" latinLnBrk="0" hangingPunct="1">
+              <a:lnSpc>
+                <a:spcPct val="90000"/>
+              </a:lnSpc>
+              <a:spcBef>
+                <a:spcPts val="500"/>
+              </a:spcBef>
+              <a:buFont typeface="Arial" panose="020B0604020202020204" pitchFamily="34" charset="0"/>
+              <a:buNone/>
+              <a:defRPr sz="1600" kern="1200">
+                <a:solidFill>
+                  <a:schemeClr val="tx1"/>
+                </a:solidFill>
+                <a:latin typeface="+mn-lt"/>
+                <a:ea typeface="+mn-ea"/>
+                <a:cs typeface="+mn-cs"/>
+              </a:defRPr>
+            </a:lvl8pPr>
+            <a:lvl9pPr marL="3657600" indent="0" algn="ctr" defTabSz="914400" rtl="0" eaLnBrk="1" latinLnBrk="0" hangingPunct="1">
+              <a:lnSpc>
+                <a:spcPct val="90000"/>
+              </a:lnSpc>
+              <a:spcBef>
+                <a:spcPts val="500"/>
+              </a:spcBef>
+              <a:buFont typeface="Arial" panose="020B0604020202020204" pitchFamily="34" charset="0"/>
+              <a:buNone/>
+              <a:defRPr sz="1600" kern="1200">
+                <a:solidFill>
+                  <a:schemeClr val="tx1"/>
+                </a:solidFill>
+                <a:latin typeface="+mn-lt"/>
+                <a:ea typeface="+mn-ea"/>
+                <a:cs typeface="+mn-cs"/>
+              </a:defRPr>
+            </a:lvl9pPr>
+          </a:lstStyle>
+          <a:p>
+            <a:endParaRPr lang="en-US" sz="3200" b="1" dirty="0">
+              <a:solidFill>
+                <a:schemeClr val="accent1">
+                  <a:lumMod val="60000"/>
+                  <a:lumOff val="40000"/>
+                </a:schemeClr>
+              </a:solidFill>
+              <a:latin typeface="MERG_Logo" pitchFamily="2" charset="0"/>
+            </a:endParaRPr>
+          </a:p>
+        </p:txBody>
+      </p:sp>
+      <p:pic>
+        <p:nvPicPr>
+          <p:cNvPr id="5" name="Picture 4">
+            <a:extLst>
+              <a:ext uri="{FF2B5EF4-FFF2-40B4-BE49-F238E27FC236}">
+                <a16:creationId xmlns:a16="http://schemas.microsoft.com/office/drawing/2014/main" id="{653A3362-FA0C-A2C9-4AC6-A240CE42D4A3}"/>
+              </a:ext>
+            </a:extLst>
+          </p:cNvPr>
+          <p:cNvPicPr>
+            <a:picLocks noChangeAspect="1"/>
+          </p:cNvPicPr>
+          <p:nvPr/>
+        </p:nvPicPr>
+        <p:blipFill>
+          <a:blip r:embed="rId2" cstate="email">
+            <a:extLst>
+              <a:ext uri="{28A0092B-C50C-407E-A947-70E740481C1C}">
+                <a14:useLocalDpi xmlns:a14="http://schemas.microsoft.com/office/drawing/2010/main"/>
+              </a:ext>
+            </a:extLst>
+          </a:blip>
+          <a:stretch>
+            <a:fillRect/>
+          </a:stretch>
+        </p:blipFill>
+        <p:spPr>
+          <a:xfrm>
+            <a:off x="10749400" y="6239363"/>
+            <a:ext cx="1116784" cy="496968"/>
+          </a:xfrm>
+          <a:prstGeom prst="rect">
+            <a:avLst/>
+          </a:prstGeom>
+        </p:spPr>
+      </p:pic>
+      <p:pic>
+        <p:nvPicPr>
+          <p:cNvPr id="3" name="Picture 2">
+            <a:extLst>
+              <a:ext uri="{FF2B5EF4-FFF2-40B4-BE49-F238E27FC236}">
+                <a16:creationId xmlns:a16="http://schemas.microsoft.com/office/drawing/2014/main" id="{105AAB9B-3EB2-E6BC-6798-21146DE7A60A}"/>
+              </a:ext>
+            </a:extLst>
+          </p:cNvPr>
+          <p:cNvPicPr>
+            <a:picLocks noChangeAspect="1"/>
+          </p:cNvPicPr>
+          <p:nvPr/>
+        </p:nvPicPr>
+        <p:blipFill>
+          <a:blip r:embed="rId3" cstate="email">
+            <a:extLst>
+              <a:ext uri="{28A0092B-C50C-407E-A947-70E740481C1C}">
+                <a14:useLocalDpi xmlns:a14="http://schemas.microsoft.com/office/drawing/2010/main"/>
+              </a:ext>
+            </a:extLst>
+          </a:blip>
+          <a:stretch>
+            <a:fillRect/>
+          </a:stretch>
+        </p:blipFill>
+        <p:spPr>
+          <a:xfrm>
+            <a:off x="6095999" y="1656092"/>
+            <a:ext cx="2282136" cy="1105495"/>
+          </a:xfrm>
+          <a:prstGeom prst="rect">
+            <a:avLst/>
+          </a:prstGeom>
+        </p:spPr>
+      </p:pic>
+      <p:pic>
+        <p:nvPicPr>
+          <p:cNvPr id="9" name="Picture 8">
+            <a:extLst>
+              <a:ext uri="{FF2B5EF4-FFF2-40B4-BE49-F238E27FC236}">
+                <a16:creationId xmlns:a16="http://schemas.microsoft.com/office/drawing/2014/main" id="{B18BD625-A604-9E78-7797-17173D4B6027}"/>
+              </a:ext>
+            </a:extLst>
+          </p:cNvPr>
+          <p:cNvPicPr>
+            <a:picLocks noChangeAspect="1"/>
+          </p:cNvPicPr>
+          <p:nvPr/>
+        </p:nvPicPr>
+        <p:blipFill>
+          <a:blip r:embed="rId4"/>
+          <a:stretch>
+            <a:fillRect/>
+          </a:stretch>
+        </p:blipFill>
+        <p:spPr>
+          <a:xfrm>
+            <a:off x="8515214" y="1423807"/>
+            <a:ext cx="2282136" cy="1321969"/>
+          </a:xfrm>
+          <a:prstGeom prst="rect">
+            <a:avLst/>
+          </a:prstGeom>
+        </p:spPr>
+      </p:pic>
+    </p:spTree>
+    <p:extLst>
+      <p:ext uri="{BB962C8B-B14F-4D97-AF65-F5344CB8AC3E}">
+        <p14:creationId xmlns:p14="http://schemas.microsoft.com/office/powerpoint/2010/main" val="469899194"/>
+      </p:ext>
+    </p:extLst>
+  </p:cSld>
+  <p:clrMapOvr>
+    <a:masterClrMapping/>
+  </p:clrMapOvr>
+</p:sld>
+</file>
+
+<file path=ppt/slides/slide31.xml><?xml version="1.0" encoding="utf-8"?>
 <p:sld xmlns:a="http://schemas.openxmlformats.org/drawingml/2006/main" xmlns:r="http://schemas.openxmlformats.org/officeDocument/2006/relationships" xmlns:p="http://schemas.openxmlformats.org/presentationml/2006/main">
   <p:cSld>
     <p:spTree>
@@ -23629,7 +26506,7 @@
 </p:sld>
 </file>
 
-<file path=ppt/slides/slide31.xml><?xml version="1.0" encoding="utf-8"?>
+<file path=ppt/slides/slide32.xml><?xml version="1.0" encoding="utf-8"?>
 <p:sld xmlns:a="http://schemas.openxmlformats.org/drawingml/2006/main" xmlns:r="http://schemas.openxmlformats.org/officeDocument/2006/relationships" xmlns:p="http://schemas.openxmlformats.org/presentationml/2006/main">
   <p:cSld>
     <p:bg>
@@ -23866,7 +26743,7 @@
 </p:sld>
 </file>
 
-<file path=ppt/slides/slide32.xml><?xml version="1.0" encoding="utf-8"?>
+<file path=ppt/slides/slide33.xml><?xml version="1.0" encoding="utf-8"?>
 <p:sld xmlns:a="http://schemas.openxmlformats.org/drawingml/2006/main" xmlns:r="http://schemas.openxmlformats.org/officeDocument/2006/relationships" xmlns:p="http://schemas.openxmlformats.org/presentationml/2006/main">
   <p:cSld>
     <p:spTree>
@@ -24449,7 +27326,7 @@
 </p:sld>
 </file>
 
-<file path=ppt/slides/slide33.xml><?xml version="1.0" encoding="utf-8"?>
+<file path=ppt/slides/slide34.xml><?xml version="1.0" encoding="utf-8"?>
 <p:sld xmlns:a="http://schemas.openxmlformats.org/drawingml/2006/main" xmlns:r="http://schemas.openxmlformats.org/officeDocument/2006/relationships" xmlns:p="http://schemas.openxmlformats.org/presentationml/2006/main">
   <p:cSld>
     <p:spTree>
@@ -25156,7 +28033,7 @@
 </p:sld>
 </file>
 
-<file path=ppt/slides/slide34.xml><?xml version="1.0" encoding="utf-8"?>
+<file path=ppt/slides/slide35.xml><?xml version="1.0" encoding="utf-8"?>
 <p:sld xmlns:a="http://schemas.openxmlformats.org/drawingml/2006/main" xmlns:r="http://schemas.openxmlformats.org/officeDocument/2006/relationships" xmlns:p="http://schemas.openxmlformats.org/presentationml/2006/main">
   <p:cSld>
     <p:spTree>
@@ -27122,7 +29999,7 @@
 </p:sld>
 </file>
 
-<file path=ppt/slides/slide35.xml><?xml version="1.0" encoding="utf-8"?>
+<file path=ppt/slides/slide36.xml><?xml version="1.0" encoding="utf-8"?>
 <p:sld xmlns:a="http://schemas.openxmlformats.org/drawingml/2006/main" xmlns:r="http://schemas.openxmlformats.org/officeDocument/2006/relationships" xmlns:p="http://schemas.openxmlformats.org/presentationml/2006/main">
   <p:cSld>
     <p:spTree>
@@ -27970,7 +30847,7 @@
 </p:sld>
 </file>
 
-<file path=ppt/slides/slide36.xml><?xml version="1.0" encoding="utf-8"?>
+<file path=ppt/slides/slide37.xml><?xml version="1.0" encoding="utf-8"?>
 <p:sld xmlns:a="http://schemas.openxmlformats.org/drawingml/2006/main" xmlns:r="http://schemas.openxmlformats.org/officeDocument/2006/relationships" xmlns:p="http://schemas.openxmlformats.org/presentationml/2006/main">
   <p:cSld>
     <p:spTree>
@@ -29056,7 +31933,7 @@
 </p:sld>
 </file>
 
-<file path=ppt/slides/slide37.xml><?xml version="1.0" encoding="utf-8"?>
+<file path=ppt/slides/slide38.xml><?xml version="1.0" encoding="utf-8"?>
 <p:sld xmlns:a="http://schemas.openxmlformats.org/drawingml/2006/main" xmlns:r="http://schemas.openxmlformats.org/officeDocument/2006/relationships" xmlns:p="http://schemas.openxmlformats.org/presentationml/2006/main">
   <p:cSld>
     <p:spTree>
@@ -29830,7 +32707,7 @@
 </p:sld>
 </file>
 
-<file path=ppt/slides/slide38.xml><?xml version="1.0" encoding="utf-8"?>
+<file path=ppt/slides/slide39.xml><?xml version="1.0" encoding="utf-8"?>
 <p:sld xmlns:a="http://schemas.openxmlformats.org/drawingml/2006/main" xmlns:r="http://schemas.openxmlformats.org/officeDocument/2006/relationships" xmlns:p="http://schemas.openxmlformats.org/presentationml/2006/main">
   <p:cSld>
     <p:spTree>
@@ -30387,839 +33264,6 @@
 </p:sld>
 </file>
 
-<file path=ppt/slides/slide39.xml><?xml version="1.0" encoding="utf-8"?>
-<p:sld xmlns:a="http://schemas.openxmlformats.org/drawingml/2006/main" xmlns:r="http://schemas.openxmlformats.org/officeDocument/2006/relationships" xmlns:p="http://schemas.openxmlformats.org/presentationml/2006/main">
-  <p:cSld>
-    <p:spTree>
-      <p:nvGrpSpPr>
-        <p:cNvPr id="1" name=""/>
-        <p:cNvGrpSpPr/>
-        <p:nvPr/>
-      </p:nvGrpSpPr>
-      <p:grpSpPr>
-        <a:xfrm>
-          <a:off x="0" y="0"/>
-          <a:ext cx="0" cy="0"/>
-          <a:chOff x="0" y="0"/>
-          <a:chExt cx="0" cy="0"/>
-        </a:xfrm>
-      </p:grpSpPr>
-      <p:graphicFrame>
-        <p:nvGraphicFramePr>
-          <p:cNvPr id="7" name="Table 7">
-            <a:extLst>
-              <a:ext uri="{FF2B5EF4-FFF2-40B4-BE49-F238E27FC236}">
-                <a16:creationId xmlns:a16="http://schemas.microsoft.com/office/drawing/2014/main" id="{9B2F03AA-E6B2-4CB4-910F-7DA903FD6ED6}"/>
-              </a:ext>
-            </a:extLst>
-          </p:cNvPr>
-          <p:cNvGraphicFramePr>
-            <a:graphicFrameLocks noGrp="1"/>
-          </p:cNvGraphicFramePr>
-          <p:nvPr>
-            <p:extLst>
-              <p:ext uri="{D42A27DB-BD31-4B8C-83A1-F6EECF244321}">
-                <p14:modId xmlns:p14="http://schemas.microsoft.com/office/powerpoint/2010/main" val="2706631152"/>
-              </p:ext>
-            </p:extLst>
-          </p:nvPr>
-        </p:nvGraphicFramePr>
-        <p:xfrm>
-          <a:off x="415505" y="391004"/>
-          <a:ext cx="11450679" cy="6294733"/>
-        </p:xfrm>
-        <a:graphic>
-          <a:graphicData uri="http://schemas.openxmlformats.org/drawingml/2006/table">
-            <a:tbl>
-              <a:tblPr firstRow="1" bandRow="1">
-                <a:tableStyleId>{5C22544A-7EE6-4342-B048-85BDC9FD1C3A}</a:tableStyleId>
-              </a:tblPr>
-              <a:tblGrid>
-                <a:gridCol w="1138981">
-                  <a:extLst>
-                    <a:ext uri="{9D8B030D-6E8A-4147-A177-3AD203B41FA5}">
-                      <a16:colId xmlns:a16="http://schemas.microsoft.com/office/drawing/2014/main" val="747525499"/>
-                    </a:ext>
-                  </a:extLst>
-                </a:gridCol>
-                <a:gridCol w="4233839">
-                  <a:extLst>
-                    <a:ext uri="{9D8B030D-6E8A-4147-A177-3AD203B41FA5}">
-                      <a16:colId xmlns:a16="http://schemas.microsoft.com/office/drawing/2014/main" val="2892156475"/>
-                    </a:ext>
-                  </a:extLst>
-                </a:gridCol>
-                <a:gridCol w="6077859">
-                  <a:extLst>
-                    <a:ext uri="{9D8B030D-6E8A-4147-A177-3AD203B41FA5}">
-                      <a16:colId xmlns:a16="http://schemas.microsoft.com/office/drawing/2014/main" val="3449804923"/>
-                    </a:ext>
-                  </a:extLst>
-                </a:gridCol>
-              </a:tblGrid>
-              <a:tr h="808333">
-                <a:tc>
-                  <a:txBody>
-                    <a:bodyPr/>
-                    <a:lstStyle/>
-                    <a:p>
-                      <a:endParaRPr lang="en-US" sz="4400" dirty="0"/>
-                    </a:p>
-                  </a:txBody>
-                  <a:tcPr/>
-                </a:tc>
-                <a:tc>
-                  <a:txBody>
-                    <a:bodyPr/>
-                    <a:lstStyle/>
-                    <a:p>
-                      <a:r>
-                        <a:rPr lang="en-US" sz="4400" dirty="0">
-                          <a:solidFill>
-                            <a:srgbClr val="FFFF00"/>
-                          </a:solidFill>
-                        </a:rPr>
-                        <a:t>I2C</a:t>
-                      </a:r>
-                    </a:p>
-                  </a:txBody>
-                  <a:tcPr/>
-                </a:tc>
-                <a:tc>
-                  <a:txBody>
-                    <a:bodyPr/>
-                    <a:lstStyle/>
-                    <a:p>
-                      <a:pPr marL="0" marR="0" lvl="0" indent="0" algn="l" defTabSz="914400" rtl="0" eaLnBrk="1" fontAlgn="auto" latinLnBrk="0" hangingPunct="1">
-                        <a:lnSpc>
-                          <a:spcPct val="100000"/>
-                        </a:lnSpc>
-                        <a:spcBef>
-                          <a:spcPts val="0"/>
-                        </a:spcBef>
-                        <a:spcAft>
-                          <a:spcPts val="0"/>
-                        </a:spcAft>
-                        <a:buClrTx/>
-                        <a:buSzTx/>
-                        <a:buFontTx/>
-                        <a:buNone/>
-                        <a:tabLst/>
-                        <a:defRPr/>
-                      </a:pPr>
-                      <a:r>
-                        <a:rPr lang="en-US" sz="4400" b="1" kern="1200" dirty="0">
-                          <a:solidFill>
-                            <a:schemeClr val="lt1"/>
-                          </a:solidFill>
-                          <a:latin typeface="+mn-lt"/>
-                          <a:ea typeface="+mn-ea"/>
-                          <a:cs typeface="+mn-cs"/>
-                        </a:rPr>
-                        <a:t>Serial Communications</a:t>
-                      </a:r>
-                    </a:p>
-                  </a:txBody>
-                  <a:tcPr/>
-                </a:tc>
-                <a:extLst>
-                  <a:ext uri="{0D108BD9-81ED-4DB2-BD59-A6C34878D82A}">
-                    <a16:rowId xmlns:a16="http://schemas.microsoft.com/office/drawing/2014/main" val="4166713368"/>
-                  </a:ext>
-                </a:extLst>
-              </a:tr>
-              <a:tr h="1164301">
-                <a:tc gridSpan="2">
-                  <a:txBody>
-                    <a:bodyPr/>
-                    <a:lstStyle/>
-                    <a:p>
-                      <a:r>
-                        <a:rPr lang="en-US" b="1" dirty="0"/>
-                        <a:t>Usage:</a:t>
-                      </a:r>
-                    </a:p>
-                    <a:p>
-                      <a:r>
-                        <a:rPr lang="en-US" dirty="0"/>
-                        <a:t>A multi master bus with good speed </a:t>
-                      </a:r>
-                      <a:r>
-                        <a:rPr lang="en-US" sz="1800" b="0" i="0" kern="1200" dirty="0">
-                          <a:solidFill>
-                            <a:schemeClr val="dk1"/>
-                          </a:solidFill>
-                          <a:effectLst/>
-                          <a:latin typeface="+mn-lt"/>
-                          <a:ea typeface="+mn-ea"/>
-                          <a:cs typeface="+mn-cs"/>
-                        </a:rPr>
-                        <a:t>( 5Mhz) over </a:t>
-                      </a:r>
-                      <a:r>
-                        <a:rPr lang="en-US" dirty="0"/>
-                        <a:t>short distances. Since the clock signal is generated the speed can be  variable.  Lower speeds yield longer distances. Good for most model railway distances.</a:t>
-                      </a:r>
-                    </a:p>
-                  </a:txBody>
-                  <a:tcPr/>
-                </a:tc>
-                <a:tc hMerge="1">
-                  <a:txBody>
-                    <a:bodyPr/>
-                    <a:lstStyle/>
-                    <a:p>
-                      <a:endParaRPr lang="en-US"/>
-                    </a:p>
-                  </a:txBody>
-                  <a:tcPr/>
-                </a:tc>
-                <a:tc>
-                  <a:txBody>
-                    <a:bodyPr/>
-                    <a:lstStyle/>
-                    <a:p>
-                      <a:r>
-                        <a:rPr lang="en-US" b="1" dirty="0"/>
-                        <a:t>Photo:</a:t>
-                      </a:r>
-                    </a:p>
-                    <a:p>
-                      <a:endParaRPr lang="en-US" dirty="0"/>
-                    </a:p>
-                  </a:txBody>
-                  <a:tcPr/>
-                </a:tc>
-                <a:extLst>
-                  <a:ext uri="{0D108BD9-81ED-4DB2-BD59-A6C34878D82A}">
-                    <a16:rowId xmlns:a16="http://schemas.microsoft.com/office/drawing/2014/main" val="1083252038"/>
-                  </a:ext>
-                </a:extLst>
-              </a:tr>
-              <a:tr h="1785864">
-                <a:tc gridSpan="2">
-                  <a:txBody>
-                    <a:bodyPr/>
-                    <a:lstStyle/>
-                    <a:p>
-                      <a:pPr marL="0" marR="0" lvl="0" indent="0" algn="l" defTabSz="914400" rtl="0" eaLnBrk="1" fontAlgn="auto" latinLnBrk="0" hangingPunct="1">
-                        <a:lnSpc>
-                          <a:spcPct val="100000"/>
-                        </a:lnSpc>
-                        <a:spcBef>
-                          <a:spcPts val="0"/>
-                        </a:spcBef>
-                        <a:spcAft>
-                          <a:spcPts val="0"/>
-                        </a:spcAft>
-                        <a:buClrTx/>
-                        <a:buSzTx/>
-                        <a:buFontTx/>
-                        <a:buNone/>
-                        <a:tabLst/>
-                        <a:defRPr/>
-                      </a:pPr>
-                      <a:r>
-                        <a:rPr lang="en-US" b="1" dirty="0"/>
-                        <a:t>How it Works:</a:t>
-                      </a:r>
-                    </a:p>
-                    <a:p>
-                      <a:pPr marL="0" marR="0" lvl="0" indent="0" algn="l" defTabSz="914400" rtl="0" eaLnBrk="1" fontAlgn="auto" latinLnBrk="0" hangingPunct="1">
-                        <a:lnSpc>
-                          <a:spcPct val="100000"/>
-                        </a:lnSpc>
-                        <a:spcBef>
-                          <a:spcPts val="0"/>
-                        </a:spcBef>
-                        <a:spcAft>
-                          <a:spcPts val="0"/>
-                        </a:spcAft>
-                        <a:buClrTx/>
-                        <a:buSzTx/>
-                        <a:buFontTx/>
-                        <a:buNone/>
-                        <a:tabLst/>
-                        <a:defRPr/>
-                      </a:pPr>
-                      <a:r>
-                        <a:rPr lang="en-US" sz="1800" b="1" dirty="0"/>
-                        <a:t>SDA</a:t>
-                      </a:r>
-                      <a:r>
-                        <a:rPr lang="en-US" sz="1800" b="0" dirty="0"/>
-                        <a:t> is bidirectional serial data, </a:t>
-                      </a:r>
-                      <a:r>
-                        <a:rPr lang="en-US" sz="1800" b="1" dirty="0"/>
-                        <a:t>SCL</a:t>
-                      </a:r>
-                      <a:r>
-                        <a:rPr lang="en-US" sz="1800" b="0" dirty="0"/>
-                        <a:t> is a bidirectional serial clock.  </a:t>
-                      </a:r>
-                      <a:r>
-                        <a:rPr lang="en-US" dirty="0"/>
-                        <a:t>Messages sent to specific addresses. </a:t>
-                      </a:r>
-                    </a:p>
-                    <a:p>
-                      <a:pPr marL="0" marR="0" lvl="0" indent="0" algn="l" defTabSz="914400" rtl="0" eaLnBrk="1" fontAlgn="auto" latinLnBrk="0" hangingPunct="1">
-                        <a:lnSpc>
-                          <a:spcPct val="100000"/>
-                        </a:lnSpc>
-                        <a:spcBef>
-                          <a:spcPts val="0"/>
-                        </a:spcBef>
-                        <a:spcAft>
-                          <a:spcPts val="0"/>
-                        </a:spcAft>
-                        <a:buClrTx/>
-                        <a:buSzTx/>
-                        <a:buFontTx/>
-                        <a:buNone/>
-                        <a:tabLst/>
-                        <a:defRPr/>
-                      </a:pPr>
-                      <a:r>
-                        <a:rPr lang="en-US" dirty="0"/>
-                        <a:t>(A print statement in software).  The software library function handles all the details. </a:t>
-                      </a:r>
-                    </a:p>
-                    <a:p>
-                      <a:pPr marL="0" marR="0" lvl="0" indent="0" algn="l" defTabSz="914400" rtl="0" eaLnBrk="1" fontAlgn="auto" latinLnBrk="0" hangingPunct="1">
-                        <a:lnSpc>
-                          <a:spcPct val="100000"/>
-                        </a:lnSpc>
-                        <a:spcBef>
-                          <a:spcPts val="0"/>
-                        </a:spcBef>
-                        <a:spcAft>
-                          <a:spcPts val="0"/>
-                        </a:spcAft>
-                        <a:buClrTx/>
-                        <a:buSzTx/>
-                        <a:buFontTx/>
-                        <a:buNone/>
-                        <a:tabLst/>
-                        <a:defRPr/>
-                      </a:pPr>
-                      <a:r>
-                        <a:rPr lang="en-US" dirty="0"/>
-                        <a:t>I2C is a network that has been proven in use at 10’s of meters (which is far beyond its design intent &lt; 1 m)</a:t>
-                      </a:r>
-                    </a:p>
-                  </a:txBody>
-                  <a:tcPr/>
-                </a:tc>
-                <a:tc hMerge="1">
-                  <a:txBody>
-                    <a:bodyPr/>
-                    <a:lstStyle/>
-                    <a:p>
-                      <a:endParaRPr lang="en-US"/>
-                    </a:p>
-                  </a:txBody>
-                  <a:tcPr/>
-                </a:tc>
-                <a:tc>
-                  <a:txBody>
-                    <a:bodyPr/>
-                    <a:lstStyle/>
-                    <a:p>
-                      <a:pPr marL="0" marR="0" lvl="0" indent="0" algn="l" defTabSz="914400" rtl="0" eaLnBrk="1" fontAlgn="auto" latinLnBrk="0" hangingPunct="1">
-                        <a:lnSpc>
-                          <a:spcPct val="100000"/>
-                        </a:lnSpc>
-                        <a:spcBef>
-                          <a:spcPts val="0"/>
-                        </a:spcBef>
-                        <a:spcAft>
-                          <a:spcPts val="0"/>
-                        </a:spcAft>
-                        <a:buClrTx/>
-                        <a:buSzTx/>
-                        <a:buFontTx/>
-                        <a:buNone/>
-                        <a:tabLst/>
-                        <a:defRPr/>
-                      </a:pPr>
-                      <a:r>
-                        <a:rPr lang="en-US" b="1" dirty="0"/>
-                        <a:t>Pros:</a:t>
-                      </a:r>
-                    </a:p>
-                    <a:p>
-                      <a:pPr marL="285750" marR="0" lvl="0" indent="-285750" algn="l" defTabSz="914400" rtl="0" eaLnBrk="1" fontAlgn="auto" latinLnBrk="0" hangingPunct="1">
-                        <a:lnSpc>
-                          <a:spcPct val="100000"/>
-                        </a:lnSpc>
-                        <a:spcBef>
-                          <a:spcPts val="0"/>
-                        </a:spcBef>
-                        <a:spcAft>
-                          <a:spcPts val="0"/>
-                        </a:spcAft>
-                        <a:buClrTx/>
-                        <a:buSzTx/>
-                        <a:buFont typeface="Arial" panose="020B0604020202020204" pitchFamily="34" charset="0"/>
-                        <a:buChar char="•"/>
-                        <a:tabLst/>
-                        <a:defRPr/>
-                      </a:pPr>
-                      <a:r>
-                        <a:rPr lang="en-US" dirty="0"/>
-                        <a:t>Fast and easy to implement</a:t>
-                      </a:r>
-                    </a:p>
-                    <a:p>
-                      <a:pPr marL="285750" marR="0" lvl="0" indent="-285750" algn="l" defTabSz="914400" rtl="0" eaLnBrk="1" fontAlgn="auto" latinLnBrk="0" hangingPunct="1">
-                        <a:lnSpc>
-                          <a:spcPct val="100000"/>
-                        </a:lnSpc>
-                        <a:spcBef>
-                          <a:spcPts val="0"/>
-                        </a:spcBef>
-                        <a:spcAft>
-                          <a:spcPts val="0"/>
-                        </a:spcAft>
-                        <a:buClrTx/>
-                        <a:buSzTx/>
-                        <a:buFont typeface="Arial" panose="020B0604020202020204" pitchFamily="34" charset="0"/>
-                        <a:buChar char="•"/>
-                        <a:tabLst/>
-                        <a:defRPr/>
-                      </a:pPr>
-                      <a:r>
-                        <a:rPr lang="en-US" dirty="0"/>
-                        <a:t>Well supported in the market</a:t>
-                      </a:r>
-                    </a:p>
-                    <a:p>
-                      <a:pPr marL="285750" marR="0" lvl="0" indent="-285750" algn="l" defTabSz="914400" rtl="0" eaLnBrk="1" fontAlgn="auto" latinLnBrk="0" hangingPunct="1">
-                        <a:lnSpc>
-                          <a:spcPct val="100000"/>
-                        </a:lnSpc>
-                        <a:spcBef>
-                          <a:spcPts val="0"/>
-                        </a:spcBef>
-                        <a:spcAft>
-                          <a:spcPts val="0"/>
-                        </a:spcAft>
-                        <a:buClrTx/>
-                        <a:buSzTx/>
-                        <a:buFont typeface="Arial" panose="020B0604020202020204" pitchFamily="34" charset="0"/>
-                        <a:buChar char="•"/>
-                        <a:tabLst/>
-                        <a:defRPr/>
-                      </a:pPr>
-                      <a:r>
-                        <a:rPr lang="en-US" dirty="0"/>
-                        <a:t>Arduino has built in support (</a:t>
-                      </a:r>
-                      <a:r>
-                        <a:rPr lang="en-US" b="1" dirty="0"/>
-                        <a:t>A4 = SDA,  A5 = SCL</a:t>
-                      </a:r>
-                      <a:r>
-                        <a:rPr lang="en-US" dirty="0"/>
-                        <a:t>)</a:t>
-                      </a:r>
-                    </a:p>
-                    <a:p>
-                      <a:pPr marL="285750" marR="0" lvl="0" indent="-285750" algn="l" defTabSz="914400" rtl="0" eaLnBrk="1" fontAlgn="auto" latinLnBrk="0" hangingPunct="1">
-                        <a:lnSpc>
-                          <a:spcPct val="100000"/>
-                        </a:lnSpc>
-                        <a:spcBef>
-                          <a:spcPts val="0"/>
-                        </a:spcBef>
-                        <a:spcAft>
-                          <a:spcPts val="0"/>
-                        </a:spcAft>
-                        <a:buClrTx/>
-                        <a:buSzTx/>
-                        <a:buFont typeface="Arial" panose="020B0604020202020204" pitchFamily="34" charset="0"/>
-                        <a:buChar char="•"/>
-                        <a:tabLst/>
-                        <a:defRPr/>
-                      </a:pPr>
-                      <a:r>
-                        <a:rPr lang="en-US" dirty="0"/>
-                        <a:t>Many IC’s have I2C support built in. (Temperature sensors, EEPROM, display modules)</a:t>
-                      </a:r>
-                    </a:p>
-                    <a:p>
-                      <a:pPr marL="0" marR="0" lvl="0" indent="0" algn="l" defTabSz="914400" rtl="0" eaLnBrk="1" fontAlgn="auto" latinLnBrk="0" hangingPunct="1">
-                        <a:lnSpc>
-                          <a:spcPct val="100000"/>
-                        </a:lnSpc>
-                        <a:spcBef>
-                          <a:spcPts val="0"/>
-                        </a:spcBef>
-                        <a:spcAft>
-                          <a:spcPts val="0"/>
-                        </a:spcAft>
-                        <a:buClrTx/>
-                        <a:buSzTx/>
-                        <a:buFont typeface="Arial" panose="020B0604020202020204" pitchFamily="34" charset="0"/>
-                        <a:buNone/>
-                        <a:tabLst/>
-                        <a:defRPr/>
-                      </a:pPr>
-                      <a:r>
-                        <a:rPr lang="en-US" b="1" dirty="0"/>
-                        <a:t>Cons:</a:t>
-                      </a:r>
-                    </a:p>
-                    <a:p>
-                      <a:pPr marL="285750" marR="0" lvl="0" indent="-285750" algn="l" defTabSz="914400" rtl="0" eaLnBrk="1" fontAlgn="auto" latinLnBrk="0" hangingPunct="1">
-                        <a:lnSpc>
-                          <a:spcPct val="100000"/>
-                        </a:lnSpc>
-                        <a:spcBef>
-                          <a:spcPts val="0"/>
-                        </a:spcBef>
-                        <a:spcAft>
-                          <a:spcPts val="0"/>
-                        </a:spcAft>
-                        <a:buClrTx/>
-                        <a:buSzTx/>
-                        <a:buFont typeface="Arial" panose="020B0604020202020204" pitchFamily="34" charset="0"/>
-                        <a:buChar char="•"/>
-                        <a:tabLst/>
-                        <a:defRPr/>
-                      </a:pPr>
-                      <a:r>
-                        <a:rPr lang="en-US" dirty="0"/>
-                        <a:t>SDA and SCL need pullup resistors (Arduino pullup is ok)</a:t>
-                      </a:r>
-                    </a:p>
-                  </a:txBody>
-                  <a:tcPr/>
-                </a:tc>
-                <a:extLst>
-                  <a:ext uri="{0D108BD9-81ED-4DB2-BD59-A6C34878D82A}">
-                    <a16:rowId xmlns:a16="http://schemas.microsoft.com/office/drawing/2014/main" val="2494442280"/>
-                  </a:ext>
-                </a:extLst>
-              </a:tr>
-              <a:tr h="1737095">
-                <a:tc gridSpan="2">
-                  <a:txBody>
-                    <a:bodyPr/>
-                    <a:lstStyle/>
-                    <a:p>
-                      <a:r>
-                        <a:rPr lang="en-US" b="1" dirty="0"/>
-                        <a:t>Notes:</a:t>
-                      </a:r>
-                    </a:p>
-                    <a:p>
-                      <a:pPr marL="0" marR="0" lvl="0" indent="0" algn="l" defTabSz="914400" rtl="0" eaLnBrk="1" fontAlgn="auto" latinLnBrk="0" hangingPunct="1">
-                        <a:lnSpc>
-                          <a:spcPct val="100000"/>
-                        </a:lnSpc>
-                        <a:spcBef>
-                          <a:spcPts val="0"/>
-                        </a:spcBef>
-                        <a:spcAft>
-                          <a:spcPts val="0"/>
-                        </a:spcAft>
-                        <a:buClrTx/>
-                        <a:buSzTx/>
-                        <a:buFontTx/>
-                        <a:buNone/>
-                        <a:tabLst/>
-                        <a:defRPr/>
-                      </a:pPr>
-                      <a:r>
-                        <a:rPr lang="en-US" dirty="0"/>
-                        <a:t>Two applications on my own layouts</a:t>
-                      </a:r>
-                    </a:p>
-                    <a:p>
-                      <a:pPr marL="285750" marR="0" lvl="0" indent="-285750" algn="l" defTabSz="914400" rtl="0" eaLnBrk="1" fontAlgn="auto" latinLnBrk="0" hangingPunct="1">
-                        <a:lnSpc>
-                          <a:spcPct val="100000"/>
-                        </a:lnSpc>
-                        <a:spcBef>
-                          <a:spcPts val="0"/>
-                        </a:spcBef>
-                        <a:spcAft>
-                          <a:spcPts val="0"/>
-                        </a:spcAft>
-                        <a:buClrTx/>
-                        <a:buSzTx/>
-                        <a:buFont typeface="Arial" panose="020B0604020202020204" pitchFamily="34" charset="0"/>
-                        <a:buChar char="•"/>
-                        <a:tabLst/>
-                        <a:defRPr/>
-                      </a:pPr>
-                      <a:r>
-                        <a:rPr lang="en-US" dirty="0"/>
-                        <a:t>OLED station board (right)</a:t>
-                      </a:r>
-                    </a:p>
-                    <a:p>
-                      <a:pPr marL="285750" marR="0" lvl="0" indent="-285750" algn="l" defTabSz="914400" rtl="0" eaLnBrk="1" fontAlgn="auto" latinLnBrk="0" hangingPunct="1">
-                        <a:lnSpc>
-                          <a:spcPct val="100000"/>
-                        </a:lnSpc>
-                        <a:spcBef>
-                          <a:spcPts val="0"/>
-                        </a:spcBef>
-                        <a:spcAft>
-                          <a:spcPts val="0"/>
-                        </a:spcAft>
-                        <a:buClrTx/>
-                        <a:buSzTx/>
-                        <a:buFont typeface="Arial" panose="020B0604020202020204" pitchFamily="34" charset="0"/>
-                        <a:buChar char="•"/>
-                        <a:tabLst/>
-                        <a:defRPr/>
-                      </a:pPr>
-                      <a:r>
-                        <a:rPr lang="en-US" dirty="0"/>
-                        <a:t>Turntable Control Panel LCD User Interface</a:t>
-                      </a:r>
-                    </a:p>
-                    <a:p>
-                      <a:pPr marL="0" marR="0" lvl="0" indent="0" algn="l" defTabSz="914400" rtl="0" eaLnBrk="1" fontAlgn="auto" latinLnBrk="0" hangingPunct="1">
-                        <a:lnSpc>
-                          <a:spcPct val="100000"/>
-                        </a:lnSpc>
-                        <a:spcBef>
-                          <a:spcPts val="0"/>
-                        </a:spcBef>
-                        <a:spcAft>
-                          <a:spcPts val="0"/>
-                        </a:spcAft>
-                        <a:buClrTx/>
-                        <a:buSzTx/>
-                        <a:buFontTx/>
-                        <a:buNone/>
-                        <a:tabLst/>
-                        <a:defRPr/>
-                      </a:pPr>
-                      <a:r>
-                        <a:rPr lang="en-US" b="1" dirty="0"/>
-                        <a:t>Be aware:</a:t>
-                      </a:r>
-                    </a:p>
-                    <a:p>
-                      <a:pPr marL="285750" marR="0" lvl="0" indent="-285750" algn="l" defTabSz="914400" rtl="0" eaLnBrk="1" fontAlgn="auto" latinLnBrk="0" hangingPunct="1">
-                        <a:lnSpc>
-                          <a:spcPct val="100000"/>
-                        </a:lnSpc>
-                        <a:spcBef>
-                          <a:spcPts val="0"/>
-                        </a:spcBef>
-                        <a:spcAft>
-                          <a:spcPts val="0"/>
-                        </a:spcAft>
-                        <a:buClrTx/>
-                        <a:buSzTx/>
-                        <a:buFont typeface="Arial" panose="020B0604020202020204" pitchFamily="34" charset="0"/>
-                        <a:buChar char="•"/>
-                        <a:tabLst/>
-                        <a:defRPr/>
-                      </a:pPr>
-                      <a:r>
-                        <a:rPr lang="en-US" dirty="0"/>
-                        <a:t>Addresses are often fixed at factory (can’t change)</a:t>
-                      </a:r>
-                    </a:p>
-                  </a:txBody>
-                  <a:tcPr/>
-                </a:tc>
-                <a:tc hMerge="1">
-                  <a:txBody>
-                    <a:bodyPr/>
-                    <a:lstStyle/>
-                    <a:p>
-                      <a:endParaRPr lang="en-US"/>
-                    </a:p>
-                  </a:txBody>
-                  <a:tcPr/>
-                </a:tc>
-                <a:tc>
-                  <a:txBody>
-                    <a:bodyPr/>
-                    <a:lstStyle/>
-                    <a:p>
-                      <a:endParaRPr lang="en-US" dirty="0"/>
-                    </a:p>
-                  </a:txBody>
-                  <a:tcPr/>
-                </a:tc>
-                <a:extLst>
-                  <a:ext uri="{0D108BD9-81ED-4DB2-BD59-A6C34878D82A}">
-                    <a16:rowId xmlns:a16="http://schemas.microsoft.com/office/drawing/2014/main" val="1235703702"/>
-                  </a:ext>
-                </a:extLst>
-              </a:tr>
-            </a:tbl>
-          </a:graphicData>
-        </a:graphic>
-      </p:graphicFrame>
-      <p:pic>
-        <p:nvPicPr>
-          <p:cNvPr id="3" name="Picture 2">
-            <a:extLst>
-              <a:ext uri="{FF2B5EF4-FFF2-40B4-BE49-F238E27FC236}">
-                <a16:creationId xmlns:a16="http://schemas.microsoft.com/office/drawing/2014/main" id="{1E1BDAC9-2ECA-482C-843F-AABEF9B8AC2D}"/>
-              </a:ext>
-            </a:extLst>
-          </p:cNvPr>
-          <p:cNvPicPr>
-            <a:picLocks noChangeAspect="1"/>
-          </p:cNvPicPr>
-          <p:nvPr/>
-        </p:nvPicPr>
-        <p:blipFill>
-          <a:blip r:embed="rId2" cstate="email">
-            <a:extLst>
-              <a:ext uri="{28A0092B-C50C-407E-A947-70E740481C1C}">
-                <a14:useLocalDpi xmlns:a14="http://schemas.microsoft.com/office/drawing/2010/main"/>
-              </a:ext>
-            </a:extLst>
-          </a:blip>
-          <a:stretch>
-            <a:fillRect/>
-          </a:stretch>
-        </p:blipFill>
-        <p:spPr>
-          <a:xfrm>
-            <a:off x="6542585" y="1567224"/>
-            <a:ext cx="911684" cy="710872"/>
-          </a:xfrm>
-          <a:prstGeom prst="rect">
-            <a:avLst/>
-          </a:prstGeom>
-        </p:spPr>
-      </p:pic>
-      <p:pic>
-        <p:nvPicPr>
-          <p:cNvPr id="5" name="Picture 4">
-            <a:extLst>
-              <a:ext uri="{FF2B5EF4-FFF2-40B4-BE49-F238E27FC236}">
-                <a16:creationId xmlns:a16="http://schemas.microsoft.com/office/drawing/2014/main" id="{0797C6F8-98CF-42A6-83FA-1CE384B3DF3B}"/>
-              </a:ext>
-            </a:extLst>
-          </p:cNvPr>
-          <p:cNvPicPr>
-            <a:picLocks noChangeAspect="1"/>
-          </p:cNvPicPr>
-          <p:nvPr/>
-        </p:nvPicPr>
-        <p:blipFill>
-          <a:blip r:embed="rId3" cstate="email">
-            <a:extLst>
-              <a:ext uri="{28A0092B-C50C-407E-A947-70E740481C1C}">
-                <a14:useLocalDpi xmlns:a14="http://schemas.microsoft.com/office/drawing/2010/main"/>
-              </a:ext>
-            </a:extLst>
-          </a:blip>
-          <a:stretch>
-            <a:fillRect/>
-          </a:stretch>
-        </p:blipFill>
-        <p:spPr>
-          <a:xfrm>
-            <a:off x="8239479" y="1233940"/>
-            <a:ext cx="1482491" cy="1048356"/>
-          </a:xfrm>
-          <a:prstGeom prst="rect">
-            <a:avLst/>
-          </a:prstGeom>
-        </p:spPr>
-      </p:pic>
-      <p:pic>
-        <p:nvPicPr>
-          <p:cNvPr id="4" name="Picture 3">
-            <a:extLst>
-              <a:ext uri="{FF2B5EF4-FFF2-40B4-BE49-F238E27FC236}">
-                <a16:creationId xmlns:a16="http://schemas.microsoft.com/office/drawing/2014/main" id="{84875AF9-B386-5E02-EBC9-6638BDB765AD}"/>
-              </a:ext>
-            </a:extLst>
-          </p:cNvPr>
-          <p:cNvPicPr>
-            <a:picLocks noChangeAspect="1"/>
-          </p:cNvPicPr>
-          <p:nvPr/>
-        </p:nvPicPr>
-        <p:blipFill>
-          <a:blip r:embed="rId4" cstate="email">
-            <a:extLst>
-              <a:ext uri="{28A0092B-C50C-407E-A947-70E740481C1C}">
-                <a14:useLocalDpi xmlns:a14="http://schemas.microsoft.com/office/drawing/2010/main"/>
-              </a:ext>
-            </a:extLst>
-          </a:blip>
-          <a:stretch>
-            <a:fillRect/>
-          </a:stretch>
-        </p:blipFill>
-        <p:spPr>
-          <a:xfrm>
-            <a:off x="5914308" y="5222519"/>
-            <a:ext cx="3063541" cy="1265328"/>
-          </a:xfrm>
-          <a:prstGeom prst="rect">
-            <a:avLst/>
-          </a:prstGeom>
-        </p:spPr>
-      </p:pic>
-      <p:pic>
-        <p:nvPicPr>
-          <p:cNvPr id="9" name="Picture 8">
-            <a:extLst>
-              <a:ext uri="{FF2B5EF4-FFF2-40B4-BE49-F238E27FC236}">
-                <a16:creationId xmlns:a16="http://schemas.microsoft.com/office/drawing/2014/main" id="{C36190BE-DF42-3EB1-444B-DA0782A4A081}"/>
-              </a:ext>
-            </a:extLst>
-          </p:cNvPr>
-          <p:cNvPicPr>
-            <a:picLocks noChangeAspect="1"/>
-          </p:cNvPicPr>
-          <p:nvPr/>
-        </p:nvPicPr>
-        <p:blipFill>
-          <a:blip r:embed="rId5" cstate="email">
-            <a:extLst>
-              <a:ext uri="{28A0092B-C50C-407E-A947-70E740481C1C}">
-                <a14:useLocalDpi xmlns:a14="http://schemas.microsoft.com/office/drawing/2010/main"/>
-              </a:ext>
-            </a:extLst>
-          </a:blip>
-          <a:stretch>
-            <a:fillRect/>
-          </a:stretch>
-        </p:blipFill>
-        <p:spPr>
-          <a:xfrm>
-            <a:off x="10749400" y="6239363"/>
-            <a:ext cx="1116784" cy="496968"/>
-          </a:xfrm>
-          <a:prstGeom prst="rect">
-            <a:avLst/>
-          </a:prstGeom>
-        </p:spPr>
-      </p:pic>
-    </p:spTree>
-    <p:extLst>
-      <p:ext uri="{BB962C8B-B14F-4D97-AF65-F5344CB8AC3E}">
-        <p14:creationId xmlns:p14="http://schemas.microsoft.com/office/powerpoint/2010/main" val="2556668720"/>
-      </p:ext>
-    </p:extLst>
-  </p:cSld>
-  <p:clrMapOvr>
-    <a:masterClrMapping/>
-  </p:clrMapOvr>
-</p:sld>
-</file>
-
 <file path=ppt/slides/slide4.xml><?xml version="1.0" encoding="utf-8"?>
 <p:sld xmlns:a="http://schemas.openxmlformats.org/drawingml/2006/main" xmlns:r="http://schemas.openxmlformats.org/officeDocument/2006/relationships" xmlns:p="http://schemas.openxmlformats.org/presentationml/2006/main">
   <p:cSld>
@@ -31385,7 +33429,7 @@
           <p:nvPr/>
         </p:nvPicPr>
         <p:blipFill>
-          <a:blip r:embed="rId2"/>
+          <a:blip r:embed="rId3"/>
           <a:stretch>
             <a:fillRect/>
           </a:stretch>
@@ -31415,7 +33459,7 @@
           <p:nvPr/>
         </p:nvPicPr>
         <p:blipFill>
-          <a:blip r:embed="rId3" cstate="email">
+          <a:blip r:embed="rId4" cstate="email">
             <a:extLst>
               <a:ext uri="{28A0092B-C50C-407E-A947-70E740481C1C}">
                 <a14:useLocalDpi xmlns:a14="http://schemas.microsoft.com/office/drawing/2010/main"/>
@@ -31451,7 +33495,7 @@
           <p:nvPr/>
         </p:nvPicPr>
         <p:blipFill>
-          <a:blip r:embed="rId4" cstate="email">
+          <a:blip r:embed="rId5" cstate="email">
             <a:extLst>
               <a:ext uri="{28A0092B-C50C-407E-A947-70E740481C1C}">
                 <a14:useLocalDpi xmlns:a14="http://schemas.microsoft.com/office/drawing/2010/main"/>
@@ -31949,7 +33993,7 @@
             </a:r>
             <a:r>
               <a:rPr lang="en-US" sz="1400" dirty="0">
-                <a:hlinkClick r:id="rId5"/>
+                <a:hlinkClick r:id="rId6"/>
               </a:rPr>
               <a:t>https://maker.pro/arduino/tutorial/a-comparison-of-popular-arduino-boards</a:t>
             </a:r>
@@ -32646,6 +34690,839 @@
           <p:nvPr>
             <p:extLst>
               <p:ext uri="{D42A27DB-BD31-4B8C-83A1-F6EECF244321}">
+                <p14:modId xmlns:p14="http://schemas.microsoft.com/office/powerpoint/2010/main" val="2706631152"/>
+              </p:ext>
+            </p:extLst>
+          </p:nvPr>
+        </p:nvGraphicFramePr>
+        <p:xfrm>
+          <a:off x="415505" y="391004"/>
+          <a:ext cx="11450679" cy="6294733"/>
+        </p:xfrm>
+        <a:graphic>
+          <a:graphicData uri="http://schemas.openxmlformats.org/drawingml/2006/table">
+            <a:tbl>
+              <a:tblPr firstRow="1" bandRow="1">
+                <a:tableStyleId>{5C22544A-7EE6-4342-B048-85BDC9FD1C3A}</a:tableStyleId>
+              </a:tblPr>
+              <a:tblGrid>
+                <a:gridCol w="1138981">
+                  <a:extLst>
+                    <a:ext uri="{9D8B030D-6E8A-4147-A177-3AD203B41FA5}">
+                      <a16:colId xmlns:a16="http://schemas.microsoft.com/office/drawing/2014/main" val="747525499"/>
+                    </a:ext>
+                  </a:extLst>
+                </a:gridCol>
+                <a:gridCol w="4233839">
+                  <a:extLst>
+                    <a:ext uri="{9D8B030D-6E8A-4147-A177-3AD203B41FA5}">
+                      <a16:colId xmlns:a16="http://schemas.microsoft.com/office/drawing/2014/main" val="2892156475"/>
+                    </a:ext>
+                  </a:extLst>
+                </a:gridCol>
+                <a:gridCol w="6077859">
+                  <a:extLst>
+                    <a:ext uri="{9D8B030D-6E8A-4147-A177-3AD203B41FA5}">
+                      <a16:colId xmlns:a16="http://schemas.microsoft.com/office/drawing/2014/main" val="3449804923"/>
+                    </a:ext>
+                  </a:extLst>
+                </a:gridCol>
+              </a:tblGrid>
+              <a:tr h="808333">
+                <a:tc>
+                  <a:txBody>
+                    <a:bodyPr/>
+                    <a:lstStyle/>
+                    <a:p>
+                      <a:endParaRPr lang="en-US" sz="4400" dirty="0"/>
+                    </a:p>
+                  </a:txBody>
+                  <a:tcPr/>
+                </a:tc>
+                <a:tc>
+                  <a:txBody>
+                    <a:bodyPr/>
+                    <a:lstStyle/>
+                    <a:p>
+                      <a:r>
+                        <a:rPr lang="en-US" sz="4400" dirty="0">
+                          <a:solidFill>
+                            <a:srgbClr val="FFFF00"/>
+                          </a:solidFill>
+                        </a:rPr>
+                        <a:t>I2C</a:t>
+                      </a:r>
+                    </a:p>
+                  </a:txBody>
+                  <a:tcPr/>
+                </a:tc>
+                <a:tc>
+                  <a:txBody>
+                    <a:bodyPr/>
+                    <a:lstStyle/>
+                    <a:p>
+                      <a:pPr marL="0" marR="0" lvl="0" indent="0" algn="l" defTabSz="914400" rtl="0" eaLnBrk="1" fontAlgn="auto" latinLnBrk="0" hangingPunct="1">
+                        <a:lnSpc>
+                          <a:spcPct val="100000"/>
+                        </a:lnSpc>
+                        <a:spcBef>
+                          <a:spcPts val="0"/>
+                        </a:spcBef>
+                        <a:spcAft>
+                          <a:spcPts val="0"/>
+                        </a:spcAft>
+                        <a:buClrTx/>
+                        <a:buSzTx/>
+                        <a:buFontTx/>
+                        <a:buNone/>
+                        <a:tabLst/>
+                        <a:defRPr/>
+                      </a:pPr>
+                      <a:r>
+                        <a:rPr lang="en-US" sz="4400" b="1" kern="1200" dirty="0">
+                          <a:solidFill>
+                            <a:schemeClr val="lt1"/>
+                          </a:solidFill>
+                          <a:latin typeface="+mn-lt"/>
+                          <a:ea typeface="+mn-ea"/>
+                          <a:cs typeface="+mn-cs"/>
+                        </a:rPr>
+                        <a:t>Serial Communications</a:t>
+                      </a:r>
+                    </a:p>
+                  </a:txBody>
+                  <a:tcPr/>
+                </a:tc>
+                <a:extLst>
+                  <a:ext uri="{0D108BD9-81ED-4DB2-BD59-A6C34878D82A}">
+                    <a16:rowId xmlns:a16="http://schemas.microsoft.com/office/drawing/2014/main" val="4166713368"/>
+                  </a:ext>
+                </a:extLst>
+              </a:tr>
+              <a:tr h="1164301">
+                <a:tc gridSpan="2">
+                  <a:txBody>
+                    <a:bodyPr/>
+                    <a:lstStyle/>
+                    <a:p>
+                      <a:r>
+                        <a:rPr lang="en-US" b="1" dirty="0"/>
+                        <a:t>Usage:</a:t>
+                      </a:r>
+                    </a:p>
+                    <a:p>
+                      <a:r>
+                        <a:rPr lang="en-US" dirty="0"/>
+                        <a:t>A multi master bus with good speed </a:t>
+                      </a:r>
+                      <a:r>
+                        <a:rPr lang="en-US" sz="1800" b="0" i="0" kern="1200" dirty="0">
+                          <a:solidFill>
+                            <a:schemeClr val="dk1"/>
+                          </a:solidFill>
+                          <a:effectLst/>
+                          <a:latin typeface="+mn-lt"/>
+                          <a:ea typeface="+mn-ea"/>
+                          <a:cs typeface="+mn-cs"/>
+                        </a:rPr>
+                        <a:t>( 5Mhz) over </a:t>
+                      </a:r>
+                      <a:r>
+                        <a:rPr lang="en-US" dirty="0"/>
+                        <a:t>short distances. Since the clock signal is generated the speed can be  variable.  Lower speeds yield longer distances. Good for most model railway distances.</a:t>
+                      </a:r>
+                    </a:p>
+                  </a:txBody>
+                  <a:tcPr/>
+                </a:tc>
+                <a:tc hMerge="1">
+                  <a:txBody>
+                    <a:bodyPr/>
+                    <a:lstStyle/>
+                    <a:p>
+                      <a:endParaRPr lang="en-US"/>
+                    </a:p>
+                  </a:txBody>
+                  <a:tcPr/>
+                </a:tc>
+                <a:tc>
+                  <a:txBody>
+                    <a:bodyPr/>
+                    <a:lstStyle/>
+                    <a:p>
+                      <a:r>
+                        <a:rPr lang="en-US" b="1" dirty="0"/>
+                        <a:t>Photo:</a:t>
+                      </a:r>
+                    </a:p>
+                    <a:p>
+                      <a:endParaRPr lang="en-US" dirty="0"/>
+                    </a:p>
+                  </a:txBody>
+                  <a:tcPr/>
+                </a:tc>
+                <a:extLst>
+                  <a:ext uri="{0D108BD9-81ED-4DB2-BD59-A6C34878D82A}">
+                    <a16:rowId xmlns:a16="http://schemas.microsoft.com/office/drawing/2014/main" val="1083252038"/>
+                  </a:ext>
+                </a:extLst>
+              </a:tr>
+              <a:tr h="1785864">
+                <a:tc gridSpan="2">
+                  <a:txBody>
+                    <a:bodyPr/>
+                    <a:lstStyle/>
+                    <a:p>
+                      <a:pPr marL="0" marR="0" lvl="0" indent="0" algn="l" defTabSz="914400" rtl="0" eaLnBrk="1" fontAlgn="auto" latinLnBrk="0" hangingPunct="1">
+                        <a:lnSpc>
+                          <a:spcPct val="100000"/>
+                        </a:lnSpc>
+                        <a:spcBef>
+                          <a:spcPts val="0"/>
+                        </a:spcBef>
+                        <a:spcAft>
+                          <a:spcPts val="0"/>
+                        </a:spcAft>
+                        <a:buClrTx/>
+                        <a:buSzTx/>
+                        <a:buFontTx/>
+                        <a:buNone/>
+                        <a:tabLst/>
+                        <a:defRPr/>
+                      </a:pPr>
+                      <a:r>
+                        <a:rPr lang="en-US" b="1" dirty="0"/>
+                        <a:t>How it Works:</a:t>
+                      </a:r>
+                    </a:p>
+                    <a:p>
+                      <a:pPr marL="0" marR="0" lvl="0" indent="0" algn="l" defTabSz="914400" rtl="0" eaLnBrk="1" fontAlgn="auto" latinLnBrk="0" hangingPunct="1">
+                        <a:lnSpc>
+                          <a:spcPct val="100000"/>
+                        </a:lnSpc>
+                        <a:spcBef>
+                          <a:spcPts val="0"/>
+                        </a:spcBef>
+                        <a:spcAft>
+                          <a:spcPts val="0"/>
+                        </a:spcAft>
+                        <a:buClrTx/>
+                        <a:buSzTx/>
+                        <a:buFontTx/>
+                        <a:buNone/>
+                        <a:tabLst/>
+                        <a:defRPr/>
+                      </a:pPr>
+                      <a:r>
+                        <a:rPr lang="en-US" sz="1800" b="1" dirty="0"/>
+                        <a:t>SDA</a:t>
+                      </a:r>
+                      <a:r>
+                        <a:rPr lang="en-US" sz="1800" b="0" dirty="0"/>
+                        <a:t> is bidirectional serial data, </a:t>
+                      </a:r>
+                      <a:r>
+                        <a:rPr lang="en-US" sz="1800" b="1" dirty="0"/>
+                        <a:t>SCL</a:t>
+                      </a:r>
+                      <a:r>
+                        <a:rPr lang="en-US" sz="1800" b="0" dirty="0"/>
+                        <a:t> is a bidirectional serial clock.  </a:t>
+                      </a:r>
+                      <a:r>
+                        <a:rPr lang="en-US" dirty="0"/>
+                        <a:t>Messages sent to specific addresses. </a:t>
+                      </a:r>
+                    </a:p>
+                    <a:p>
+                      <a:pPr marL="0" marR="0" lvl="0" indent="0" algn="l" defTabSz="914400" rtl="0" eaLnBrk="1" fontAlgn="auto" latinLnBrk="0" hangingPunct="1">
+                        <a:lnSpc>
+                          <a:spcPct val="100000"/>
+                        </a:lnSpc>
+                        <a:spcBef>
+                          <a:spcPts val="0"/>
+                        </a:spcBef>
+                        <a:spcAft>
+                          <a:spcPts val="0"/>
+                        </a:spcAft>
+                        <a:buClrTx/>
+                        <a:buSzTx/>
+                        <a:buFontTx/>
+                        <a:buNone/>
+                        <a:tabLst/>
+                        <a:defRPr/>
+                      </a:pPr>
+                      <a:r>
+                        <a:rPr lang="en-US" dirty="0"/>
+                        <a:t>(A print statement in software).  The software library function handles all the details. </a:t>
+                      </a:r>
+                    </a:p>
+                    <a:p>
+                      <a:pPr marL="0" marR="0" lvl="0" indent="0" algn="l" defTabSz="914400" rtl="0" eaLnBrk="1" fontAlgn="auto" latinLnBrk="0" hangingPunct="1">
+                        <a:lnSpc>
+                          <a:spcPct val="100000"/>
+                        </a:lnSpc>
+                        <a:spcBef>
+                          <a:spcPts val="0"/>
+                        </a:spcBef>
+                        <a:spcAft>
+                          <a:spcPts val="0"/>
+                        </a:spcAft>
+                        <a:buClrTx/>
+                        <a:buSzTx/>
+                        <a:buFontTx/>
+                        <a:buNone/>
+                        <a:tabLst/>
+                        <a:defRPr/>
+                      </a:pPr>
+                      <a:r>
+                        <a:rPr lang="en-US" dirty="0"/>
+                        <a:t>I2C is a network that has been proven in use at 10’s of meters (which is far beyond its design intent &lt; 1 m)</a:t>
+                      </a:r>
+                    </a:p>
+                  </a:txBody>
+                  <a:tcPr/>
+                </a:tc>
+                <a:tc hMerge="1">
+                  <a:txBody>
+                    <a:bodyPr/>
+                    <a:lstStyle/>
+                    <a:p>
+                      <a:endParaRPr lang="en-US"/>
+                    </a:p>
+                  </a:txBody>
+                  <a:tcPr/>
+                </a:tc>
+                <a:tc>
+                  <a:txBody>
+                    <a:bodyPr/>
+                    <a:lstStyle/>
+                    <a:p>
+                      <a:pPr marL="0" marR="0" lvl="0" indent="0" algn="l" defTabSz="914400" rtl="0" eaLnBrk="1" fontAlgn="auto" latinLnBrk="0" hangingPunct="1">
+                        <a:lnSpc>
+                          <a:spcPct val="100000"/>
+                        </a:lnSpc>
+                        <a:spcBef>
+                          <a:spcPts val="0"/>
+                        </a:spcBef>
+                        <a:spcAft>
+                          <a:spcPts val="0"/>
+                        </a:spcAft>
+                        <a:buClrTx/>
+                        <a:buSzTx/>
+                        <a:buFontTx/>
+                        <a:buNone/>
+                        <a:tabLst/>
+                        <a:defRPr/>
+                      </a:pPr>
+                      <a:r>
+                        <a:rPr lang="en-US" b="1" dirty="0"/>
+                        <a:t>Pros:</a:t>
+                      </a:r>
+                    </a:p>
+                    <a:p>
+                      <a:pPr marL="285750" marR="0" lvl="0" indent="-285750" algn="l" defTabSz="914400" rtl="0" eaLnBrk="1" fontAlgn="auto" latinLnBrk="0" hangingPunct="1">
+                        <a:lnSpc>
+                          <a:spcPct val="100000"/>
+                        </a:lnSpc>
+                        <a:spcBef>
+                          <a:spcPts val="0"/>
+                        </a:spcBef>
+                        <a:spcAft>
+                          <a:spcPts val="0"/>
+                        </a:spcAft>
+                        <a:buClrTx/>
+                        <a:buSzTx/>
+                        <a:buFont typeface="Arial" panose="020B0604020202020204" pitchFamily="34" charset="0"/>
+                        <a:buChar char="•"/>
+                        <a:tabLst/>
+                        <a:defRPr/>
+                      </a:pPr>
+                      <a:r>
+                        <a:rPr lang="en-US" dirty="0"/>
+                        <a:t>Fast and easy to implement</a:t>
+                      </a:r>
+                    </a:p>
+                    <a:p>
+                      <a:pPr marL="285750" marR="0" lvl="0" indent="-285750" algn="l" defTabSz="914400" rtl="0" eaLnBrk="1" fontAlgn="auto" latinLnBrk="0" hangingPunct="1">
+                        <a:lnSpc>
+                          <a:spcPct val="100000"/>
+                        </a:lnSpc>
+                        <a:spcBef>
+                          <a:spcPts val="0"/>
+                        </a:spcBef>
+                        <a:spcAft>
+                          <a:spcPts val="0"/>
+                        </a:spcAft>
+                        <a:buClrTx/>
+                        <a:buSzTx/>
+                        <a:buFont typeface="Arial" panose="020B0604020202020204" pitchFamily="34" charset="0"/>
+                        <a:buChar char="•"/>
+                        <a:tabLst/>
+                        <a:defRPr/>
+                      </a:pPr>
+                      <a:r>
+                        <a:rPr lang="en-US" dirty="0"/>
+                        <a:t>Well supported in the market</a:t>
+                      </a:r>
+                    </a:p>
+                    <a:p>
+                      <a:pPr marL="285750" marR="0" lvl="0" indent="-285750" algn="l" defTabSz="914400" rtl="0" eaLnBrk="1" fontAlgn="auto" latinLnBrk="0" hangingPunct="1">
+                        <a:lnSpc>
+                          <a:spcPct val="100000"/>
+                        </a:lnSpc>
+                        <a:spcBef>
+                          <a:spcPts val="0"/>
+                        </a:spcBef>
+                        <a:spcAft>
+                          <a:spcPts val="0"/>
+                        </a:spcAft>
+                        <a:buClrTx/>
+                        <a:buSzTx/>
+                        <a:buFont typeface="Arial" panose="020B0604020202020204" pitchFamily="34" charset="0"/>
+                        <a:buChar char="•"/>
+                        <a:tabLst/>
+                        <a:defRPr/>
+                      </a:pPr>
+                      <a:r>
+                        <a:rPr lang="en-US" dirty="0"/>
+                        <a:t>Arduino has built in support (</a:t>
+                      </a:r>
+                      <a:r>
+                        <a:rPr lang="en-US" b="1" dirty="0"/>
+                        <a:t>A4 = SDA,  A5 = SCL</a:t>
+                      </a:r>
+                      <a:r>
+                        <a:rPr lang="en-US" dirty="0"/>
+                        <a:t>)</a:t>
+                      </a:r>
+                    </a:p>
+                    <a:p>
+                      <a:pPr marL="285750" marR="0" lvl="0" indent="-285750" algn="l" defTabSz="914400" rtl="0" eaLnBrk="1" fontAlgn="auto" latinLnBrk="0" hangingPunct="1">
+                        <a:lnSpc>
+                          <a:spcPct val="100000"/>
+                        </a:lnSpc>
+                        <a:spcBef>
+                          <a:spcPts val="0"/>
+                        </a:spcBef>
+                        <a:spcAft>
+                          <a:spcPts val="0"/>
+                        </a:spcAft>
+                        <a:buClrTx/>
+                        <a:buSzTx/>
+                        <a:buFont typeface="Arial" panose="020B0604020202020204" pitchFamily="34" charset="0"/>
+                        <a:buChar char="•"/>
+                        <a:tabLst/>
+                        <a:defRPr/>
+                      </a:pPr>
+                      <a:r>
+                        <a:rPr lang="en-US" dirty="0"/>
+                        <a:t>Many IC’s have I2C support built in. (Temperature sensors, EEPROM, display modules)</a:t>
+                      </a:r>
+                    </a:p>
+                    <a:p>
+                      <a:pPr marL="0" marR="0" lvl="0" indent="0" algn="l" defTabSz="914400" rtl="0" eaLnBrk="1" fontAlgn="auto" latinLnBrk="0" hangingPunct="1">
+                        <a:lnSpc>
+                          <a:spcPct val="100000"/>
+                        </a:lnSpc>
+                        <a:spcBef>
+                          <a:spcPts val="0"/>
+                        </a:spcBef>
+                        <a:spcAft>
+                          <a:spcPts val="0"/>
+                        </a:spcAft>
+                        <a:buClrTx/>
+                        <a:buSzTx/>
+                        <a:buFont typeface="Arial" panose="020B0604020202020204" pitchFamily="34" charset="0"/>
+                        <a:buNone/>
+                        <a:tabLst/>
+                        <a:defRPr/>
+                      </a:pPr>
+                      <a:r>
+                        <a:rPr lang="en-US" b="1" dirty="0"/>
+                        <a:t>Cons:</a:t>
+                      </a:r>
+                    </a:p>
+                    <a:p>
+                      <a:pPr marL="285750" marR="0" lvl="0" indent="-285750" algn="l" defTabSz="914400" rtl="0" eaLnBrk="1" fontAlgn="auto" latinLnBrk="0" hangingPunct="1">
+                        <a:lnSpc>
+                          <a:spcPct val="100000"/>
+                        </a:lnSpc>
+                        <a:spcBef>
+                          <a:spcPts val="0"/>
+                        </a:spcBef>
+                        <a:spcAft>
+                          <a:spcPts val="0"/>
+                        </a:spcAft>
+                        <a:buClrTx/>
+                        <a:buSzTx/>
+                        <a:buFont typeface="Arial" panose="020B0604020202020204" pitchFamily="34" charset="0"/>
+                        <a:buChar char="•"/>
+                        <a:tabLst/>
+                        <a:defRPr/>
+                      </a:pPr>
+                      <a:r>
+                        <a:rPr lang="en-US" dirty="0"/>
+                        <a:t>SDA and SCL need pullup resistors (Arduino pullup is ok)</a:t>
+                      </a:r>
+                    </a:p>
+                  </a:txBody>
+                  <a:tcPr/>
+                </a:tc>
+                <a:extLst>
+                  <a:ext uri="{0D108BD9-81ED-4DB2-BD59-A6C34878D82A}">
+                    <a16:rowId xmlns:a16="http://schemas.microsoft.com/office/drawing/2014/main" val="2494442280"/>
+                  </a:ext>
+                </a:extLst>
+              </a:tr>
+              <a:tr h="1737095">
+                <a:tc gridSpan="2">
+                  <a:txBody>
+                    <a:bodyPr/>
+                    <a:lstStyle/>
+                    <a:p>
+                      <a:r>
+                        <a:rPr lang="en-US" b="1" dirty="0"/>
+                        <a:t>Notes:</a:t>
+                      </a:r>
+                    </a:p>
+                    <a:p>
+                      <a:pPr marL="0" marR="0" lvl="0" indent="0" algn="l" defTabSz="914400" rtl="0" eaLnBrk="1" fontAlgn="auto" latinLnBrk="0" hangingPunct="1">
+                        <a:lnSpc>
+                          <a:spcPct val="100000"/>
+                        </a:lnSpc>
+                        <a:spcBef>
+                          <a:spcPts val="0"/>
+                        </a:spcBef>
+                        <a:spcAft>
+                          <a:spcPts val="0"/>
+                        </a:spcAft>
+                        <a:buClrTx/>
+                        <a:buSzTx/>
+                        <a:buFontTx/>
+                        <a:buNone/>
+                        <a:tabLst/>
+                        <a:defRPr/>
+                      </a:pPr>
+                      <a:r>
+                        <a:rPr lang="en-US" dirty="0"/>
+                        <a:t>Two applications on my own layouts</a:t>
+                      </a:r>
+                    </a:p>
+                    <a:p>
+                      <a:pPr marL="285750" marR="0" lvl="0" indent="-285750" algn="l" defTabSz="914400" rtl="0" eaLnBrk="1" fontAlgn="auto" latinLnBrk="0" hangingPunct="1">
+                        <a:lnSpc>
+                          <a:spcPct val="100000"/>
+                        </a:lnSpc>
+                        <a:spcBef>
+                          <a:spcPts val="0"/>
+                        </a:spcBef>
+                        <a:spcAft>
+                          <a:spcPts val="0"/>
+                        </a:spcAft>
+                        <a:buClrTx/>
+                        <a:buSzTx/>
+                        <a:buFont typeface="Arial" panose="020B0604020202020204" pitchFamily="34" charset="0"/>
+                        <a:buChar char="•"/>
+                        <a:tabLst/>
+                        <a:defRPr/>
+                      </a:pPr>
+                      <a:r>
+                        <a:rPr lang="en-US" dirty="0"/>
+                        <a:t>OLED station board (right)</a:t>
+                      </a:r>
+                    </a:p>
+                    <a:p>
+                      <a:pPr marL="285750" marR="0" lvl="0" indent="-285750" algn="l" defTabSz="914400" rtl="0" eaLnBrk="1" fontAlgn="auto" latinLnBrk="0" hangingPunct="1">
+                        <a:lnSpc>
+                          <a:spcPct val="100000"/>
+                        </a:lnSpc>
+                        <a:spcBef>
+                          <a:spcPts val="0"/>
+                        </a:spcBef>
+                        <a:spcAft>
+                          <a:spcPts val="0"/>
+                        </a:spcAft>
+                        <a:buClrTx/>
+                        <a:buSzTx/>
+                        <a:buFont typeface="Arial" panose="020B0604020202020204" pitchFamily="34" charset="0"/>
+                        <a:buChar char="•"/>
+                        <a:tabLst/>
+                        <a:defRPr/>
+                      </a:pPr>
+                      <a:r>
+                        <a:rPr lang="en-US" dirty="0"/>
+                        <a:t>Turntable Control Panel LCD User Interface</a:t>
+                      </a:r>
+                    </a:p>
+                    <a:p>
+                      <a:pPr marL="0" marR="0" lvl="0" indent="0" algn="l" defTabSz="914400" rtl="0" eaLnBrk="1" fontAlgn="auto" latinLnBrk="0" hangingPunct="1">
+                        <a:lnSpc>
+                          <a:spcPct val="100000"/>
+                        </a:lnSpc>
+                        <a:spcBef>
+                          <a:spcPts val="0"/>
+                        </a:spcBef>
+                        <a:spcAft>
+                          <a:spcPts val="0"/>
+                        </a:spcAft>
+                        <a:buClrTx/>
+                        <a:buSzTx/>
+                        <a:buFontTx/>
+                        <a:buNone/>
+                        <a:tabLst/>
+                        <a:defRPr/>
+                      </a:pPr>
+                      <a:r>
+                        <a:rPr lang="en-US" b="1" dirty="0"/>
+                        <a:t>Be aware:</a:t>
+                      </a:r>
+                    </a:p>
+                    <a:p>
+                      <a:pPr marL="285750" marR="0" lvl="0" indent="-285750" algn="l" defTabSz="914400" rtl="0" eaLnBrk="1" fontAlgn="auto" latinLnBrk="0" hangingPunct="1">
+                        <a:lnSpc>
+                          <a:spcPct val="100000"/>
+                        </a:lnSpc>
+                        <a:spcBef>
+                          <a:spcPts val="0"/>
+                        </a:spcBef>
+                        <a:spcAft>
+                          <a:spcPts val="0"/>
+                        </a:spcAft>
+                        <a:buClrTx/>
+                        <a:buSzTx/>
+                        <a:buFont typeface="Arial" panose="020B0604020202020204" pitchFamily="34" charset="0"/>
+                        <a:buChar char="•"/>
+                        <a:tabLst/>
+                        <a:defRPr/>
+                      </a:pPr>
+                      <a:r>
+                        <a:rPr lang="en-US" dirty="0"/>
+                        <a:t>Addresses are often fixed at factory (can’t change)</a:t>
+                      </a:r>
+                    </a:p>
+                  </a:txBody>
+                  <a:tcPr/>
+                </a:tc>
+                <a:tc hMerge="1">
+                  <a:txBody>
+                    <a:bodyPr/>
+                    <a:lstStyle/>
+                    <a:p>
+                      <a:endParaRPr lang="en-US"/>
+                    </a:p>
+                  </a:txBody>
+                  <a:tcPr/>
+                </a:tc>
+                <a:tc>
+                  <a:txBody>
+                    <a:bodyPr/>
+                    <a:lstStyle/>
+                    <a:p>
+                      <a:endParaRPr lang="en-US" dirty="0"/>
+                    </a:p>
+                  </a:txBody>
+                  <a:tcPr/>
+                </a:tc>
+                <a:extLst>
+                  <a:ext uri="{0D108BD9-81ED-4DB2-BD59-A6C34878D82A}">
+                    <a16:rowId xmlns:a16="http://schemas.microsoft.com/office/drawing/2014/main" val="1235703702"/>
+                  </a:ext>
+                </a:extLst>
+              </a:tr>
+            </a:tbl>
+          </a:graphicData>
+        </a:graphic>
+      </p:graphicFrame>
+      <p:pic>
+        <p:nvPicPr>
+          <p:cNvPr id="3" name="Picture 2">
+            <a:extLst>
+              <a:ext uri="{FF2B5EF4-FFF2-40B4-BE49-F238E27FC236}">
+                <a16:creationId xmlns:a16="http://schemas.microsoft.com/office/drawing/2014/main" id="{1E1BDAC9-2ECA-482C-843F-AABEF9B8AC2D}"/>
+              </a:ext>
+            </a:extLst>
+          </p:cNvPr>
+          <p:cNvPicPr>
+            <a:picLocks noChangeAspect="1"/>
+          </p:cNvPicPr>
+          <p:nvPr/>
+        </p:nvPicPr>
+        <p:blipFill>
+          <a:blip r:embed="rId2" cstate="email">
+            <a:extLst>
+              <a:ext uri="{28A0092B-C50C-407E-A947-70E740481C1C}">
+                <a14:useLocalDpi xmlns:a14="http://schemas.microsoft.com/office/drawing/2010/main"/>
+              </a:ext>
+            </a:extLst>
+          </a:blip>
+          <a:stretch>
+            <a:fillRect/>
+          </a:stretch>
+        </p:blipFill>
+        <p:spPr>
+          <a:xfrm>
+            <a:off x="6542585" y="1567224"/>
+            <a:ext cx="911684" cy="710872"/>
+          </a:xfrm>
+          <a:prstGeom prst="rect">
+            <a:avLst/>
+          </a:prstGeom>
+        </p:spPr>
+      </p:pic>
+      <p:pic>
+        <p:nvPicPr>
+          <p:cNvPr id="5" name="Picture 4">
+            <a:extLst>
+              <a:ext uri="{FF2B5EF4-FFF2-40B4-BE49-F238E27FC236}">
+                <a16:creationId xmlns:a16="http://schemas.microsoft.com/office/drawing/2014/main" id="{0797C6F8-98CF-42A6-83FA-1CE384B3DF3B}"/>
+              </a:ext>
+            </a:extLst>
+          </p:cNvPr>
+          <p:cNvPicPr>
+            <a:picLocks noChangeAspect="1"/>
+          </p:cNvPicPr>
+          <p:nvPr/>
+        </p:nvPicPr>
+        <p:blipFill>
+          <a:blip r:embed="rId3" cstate="email">
+            <a:extLst>
+              <a:ext uri="{28A0092B-C50C-407E-A947-70E740481C1C}">
+                <a14:useLocalDpi xmlns:a14="http://schemas.microsoft.com/office/drawing/2010/main"/>
+              </a:ext>
+            </a:extLst>
+          </a:blip>
+          <a:stretch>
+            <a:fillRect/>
+          </a:stretch>
+        </p:blipFill>
+        <p:spPr>
+          <a:xfrm>
+            <a:off x="8239479" y="1233940"/>
+            <a:ext cx="1482491" cy="1048356"/>
+          </a:xfrm>
+          <a:prstGeom prst="rect">
+            <a:avLst/>
+          </a:prstGeom>
+        </p:spPr>
+      </p:pic>
+      <p:pic>
+        <p:nvPicPr>
+          <p:cNvPr id="4" name="Picture 3">
+            <a:extLst>
+              <a:ext uri="{FF2B5EF4-FFF2-40B4-BE49-F238E27FC236}">
+                <a16:creationId xmlns:a16="http://schemas.microsoft.com/office/drawing/2014/main" id="{84875AF9-B386-5E02-EBC9-6638BDB765AD}"/>
+              </a:ext>
+            </a:extLst>
+          </p:cNvPr>
+          <p:cNvPicPr>
+            <a:picLocks noChangeAspect="1"/>
+          </p:cNvPicPr>
+          <p:nvPr/>
+        </p:nvPicPr>
+        <p:blipFill>
+          <a:blip r:embed="rId4" cstate="email">
+            <a:extLst>
+              <a:ext uri="{28A0092B-C50C-407E-A947-70E740481C1C}">
+                <a14:useLocalDpi xmlns:a14="http://schemas.microsoft.com/office/drawing/2010/main"/>
+              </a:ext>
+            </a:extLst>
+          </a:blip>
+          <a:stretch>
+            <a:fillRect/>
+          </a:stretch>
+        </p:blipFill>
+        <p:spPr>
+          <a:xfrm>
+            <a:off x="5914308" y="5222519"/>
+            <a:ext cx="3063541" cy="1265328"/>
+          </a:xfrm>
+          <a:prstGeom prst="rect">
+            <a:avLst/>
+          </a:prstGeom>
+        </p:spPr>
+      </p:pic>
+      <p:pic>
+        <p:nvPicPr>
+          <p:cNvPr id="9" name="Picture 8">
+            <a:extLst>
+              <a:ext uri="{FF2B5EF4-FFF2-40B4-BE49-F238E27FC236}">
+                <a16:creationId xmlns:a16="http://schemas.microsoft.com/office/drawing/2014/main" id="{C36190BE-DF42-3EB1-444B-DA0782A4A081}"/>
+              </a:ext>
+            </a:extLst>
+          </p:cNvPr>
+          <p:cNvPicPr>
+            <a:picLocks noChangeAspect="1"/>
+          </p:cNvPicPr>
+          <p:nvPr/>
+        </p:nvPicPr>
+        <p:blipFill>
+          <a:blip r:embed="rId5" cstate="email">
+            <a:extLst>
+              <a:ext uri="{28A0092B-C50C-407E-A947-70E740481C1C}">
+                <a14:useLocalDpi xmlns:a14="http://schemas.microsoft.com/office/drawing/2010/main"/>
+              </a:ext>
+            </a:extLst>
+          </a:blip>
+          <a:stretch>
+            <a:fillRect/>
+          </a:stretch>
+        </p:blipFill>
+        <p:spPr>
+          <a:xfrm>
+            <a:off x="10749400" y="6239363"/>
+            <a:ext cx="1116784" cy="496968"/>
+          </a:xfrm>
+          <a:prstGeom prst="rect">
+            <a:avLst/>
+          </a:prstGeom>
+        </p:spPr>
+      </p:pic>
+    </p:spTree>
+    <p:extLst>
+      <p:ext uri="{BB962C8B-B14F-4D97-AF65-F5344CB8AC3E}">
+        <p14:creationId xmlns:p14="http://schemas.microsoft.com/office/powerpoint/2010/main" val="2556668720"/>
+      </p:ext>
+    </p:extLst>
+  </p:cSld>
+  <p:clrMapOvr>
+    <a:masterClrMapping/>
+  </p:clrMapOvr>
+</p:sld>
+</file>
+
+<file path=ppt/slides/slide41.xml><?xml version="1.0" encoding="utf-8"?>
+<p:sld xmlns:a="http://schemas.openxmlformats.org/drawingml/2006/main" xmlns:r="http://schemas.openxmlformats.org/officeDocument/2006/relationships" xmlns:p="http://schemas.openxmlformats.org/presentationml/2006/main">
+  <p:cSld>
+    <p:spTree>
+      <p:nvGrpSpPr>
+        <p:cNvPr id="1" name=""/>
+        <p:cNvGrpSpPr/>
+        <p:nvPr/>
+      </p:nvGrpSpPr>
+      <p:grpSpPr>
+        <a:xfrm>
+          <a:off x="0" y="0"/>
+          <a:ext cx="0" cy="0"/>
+          <a:chOff x="0" y="0"/>
+          <a:chExt cx="0" cy="0"/>
+        </a:xfrm>
+      </p:grpSpPr>
+      <p:graphicFrame>
+        <p:nvGraphicFramePr>
+          <p:cNvPr id="7" name="Table 7">
+            <a:extLst>
+              <a:ext uri="{FF2B5EF4-FFF2-40B4-BE49-F238E27FC236}">
+                <a16:creationId xmlns:a16="http://schemas.microsoft.com/office/drawing/2014/main" id="{9B2F03AA-E6B2-4CB4-910F-7DA903FD6ED6}"/>
+              </a:ext>
+            </a:extLst>
+          </p:cNvPr>
+          <p:cNvGraphicFramePr>
+            <a:graphicFrameLocks noGrp="1"/>
+          </p:cNvGraphicFramePr>
+          <p:nvPr>
+            <p:extLst>
+              <p:ext uri="{D42A27DB-BD31-4B8C-83A1-F6EECF244321}">
                 <p14:modId xmlns:p14="http://schemas.microsoft.com/office/powerpoint/2010/main" val="2217419928"/>
               </p:ext>
             </p:extLst>
@@ -34045,7 +36922,7 @@
 </p:sld>
 </file>
 
-<file path=ppt/slides/slide41.xml><?xml version="1.0" encoding="utf-8"?>
+<file path=ppt/slides/slide42.xml><?xml version="1.0" encoding="utf-8"?>
 <p:sld xmlns:a="http://schemas.openxmlformats.org/drawingml/2006/main" xmlns:r="http://schemas.openxmlformats.org/officeDocument/2006/relationships" xmlns:p="http://schemas.openxmlformats.org/presentationml/2006/main">
   <p:cSld>
     <p:spTree>
@@ -34892,7 +37769,7 @@
 </p:sld>
 </file>
 
-<file path=ppt/slides/slide42.xml><?xml version="1.0" encoding="utf-8"?>
+<file path=ppt/slides/slide43.xml><?xml version="1.0" encoding="utf-8"?>
 <p:sld xmlns:a="http://schemas.openxmlformats.org/drawingml/2006/main" xmlns:r="http://schemas.openxmlformats.org/officeDocument/2006/relationships" xmlns:p="http://schemas.openxmlformats.org/presentationml/2006/main">
   <p:cSld>
     <p:bg>
@@ -35340,7 +38217,7 @@
           <p:nvPr/>
         </p:nvPicPr>
         <p:blipFill>
-          <a:blip r:embed="rId2">
+          <a:blip r:embed="rId3">
             <a:extLst>
               <a:ext uri="{28A0092B-C50C-407E-A947-70E740481C1C}">
                 <a14:useLocalDpi xmlns:a14="http://schemas.microsoft.com/office/drawing/2010/main"/>
@@ -35591,7 +38468,7 @@
           <p:nvPr/>
         </p:nvPicPr>
         <p:blipFill>
-          <a:blip r:embed="rId3" cstate="email">
+          <a:blip r:embed="rId4" cstate="email">
             <a:extLst>
               <a:ext uri="{28A0092B-C50C-407E-A947-70E740481C1C}">
                 <a14:useLocalDpi xmlns:a14="http://schemas.microsoft.com/office/drawing/2010/main"/>
@@ -36051,7 +38928,7 @@
           <p:nvPr/>
         </p:nvPicPr>
         <p:blipFill>
-          <a:blip r:embed="rId2" cstate="email">
+          <a:blip r:embed="rId3" cstate="email">
             <a:extLst>
               <a:ext uri="{28A0092B-C50C-407E-A947-70E740481C1C}">
                 <a14:useLocalDpi xmlns:a14="http://schemas.microsoft.com/office/drawing/2010/main"/>
@@ -36087,7 +38964,7 @@
           <p:nvPr/>
         </p:nvPicPr>
         <p:blipFill>
-          <a:blip r:embed="rId3" cstate="email">
+          <a:blip r:embed="rId4" cstate="email">
             <a:extLst>
               <a:ext uri="{28A0092B-C50C-407E-A947-70E740481C1C}">
                 <a14:useLocalDpi xmlns:a14="http://schemas.microsoft.com/office/drawing/2010/main"/>
@@ -36339,7 +39216,7 @@
           <p:nvPr/>
         </p:nvPicPr>
         <p:blipFill>
-          <a:blip r:embed="rId2" cstate="email">
+          <a:blip r:embed="rId3" cstate="email">
             <a:extLst>
               <a:ext uri="{28A0092B-C50C-407E-A947-70E740481C1C}">
                 <a14:useLocalDpi xmlns:a14="http://schemas.microsoft.com/office/drawing/2010/main"/>
@@ -36712,7 +39589,7 @@
           <p:nvPr/>
         </p:nvPicPr>
         <p:blipFill>
-          <a:blip r:embed="rId3" cstate="email">
+          <a:blip r:embed="rId4" cstate="email">
             <a:extLst>
               <a:ext uri="{28A0092B-C50C-407E-A947-70E740481C1C}">
                 <a14:useLocalDpi xmlns:a14="http://schemas.microsoft.com/office/drawing/2010/main"/>
@@ -36902,13 +39779,13 @@
           <p:nvPr/>
         </p:nvPicPr>
         <p:blipFill>
-          <a:blip r:embed="rId4" cstate="email">
+          <a:blip r:embed="rId5" cstate="email">
             <a:extLst>
               <a:ext uri="{28A0092B-C50C-407E-A947-70E740481C1C}">
                 <a14:useLocalDpi xmlns:a14="http://schemas.microsoft.com/office/drawing/2010/main"/>
               </a:ext>
               <a:ext uri="{837473B0-CC2E-450A-ABE3-18F120FF3D39}">
-                <a1611:picAttrSrcUrl xmlns:a1611="http://schemas.microsoft.com/office/drawing/2016/11/main" r:id="rId5"/>
+                <a1611:picAttrSrcUrl xmlns:a1611="http://schemas.microsoft.com/office/drawing/2016/11/main" r:id="rId6"/>
               </a:ext>
             </a:extLst>
           </a:blip>
@@ -38093,7 +40970,7 @@
           <p:nvPr/>
         </p:nvPicPr>
         <p:blipFill>
-          <a:blip r:embed="rId2" cstate="email">
+          <a:blip r:embed="rId3" cstate="email">
             <a:extLst>
               <a:ext uri="{28A0092B-C50C-407E-A947-70E740481C1C}">
                 <a14:useLocalDpi xmlns:a14="http://schemas.microsoft.com/office/drawing/2010/main"/>
@@ -38822,7 +41699,7 @@
           <p:nvPr/>
         </p:nvPicPr>
         <p:blipFill>
-          <a:blip r:embed="rId3"/>
+          <a:blip r:embed="rId4"/>
           <a:stretch>
             <a:fillRect/>
           </a:stretch>
@@ -39083,13 +41960,13 @@
           <p:nvPr/>
         </p:nvPicPr>
         <p:blipFill>
-          <a:blip r:embed="rId4" cstate="email">
+          <a:blip r:embed="rId5" cstate="email">
             <a:extLst>
               <a:ext uri="{28A0092B-C50C-407E-A947-70E740481C1C}">
                 <a14:useLocalDpi xmlns:a14="http://schemas.microsoft.com/office/drawing/2010/main"/>
               </a:ext>
               <a:ext uri="{837473B0-CC2E-450A-ABE3-18F120FF3D39}">
-                <a1611:picAttrSrcUrl xmlns:a1611="http://schemas.microsoft.com/office/drawing/2016/11/main" r:id="rId5"/>
+                <a1611:picAttrSrcUrl xmlns:a1611="http://schemas.microsoft.com/office/drawing/2016/11/main" r:id="rId6"/>
               </a:ext>
             </a:extLst>
           </a:blip>
@@ -39730,7 +42607,7 @@
           <p:nvPr/>
         </p:nvPicPr>
         <p:blipFill>
-          <a:blip r:embed="rId2" cstate="email">
+          <a:blip r:embed="rId3" cstate="email">
             <a:extLst>
               <a:ext uri="{28A0092B-C50C-407E-A947-70E740481C1C}">
                 <a14:useLocalDpi xmlns:a14="http://schemas.microsoft.com/office/drawing/2010/main"/>
@@ -40351,7 +43228,7 @@
           <p:nvPr/>
         </p:nvPicPr>
         <p:blipFill>
-          <a:blip r:embed="rId3" cstate="email">
+          <a:blip r:embed="rId4" cstate="email">
             <a:extLst>
               <a:ext uri="{28A0092B-C50C-407E-A947-70E740481C1C}">
                 <a14:useLocalDpi xmlns:a14="http://schemas.microsoft.com/office/drawing/2010/main"/>
@@ -40387,13 +43264,13 @@
           <p:nvPr/>
         </p:nvPicPr>
         <p:blipFill>
-          <a:blip r:embed="rId4" cstate="email">
+          <a:blip r:embed="rId5" cstate="email">
             <a:extLst>
               <a:ext uri="{28A0092B-C50C-407E-A947-70E740481C1C}">
                 <a14:useLocalDpi xmlns:a14="http://schemas.microsoft.com/office/drawing/2010/main"/>
               </a:ext>
               <a:ext uri="{837473B0-CC2E-450A-ABE3-18F120FF3D39}">
-                <a1611:picAttrSrcUrl xmlns:a1611="http://schemas.microsoft.com/office/drawing/2016/11/main" r:id="rId5"/>
+                <a1611:picAttrSrcUrl xmlns:a1611="http://schemas.microsoft.com/office/drawing/2016/11/main" r:id="rId6"/>
               </a:ext>
             </a:extLst>
           </a:blip>
@@ -42119,4 +44996,30 @@
     </a:ext>
   </a:extLst>
 </a:theme>
+</file>
+
+<file path=ppt/webextensions/webextension1.xml><?xml version="1.0" encoding="utf-8"?>
+<we:webextension xmlns:we="http://schemas.microsoft.com/office/webextensions/webextension/2010/11" id="{EF059983-6395-47CF-B40D-56BA112495F9}">
+  <we:reference id="wa104382064" version="1.0.0.2" store="en-US" storeType="OMEX"/>
+  <we:alternateReferences>
+    <we:reference id="WA104382064" version="1.0.0.2" store="WA104382064" storeType="OMEX"/>
+  </we:alternateReferences>
+  <we:properties>
+    <we:property name="HH" value="0"/>
+    <we:property name="HH-reminder" value="&quot;--&quot;"/>
+    <we:property name="MM" value="3"/>
+    <we:property name="MM-reminder" value="&quot;--&quot;"/>
+    <we:property name="SS" value="0"/>
+    <we:property name="SS-reminder" value="&quot;--&quot;"/>
+    <we:property name="canvash" value="375"/>
+    <we:property name="canvasw" value="375"/>
+    <we:property name="clocktype" value="&quot;digital&quot;"/>
+    <we:property name="interval" value="5"/>
+    <we:property name="radius" value="168.75"/>
+    <we:property name="tickType" value="&quot;tick&quot;"/>
+    <we:property name="timeupType" value="&quot;alarm&quot;"/>
+  </we:properties>
+  <we:bindings/>
+  <we:snapshot xmlns:r="http://schemas.openxmlformats.org/officeDocument/2006/relationships" r:embed="rId1"/>
+</we:webextension>
 </file>
--- a/Arduino IO Compendium.pptx
+++ b/Arduino IO Compendium.pptx
@@ -5,7 +5,7 @@
     <p:sldMasterId id="2147483648" r:id="rId1"/>
   </p:sldMasterIdLst>
   <p:notesMasterIdLst>
-    <p:notesMasterId r:id="rId45"/>
+    <p:notesMasterId r:id="rId46"/>
   </p:notesMasterIdLst>
   <p:sldIdLst>
     <p:sldId id="336" r:id="rId2"/>
@@ -24,33 +24,34 @@
     <p:sldId id="355" r:id="rId15"/>
     <p:sldId id="356" r:id="rId16"/>
     <p:sldId id="319" r:id="rId17"/>
-    <p:sldId id="320" r:id="rId18"/>
-    <p:sldId id="364" r:id="rId19"/>
-    <p:sldId id="357" r:id="rId20"/>
-    <p:sldId id="367" r:id="rId21"/>
-    <p:sldId id="321" r:id="rId22"/>
-    <p:sldId id="379" r:id="rId23"/>
-    <p:sldId id="365" r:id="rId24"/>
-    <p:sldId id="366" r:id="rId25"/>
-    <p:sldId id="322" r:id="rId26"/>
-    <p:sldId id="361" r:id="rId27"/>
-    <p:sldId id="368" r:id="rId28"/>
-    <p:sldId id="323" r:id="rId29"/>
-    <p:sldId id="324" r:id="rId30"/>
-    <p:sldId id="369" r:id="rId31"/>
-    <p:sldId id="348" r:id="rId32"/>
-    <p:sldId id="359" r:id="rId33"/>
-    <p:sldId id="370" r:id="rId34"/>
-    <p:sldId id="371" r:id="rId35"/>
-    <p:sldId id="352" r:id="rId36"/>
-    <p:sldId id="372" r:id="rId37"/>
-    <p:sldId id="326" r:id="rId38"/>
-    <p:sldId id="377" r:id="rId39"/>
-    <p:sldId id="375" r:id="rId40"/>
-    <p:sldId id="327" r:id="rId41"/>
-    <p:sldId id="376" r:id="rId42"/>
-    <p:sldId id="378" r:id="rId43"/>
-    <p:sldId id="373" r:id="rId44"/>
+    <p:sldId id="380" r:id="rId18"/>
+    <p:sldId id="320" r:id="rId19"/>
+    <p:sldId id="364" r:id="rId20"/>
+    <p:sldId id="357" r:id="rId21"/>
+    <p:sldId id="367" r:id="rId22"/>
+    <p:sldId id="321" r:id="rId23"/>
+    <p:sldId id="379" r:id="rId24"/>
+    <p:sldId id="365" r:id="rId25"/>
+    <p:sldId id="366" r:id="rId26"/>
+    <p:sldId id="322" r:id="rId27"/>
+    <p:sldId id="361" r:id="rId28"/>
+    <p:sldId id="368" r:id="rId29"/>
+    <p:sldId id="323" r:id="rId30"/>
+    <p:sldId id="324" r:id="rId31"/>
+    <p:sldId id="369" r:id="rId32"/>
+    <p:sldId id="348" r:id="rId33"/>
+    <p:sldId id="359" r:id="rId34"/>
+    <p:sldId id="370" r:id="rId35"/>
+    <p:sldId id="371" r:id="rId36"/>
+    <p:sldId id="352" r:id="rId37"/>
+    <p:sldId id="372" r:id="rId38"/>
+    <p:sldId id="326" r:id="rId39"/>
+    <p:sldId id="377" r:id="rId40"/>
+    <p:sldId id="375" r:id="rId41"/>
+    <p:sldId id="327" r:id="rId42"/>
+    <p:sldId id="376" r:id="rId43"/>
+    <p:sldId id="378" r:id="rId44"/>
+    <p:sldId id="373" r:id="rId45"/>
   </p:sldIdLst>
   <p:sldSz cx="12192000" cy="6858000"/>
   <p:notesSz cx="7016750" cy="9309100"/>
@@ -264,7 +265,7 @@
           <a:p>
             <a:fld id="{12054D22-7DC6-4818-8DE5-E280DFD5FB49}" type="datetimeFigureOut">
               <a:rPr lang="en-US" smtClean="0"/>
-              <a:t>5/14/2022</a:t>
+              <a:t>5/16/2022</a:t>
             </a:fld>
             <a:endParaRPr lang="en-US"/>
           </a:p>
@@ -664,7 +665,7 @@
           <a:p>
             <a:r>
               <a:rPr lang="en-US" dirty="0"/>
-              <a:t>PWM</a:t>
+              <a:t>PWM – denoted by the little squiggly line on some of the pins.</a:t>
             </a:r>
           </a:p>
         </p:txBody>
@@ -841,6 +842,12 @@
               <a:t>Deep down – Ports and Interrupts</a:t>
             </a:r>
           </a:p>
+          <a:p>
+            <a:r>
+              <a:rPr lang="en-US" dirty="0"/>
+              <a:t>Rounding off the things we have not yet talked about on our NANO Pinout MAP</a:t>
+            </a:r>
+          </a:p>
         </p:txBody>
       </p:sp>
       <p:sp>
@@ -925,7 +932,19 @@
           <a:p>
             <a:r>
               <a:rPr lang="en-US" dirty="0"/>
-              <a:t>Devices</a:t>
+              <a:t>A nano running the most sophisticated program in the world is not going to do too much if it does not have any I/O</a:t>
+            </a:r>
+          </a:p>
+          <a:p>
+            <a:r>
+              <a:rPr lang="en-US" dirty="0"/>
+              <a:t>Normally we would connect ‘Sensors’ to input pins (Analog or Digital)</a:t>
+            </a:r>
+          </a:p>
+          <a:p>
+            <a:r>
+              <a:rPr lang="en-US" dirty="0"/>
+              <a:t>We would connect ‘Actuators’ to output pins (again A or D)</a:t>
             </a:r>
           </a:p>
         </p:txBody>
@@ -1012,19 +1031,19 @@
           <a:p>
             <a:r>
               <a:rPr lang="en-US" dirty="0"/>
-              <a:t>Note diagram on electrical contacts.</a:t>
+              <a:t>Starting off with a simple switch – the page sets the pattern for all the other I/O devices to be covered.</a:t>
             </a:r>
           </a:p>
           <a:p>
             <a:r>
               <a:rPr lang="en-US" dirty="0"/>
-              <a:t>This diagram applies to a switch where our finger moves the contact over</a:t>
+              <a:t>Note diagram on electrical contacts.  This diagram applies to a switch where our finger moves the contact over</a:t>
             </a:r>
           </a:p>
           <a:p>
             <a:r>
               <a:rPr lang="en-US" dirty="0"/>
-              <a:t>Also applies to a relay – where an electromagnet moves the contact over.</a:t>
+              <a:t>But it also applies to a relay – where an electromagnet moves the contact over.</a:t>
             </a:r>
           </a:p>
           <a:p>
@@ -1033,7 +1052,19 @@
           <a:p>
             <a:r>
               <a:rPr lang="en-US" dirty="0"/>
-              <a:t>Other common arrangements include DPDT   (two independent common terminals, each feeding two output terminals .. Changeover of both happens at same time.)</a:t>
+              <a:t>Other common arrangements include DPDT  (Double Pole – Double Throw)</a:t>
+            </a:r>
+          </a:p>
+          <a:p>
+            <a:r>
+              <a:rPr lang="en-US" dirty="0"/>
+              <a:t>(two independent common terminals (the Poles) and each pole feedings two output terminals (Double Throw).</a:t>
+            </a:r>
+          </a:p>
+          <a:p>
+            <a:r>
+              <a:rPr lang="en-US" dirty="0"/>
+              <a:t>Note that changeover of both poles happens at same time</a:t>
             </a:r>
           </a:p>
           <a:p>
@@ -1127,7 +1158,28 @@
           <a:bodyPr/>
           <a:lstStyle/>
           <a:p>
-            <a:endParaRPr lang="en-US"/>
+            <a:r>
+              <a:rPr lang="en-US" dirty="0"/>
+              <a:t>In between a simple switch and full on sensor this little module can save a lot of pins.</a:t>
+            </a:r>
+          </a:p>
+          <a:p>
+            <a:r>
+              <a:rPr lang="en-US" dirty="0"/>
+              <a:t>The ladder schematic shown is a simple one to get the idea across.</a:t>
+            </a:r>
+          </a:p>
+          <a:p>
+            <a:r>
+              <a:rPr lang="en-US" dirty="0"/>
+              <a:t>It could easily be built from external components and use any number of buttons.</a:t>
+            </a:r>
+          </a:p>
+          <a:p>
+            <a:r>
+              <a:rPr lang="en-US" dirty="0"/>
+              <a:t>The Red module has a more sophisticated ladder (different R values and arranged differently)</a:t>
+            </a:r>
           </a:p>
         </p:txBody>
       </p:sp>
@@ -1295,28 +1347,7 @@
           <a:bodyPr/>
           <a:lstStyle/>
           <a:p>
-            <a:r>
-              <a:rPr lang="en-US" dirty="0"/>
-              <a:t>My demonstration layout uses two sets of three LDR’s.</a:t>
-            </a:r>
-          </a:p>
-          <a:p>
-            <a:endParaRPr lang="en-US" dirty="0"/>
-          </a:p>
-          <a:p>
-            <a:r>
-              <a:rPr lang="en-US" dirty="0"/>
-              <a:t>Each set of three is smoothed, then averaged. If any single value differs from the average it’s digital value is triggered. Before acting on those digitals I also used debounce logic.</a:t>
-            </a:r>
-          </a:p>
-          <a:p>
-            <a:endParaRPr lang="en-US" dirty="0"/>
-          </a:p>
-          <a:p>
-            <a:r>
-              <a:rPr lang="en-US" dirty="0"/>
-              <a:t>Ran flawlessly over a two day show triggering sound effects and also a mimic panel.</a:t>
-            </a:r>
+            <a:endParaRPr lang="en-US"/>
           </a:p>
         </p:txBody>
       </p:sp>
@@ -1346,7 +1377,7 @@
     </p:spTree>
     <p:extLst>
       <p:ext uri="{BB962C8B-B14F-4D97-AF65-F5344CB8AC3E}">
-        <p14:creationId xmlns:p14="http://schemas.microsoft.com/office/powerpoint/2010/main" val="1738908184"/>
+        <p14:creationId xmlns:p14="http://schemas.microsoft.com/office/powerpoint/2010/main" val="1087026231"/>
       </p:ext>
     </p:extLst>
   </p:cSld>
@@ -1400,7 +1431,28 @@
           <a:bodyPr/>
           <a:lstStyle/>
           <a:p>
-            <a:endParaRPr lang="en-US"/>
+            <a:r>
+              <a:rPr lang="en-US" dirty="0"/>
+              <a:t>My demonstration layout uses two sets of three LDR’s.</a:t>
+            </a:r>
+          </a:p>
+          <a:p>
+            <a:endParaRPr lang="en-US" dirty="0"/>
+          </a:p>
+          <a:p>
+            <a:r>
+              <a:rPr lang="en-US" dirty="0"/>
+              <a:t>Each set of three is smoothed, then averaged. If any single value differs from the average it’s digital value is triggered. Before acting on those digitals I also used debounce logic.</a:t>
+            </a:r>
+          </a:p>
+          <a:p>
+            <a:endParaRPr lang="en-US" dirty="0"/>
+          </a:p>
+          <a:p>
+            <a:r>
+              <a:rPr lang="en-US" dirty="0"/>
+              <a:t>Ran flawlessly over a two day show triggering sound effects and also a mimic panel.</a:t>
+            </a:r>
           </a:p>
         </p:txBody>
       </p:sp>
@@ -1430,7 +1482,7 @@
     </p:spTree>
     <p:extLst>
       <p:ext uri="{BB962C8B-B14F-4D97-AF65-F5344CB8AC3E}">
-        <p14:creationId xmlns:p14="http://schemas.microsoft.com/office/powerpoint/2010/main" val="2800627613"/>
+        <p14:creationId xmlns:p14="http://schemas.microsoft.com/office/powerpoint/2010/main" val="1738908184"/>
       </p:ext>
     </p:extLst>
   </p:cSld>
@@ -1514,7 +1566,7 @@
     </p:spTree>
     <p:extLst>
       <p:ext uri="{BB962C8B-B14F-4D97-AF65-F5344CB8AC3E}">
-        <p14:creationId xmlns:p14="http://schemas.microsoft.com/office/powerpoint/2010/main" val="1335960922"/>
+        <p14:creationId xmlns:p14="http://schemas.microsoft.com/office/powerpoint/2010/main" val="2800627613"/>
       </p:ext>
     </p:extLst>
   </p:cSld>
@@ -1700,7 +1752,7 @@
     </p:spTree>
     <p:extLst>
       <p:ext uri="{BB962C8B-B14F-4D97-AF65-F5344CB8AC3E}">
-        <p14:creationId xmlns:p14="http://schemas.microsoft.com/office/powerpoint/2010/main" val="2727751167"/>
+        <p14:creationId xmlns:p14="http://schemas.microsoft.com/office/powerpoint/2010/main" val="1335960922"/>
       </p:ext>
     </p:extLst>
   </p:cSld>
@@ -1784,7 +1836,7 @@
     </p:spTree>
     <p:extLst>
       <p:ext uri="{BB962C8B-B14F-4D97-AF65-F5344CB8AC3E}">
-        <p14:creationId xmlns:p14="http://schemas.microsoft.com/office/powerpoint/2010/main" val="864502551"/>
+        <p14:creationId xmlns:p14="http://schemas.microsoft.com/office/powerpoint/2010/main" val="2727751167"/>
       </p:ext>
     </p:extLst>
   </p:cSld>
@@ -1868,7 +1920,7 @@
     </p:spTree>
     <p:extLst>
       <p:ext uri="{BB962C8B-B14F-4D97-AF65-F5344CB8AC3E}">
-        <p14:creationId xmlns:p14="http://schemas.microsoft.com/office/powerpoint/2010/main" val="1348732821"/>
+        <p14:creationId xmlns:p14="http://schemas.microsoft.com/office/powerpoint/2010/main" val="864502551"/>
       </p:ext>
     </p:extLst>
   </p:cSld>
@@ -1952,7 +2004,7 @@
     </p:spTree>
     <p:extLst>
       <p:ext uri="{BB962C8B-B14F-4D97-AF65-F5344CB8AC3E}">
-        <p14:creationId xmlns:p14="http://schemas.microsoft.com/office/powerpoint/2010/main" val="1217123365"/>
+        <p14:creationId xmlns:p14="http://schemas.microsoft.com/office/powerpoint/2010/main" val="1348732821"/>
       </p:ext>
     </p:extLst>
   </p:cSld>
@@ -2036,7 +2088,7 @@
     </p:spTree>
     <p:extLst>
       <p:ext uri="{BB962C8B-B14F-4D97-AF65-F5344CB8AC3E}">
-        <p14:creationId xmlns:p14="http://schemas.microsoft.com/office/powerpoint/2010/main" val="1183925624"/>
+        <p14:creationId xmlns:p14="http://schemas.microsoft.com/office/powerpoint/2010/main" val="1217123365"/>
       </p:ext>
     </p:extLst>
   </p:cSld>
@@ -2120,7 +2172,7 @@
     </p:spTree>
     <p:extLst>
       <p:ext uri="{BB962C8B-B14F-4D97-AF65-F5344CB8AC3E}">
-        <p14:creationId xmlns:p14="http://schemas.microsoft.com/office/powerpoint/2010/main" val="2464502102"/>
+        <p14:creationId xmlns:p14="http://schemas.microsoft.com/office/powerpoint/2010/main" val="1183925624"/>
       </p:ext>
     </p:extLst>
   </p:cSld>
@@ -2174,7 +2226,10 @@
           <a:bodyPr/>
           <a:lstStyle/>
           <a:p>
-            <a:endParaRPr lang="en-US"/>
+            <a:r>
+              <a:rPr lang="en-US" dirty="0"/>
+              <a:t>Relays come in all sizes and configurations. </a:t>
+            </a:r>
           </a:p>
         </p:txBody>
       </p:sp>
@@ -2204,7 +2259,7 @@
     </p:spTree>
     <p:extLst>
       <p:ext uri="{BB962C8B-B14F-4D97-AF65-F5344CB8AC3E}">
-        <p14:creationId xmlns:p14="http://schemas.microsoft.com/office/powerpoint/2010/main" val="515819040"/>
+        <p14:creationId xmlns:p14="http://schemas.microsoft.com/office/powerpoint/2010/main" val="2464502102"/>
       </p:ext>
     </p:extLst>
   </p:cSld>
@@ -2288,6 +2343,90 @@
     </p:spTree>
     <p:extLst>
       <p:ext uri="{BB962C8B-B14F-4D97-AF65-F5344CB8AC3E}">
+        <p14:creationId xmlns:p14="http://schemas.microsoft.com/office/powerpoint/2010/main" val="515819040"/>
+      </p:ext>
+    </p:extLst>
+  </p:cSld>
+  <p:clrMapOvr>
+    <a:masterClrMapping/>
+  </p:clrMapOvr>
+</p:notes>
+</file>
+
+<file path=ppt/notesSlides/notesSlide28.xml><?xml version="1.0" encoding="utf-8"?>
+<p:notes xmlns:a="http://schemas.openxmlformats.org/drawingml/2006/main" xmlns:r="http://schemas.openxmlformats.org/officeDocument/2006/relationships" xmlns:p="http://schemas.openxmlformats.org/presentationml/2006/main">
+  <p:cSld>
+    <p:spTree>
+      <p:nvGrpSpPr>
+        <p:cNvPr id="1" name=""/>
+        <p:cNvGrpSpPr/>
+        <p:nvPr/>
+      </p:nvGrpSpPr>
+      <p:grpSpPr>
+        <a:xfrm>
+          <a:off x="0" y="0"/>
+          <a:ext cx="0" cy="0"/>
+          <a:chOff x="0" y="0"/>
+          <a:chExt cx="0" cy="0"/>
+        </a:xfrm>
+      </p:grpSpPr>
+      <p:sp>
+        <p:nvSpPr>
+          <p:cNvPr id="2" name="Slide Image Placeholder 1"/>
+          <p:cNvSpPr>
+            <a:spLocks noGrp="1" noRot="1" noChangeAspect="1"/>
+          </p:cNvSpPr>
+          <p:nvPr>
+            <p:ph type="sldImg"/>
+          </p:nvPr>
+        </p:nvSpPr>
+        <p:spPr/>
+      </p:sp>
+      <p:sp>
+        <p:nvSpPr>
+          <p:cNvPr id="3" name="Notes Placeholder 2"/>
+          <p:cNvSpPr>
+            <a:spLocks noGrp="1"/>
+          </p:cNvSpPr>
+          <p:nvPr>
+            <p:ph type="body" idx="1"/>
+          </p:nvPr>
+        </p:nvSpPr>
+        <p:spPr/>
+        <p:txBody>
+          <a:bodyPr/>
+          <a:lstStyle/>
+          <a:p>
+            <a:endParaRPr lang="en-US"/>
+          </a:p>
+        </p:txBody>
+      </p:sp>
+      <p:sp>
+        <p:nvSpPr>
+          <p:cNvPr id="4" name="Slide Number Placeholder 3"/>
+          <p:cNvSpPr>
+            <a:spLocks noGrp="1"/>
+          </p:cNvSpPr>
+          <p:nvPr>
+            <p:ph type="sldNum" sz="quarter" idx="5"/>
+          </p:nvPr>
+        </p:nvSpPr>
+        <p:spPr/>
+        <p:txBody>
+          <a:bodyPr/>
+          <a:lstStyle/>
+          <a:p>
+            <a:fld id="{4573CD83-9A02-4825-93C1-7C2EF9CD9900}" type="slidenum">
+              <a:rPr lang="en-US" smtClean="0"/>
+              <a:t>28</a:t>
+            </a:fld>
+            <a:endParaRPr lang="en-US"/>
+          </a:p>
+        </p:txBody>
+      </p:sp>
+    </p:spTree>
+    <p:extLst>
+      <p:ext uri="{BB962C8B-B14F-4D97-AF65-F5344CB8AC3E}">
         <p14:creationId xmlns:p14="http://schemas.microsoft.com/office/powerpoint/2010/main" val="1731622598"/>
       </p:ext>
     </p:extLst>
@@ -2298,7 +2437,7 @@
 </p:notes>
 </file>
 
-<file path=ppt/notesSlides/notesSlide28.xml><?xml version="1.0" encoding="utf-8"?>
+<file path=ppt/notesSlides/notesSlide29.xml><?xml version="1.0" encoding="utf-8"?>
 <p:notes xmlns:a="http://schemas.openxmlformats.org/drawingml/2006/main" xmlns:r="http://schemas.openxmlformats.org/officeDocument/2006/relationships" xmlns:p="http://schemas.openxmlformats.org/presentationml/2006/main">
   <p:cSld>
     <p:spTree>
@@ -2363,7 +2502,7 @@
           <a:p>
             <a:fld id="{4573CD83-9A02-4825-93C1-7C2EF9CD9900}" type="slidenum">
               <a:rPr lang="en-US" smtClean="0"/>
-              <a:t>29</a:t>
+              <a:t>30</a:t>
             </a:fld>
             <a:endParaRPr lang="en-US"/>
           </a:p>
@@ -2428,7 +2567,13 @@
           <a:p>
             <a:r>
               <a:rPr lang="en-US" dirty="0"/>
-              <a:t>Basic terminology. Re sad face – The only person who never made a mistake – never did anything.</a:t>
+              <a:t>Basic terminology. </a:t>
+            </a:r>
+          </a:p>
+          <a:p>
+            <a:r>
+              <a:rPr lang="en-US" dirty="0"/>
+              <a:t>Re sad face – The only person who never made a mistake – never did anything.</a:t>
             </a:r>
           </a:p>
         </p:txBody>
@@ -2460,6 +2605,90 @@
     <p:extLst>
       <p:ext uri="{BB962C8B-B14F-4D97-AF65-F5344CB8AC3E}">
         <p14:creationId xmlns:p14="http://schemas.microsoft.com/office/powerpoint/2010/main" val="1623043127"/>
+      </p:ext>
+    </p:extLst>
+  </p:cSld>
+  <p:clrMapOvr>
+    <a:masterClrMapping/>
+  </p:clrMapOvr>
+</p:notes>
+</file>
+
+<file path=ppt/notesSlides/notesSlide30.xml><?xml version="1.0" encoding="utf-8"?>
+<p:notes xmlns:a="http://schemas.openxmlformats.org/drawingml/2006/main" xmlns:r="http://schemas.openxmlformats.org/officeDocument/2006/relationships" xmlns:p="http://schemas.openxmlformats.org/presentationml/2006/main">
+  <p:cSld>
+    <p:spTree>
+      <p:nvGrpSpPr>
+        <p:cNvPr id="1" name=""/>
+        <p:cNvGrpSpPr/>
+        <p:nvPr/>
+      </p:nvGrpSpPr>
+      <p:grpSpPr>
+        <a:xfrm>
+          <a:off x="0" y="0"/>
+          <a:ext cx="0" cy="0"/>
+          <a:chOff x="0" y="0"/>
+          <a:chExt cx="0" cy="0"/>
+        </a:xfrm>
+      </p:grpSpPr>
+      <p:sp>
+        <p:nvSpPr>
+          <p:cNvPr id="2" name="Slide Image Placeholder 1"/>
+          <p:cNvSpPr>
+            <a:spLocks noGrp="1" noRot="1" noChangeAspect="1"/>
+          </p:cNvSpPr>
+          <p:nvPr>
+            <p:ph type="sldImg"/>
+          </p:nvPr>
+        </p:nvSpPr>
+        <p:spPr/>
+      </p:sp>
+      <p:sp>
+        <p:nvSpPr>
+          <p:cNvPr id="3" name="Notes Placeholder 2"/>
+          <p:cNvSpPr>
+            <a:spLocks noGrp="1"/>
+          </p:cNvSpPr>
+          <p:nvPr>
+            <p:ph type="body" idx="1"/>
+          </p:nvPr>
+        </p:nvSpPr>
+        <p:spPr/>
+        <p:txBody>
+          <a:bodyPr/>
+          <a:lstStyle/>
+          <a:p>
+            <a:endParaRPr lang="en-US" dirty="0"/>
+          </a:p>
+        </p:txBody>
+      </p:sp>
+      <p:sp>
+        <p:nvSpPr>
+          <p:cNvPr id="4" name="Slide Number Placeholder 3"/>
+          <p:cNvSpPr>
+            <a:spLocks noGrp="1"/>
+          </p:cNvSpPr>
+          <p:nvPr>
+            <p:ph type="sldNum" sz="quarter" idx="5"/>
+          </p:nvPr>
+        </p:nvSpPr>
+        <p:spPr/>
+        <p:txBody>
+          <a:bodyPr/>
+          <a:lstStyle/>
+          <a:p>
+            <a:fld id="{4573CD83-9A02-4825-93C1-7C2EF9CD9900}" type="slidenum">
+              <a:rPr lang="en-US" smtClean="0"/>
+              <a:t>42</a:t>
+            </a:fld>
+            <a:endParaRPr lang="en-US"/>
+          </a:p>
+        </p:txBody>
+      </p:sp>
+    </p:spTree>
+    <p:extLst>
+      <p:ext uri="{BB962C8B-B14F-4D97-AF65-F5344CB8AC3E}">
+        <p14:creationId xmlns:p14="http://schemas.microsoft.com/office/powerpoint/2010/main" val="2857464309"/>
       </p:ext>
     </p:extLst>
   </p:cSld>
@@ -2707,6 +2936,18 @@
               <a:t>We will go into more detail on the pin groupings shortly.</a:t>
             </a:r>
           </a:p>
+          <a:p>
+            <a:r>
+              <a:rPr lang="en-US" dirty="0"/>
+              <a:t>Similar diagrams exist for other Arduino platforms – but we will focus on the NANO.</a:t>
+            </a:r>
+          </a:p>
+          <a:p>
+            <a:r>
+              <a:rPr lang="en-US" dirty="0"/>
+              <a:t>The capability of the others (pin vs pin) is similar but there may be more or less of those pins.</a:t>
+            </a:r>
+          </a:p>
         </p:txBody>
       </p:sp>
       <p:sp>
@@ -2794,6 +3035,12 @@
               <a:t>Power and Ground pins.</a:t>
             </a:r>
           </a:p>
+          <a:p>
+            <a:r>
+              <a:rPr lang="en-US" dirty="0"/>
+              <a:t>I Introduce the RST and AREF pin here – only because they have to go somewhere. </a:t>
+            </a:r>
+          </a:p>
         </p:txBody>
       </p:sp>
       <p:sp>
@@ -2878,7 +3125,19 @@
           <a:p>
             <a:r>
               <a:rPr lang="en-US" dirty="0"/>
-              <a:t>Digitals</a:t>
+              <a:t>Digitals. A lot of pins to choose from. Which one to use may depend on ‘the alternate uses for these pins’</a:t>
+            </a:r>
+          </a:p>
+          <a:p>
+            <a:r>
+              <a:rPr lang="en-US" dirty="0"/>
+              <a:t>I will keeping some pins available just out of habit - because they have a lot of flexibility and designs do evolve.</a:t>
+            </a:r>
+          </a:p>
+          <a:p>
+            <a:r>
+              <a:rPr lang="en-US" dirty="0"/>
+              <a:t>For example – D13 has a built in LED – very handy for quick and dirty troubleshooting (LED on when entering a function, off when leaving the function)</a:t>
             </a:r>
           </a:p>
         </p:txBody>
@@ -2968,6 +3227,12 @@
               <a:t>Analog Inputs</a:t>
             </a:r>
           </a:p>
+          <a:p>
+            <a:r>
+              <a:rPr lang="en-US" dirty="0"/>
+              <a:t>Just like D13 on the digitals here I like to keep A4/A5 available where possible – in case I2C might be needed. </a:t>
+            </a:r>
+          </a:p>
         </p:txBody>
       </p:sp>
       <p:sp>
@@ -3153,7 +3418,7 @@
           <a:p>
             <a:fld id="{12D35354-3C70-45FE-A7BC-FEBCE88C825A}" type="datetime8">
               <a:rPr lang="en-US" smtClean="0"/>
-              <a:t>5/14/2022 8:36 AM</a:t>
+              <a:t>5/16/2022 10:27 PM</a:t>
             </a:fld>
             <a:endParaRPr lang="en-US"/>
           </a:p>
@@ -3351,7 +3616,7 @@
           <a:p>
             <a:fld id="{DE273977-2B4E-4BD8-8226-CAEE823F3008}" type="datetime8">
               <a:rPr lang="en-US" smtClean="0"/>
-              <a:t>5/14/2022 8:36 AM</a:t>
+              <a:t>5/16/2022 10:27 PM</a:t>
             </a:fld>
             <a:endParaRPr lang="en-US"/>
           </a:p>
@@ -3559,7 +3824,7 @@
           <a:p>
             <a:fld id="{7E2DC526-9E9D-4998-8C50-0541226B08CF}" type="datetime8">
               <a:rPr lang="en-US" smtClean="0"/>
-              <a:t>5/14/2022 8:36 AM</a:t>
+              <a:t>5/16/2022 10:27 PM</a:t>
             </a:fld>
             <a:endParaRPr lang="en-US"/>
           </a:p>
@@ -3757,7 +4022,7 @@
           <a:p>
             <a:fld id="{956EF2D3-783C-4E62-879C-6E42AA097112}" type="datetime8">
               <a:rPr lang="en-US" smtClean="0"/>
-              <a:t>5/14/2022 8:36 AM</a:t>
+              <a:t>5/16/2022 10:27 PM</a:t>
             </a:fld>
             <a:endParaRPr lang="en-US"/>
           </a:p>
@@ -4032,7 +4297,7 @@
           <a:p>
             <a:fld id="{CEEB4330-8AFB-48E3-B890-210D056A958B}" type="datetime8">
               <a:rPr lang="en-US" smtClean="0"/>
-              <a:t>5/14/2022 8:36 AM</a:t>
+              <a:t>5/16/2022 10:27 PM</a:t>
             </a:fld>
             <a:endParaRPr lang="en-US"/>
           </a:p>
@@ -4297,7 +4562,7 @@
           <a:p>
             <a:fld id="{66E23911-0252-40BE-BBB8-760394743E26}" type="datetime8">
               <a:rPr lang="en-US" smtClean="0"/>
-              <a:t>5/14/2022 8:36 AM</a:t>
+              <a:t>5/16/2022 10:27 PM</a:t>
             </a:fld>
             <a:endParaRPr lang="en-US"/>
           </a:p>
@@ -4709,7 +4974,7 @@
           <a:p>
             <a:fld id="{BBB6AC5D-77FB-46F6-9132-21FF30B4912F}" type="datetime8">
               <a:rPr lang="en-US" smtClean="0"/>
-              <a:t>5/14/2022 8:36 AM</a:t>
+              <a:t>5/16/2022 10:27 PM</a:t>
             </a:fld>
             <a:endParaRPr lang="en-US"/>
           </a:p>
@@ -4850,7 +5115,7 @@
           <a:p>
             <a:fld id="{6017FBC6-3D6B-4CF2-A705-4BC9E7D4582C}" type="datetime8">
               <a:rPr lang="en-US" smtClean="0"/>
-              <a:t>5/14/2022 8:36 AM</a:t>
+              <a:t>5/16/2022 10:27 PM</a:t>
             </a:fld>
             <a:endParaRPr lang="en-US"/>
           </a:p>
@@ -5231,7 +5496,7 @@
           <a:p>
             <a:fld id="{0D1B1BD9-FAAE-42CF-9C1C-24872CEE05A7}" type="datetime8">
               <a:rPr lang="en-US" smtClean="0"/>
-              <a:t>5/14/2022 8:36 AM</a:t>
+              <a:t>5/16/2022 10:27 PM</a:t>
             </a:fld>
             <a:endParaRPr lang="en-US"/>
           </a:p>
@@ -5519,7 +5784,7 @@
           <a:p>
             <a:fld id="{63B48E98-414D-4169-A026-380BA4A7A23F}" type="datetime8">
               <a:rPr lang="en-US" smtClean="0"/>
-              <a:t>5/14/2022 8:36 AM</a:t>
+              <a:t>5/16/2022 10:27 PM</a:t>
             </a:fld>
             <a:endParaRPr lang="en-US"/>
           </a:p>
@@ -5760,7 +6025,7 @@
           <a:p>
             <a:fld id="{9D52C73E-D6AD-4984-9C4A-C03CB437FD89}" type="datetime8">
               <a:rPr lang="en-US" smtClean="0"/>
-              <a:t>5/14/2022 8:36 AM</a:t>
+              <a:t>5/16/2022 10:27 PM</a:t>
             </a:fld>
             <a:endParaRPr lang="en-US"/>
           </a:p>
@@ -10224,11 +10489,7 @@
           <a:p>
             <a:r>
               <a:rPr lang="en-US" dirty="0"/>
-              <a:t>PORTS are banks of I/O on the microcontroller and for advanced </a:t>
-            </a:r>
-            <a:r>
-              <a:rPr lang="en-US" sz="1600" dirty="0"/>
-              <a:t>programming the port can be important.</a:t>
+              <a:t>PORTS are banks of I/O on the microcontroller and for advanced programming the port can be important.</a:t>
             </a:r>
           </a:p>
           <a:p>
@@ -14151,7 +14412,882 @@
           <p:nvPr>
             <p:extLst>
               <p:ext uri="{D42A27DB-BD31-4B8C-83A1-F6EECF244321}">
-                <p14:modId xmlns:p14="http://schemas.microsoft.com/office/powerpoint/2010/main" val="1513889061"/>
+                <p14:modId xmlns:p14="http://schemas.microsoft.com/office/powerpoint/2010/main" val="2049177281"/>
+              </p:ext>
+            </p:extLst>
+          </p:nvPr>
+        </p:nvGraphicFramePr>
+        <p:xfrm>
+          <a:off x="415505" y="391004"/>
+          <a:ext cx="11463070" cy="6048510"/>
+        </p:xfrm>
+        <a:graphic>
+          <a:graphicData uri="http://schemas.openxmlformats.org/drawingml/2006/table">
+            <a:tbl>
+              <a:tblPr firstRow="1" bandRow="1">
+                <a:tableStyleId>{5C22544A-7EE6-4342-B048-85BDC9FD1C3A}</a:tableStyleId>
+              </a:tblPr>
+              <a:tblGrid>
+                <a:gridCol w="1140214">
+                  <a:extLst>
+                    <a:ext uri="{9D8B030D-6E8A-4147-A177-3AD203B41FA5}">
+                      <a16:colId xmlns:a16="http://schemas.microsoft.com/office/drawing/2014/main" val="747525499"/>
+                    </a:ext>
+                  </a:extLst>
+                </a:gridCol>
+                <a:gridCol w="4506700">
+                  <a:extLst>
+                    <a:ext uri="{9D8B030D-6E8A-4147-A177-3AD203B41FA5}">
+                      <a16:colId xmlns:a16="http://schemas.microsoft.com/office/drawing/2014/main" val="2892156475"/>
+                    </a:ext>
+                  </a:extLst>
+                </a:gridCol>
+                <a:gridCol w="5816156">
+                  <a:extLst>
+                    <a:ext uri="{9D8B030D-6E8A-4147-A177-3AD203B41FA5}">
+                      <a16:colId xmlns:a16="http://schemas.microsoft.com/office/drawing/2014/main" val="3449804923"/>
+                    </a:ext>
+                  </a:extLst>
+                </a:gridCol>
+              </a:tblGrid>
+              <a:tr h="919355">
+                <a:tc>
+                  <a:txBody>
+                    <a:bodyPr/>
+                    <a:lstStyle/>
+                    <a:p>
+                      <a:r>
+                        <a:rPr lang="en-US" sz="4400" dirty="0"/>
+                        <a:t>04</a:t>
+                      </a:r>
+                    </a:p>
+                  </a:txBody>
+                  <a:tcPr/>
+                </a:tc>
+                <a:tc>
+                  <a:txBody>
+                    <a:bodyPr/>
+                    <a:lstStyle/>
+                    <a:p>
+                      <a:r>
+                        <a:rPr lang="en-US" sz="4400" dirty="0">
+                          <a:solidFill>
+                            <a:srgbClr val="FFFF00"/>
+                          </a:solidFill>
+                        </a:rPr>
+                        <a:t>Optical Encoder</a:t>
+                      </a:r>
+                    </a:p>
+                  </a:txBody>
+                  <a:tcPr/>
+                </a:tc>
+                <a:tc>
+                  <a:txBody>
+                    <a:bodyPr/>
+                    <a:lstStyle/>
+                    <a:p>
+                      <a:pPr marL="0" marR="0" lvl="0" indent="0" algn="l" defTabSz="914400" rtl="0" eaLnBrk="1" fontAlgn="auto" latinLnBrk="0" hangingPunct="1">
+                        <a:lnSpc>
+                          <a:spcPct val="100000"/>
+                        </a:lnSpc>
+                        <a:spcBef>
+                          <a:spcPts val="0"/>
+                        </a:spcBef>
+                        <a:spcAft>
+                          <a:spcPts val="0"/>
+                        </a:spcAft>
+                        <a:buClrTx/>
+                        <a:buSzTx/>
+                        <a:buFontTx/>
+                        <a:buNone/>
+                        <a:tabLst/>
+                        <a:defRPr/>
+                      </a:pPr>
+                      <a:r>
+                        <a:rPr lang="en-US" sz="4400" b="1" kern="1200" dirty="0">
+                          <a:solidFill>
+                            <a:schemeClr val="lt1"/>
+                          </a:solidFill>
+                          <a:latin typeface="+mn-lt"/>
+                          <a:ea typeface="+mn-ea"/>
+                          <a:cs typeface="+mn-cs"/>
+                        </a:rPr>
+                        <a:t>Angular position</a:t>
+                      </a:r>
+                    </a:p>
+                  </a:txBody>
+                  <a:tcPr/>
+                </a:tc>
+                <a:extLst>
+                  <a:ext uri="{0D108BD9-81ED-4DB2-BD59-A6C34878D82A}">
+                    <a16:rowId xmlns:a16="http://schemas.microsoft.com/office/drawing/2014/main" val="4166713368"/>
+                  </a:ext>
+                </a:extLst>
+              </a:tr>
+              <a:tr h="1591518">
+                <a:tc gridSpan="2">
+                  <a:txBody>
+                    <a:bodyPr/>
+                    <a:lstStyle/>
+                    <a:p>
+                      <a:r>
+                        <a:rPr lang="en-US" b="1" dirty="0"/>
+                        <a:t>Usage:</a:t>
+                      </a:r>
+                    </a:p>
+                    <a:p>
+                      <a:r>
+                        <a:rPr lang="en-US" dirty="0"/>
+                        <a:t>Speed (of Rotation)</a:t>
+                      </a:r>
+                    </a:p>
+                    <a:p>
+                      <a:r>
+                        <a:rPr lang="en-US" dirty="0"/>
+                        <a:t>Determining Absolute position</a:t>
+                      </a:r>
+                    </a:p>
+                  </a:txBody>
+                  <a:tcPr/>
+                </a:tc>
+                <a:tc hMerge="1">
+                  <a:txBody>
+                    <a:bodyPr/>
+                    <a:lstStyle/>
+                    <a:p>
+                      <a:endParaRPr lang="en-US"/>
+                    </a:p>
+                  </a:txBody>
+                  <a:tcPr/>
+                </a:tc>
+                <a:tc>
+                  <a:txBody>
+                    <a:bodyPr/>
+                    <a:lstStyle/>
+                    <a:p>
+                      <a:r>
+                        <a:rPr lang="en-US" b="1" dirty="0"/>
+                        <a:t>Photo:</a:t>
+                      </a:r>
+                    </a:p>
+                    <a:p>
+                      <a:endParaRPr lang="en-US" dirty="0"/>
+                    </a:p>
+                  </a:txBody>
+                  <a:tcPr/>
+                </a:tc>
+                <a:extLst>
+                  <a:ext uri="{0D108BD9-81ED-4DB2-BD59-A6C34878D82A}">
+                    <a16:rowId xmlns:a16="http://schemas.microsoft.com/office/drawing/2014/main" val="1083252038"/>
+                  </a:ext>
+                </a:extLst>
+              </a:tr>
+              <a:tr h="1525957">
+                <a:tc gridSpan="2">
+                  <a:txBody>
+                    <a:bodyPr/>
+                    <a:lstStyle/>
+                    <a:p>
+                      <a:pPr marL="0" marR="0" lvl="0" indent="0" algn="l" defTabSz="914400" rtl="0" eaLnBrk="1" fontAlgn="auto" latinLnBrk="0" hangingPunct="1">
+                        <a:lnSpc>
+                          <a:spcPct val="100000"/>
+                        </a:lnSpc>
+                        <a:spcBef>
+                          <a:spcPts val="0"/>
+                        </a:spcBef>
+                        <a:spcAft>
+                          <a:spcPts val="0"/>
+                        </a:spcAft>
+                        <a:buClrTx/>
+                        <a:buSzTx/>
+                        <a:buFontTx/>
+                        <a:buNone/>
+                        <a:tabLst/>
+                        <a:defRPr/>
+                      </a:pPr>
+                      <a:r>
+                        <a:rPr lang="en-US" b="1" dirty="0"/>
+                        <a:t>How it Works:</a:t>
+                      </a:r>
+                    </a:p>
+                    <a:p>
+                      <a:pPr marL="0" marR="0" lvl="0" indent="0" algn="l" defTabSz="914400" rtl="0" eaLnBrk="1" fontAlgn="auto" latinLnBrk="0" hangingPunct="1">
+                        <a:lnSpc>
+                          <a:spcPct val="100000"/>
+                        </a:lnSpc>
+                        <a:spcBef>
+                          <a:spcPts val="0"/>
+                        </a:spcBef>
+                        <a:spcAft>
+                          <a:spcPts val="0"/>
+                        </a:spcAft>
+                        <a:buClrTx/>
+                        <a:buSzTx/>
+                        <a:buFontTx/>
+                        <a:buNone/>
+                        <a:tabLst/>
+                        <a:defRPr/>
+                      </a:pPr>
+                      <a:r>
+                        <a:rPr lang="en-US" b="0" dirty="0"/>
+                        <a:t>Turning the wheel causes a light</a:t>
+                      </a:r>
+                    </a:p>
+                    <a:p>
+                      <a:pPr marL="0" marR="0" lvl="0" indent="0" algn="l" defTabSz="914400" rtl="0" eaLnBrk="1" fontAlgn="auto" latinLnBrk="0" hangingPunct="1">
+                        <a:lnSpc>
+                          <a:spcPct val="100000"/>
+                        </a:lnSpc>
+                        <a:spcBef>
+                          <a:spcPts val="0"/>
+                        </a:spcBef>
+                        <a:spcAft>
+                          <a:spcPts val="0"/>
+                        </a:spcAft>
+                        <a:buClrTx/>
+                        <a:buSzTx/>
+                        <a:buFontTx/>
+                        <a:buNone/>
+                        <a:tabLst/>
+                        <a:defRPr/>
+                      </a:pPr>
+                      <a:r>
+                        <a:rPr lang="en-US" b="0" dirty="0"/>
+                        <a:t>beam to be interrupted thus </a:t>
+                      </a:r>
+                    </a:p>
+                    <a:p>
+                      <a:pPr marL="0" marR="0" lvl="0" indent="0" algn="l" defTabSz="914400" rtl="0" eaLnBrk="1" fontAlgn="auto" latinLnBrk="0" hangingPunct="1">
+                        <a:lnSpc>
+                          <a:spcPct val="100000"/>
+                        </a:lnSpc>
+                        <a:spcBef>
+                          <a:spcPts val="0"/>
+                        </a:spcBef>
+                        <a:spcAft>
+                          <a:spcPts val="0"/>
+                        </a:spcAft>
+                        <a:buClrTx/>
+                        <a:buSzTx/>
+                        <a:buFontTx/>
+                        <a:buNone/>
+                        <a:tabLst/>
+                        <a:defRPr/>
+                      </a:pPr>
+                      <a:r>
+                        <a:rPr lang="en-US" b="0" dirty="0"/>
+                        <a:t>generating a series of digital pulses.</a:t>
+                      </a:r>
+                    </a:p>
+                    <a:p>
+                      <a:pPr marL="0" marR="0" lvl="0" indent="0" algn="l" defTabSz="914400" rtl="0" eaLnBrk="1" fontAlgn="auto" latinLnBrk="0" hangingPunct="1">
+                        <a:lnSpc>
+                          <a:spcPct val="100000"/>
+                        </a:lnSpc>
+                        <a:spcBef>
+                          <a:spcPts val="0"/>
+                        </a:spcBef>
+                        <a:spcAft>
+                          <a:spcPts val="0"/>
+                        </a:spcAft>
+                        <a:buClrTx/>
+                        <a:buSzTx/>
+                        <a:buFontTx/>
+                        <a:buNone/>
+                        <a:tabLst/>
+                        <a:defRPr/>
+                      </a:pPr>
+                      <a:r>
+                        <a:rPr lang="en-US" b="0" dirty="0"/>
+                        <a:t>By arranging different light sources</a:t>
+                      </a:r>
+                    </a:p>
+                    <a:p>
+                      <a:pPr marL="0" marR="0" lvl="0" indent="0" algn="l" defTabSz="914400" rtl="0" eaLnBrk="1" fontAlgn="auto" latinLnBrk="0" hangingPunct="1">
+                        <a:lnSpc>
+                          <a:spcPct val="100000"/>
+                        </a:lnSpc>
+                        <a:spcBef>
+                          <a:spcPts val="0"/>
+                        </a:spcBef>
+                        <a:spcAft>
+                          <a:spcPts val="0"/>
+                        </a:spcAft>
+                        <a:buClrTx/>
+                        <a:buSzTx/>
+                        <a:buFontTx/>
+                        <a:buNone/>
+                        <a:tabLst/>
+                        <a:defRPr/>
+                      </a:pPr>
+                      <a:r>
+                        <a:rPr lang="en-US" b="0" dirty="0"/>
+                        <a:t>and holes on the disk absolute</a:t>
+                      </a:r>
+                    </a:p>
+                    <a:p>
+                      <a:pPr marL="0" marR="0" lvl="0" indent="0" algn="l" defTabSz="914400" rtl="0" eaLnBrk="1" fontAlgn="auto" latinLnBrk="0" hangingPunct="1">
+                        <a:lnSpc>
+                          <a:spcPct val="100000"/>
+                        </a:lnSpc>
+                        <a:spcBef>
+                          <a:spcPts val="0"/>
+                        </a:spcBef>
+                        <a:spcAft>
+                          <a:spcPts val="0"/>
+                        </a:spcAft>
+                        <a:buClrTx/>
+                        <a:buSzTx/>
+                        <a:buFontTx/>
+                        <a:buNone/>
+                        <a:tabLst/>
+                        <a:defRPr/>
+                      </a:pPr>
+                      <a:r>
+                        <a:rPr lang="en-US" b="0" dirty="0"/>
+                        <a:t>Position can be determined. </a:t>
+                      </a:r>
+                    </a:p>
+                  </a:txBody>
+                  <a:tcPr/>
+                </a:tc>
+                <a:tc hMerge="1">
+                  <a:txBody>
+                    <a:bodyPr/>
+                    <a:lstStyle/>
+                    <a:p>
+                      <a:endParaRPr lang="en-US"/>
+                    </a:p>
+                  </a:txBody>
+                  <a:tcPr/>
+                </a:tc>
+                <a:tc>
+                  <a:txBody>
+                    <a:bodyPr/>
+                    <a:lstStyle/>
+                    <a:p>
+                      <a:pPr marL="0" marR="0" lvl="0" indent="0" algn="l" defTabSz="914400" rtl="0" eaLnBrk="1" fontAlgn="auto" latinLnBrk="0" hangingPunct="1">
+                        <a:lnSpc>
+                          <a:spcPct val="100000"/>
+                        </a:lnSpc>
+                        <a:spcBef>
+                          <a:spcPts val="0"/>
+                        </a:spcBef>
+                        <a:spcAft>
+                          <a:spcPts val="0"/>
+                        </a:spcAft>
+                        <a:buClrTx/>
+                        <a:buSzTx/>
+                        <a:buFontTx/>
+                        <a:buNone/>
+                        <a:tabLst/>
+                        <a:defRPr/>
+                      </a:pPr>
+                      <a:r>
+                        <a:rPr lang="en-US" b="1" dirty="0"/>
+                        <a:t>Pros:</a:t>
+                      </a:r>
+                    </a:p>
+                    <a:p>
+                      <a:pPr marL="285750" marR="0" lvl="0" indent="-285750" algn="l" defTabSz="914400" rtl="0" eaLnBrk="1" fontAlgn="auto" latinLnBrk="0" hangingPunct="1">
+                        <a:lnSpc>
+                          <a:spcPct val="100000"/>
+                        </a:lnSpc>
+                        <a:spcBef>
+                          <a:spcPts val="0"/>
+                        </a:spcBef>
+                        <a:spcAft>
+                          <a:spcPts val="0"/>
+                        </a:spcAft>
+                        <a:buClrTx/>
+                        <a:buSzTx/>
+                        <a:buFont typeface="Arial" panose="020B0604020202020204" pitchFamily="34" charset="0"/>
+                        <a:buChar char="•"/>
+                        <a:tabLst/>
+                        <a:defRPr/>
+                      </a:pPr>
+                      <a:r>
+                        <a:rPr lang="en-US" dirty="0"/>
+                        <a:t>Accurate an relatively immune to noise</a:t>
+                      </a:r>
+                    </a:p>
+                    <a:p>
+                      <a:pPr marL="285750" marR="0" lvl="0" indent="-285750" algn="l" defTabSz="914400" rtl="0" eaLnBrk="1" fontAlgn="auto" latinLnBrk="0" hangingPunct="1">
+                        <a:lnSpc>
+                          <a:spcPct val="100000"/>
+                        </a:lnSpc>
+                        <a:spcBef>
+                          <a:spcPts val="0"/>
+                        </a:spcBef>
+                        <a:spcAft>
+                          <a:spcPts val="0"/>
+                        </a:spcAft>
+                        <a:buClrTx/>
+                        <a:buSzTx/>
+                        <a:buFont typeface="Arial" panose="020B0604020202020204" pitchFamily="34" charset="0"/>
+                        <a:buChar char="•"/>
+                        <a:tabLst/>
+                        <a:defRPr/>
+                      </a:pPr>
+                      <a:r>
+                        <a:rPr lang="en-US" dirty="0"/>
+                        <a:t>Absolute or incremental position depending on wheel and number of light sensors.</a:t>
+                      </a:r>
+                    </a:p>
+                    <a:p>
+                      <a:r>
+                        <a:rPr lang="en-US" b="1" dirty="0"/>
+                        <a:t>Cons:</a:t>
+                      </a:r>
+                    </a:p>
+                    <a:p>
+                      <a:pPr marL="285750" indent="-285750">
+                        <a:buFont typeface="Arial" panose="020B0604020202020204" pitchFamily="34" charset="0"/>
+                        <a:buChar char="•"/>
+                      </a:pPr>
+                      <a:r>
+                        <a:rPr lang="en-US" b="0" dirty="0"/>
+                        <a:t>Requires relatively fast processing the digital signals</a:t>
+                      </a:r>
+                    </a:p>
+                  </a:txBody>
+                  <a:tcPr/>
+                </a:tc>
+                <a:extLst>
+                  <a:ext uri="{0D108BD9-81ED-4DB2-BD59-A6C34878D82A}">
+                    <a16:rowId xmlns:a16="http://schemas.microsoft.com/office/drawing/2014/main" val="2494442280"/>
+                  </a:ext>
+                </a:extLst>
+              </a:tr>
+              <a:tr h="1525957">
+                <a:tc gridSpan="2">
+                  <a:txBody>
+                    <a:bodyPr/>
+                    <a:lstStyle/>
+                    <a:p>
+                      <a:r>
+                        <a:rPr lang="en-US" b="1" dirty="0"/>
+                        <a:t>Notes:</a:t>
+                      </a:r>
+                    </a:p>
+                    <a:p>
+                      <a:r>
+                        <a:rPr lang="en-US" dirty="0"/>
+                        <a:t>Different encoder wheels are available to suit the application. (accuracy, absolute position or incremental)  </a:t>
+                      </a:r>
+                    </a:p>
+                    <a:p>
+                      <a:endParaRPr lang="en-US" dirty="0"/>
+                    </a:p>
+                  </a:txBody>
+                  <a:tcPr/>
+                </a:tc>
+                <a:tc hMerge="1">
+                  <a:txBody>
+                    <a:bodyPr/>
+                    <a:lstStyle/>
+                    <a:p>
+                      <a:endParaRPr lang="en-US"/>
+                    </a:p>
+                  </a:txBody>
+                  <a:tcPr/>
+                </a:tc>
+                <a:tc>
+                  <a:txBody>
+                    <a:bodyPr/>
+                    <a:lstStyle/>
+                    <a:p>
+                      <a:endParaRPr lang="en-US" dirty="0"/>
+                    </a:p>
+                  </a:txBody>
+                  <a:tcPr/>
+                </a:tc>
+                <a:extLst>
+                  <a:ext uri="{0D108BD9-81ED-4DB2-BD59-A6C34878D82A}">
+                    <a16:rowId xmlns:a16="http://schemas.microsoft.com/office/drawing/2014/main" val="1235703702"/>
+                  </a:ext>
+                </a:extLst>
+              </a:tr>
+            </a:tbl>
+          </a:graphicData>
+        </a:graphic>
+      </p:graphicFrame>
+      <p:sp>
+        <p:nvSpPr>
+          <p:cNvPr id="11" name="Subtitle 2">
+            <a:extLst>
+              <a:ext uri="{FF2B5EF4-FFF2-40B4-BE49-F238E27FC236}">
+                <a16:creationId xmlns:a16="http://schemas.microsoft.com/office/drawing/2014/main" id="{99327A78-E3E9-3AC5-6408-627B02586E02}"/>
+              </a:ext>
+            </a:extLst>
+          </p:cNvPr>
+          <p:cNvSpPr txBox="1">
+            <a:spLocks/>
+          </p:cNvSpPr>
+          <p:nvPr/>
+        </p:nvSpPr>
+        <p:spPr>
+          <a:xfrm>
+            <a:off x="560718" y="6177560"/>
+            <a:ext cx="1357223" cy="558771"/>
+          </a:xfrm>
+          <a:prstGeom prst="rect">
+            <a:avLst/>
+          </a:prstGeom>
+        </p:spPr>
+        <p:txBody>
+          <a:bodyPr vert="horz" lIns="91440" tIns="45720" rIns="91440" bIns="45720" rtlCol="0">
+            <a:noAutofit/>
+          </a:bodyPr>
+          <a:lstStyle>
+            <a:lvl1pPr marL="0" indent="0" algn="ctr" defTabSz="914400" rtl="0" eaLnBrk="1" latinLnBrk="0" hangingPunct="1">
+              <a:lnSpc>
+                <a:spcPct val="90000"/>
+              </a:lnSpc>
+              <a:spcBef>
+                <a:spcPts val="1000"/>
+              </a:spcBef>
+              <a:buFont typeface="Arial" panose="020B0604020202020204" pitchFamily="34" charset="0"/>
+              <a:buNone/>
+              <a:defRPr sz="2400" kern="1200">
+                <a:solidFill>
+                  <a:schemeClr val="tx1"/>
+                </a:solidFill>
+                <a:latin typeface="+mn-lt"/>
+                <a:ea typeface="+mn-ea"/>
+                <a:cs typeface="+mn-cs"/>
+              </a:defRPr>
+            </a:lvl1pPr>
+            <a:lvl2pPr marL="457200" indent="0" algn="ctr" defTabSz="914400" rtl="0" eaLnBrk="1" latinLnBrk="0" hangingPunct="1">
+              <a:lnSpc>
+                <a:spcPct val="90000"/>
+              </a:lnSpc>
+              <a:spcBef>
+                <a:spcPts val="500"/>
+              </a:spcBef>
+              <a:buFont typeface="Arial" panose="020B0604020202020204" pitchFamily="34" charset="0"/>
+              <a:buNone/>
+              <a:defRPr sz="2000" kern="1200">
+                <a:solidFill>
+                  <a:schemeClr val="tx1"/>
+                </a:solidFill>
+                <a:latin typeface="+mn-lt"/>
+                <a:ea typeface="+mn-ea"/>
+                <a:cs typeface="+mn-cs"/>
+              </a:defRPr>
+            </a:lvl2pPr>
+            <a:lvl3pPr marL="914400" indent="0" algn="ctr" defTabSz="914400" rtl="0" eaLnBrk="1" latinLnBrk="0" hangingPunct="1">
+              <a:lnSpc>
+                <a:spcPct val="90000"/>
+              </a:lnSpc>
+              <a:spcBef>
+                <a:spcPts val="500"/>
+              </a:spcBef>
+              <a:buFont typeface="Arial" panose="020B0604020202020204" pitchFamily="34" charset="0"/>
+              <a:buNone/>
+              <a:defRPr sz="1800" kern="1200">
+                <a:solidFill>
+                  <a:schemeClr val="tx1"/>
+                </a:solidFill>
+                <a:latin typeface="+mn-lt"/>
+                <a:ea typeface="+mn-ea"/>
+                <a:cs typeface="+mn-cs"/>
+              </a:defRPr>
+            </a:lvl3pPr>
+            <a:lvl4pPr marL="1371600" indent="0" algn="ctr" defTabSz="914400" rtl="0" eaLnBrk="1" latinLnBrk="0" hangingPunct="1">
+              <a:lnSpc>
+                <a:spcPct val="90000"/>
+              </a:lnSpc>
+              <a:spcBef>
+                <a:spcPts val="500"/>
+              </a:spcBef>
+              <a:buFont typeface="Arial" panose="020B0604020202020204" pitchFamily="34" charset="0"/>
+              <a:buNone/>
+              <a:defRPr sz="1600" kern="1200">
+                <a:solidFill>
+                  <a:schemeClr val="tx1"/>
+                </a:solidFill>
+                <a:latin typeface="+mn-lt"/>
+                <a:ea typeface="+mn-ea"/>
+                <a:cs typeface="+mn-cs"/>
+              </a:defRPr>
+            </a:lvl4pPr>
+            <a:lvl5pPr marL="1828800" indent="0" algn="ctr" defTabSz="914400" rtl="0" eaLnBrk="1" latinLnBrk="0" hangingPunct="1">
+              <a:lnSpc>
+                <a:spcPct val="90000"/>
+              </a:lnSpc>
+              <a:spcBef>
+                <a:spcPts val="500"/>
+              </a:spcBef>
+              <a:buFont typeface="Arial" panose="020B0604020202020204" pitchFamily="34" charset="0"/>
+              <a:buNone/>
+              <a:defRPr sz="1600" kern="1200">
+                <a:solidFill>
+                  <a:schemeClr val="tx1"/>
+                </a:solidFill>
+                <a:latin typeface="+mn-lt"/>
+                <a:ea typeface="+mn-ea"/>
+                <a:cs typeface="+mn-cs"/>
+              </a:defRPr>
+            </a:lvl5pPr>
+            <a:lvl6pPr marL="2286000" indent="0" algn="ctr" defTabSz="914400" rtl="0" eaLnBrk="1" latinLnBrk="0" hangingPunct="1">
+              <a:lnSpc>
+                <a:spcPct val="90000"/>
+              </a:lnSpc>
+              <a:spcBef>
+                <a:spcPts val="500"/>
+              </a:spcBef>
+              <a:buFont typeface="Arial" panose="020B0604020202020204" pitchFamily="34" charset="0"/>
+              <a:buNone/>
+              <a:defRPr sz="1600" kern="1200">
+                <a:solidFill>
+                  <a:schemeClr val="tx1"/>
+                </a:solidFill>
+                <a:latin typeface="+mn-lt"/>
+                <a:ea typeface="+mn-ea"/>
+                <a:cs typeface="+mn-cs"/>
+              </a:defRPr>
+            </a:lvl6pPr>
+            <a:lvl7pPr marL="2743200" indent="0" algn="ctr" defTabSz="914400" rtl="0" eaLnBrk="1" latinLnBrk="0" hangingPunct="1">
+              <a:lnSpc>
+                <a:spcPct val="90000"/>
+              </a:lnSpc>
+              <a:spcBef>
+                <a:spcPts val="500"/>
+              </a:spcBef>
+              <a:buFont typeface="Arial" panose="020B0604020202020204" pitchFamily="34" charset="0"/>
+              <a:buNone/>
+              <a:defRPr sz="1600" kern="1200">
+                <a:solidFill>
+                  <a:schemeClr val="tx1"/>
+                </a:solidFill>
+                <a:latin typeface="+mn-lt"/>
+                <a:ea typeface="+mn-ea"/>
+                <a:cs typeface="+mn-cs"/>
+              </a:defRPr>
+            </a:lvl7pPr>
+            <a:lvl8pPr marL="3200400" indent="0" algn="ctr" defTabSz="914400" rtl="0" eaLnBrk="1" latinLnBrk="0" hangingPunct="1">
+              <a:lnSpc>
+                <a:spcPct val="90000"/>
+              </a:lnSpc>
+              <a:spcBef>
+                <a:spcPts val="500"/>
+              </a:spcBef>
+              <a:buFont typeface="Arial" panose="020B0604020202020204" pitchFamily="34" charset="0"/>
+              <a:buNone/>
+              <a:defRPr sz="1600" kern="1200">
+                <a:solidFill>
+                  <a:schemeClr val="tx1"/>
+                </a:solidFill>
+                <a:latin typeface="+mn-lt"/>
+                <a:ea typeface="+mn-ea"/>
+                <a:cs typeface="+mn-cs"/>
+              </a:defRPr>
+            </a:lvl8pPr>
+            <a:lvl9pPr marL="3657600" indent="0" algn="ctr" defTabSz="914400" rtl="0" eaLnBrk="1" latinLnBrk="0" hangingPunct="1">
+              <a:lnSpc>
+                <a:spcPct val="90000"/>
+              </a:lnSpc>
+              <a:spcBef>
+                <a:spcPts val="500"/>
+              </a:spcBef>
+              <a:buFont typeface="Arial" panose="020B0604020202020204" pitchFamily="34" charset="0"/>
+              <a:buNone/>
+              <a:defRPr sz="1600" kern="1200">
+                <a:solidFill>
+                  <a:schemeClr val="tx1"/>
+                </a:solidFill>
+                <a:latin typeface="+mn-lt"/>
+                <a:ea typeface="+mn-ea"/>
+                <a:cs typeface="+mn-cs"/>
+              </a:defRPr>
+            </a:lvl9pPr>
+          </a:lstStyle>
+          <a:p>
+            <a:endParaRPr lang="en-US" sz="3200" b="1" dirty="0">
+              <a:solidFill>
+                <a:schemeClr val="accent1">
+                  <a:lumMod val="60000"/>
+                  <a:lumOff val="40000"/>
+                </a:schemeClr>
+              </a:solidFill>
+              <a:latin typeface="MERG_Logo" pitchFamily="2" charset="0"/>
+            </a:endParaRPr>
+          </a:p>
+        </p:txBody>
+      </p:sp>
+      <p:pic>
+        <p:nvPicPr>
+          <p:cNvPr id="13" name="Picture 12">
+            <a:extLst>
+              <a:ext uri="{FF2B5EF4-FFF2-40B4-BE49-F238E27FC236}">
+                <a16:creationId xmlns:a16="http://schemas.microsoft.com/office/drawing/2014/main" id="{835F3C55-3378-9378-595A-168421A40F12}"/>
+              </a:ext>
+            </a:extLst>
+          </p:cNvPr>
+          <p:cNvPicPr>
+            <a:picLocks noChangeAspect="1"/>
+          </p:cNvPicPr>
+          <p:nvPr/>
+        </p:nvPicPr>
+        <p:blipFill>
+          <a:blip r:embed="rId3" cstate="email">
+            <a:extLst>
+              <a:ext uri="{28A0092B-C50C-407E-A947-70E740481C1C}">
+                <a14:useLocalDpi xmlns:a14="http://schemas.microsoft.com/office/drawing/2010/main"/>
+              </a:ext>
+            </a:extLst>
+          </a:blip>
+          <a:stretch>
+            <a:fillRect/>
+          </a:stretch>
+        </p:blipFill>
+        <p:spPr>
+          <a:xfrm>
+            <a:off x="10749400" y="6239363"/>
+            <a:ext cx="1116784" cy="496968"/>
+          </a:xfrm>
+          <a:prstGeom prst="rect">
+            <a:avLst/>
+          </a:prstGeom>
+        </p:spPr>
+      </p:pic>
+      <p:pic>
+        <p:nvPicPr>
+          <p:cNvPr id="3" name="Picture 2">
+            <a:extLst>
+              <a:ext uri="{FF2B5EF4-FFF2-40B4-BE49-F238E27FC236}">
+                <a16:creationId xmlns:a16="http://schemas.microsoft.com/office/drawing/2014/main" id="{DBB26B58-0CF2-926F-B764-73572EA7353D}"/>
+              </a:ext>
+            </a:extLst>
+          </p:cNvPr>
+          <p:cNvPicPr>
+            <a:picLocks noChangeAspect="1"/>
+          </p:cNvPicPr>
+          <p:nvPr/>
+        </p:nvPicPr>
+        <p:blipFill>
+          <a:blip r:embed="rId4"/>
+          <a:stretch>
+            <a:fillRect/>
+          </a:stretch>
+        </p:blipFill>
+        <p:spPr>
+          <a:xfrm>
+            <a:off x="4018102" y="2917592"/>
+            <a:ext cx="1920473" cy="1861015"/>
+          </a:xfrm>
+          <a:prstGeom prst="rect">
+            <a:avLst/>
+          </a:prstGeom>
+        </p:spPr>
+      </p:pic>
+      <p:pic>
+        <p:nvPicPr>
+          <p:cNvPr id="6" name="Picture 5">
+            <a:extLst>
+              <a:ext uri="{FF2B5EF4-FFF2-40B4-BE49-F238E27FC236}">
+                <a16:creationId xmlns:a16="http://schemas.microsoft.com/office/drawing/2014/main" id="{C273BECF-16D9-CDAD-4C02-1A33C13583BF}"/>
+              </a:ext>
+            </a:extLst>
+          </p:cNvPr>
+          <p:cNvPicPr>
+            <a:picLocks noChangeAspect="1"/>
+          </p:cNvPicPr>
+          <p:nvPr/>
+        </p:nvPicPr>
+        <p:blipFill>
+          <a:blip r:embed="rId5"/>
+          <a:stretch>
+            <a:fillRect/>
+          </a:stretch>
+        </p:blipFill>
+        <p:spPr>
+          <a:xfrm>
+            <a:off x="9405256" y="1407144"/>
+            <a:ext cx="2247951" cy="1328519"/>
+          </a:xfrm>
+          <a:prstGeom prst="rect">
+            <a:avLst/>
+          </a:prstGeom>
+        </p:spPr>
+      </p:pic>
+      <p:pic>
+        <p:nvPicPr>
+          <p:cNvPr id="14" name="Picture 13">
+            <a:extLst>
+              <a:ext uri="{FF2B5EF4-FFF2-40B4-BE49-F238E27FC236}">
+                <a16:creationId xmlns:a16="http://schemas.microsoft.com/office/drawing/2014/main" id="{7704D731-080B-67DF-A7FF-E0FD579715C5}"/>
+              </a:ext>
+            </a:extLst>
+          </p:cNvPr>
+          <p:cNvPicPr>
+            <a:picLocks noChangeAspect="1"/>
+          </p:cNvPicPr>
+          <p:nvPr/>
+        </p:nvPicPr>
+        <p:blipFill>
+          <a:blip r:embed="rId6"/>
+          <a:stretch>
+            <a:fillRect/>
+          </a:stretch>
+        </p:blipFill>
+        <p:spPr>
+          <a:xfrm>
+            <a:off x="7041933" y="1407143"/>
+            <a:ext cx="1928314" cy="1328519"/>
+          </a:xfrm>
+          <a:prstGeom prst="rect">
+            <a:avLst/>
+          </a:prstGeom>
+        </p:spPr>
+      </p:pic>
+    </p:spTree>
+    <p:extLst>
+      <p:ext uri="{BB962C8B-B14F-4D97-AF65-F5344CB8AC3E}">
+        <p14:creationId xmlns:p14="http://schemas.microsoft.com/office/powerpoint/2010/main" val="139534727"/>
+      </p:ext>
+    </p:extLst>
+  </p:cSld>
+  <p:clrMapOvr>
+    <a:masterClrMapping/>
+  </p:clrMapOvr>
+</p:sld>
+</file>
+
+<file path=ppt/slides/slide18.xml><?xml version="1.0" encoding="utf-8"?>
+<p:sld xmlns:a="http://schemas.openxmlformats.org/drawingml/2006/main" xmlns:r="http://schemas.openxmlformats.org/officeDocument/2006/relationships" xmlns:p="http://schemas.openxmlformats.org/presentationml/2006/main">
+  <p:cSld>
+    <p:spTree>
+      <p:nvGrpSpPr>
+        <p:cNvPr id="1" name=""/>
+        <p:cNvGrpSpPr/>
+        <p:nvPr/>
+      </p:nvGrpSpPr>
+      <p:grpSpPr>
+        <a:xfrm>
+          <a:off x="0" y="0"/>
+          <a:ext cx="0" cy="0"/>
+          <a:chOff x="0" y="0"/>
+          <a:chExt cx="0" cy="0"/>
+        </a:xfrm>
+      </p:grpSpPr>
+      <p:graphicFrame>
+        <p:nvGraphicFramePr>
+          <p:cNvPr id="7" name="Table 7">
+            <a:extLst>
+              <a:ext uri="{FF2B5EF4-FFF2-40B4-BE49-F238E27FC236}">
+                <a16:creationId xmlns:a16="http://schemas.microsoft.com/office/drawing/2014/main" id="{9B2F03AA-E6B2-4CB4-910F-7DA903FD6ED6}"/>
+              </a:ext>
+            </a:extLst>
+          </p:cNvPr>
+          <p:cNvGraphicFramePr>
+            <a:graphicFrameLocks noGrp="1"/>
+          </p:cNvGraphicFramePr>
+          <p:nvPr>
+            <p:extLst>
+              <p:ext uri="{D42A27DB-BD31-4B8C-83A1-F6EECF244321}">
+                <p14:modId xmlns:p14="http://schemas.microsoft.com/office/powerpoint/2010/main" val="3350469842"/>
               </p:ext>
             </p:extLst>
           </p:nvPr>
@@ -14197,7 +15333,7 @@
                     <a:p>
                       <a:r>
                         <a:rPr lang="en-US" sz="4400" dirty="0"/>
-                        <a:t>04</a:t>
+                        <a:t>06</a:t>
                       </a:r>
                     </a:p>
                   </a:txBody>
@@ -14924,7 +16060,7 @@
 </p:sld>
 </file>
 
-<file path=ppt/slides/slide18.xml><?xml version="1.0" encoding="utf-8"?>
+<file path=ppt/slides/slide19.xml><?xml version="1.0" encoding="utf-8"?>
 <p:sld xmlns:a="http://schemas.openxmlformats.org/drawingml/2006/main" xmlns:r="http://schemas.openxmlformats.org/officeDocument/2006/relationships" xmlns:p="http://schemas.openxmlformats.org/presentationml/2006/main">
   <p:cSld>
     <p:spTree>
@@ -14956,7 +16092,7 @@
           <p:nvPr>
             <p:extLst>
               <p:ext uri="{D42A27DB-BD31-4B8C-83A1-F6EECF244321}">
-                <p14:modId xmlns:p14="http://schemas.microsoft.com/office/powerpoint/2010/main" val="3711748231"/>
+                <p14:modId xmlns:p14="http://schemas.microsoft.com/office/powerpoint/2010/main" val="2525283390"/>
               </p:ext>
             </p:extLst>
           </p:nvPr>
@@ -15002,7 +16138,7 @@
                     <a:p>
                       <a:r>
                         <a:rPr lang="en-US" sz="4400" dirty="0"/>
-                        <a:t>05</a:t>
+                        <a:t>07</a:t>
                       </a:r>
                     </a:p>
                   </a:txBody>
@@ -15770,7 +16906,7 @@
 </p:sld>
 </file>
 
-<file path=ppt/slides/slide19.xml><?xml version="1.0" encoding="utf-8"?>
+<file path=ppt/slides/slide2.xml><?xml version="1.0" encoding="utf-8"?>
 <p:sld xmlns:a="http://schemas.openxmlformats.org/drawingml/2006/main" xmlns:r="http://schemas.openxmlformats.org/officeDocument/2006/relationships" xmlns:p="http://schemas.openxmlformats.org/presentationml/2006/main">
   <p:cSld>
     <p:spTree>
@@ -15802,7 +16938,308 @@
           <p:nvPr>
             <p:extLst>
               <p:ext uri="{D42A27DB-BD31-4B8C-83A1-F6EECF244321}">
-                <p14:modId xmlns:p14="http://schemas.microsoft.com/office/powerpoint/2010/main" val="1783088132"/>
+                <p14:modId xmlns:p14="http://schemas.microsoft.com/office/powerpoint/2010/main" val="3631021044"/>
+              </p:ext>
+            </p:extLst>
+          </p:nvPr>
+        </p:nvGraphicFramePr>
+        <p:xfrm>
+          <a:off x="414068" y="391004"/>
+          <a:ext cx="11362426" cy="919355"/>
+        </p:xfrm>
+        <a:graphic>
+          <a:graphicData uri="http://schemas.openxmlformats.org/drawingml/2006/table">
+            <a:tbl>
+              <a:tblPr firstRow="1" bandRow="1">
+                <a:tableStyleId>{5C22544A-7EE6-4342-B048-85BDC9FD1C3A}</a:tableStyleId>
+              </a:tblPr>
+              <a:tblGrid>
+                <a:gridCol w="1131497">
+                  <a:extLst>
+                    <a:ext uri="{9D8B030D-6E8A-4147-A177-3AD203B41FA5}">
+                      <a16:colId xmlns:a16="http://schemas.microsoft.com/office/drawing/2014/main" val="747525499"/>
+                    </a:ext>
+                  </a:extLst>
+                </a:gridCol>
+                <a:gridCol w="4682707">
+                  <a:extLst>
+                    <a:ext uri="{9D8B030D-6E8A-4147-A177-3AD203B41FA5}">
+                      <a16:colId xmlns:a16="http://schemas.microsoft.com/office/drawing/2014/main" val="2892156475"/>
+                    </a:ext>
+                  </a:extLst>
+                </a:gridCol>
+                <a:gridCol w="5548222">
+                  <a:extLst>
+                    <a:ext uri="{9D8B030D-6E8A-4147-A177-3AD203B41FA5}">
+                      <a16:colId xmlns:a16="http://schemas.microsoft.com/office/drawing/2014/main" val="3449804923"/>
+                    </a:ext>
+                  </a:extLst>
+                </a:gridCol>
+              </a:tblGrid>
+              <a:tr h="919355">
+                <a:tc>
+                  <a:txBody>
+                    <a:bodyPr/>
+                    <a:lstStyle/>
+                    <a:p>
+                      <a:endParaRPr lang="en-US" sz="4400" dirty="0"/>
+                    </a:p>
+                  </a:txBody>
+                  <a:tcPr/>
+                </a:tc>
+                <a:tc>
+                  <a:txBody>
+                    <a:bodyPr/>
+                    <a:lstStyle/>
+                    <a:p>
+                      <a:r>
+                        <a:rPr lang="en-US" sz="4400" dirty="0">
+                          <a:solidFill>
+                            <a:srgbClr val="FFFF00"/>
+                          </a:solidFill>
+                        </a:rPr>
+                        <a:t>ARDUINO</a:t>
+                      </a:r>
+                    </a:p>
+                  </a:txBody>
+                  <a:tcPr/>
+                </a:tc>
+                <a:tc>
+                  <a:txBody>
+                    <a:bodyPr/>
+                    <a:lstStyle/>
+                    <a:p>
+                      <a:pPr marL="0" marR="0" lvl="0" indent="0" algn="l" defTabSz="914400" rtl="0" eaLnBrk="1" fontAlgn="auto" latinLnBrk="0" hangingPunct="1">
+                        <a:lnSpc>
+                          <a:spcPct val="100000"/>
+                        </a:lnSpc>
+                        <a:spcBef>
+                          <a:spcPts val="0"/>
+                        </a:spcBef>
+                        <a:spcAft>
+                          <a:spcPts val="0"/>
+                        </a:spcAft>
+                        <a:buClrTx/>
+                        <a:buSzTx/>
+                        <a:buFontTx/>
+                        <a:buNone/>
+                        <a:tabLst/>
+                        <a:defRPr/>
+                      </a:pPr>
+                      <a:r>
+                        <a:rPr lang="en-US" sz="4400" dirty="0">
+                          <a:solidFill>
+                            <a:srgbClr val="FFFF00"/>
+                          </a:solidFill>
+                        </a:rPr>
+                        <a:t>Basics</a:t>
+                      </a:r>
+                    </a:p>
+                  </a:txBody>
+                  <a:tcPr/>
+                </a:tc>
+                <a:extLst>
+                  <a:ext uri="{0D108BD9-81ED-4DB2-BD59-A6C34878D82A}">
+                    <a16:rowId xmlns:a16="http://schemas.microsoft.com/office/drawing/2014/main" val="4166713368"/>
+                  </a:ext>
+                </a:extLst>
+              </a:tr>
+            </a:tbl>
+          </a:graphicData>
+        </a:graphic>
+      </p:graphicFrame>
+      <p:pic>
+        <p:nvPicPr>
+          <p:cNvPr id="4" name="Picture 3">
+            <a:extLst>
+              <a:ext uri="{FF2B5EF4-FFF2-40B4-BE49-F238E27FC236}">
+                <a16:creationId xmlns:a16="http://schemas.microsoft.com/office/drawing/2014/main" id="{B27D149C-3CE4-F59D-1843-03EEF170CB8A}"/>
+              </a:ext>
+            </a:extLst>
+          </p:cNvPr>
+          <p:cNvPicPr>
+            <a:picLocks noChangeAspect="1"/>
+          </p:cNvPicPr>
+          <p:nvPr/>
+        </p:nvPicPr>
+        <p:blipFill>
+          <a:blip r:embed="rId3" cstate="email">
+            <a:extLst>
+              <a:ext uri="{28A0092B-C50C-407E-A947-70E740481C1C}">
+                <a14:useLocalDpi xmlns:a14="http://schemas.microsoft.com/office/drawing/2010/main"/>
+              </a:ext>
+            </a:extLst>
+          </a:blip>
+          <a:stretch>
+            <a:fillRect/>
+          </a:stretch>
+        </p:blipFill>
+        <p:spPr>
+          <a:xfrm>
+            <a:off x="10366375" y="6030924"/>
+            <a:ext cx="1585186" cy="705407"/>
+          </a:xfrm>
+          <a:prstGeom prst="rect">
+            <a:avLst/>
+          </a:prstGeom>
+        </p:spPr>
+      </p:pic>
+      <p:pic>
+        <p:nvPicPr>
+          <p:cNvPr id="5" name="Picture 2" descr="MERG Logo">
+            <a:extLst>
+              <a:ext uri="{FF2B5EF4-FFF2-40B4-BE49-F238E27FC236}">
+                <a16:creationId xmlns:a16="http://schemas.microsoft.com/office/drawing/2014/main" id="{D8764913-DD27-F4E8-817E-AB6BEF3D4160}"/>
+              </a:ext>
+            </a:extLst>
+          </p:cNvPr>
+          <p:cNvPicPr>
+            <a:picLocks noChangeAspect="1" noChangeArrowheads="1"/>
+          </p:cNvPicPr>
+          <p:nvPr/>
+        </p:nvPicPr>
+        <p:blipFill>
+          <a:blip r:embed="rId4" cstate="email">
+            <a:extLst>
+              <a:ext uri="{28A0092B-C50C-407E-A947-70E740481C1C}">
+                <a14:useLocalDpi xmlns:a14="http://schemas.microsoft.com/office/drawing/2010/main"/>
+              </a:ext>
+            </a:extLst>
+          </a:blip>
+          <a:srcRect/>
+          <a:stretch>
+            <a:fillRect/>
+          </a:stretch>
+        </p:blipFill>
+        <p:spPr bwMode="auto">
+          <a:xfrm>
+            <a:off x="600015" y="5973864"/>
+            <a:ext cx="1940824" cy="762467"/>
+          </a:xfrm>
+          <a:prstGeom prst="rect">
+            <a:avLst/>
+          </a:prstGeom>
+          <a:noFill/>
+          <a:extLst>
+            <a:ext uri="{909E8E84-426E-40DD-AFC4-6F175D3DCCD1}">
+              <a14:hiddenFill xmlns:a14="http://schemas.microsoft.com/office/drawing/2010/main">
+                <a:solidFill>
+                  <a:srgbClr val="FFFFFF"/>
+                </a:solidFill>
+              </a14:hiddenFill>
+            </a:ext>
+          </a:extLst>
+        </p:spPr>
+      </p:pic>
+      <p:sp>
+        <p:nvSpPr>
+          <p:cNvPr id="2" name="Title 1">
+            <a:extLst>
+              <a:ext uri="{FF2B5EF4-FFF2-40B4-BE49-F238E27FC236}">
+                <a16:creationId xmlns:a16="http://schemas.microsoft.com/office/drawing/2014/main" id="{CE0A3F37-ABE5-8191-F7D0-CE5165DD6ABB}"/>
+              </a:ext>
+            </a:extLst>
+          </p:cNvPr>
+          <p:cNvSpPr>
+            <a:spLocks noGrp="1"/>
+          </p:cNvSpPr>
+          <p:nvPr>
+            <p:ph type="ctrTitle"/>
+          </p:nvPr>
+        </p:nvSpPr>
+        <p:spPr/>
+        <p:txBody>
+          <a:bodyPr/>
+          <a:lstStyle/>
+          <a:p>
+            <a:r>
+              <a:rPr lang="en-US" sz="6000" dirty="0">
+                <a:solidFill>
+                  <a:srgbClr val="0070C0"/>
+                </a:solidFill>
+              </a:rPr>
+              <a:t>Introduction</a:t>
+            </a:r>
+            <a:endParaRPr lang="en-US" dirty="0"/>
+          </a:p>
+        </p:txBody>
+      </p:sp>
+      <p:sp>
+        <p:nvSpPr>
+          <p:cNvPr id="3" name="Subtitle 2">
+            <a:extLst>
+              <a:ext uri="{FF2B5EF4-FFF2-40B4-BE49-F238E27FC236}">
+                <a16:creationId xmlns:a16="http://schemas.microsoft.com/office/drawing/2014/main" id="{D8F159B6-00E5-AABC-5C46-C93AC8896589}"/>
+              </a:ext>
+            </a:extLst>
+          </p:cNvPr>
+          <p:cNvSpPr>
+            <a:spLocks noGrp="1"/>
+          </p:cNvSpPr>
+          <p:nvPr>
+            <p:ph type="subTitle" idx="1"/>
+          </p:nvPr>
+        </p:nvSpPr>
+        <p:spPr>
+          <a:xfrm>
+            <a:off x="1523281" y="4171381"/>
+            <a:ext cx="9144000" cy="1655762"/>
+          </a:xfrm>
+        </p:spPr>
+        <p:txBody>
+          <a:bodyPr/>
+          <a:lstStyle/>
+          <a:p>
+            <a:endParaRPr lang="en-US" dirty="0"/>
+          </a:p>
+        </p:txBody>
+      </p:sp>
+    </p:spTree>
+    <p:extLst>
+      <p:ext uri="{BB962C8B-B14F-4D97-AF65-F5344CB8AC3E}">
+        <p14:creationId xmlns:p14="http://schemas.microsoft.com/office/powerpoint/2010/main" val="2276187075"/>
+      </p:ext>
+    </p:extLst>
+  </p:cSld>
+  <p:clrMapOvr>
+    <a:masterClrMapping/>
+  </p:clrMapOvr>
+</p:sld>
+</file>
+
+<file path=ppt/slides/slide20.xml><?xml version="1.0" encoding="utf-8"?>
+<p:sld xmlns:a="http://schemas.openxmlformats.org/drawingml/2006/main" xmlns:r="http://schemas.openxmlformats.org/officeDocument/2006/relationships" xmlns:p="http://schemas.openxmlformats.org/presentationml/2006/main">
+  <p:cSld>
+    <p:spTree>
+      <p:nvGrpSpPr>
+        <p:cNvPr id="1" name=""/>
+        <p:cNvGrpSpPr/>
+        <p:nvPr/>
+      </p:nvGrpSpPr>
+      <p:grpSpPr>
+        <a:xfrm>
+          <a:off x="0" y="0"/>
+          <a:ext cx="0" cy="0"/>
+          <a:chOff x="0" y="0"/>
+          <a:chExt cx="0" cy="0"/>
+        </a:xfrm>
+      </p:grpSpPr>
+      <p:graphicFrame>
+        <p:nvGraphicFramePr>
+          <p:cNvPr id="7" name="Table 7">
+            <a:extLst>
+              <a:ext uri="{FF2B5EF4-FFF2-40B4-BE49-F238E27FC236}">
+                <a16:creationId xmlns:a16="http://schemas.microsoft.com/office/drawing/2014/main" id="{9B2F03AA-E6B2-4CB4-910F-7DA903FD6ED6}"/>
+              </a:ext>
+            </a:extLst>
+          </p:cNvPr>
+          <p:cNvGraphicFramePr>
+            <a:graphicFrameLocks noGrp="1"/>
+          </p:cNvGraphicFramePr>
+          <p:nvPr>
+            <p:extLst>
+              <p:ext uri="{D42A27DB-BD31-4B8C-83A1-F6EECF244321}">
+                <p14:modId xmlns:p14="http://schemas.microsoft.com/office/powerpoint/2010/main" val="2042673445"/>
               </p:ext>
             </p:extLst>
           </p:nvPr>
@@ -15848,7 +17285,7 @@
                     <a:p>
                       <a:r>
                         <a:rPr lang="en-US" sz="4400" dirty="0"/>
-                        <a:t>06</a:t>
+                        <a:t>08</a:t>
                       </a:r>
                     </a:p>
                   </a:txBody>
@@ -16495,7 +17932,7 @@
 </p:sld>
 </file>
 
-<file path=ppt/slides/slide2.xml><?xml version="1.0" encoding="utf-8"?>
+<file path=ppt/slides/slide21.xml><?xml version="1.0" encoding="utf-8"?>
 <p:sld xmlns:a="http://schemas.openxmlformats.org/drawingml/2006/main" xmlns:r="http://schemas.openxmlformats.org/officeDocument/2006/relationships" xmlns:p="http://schemas.openxmlformats.org/presentationml/2006/main">
   <p:cSld>
     <p:spTree>
@@ -16527,308 +17964,7 @@
           <p:nvPr>
             <p:extLst>
               <p:ext uri="{D42A27DB-BD31-4B8C-83A1-F6EECF244321}">
-                <p14:modId xmlns:p14="http://schemas.microsoft.com/office/powerpoint/2010/main" val="3631021044"/>
-              </p:ext>
-            </p:extLst>
-          </p:nvPr>
-        </p:nvGraphicFramePr>
-        <p:xfrm>
-          <a:off x="414068" y="391004"/>
-          <a:ext cx="11362426" cy="919355"/>
-        </p:xfrm>
-        <a:graphic>
-          <a:graphicData uri="http://schemas.openxmlformats.org/drawingml/2006/table">
-            <a:tbl>
-              <a:tblPr firstRow="1" bandRow="1">
-                <a:tableStyleId>{5C22544A-7EE6-4342-B048-85BDC9FD1C3A}</a:tableStyleId>
-              </a:tblPr>
-              <a:tblGrid>
-                <a:gridCol w="1131497">
-                  <a:extLst>
-                    <a:ext uri="{9D8B030D-6E8A-4147-A177-3AD203B41FA5}">
-                      <a16:colId xmlns:a16="http://schemas.microsoft.com/office/drawing/2014/main" val="747525499"/>
-                    </a:ext>
-                  </a:extLst>
-                </a:gridCol>
-                <a:gridCol w="4682707">
-                  <a:extLst>
-                    <a:ext uri="{9D8B030D-6E8A-4147-A177-3AD203B41FA5}">
-                      <a16:colId xmlns:a16="http://schemas.microsoft.com/office/drawing/2014/main" val="2892156475"/>
-                    </a:ext>
-                  </a:extLst>
-                </a:gridCol>
-                <a:gridCol w="5548222">
-                  <a:extLst>
-                    <a:ext uri="{9D8B030D-6E8A-4147-A177-3AD203B41FA5}">
-                      <a16:colId xmlns:a16="http://schemas.microsoft.com/office/drawing/2014/main" val="3449804923"/>
-                    </a:ext>
-                  </a:extLst>
-                </a:gridCol>
-              </a:tblGrid>
-              <a:tr h="919355">
-                <a:tc>
-                  <a:txBody>
-                    <a:bodyPr/>
-                    <a:lstStyle/>
-                    <a:p>
-                      <a:endParaRPr lang="en-US" sz="4400" dirty="0"/>
-                    </a:p>
-                  </a:txBody>
-                  <a:tcPr/>
-                </a:tc>
-                <a:tc>
-                  <a:txBody>
-                    <a:bodyPr/>
-                    <a:lstStyle/>
-                    <a:p>
-                      <a:r>
-                        <a:rPr lang="en-US" sz="4400" dirty="0">
-                          <a:solidFill>
-                            <a:srgbClr val="FFFF00"/>
-                          </a:solidFill>
-                        </a:rPr>
-                        <a:t>ARDUINO</a:t>
-                      </a:r>
-                    </a:p>
-                  </a:txBody>
-                  <a:tcPr/>
-                </a:tc>
-                <a:tc>
-                  <a:txBody>
-                    <a:bodyPr/>
-                    <a:lstStyle/>
-                    <a:p>
-                      <a:pPr marL="0" marR="0" lvl="0" indent="0" algn="l" defTabSz="914400" rtl="0" eaLnBrk="1" fontAlgn="auto" latinLnBrk="0" hangingPunct="1">
-                        <a:lnSpc>
-                          <a:spcPct val="100000"/>
-                        </a:lnSpc>
-                        <a:spcBef>
-                          <a:spcPts val="0"/>
-                        </a:spcBef>
-                        <a:spcAft>
-                          <a:spcPts val="0"/>
-                        </a:spcAft>
-                        <a:buClrTx/>
-                        <a:buSzTx/>
-                        <a:buFontTx/>
-                        <a:buNone/>
-                        <a:tabLst/>
-                        <a:defRPr/>
-                      </a:pPr>
-                      <a:r>
-                        <a:rPr lang="en-US" sz="4400" dirty="0">
-                          <a:solidFill>
-                            <a:srgbClr val="FFFF00"/>
-                          </a:solidFill>
-                        </a:rPr>
-                        <a:t>Basics</a:t>
-                      </a:r>
-                    </a:p>
-                  </a:txBody>
-                  <a:tcPr/>
-                </a:tc>
-                <a:extLst>
-                  <a:ext uri="{0D108BD9-81ED-4DB2-BD59-A6C34878D82A}">
-                    <a16:rowId xmlns:a16="http://schemas.microsoft.com/office/drawing/2014/main" val="4166713368"/>
-                  </a:ext>
-                </a:extLst>
-              </a:tr>
-            </a:tbl>
-          </a:graphicData>
-        </a:graphic>
-      </p:graphicFrame>
-      <p:pic>
-        <p:nvPicPr>
-          <p:cNvPr id="4" name="Picture 3">
-            <a:extLst>
-              <a:ext uri="{FF2B5EF4-FFF2-40B4-BE49-F238E27FC236}">
-                <a16:creationId xmlns:a16="http://schemas.microsoft.com/office/drawing/2014/main" id="{B27D149C-3CE4-F59D-1843-03EEF170CB8A}"/>
-              </a:ext>
-            </a:extLst>
-          </p:cNvPr>
-          <p:cNvPicPr>
-            <a:picLocks noChangeAspect="1"/>
-          </p:cNvPicPr>
-          <p:nvPr/>
-        </p:nvPicPr>
-        <p:blipFill>
-          <a:blip r:embed="rId3" cstate="email">
-            <a:extLst>
-              <a:ext uri="{28A0092B-C50C-407E-A947-70E740481C1C}">
-                <a14:useLocalDpi xmlns:a14="http://schemas.microsoft.com/office/drawing/2010/main"/>
-              </a:ext>
-            </a:extLst>
-          </a:blip>
-          <a:stretch>
-            <a:fillRect/>
-          </a:stretch>
-        </p:blipFill>
-        <p:spPr>
-          <a:xfrm>
-            <a:off x="10366375" y="6030924"/>
-            <a:ext cx="1585186" cy="705407"/>
-          </a:xfrm>
-          <a:prstGeom prst="rect">
-            <a:avLst/>
-          </a:prstGeom>
-        </p:spPr>
-      </p:pic>
-      <p:pic>
-        <p:nvPicPr>
-          <p:cNvPr id="5" name="Picture 2" descr="MERG Logo">
-            <a:extLst>
-              <a:ext uri="{FF2B5EF4-FFF2-40B4-BE49-F238E27FC236}">
-                <a16:creationId xmlns:a16="http://schemas.microsoft.com/office/drawing/2014/main" id="{D8764913-DD27-F4E8-817E-AB6BEF3D4160}"/>
-              </a:ext>
-            </a:extLst>
-          </p:cNvPr>
-          <p:cNvPicPr>
-            <a:picLocks noChangeAspect="1" noChangeArrowheads="1"/>
-          </p:cNvPicPr>
-          <p:nvPr/>
-        </p:nvPicPr>
-        <p:blipFill>
-          <a:blip r:embed="rId4" cstate="email">
-            <a:extLst>
-              <a:ext uri="{28A0092B-C50C-407E-A947-70E740481C1C}">
-                <a14:useLocalDpi xmlns:a14="http://schemas.microsoft.com/office/drawing/2010/main"/>
-              </a:ext>
-            </a:extLst>
-          </a:blip>
-          <a:srcRect/>
-          <a:stretch>
-            <a:fillRect/>
-          </a:stretch>
-        </p:blipFill>
-        <p:spPr bwMode="auto">
-          <a:xfrm>
-            <a:off x="600015" y="5973864"/>
-            <a:ext cx="1940824" cy="762467"/>
-          </a:xfrm>
-          <a:prstGeom prst="rect">
-            <a:avLst/>
-          </a:prstGeom>
-          <a:noFill/>
-          <a:extLst>
-            <a:ext uri="{909E8E84-426E-40DD-AFC4-6F175D3DCCD1}">
-              <a14:hiddenFill xmlns:a14="http://schemas.microsoft.com/office/drawing/2010/main">
-                <a:solidFill>
-                  <a:srgbClr val="FFFFFF"/>
-                </a:solidFill>
-              </a14:hiddenFill>
-            </a:ext>
-          </a:extLst>
-        </p:spPr>
-      </p:pic>
-      <p:sp>
-        <p:nvSpPr>
-          <p:cNvPr id="2" name="Title 1">
-            <a:extLst>
-              <a:ext uri="{FF2B5EF4-FFF2-40B4-BE49-F238E27FC236}">
-                <a16:creationId xmlns:a16="http://schemas.microsoft.com/office/drawing/2014/main" id="{CE0A3F37-ABE5-8191-F7D0-CE5165DD6ABB}"/>
-              </a:ext>
-            </a:extLst>
-          </p:cNvPr>
-          <p:cNvSpPr>
-            <a:spLocks noGrp="1"/>
-          </p:cNvSpPr>
-          <p:nvPr>
-            <p:ph type="ctrTitle"/>
-          </p:nvPr>
-        </p:nvSpPr>
-        <p:spPr/>
-        <p:txBody>
-          <a:bodyPr/>
-          <a:lstStyle/>
-          <a:p>
-            <a:r>
-              <a:rPr lang="en-US" sz="6000" dirty="0">
-                <a:solidFill>
-                  <a:srgbClr val="0070C0"/>
-                </a:solidFill>
-              </a:rPr>
-              <a:t>Introduction</a:t>
-            </a:r>
-            <a:endParaRPr lang="en-US" dirty="0"/>
-          </a:p>
-        </p:txBody>
-      </p:sp>
-      <p:sp>
-        <p:nvSpPr>
-          <p:cNvPr id="3" name="Subtitle 2">
-            <a:extLst>
-              <a:ext uri="{FF2B5EF4-FFF2-40B4-BE49-F238E27FC236}">
-                <a16:creationId xmlns:a16="http://schemas.microsoft.com/office/drawing/2014/main" id="{D8F159B6-00E5-AABC-5C46-C93AC8896589}"/>
-              </a:ext>
-            </a:extLst>
-          </p:cNvPr>
-          <p:cNvSpPr>
-            <a:spLocks noGrp="1"/>
-          </p:cNvSpPr>
-          <p:nvPr>
-            <p:ph type="subTitle" idx="1"/>
-          </p:nvPr>
-        </p:nvSpPr>
-        <p:spPr>
-          <a:xfrm>
-            <a:off x="1523281" y="4171381"/>
-            <a:ext cx="9144000" cy="1655762"/>
-          </a:xfrm>
-        </p:spPr>
-        <p:txBody>
-          <a:bodyPr/>
-          <a:lstStyle/>
-          <a:p>
-            <a:endParaRPr lang="en-US" dirty="0"/>
-          </a:p>
-        </p:txBody>
-      </p:sp>
-    </p:spTree>
-    <p:extLst>
-      <p:ext uri="{BB962C8B-B14F-4D97-AF65-F5344CB8AC3E}">
-        <p14:creationId xmlns:p14="http://schemas.microsoft.com/office/powerpoint/2010/main" val="2276187075"/>
-      </p:ext>
-    </p:extLst>
-  </p:cSld>
-  <p:clrMapOvr>
-    <a:masterClrMapping/>
-  </p:clrMapOvr>
-</p:sld>
-</file>
-
-<file path=ppt/slides/slide20.xml><?xml version="1.0" encoding="utf-8"?>
-<p:sld xmlns:a="http://schemas.openxmlformats.org/drawingml/2006/main" xmlns:r="http://schemas.openxmlformats.org/officeDocument/2006/relationships" xmlns:p="http://schemas.openxmlformats.org/presentationml/2006/main">
-  <p:cSld>
-    <p:spTree>
-      <p:nvGrpSpPr>
-        <p:cNvPr id="1" name=""/>
-        <p:cNvGrpSpPr/>
-        <p:nvPr/>
-      </p:nvGrpSpPr>
-      <p:grpSpPr>
-        <a:xfrm>
-          <a:off x="0" y="0"/>
-          <a:ext cx="0" cy="0"/>
-          <a:chOff x="0" y="0"/>
-          <a:chExt cx="0" cy="0"/>
-        </a:xfrm>
-      </p:grpSpPr>
-      <p:graphicFrame>
-        <p:nvGraphicFramePr>
-          <p:cNvPr id="7" name="Table 7">
-            <a:extLst>
-              <a:ext uri="{FF2B5EF4-FFF2-40B4-BE49-F238E27FC236}">
-                <a16:creationId xmlns:a16="http://schemas.microsoft.com/office/drawing/2014/main" id="{9B2F03AA-E6B2-4CB4-910F-7DA903FD6ED6}"/>
-              </a:ext>
-            </a:extLst>
-          </p:cNvPr>
-          <p:cNvGraphicFramePr>
-            <a:graphicFrameLocks noGrp="1"/>
-          </p:cNvGraphicFramePr>
-          <p:nvPr>
-            <p:extLst>
-              <p:ext uri="{D42A27DB-BD31-4B8C-83A1-F6EECF244321}">
-                <p14:modId xmlns:p14="http://schemas.microsoft.com/office/powerpoint/2010/main" val="2141594656"/>
+                <p14:modId xmlns:p14="http://schemas.microsoft.com/office/powerpoint/2010/main" val="3901505343"/>
               </p:ext>
             </p:extLst>
           </p:nvPr>
@@ -16874,7 +18010,7 @@
                     <a:p>
                       <a:r>
                         <a:rPr lang="en-US" sz="4400" dirty="0"/>
-                        <a:t>07</a:t>
+                        <a:t>09</a:t>
                       </a:r>
                     </a:p>
                   </a:txBody>
@@ -17693,7 +18829,7 @@
 </p:sld>
 </file>
 
-<file path=ppt/slides/slide21.xml><?xml version="1.0" encoding="utf-8"?>
+<file path=ppt/slides/slide22.xml><?xml version="1.0" encoding="utf-8"?>
 <p:sld xmlns:a="http://schemas.openxmlformats.org/drawingml/2006/main" xmlns:r="http://schemas.openxmlformats.org/officeDocument/2006/relationships" xmlns:p="http://schemas.openxmlformats.org/presentationml/2006/main">
   <p:cSld>
     <p:spTree>
@@ -18279,7 +19415,7 @@
 </p:sld>
 </file>
 
-<file path=ppt/slides/slide22.xml><?xml version="1.0" encoding="utf-8"?>
+<file path=ppt/slides/slide23.xml><?xml version="1.0" encoding="utf-8"?>
 <p:sld xmlns:a="http://schemas.openxmlformats.org/drawingml/2006/main" xmlns:r="http://schemas.openxmlformats.org/officeDocument/2006/relationships" xmlns:p="http://schemas.openxmlformats.org/presentationml/2006/main">
   <p:cSld>
     <p:bg>
@@ -18445,7 +19581,7 @@
 </p:sld>
 </file>
 
-<file path=ppt/slides/slide23.xml><?xml version="1.0" encoding="utf-8"?>
+<file path=ppt/slides/slide24.xml><?xml version="1.0" encoding="utf-8"?>
 <p:sld xmlns:a="http://schemas.openxmlformats.org/drawingml/2006/main" xmlns:r="http://schemas.openxmlformats.org/officeDocument/2006/relationships" xmlns:p="http://schemas.openxmlformats.org/presentationml/2006/main">
   <p:cSld>
     <p:spTree>
@@ -18741,7 +19877,7 @@
 </p:sld>
 </file>
 
-<file path=ppt/slides/slide24.xml><?xml version="1.0" encoding="utf-8"?>
+<file path=ppt/slides/slide25.xml><?xml version="1.0" encoding="utf-8"?>
 <p:sld xmlns:a="http://schemas.openxmlformats.org/drawingml/2006/main" xmlns:r="http://schemas.openxmlformats.org/officeDocument/2006/relationships" xmlns:p="http://schemas.openxmlformats.org/presentationml/2006/main">
   <p:cSld>
     <p:spTree>
@@ -19606,7 +20742,7 @@
 </p:sld>
 </file>
 
-<file path=ppt/slides/slide25.xml><?xml version="1.0" encoding="utf-8"?>
+<file path=ppt/slides/slide26.xml><?xml version="1.0" encoding="utf-8"?>
 <p:sld xmlns:a="http://schemas.openxmlformats.org/drawingml/2006/main" xmlns:r="http://schemas.openxmlformats.org/officeDocument/2006/relationships" xmlns:p="http://schemas.openxmlformats.org/presentationml/2006/main">
   <p:cSld>
     <p:spTree>
@@ -19638,14 +20774,14 @@
           <p:nvPr>
             <p:extLst>
               <p:ext uri="{D42A27DB-BD31-4B8C-83A1-F6EECF244321}">
-                <p14:modId xmlns:p14="http://schemas.microsoft.com/office/powerpoint/2010/main" val="4115823992"/>
+                <p14:modId xmlns:p14="http://schemas.microsoft.com/office/powerpoint/2010/main" val="2551361007"/>
               </p:ext>
             </p:extLst>
           </p:nvPr>
         </p:nvGraphicFramePr>
         <p:xfrm>
           <a:off x="415505" y="391004"/>
-          <a:ext cx="11360989" cy="5376678"/>
+          <a:ext cx="11360989" cy="6073804"/>
         </p:xfrm>
         <a:graphic>
           <a:graphicData uri="http://schemas.openxmlformats.org/drawingml/2006/table">
@@ -19764,7 +20900,7 @@
                     <a:p>
                       <a:r>
                         <a:rPr lang="en-US" dirty="0"/>
-                        <a:t>Low power output from Arduino Pin can control a high power electrical circuit.</a:t>
+                        <a:t>Low power output from Arduino Pin can control a higher power electrical circuit.</a:t>
                       </a:r>
                     </a:p>
                   </a:txBody>
@@ -19917,22 +21053,6 @@
                       </a:r>
                     </a:p>
                     <a:p>
-                      <a:r>
-                        <a:rPr lang="en-US" b="1" dirty="0"/>
-                        <a:t>Cons:</a:t>
-                      </a:r>
-                    </a:p>
-                    <a:p>
-                      <a:pPr marL="285750" indent="-285750">
-                        <a:buFont typeface="Arial" panose="020B0604020202020204" pitchFamily="34" charset="0"/>
-                        <a:buChar char="•"/>
-                      </a:pPr>
-                      <a:r>
-                        <a:rPr lang="en-US" dirty="0"/>
-                        <a:t>Physically large</a:t>
-                      </a:r>
-                    </a:p>
-                    <a:p>
                       <a:pPr marL="285750" marR="0" lvl="0" indent="-285750" algn="l" defTabSz="914400" rtl="0" eaLnBrk="1" fontAlgn="auto" latinLnBrk="0" hangingPunct="1">
                         <a:lnSpc>
                           <a:spcPct val="100000"/>
@@ -19952,6 +21072,45 @@
                       </a:pPr>
                       <a:r>
                         <a:rPr lang="en-US" dirty="0"/>
+                        <a:t>Allows switching electrical loads beyond the rating of an Arduino alone. </a:t>
+                      </a:r>
+                    </a:p>
+                    <a:p>
+                      <a:r>
+                        <a:rPr lang="en-US" b="1" dirty="0"/>
+                        <a:t>Cons:</a:t>
+                      </a:r>
+                    </a:p>
+                    <a:p>
+                      <a:pPr marL="285750" indent="-285750">
+                        <a:buFont typeface="Arial" panose="020B0604020202020204" pitchFamily="34" charset="0"/>
+                        <a:buChar char="•"/>
+                      </a:pPr>
+                      <a:r>
+                        <a:rPr lang="en-US" dirty="0"/>
+                        <a:t>Physically large</a:t>
+                      </a:r>
+                    </a:p>
+                    <a:p>
+                      <a:pPr marL="285750" marR="0" lvl="0" indent="-285750" algn="l" defTabSz="914400" rtl="0" eaLnBrk="1" fontAlgn="auto" latinLnBrk="0" hangingPunct="1">
+                        <a:lnSpc>
+                          <a:spcPct val="100000"/>
+                        </a:lnSpc>
+                        <a:spcBef>
+                          <a:spcPts val="0"/>
+                        </a:spcBef>
+                        <a:spcAft>
+                          <a:spcPts val="0"/>
+                        </a:spcAft>
+                        <a:buClrTx/>
+                        <a:buSzTx/>
+                        <a:buFont typeface="Arial" panose="020B0604020202020204" pitchFamily="34" charset="0"/>
+                        <a:buChar char="•"/>
+                        <a:tabLst/>
+                        <a:defRPr/>
+                      </a:pPr>
+                      <a:r>
+                        <a:rPr lang="en-US" dirty="0"/>
                         <a:t>Produces an audible click when it changes over</a:t>
                       </a:r>
                     </a:p>
@@ -19979,6 +21138,12 @@
                       <a:r>
                         <a:rPr lang="en-US" dirty="0"/>
                         <a:t>Wear and tear depends very much on frequency of operation and how much heat the coil is subject to.</a:t>
+                      </a:r>
+                    </a:p>
+                    <a:p>
+                      <a:r>
+                        <a:rPr lang="en-US" dirty="0"/>
+                        <a:t>If the contacts are switching significant currents (100ma+) be aware that the contacts can actually weld together. (read the data sheet for any non-trivial application)</a:t>
                       </a:r>
                     </a:p>
                   </a:txBody>
@@ -20038,38 +21203,19 @@
                       </a:pPr>
                       <a:r>
                         <a:rPr lang="en-US" dirty="0"/>
-                        <a:t>As far as the relay is concerned the coil is its input and the contacts are its output</a:t>
-                      </a:r>
-                    </a:p>
-                    <a:p>
-                      <a:pPr marL="0" marR="0" lvl="0" indent="0" algn="l" defTabSz="914400" rtl="0" eaLnBrk="1" fontAlgn="auto" latinLnBrk="0" hangingPunct="1">
-                        <a:lnSpc>
-                          <a:spcPct val="100000"/>
-                        </a:lnSpc>
-                        <a:spcBef>
-                          <a:spcPts val="0"/>
-                        </a:spcBef>
-                        <a:spcAft>
-                          <a:spcPts val="0"/>
-                        </a:spcAft>
-                        <a:buClrTx/>
-                        <a:buSzTx/>
-                        <a:buFontTx/>
-                        <a:buNone/>
-                        <a:tabLst/>
-                        <a:defRPr/>
-                      </a:pPr>
-                      <a:r>
-                        <a:rPr lang="en-US" dirty="0"/>
+                        <a:t>As far as the relay is concerned the coil is its input and the contacts are its output.  </a:t>
+                      </a:r>
+                      <a:r>
+                        <a:rPr lang="en-US" b="1" dirty="0"/>
                         <a:t>Use extreme caution if switching higher (</a:t>
                       </a:r>
                       <a:r>
-                        <a:rPr lang="en-US" dirty="0" err="1"/>
+                        <a:rPr lang="en-US" b="1" dirty="0" err="1"/>
                         <a:t>ie</a:t>
                       </a:r>
                       <a:r>
-                        <a:rPr lang="en-US" dirty="0"/>
-                        <a:t> mains) voltages</a:t>
+                        <a:rPr lang="en-US" b="1" dirty="0"/>
+                        <a:t> mains) voltages.</a:t>
                       </a:r>
                     </a:p>
                   </a:txBody>
@@ -20361,6 +21507,36 @@
           </a:prstGeom>
         </p:spPr>
       </p:pic>
+      <p:pic>
+        <p:nvPicPr>
+          <p:cNvPr id="4" name="Picture 3">
+            <a:extLst>
+              <a:ext uri="{FF2B5EF4-FFF2-40B4-BE49-F238E27FC236}">
+                <a16:creationId xmlns:a16="http://schemas.microsoft.com/office/drawing/2014/main" id="{7647D371-AFB6-A01A-F131-C2CD45C9D797}"/>
+              </a:ext>
+            </a:extLst>
+          </p:cNvPr>
+          <p:cNvPicPr>
+            <a:picLocks noChangeAspect="1"/>
+          </p:cNvPicPr>
+          <p:nvPr/>
+        </p:nvPicPr>
+        <p:blipFill>
+          <a:blip r:embed="rId5"/>
+          <a:stretch>
+            <a:fillRect/>
+          </a:stretch>
+        </p:blipFill>
+        <p:spPr>
+          <a:xfrm>
+            <a:off x="9133768" y="1405209"/>
+            <a:ext cx="1420035" cy="1191688"/>
+          </a:xfrm>
+          <a:prstGeom prst="rect">
+            <a:avLst/>
+          </a:prstGeom>
+        </p:spPr>
+      </p:pic>
     </p:spTree>
     <p:extLst>
       <p:ext uri="{BB962C8B-B14F-4D97-AF65-F5344CB8AC3E}">
@@ -20374,7 +21550,7 @@
 </p:sld>
 </file>
 
-<file path=ppt/slides/slide26.xml><?xml version="1.0" encoding="utf-8"?>
+<file path=ppt/slides/slide27.xml><?xml version="1.0" encoding="utf-8"?>
 <p:sld xmlns:a="http://schemas.openxmlformats.org/drawingml/2006/main" xmlns:r="http://schemas.openxmlformats.org/officeDocument/2006/relationships" xmlns:p="http://schemas.openxmlformats.org/presentationml/2006/main">
   <p:cSld>
     <p:spTree>
@@ -21448,7 +22624,7 @@
 </p:sld>
 </file>
 
-<file path=ppt/slides/slide27.xml><?xml version="1.0" encoding="utf-8"?>
+<file path=ppt/slides/slide28.xml><?xml version="1.0" encoding="utf-8"?>
 <p:sld xmlns:a="http://schemas.openxmlformats.org/drawingml/2006/main" xmlns:r="http://schemas.openxmlformats.org/officeDocument/2006/relationships" xmlns:p="http://schemas.openxmlformats.org/presentationml/2006/main">
   <p:cSld>
     <p:spTree>
@@ -21766,7 +22942,7 @@
 </p:sld>
 </file>
 
-<file path=ppt/slides/slide28.xml><?xml version="1.0" encoding="utf-8"?>
+<file path=ppt/slides/slide29.xml><?xml version="1.0" encoding="utf-8"?>
 <p:sld xmlns:a="http://schemas.openxmlformats.org/drawingml/2006/main" xmlns:r="http://schemas.openxmlformats.org/officeDocument/2006/relationships" xmlns:p="http://schemas.openxmlformats.org/presentationml/2006/main">
   <p:cSld>
     <p:spTree>
@@ -22619,806 +23795,6 @@
     <p:extLst>
       <p:ext uri="{BB962C8B-B14F-4D97-AF65-F5344CB8AC3E}">
         <p14:creationId xmlns:p14="http://schemas.microsoft.com/office/powerpoint/2010/main" val="1639978983"/>
-      </p:ext>
-    </p:extLst>
-  </p:cSld>
-  <p:clrMapOvr>
-    <a:masterClrMapping/>
-  </p:clrMapOvr>
-</p:sld>
-</file>
-
-<file path=ppt/slides/slide29.xml><?xml version="1.0" encoding="utf-8"?>
-<p:sld xmlns:a="http://schemas.openxmlformats.org/drawingml/2006/main" xmlns:r="http://schemas.openxmlformats.org/officeDocument/2006/relationships" xmlns:p="http://schemas.openxmlformats.org/presentationml/2006/main">
-  <p:cSld>
-    <p:spTree>
-      <p:nvGrpSpPr>
-        <p:cNvPr id="1" name=""/>
-        <p:cNvGrpSpPr/>
-        <p:nvPr/>
-      </p:nvGrpSpPr>
-      <p:grpSpPr>
-        <a:xfrm>
-          <a:off x="0" y="0"/>
-          <a:ext cx="0" cy="0"/>
-          <a:chOff x="0" y="0"/>
-          <a:chExt cx="0" cy="0"/>
-        </a:xfrm>
-      </p:grpSpPr>
-      <p:graphicFrame>
-        <p:nvGraphicFramePr>
-          <p:cNvPr id="7" name="Table 7">
-            <a:extLst>
-              <a:ext uri="{FF2B5EF4-FFF2-40B4-BE49-F238E27FC236}">
-                <a16:creationId xmlns:a16="http://schemas.microsoft.com/office/drawing/2014/main" id="{9B2F03AA-E6B2-4CB4-910F-7DA903FD6ED6}"/>
-              </a:ext>
-            </a:extLst>
-          </p:cNvPr>
-          <p:cNvGraphicFramePr>
-            <a:graphicFrameLocks noGrp="1"/>
-          </p:cNvGraphicFramePr>
-          <p:nvPr>
-            <p:extLst>
-              <p:ext uri="{D42A27DB-BD31-4B8C-83A1-F6EECF244321}">
-                <p14:modId xmlns:p14="http://schemas.microsoft.com/office/powerpoint/2010/main" val="3932686332"/>
-              </p:ext>
-            </p:extLst>
-          </p:nvPr>
-        </p:nvGraphicFramePr>
-        <p:xfrm>
-          <a:off x="415505" y="391004"/>
-          <a:ext cx="11360989" cy="5774190"/>
-        </p:xfrm>
-        <a:graphic>
-          <a:graphicData uri="http://schemas.openxmlformats.org/drawingml/2006/table">
-            <a:tbl>
-              <a:tblPr firstRow="1" bandRow="1">
-                <a:tableStyleId>{5C22544A-7EE6-4342-B048-85BDC9FD1C3A}</a:tableStyleId>
-              </a:tblPr>
-              <a:tblGrid>
-                <a:gridCol w="1130060">
-                  <a:extLst>
-                    <a:ext uri="{9D8B030D-6E8A-4147-A177-3AD203B41FA5}">
-                      <a16:colId xmlns:a16="http://schemas.microsoft.com/office/drawing/2014/main" val="747525499"/>
-                    </a:ext>
-                  </a:extLst>
-                </a:gridCol>
-                <a:gridCol w="4466567">
-                  <a:extLst>
-                    <a:ext uri="{9D8B030D-6E8A-4147-A177-3AD203B41FA5}">
-                      <a16:colId xmlns:a16="http://schemas.microsoft.com/office/drawing/2014/main" val="2892156475"/>
-                    </a:ext>
-                  </a:extLst>
-                </a:gridCol>
-                <a:gridCol w="5764362">
-                  <a:extLst>
-                    <a:ext uri="{9D8B030D-6E8A-4147-A177-3AD203B41FA5}">
-                      <a16:colId xmlns:a16="http://schemas.microsoft.com/office/drawing/2014/main" val="3449804923"/>
-                    </a:ext>
-                  </a:extLst>
-                </a:gridCol>
-              </a:tblGrid>
-              <a:tr h="919355">
-                <a:tc>
-                  <a:txBody>
-                    <a:bodyPr/>
-                    <a:lstStyle/>
-                    <a:p>
-                      <a:r>
-                        <a:rPr lang="en-US" sz="4400" dirty="0"/>
-                        <a:t>15</a:t>
-                      </a:r>
-                    </a:p>
-                  </a:txBody>
-                  <a:tcPr/>
-                </a:tc>
-                <a:tc>
-                  <a:txBody>
-                    <a:bodyPr/>
-                    <a:lstStyle/>
-                    <a:p>
-                      <a:r>
-                        <a:rPr lang="en-US" sz="4400" dirty="0">
-                          <a:solidFill>
-                            <a:srgbClr val="FFFF00"/>
-                          </a:solidFill>
-                        </a:rPr>
-                        <a:t>OLED Display</a:t>
-                      </a:r>
-                    </a:p>
-                  </a:txBody>
-                  <a:tcPr/>
-                </a:tc>
-                <a:tc>
-                  <a:txBody>
-                    <a:bodyPr/>
-                    <a:lstStyle/>
-                    <a:p>
-                      <a:pPr marL="0" marR="0" lvl="0" indent="0" algn="l" defTabSz="914400" rtl="0" eaLnBrk="1" fontAlgn="auto" latinLnBrk="0" hangingPunct="1">
-                        <a:lnSpc>
-                          <a:spcPct val="100000"/>
-                        </a:lnSpc>
-                        <a:spcBef>
-                          <a:spcPts val="0"/>
-                        </a:spcBef>
-                        <a:spcAft>
-                          <a:spcPts val="0"/>
-                        </a:spcAft>
-                        <a:buClrTx/>
-                        <a:buSzTx/>
-                        <a:buFontTx/>
-                        <a:buNone/>
-                        <a:tabLst/>
-                        <a:defRPr/>
-                      </a:pPr>
-                      <a:r>
-                        <a:rPr lang="en-US" sz="3600" b="1" kern="1200" dirty="0">
-                          <a:solidFill>
-                            <a:schemeClr val="lt1"/>
-                          </a:solidFill>
-                          <a:latin typeface="+mn-lt"/>
-                          <a:ea typeface="+mn-ea"/>
-                          <a:cs typeface="+mn-cs"/>
-                        </a:rPr>
-                        <a:t>Organic Light Emitting Diode</a:t>
-                      </a:r>
-                    </a:p>
-                  </a:txBody>
-                  <a:tcPr/>
-                </a:tc>
-                <a:extLst>
-                  <a:ext uri="{0D108BD9-81ED-4DB2-BD59-A6C34878D82A}">
-                    <a16:rowId xmlns:a16="http://schemas.microsoft.com/office/drawing/2014/main" val="4166713368"/>
-                  </a:ext>
-                </a:extLst>
-              </a:tr>
-              <a:tr h="1591518">
-                <a:tc gridSpan="2">
-                  <a:txBody>
-                    <a:bodyPr/>
-                    <a:lstStyle/>
-                    <a:p>
-                      <a:r>
-                        <a:rPr lang="en-US" b="1" dirty="0"/>
-                        <a:t>Usage:</a:t>
-                      </a:r>
-                    </a:p>
-                    <a:p>
-                      <a:r>
-                        <a:rPr lang="en-US" dirty="0"/>
-                        <a:t>Very small pixel allows them to be made in arrays and used as a display for arbitrary shapes (including fonts)</a:t>
-                      </a:r>
-                    </a:p>
-                  </a:txBody>
-                  <a:tcPr/>
-                </a:tc>
-                <a:tc hMerge="1">
-                  <a:txBody>
-                    <a:bodyPr/>
-                    <a:lstStyle/>
-                    <a:p>
-                      <a:endParaRPr lang="en-US"/>
-                    </a:p>
-                  </a:txBody>
-                  <a:tcPr/>
-                </a:tc>
-                <a:tc>
-                  <a:txBody>
-                    <a:bodyPr/>
-                    <a:lstStyle/>
-                    <a:p>
-                      <a:r>
-                        <a:rPr lang="en-US" b="1" dirty="0"/>
-                        <a:t>Photo</a:t>
-                      </a:r>
-                      <a:r>
-                        <a:rPr lang="en-US" dirty="0"/>
-                        <a:t>:</a:t>
-                      </a:r>
-                    </a:p>
-                    <a:p>
-                      <a:endParaRPr lang="en-US" dirty="0"/>
-                    </a:p>
-                  </a:txBody>
-                  <a:tcPr/>
-                </a:tc>
-                <a:extLst>
-                  <a:ext uri="{0D108BD9-81ED-4DB2-BD59-A6C34878D82A}">
-                    <a16:rowId xmlns:a16="http://schemas.microsoft.com/office/drawing/2014/main" val="1083252038"/>
-                  </a:ext>
-                </a:extLst>
-              </a:tr>
-              <a:tr h="1525957">
-                <a:tc gridSpan="2">
-                  <a:txBody>
-                    <a:bodyPr/>
-                    <a:lstStyle/>
-                    <a:p>
-                      <a:pPr marL="0" marR="0" lvl="0" indent="0" algn="l" defTabSz="914400" rtl="0" eaLnBrk="1" fontAlgn="auto" latinLnBrk="0" hangingPunct="1">
-                        <a:lnSpc>
-                          <a:spcPct val="100000"/>
-                        </a:lnSpc>
-                        <a:spcBef>
-                          <a:spcPts val="0"/>
-                        </a:spcBef>
-                        <a:spcAft>
-                          <a:spcPts val="0"/>
-                        </a:spcAft>
-                        <a:buClrTx/>
-                        <a:buSzTx/>
-                        <a:buFontTx/>
-                        <a:buNone/>
-                        <a:tabLst/>
-                        <a:defRPr/>
-                      </a:pPr>
-                      <a:r>
-                        <a:rPr lang="en-US" b="1" dirty="0"/>
-                        <a:t>How it Works:</a:t>
-                      </a:r>
-                    </a:p>
-                    <a:p>
-                      <a:pPr marL="0" marR="0" lvl="0" indent="0" algn="l" defTabSz="914400" rtl="0" eaLnBrk="1" fontAlgn="auto" latinLnBrk="0" hangingPunct="1">
-                        <a:lnSpc>
-                          <a:spcPct val="100000"/>
-                        </a:lnSpc>
-                        <a:spcBef>
-                          <a:spcPts val="0"/>
-                        </a:spcBef>
-                        <a:spcAft>
-                          <a:spcPts val="0"/>
-                        </a:spcAft>
-                        <a:buClrTx/>
-                        <a:buSzTx/>
-                        <a:buFontTx/>
-                        <a:buNone/>
-                        <a:tabLst/>
-                        <a:defRPr/>
-                      </a:pPr>
-                      <a:r>
-                        <a:rPr lang="en-US" dirty="0"/>
-                        <a:t>An array (132 x 32 shown) of individual OLED dots plus some on board smarts allow messages to be sent and displayed.</a:t>
-                      </a:r>
-                    </a:p>
-                  </a:txBody>
-                  <a:tcPr/>
-                </a:tc>
-                <a:tc hMerge="1">
-                  <a:txBody>
-                    <a:bodyPr/>
-                    <a:lstStyle/>
-                    <a:p>
-                      <a:endParaRPr lang="en-US"/>
-                    </a:p>
-                  </a:txBody>
-                  <a:tcPr/>
-                </a:tc>
-                <a:tc>
-                  <a:txBody>
-                    <a:bodyPr/>
-                    <a:lstStyle/>
-                    <a:p>
-                      <a:pPr marL="0" marR="0" lvl="0" indent="0" algn="l" defTabSz="914400" rtl="0" eaLnBrk="1" fontAlgn="auto" latinLnBrk="0" hangingPunct="1">
-                        <a:lnSpc>
-                          <a:spcPct val="100000"/>
-                        </a:lnSpc>
-                        <a:spcBef>
-                          <a:spcPts val="0"/>
-                        </a:spcBef>
-                        <a:spcAft>
-                          <a:spcPts val="0"/>
-                        </a:spcAft>
-                        <a:buClrTx/>
-                        <a:buSzTx/>
-                        <a:buFontTx/>
-                        <a:buNone/>
-                        <a:tabLst/>
-                        <a:defRPr/>
-                      </a:pPr>
-                      <a:r>
-                        <a:rPr lang="en-US" b="1" dirty="0"/>
-                        <a:t>Pros:</a:t>
-                      </a:r>
-                    </a:p>
-                    <a:p>
-                      <a:pPr marL="285750" marR="0" lvl="0" indent="-285750" algn="l" defTabSz="914400" rtl="0" eaLnBrk="1" fontAlgn="auto" latinLnBrk="0" hangingPunct="1">
-                        <a:lnSpc>
-                          <a:spcPct val="100000"/>
-                        </a:lnSpc>
-                        <a:spcBef>
-                          <a:spcPts val="0"/>
-                        </a:spcBef>
-                        <a:spcAft>
-                          <a:spcPts val="0"/>
-                        </a:spcAft>
-                        <a:buClrTx/>
-                        <a:buSzTx/>
-                        <a:buFont typeface="Arial" panose="020B0604020202020204" pitchFamily="34" charset="0"/>
-                        <a:buChar char="•"/>
-                        <a:tabLst/>
-                        <a:defRPr/>
-                      </a:pPr>
-                      <a:r>
-                        <a:rPr lang="en-US" dirty="0"/>
-                        <a:t>Cheap and reliable. </a:t>
-                      </a:r>
-                    </a:p>
-                    <a:p>
-                      <a:pPr marL="285750" marR="0" lvl="0" indent="-285750" algn="l" defTabSz="914400" rtl="0" eaLnBrk="1" fontAlgn="auto" latinLnBrk="0" hangingPunct="1">
-                        <a:lnSpc>
-                          <a:spcPct val="100000"/>
-                        </a:lnSpc>
-                        <a:spcBef>
-                          <a:spcPts val="0"/>
-                        </a:spcBef>
-                        <a:spcAft>
-                          <a:spcPts val="0"/>
-                        </a:spcAft>
-                        <a:buClrTx/>
-                        <a:buSzTx/>
-                        <a:buFont typeface="Arial" panose="020B0604020202020204" pitchFamily="34" charset="0"/>
-                        <a:buChar char="•"/>
-                        <a:tabLst/>
-                        <a:defRPr/>
-                      </a:pPr>
-                      <a:r>
-                        <a:rPr lang="en-US" dirty="0"/>
-                        <a:t>Multiple units can butt against each other</a:t>
-                      </a:r>
-                    </a:p>
-                    <a:p>
-                      <a:r>
-                        <a:rPr lang="en-US" b="1" dirty="0"/>
-                        <a:t>Cons:</a:t>
-                      </a:r>
-                    </a:p>
-                    <a:p>
-                      <a:pPr marL="285750" indent="-285750">
-                        <a:buFont typeface="Arial" panose="020B0604020202020204" pitchFamily="34" charset="0"/>
-                        <a:buChar char="•"/>
-                      </a:pPr>
-                      <a:r>
-                        <a:rPr lang="en-US" dirty="0"/>
-                        <a:t>No ability to change colours</a:t>
-                      </a:r>
-                    </a:p>
-                    <a:p>
-                      <a:pPr marL="285750" indent="-285750">
-                        <a:buFont typeface="Arial" panose="020B0604020202020204" pitchFamily="34" charset="0"/>
-                        <a:buChar char="•"/>
-                      </a:pPr>
-                      <a:r>
-                        <a:rPr lang="en-US" dirty="0"/>
-                        <a:t>(Can be bought with different colours)</a:t>
-                      </a:r>
-                    </a:p>
-                  </a:txBody>
-                  <a:tcPr/>
-                </a:tc>
-                <a:extLst>
-                  <a:ext uri="{0D108BD9-81ED-4DB2-BD59-A6C34878D82A}">
-                    <a16:rowId xmlns:a16="http://schemas.microsoft.com/office/drawing/2014/main" val="2494442280"/>
-                  </a:ext>
-                </a:extLst>
-              </a:tr>
-              <a:tr h="1525957">
-                <a:tc gridSpan="2">
-                  <a:txBody>
-                    <a:bodyPr/>
-                    <a:lstStyle/>
-                    <a:p>
-                      <a:r>
-                        <a:rPr lang="en-US" b="1" dirty="0"/>
-                        <a:t>Notes:</a:t>
-                      </a:r>
-                    </a:p>
-                    <a:p>
-                      <a:pPr marL="0" marR="0" lvl="0" indent="0" algn="l" defTabSz="914400" rtl="0" eaLnBrk="1" fontAlgn="auto" latinLnBrk="0" hangingPunct="1">
-                        <a:lnSpc>
-                          <a:spcPct val="100000"/>
-                        </a:lnSpc>
-                        <a:spcBef>
-                          <a:spcPts val="0"/>
-                        </a:spcBef>
-                        <a:spcAft>
-                          <a:spcPts val="0"/>
-                        </a:spcAft>
-                        <a:buClrTx/>
-                        <a:buSzTx/>
-                        <a:buFontTx/>
-                        <a:buNone/>
-                        <a:tabLst/>
-                        <a:defRPr/>
-                      </a:pPr>
-                      <a:r>
-                        <a:rPr lang="en-US" dirty="0"/>
-                        <a:t>Uses I2C communications – 4 wires including power</a:t>
-                      </a:r>
-                    </a:p>
-                    <a:p>
-                      <a:pPr marL="0" marR="0" lvl="0" indent="0" algn="l" defTabSz="914400" rtl="0" eaLnBrk="1" fontAlgn="auto" latinLnBrk="0" hangingPunct="1">
-                        <a:lnSpc>
-                          <a:spcPct val="100000"/>
-                        </a:lnSpc>
-                        <a:spcBef>
-                          <a:spcPts val="0"/>
-                        </a:spcBef>
-                        <a:spcAft>
-                          <a:spcPts val="0"/>
-                        </a:spcAft>
-                        <a:buClrTx/>
-                        <a:buSzTx/>
-                        <a:buFontTx/>
-                        <a:buNone/>
-                        <a:tabLst/>
-                        <a:defRPr/>
-                      </a:pPr>
-                      <a:r>
-                        <a:rPr lang="en-US" dirty="0"/>
-                        <a:t>In software it is essentially:</a:t>
-                      </a:r>
-                    </a:p>
-                    <a:p>
-                      <a:pPr marL="0" marR="0" lvl="0" indent="0" algn="l" defTabSz="914400" rtl="0" eaLnBrk="1" fontAlgn="auto" latinLnBrk="0" hangingPunct="1">
-                        <a:lnSpc>
-                          <a:spcPct val="100000"/>
-                        </a:lnSpc>
-                        <a:spcBef>
-                          <a:spcPts val="0"/>
-                        </a:spcBef>
-                        <a:spcAft>
-                          <a:spcPts val="0"/>
-                        </a:spcAft>
-                        <a:buClrTx/>
-                        <a:buSzTx/>
-                        <a:buFontTx/>
-                        <a:buNone/>
-                        <a:tabLst/>
-                        <a:defRPr/>
-                      </a:pPr>
-                      <a:r>
-                        <a:rPr lang="en-US" dirty="0"/>
-                        <a:t> 1) Set the cursor location and </a:t>
-                      </a:r>
-                    </a:p>
-                    <a:p>
-                      <a:pPr marL="0" marR="0" lvl="0" indent="0" algn="l" defTabSz="914400" rtl="0" eaLnBrk="1" fontAlgn="auto" latinLnBrk="0" hangingPunct="1">
-                        <a:lnSpc>
-                          <a:spcPct val="100000"/>
-                        </a:lnSpc>
-                        <a:spcBef>
-                          <a:spcPts val="0"/>
-                        </a:spcBef>
-                        <a:spcAft>
-                          <a:spcPts val="0"/>
-                        </a:spcAft>
-                        <a:buClrTx/>
-                        <a:buSzTx/>
-                        <a:buFontTx/>
-                        <a:buNone/>
-                        <a:tabLst/>
-                        <a:defRPr/>
-                      </a:pPr>
-                      <a:r>
-                        <a:rPr lang="en-US" dirty="0"/>
-                        <a:t> 2) Print (text) or draw (lines)</a:t>
-                      </a:r>
-                    </a:p>
-                  </a:txBody>
-                  <a:tcPr/>
-                </a:tc>
-                <a:tc hMerge="1">
-                  <a:txBody>
-                    <a:bodyPr/>
-                    <a:lstStyle/>
-                    <a:p>
-                      <a:endParaRPr lang="en-US"/>
-                    </a:p>
-                  </a:txBody>
-                  <a:tcPr/>
-                </a:tc>
-                <a:tc>
-                  <a:txBody>
-                    <a:bodyPr/>
-                    <a:lstStyle/>
-                    <a:p>
-                      <a:r>
-                        <a:rPr lang="en-US" dirty="0"/>
-                        <a:t>Another common size is 132 x 64</a:t>
-                      </a:r>
-                    </a:p>
-                  </a:txBody>
-                  <a:tcPr/>
-                </a:tc>
-                <a:extLst>
-                  <a:ext uri="{0D108BD9-81ED-4DB2-BD59-A6C34878D82A}">
-                    <a16:rowId xmlns:a16="http://schemas.microsoft.com/office/drawing/2014/main" val="1235703702"/>
-                  </a:ext>
-                </a:extLst>
-              </a:tr>
-            </a:tbl>
-          </a:graphicData>
-        </a:graphic>
-      </p:graphicFrame>
-      <p:pic>
-        <p:nvPicPr>
-          <p:cNvPr id="5" name="Picture 4">
-            <a:extLst>
-              <a:ext uri="{FF2B5EF4-FFF2-40B4-BE49-F238E27FC236}">
-                <a16:creationId xmlns:a16="http://schemas.microsoft.com/office/drawing/2014/main" id="{EF97A1F5-2627-A0BE-845D-D726D25D8CB1}"/>
-              </a:ext>
-            </a:extLst>
-          </p:cNvPr>
-          <p:cNvPicPr>
-            <a:picLocks noChangeAspect="1"/>
-          </p:cNvPicPr>
-          <p:nvPr/>
-        </p:nvPicPr>
-        <p:blipFill>
-          <a:blip r:embed="rId3" cstate="email">
-            <a:extLst>
-              <a:ext uri="{28A0092B-C50C-407E-A947-70E740481C1C}">
-                <a14:useLocalDpi xmlns:a14="http://schemas.microsoft.com/office/drawing/2010/main"/>
-              </a:ext>
-            </a:extLst>
-          </a:blip>
-          <a:stretch>
-            <a:fillRect/>
-          </a:stretch>
-        </p:blipFill>
-        <p:spPr>
-          <a:xfrm>
-            <a:off x="7196988" y="1368382"/>
-            <a:ext cx="3490062" cy="1441493"/>
-          </a:xfrm>
-          <a:prstGeom prst="rect">
-            <a:avLst/>
-          </a:prstGeom>
-        </p:spPr>
-      </p:pic>
-      <p:sp>
-        <p:nvSpPr>
-          <p:cNvPr id="6" name="Subtitle 2">
-            <a:extLst>
-              <a:ext uri="{FF2B5EF4-FFF2-40B4-BE49-F238E27FC236}">
-                <a16:creationId xmlns:a16="http://schemas.microsoft.com/office/drawing/2014/main" id="{17F6AE45-3CBE-58D6-EAEC-C96E25235C1C}"/>
-              </a:ext>
-            </a:extLst>
-          </p:cNvPr>
-          <p:cNvSpPr txBox="1">
-            <a:spLocks/>
-          </p:cNvSpPr>
-          <p:nvPr/>
-        </p:nvSpPr>
-        <p:spPr>
-          <a:xfrm>
-            <a:off x="560718" y="6177560"/>
-            <a:ext cx="1357223" cy="558771"/>
-          </a:xfrm>
-          <a:prstGeom prst="rect">
-            <a:avLst/>
-          </a:prstGeom>
-        </p:spPr>
-        <p:txBody>
-          <a:bodyPr vert="horz" lIns="91440" tIns="45720" rIns="91440" bIns="45720" rtlCol="0">
-            <a:noAutofit/>
-          </a:bodyPr>
-          <a:lstStyle>
-            <a:lvl1pPr marL="0" indent="0" algn="ctr" defTabSz="914400" rtl="0" eaLnBrk="1" latinLnBrk="0" hangingPunct="1">
-              <a:lnSpc>
-                <a:spcPct val="90000"/>
-              </a:lnSpc>
-              <a:spcBef>
-                <a:spcPts val="1000"/>
-              </a:spcBef>
-              <a:buFont typeface="Arial" panose="020B0604020202020204" pitchFamily="34" charset="0"/>
-              <a:buNone/>
-              <a:defRPr sz="2400" kern="1200">
-                <a:solidFill>
-                  <a:schemeClr val="tx1"/>
-                </a:solidFill>
-                <a:latin typeface="+mn-lt"/>
-                <a:ea typeface="+mn-ea"/>
-                <a:cs typeface="+mn-cs"/>
-              </a:defRPr>
-            </a:lvl1pPr>
-            <a:lvl2pPr marL="457200" indent="0" algn="ctr" defTabSz="914400" rtl="0" eaLnBrk="1" latinLnBrk="0" hangingPunct="1">
-              <a:lnSpc>
-                <a:spcPct val="90000"/>
-              </a:lnSpc>
-              <a:spcBef>
-                <a:spcPts val="500"/>
-              </a:spcBef>
-              <a:buFont typeface="Arial" panose="020B0604020202020204" pitchFamily="34" charset="0"/>
-              <a:buNone/>
-              <a:defRPr sz="2000" kern="1200">
-                <a:solidFill>
-                  <a:schemeClr val="tx1"/>
-                </a:solidFill>
-                <a:latin typeface="+mn-lt"/>
-                <a:ea typeface="+mn-ea"/>
-                <a:cs typeface="+mn-cs"/>
-              </a:defRPr>
-            </a:lvl2pPr>
-            <a:lvl3pPr marL="914400" indent="0" algn="ctr" defTabSz="914400" rtl="0" eaLnBrk="1" latinLnBrk="0" hangingPunct="1">
-              <a:lnSpc>
-                <a:spcPct val="90000"/>
-              </a:lnSpc>
-              <a:spcBef>
-                <a:spcPts val="500"/>
-              </a:spcBef>
-              <a:buFont typeface="Arial" panose="020B0604020202020204" pitchFamily="34" charset="0"/>
-              <a:buNone/>
-              <a:defRPr sz="1800" kern="1200">
-                <a:solidFill>
-                  <a:schemeClr val="tx1"/>
-                </a:solidFill>
-                <a:latin typeface="+mn-lt"/>
-                <a:ea typeface="+mn-ea"/>
-                <a:cs typeface="+mn-cs"/>
-              </a:defRPr>
-            </a:lvl3pPr>
-            <a:lvl4pPr marL="1371600" indent="0" algn="ctr" defTabSz="914400" rtl="0" eaLnBrk="1" latinLnBrk="0" hangingPunct="1">
-              <a:lnSpc>
-                <a:spcPct val="90000"/>
-              </a:lnSpc>
-              <a:spcBef>
-                <a:spcPts val="500"/>
-              </a:spcBef>
-              <a:buFont typeface="Arial" panose="020B0604020202020204" pitchFamily="34" charset="0"/>
-              <a:buNone/>
-              <a:defRPr sz="1600" kern="1200">
-                <a:solidFill>
-                  <a:schemeClr val="tx1"/>
-                </a:solidFill>
-                <a:latin typeface="+mn-lt"/>
-                <a:ea typeface="+mn-ea"/>
-                <a:cs typeface="+mn-cs"/>
-              </a:defRPr>
-            </a:lvl4pPr>
-            <a:lvl5pPr marL="1828800" indent="0" algn="ctr" defTabSz="914400" rtl="0" eaLnBrk="1" latinLnBrk="0" hangingPunct="1">
-              <a:lnSpc>
-                <a:spcPct val="90000"/>
-              </a:lnSpc>
-              <a:spcBef>
-                <a:spcPts val="500"/>
-              </a:spcBef>
-              <a:buFont typeface="Arial" panose="020B0604020202020204" pitchFamily="34" charset="0"/>
-              <a:buNone/>
-              <a:defRPr sz="1600" kern="1200">
-                <a:solidFill>
-                  <a:schemeClr val="tx1"/>
-                </a:solidFill>
-                <a:latin typeface="+mn-lt"/>
-                <a:ea typeface="+mn-ea"/>
-                <a:cs typeface="+mn-cs"/>
-              </a:defRPr>
-            </a:lvl5pPr>
-            <a:lvl6pPr marL="2286000" indent="0" algn="ctr" defTabSz="914400" rtl="0" eaLnBrk="1" latinLnBrk="0" hangingPunct="1">
-              <a:lnSpc>
-                <a:spcPct val="90000"/>
-              </a:lnSpc>
-              <a:spcBef>
-                <a:spcPts val="500"/>
-              </a:spcBef>
-              <a:buFont typeface="Arial" panose="020B0604020202020204" pitchFamily="34" charset="0"/>
-              <a:buNone/>
-              <a:defRPr sz="1600" kern="1200">
-                <a:solidFill>
-                  <a:schemeClr val="tx1"/>
-                </a:solidFill>
-                <a:latin typeface="+mn-lt"/>
-                <a:ea typeface="+mn-ea"/>
-                <a:cs typeface="+mn-cs"/>
-              </a:defRPr>
-            </a:lvl6pPr>
-            <a:lvl7pPr marL="2743200" indent="0" algn="ctr" defTabSz="914400" rtl="0" eaLnBrk="1" latinLnBrk="0" hangingPunct="1">
-              <a:lnSpc>
-                <a:spcPct val="90000"/>
-              </a:lnSpc>
-              <a:spcBef>
-                <a:spcPts val="500"/>
-              </a:spcBef>
-              <a:buFont typeface="Arial" panose="020B0604020202020204" pitchFamily="34" charset="0"/>
-              <a:buNone/>
-              <a:defRPr sz="1600" kern="1200">
-                <a:solidFill>
-                  <a:schemeClr val="tx1"/>
-                </a:solidFill>
-                <a:latin typeface="+mn-lt"/>
-                <a:ea typeface="+mn-ea"/>
-                <a:cs typeface="+mn-cs"/>
-              </a:defRPr>
-            </a:lvl7pPr>
-            <a:lvl8pPr marL="3200400" indent="0" algn="ctr" defTabSz="914400" rtl="0" eaLnBrk="1" latinLnBrk="0" hangingPunct="1">
-              <a:lnSpc>
-                <a:spcPct val="90000"/>
-              </a:lnSpc>
-              <a:spcBef>
-                <a:spcPts val="500"/>
-              </a:spcBef>
-              <a:buFont typeface="Arial" panose="020B0604020202020204" pitchFamily="34" charset="0"/>
-              <a:buNone/>
-              <a:defRPr sz="1600" kern="1200">
-                <a:solidFill>
-                  <a:schemeClr val="tx1"/>
-                </a:solidFill>
-                <a:latin typeface="+mn-lt"/>
-                <a:ea typeface="+mn-ea"/>
-                <a:cs typeface="+mn-cs"/>
-              </a:defRPr>
-            </a:lvl8pPr>
-            <a:lvl9pPr marL="3657600" indent="0" algn="ctr" defTabSz="914400" rtl="0" eaLnBrk="1" latinLnBrk="0" hangingPunct="1">
-              <a:lnSpc>
-                <a:spcPct val="90000"/>
-              </a:lnSpc>
-              <a:spcBef>
-                <a:spcPts val="500"/>
-              </a:spcBef>
-              <a:buFont typeface="Arial" panose="020B0604020202020204" pitchFamily="34" charset="0"/>
-              <a:buNone/>
-              <a:defRPr sz="1600" kern="1200">
-                <a:solidFill>
-                  <a:schemeClr val="tx1"/>
-                </a:solidFill>
-                <a:latin typeface="+mn-lt"/>
-                <a:ea typeface="+mn-ea"/>
-                <a:cs typeface="+mn-cs"/>
-              </a:defRPr>
-            </a:lvl9pPr>
-          </a:lstStyle>
-          <a:p>
-            <a:endParaRPr lang="en-US" sz="3200" b="1" dirty="0">
-              <a:solidFill>
-                <a:schemeClr val="accent1">
-                  <a:lumMod val="60000"/>
-                  <a:lumOff val="40000"/>
-                </a:schemeClr>
-              </a:solidFill>
-              <a:latin typeface="MERG_Logo" pitchFamily="2" charset="0"/>
-            </a:endParaRPr>
-          </a:p>
-        </p:txBody>
-      </p:sp>
-      <p:pic>
-        <p:nvPicPr>
-          <p:cNvPr id="8" name="Picture 7">
-            <a:extLst>
-              <a:ext uri="{FF2B5EF4-FFF2-40B4-BE49-F238E27FC236}">
-                <a16:creationId xmlns:a16="http://schemas.microsoft.com/office/drawing/2014/main" id="{D4378779-2143-CD5E-33CE-EBD15094A222}"/>
-              </a:ext>
-            </a:extLst>
-          </p:cNvPr>
-          <p:cNvPicPr>
-            <a:picLocks noChangeAspect="1"/>
-          </p:cNvPicPr>
-          <p:nvPr/>
-        </p:nvPicPr>
-        <p:blipFill>
-          <a:blip r:embed="rId4" cstate="email">
-            <a:extLst>
-              <a:ext uri="{28A0092B-C50C-407E-A947-70E740481C1C}">
-                <a14:useLocalDpi xmlns:a14="http://schemas.microsoft.com/office/drawing/2010/main"/>
-              </a:ext>
-            </a:extLst>
-          </a:blip>
-          <a:stretch>
-            <a:fillRect/>
-          </a:stretch>
-        </p:blipFill>
-        <p:spPr>
-          <a:xfrm>
-            <a:off x="10749400" y="6239363"/>
-            <a:ext cx="1116784" cy="496968"/>
-          </a:xfrm>
-          <a:prstGeom prst="rect">
-            <a:avLst/>
-          </a:prstGeom>
-        </p:spPr>
-      </p:pic>
-    </p:spTree>
-    <p:extLst>
-      <p:ext uri="{BB962C8B-B14F-4D97-AF65-F5344CB8AC3E}">
-        <p14:creationId xmlns:p14="http://schemas.microsoft.com/office/powerpoint/2010/main" val="3422241517"/>
       </p:ext>
     </p:extLst>
   </p:cSld>
@@ -24627,6 +25003,806 @@
           <p:nvPr>
             <p:extLst>
               <p:ext uri="{D42A27DB-BD31-4B8C-83A1-F6EECF244321}">
+                <p14:modId xmlns:p14="http://schemas.microsoft.com/office/powerpoint/2010/main" val="3932686332"/>
+              </p:ext>
+            </p:extLst>
+          </p:nvPr>
+        </p:nvGraphicFramePr>
+        <p:xfrm>
+          <a:off x="415505" y="391004"/>
+          <a:ext cx="11360989" cy="5774190"/>
+        </p:xfrm>
+        <a:graphic>
+          <a:graphicData uri="http://schemas.openxmlformats.org/drawingml/2006/table">
+            <a:tbl>
+              <a:tblPr firstRow="1" bandRow="1">
+                <a:tableStyleId>{5C22544A-7EE6-4342-B048-85BDC9FD1C3A}</a:tableStyleId>
+              </a:tblPr>
+              <a:tblGrid>
+                <a:gridCol w="1130060">
+                  <a:extLst>
+                    <a:ext uri="{9D8B030D-6E8A-4147-A177-3AD203B41FA5}">
+                      <a16:colId xmlns:a16="http://schemas.microsoft.com/office/drawing/2014/main" val="747525499"/>
+                    </a:ext>
+                  </a:extLst>
+                </a:gridCol>
+                <a:gridCol w="4466567">
+                  <a:extLst>
+                    <a:ext uri="{9D8B030D-6E8A-4147-A177-3AD203B41FA5}">
+                      <a16:colId xmlns:a16="http://schemas.microsoft.com/office/drawing/2014/main" val="2892156475"/>
+                    </a:ext>
+                  </a:extLst>
+                </a:gridCol>
+                <a:gridCol w="5764362">
+                  <a:extLst>
+                    <a:ext uri="{9D8B030D-6E8A-4147-A177-3AD203B41FA5}">
+                      <a16:colId xmlns:a16="http://schemas.microsoft.com/office/drawing/2014/main" val="3449804923"/>
+                    </a:ext>
+                  </a:extLst>
+                </a:gridCol>
+              </a:tblGrid>
+              <a:tr h="919355">
+                <a:tc>
+                  <a:txBody>
+                    <a:bodyPr/>
+                    <a:lstStyle/>
+                    <a:p>
+                      <a:r>
+                        <a:rPr lang="en-US" sz="4400" dirty="0"/>
+                        <a:t>15</a:t>
+                      </a:r>
+                    </a:p>
+                  </a:txBody>
+                  <a:tcPr/>
+                </a:tc>
+                <a:tc>
+                  <a:txBody>
+                    <a:bodyPr/>
+                    <a:lstStyle/>
+                    <a:p>
+                      <a:r>
+                        <a:rPr lang="en-US" sz="4400" dirty="0">
+                          <a:solidFill>
+                            <a:srgbClr val="FFFF00"/>
+                          </a:solidFill>
+                        </a:rPr>
+                        <a:t>OLED Display</a:t>
+                      </a:r>
+                    </a:p>
+                  </a:txBody>
+                  <a:tcPr/>
+                </a:tc>
+                <a:tc>
+                  <a:txBody>
+                    <a:bodyPr/>
+                    <a:lstStyle/>
+                    <a:p>
+                      <a:pPr marL="0" marR="0" lvl="0" indent="0" algn="l" defTabSz="914400" rtl="0" eaLnBrk="1" fontAlgn="auto" latinLnBrk="0" hangingPunct="1">
+                        <a:lnSpc>
+                          <a:spcPct val="100000"/>
+                        </a:lnSpc>
+                        <a:spcBef>
+                          <a:spcPts val="0"/>
+                        </a:spcBef>
+                        <a:spcAft>
+                          <a:spcPts val="0"/>
+                        </a:spcAft>
+                        <a:buClrTx/>
+                        <a:buSzTx/>
+                        <a:buFontTx/>
+                        <a:buNone/>
+                        <a:tabLst/>
+                        <a:defRPr/>
+                      </a:pPr>
+                      <a:r>
+                        <a:rPr lang="en-US" sz="3600" b="1" kern="1200" dirty="0">
+                          <a:solidFill>
+                            <a:schemeClr val="lt1"/>
+                          </a:solidFill>
+                          <a:latin typeface="+mn-lt"/>
+                          <a:ea typeface="+mn-ea"/>
+                          <a:cs typeface="+mn-cs"/>
+                        </a:rPr>
+                        <a:t>Organic Light Emitting Diode</a:t>
+                      </a:r>
+                    </a:p>
+                  </a:txBody>
+                  <a:tcPr/>
+                </a:tc>
+                <a:extLst>
+                  <a:ext uri="{0D108BD9-81ED-4DB2-BD59-A6C34878D82A}">
+                    <a16:rowId xmlns:a16="http://schemas.microsoft.com/office/drawing/2014/main" val="4166713368"/>
+                  </a:ext>
+                </a:extLst>
+              </a:tr>
+              <a:tr h="1591518">
+                <a:tc gridSpan="2">
+                  <a:txBody>
+                    <a:bodyPr/>
+                    <a:lstStyle/>
+                    <a:p>
+                      <a:r>
+                        <a:rPr lang="en-US" b="1" dirty="0"/>
+                        <a:t>Usage:</a:t>
+                      </a:r>
+                    </a:p>
+                    <a:p>
+                      <a:r>
+                        <a:rPr lang="en-US" dirty="0"/>
+                        <a:t>Very small pixel allows them to be made in arrays and used as a display for arbitrary shapes (including fonts)</a:t>
+                      </a:r>
+                    </a:p>
+                  </a:txBody>
+                  <a:tcPr/>
+                </a:tc>
+                <a:tc hMerge="1">
+                  <a:txBody>
+                    <a:bodyPr/>
+                    <a:lstStyle/>
+                    <a:p>
+                      <a:endParaRPr lang="en-US"/>
+                    </a:p>
+                  </a:txBody>
+                  <a:tcPr/>
+                </a:tc>
+                <a:tc>
+                  <a:txBody>
+                    <a:bodyPr/>
+                    <a:lstStyle/>
+                    <a:p>
+                      <a:r>
+                        <a:rPr lang="en-US" b="1" dirty="0"/>
+                        <a:t>Photo</a:t>
+                      </a:r>
+                      <a:r>
+                        <a:rPr lang="en-US" dirty="0"/>
+                        <a:t>:</a:t>
+                      </a:r>
+                    </a:p>
+                    <a:p>
+                      <a:endParaRPr lang="en-US" dirty="0"/>
+                    </a:p>
+                  </a:txBody>
+                  <a:tcPr/>
+                </a:tc>
+                <a:extLst>
+                  <a:ext uri="{0D108BD9-81ED-4DB2-BD59-A6C34878D82A}">
+                    <a16:rowId xmlns:a16="http://schemas.microsoft.com/office/drawing/2014/main" val="1083252038"/>
+                  </a:ext>
+                </a:extLst>
+              </a:tr>
+              <a:tr h="1525957">
+                <a:tc gridSpan="2">
+                  <a:txBody>
+                    <a:bodyPr/>
+                    <a:lstStyle/>
+                    <a:p>
+                      <a:pPr marL="0" marR="0" lvl="0" indent="0" algn="l" defTabSz="914400" rtl="0" eaLnBrk="1" fontAlgn="auto" latinLnBrk="0" hangingPunct="1">
+                        <a:lnSpc>
+                          <a:spcPct val="100000"/>
+                        </a:lnSpc>
+                        <a:spcBef>
+                          <a:spcPts val="0"/>
+                        </a:spcBef>
+                        <a:spcAft>
+                          <a:spcPts val="0"/>
+                        </a:spcAft>
+                        <a:buClrTx/>
+                        <a:buSzTx/>
+                        <a:buFontTx/>
+                        <a:buNone/>
+                        <a:tabLst/>
+                        <a:defRPr/>
+                      </a:pPr>
+                      <a:r>
+                        <a:rPr lang="en-US" b="1" dirty="0"/>
+                        <a:t>How it Works:</a:t>
+                      </a:r>
+                    </a:p>
+                    <a:p>
+                      <a:pPr marL="0" marR="0" lvl="0" indent="0" algn="l" defTabSz="914400" rtl="0" eaLnBrk="1" fontAlgn="auto" latinLnBrk="0" hangingPunct="1">
+                        <a:lnSpc>
+                          <a:spcPct val="100000"/>
+                        </a:lnSpc>
+                        <a:spcBef>
+                          <a:spcPts val="0"/>
+                        </a:spcBef>
+                        <a:spcAft>
+                          <a:spcPts val="0"/>
+                        </a:spcAft>
+                        <a:buClrTx/>
+                        <a:buSzTx/>
+                        <a:buFontTx/>
+                        <a:buNone/>
+                        <a:tabLst/>
+                        <a:defRPr/>
+                      </a:pPr>
+                      <a:r>
+                        <a:rPr lang="en-US" dirty="0"/>
+                        <a:t>An array (132 x 32 shown) of individual OLED dots plus some on board smarts allow messages to be sent and displayed.</a:t>
+                      </a:r>
+                    </a:p>
+                  </a:txBody>
+                  <a:tcPr/>
+                </a:tc>
+                <a:tc hMerge="1">
+                  <a:txBody>
+                    <a:bodyPr/>
+                    <a:lstStyle/>
+                    <a:p>
+                      <a:endParaRPr lang="en-US"/>
+                    </a:p>
+                  </a:txBody>
+                  <a:tcPr/>
+                </a:tc>
+                <a:tc>
+                  <a:txBody>
+                    <a:bodyPr/>
+                    <a:lstStyle/>
+                    <a:p>
+                      <a:pPr marL="0" marR="0" lvl="0" indent="0" algn="l" defTabSz="914400" rtl="0" eaLnBrk="1" fontAlgn="auto" latinLnBrk="0" hangingPunct="1">
+                        <a:lnSpc>
+                          <a:spcPct val="100000"/>
+                        </a:lnSpc>
+                        <a:spcBef>
+                          <a:spcPts val="0"/>
+                        </a:spcBef>
+                        <a:spcAft>
+                          <a:spcPts val="0"/>
+                        </a:spcAft>
+                        <a:buClrTx/>
+                        <a:buSzTx/>
+                        <a:buFontTx/>
+                        <a:buNone/>
+                        <a:tabLst/>
+                        <a:defRPr/>
+                      </a:pPr>
+                      <a:r>
+                        <a:rPr lang="en-US" b="1" dirty="0"/>
+                        <a:t>Pros:</a:t>
+                      </a:r>
+                    </a:p>
+                    <a:p>
+                      <a:pPr marL="285750" marR="0" lvl="0" indent="-285750" algn="l" defTabSz="914400" rtl="0" eaLnBrk="1" fontAlgn="auto" latinLnBrk="0" hangingPunct="1">
+                        <a:lnSpc>
+                          <a:spcPct val="100000"/>
+                        </a:lnSpc>
+                        <a:spcBef>
+                          <a:spcPts val="0"/>
+                        </a:spcBef>
+                        <a:spcAft>
+                          <a:spcPts val="0"/>
+                        </a:spcAft>
+                        <a:buClrTx/>
+                        <a:buSzTx/>
+                        <a:buFont typeface="Arial" panose="020B0604020202020204" pitchFamily="34" charset="0"/>
+                        <a:buChar char="•"/>
+                        <a:tabLst/>
+                        <a:defRPr/>
+                      </a:pPr>
+                      <a:r>
+                        <a:rPr lang="en-US" dirty="0"/>
+                        <a:t>Cheap and reliable. </a:t>
+                      </a:r>
+                    </a:p>
+                    <a:p>
+                      <a:pPr marL="285750" marR="0" lvl="0" indent="-285750" algn="l" defTabSz="914400" rtl="0" eaLnBrk="1" fontAlgn="auto" latinLnBrk="0" hangingPunct="1">
+                        <a:lnSpc>
+                          <a:spcPct val="100000"/>
+                        </a:lnSpc>
+                        <a:spcBef>
+                          <a:spcPts val="0"/>
+                        </a:spcBef>
+                        <a:spcAft>
+                          <a:spcPts val="0"/>
+                        </a:spcAft>
+                        <a:buClrTx/>
+                        <a:buSzTx/>
+                        <a:buFont typeface="Arial" panose="020B0604020202020204" pitchFamily="34" charset="0"/>
+                        <a:buChar char="•"/>
+                        <a:tabLst/>
+                        <a:defRPr/>
+                      </a:pPr>
+                      <a:r>
+                        <a:rPr lang="en-US" dirty="0"/>
+                        <a:t>Multiple units can butt against each other</a:t>
+                      </a:r>
+                    </a:p>
+                    <a:p>
+                      <a:r>
+                        <a:rPr lang="en-US" b="1" dirty="0"/>
+                        <a:t>Cons:</a:t>
+                      </a:r>
+                    </a:p>
+                    <a:p>
+                      <a:pPr marL="285750" indent="-285750">
+                        <a:buFont typeface="Arial" panose="020B0604020202020204" pitchFamily="34" charset="0"/>
+                        <a:buChar char="•"/>
+                      </a:pPr>
+                      <a:r>
+                        <a:rPr lang="en-US" dirty="0"/>
+                        <a:t>No ability to change colours</a:t>
+                      </a:r>
+                    </a:p>
+                    <a:p>
+                      <a:pPr marL="285750" indent="-285750">
+                        <a:buFont typeface="Arial" panose="020B0604020202020204" pitchFamily="34" charset="0"/>
+                        <a:buChar char="•"/>
+                      </a:pPr>
+                      <a:r>
+                        <a:rPr lang="en-US" dirty="0"/>
+                        <a:t>(Can be bought with different colours)</a:t>
+                      </a:r>
+                    </a:p>
+                  </a:txBody>
+                  <a:tcPr/>
+                </a:tc>
+                <a:extLst>
+                  <a:ext uri="{0D108BD9-81ED-4DB2-BD59-A6C34878D82A}">
+                    <a16:rowId xmlns:a16="http://schemas.microsoft.com/office/drawing/2014/main" val="2494442280"/>
+                  </a:ext>
+                </a:extLst>
+              </a:tr>
+              <a:tr h="1525957">
+                <a:tc gridSpan="2">
+                  <a:txBody>
+                    <a:bodyPr/>
+                    <a:lstStyle/>
+                    <a:p>
+                      <a:r>
+                        <a:rPr lang="en-US" b="1" dirty="0"/>
+                        <a:t>Notes:</a:t>
+                      </a:r>
+                    </a:p>
+                    <a:p>
+                      <a:pPr marL="0" marR="0" lvl="0" indent="0" algn="l" defTabSz="914400" rtl="0" eaLnBrk="1" fontAlgn="auto" latinLnBrk="0" hangingPunct="1">
+                        <a:lnSpc>
+                          <a:spcPct val="100000"/>
+                        </a:lnSpc>
+                        <a:spcBef>
+                          <a:spcPts val="0"/>
+                        </a:spcBef>
+                        <a:spcAft>
+                          <a:spcPts val="0"/>
+                        </a:spcAft>
+                        <a:buClrTx/>
+                        <a:buSzTx/>
+                        <a:buFontTx/>
+                        <a:buNone/>
+                        <a:tabLst/>
+                        <a:defRPr/>
+                      </a:pPr>
+                      <a:r>
+                        <a:rPr lang="en-US" dirty="0"/>
+                        <a:t>Uses I2C communications – 4 wires including power</a:t>
+                      </a:r>
+                    </a:p>
+                    <a:p>
+                      <a:pPr marL="0" marR="0" lvl="0" indent="0" algn="l" defTabSz="914400" rtl="0" eaLnBrk="1" fontAlgn="auto" latinLnBrk="0" hangingPunct="1">
+                        <a:lnSpc>
+                          <a:spcPct val="100000"/>
+                        </a:lnSpc>
+                        <a:spcBef>
+                          <a:spcPts val="0"/>
+                        </a:spcBef>
+                        <a:spcAft>
+                          <a:spcPts val="0"/>
+                        </a:spcAft>
+                        <a:buClrTx/>
+                        <a:buSzTx/>
+                        <a:buFontTx/>
+                        <a:buNone/>
+                        <a:tabLst/>
+                        <a:defRPr/>
+                      </a:pPr>
+                      <a:r>
+                        <a:rPr lang="en-US" dirty="0"/>
+                        <a:t>In software it is essentially:</a:t>
+                      </a:r>
+                    </a:p>
+                    <a:p>
+                      <a:pPr marL="0" marR="0" lvl="0" indent="0" algn="l" defTabSz="914400" rtl="0" eaLnBrk="1" fontAlgn="auto" latinLnBrk="0" hangingPunct="1">
+                        <a:lnSpc>
+                          <a:spcPct val="100000"/>
+                        </a:lnSpc>
+                        <a:spcBef>
+                          <a:spcPts val="0"/>
+                        </a:spcBef>
+                        <a:spcAft>
+                          <a:spcPts val="0"/>
+                        </a:spcAft>
+                        <a:buClrTx/>
+                        <a:buSzTx/>
+                        <a:buFontTx/>
+                        <a:buNone/>
+                        <a:tabLst/>
+                        <a:defRPr/>
+                      </a:pPr>
+                      <a:r>
+                        <a:rPr lang="en-US" dirty="0"/>
+                        <a:t> 1) Set the cursor location and </a:t>
+                      </a:r>
+                    </a:p>
+                    <a:p>
+                      <a:pPr marL="0" marR="0" lvl="0" indent="0" algn="l" defTabSz="914400" rtl="0" eaLnBrk="1" fontAlgn="auto" latinLnBrk="0" hangingPunct="1">
+                        <a:lnSpc>
+                          <a:spcPct val="100000"/>
+                        </a:lnSpc>
+                        <a:spcBef>
+                          <a:spcPts val="0"/>
+                        </a:spcBef>
+                        <a:spcAft>
+                          <a:spcPts val="0"/>
+                        </a:spcAft>
+                        <a:buClrTx/>
+                        <a:buSzTx/>
+                        <a:buFontTx/>
+                        <a:buNone/>
+                        <a:tabLst/>
+                        <a:defRPr/>
+                      </a:pPr>
+                      <a:r>
+                        <a:rPr lang="en-US" dirty="0"/>
+                        <a:t> 2) Print (text) or draw (lines)</a:t>
+                      </a:r>
+                    </a:p>
+                  </a:txBody>
+                  <a:tcPr/>
+                </a:tc>
+                <a:tc hMerge="1">
+                  <a:txBody>
+                    <a:bodyPr/>
+                    <a:lstStyle/>
+                    <a:p>
+                      <a:endParaRPr lang="en-US"/>
+                    </a:p>
+                  </a:txBody>
+                  <a:tcPr/>
+                </a:tc>
+                <a:tc>
+                  <a:txBody>
+                    <a:bodyPr/>
+                    <a:lstStyle/>
+                    <a:p>
+                      <a:r>
+                        <a:rPr lang="en-US" dirty="0"/>
+                        <a:t>Another common size is 132 x 64</a:t>
+                      </a:r>
+                    </a:p>
+                  </a:txBody>
+                  <a:tcPr/>
+                </a:tc>
+                <a:extLst>
+                  <a:ext uri="{0D108BD9-81ED-4DB2-BD59-A6C34878D82A}">
+                    <a16:rowId xmlns:a16="http://schemas.microsoft.com/office/drawing/2014/main" val="1235703702"/>
+                  </a:ext>
+                </a:extLst>
+              </a:tr>
+            </a:tbl>
+          </a:graphicData>
+        </a:graphic>
+      </p:graphicFrame>
+      <p:pic>
+        <p:nvPicPr>
+          <p:cNvPr id="5" name="Picture 4">
+            <a:extLst>
+              <a:ext uri="{FF2B5EF4-FFF2-40B4-BE49-F238E27FC236}">
+                <a16:creationId xmlns:a16="http://schemas.microsoft.com/office/drawing/2014/main" id="{EF97A1F5-2627-A0BE-845D-D726D25D8CB1}"/>
+              </a:ext>
+            </a:extLst>
+          </p:cNvPr>
+          <p:cNvPicPr>
+            <a:picLocks noChangeAspect="1"/>
+          </p:cNvPicPr>
+          <p:nvPr/>
+        </p:nvPicPr>
+        <p:blipFill>
+          <a:blip r:embed="rId3" cstate="email">
+            <a:extLst>
+              <a:ext uri="{28A0092B-C50C-407E-A947-70E740481C1C}">
+                <a14:useLocalDpi xmlns:a14="http://schemas.microsoft.com/office/drawing/2010/main"/>
+              </a:ext>
+            </a:extLst>
+          </a:blip>
+          <a:stretch>
+            <a:fillRect/>
+          </a:stretch>
+        </p:blipFill>
+        <p:spPr>
+          <a:xfrm>
+            <a:off x="7196988" y="1368382"/>
+            <a:ext cx="3490062" cy="1441493"/>
+          </a:xfrm>
+          <a:prstGeom prst="rect">
+            <a:avLst/>
+          </a:prstGeom>
+        </p:spPr>
+      </p:pic>
+      <p:sp>
+        <p:nvSpPr>
+          <p:cNvPr id="6" name="Subtitle 2">
+            <a:extLst>
+              <a:ext uri="{FF2B5EF4-FFF2-40B4-BE49-F238E27FC236}">
+                <a16:creationId xmlns:a16="http://schemas.microsoft.com/office/drawing/2014/main" id="{17F6AE45-3CBE-58D6-EAEC-C96E25235C1C}"/>
+              </a:ext>
+            </a:extLst>
+          </p:cNvPr>
+          <p:cNvSpPr txBox="1">
+            <a:spLocks/>
+          </p:cNvSpPr>
+          <p:nvPr/>
+        </p:nvSpPr>
+        <p:spPr>
+          <a:xfrm>
+            <a:off x="560718" y="6177560"/>
+            <a:ext cx="1357223" cy="558771"/>
+          </a:xfrm>
+          <a:prstGeom prst="rect">
+            <a:avLst/>
+          </a:prstGeom>
+        </p:spPr>
+        <p:txBody>
+          <a:bodyPr vert="horz" lIns="91440" tIns="45720" rIns="91440" bIns="45720" rtlCol="0">
+            <a:noAutofit/>
+          </a:bodyPr>
+          <a:lstStyle>
+            <a:lvl1pPr marL="0" indent="0" algn="ctr" defTabSz="914400" rtl="0" eaLnBrk="1" latinLnBrk="0" hangingPunct="1">
+              <a:lnSpc>
+                <a:spcPct val="90000"/>
+              </a:lnSpc>
+              <a:spcBef>
+                <a:spcPts val="1000"/>
+              </a:spcBef>
+              <a:buFont typeface="Arial" panose="020B0604020202020204" pitchFamily="34" charset="0"/>
+              <a:buNone/>
+              <a:defRPr sz="2400" kern="1200">
+                <a:solidFill>
+                  <a:schemeClr val="tx1"/>
+                </a:solidFill>
+                <a:latin typeface="+mn-lt"/>
+                <a:ea typeface="+mn-ea"/>
+                <a:cs typeface="+mn-cs"/>
+              </a:defRPr>
+            </a:lvl1pPr>
+            <a:lvl2pPr marL="457200" indent="0" algn="ctr" defTabSz="914400" rtl="0" eaLnBrk="1" latinLnBrk="0" hangingPunct="1">
+              <a:lnSpc>
+                <a:spcPct val="90000"/>
+              </a:lnSpc>
+              <a:spcBef>
+                <a:spcPts val="500"/>
+              </a:spcBef>
+              <a:buFont typeface="Arial" panose="020B0604020202020204" pitchFamily="34" charset="0"/>
+              <a:buNone/>
+              <a:defRPr sz="2000" kern="1200">
+                <a:solidFill>
+                  <a:schemeClr val="tx1"/>
+                </a:solidFill>
+                <a:latin typeface="+mn-lt"/>
+                <a:ea typeface="+mn-ea"/>
+                <a:cs typeface="+mn-cs"/>
+              </a:defRPr>
+            </a:lvl2pPr>
+            <a:lvl3pPr marL="914400" indent="0" algn="ctr" defTabSz="914400" rtl="0" eaLnBrk="1" latinLnBrk="0" hangingPunct="1">
+              <a:lnSpc>
+                <a:spcPct val="90000"/>
+              </a:lnSpc>
+              <a:spcBef>
+                <a:spcPts val="500"/>
+              </a:spcBef>
+              <a:buFont typeface="Arial" panose="020B0604020202020204" pitchFamily="34" charset="0"/>
+              <a:buNone/>
+              <a:defRPr sz="1800" kern="1200">
+                <a:solidFill>
+                  <a:schemeClr val="tx1"/>
+                </a:solidFill>
+                <a:latin typeface="+mn-lt"/>
+                <a:ea typeface="+mn-ea"/>
+                <a:cs typeface="+mn-cs"/>
+              </a:defRPr>
+            </a:lvl3pPr>
+            <a:lvl4pPr marL="1371600" indent="0" algn="ctr" defTabSz="914400" rtl="0" eaLnBrk="1" latinLnBrk="0" hangingPunct="1">
+              <a:lnSpc>
+                <a:spcPct val="90000"/>
+              </a:lnSpc>
+              <a:spcBef>
+                <a:spcPts val="500"/>
+              </a:spcBef>
+              <a:buFont typeface="Arial" panose="020B0604020202020204" pitchFamily="34" charset="0"/>
+              <a:buNone/>
+              <a:defRPr sz="1600" kern="1200">
+                <a:solidFill>
+                  <a:schemeClr val="tx1"/>
+                </a:solidFill>
+                <a:latin typeface="+mn-lt"/>
+                <a:ea typeface="+mn-ea"/>
+                <a:cs typeface="+mn-cs"/>
+              </a:defRPr>
+            </a:lvl4pPr>
+            <a:lvl5pPr marL="1828800" indent="0" algn="ctr" defTabSz="914400" rtl="0" eaLnBrk="1" latinLnBrk="0" hangingPunct="1">
+              <a:lnSpc>
+                <a:spcPct val="90000"/>
+              </a:lnSpc>
+              <a:spcBef>
+                <a:spcPts val="500"/>
+              </a:spcBef>
+              <a:buFont typeface="Arial" panose="020B0604020202020204" pitchFamily="34" charset="0"/>
+              <a:buNone/>
+              <a:defRPr sz="1600" kern="1200">
+                <a:solidFill>
+                  <a:schemeClr val="tx1"/>
+                </a:solidFill>
+                <a:latin typeface="+mn-lt"/>
+                <a:ea typeface="+mn-ea"/>
+                <a:cs typeface="+mn-cs"/>
+              </a:defRPr>
+            </a:lvl5pPr>
+            <a:lvl6pPr marL="2286000" indent="0" algn="ctr" defTabSz="914400" rtl="0" eaLnBrk="1" latinLnBrk="0" hangingPunct="1">
+              <a:lnSpc>
+                <a:spcPct val="90000"/>
+              </a:lnSpc>
+              <a:spcBef>
+                <a:spcPts val="500"/>
+              </a:spcBef>
+              <a:buFont typeface="Arial" panose="020B0604020202020204" pitchFamily="34" charset="0"/>
+              <a:buNone/>
+              <a:defRPr sz="1600" kern="1200">
+                <a:solidFill>
+                  <a:schemeClr val="tx1"/>
+                </a:solidFill>
+                <a:latin typeface="+mn-lt"/>
+                <a:ea typeface="+mn-ea"/>
+                <a:cs typeface="+mn-cs"/>
+              </a:defRPr>
+            </a:lvl6pPr>
+            <a:lvl7pPr marL="2743200" indent="0" algn="ctr" defTabSz="914400" rtl="0" eaLnBrk="1" latinLnBrk="0" hangingPunct="1">
+              <a:lnSpc>
+                <a:spcPct val="90000"/>
+              </a:lnSpc>
+              <a:spcBef>
+                <a:spcPts val="500"/>
+              </a:spcBef>
+              <a:buFont typeface="Arial" panose="020B0604020202020204" pitchFamily="34" charset="0"/>
+              <a:buNone/>
+              <a:defRPr sz="1600" kern="1200">
+                <a:solidFill>
+                  <a:schemeClr val="tx1"/>
+                </a:solidFill>
+                <a:latin typeface="+mn-lt"/>
+                <a:ea typeface="+mn-ea"/>
+                <a:cs typeface="+mn-cs"/>
+              </a:defRPr>
+            </a:lvl7pPr>
+            <a:lvl8pPr marL="3200400" indent="0" algn="ctr" defTabSz="914400" rtl="0" eaLnBrk="1" latinLnBrk="0" hangingPunct="1">
+              <a:lnSpc>
+                <a:spcPct val="90000"/>
+              </a:lnSpc>
+              <a:spcBef>
+                <a:spcPts val="500"/>
+              </a:spcBef>
+              <a:buFont typeface="Arial" panose="020B0604020202020204" pitchFamily="34" charset="0"/>
+              <a:buNone/>
+              <a:defRPr sz="1600" kern="1200">
+                <a:solidFill>
+                  <a:schemeClr val="tx1"/>
+                </a:solidFill>
+                <a:latin typeface="+mn-lt"/>
+                <a:ea typeface="+mn-ea"/>
+                <a:cs typeface="+mn-cs"/>
+              </a:defRPr>
+            </a:lvl8pPr>
+            <a:lvl9pPr marL="3657600" indent="0" algn="ctr" defTabSz="914400" rtl="0" eaLnBrk="1" latinLnBrk="0" hangingPunct="1">
+              <a:lnSpc>
+                <a:spcPct val="90000"/>
+              </a:lnSpc>
+              <a:spcBef>
+                <a:spcPts val="500"/>
+              </a:spcBef>
+              <a:buFont typeface="Arial" panose="020B0604020202020204" pitchFamily="34" charset="0"/>
+              <a:buNone/>
+              <a:defRPr sz="1600" kern="1200">
+                <a:solidFill>
+                  <a:schemeClr val="tx1"/>
+                </a:solidFill>
+                <a:latin typeface="+mn-lt"/>
+                <a:ea typeface="+mn-ea"/>
+                <a:cs typeface="+mn-cs"/>
+              </a:defRPr>
+            </a:lvl9pPr>
+          </a:lstStyle>
+          <a:p>
+            <a:endParaRPr lang="en-US" sz="3200" b="1" dirty="0">
+              <a:solidFill>
+                <a:schemeClr val="accent1">
+                  <a:lumMod val="60000"/>
+                  <a:lumOff val="40000"/>
+                </a:schemeClr>
+              </a:solidFill>
+              <a:latin typeface="MERG_Logo" pitchFamily="2" charset="0"/>
+            </a:endParaRPr>
+          </a:p>
+        </p:txBody>
+      </p:sp>
+      <p:pic>
+        <p:nvPicPr>
+          <p:cNvPr id="8" name="Picture 7">
+            <a:extLst>
+              <a:ext uri="{FF2B5EF4-FFF2-40B4-BE49-F238E27FC236}">
+                <a16:creationId xmlns:a16="http://schemas.microsoft.com/office/drawing/2014/main" id="{D4378779-2143-CD5E-33CE-EBD15094A222}"/>
+              </a:ext>
+            </a:extLst>
+          </p:cNvPr>
+          <p:cNvPicPr>
+            <a:picLocks noChangeAspect="1"/>
+          </p:cNvPicPr>
+          <p:nvPr/>
+        </p:nvPicPr>
+        <p:blipFill>
+          <a:blip r:embed="rId4" cstate="email">
+            <a:extLst>
+              <a:ext uri="{28A0092B-C50C-407E-A947-70E740481C1C}">
+                <a14:useLocalDpi xmlns:a14="http://schemas.microsoft.com/office/drawing/2010/main"/>
+              </a:ext>
+            </a:extLst>
+          </a:blip>
+          <a:stretch>
+            <a:fillRect/>
+          </a:stretch>
+        </p:blipFill>
+        <p:spPr>
+          <a:xfrm>
+            <a:off x="10749400" y="6239363"/>
+            <a:ext cx="1116784" cy="496968"/>
+          </a:xfrm>
+          <a:prstGeom prst="rect">
+            <a:avLst/>
+          </a:prstGeom>
+        </p:spPr>
+      </p:pic>
+    </p:spTree>
+    <p:extLst>
+      <p:ext uri="{BB962C8B-B14F-4D97-AF65-F5344CB8AC3E}">
+        <p14:creationId xmlns:p14="http://schemas.microsoft.com/office/powerpoint/2010/main" val="3422241517"/>
+      </p:ext>
+    </p:extLst>
+  </p:cSld>
+  <p:clrMapOvr>
+    <a:masterClrMapping/>
+  </p:clrMapOvr>
+</p:sld>
+</file>
+
+<file path=ppt/slides/slide31.xml><?xml version="1.0" encoding="utf-8"?>
+<p:sld xmlns:a="http://schemas.openxmlformats.org/drawingml/2006/main" xmlns:r="http://schemas.openxmlformats.org/officeDocument/2006/relationships" xmlns:p="http://schemas.openxmlformats.org/presentationml/2006/main">
+  <p:cSld>
+    <p:spTree>
+      <p:nvGrpSpPr>
+        <p:cNvPr id="1" name=""/>
+        <p:cNvGrpSpPr/>
+        <p:nvPr/>
+      </p:nvGrpSpPr>
+      <p:grpSpPr>
+        <a:xfrm>
+          <a:off x="0" y="0"/>
+          <a:ext cx="0" cy="0"/>
+          <a:chOff x="0" y="0"/>
+          <a:chExt cx="0" cy="0"/>
+        </a:xfrm>
+      </p:grpSpPr>
+      <p:graphicFrame>
+        <p:nvGraphicFramePr>
+          <p:cNvPr id="7" name="Table 7">
+            <a:extLst>
+              <a:ext uri="{FF2B5EF4-FFF2-40B4-BE49-F238E27FC236}">
+                <a16:creationId xmlns:a16="http://schemas.microsoft.com/office/drawing/2014/main" id="{9B2F03AA-E6B2-4CB4-910F-7DA903FD6ED6}"/>
+              </a:ext>
+            </a:extLst>
+          </p:cNvPr>
+          <p:cNvGraphicFramePr>
+            <a:graphicFrameLocks noGrp="1"/>
+          </p:cNvGraphicFramePr>
+          <p:nvPr>
+            <p:extLst>
+              <p:ext uri="{D42A27DB-BD31-4B8C-83A1-F6EECF244321}">
                 <p14:modId xmlns:p14="http://schemas.microsoft.com/office/powerpoint/2010/main" val="3620238595"/>
               </p:ext>
             </p:extLst>
@@ -25345,7 +26521,7 @@
 </p:sld>
 </file>
 
-<file path=ppt/slides/slide31.xml><?xml version="1.0" encoding="utf-8"?>
+<file path=ppt/slides/slide32.xml><?xml version="1.0" encoding="utf-8"?>
 <p:sld xmlns:a="http://schemas.openxmlformats.org/drawingml/2006/main" xmlns:r="http://schemas.openxmlformats.org/officeDocument/2006/relationships" xmlns:p="http://schemas.openxmlformats.org/presentationml/2006/main">
   <p:cSld>
     <p:spTree>
@@ -26506,7 +27682,7 @@
 </p:sld>
 </file>
 
-<file path=ppt/slides/slide32.xml><?xml version="1.0" encoding="utf-8"?>
+<file path=ppt/slides/slide33.xml><?xml version="1.0" encoding="utf-8"?>
 <p:sld xmlns:a="http://schemas.openxmlformats.org/drawingml/2006/main" xmlns:r="http://schemas.openxmlformats.org/officeDocument/2006/relationships" xmlns:p="http://schemas.openxmlformats.org/presentationml/2006/main">
   <p:cSld>
     <p:bg>
@@ -26743,7 +27919,7 @@
 </p:sld>
 </file>
 
-<file path=ppt/slides/slide33.xml><?xml version="1.0" encoding="utf-8"?>
+<file path=ppt/slides/slide34.xml><?xml version="1.0" encoding="utf-8"?>
 <p:sld xmlns:a="http://schemas.openxmlformats.org/drawingml/2006/main" xmlns:r="http://schemas.openxmlformats.org/officeDocument/2006/relationships" xmlns:p="http://schemas.openxmlformats.org/presentationml/2006/main">
   <p:cSld>
     <p:spTree>
@@ -27326,7 +28502,7 @@
 </p:sld>
 </file>
 
-<file path=ppt/slides/slide34.xml><?xml version="1.0" encoding="utf-8"?>
+<file path=ppt/slides/slide35.xml><?xml version="1.0" encoding="utf-8"?>
 <p:sld xmlns:a="http://schemas.openxmlformats.org/drawingml/2006/main" xmlns:r="http://schemas.openxmlformats.org/officeDocument/2006/relationships" xmlns:p="http://schemas.openxmlformats.org/presentationml/2006/main">
   <p:cSld>
     <p:spTree>
@@ -28033,7 +29209,7 @@
 </p:sld>
 </file>
 
-<file path=ppt/slides/slide35.xml><?xml version="1.0" encoding="utf-8"?>
+<file path=ppt/slides/slide36.xml><?xml version="1.0" encoding="utf-8"?>
 <p:sld xmlns:a="http://schemas.openxmlformats.org/drawingml/2006/main" xmlns:r="http://schemas.openxmlformats.org/officeDocument/2006/relationships" xmlns:p="http://schemas.openxmlformats.org/presentationml/2006/main">
   <p:cSld>
     <p:spTree>
@@ -29999,7 +31175,7 @@
 </p:sld>
 </file>
 
-<file path=ppt/slides/slide36.xml><?xml version="1.0" encoding="utf-8"?>
+<file path=ppt/slides/slide37.xml><?xml version="1.0" encoding="utf-8"?>
 <p:sld xmlns:a="http://schemas.openxmlformats.org/drawingml/2006/main" xmlns:r="http://schemas.openxmlformats.org/officeDocument/2006/relationships" xmlns:p="http://schemas.openxmlformats.org/presentationml/2006/main">
   <p:cSld>
     <p:spTree>
@@ -30031,7 +31207,7 @@
           <p:nvPr>
             <p:extLst>
               <p:ext uri="{D42A27DB-BD31-4B8C-83A1-F6EECF244321}">
-                <p14:modId xmlns:p14="http://schemas.microsoft.com/office/powerpoint/2010/main" val="1330228294"/>
+                <p14:modId xmlns:p14="http://schemas.microsoft.com/office/powerpoint/2010/main" val="1948430443"/>
               </p:ext>
             </p:extLst>
           </p:nvPr>
@@ -30075,10 +31251,7 @@
                     <a:bodyPr/>
                     <a:lstStyle/>
                     <a:p>
-                      <a:r>
-                        <a:rPr lang="en-US" sz="4400" dirty="0"/>
-                        <a:t>09</a:t>
-                      </a:r>
+                      <a:endParaRPr lang="en-US" sz="4400" dirty="0"/>
                     </a:p>
                   </a:txBody>
                   <a:tcPr/>
@@ -30847,7 +32020,7 @@
 </p:sld>
 </file>
 
-<file path=ppt/slides/slide37.xml><?xml version="1.0" encoding="utf-8"?>
+<file path=ppt/slides/slide38.xml><?xml version="1.0" encoding="utf-8"?>
 <p:sld xmlns:a="http://schemas.openxmlformats.org/drawingml/2006/main" xmlns:r="http://schemas.openxmlformats.org/officeDocument/2006/relationships" xmlns:p="http://schemas.openxmlformats.org/presentationml/2006/main">
   <p:cSld>
     <p:spTree>
@@ -31933,7 +33106,7 @@
 </p:sld>
 </file>
 
-<file path=ppt/slides/slide38.xml><?xml version="1.0" encoding="utf-8"?>
+<file path=ppt/slides/slide39.xml><?xml version="1.0" encoding="utf-8"?>
 <p:sld xmlns:a="http://schemas.openxmlformats.org/drawingml/2006/main" xmlns:r="http://schemas.openxmlformats.org/officeDocument/2006/relationships" xmlns:p="http://schemas.openxmlformats.org/presentationml/2006/main">
   <p:cSld>
     <p:spTree>
@@ -32698,563 +33871,6 @@
     <p:extLst>
       <p:ext uri="{BB962C8B-B14F-4D97-AF65-F5344CB8AC3E}">
         <p14:creationId xmlns:p14="http://schemas.microsoft.com/office/powerpoint/2010/main" val="699886772"/>
-      </p:ext>
-    </p:extLst>
-  </p:cSld>
-  <p:clrMapOvr>
-    <a:masterClrMapping/>
-  </p:clrMapOvr>
-</p:sld>
-</file>
-
-<file path=ppt/slides/slide39.xml><?xml version="1.0" encoding="utf-8"?>
-<p:sld xmlns:a="http://schemas.openxmlformats.org/drawingml/2006/main" xmlns:r="http://schemas.openxmlformats.org/officeDocument/2006/relationships" xmlns:p="http://schemas.openxmlformats.org/presentationml/2006/main">
-  <p:cSld>
-    <p:spTree>
-      <p:nvGrpSpPr>
-        <p:cNvPr id="1" name=""/>
-        <p:cNvGrpSpPr/>
-        <p:nvPr/>
-      </p:nvGrpSpPr>
-      <p:grpSpPr>
-        <a:xfrm>
-          <a:off x="0" y="0"/>
-          <a:ext cx="0" cy="0"/>
-          <a:chOff x="0" y="0"/>
-          <a:chExt cx="0" cy="0"/>
-        </a:xfrm>
-      </p:grpSpPr>
-      <p:graphicFrame>
-        <p:nvGraphicFramePr>
-          <p:cNvPr id="7" name="Table 7">
-            <a:extLst>
-              <a:ext uri="{FF2B5EF4-FFF2-40B4-BE49-F238E27FC236}">
-                <a16:creationId xmlns:a16="http://schemas.microsoft.com/office/drawing/2014/main" id="{9B2F03AA-E6B2-4CB4-910F-7DA903FD6ED6}"/>
-              </a:ext>
-            </a:extLst>
-          </p:cNvPr>
-          <p:cNvGraphicFramePr>
-            <a:graphicFrameLocks noGrp="1"/>
-          </p:cNvGraphicFramePr>
-          <p:nvPr>
-            <p:extLst>
-              <p:ext uri="{D42A27DB-BD31-4B8C-83A1-F6EECF244321}">
-                <p14:modId xmlns:p14="http://schemas.microsoft.com/office/powerpoint/2010/main" val="3449590086"/>
-              </p:ext>
-            </p:extLst>
-          </p:nvPr>
-        </p:nvGraphicFramePr>
-        <p:xfrm>
-          <a:off x="415505" y="391004"/>
-          <a:ext cx="11360989" cy="6254786"/>
-        </p:xfrm>
-        <a:graphic>
-          <a:graphicData uri="http://schemas.openxmlformats.org/drawingml/2006/table">
-            <a:tbl>
-              <a:tblPr firstRow="1" bandRow="1">
-                <a:tableStyleId>{5C22544A-7EE6-4342-B048-85BDC9FD1C3A}</a:tableStyleId>
-              </a:tblPr>
-              <a:tblGrid>
-                <a:gridCol w="1130060">
-                  <a:extLst>
-                    <a:ext uri="{9D8B030D-6E8A-4147-A177-3AD203B41FA5}">
-                      <a16:colId xmlns:a16="http://schemas.microsoft.com/office/drawing/2014/main" val="747525499"/>
-                    </a:ext>
-                  </a:extLst>
-                </a:gridCol>
-                <a:gridCol w="4466567">
-                  <a:extLst>
-                    <a:ext uri="{9D8B030D-6E8A-4147-A177-3AD203B41FA5}">
-                      <a16:colId xmlns:a16="http://schemas.microsoft.com/office/drawing/2014/main" val="2892156475"/>
-                    </a:ext>
-                  </a:extLst>
-                </a:gridCol>
-                <a:gridCol w="5764362">
-                  <a:extLst>
-                    <a:ext uri="{9D8B030D-6E8A-4147-A177-3AD203B41FA5}">
-                      <a16:colId xmlns:a16="http://schemas.microsoft.com/office/drawing/2014/main" val="3449804923"/>
-                    </a:ext>
-                  </a:extLst>
-                </a:gridCol>
-              </a:tblGrid>
-              <a:tr h="890459">
-                <a:tc>
-                  <a:txBody>
-                    <a:bodyPr/>
-                    <a:lstStyle/>
-                    <a:p>
-                      <a:endParaRPr lang="en-US" sz="4400" dirty="0"/>
-                    </a:p>
-                  </a:txBody>
-                  <a:tcPr/>
-                </a:tc>
-                <a:tc>
-                  <a:txBody>
-                    <a:bodyPr/>
-                    <a:lstStyle/>
-                    <a:p>
-                      <a:r>
-                        <a:rPr lang="en-US" sz="4400" dirty="0">
-                          <a:solidFill>
-                            <a:srgbClr val="FFFF00"/>
-                          </a:solidFill>
-                        </a:rPr>
-                        <a:t>RS-485</a:t>
-                      </a:r>
-                    </a:p>
-                  </a:txBody>
-                  <a:tcPr/>
-                </a:tc>
-                <a:tc>
-                  <a:txBody>
-                    <a:bodyPr/>
-                    <a:lstStyle/>
-                    <a:p>
-                      <a:pPr marL="0" marR="0" lvl="0" indent="0" algn="l" defTabSz="914400" rtl="0" eaLnBrk="1" fontAlgn="auto" latinLnBrk="0" hangingPunct="1">
-                        <a:lnSpc>
-                          <a:spcPct val="100000"/>
-                        </a:lnSpc>
-                        <a:spcBef>
-                          <a:spcPts val="0"/>
-                        </a:spcBef>
-                        <a:spcAft>
-                          <a:spcPts val="0"/>
-                        </a:spcAft>
-                        <a:buClrTx/>
-                        <a:buSzTx/>
-                        <a:buFontTx/>
-                        <a:buNone/>
-                        <a:tabLst/>
-                        <a:defRPr/>
-                      </a:pPr>
-                      <a:r>
-                        <a:rPr lang="en-US" sz="4400" b="1" kern="1200" dirty="0">
-                          <a:solidFill>
-                            <a:schemeClr val="lt1"/>
-                          </a:solidFill>
-                          <a:latin typeface="+mn-lt"/>
-                          <a:ea typeface="+mn-ea"/>
-                          <a:cs typeface="+mn-cs"/>
-                        </a:rPr>
-                        <a:t>Serial Communications</a:t>
-                      </a:r>
-                    </a:p>
-                  </a:txBody>
-                  <a:tcPr/>
-                </a:tc>
-                <a:extLst>
-                  <a:ext uri="{0D108BD9-81ED-4DB2-BD59-A6C34878D82A}">
-                    <a16:rowId xmlns:a16="http://schemas.microsoft.com/office/drawing/2014/main" val="4166713368"/>
-                  </a:ext>
-                </a:extLst>
-              </a:tr>
-              <a:tr h="1340967">
-                <a:tc gridSpan="2">
-                  <a:txBody>
-                    <a:bodyPr/>
-                    <a:lstStyle/>
-                    <a:p>
-                      <a:r>
-                        <a:rPr lang="en-US" b="1" dirty="0"/>
-                        <a:t>Usage:</a:t>
-                      </a:r>
-                    </a:p>
-                    <a:p>
-                      <a:r>
-                        <a:rPr lang="en-US" dirty="0"/>
-                        <a:t>Relatively slow long distance communications in electrically noisy environments. Layers itself on top of simple serial. Unlike simple serial this can be multi drop.</a:t>
-                      </a:r>
-                    </a:p>
-                  </a:txBody>
-                  <a:tcPr/>
-                </a:tc>
-                <a:tc hMerge="1">
-                  <a:txBody>
-                    <a:bodyPr/>
-                    <a:lstStyle/>
-                    <a:p>
-                      <a:endParaRPr lang="en-US"/>
-                    </a:p>
-                  </a:txBody>
-                  <a:tcPr/>
-                </a:tc>
-                <a:tc>
-                  <a:txBody>
-                    <a:bodyPr/>
-                    <a:lstStyle/>
-                    <a:p>
-                      <a:r>
-                        <a:rPr lang="en-US" b="1" dirty="0"/>
-                        <a:t>Photo</a:t>
-                      </a:r>
-                      <a:r>
-                        <a:rPr lang="en-US" dirty="0"/>
-                        <a:t>:</a:t>
-                      </a:r>
-                    </a:p>
-                    <a:p>
-                      <a:endParaRPr lang="en-US" dirty="0"/>
-                    </a:p>
-                  </a:txBody>
-                  <a:tcPr/>
-                </a:tc>
-                <a:extLst>
-                  <a:ext uri="{0D108BD9-81ED-4DB2-BD59-A6C34878D82A}">
-                    <a16:rowId xmlns:a16="http://schemas.microsoft.com/office/drawing/2014/main" val="1083252038"/>
-                  </a:ext>
-                </a:extLst>
-              </a:tr>
-              <a:tr h="1975449">
-                <a:tc gridSpan="2">
-                  <a:txBody>
-                    <a:bodyPr/>
-                    <a:lstStyle/>
-                    <a:p>
-                      <a:pPr marL="0" marR="0" lvl="0" indent="0" algn="l" defTabSz="914400" rtl="0" eaLnBrk="1" fontAlgn="auto" latinLnBrk="0" hangingPunct="1">
-                        <a:lnSpc>
-                          <a:spcPct val="100000"/>
-                        </a:lnSpc>
-                        <a:spcBef>
-                          <a:spcPts val="0"/>
-                        </a:spcBef>
-                        <a:spcAft>
-                          <a:spcPts val="0"/>
-                        </a:spcAft>
-                        <a:buClrTx/>
-                        <a:buSzTx/>
-                        <a:buFontTx/>
-                        <a:buNone/>
-                        <a:tabLst/>
-                        <a:defRPr/>
-                      </a:pPr>
-                      <a:r>
-                        <a:rPr lang="en-US" b="1" dirty="0"/>
-                        <a:t>How it Works:</a:t>
-                      </a:r>
-                    </a:p>
-                    <a:p>
-                      <a:pPr marL="0" marR="0" lvl="0" indent="0" algn="l" defTabSz="914400" rtl="0" eaLnBrk="1" fontAlgn="auto" latinLnBrk="0" hangingPunct="1">
-                        <a:lnSpc>
-                          <a:spcPct val="100000"/>
-                        </a:lnSpc>
-                        <a:spcBef>
-                          <a:spcPts val="0"/>
-                        </a:spcBef>
-                        <a:spcAft>
-                          <a:spcPts val="0"/>
-                        </a:spcAft>
-                        <a:buClrTx/>
-                        <a:buSzTx/>
-                        <a:buFontTx/>
-                        <a:buNone/>
-                        <a:tabLst/>
-                        <a:defRPr/>
-                      </a:pPr>
-                      <a:r>
-                        <a:rPr lang="en-US" dirty="0"/>
-                        <a:t>Individual devices (nodes) are given an address and only respond to messages addressed to them. Signal is via voltage difference on two unshielded wires. Any electrical noise is picked up equally on both wires - and thus cancel out (no difference).</a:t>
-                      </a:r>
-                    </a:p>
-                  </a:txBody>
-                  <a:tcPr/>
-                </a:tc>
-                <a:tc hMerge="1">
-                  <a:txBody>
-                    <a:bodyPr/>
-                    <a:lstStyle/>
-                    <a:p>
-                      <a:endParaRPr lang="en-US"/>
-                    </a:p>
-                  </a:txBody>
-                  <a:tcPr/>
-                </a:tc>
-                <a:tc>
-                  <a:txBody>
-                    <a:bodyPr/>
-                    <a:lstStyle/>
-                    <a:p>
-                      <a:pPr marL="0" marR="0" lvl="0" indent="0" algn="l" defTabSz="914400" rtl="0" eaLnBrk="1" fontAlgn="auto" latinLnBrk="0" hangingPunct="1">
-                        <a:lnSpc>
-                          <a:spcPct val="100000"/>
-                        </a:lnSpc>
-                        <a:spcBef>
-                          <a:spcPts val="0"/>
-                        </a:spcBef>
-                        <a:spcAft>
-                          <a:spcPts val="0"/>
-                        </a:spcAft>
-                        <a:buClrTx/>
-                        <a:buSzTx/>
-                        <a:buFontTx/>
-                        <a:buNone/>
-                        <a:tabLst/>
-                        <a:defRPr/>
-                      </a:pPr>
-                      <a:r>
-                        <a:rPr lang="en-US" b="1" dirty="0"/>
-                        <a:t>Pros:</a:t>
-                      </a:r>
-                    </a:p>
-                    <a:p>
-                      <a:pPr marL="0" marR="0" lvl="0" indent="0" algn="l" defTabSz="914400" rtl="0" eaLnBrk="1" fontAlgn="auto" latinLnBrk="0" hangingPunct="1">
-                        <a:lnSpc>
-                          <a:spcPct val="100000"/>
-                        </a:lnSpc>
-                        <a:spcBef>
-                          <a:spcPts val="0"/>
-                        </a:spcBef>
-                        <a:spcAft>
-                          <a:spcPts val="0"/>
-                        </a:spcAft>
-                        <a:buClrTx/>
-                        <a:buSzTx/>
-                        <a:buFontTx/>
-                        <a:buNone/>
-                        <a:tabLst/>
-                        <a:defRPr/>
-                      </a:pPr>
-                      <a:r>
-                        <a:rPr lang="en-US" dirty="0"/>
-                        <a:t>Old school and reliable. Forgiving of less than ideal wiring practices. (Was) commonly used in industry for PLC's and robotics as the underlying transport for 'Modbus’. </a:t>
-                      </a:r>
-                    </a:p>
-                    <a:p>
-                      <a:r>
-                        <a:rPr lang="en-US" b="1" dirty="0"/>
-                        <a:t>Cons:</a:t>
-                      </a:r>
-                    </a:p>
-                    <a:p>
-                      <a:pPr marL="0" marR="0" lvl="0" indent="0" algn="l" defTabSz="914400" rtl="0" eaLnBrk="1" fontAlgn="auto" latinLnBrk="0" hangingPunct="1">
-                        <a:lnSpc>
-                          <a:spcPct val="100000"/>
-                        </a:lnSpc>
-                        <a:spcBef>
-                          <a:spcPts val="0"/>
-                        </a:spcBef>
-                        <a:spcAft>
-                          <a:spcPts val="0"/>
-                        </a:spcAft>
-                        <a:buClrTx/>
-                        <a:buSzTx/>
-                        <a:buFontTx/>
-                        <a:buNone/>
-                        <a:tabLst/>
-                        <a:defRPr/>
-                      </a:pPr>
-                      <a:r>
-                        <a:rPr lang="en-US" sz="1800" dirty="0"/>
-                        <a:t>Relatively slow. </a:t>
-                      </a:r>
-                      <a:r>
-                        <a:rPr lang="en-US" dirty="0"/>
-                        <a:t>Extra hardware for distances. Be aware of termination resistors (too many or not enough)</a:t>
-                      </a:r>
-                    </a:p>
-                  </a:txBody>
-                  <a:tcPr/>
-                </a:tc>
-                <a:extLst>
-                  <a:ext uri="{0D108BD9-81ED-4DB2-BD59-A6C34878D82A}">
-                    <a16:rowId xmlns:a16="http://schemas.microsoft.com/office/drawing/2014/main" val="2494442280"/>
-                  </a:ext>
-                </a:extLst>
-              </a:tr>
-              <a:tr h="1153819">
-                <a:tc gridSpan="2">
-                  <a:txBody>
-                    <a:bodyPr/>
-                    <a:lstStyle/>
-                    <a:p>
-                      <a:r>
-                        <a:rPr lang="en-US" b="1" dirty="0"/>
-                        <a:t>Notes:</a:t>
-                      </a:r>
-                    </a:p>
-                    <a:p>
-                      <a:r>
-                        <a:rPr lang="en-US" dirty="0"/>
-                        <a:t>RS485 has no defined transmission protocol. This must be added/layered on top/ or created. My display layout has 5 RS485 modules plus a USB interface. RS485 modules have built in termination resistor R7 which must be removed from each intermediate module (i.e. not the last one) on a network. </a:t>
-                      </a:r>
-                    </a:p>
-                  </a:txBody>
-                  <a:tcPr/>
-                </a:tc>
-                <a:tc hMerge="1">
-                  <a:txBody>
-                    <a:bodyPr/>
-                    <a:lstStyle/>
-                    <a:p>
-                      <a:endParaRPr lang="en-US"/>
-                    </a:p>
-                  </a:txBody>
-                  <a:tcPr/>
-                </a:tc>
-                <a:tc>
-                  <a:txBody>
-                    <a:bodyPr/>
-                    <a:lstStyle/>
-                    <a:p>
-                      <a:r>
-                        <a:rPr lang="en-US" dirty="0"/>
-                        <a:t>One node (called the master) can initiate communications while all other nodes (called slaves) can only respond. </a:t>
-                      </a:r>
-                    </a:p>
-                    <a:p>
-                      <a:endParaRPr lang="en-US" sz="1800" b="0" i="0" kern="1200" dirty="0">
-                        <a:solidFill>
-                          <a:schemeClr val="accent2">
-                            <a:lumMod val="75000"/>
-                          </a:schemeClr>
-                        </a:solidFill>
-                        <a:effectLst/>
-                        <a:latin typeface="+mn-lt"/>
-                        <a:ea typeface="+mn-ea"/>
-                        <a:cs typeface="+mn-cs"/>
-                      </a:endParaRPr>
-                    </a:p>
-                    <a:p>
-                      <a:r>
-                        <a:rPr lang="en-US" sz="1800" b="0" i="0" kern="1200" dirty="0">
-                          <a:solidFill>
-                            <a:schemeClr val="accent2">
-                              <a:lumMod val="75000"/>
-                            </a:schemeClr>
-                          </a:solidFill>
-                          <a:effectLst/>
-                          <a:latin typeface="+mn-lt"/>
-                          <a:ea typeface="+mn-ea"/>
-                          <a:cs typeface="+mn-cs"/>
-                        </a:rPr>
-                        <a:t>If you are JMRI user then the CMRI subsystem makes using RS-485 very simple as it implements the transmission protocol and the complexity is all hidden.</a:t>
-                      </a:r>
-                      <a:endParaRPr lang="en-US" dirty="0"/>
-                    </a:p>
-                  </a:txBody>
-                  <a:tcPr/>
-                </a:tc>
-                <a:extLst>
-                  <a:ext uri="{0D108BD9-81ED-4DB2-BD59-A6C34878D82A}">
-                    <a16:rowId xmlns:a16="http://schemas.microsoft.com/office/drawing/2014/main" val="1235703702"/>
-                  </a:ext>
-                </a:extLst>
-              </a:tr>
-            </a:tbl>
-          </a:graphicData>
-        </a:graphic>
-      </p:graphicFrame>
-      <p:pic>
-        <p:nvPicPr>
-          <p:cNvPr id="3" name="Picture 2">
-            <a:extLst>
-              <a:ext uri="{FF2B5EF4-FFF2-40B4-BE49-F238E27FC236}">
-                <a16:creationId xmlns:a16="http://schemas.microsoft.com/office/drawing/2014/main" id="{00C2489F-B810-4AE6-A17F-547D6F1F1353}"/>
-              </a:ext>
-            </a:extLst>
-          </p:cNvPr>
-          <p:cNvPicPr>
-            <a:picLocks noChangeAspect="1"/>
-          </p:cNvPicPr>
-          <p:nvPr/>
-        </p:nvPicPr>
-        <p:blipFill>
-          <a:blip r:embed="rId2" cstate="email">
-            <a:extLst>
-              <a:ext uri="{28A0092B-C50C-407E-A947-70E740481C1C}">
-                <a14:useLocalDpi xmlns:a14="http://schemas.microsoft.com/office/drawing/2010/main"/>
-              </a:ext>
-            </a:extLst>
-          </a:blip>
-          <a:stretch>
-            <a:fillRect/>
-          </a:stretch>
-        </p:blipFill>
-        <p:spPr>
-          <a:xfrm>
-            <a:off x="6860310" y="1502508"/>
-            <a:ext cx="1671216" cy="1049628"/>
-          </a:xfrm>
-          <a:prstGeom prst="rect">
-            <a:avLst/>
-          </a:prstGeom>
-        </p:spPr>
-      </p:pic>
-      <p:pic>
-        <p:nvPicPr>
-          <p:cNvPr id="5" name="Picture 4">
-            <a:extLst>
-              <a:ext uri="{FF2B5EF4-FFF2-40B4-BE49-F238E27FC236}">
-                <a16:creationId xmlns:a16="http://schemas.microsoft.com/office/drawing/2014/main" id="{285FD8E7-2490-4AB5-9047-CDA4EB8C4FF0}"/>
-              </a:ext>
-            </a:extLst>
-          </p:cNvPr>
-          <p:cNvPicPr>
-            <a:picLocks noChangeAspect="1"/>
-          </p:cNvPicPr>
-          <p:nvPr/>
-        </p:nvPicPr>
-        <p:blipFill>
-          <a:blip r:embed="rId3" cstate="email">
-            <a:extLst>
-              <a:ext uri="{28A0092B-C50C-407E-A947-70E740481C1C}">
-                <a14:useLocalDpi xmlns:a14="http://schemas.microsoft.com/office/drawing/2010/main"/>
-              </a:ext>
-            </a:extLst>
-          </a:blip>
-          <a:stretch>
-            <a:fillRect/>
-          </a:stretch>
-        </p:blipFill>
-        <p:spPr>
-          <a:xfrm>
-            <a:off x="9549442" y="1502507"/>
-            <a:ext cx="1946244" cy="1047630"/>
-          </a:xfrm>
-          <a:prstGeom prst="rect">
-            <a:avLst/>
-          </a:prstGeom>
-        </p:spPr>
-      </p:pic>
-      <p:pic>
-        <p:nvPicPr>
-          <p:cNvPr id="9" name="Picture 8">
-            <a:extLst>
-              <a:ext uri="{FF2B5EF4-FFF2-40B4-BE49-F238E27FC236}">
-                <a16:creationId xmlns:a16="http://schemas.microsoft.com/office/drawing/2014/main" id="{8BDECE6B-87DF-5CB2-739B-0063A17FCC98}"/>
-              </a:ext>
-            </a:extLst>
-          </p:cNvPr>
-          <p:cNvPicPr>
-            <a:picLocks noChangeAspect="1"/>
-          </p:cNvPicPr>
-          <p:nvPr/>
-        </p:nvPicPr>
-        <p:blipFill>
-          <a:blip r:embed="rId4" cstate="email">
-            <a:extLst>
-              <a:ext uri="{28A0092B-C50C-407E-A947-70E740481C1C}">
-                <a14:useLocalDpi xmlns:a14="http://schemas.microsoft.com/office/drawing/2010/main"/>
-              </a:ext>
-            </a:extLst>
-          </a:blip>
-          <a:stretch>
-            <a:fillRect/>
-          </a:stretch>
-        </p:blipFill>
-        <p:spPr>
-          <a:xfrm>
-            <a:off x="10749400" y="6239363"/>
-            <a:ext cx="1116784" cy="496968"/>
-          </a:xfrm>
-          <a:prstGeom prst="rect">
-            <a:avLst/>
-          </a:prstGeom>
-        </p:spPr>
-      </p:pic>
-    </p:spTree>
-    <p:extLst>
-      <p:ext uri="{BB962C8B-B14F-4D97-AF65-F5344CB8AC3E}">
-        <p14:creationId xmlns:p14="http://schemas.microsoft.com/office/powerpoint/2010/main" val="1297582196"/>
       </p:ext>
     </p:extLst>
   </p:cSld>
@@ -34690,6 +35306,563 @@
           <p:nvPr>
             <p:extLst>
               <p:ext uri="{D42A27DB-BD31-4B8C-83A1-F6EECF244321}">
+                <p14:modId xmlns:p14="http://schemas.microsoft.com/office/powerpoint/2010/main" val="3449590086"/>
+              </p:ext>
+            </p:extLst>
+          </p:nvPr>
+        </p:nvGraphicFramePr>
+        <p:xfrm>
+          <a:off x="415505" y="391004"/>
+          <a:ext cx="11360989" cy="6254786"/>
+        </p:xfrm>
+        <a:graphic>
+          <a:graphicData uri="http://schemas.openxmlformats.org/drawingml/2006/table">
+            <a:tbl>
+              <a:tblPr firstRow="1" bandRow="1">
+                <a:tableStyleId>{5C22544A-7EE6-4342-B048-85BDC9FD1C3A}</a:tableStyleId>
+              </a:tblPr>
+              <a:tblGrid>
+                <a:gridCol w="1130060">
+                  <a:extLst>
+                    <a:ext uri="{9D8B030D-6E8A-4147-A177-3AD203B41FA5}">
+                      <a16:colId xmlns:a16="http://schemas.microsoft.com/office/drawing/2014/main" val="747525499"/>
+                    </a:ext>
+                  </a:extLst>
+                </a:gridCol>
+                <a:gridCol w="4466567">
+                  <a:extLst>
+                    <a:ext uri="{9D8B030D-6E8A-4147-A177-3AD203B41FA5}">
+                      <a16:colId xmlns:a16="http://schemas.microsoft.com/office/drawing/2014/main" val="2892156475"/>
+                    </a:ext>
+                  </a:extLst>
+                </a:gridCol>
+                <a:gridCol w="5764362">
+                  <a:extLst>
+                    <a:ext uri="{9D8B030D-6E8A-4147-A177-3AD203B41FA5}">
+                      <a16:colId xmlns:a16="http://schemas.microsoft.com/office/drawing/2014/main" val="3449804923"/>
+                    </a:ext>
+                  </a:extLst>
+                </a:gridCol>
+              </a:tblGrid>
+              <a:tr h="890459">
+                <a:tc>
+                  <a:txBody>
+                    <a:bodyPr/>
+                    <a:lstStyle/>
+                    <a:p>
+                      <a:endParaRPr lang="en-US" sz="4400" dirty="0"/>
+                    </a:p>
+                  </a:txBody>
+                  <a:tcPr/>
+                </a:tc>
+                <a:tc>
+                  <a:txBody>
+                    <a:bodyPr/>
+                    <a:lstStyle/>
+                    <a:p>
+                      <a:r>
+                        <a:rPr lang="en-US" sz="4400" dirty="0">
+                          <a:solidFill>
+                            <a:srgbClr val="FFFF00"/>
+                          </a:solidFill>
+                        </a:rPr>
+                        <a:t>RS-485</a:t>
+                      </a:r>
+                    </a:p>
+                  </a:txBody>
+                  <a:tcPr/>
+                </a:tc>
+                <a:tc>
+                  <a:txBody>
+                    <a:bodyPr/>
+                    <a:lstStyle/>
+                    <a:p>
+                      <a:pPr marL="0" marR="0" lvl="0" indent="0" algn="l" defTabSz="914400" rtl="0" eaLnBrk="1" fontAlgn="auto" latinLnBrk="0" hangingPunct="1">
+                        <a:lnSpc>
+                          <a:spcPct val="100000"/>
+                        </a:lnSpc>
+                        <a:spcBef>
+                          <a:spcPts val="0"/>
+                        </a:spcBef>
+                        <a:spcAft>
+                          <a:spcPts val="0"/>
+                        </a:spcAft>
+                        <a:buClrTx/>
+                        <a:buSzTx/>
+                        <a:buFontTx/>
+                        <a:buNone/>
+                        <a:tabLst/>
+                        <a:defRPr/>
+                      </a:pPr>
+                      <a:r>
+                        <a:rPr lang="en-US" sz="4400" b="1" kern="1200" dirty="0">
+                          <a:solidFill>
+                            <a:schemeClr val="lt1"/>
+                          </a:solidFill>
+                          <a:latin typeface="+mn-lt"/>
+                          <a:ea typeface="+mn-ea"/>
+                          <a:cs typeface="+mn-cs"/>
+                        </a:rPr>
+                        <a:t>Serial Communications</a:t>
+                      </a:r>
+                    </a:p>
+                  </a:txBody>
+                  <a:tcPr/>
+                </a:tc>
+                <a:extLst>
+                  <a:ext uri="{0D108BD9-81ED-4DB2-BD59-A6C34878D82A}">
+                    <a16:rowId xmlns:a16="http://schemas.microsoft.com/office/drawing/2014/main" val="4166713368"/>
+                  </a:ext>
+                </a:extLst>
+              </a:tr>
+              <a:tr h="1340967">
+                <a:tc gridSpan="2">
+                  <a:txBody>
+                    <a:bodyPr/>
+                    <a:lstStyle/>
+                    <a:p>
+                      <a:r>
+                        <a:rPr lang="en-US" b="1" dirty="0"/>
+                        <a:t>Usage:</a:t>
+                      </a:r>
+                    </a:p>
+                    <a:p>
+                      <a:r>
+                        <a:rPr lang="en-US" dirty="0"/>
+                        <a:t>Relatively slow long distance communications in electrically noisy environments. Layers itself on top of simple serial. Unlike simple serial this can be multi drop.</a:t>
+                      </a:r>
+                    </a:p>
+                  </a:txBody>
+                  <a:tcPr/>
+                </a:tc>
+                <a:tc hMerge="1">
+                  <a:txBody>
+                    <a:bodyPr/>
+                    <a:lstStyle/>
+                    <a:p>
+                      <a:endParaRPr lang="en-US"/>
+                    </a:p>
+                  </a:txBody>
+                  <a:tcPr/>
+                </a:tc>
+                <a:tc>
+                  <a:txBody>
+                    <a:bodyPr/>
+                    <a:lstStyle/>
+                    <a:p>
+                      <a:r>
+                        <a:rPr lang="en-US" b="1" dirty="0"/>
+                        <a:t>Photo</a:t>
+                      </a:r>
+                      <a:r>
+                        <a:rPr lang="en-US" dirty="0"/>
+                        <a:t>:</a:t>
+                      </a:r>
+                    </a:p>
+                    <a:p>
+                      <a:endParaRPr lang="en-US" dirty="0"/>
+                    </a:p>
+                  </a:txBody>
+                  <a:tcPr/>
+                </a:tc>
+                <a:extLst>
+                  <a:ext uri="{0D108BD9-81ED-4DB2-BD59-A6C34878D82A}">
+                    <a16:rowId xmlns:a16="http://schemas.microsoft.com/office/drawing/2014/main" val="1083252038"/>
+                  </a:ext>
+                </a:extLst>
+              </a:tr>
+              <a:tr h="1975449">
+                <a:tc gridSpan="2">
+                  <a:txBody>
+                    <a:bodyPr/>
+                    <a:lstStyle/>
+                    <a:p>
+                      <a:pPr marL="0" marR="0" lvl="0" indent="0" algn="l" defTabSz="914400" rtl="0" eaLnBrk="1" fontAlgn="auto" latinLnBrk="0" hangingPunct="1">
+                        <a:lnSpc>
+                          <a:spcPct val="100000"/>
+                        </a:lnSpc>
+                        <a:spcBef>
+                          <a:spcPts val="0"/>
+                        </a:spcBef>
+                        <a:spcAft>
+                          <a:spcPts val="0"/>
+                        </a:spcAft>
+                        <a:buClrTx/>
+                        <a:buSzTx/>
+                        <a:buFontTx/>
+                        <a:buNone/>
+                        <a:tabLst/>
+                        <a:defRPr/>
+                      </a:pPr>
+                      <a:r>
+                        <a:rPr lang="en-US" b="1" dirty="0"/>
+                        <a:t>How it Works:</a:t>
+                      </a:r>
+                    </a:p>
+                    <a:p>
+                      <a:pPr marL="0" marR="0" lvl="0" indent="0" algn="l" defTabSz="914400" rtl="0" eaLnBrk="1" fontAlgn="auto" latinLnBrk="0" hangingPunct="1">
+                        <a:lnSpc>
+                          <a:spcPct val="100000"/>
+                        </a:lnSpc>
+                        <a:spcBef>
+                          <a:spcPts val="0"/>
+                        </a:spcBef>
+                        <a:spcAft>
+                          <a:spcPts val="0"/>
+                        </a:spcAft>
+                        <a:buClrTx/>
+                        <a:buSzTx/>
+                        <a:buFontTx/>
+                        <a:buNone/>
+                        <a:tabLst/>
+                        <a:defRPr/>
+                      </a:pPr>
+                      <a:r>
+                        <a:rPr lang="en-US" dirty="0"/>
+                        <a:t>Individual devices (nodes) are given an address and only respond to messages addressed to them. Signal is via voltage difference on two unshielded wires. Any electrical noise is picked up equally on both wires - and thus cancel out (no difference).</a:t>
+                      </a:r>
+                    </a:p>
+                  </a:txBody>
+                  <a:tcPr/>
+                </a:tc>
+                <a:tc hMerge="1">
+                  <a:txBody>
+                    <a:bodyPr/>
+                    <a:lstStyle/>
+                    <a:p>
+                      <a:endParaRPr lang="en-US"/>
+                    </a:p>
+                  </a:txBody>
+                  <a:tcPr/>
+                </a:tc>
+                <a:tc>
+                  <a:txBody>
+                    <a:bodyPr/>
+                    <a:lstStyle/>
+                    <a:p>
+                      <a:pPr marL="0" marR="0" lvl="0" indent="0" algn="l" defTabSz="914400" rtl="0" eaLnBrk="1" fontAlgn="auto" latinLnBrk="0" hangingPunct="1">
+                        <a:lnSpc>
+                          <a:spcPct val="100000"/>
+                        </a:lnSpc>
+                        <a:spcBef>
+                          <a:spcPts val="0"/>
+                        </a:spcBef>
+                        <a:spcAft>
+                          <a:spcPts val="0"/>
+                        </a:spcAft>
+                        <a:buClrTx/>
+                        <a:buSzTx/>
+                        <a:buFontTx/>
+                        <a:buNone/>
+                        <a:tabLst/>
+                        <a:defRPr/>
+                      </a:pPr>
+                      <a:r>
+                        <a:rPr lang="en-US" b="1" dirty="0"/>
+                        <a:t>Pros:</a:t>
+                      </a:r>
+                    </a:p>
+                    <a:p>
+                      <a:pPr marL="0" marR="0" lvl="0" indent="0" algn="l" defTabSz="914400" rtl="0" eaLnBrk="1" fontAlgn="auto" latinLnBrk="0" hangingPunct="1">
+                        <a:lnSpc>
+                          <a:spcPct val="100000"/>
+                        </a:lnSpc>
+                        <a:spcBef>
+                          <a:spcPts val="0"/>
+                        </a:spcBef>
+                        <a:spcAft>
+                          <a:spcPts val="0"/>
+                        </a:spcAft>
+                        <a:buClrTx/>
+                        <a:buSzTx/>
+                        <a:buFontTx/>
+                        <a:buNone/>
+                        <a:tabLst/>
+                        <a:defRPr/>
+                      </a:pPr>
+                      <a:r>
+                        <a:rPr lang="en-US" dirty="0"/>
+                        <a:t>Old school and reliable. Forgiving of less than ideal wiring practices. (Was) commonly used in industry for PLC's and robotics as the underlying transport for 'Modbus’. </a:t>
+                      </a:r>
+                    </a:p>
+                    <a:p>
+                      <a:r>
+                        <a:rPr lang="en-US" b="1" dirty="0"/>
+                        <a:t>Cons:</a:t>
+                      </a:r>
+                    </a:p>
+                    <a:p>
+                      <a:pPr marL="0" marR="0" lvl="0" indent="0" algn="l" defTabSz="914400" rtl="0" eaLnBrk="1" fontAlgn="auto" latinLnBrk="0" hangingPunct="1">
+                        <a:lnSpc>
+                          <a:spcPct val="100000"/>
+                        </a:lnSpc>
+                        <a:spcBef>
+                          <a:spcPts val="0"/>
+                        </a:spcBef>
+                        <a:spcAft>
+                          <a:spcPts val="0"/>
+                        </a:spcAft>
+                        <a:buClrTx/>
+                        <a:buSzTx/>
+                        <a:buFontTx/>
+                        <a:buNone/>
+                        <a:tabLst/>
+                        <a:defRPr/>
+                      </a:pPr>
+                      <a:r>
+                        <a:rPr lang="en-US" sz="1800" dirty="0"/>
+                        <a:t>Relatively slow. </a:t>
+                      </a:r>
+                      <a:r>
+                        <a:rPr lang="en-US" dirty="0"/>
+                        <a:t>Extra hardware for distances. Be aware of termination resistors (too many or not enough)</a:t>
+                      </a:r>
+                    </a:p>
+                  </a:txBody>
+                  <a:tcPr/>
+                </a:tc>
+                <a:extLst>
+                  <a:ext uri="{0D108BD9-81ED-4DB2-BD59-A6C34878D82A}">
+                    <a16:rowId xmlns:a16="http://schemas.microsoft.com/office/drawing/2014/main" val="2494442280"/>
+                  </a:ext>
+                </a:extLst>
+              </a:tr>
+              <a:tr h="1153819">
+                <a:tc gridSpan="2">
+                  <a:txBody>
+                    <a:bodyPr/>
+                    <a:lstStyle/>
+                    <a:p>
+                      <a:r>
+                        <a:rPr lang="en-US" b="1" dirty="0"/>
+                        <a:t>Notes:</a:t>
+                      </a:r>
+                    </a:p>
+                    <a:p>
+                      <a:r>
+                        <a:rPr lang="en-US" dirty="0"/>
+                        <a:t>RS485 has no defined transmission protocol. This must be added/layered on top/ or created. My display layout has 5 RS485 modules plus a USB interface. RS485 modules have built in termination resistor R7 which must be removed from each intermediate module (i.e. not the last one) on a network. </a:t>
+                      </a:r>
+                    </a:p>
+                  </a:txBody>
+                  <a:tcPr/>
+                </a:tc>
+                <a:tc hMerge="1">
+                  <a:txBody>
+                    <a:bodyPr/>
+                    <a:lstStyle/>
+                    <a:p>
+                      <a:endParaRPr lang="en-US"/>
+                    </a:p>
+                  </a:txBody>
+                  <a:tcPr/>
+                </a:tc>
+                <a:tc>
+                  <a:txBody>
+                    <a:bodyPr/>
+                    <a:lstStyle/>
+                    <a:p>
+                      <a:r>
+                        <a:rPr lang="en-US" dirty="0"/>
+                        <a:t>One node (called the master) can initiate communications while all other nodes (called slaves) can only respond. </a:t>
+                      </a:r>
+                    </a:p>
+                    <a:p>
+                      <a:endParaRPr lang="en-US" sz="1800" b="0" i="0" kern="1200" dirty="0">
+                        <a:solidFill>
+                          <a:schemeClr val="accent2">
+                            <a:lumMod val="75000"/>
+                          </a:schemeClr>
+                        </a:solidFill>
+                        <a:effectLst/>
+                        <a:latin typeface="+mn-lt"/>
+                        <a:ea typeface="+mn-ea"/>
+                        <a:cs typeface="+mn-cs"/>
+                      </a:endParaRPr>
+                    </a:p>
+                    <a:p>
+                      <a:r>
+                        <a:rPr lang="en-US" sz="1800" b="0" i="0" kern="1200" dirty="0">
+                          <a:solidFill>
+                            <a:schemeClr val="accent2">
+                              <a:lumMod val="75000"/>
+                            </a:schemeClr>
+                          </a:solidFill>
+                          <a:effectLst/>
+                          <a:latin typeface="+mn-lt"/>
+                          <a:ea typeface="+mn-ea"/>
+                          <a:cs typeface="+mn-cs"/>
+                        </a:rPr>
+                        <a:t>If you are JMRI user then the CMRI subsystem makes using RS-485 very simple as it implements the transmission protocol and the complexity is all hidden.</a:t>
+                      </a:r>
+                      <a:endParaRPr lang="en-US" dirty="0"/>
+                    </a:p>
+                  </a:txBody>
+                  <a:tcPr/>
+                </a:tc>
+                <a:extLst>
+                  <a:ext uri="{0D108BD9-81ED-4DB2-BD59-A6C34878D82A}">
+                    <a16:rowId xmlns:a16="http://schemas.microsoft.com/office/drawing/2014/main" val="1235703702"/>
+                  </a:ext>
+                </a:extLst>
+              </a:tr>
+            </a:tbl>
+          </a:graphicData>
+        </a:graphic>
+      </p:graphicFrame>
+      <p:pic>
+        <p:nvPicPr>
+          <p:cNvPr id="3" name="Picture 2">
+            <a:extLst>
+              <a:ext uri="{FF2B5EF4-FFF2-40B4-BE49-F238E27FC236}">
+                <a16:creationId xmlns:a16="http://schemas.microsoft.com/office/drawing/2014/main" id="{00C2489F-B810-4AE6-A17F-547D6F1F1353}"/>
+              </a:ext>
+            </a:extLst>
+          </p:cNvPr>
+          <p:cNvPicPr>
+            <a:picLocks noChangeAspect="1"/>
+          </p:cNvPicPr>
+          <p:nvPr/>
+        </p:nvPicPr>
+        <p:blipFill>
+          <a:blip r:embed="rId2" cstate="email">
+            <a:extLst>
+              <a:ext uri="{28A0092B-C50C-407E-A947-70E740481C1C}">
+                <a14:useLocalDpi xmlns:a14="http://schemas.microsoft.com/office/drawing/2010/main"/>
+              </a:ext>
+            </a:extLst>
+          </a:blip>
+          <a:stretch>
+            <a:fillRect/>
+          </a:stretch>
+        </p:blipFill>
+        <p:spPr>
+          <a:xfrm>
+            <a:off x="6860310" y="1502508"/>
+            <a:ext cx="1671216" cy="1049628"/>
+          </a:xfrm>
+          <a:prstGeom prst="rect">
+            <a:avLst/>
+          </a:prstGeom>
+        </p:spPr>
+      </p:pic>
+      <p:pic>
+        <p:nvPicPr>
+          <p:cNvPr id="5" name="Picture 4">
+            <a:extLst>
+              <a:ext uri="{FF2B5EF4-FFF2-40B4-BE49-F238E27FC236}">
+                <a16:creationId xmlns:a16="http://schemas.microsoft.com/office/drawing/2014/main" id="{285FD8E7-2490-4AB5-9047-CDA4EB8C4FF0}"/>
+              </a:ext>
+            </a:extLst>
+          </p:cNvPr>
+          <p:cNvPicPr>
+            <a:picLocks noChangeAspect="1"/>
+          </p:cNvPicPr>
+          <p:nvPr/>
+        </p:nvPicPr>
+        <p:blipFill>
+          <a:blip r:embed="rId3" cstate="email">
+            <a:extLst>
+              <a:ext uri="{28A0092B-C50C-407E-A947-70E740481C1C}">
+                <a14:useLocalDpi xmlns:a14="http://schemas.microsoft.com/office/drawing/2010/main"/>
+              </a:ext>
+            </a:extLst>
+          </a:blip>
+          <a:stretch>
+            <a:fillRect/>
+          </a:stretch>
+        </p:blipFill>
+        <p:spPr>
+          <a:xfrm>
+            <a:off x="9549442" y="1502507"/>
+            <a:ext cx="1946244" cy="1047630"/>
+          </a:xfrm>
+          <a:prstGeom prst="rect">
+            <a:avLst/>
+          </a:prstGeom>
+        </p:spPr>
+      </p:pic>
+      <p:pic>
+        <p:nvPicPr>
+          <p:cNvPr id="9" name="Picture 8">
+            <a:extLst>
+              <a:ext uri="{FF2B5EF4-FFF2-40B4-BE49-F238E27FC236}">
+                <a16:creationId xmlns:a16="http://schemas.microsoft.com/office/drawing/2014/main" id="{8BDECE6B-87DF-5CB2-739B-0063A17FCC98}"/>
+              </a:ext>
+            </a:extLst>
+          </p:cNvPr>
+          <p:cNvPicPr>
+            <a:picLocks noChangeAspect="1"/>
+          </p:cNvPicPr>
+          <p:nvPr/>
+        </p:nvPicPr>
+        <p:blipFill>
+          <a:blip r:embed="rId4" cstate="email">
+            <a:extLst>
+              <a:ext uri="{28A0092B-C50C-407E-A947-70E740481C1C}">
+                <a14:useLocalDpi xmlns:a14="http://schemas.microsoft.com/office/drawing/2010/main"/>
+              </a:ext>
+            </a:extLst>
+          </a:blip>
+          <a:stretch>
+            <a:fillRect/>
+          </a:stretch>
+        </p:blipFill>
+        <p:spPr>
+          <a:xfrm>
+            <a:off x="10749400" y="6239363"/>
+            <a:ext cx="1116784" cy="496968"/>
+          </a:xfrm>
+          <a:prstGeom prst="rect">
+            <a:avLst/>
+          </a:prstGeom>
+        </p:spPr>
+      </p:pic>
+    </p:spTree>
+    <p:extLst>
+      <p:ext uri="{BB962C8B-B14F-4D97-AF65-F5344CB8AC3E}">
+        <p14:creationId xmlns:p14="http://schemas.microsoft.com/office/powerpoint/2010/main" val="1297582196"/>
+      </p:ext>
+    </p:extLst>
+  </p:cSld>
+  <p:clrMapOvr>
+    <a:masterClrMapping/>
+  </p:clrMapOvr>
+</p:sld>
+</file>
+
+<file path=ppt/slides/slide41.xml><?xml version="1.0" encoding="utf-8"?>
+<p:sld xmlns:a="http://schemas.openxmlformats.org/drawingml/2006/main" xmlns:r="http://schemas.openxmlformats.org/officeDocument/2006/relationships" xmlns:p="http://schemas.openxmlformats.org/presentationml/2006/main">
+  <p:cSld>
+    <p:spTree>
+      <p:nvGrpSpPr>
+        <p:cNvPr id="1" name=""/>
+        <p:cNvGrpSpPr/>
+        <p:nvPr/>
+      </p:nvGrpSpPr>
+      <p:grpSpPr>
+        <a:xfrm>
+          <a:off x="0" y="0"/>
+          <a:ext cx="0" cy="0"/>
+          <a:chOff x="0" y="0"/>
+          <a:chExt cx="0" cy="0"/>
+        </a:xfrm>
+      </p:grpSpPr>
+      <p:graphicFrame>
+        <p:nvGraphicFramePr>
+          <p:cNvPr id="7" name="Table 7">
+            <a:extLst>
+              <a:ext uri="{FF2B5EF4-FFF2-40B4-BE49-F238E27FC236}">
+                <a16:creationId xmlns:a16="http://schemas.microsoft.com/office/drawing/2014/main" id="{9B2F03AA-E6B2-4CB4-910F-7DA903FD6ED6}"/>
+              </a:ext>
+            </a:extLst>
+          </p:cNvPr>
+          <p:cNvGraphicFramePr>
+            <a:graphicFrameLocks noGrp="1"/>
+          </p:cNvGraphicFramePr>
+          <p:nvPr>
+            <p:extLst>
+              <p:ext uri="{D42A27DB-BD31-4B8C-83A1-F6EECF244321}">
                 <p14:modId xmlns:p14="http://schemas.microsoft.com/office/powerpoint/2010/main" val="2706631152"/>
               </p:ext>
             </p:extLst>
@@ -35491,7 +36664,7 @@
 </p:sld>
 </file>
 
-<file path=ppt/slides/slide41.xml><?xml version="1.0" encoding="utf-8"?>
+<file path=ppt/slides/slide42.xml><?xml version="1.0" encoding="utf-8"?>
 <p:sld xmlns:a="http://schemas.openxmlformats.org/drawingml/2006/main" xmlns:r="http://schemas.openxmlformats.org/officeDocument/2006/relationships" xmlns:p="http://schemas.openxmlformats.org/presentationml/2006/main">
   <p:cSld>
     <p:spTree>
@@ -35523,14 +36696,14 @@
           <p:nvPr>
             <p:extLst>
               <p:ext uri="{D42A27DB-BD31-4B8C-83A1-F6EECF244321}">
-                <p14:modId xmlns:p14="http://schemas.microsoft.com/office/powerpoint/2010/main" val="2217419928"/>
+                <p14:modId xmlns:p14="http://schemas.microsoft.com/office/powerpoint/2010/main" val="1751484401"/>
               </p:ext>
             </p:extLst>
           </p:nvPr>
         </p:nvGraphicFramePr>
         <p:xfrm>
           <a:off x="577970" y="391006"/>
-          <a:ext cx="11198524" cy="4958881"/>
+          <a:ext cx="11198524" cy="4962369"/>
         </p:xfrm>
         <a:graphic>
           <a:graphicData uri="http://schemas.openxmlformats.org/drawingml/2006/table">
@@ -35662,6 +36835,34 @@
                         </a:rPr>
                         <a:t>Serial Peripheral Interconnect</a:t>
                       </a:r>
+                    </a:p>
+                    <a:p>
+                      <a:pPr marL="0" marR="0" lvl="0" indent="0" algn="l" defTabSz="914400" rtl="0" eaLnBrk="1" fontAlgn="auto" latinLnBrk="0" hangingPunct="1">
+                        <a:lnSpc>
+                          <a:spcPct val="100000"/>
+                        </a:lnSpc>
+                        <a:spcBef>
+                          <a:spcPts val="0"/>
+                        </a:spcBef>
+                        <a:spcAft>
+                          <a:spcPts val="0"/>
+                        </a:spcAft>
+                        <a:buClrTx/>
+                        <a:buSzTx/>
+                        <a:buFontTx/>
+                        <a:buNone/>
+                        <a:tabLst/>
+                        <a:defRPr/>
+                      </a:pPr>
+                      <a:endParaRPr lang="en-US" sz="1800" b="0" i="0" kern="1200" dirty="0">
+                        <a:solidFill>
+                          <a:schemeClr val="dk1"/>
+                        </a:solidFill>
+                        <a:effectLst/>
+                        <a:latin typeface="+mn-lt"/>
+                        <a:ea typeface="+mn-ea"/>
+                        <a:cs typeface="+mn-cs"/>
+                      </a:endParaRPr>
                     </a:p>
                     <a:p>
                       <a:pPr marL="0" marR="0" lvl="0" indent="0" algn="l" defTabSz="914400" rtl="0" eaLnBrk="1" fontAlgn="auto" latinLnBrk="0" hangingPunct="1">
@@ -36338,7 +37539,7 @@
           <p:nvPr/>
         </p:nvPicPr>
         <p:blipFill>
-          <a:blip r:embed="rId2" cstate="email">
+          <a:blip r:embed="rId3" cstate="email">
             <a:extLst>
               <a:ext uri="{28A0092B-C50C-407E-A947-70E740481C1C}">
                 <a14:useLocalDpi xmlns:a14="http://schemas.microsoft.com/office/drawing/2010/main"/>
@@ -36374,28 +37575,28 @@
           <p:nvPr>
             <p:extLst>
               <p:ext uri="{D42A27DB-BD31-4B8C-83A1-F6EECF244321}">
-                <p14:modId xmlns:p14="http://schemas.microsoft.com/office/powerpoint/2010/main" val="19319153"/>
+                <p14:modId xmlns:p14="http://schemas.microsoft.com/office/powerpoint/2010/main" val="3373545254"/>
               </p:ext>
             </p:extLst>
           </p:nvPr>
         </p:nvGraphicFramePr>
         <p:xfrm>
-          <a:off x="6219645" y="1627229"/>
-          <a:ext cx="4372874" cy="990600"/>
+          <a:off x="5626792" y="1508112"/>
+          <a:ext cx="4833542" cy="1235087"/>
         </p:xfrm>
         <a:graphic>
           <a:graphicData uri="http://schemas.openxmlformats.org/drawingml/2006/table">
             <a:tbl>
               <a:tblPr/>
               <a:tblGrid>
-                <a:gridCol w="2017384">
+                <a:gridCol w="2229909">
                   <a:extLst>
                     <a:ext uri="{9D8B030D-6E8A-4147-A177-3AD203B41FA5}">
                       <a16:colId xmlns:a16="http://schemas.microsoft.com/office/drawing/2014/main" val="2121324212"/>
                     </a:ext>
                   </a:extLst>
                 </a:gridCol>
-                <a:gridCol w="2355490">
+                <a:gridCol w="2603633">
                   <a:extLst>
                     <a:ext uri="{9D8B030D-6E8A-4147-A177-3AD203B41FA5}">
                       <a16:colId xmlns:a16="http://schemas.microsoft.com/office/drawing/2014/main" val="2950741367"/>
@@ -36403,7 +37604,7 @@
                   </a:extLst>
                 </a:gridCol>
               </a:tblGrid>
-              <a:tr h="0">
+              <a:tr h="380027">
                 <a:tc>
                   <a:txBody>
                     <a:bodyPr/>
@@ -36530,7 +37731,7 @@
                   </a:ext>
                 </a:extLst>
               </a:tr>
-              <a:tr h="0">
+              <a:tr h="285020">
                 <a:tc>
                   <a:txBody>
                     <a:bodyPr/>
@@ -36655,7 +37856,7 @@
                   </a:ext>
                 </a:extLst>
               </a:tr>
-              <a:tr h="0">
+              <a:tr h="285020">
                 <a:tc>
                   <a:txBody>
                     <a:bodyPr/>
@@ -36780,14 +37981,14 @@
                   </a:ext>
                 </a:extLst>
               </a:tr>
-              <a:tr h="0">
+              <a:tr h="285020">
                 <a:tc>
                   <a:txBody>
                     <a:bodyPr/>
                     <a:lstStyle/>
                     <a:p>
                       <a:r>
-                        <a:rPr lang="en-US" sz="1000">
+                        <a:rPr lang="en-US" sz="1000" dirty="0">
                           <a:effectLst/>
                           <a:latin typeface="Open Sans" panose="020B0606030504020204" pitchFamily="34" charset="0"/>
                         </a:rPr>
@@ -36922,7 +38123,7 @@
 </p:sld>
 </file>
 
-<file path=ppt/slides/slide42.xml><?xml version="1.0" encoding="utf-8"?>
+<file path=ppt/slides/slide43.xml><?xml version="1.0" encoding="utf-8"?>
 <p:sld xmlns:a="http://schemas.openxmlformats.org/drawingml/2006/main" xmlns:r="http://schemas.openxmlformats.org/officeDocument/2006/relationships" xmlns:p="http://schemas.openxmlformats.org/presentationml/2006/main">
   <p:cSld>
     <p:spTree>
@@ -37769,7 +38970,7 @@
 </p:sld>
 </file>
 
-<file path=ppt/slides/slide43.xml><?xml version="1.0" encoding="utf-8"?>
+<file path=ppt/slides/slide44.xml><?xml version="1.0" encoding="utf-8"?>
 <p:sld xmlns:a="http://schemas.openxmlformats.org/drawingml/2006/main" xmlns:r="http://schemas.openxmlformats.org/officeDocument/2006/relationships" xmlns:p="http://schemas.openxmlformats.org/presentationml/2006/main">
   <p:cSld>
     <p:bg>
@@ -45011,11 +46212,11 @@
     <we:property name="MM-reminder" value="&quot;--&quot;"/>
     <we:property name="SS" value="0"/>
     <we:property name="SS-reminder" value="&quot;--&quot;"/>
-    <we:property name="canvash" value="375"/>
-    <we:property name="canvasw" value="375"/>
+    <we:property name="canvash" value="376"/>
+    <we:property name="canvasw" value="376"/>
     <we:property name="clocktype" value="&quot;digital&quot;"/>
     <we:property name="interval" value="5"/>
-    <we:property name="radius" value="168.75"/>
+    <we:property name="radius" value="169.20000000000002"/>
     <we:property name="tickType" value="&quot;tick&quot;"/>
     <we:property name="timeupType" value="&quot;alarm&quot;"/>
   </we:properties>

--- a/Arduino IO Compendium.pptx
+++ b/Arduino IO Compendium.pptx
@@ -265,7 +265,7 @@
           <a:p>
             <a:fld id="{12054D22-7DC6-4818-8DE5-E280DFD5FB49}" type="datetimeFigureOut">
               <a:rPr lang="en-US" smtClean="0"/>
-              <a:t>5/16/2022</a:t>
+              <a:t>5/17/2022</a:t>
             </a:fld>
             <a:endParaRPr lang="en-US"/>
           </a:p>
@@ -578,7 +578,13 @@
           <a:p>
             <a:r>
               <a:rPr lang="en-US" dirty="0"/>
-              <a:t>Prepared for a MERG ARDUINO-SIG presentation on May 17 2022.</a:t>
+              <a:t>Prepared for a MERG ARDUINO-SIG presentation that was delivered on May 17 2022.</a:t>
+            </a:r>
+          </a:p>
+          <a:p>
+            <a:r>
+              <a:rPr lang="en-US" dirty="0"/>
+              <a:t>Minor updates made to speaker notes post meeting. </a:t>
             </a:r>
           </a:p>
         </p:txBody>
@@ -2231,6 +2237,36 @@
               <a:t>Relays come in all sizes and configurations. </a:t>
             </a:r>
           </a:p>
+          <a:p>
+            <a:r>
+              <a:rPr lang="en-US" dirty="0"/>
+              <a:t>For Arduino applications check to ensure a reverse bias diode is installed across the relay coil. </a:t>
+            </a:r>
+          </a:p>
+          <a:p>
+            <a:r>
+              <a:rPr lang="en-US" dirty="0"/>
+              <a:t>(for modules designed and sold for Arduinos the diode is commonly built right into the module) </a:t>
+            </a:r>
+          </a:p>
+          <a:p>
+            <a:r>
+              <a:rPr lang="en-US" dirty="0"/>
+              <a:t>Why:  When you switch off a coil the magnetic field collapses quickly .. This sudden collapse generates</a:t>
+            </a:r>
+          </a:p>
+          <a:p>
+            <a:r>
+              <a:rPr lang="en-US" dirty="0"/>
+              <a:t> a voltage in the coil which could easily exceed the rating of the Arduino. </a:t>
+            </a:r>
+          </a:p>
+          <a:p>
+            <a:r>
+              <a:rPr lang="en-US" dirty="0"/>
+              <a:t>The diode safely shunts the current and so only small voltages are generated.</a:t>
+            </a:r>
+          </a:p>
         </p:txBody>
       </p:sp>
       <p:sp>
@@ -2567,13 +2603,13 @@
           <a:p>
             <a:r>
               <a:rPr lang="en-US" dirty="0"/>
-              <a:t>Basic terminology. </a:t>
+              <a:t>Introduce basic terminology. </a:t>
             </a:r>
           </a:p>
           <a:p>
             <a:r>
               <a:rPr lang="en-US" dirty="0"/>
-              <a:t>Re sad face – The only person who never made a mistake – never did anything.</a:t>
+              <a:t>Re the sad face – The only person who never made a mistake – never actually did anything.</a:t>
             </a:r>
           </a:p>
         </p:txBody>
@@ -2658,6 +2694,198 @@
           <a:bodyPr/>
           <a:lstStyle/>
           <a:p>
+            <a:r>
+              <a:rPr lang="en-US" dirty="0"/>
+              <a:t>The pullup resistor tends to make the DI pin go up to 5 volts as long as the switch is ‘open circuit’ as shown.</a:t>
+            </a:r>
+          </a:p>
+          <a:p>
+            <a:r>
+              <a:rPr lang="en-US" dirty="0"/>
+              <a:t>If the switch is closed the DI signal is connected to ground.</a:t>
+            </a:r>
+          </a:p>
+          <a:p>
+            <a:r>
+              <a:rPr lang="en-US" dirty="0"/>
+              <a:t>With no pull up resistor and the switch open circuit the DI signal is said to be ‘floating’ and the voltage (and consequently I/O reading) can be quite random.</a:t>
+            </a:r>
+          </a:p>
+        </p:txBody>
+      </p:sp>
+      <p:sp>
+        <p:nvSpPr>
+          <p:cNvPr id="4" name="Slide Number Placeholder 3"/>
+          <p:cNvSpPr>
+            <a:spLocks noGrp="1"/>
+          </p:cNvSpPr>
+          <p:nvPr>
+            <p:ph type="sldNum" sz="quarter" idx="5"/>
+          </p:nvPr>
+        </p:nvSpPr>
+        <p:spPr/>
+        <p:txBody>
+          <a:bodyPr/>
+          <a:lstStyle/>
+          <a:p>
+            <a:fld id="{4573CD83-9A02-4825-93C1-7C2EF9CD9900}" type="slidenum">
+              <a:rPr lang="en-US" smtClean="0"/>
+              <a:t>36</a:t>
+            </a:fld>
+            <a:endParaRPr lang="en-US"/>
+          </a:p>
+        </p:txBody>
+      </p:sp>
+    </p:spTree>
+    <p:extLst>
+      <p:ext uri="{BB962C8B-B14F-4D97-AF65-F5344CB8AC3E}">
+        <p14:creationId xmlns:p14="http://schemas.microsoft.com/office/powerpoint/2010/main" val="4276810387"/>
+      </p:ext>
+    </p:extLst>
+  </p:cSld>
+  <p:clrMapOvr>
+    <a:masterClrMapping/>
+  </p:clrMapOvr>
+</p:notes>
+</file>
+
+<file path=ppt/notesSlides/notesSlide31.xml><?xml version="1.0" encoding="utf-8"?>
+<p:notes xmlns:a="http://schemas.openxmlformats.org/drawingml/2006/main" xmlns:r="http://schemas.openxmlformats.org/officeDocument/2006/relationships" xmlns:p="http://schemas.openxmlformats.org/presentationml/2006/main">
+  <p:cSld>
+    <p:spTree>
+      <p:nvGrpSpPr>
+        <p:cNvPr id="1" name=""/>
+        <p:cNvGrpSpPr/>
+        <p:nvPr/>
+      </p:nvGrpSpPr>
+      <p:grpSpPr>
+        <a:xfrm>
+          <a:off x="0" y="0"/>
+          <a:ext cx="0" cy="0"/>
+          <a:chOff x="0" y="0"/>
+          <a:chExt cx="0" cy="0"/>
+        </a:xfrm>
+      </p:grpSpPr>
+      <p:sp>
+        <p:nvSpPr>
+          <p:cNvPr id="2" name="Slide Image Placeholder 1"/>
+          <p:cNvSpPr>
+            <a:spLocks noGrp="1" noRot="1" noChangeAspect="1"/>
+          </p:cNvSpPr>
+          <p:nvPr>
+            <p:ph type="sldImg"/>
+          </p:nvPr>
+        </p:nvSpPr>
+        <p:spPr/>
+      </p:sp>
+      <p:sp>
+        <p:nvSpPr>
+          <p:cNvPr id="3" name="Notes Placeholder 2"/>
+          <p:cNvSpPr>
+            <a:spLocks noGrp="1"/>
+          </p:cNvSpPr>
+          <p:nvPr>
+            <p:ph type="body" idx="1"/>
+          </p:nvPr>
+        </p:nvSpPr>
+        <p:spPr/>
+        <p:txBody>
+          <a:bodyPr/>
+          <a:lstStyle/>
+          <a:p>
+            <a:r>
+              <a:rPr lang="en-US" dirty="0"/>
+              <a:t>During presentation it was mentioned this type of sensor could be used for ambient monitoring.</a:t>
+            </a:r>
+          </a:p>
+          <a:p>
+            <a:r>
+              <a:rPr lang="en-US" dirty="0"/>
+              <a:t>The current ambient conditions can be used to improve accuracy of ultrasonic range finders (speed of sound in air varies according to temperature and humidity)</a:t>
+            </a:r>
+          </a:p>
+        </p:txBody>
+      </p:sp>
+      <p:sp>
+        <p:nvSpPr>
+          <p:cNvPr id="4" name="Slide Number Placeholder 3"/>
+          <p:cNvSpPr>
+            <a:spLocks noGrp="1"/>
+          </p:cNvSpPr>
+          <p:nvPr>
+            <p:ph type="sldNum" sz="quarter" idx="5"/>
+          </p:nvPr>
+        </p:nvSpPr>
+        <p:spPr/>
+        <p:txBody>
+          <a:bodyPr/>
+          <a:lstStyle/>
+          <a:p>
+            <a:fld id="{4573CD83-9A02-4825-93C1-7C2EF9CD9900}" type="slidenum">
+              <a:rPr lang="en-US" smtClean="0"/>
+              <a:t>37</a:t>
+            </a:fld>
+            <a:endParaRPr lang="en-US"/>
+          </a:p>
+        </p:txBody>
+      </p:sp>
+    </p:spTree>
+    <p:extLst>
+      <p:ext uri="{BB962C8B-B14F-4D97-AF65-F5344CB8AC3E}">
+        <p14:creationId xmlns:p14="http://schemas.microsoft.com/office/powerpoint/2010/main" val="556939004"/>
+      </p:ext>
+    </p:extLst>
+  </p:cSld>
+  <p:clrMapOvr>
+    <a:masterClrMapping/>
+  </p:clrMapOvr>
+</p:notes>
+</file>
+
+<file path=ppt/notesSlides/notesSlide32.xml><?xml version="1.0" encoding="utf-8"?>
+<p:notes xmlns:a="http://schemas.openxmlformats.org/drawingml/2006/main" xmlns:r="http://schemas.openxmlformats.org/officeDocument/2006/relationships" xmlns:p="http://schemas.openxmlformats.org/presentationml/2006/main">
+  <p:cSld>
+    <p:spTree>
+      <p:nvGrpSpPr>
+        <p:cNvPr id="1" name=""/>
+        <p:cNvGrpSpPr/>
+        <p:nvPr/>
+      </p:nvGrpSpPr>
+      <p:grpSpPr>
+        <a:xfrm>
+          <a:off x="0" y="0"/>
+          <a:ext cx="0" cy="0"/>
+          <a:chOff x="0" y="0"/>
+          <a:chExt cx="0" cy="0"/>
+        </a:xfrm>
+      </p:grpSpPr>
+      <p:sp>
+        <p:nvSpPr>
+          <p:cNvPr id="2" name="Slide Image Placeholder 1"/>
+          <p:cNvSpPr>
+            <a:spLocks noGrp="1" noRot="1" noChangeAspect="1"/>
+          </p:cNvSpPr>
+          <p:nvPr>
+            <p:ph type="sldImg"/>
+          </p:nvPr>
+        </p:nvSpPr>
+        <p:spPr/>
+      </p:sp>
+      <p:sp>
+        <p:nvSpPr>
+          <p:cNvPr id="3" name="Notes Placeholder 2"/>
+          <p:cNvSpPr>
+            <a:spLocks noGrp="1"/>
+          </p:cNvSpPr>
+          <p:nvPr>
+            <p:ph type="body" idx="1"/>
+          </p:nvPr>
+        </p:nvSpPr>
+        <p:spPr/>
+        <p:txBody>
+          <a:bodyPr/>
+          <a:lstStyle/>
+          <a:p>
             <a:endParaRPr lang="en-US" dirty="0"/>
           </a:p>
         </p:txBody>
@@ -2689,6 +2917,98 @@
     <p:extLst>
       <p:ext uri="{BB962C8B-B14F-4D97-AF65-F5344CB8AC3E}">
         <p14:creationId xmlns:p14="http://schemas.microsoft.com/office/powerpoint/2010/main" val="2857464309"/>
+      </p:ext>
+    </p:extLst>
+  </p:cSld>
+  <p:clrMapOvr>
+    <a:masterClrMapping/>
+  </p:clrMapOvr>
+</p:notes>
+</file>
+
+<file path=ppt/notesSlides/notesSlide33.xml><?xml version="1.0" encoding="utf-8"?>
+<p:notes xmlns:a="http://schemas.openxmlformats.org/drawingml/2006/main" xmlns:r="http://schemas.openxmlformats.org/officeDocument/2006/relationships" xmlns:p="http://schemas.openxmlformats.org/presentationml/2006/main">
+  <p:cSld>
+    <p:spTree>
+      <p:nvGrpSpPr>
+        <p:cNvPr id="1" name=""/>
+        <p:cNvGrpSpPr/>
+        <p:nvPr/>
+      </p:nvGrpSpPr>
+      <p:grpSpPr>
+        <a:xfrm>
+          <a:off x="0" y="0"/>
+          <a:ext cx="0" cy="0"/>
+          <a:chOff x="0" y="0"/>
+          <a:chExt cx="0" cy="0"/>
+        </a:xfrm>
+      </p:grpSpPr>
+      <p:sp>
+        <p:nvSpPr>
+          <p:cNvPr id="2" name="Slide Image Placeholder 1"/>
+          <p:cNvSpPr>
+            <a:spLocks noGrp="1" noRot="1" noChangeAspect="1"/>
+          </p:cNvSpPr>
+          <p:nvPr>
+            <p:ph type="sldImg"/>
+          </p:nvPr>
+        </p:nvSpPr>
+        <p:spPr/>
+      </p:sp>
+      <p:sp>
+        <p:nvSpPr>
+          <p:cNvPr id="3" name="Notes Placeholder 2"/>
+          <p:cNvSpPr>
+            <a:spLocks noGrp="1"/>
+          </p:cNvSpPr>
+          <p:nvPr>
+            <p:ph type="body" idx="1"/>
+          </p:nvPr>
+        </p:nvSpPr>
+        <p:spPr/>
+        <p:txBody>
+          <a:bodyPr/>
+          <a:lstStyle/>
+          <a:p>
+            <a:r>
+              <a:rPr lang="en-US" dirty="0"/>
+              <a:t>Only very minor updates made post presentation. (mostly </a:t>
+            </a:r>
+            <a:r>
+              <a:rPr lang="en-US"/>
+              <a:t>to speaker notes)</a:t>
+            </a:r>
+            <a:endParaRPr lang="en-US" dirty="0"/>
+          </a:p>
+        </p:txBody>
+      </p:sp>
+      <p:sp>
+        <p:nvSpPr>
+          <p:cNvPr id="4" name="Slide Number Placeholder 3"/>
+          <p:cNvSpPr>
+            <a:spLocks noGrp="1"/>
+          </p:cNvSpPr>
+          <p:nvPr>
+            <p:ph type="sldNum" sz="quarter" idx="5"/>
+          </p:nvPr>
+        </p:nvSpPr>
+        <p:spPr/>
+        <p:txBody>
+          <a:bodyPr/>
+          <a:lstStyle/>
+          <a:p>
+            <a:fld id="{4573CD83-9A02-4825-93C1-7C2EF9CD9900}" type="slidenum">
+              <a:rPr lang="en-US" smtClean="0"/>
+              <a:t>44</a:t>
+            </a:fld>
+            <a:endParaRPr lang="en-US"/>
+          </a:p>
+        </p:txBody>
+      </p:sp>
+    </p:spTree>
+    <p:extLst>
+      <p:ext uri="{BB962C8B-B14F-4D97-AF65-F5344CB8AC3E}">
+        <p14:creationId xmlns:p14="http://schemas.microsoft.com/office/powerpoint/2010/main" val="1976626626"/>
       </p:ext>
     </p:extLst>
   </p:cSld>
@@ -3131,13 +3451,19 @@
           <a:p>
             <a:r>
               <a:rPr lang="en-US" dirty="0"/>
-              <a:t>I will keeping some pins available just out of habit - because they have a lot of flexibility and designs do evolve.</a:t>
+              <a:t>I normally will keep some pins available just out of habit - because they have a lot of flexibility and designs do evolve over time</a:t>
             </a:r>
           </a:p>
           <a:p>
             <a:r>
               <a:rPr lang="en-US" dirty="0"/>
-              <a:t>For example – D13 has a built in LED – very handy for quick and dirty troubleshooting (LED on when entering a function, off when leaving the function)</a:t>
+              <a:t>For example – D13 has a built in LED – very handy for quick and dirty troubleshooting </a:t>
+            </a:r>
+          </a:p>
+          <a:p>
+            <a:r>
+              <a:rPr lang="en-US" dirty="0"/>
+              <a:t>(example usage – turn LED on when entering a function, and off when leaving the function) – This way you will know if the function ever gets called.</a:t>
             </a:r>
           </a:p>
         </p:txBody>
@@ -3418,7 +3744,7 @@
           <a:p>
             <a:fld id="{12D35354-3C70-45FE-A7BC-FEBCE88C825A}" type="datetime8">
               <a:rPr lang="en-US" smtClean="0"/>
-              <a:t>5/16/2022 10:27 PM</a:t>
+              <a:t>5/17/2022 7:39 PM</a:t>
             </a:fld>
             <a:endParaRPr lang="en-US"/>
           </a:p>
@@ -3616,7 +3942,7 @@
           <a:p>
             <a:fld id="{DE273977-2B4E-4BD8-8226-CAEE823F3008}" type="datetime8">
               <a:rPr lang="en-US" smtClean="0"/>
-              <a:t>5/16/2022 10:27 PM</a:t>
+              <a:t>5/17/2022 7:39 PM</a:t>
             </a:fld>
             <a:endParaRPr lang="en-US"/>
           </a:p>
@@ -3824,7 +4150,7 @@
           <a:p>
             <a:fld id="{7E2DC526-9E9D-4998-8C50-0541226B08CF}" type="datetime8">
               <a:rPr lang="en-US" smtClean="0"/>
-              <a:t>5/16/2022 10:27 PM</a:t>
+              <a:t>5/17/2022 7:39 PM</a:t>
             </a:fld>
             <a:endParaRPr lang="en-US"/>
           </a:p>
@@ -4022,7 +4348,7 @@
           <a:p>
             <a:fld id="{956EF2D3-783C-4E62-879C-6E42AA097112}" type="datetime8">
               <a:rPr lang="en-US" smtClean="0"/>
-              <a:t>5/16/2022 10:27 PM</a:t>
+              <a:t>5/17/2022 7:39 PM</a:t>
             </a:fld>
             <a:endParaRPr lang="en-US"/>
           </a:p>
@@ -4297,7 +4623,7 @@
           <a:p>
             <a:fld id="{CEEB4330-8AFB-48E3-B890-210D056A958B}" type="datetime8">
               <a:rPr lang="en-US" smtClean="0"/>
-              <a:t>5/16/2022 10:27 PM</a:t>
+              <a:t>5/17/2022 7:39 PM</a:t>
             </a:fld>
             <a:endParaRPr lang="en-US"/>
           </a:p>
@@ -4562,7 +4888,7 @@
           <a:p>
             <a:fld id="{66E23911-0252-40BE-BBB8-760394743E26}" type="datetime8">
               <a:rPr lang="en-US" smtClean="0"/>
-              <a:t>5/16/2022 10:27 PM</a:t>
+              <a:t>5/17/2022 7:39 PM</a:t>
             </a:fld>
             <a:endParaRPr lang="en-US"/>
           </a:p>
@@ -4974,7 +5300,7 @@
           <a:p>
             <a:fld id="{BBB6AC5D-77FB-46F6-9132-21FF30B4912F}" type="datetime8">
               <a:rPr lang="en-US" smtClean="0"/>
-              <a:t>5/16/2022 10:27 PM</a:t>
+              <a:t>5/17/2022 7:39 PM</a:t>
             </a:fld>
             <a:endParaRPr lang="en-US"/>
           </a:p>
@@ -5115,7 +5441,7 @@
           <a:p>
             <a:fld id="{6017FBC6-3D6B-4CF2-A705-4BC9E7D4582C}" type="datetime8">
               <a:rPr lang="en-US" smtClean="0"/>
-              <a:t>5/16/2022 10:27 PM</a:t>
+              <a:t>5/17/2022 7:39 PM</a:t>
             </a:fld>
             <a:endParaRPr lang="en-US"/>
           </a:p>
@@ -5496,7 +5822,7 @@
           <a:p>
             <a:fld id="{0D1B1BD9-FAAE-42CF-9C1C-24872CEE05A7}" type="datetime8">
               <a:rPr lang="en-US" smtClean="0"/>
-              <a:t>5/16/2022 10:27 PM</a:t>
+              <a:t>5/17/2022 7:39 PM</a:t>
             </a:fld>
             <a:endParaRPr lang="en-US"/>
           </a:p>
@@ -5784,7 +6110,7 @@
           <a:p>
             <a:fld id="{63B48E98-414D-4169-A026-380BA4A7A23F}" type="datetime8">
               <a:rPr lang="en-US" smtClean="0"/>
-              <a:t>5/16/2022 10:27 PM</a:t>
+              <a:t>5/17/2022 7:39 PM</a:t>
             </a:fld>
             <a:endParaRPr lang="en-US"/>
           </a:p>
@@ -6025,7 +6351,7 @@
           <a:p>
             <a:fld id="{9D52C73E-D6AD-4984-9C4A-C03CB437FD89}" type="datetime8">
               <a:rPr lang="en-US" smtClean="0"/>
-              <a:t>5/16/2022 10:27 PM</a:t>
+              <a:t>5/17/2022 7:39 PM</a:t>
             </a:fld>
             <a:endParaRPr lang="en-US"/>
           </a:p>
@@ -8511,6 +8837,60 @@
           <a:chExt cx="0" cy="0"/>
         </a:xfrm>
       </p:grpSpPr>
+      <p:sp>
+        <p:nvSpPr>
+          <p:cNvPr id="13" name="Rectangle 12">
+            <a:extLst>
+              <a:ext uri="{FF2B5EF4-FFF2-40B4-BE49-F238E27FC236}">
+                <a16:creationId xmlns:a16="http://schemas.microsoft.com/office/drawing/2014/main" id="{E64388FB-F114-F7A9-A285-D21E01A7AC66}"/>
+              </a:ext>
+            </a:extLst>
+          </p:cNvPr>
+          <p:cNvSpPr/>
+          <p:nvPr/>
+        </p:nvSpPr>
+        <p:spPr>
+          <a:xfrm>
+            <a:off x="1095375" y="5842335"/>
+            <a:ext cx="2362200" cy="120316"/>
+          </a:xfrm>
+          <a:prstGeom prst="rect">
+            <a:avLst/>
+          </a:prstGeom>
+          <a:solidFill>
+            <a:schemeClr val="bg1"/>
+          </a:solidFill>
+          <a:ln>
+            <a:solidFill>
+              <a:schemeClr val="bg1"/>
+            </a:solidFill>
+          </a:ln>
+        </p:spPr>
+        <p:style>
+          <a:lnRef idx="2">
+            <a:schemeClr val="accent1">
+              <a:shade val="50000"/>
+            </a:schemeClr>
+          </a:lnRef>
+          <a:fillRef idx="1">
+            <a:schemeClr val="accent1"/>
+          </a:fillRef>
+          <a:effectRef idx="0">
+            <a:schemeClr val="accent1"/>
+          </a:effectRef>
+          <a:fontRef idx="minor">
+            <a:schemeClr val="lt1"/>
+          </a:fontRef>
+        </p:style>
+        <p:txBody>
+          <a:bodyPr rtlCol="0" anchor="ctr"/>
+          <a:lstStyle/>
+          <a:p>
+            <a:pPr algn="ctr"/>
+            <a:endParaRPr lang="en-US"/>
+          </a:p>
+        </p:txBody>
+      </p:sp>
       <p:pic>
         <p:nvPicPr>
           <p:cNvPr id="20" name="Picture 19">
@@ -8952,60 +9332,6 @@
       </p:sp>
       <p:sp>
         <p:nvSpPr>
-          <p:cNvPr id="13" name="Rectangle 12">
-            <a:extLst>
-              <a:ext uri="{FF2B5EF4-FFF2-40B4-BE49-F238E27FC236}">
-                <a16:creationId xmlns:a16="http://schemas.microsoft.com/office/drawing/2014/main" id="{E64388FB-F114-F7A9-A285-D21E01A7AC66}"/>
-              </a:ext>
-            </a:extLst>
-          </p:cNvPr>
-          <p:cNvSpPr/>
-          <p:nvPr/>
-        </p:nvSpPr>
-        <p:spPr>
-          <a:xfrm>
-            <a:off x="1095375" y="5842335"/>
-            <a:ext cx="2362200" cy="120316"/>
-          </a:xfrm>
-          <a:prstGeom prst="rect">
-            <a:avLst/>
-          </a:prstGeom>
-          <a:solidFill>
-            <a:schemeClr val="bg1"/>
-          </a:solidFill>
-          <a:ln>
-            <a:solidFill>
-              <a:schemeClr val="bg1"/>
-            </a:solidFill>
-          </a:ln>
-        </p:spPr>
-        <p:style>
-          <a:lnRef idx="2">
-            <a:schemeClr val="accent1">
-              <a:shade val="50000"/>
-            </a:schemeClr>
-          </a:lnRef>
-          <a:fillRef idx="1">
-            <a:schemeClr val="accent1"/>
-          </a:fillRef>
-          <a:effectRef idx="0">
-            <a:schemeClr val="accent1"/>
-          </a:effectRef>
-          <a:fontRef idx="minor">
-            <a:schemeClr val="lt1"/>
-          </a:fontRef>
-        </p:style>
-        <p:txBody>
-          <a:bodyPr rtlCol="0" anchor="ctr"/>
-          <a:lstStyle/>
-          <a:p>
-            <a:pPr algn="ctr"/>
-            <a:endParaRPr lang="en-US"/>
-          </a:p>
-        </p:txBody>
-      </p:sp>
-      <p:sp>
-        <p:nvSpPr>
           <p:cNvPr id="15" name="Rectangle 14">
             <a:extLst>
               <a:ext uri="{FF2B5EF4-FFF2-40B4-BE49-F238E27FC236}">
@@ -9116,6 +9442,14 @@
                 </a:solidFill>
               </a:rPr>
               <a:t>SPI</a:t>
+            </a:r>
+            <a:r>
+              <a:rPr lang="en-US" u="sng" dirty="0">
+                <a:solidFill>
+                  <a:schemeClr val="tx1"/>
+                </a:solidFill>
+              </a:rPr>
+              <a:t> (old terminology)</a:t>
             </a:r>
           </a:p>
           <a:p>
@@ -9640,6 +9974,312 @@
           </a:fontRef>
         </p:style>
       </p:cxnSp>
+      <p:graphicFrame>
+        <p:nvGraphicFramePr>
+          <p:cNvPr id="18" name="Table 17">
+            <a:extLst>
+              <a:ext uri="{FF2B5EF4-FFF2-40B4-BE49-F238E27FC236}">
+                <a16:creationId xmlns:a16="http://schemas.microsoft.com/office/drawing/2014/main" id="{75D639D1-EF23-305E-0BD9-76102EBD5CCE}"/>
+              </a:ext>
+            </a:extLst>
+          </p:cNvPr>
+          <p:cNvGraphicFramePr>
+            <a:graphicFrameLocks noGrp="1"/>
+          </p:cNvGraphicFramePr>
+          <p:nvPr>
+            <p:extLst>
+              <p:ext uri="{D42A27DB-BD31-4B8C-83A1-F6EECF244321}">
+                <p14:modId xmlns:p14="http://schemas.microsoft.com/office/powerpoint/2010/main" val="3133274855"/>
+              </p:ext>
+            </p:extLst>
+          </p:nvPr>
+        </p:nvGraphicFramePr>
+        <p:xfrm>
+          <a:off x="9120652" y="4401179"/>
+          <a:ext cx="2431921" cy="1075338"/>
+        </p:xfrm>
+        <a:graphic>
+          <a:graphicData uri="http://schemas.openxmlformats.org/drawingml/2006/table">
+            <a:tbl>
+              <a:tblPr/>
+              <a:tblGrid>
+                <a:gridCol w="2431921">
+                  <a:extLst>
+                    <a:ext uri="{9D8B030D-6E8A-4147-A177-3AD203B41FA5}">
+                      <a16:colId xmlns:a16="http://schemas.microsoft.com/office/drawing/2014/main" val="2950741367"/>
+                    </a:ext>
+                  </a:extLst>
+                </a:gridCol>
+              </a:tblGrid>
+              <a:tr h="330873">
+                <a:tc>
+                  <a:txBody>
+                    <a:bodyPr/>
+                    <a:lstStyle/>
+                    <a:p>
+                      <a:pPr algn="l"/>
+                      <a:r>
+                        <a:rPr lang="en-US" sz="1000" b="1" dirty="0">
+                          <a:effectLst/>
+                          <a:latin typeface="Open Sans" panose="020B0606030504020204" pitchFamily="34" charset="0"/>
+                        </a:rPr>
+                        <a:t>Controller/Peripheral (NEW)</a:t>
+                      </a:r>
+                    </a:p>
+                  </a:txBody>
+                  <a:tcPr marL="76200" marR="76200" marT="76200" marB="76200" anchor="ctr">
+                    <a:lnL w="9525" cap="flat" cmpd="sng" algn="ctr">
+                      <a:solidFill>
+                        <a:srgbClr val="C9D2D2"/>
+                      </a:solidFill>
+                      <a:prstDash val="solid"/>
+                      <a:round/>
+                      <a:headEnd type="none" w="med" len="med"/>
+                      <a:tailEnd type="none" w="med" len="med"/>
+                    </a:lnL>
+                    <a:lnR w="9525" cap="flat" cmpd="sng" algn="ctr">
+                      <a:solidFill>
+                        <a:srgbClr val="C9D2D2"/>
+                      </a:solidFill>
+                      <a:prstDash val="solid"/>
+                      <a:round/>
+                      <a:headEnd type="none" w="med" len="med"/>
+                      <a:tailEnd type="none" w="med" len="med"/>
+                    </a:lnR>
+                    <a:lnT w="9525" cap="flat" cmpd="sng" algn="ctr">
+                      <a:solidFill>
+                        <a:srgbClr val="C9D2D2"/>
+                      </a:solidFill>
+                      <a:prstDash val="solid"/>
+                      <a:round/>
+                      <a:headEnd type="none" w="med" len="med"/>
+                      <a:tailEnd type="none" w="med" len="med"/>
+                    </a:lnT>
+                    <a:lnB w="9525" cap="flat" cmpd="sng" algn="ctr">
+                      <a:solidFill>
+                        <a:srgbClr val="C9D2D2"/>
+                      </a:solidFill>
+                      <a:prstDash val="solid"/>
+                      <a:round/>
+                      <a:headEnd type="none" w="med" len="med"/>
+                      <a:tailEnd type="none" w="med" len="med"/>
+                    </a:lnB>
+                    <a:solidFill>
+                      <a:schemeClr val="accent4">
+                        <a:lumMod val="40000"/>
+                        <a:lumOff val="60000"/>
+                      </a:schemeClr>
+                    </a:solidFill>
+                  </a:tcPr>
+                </a:tc>
+                <a:extLst>
+                  <a:ext uri="{0D108BD9-81ED-4DB2-BD59-A6C34878D82A}">
+                    <a16:rowId xmlns:a16="http://schemas.microsoft.com/office/drawing/2014/main" val="3982844356"/>
+                  </a:ext>
+                </a:extLst>
+              </a:tr>
+              <a:tr h="248155">
+                <a:tc>
+                  <a:txBody>
+                    <a:bodyPr/>
+                    <a:lstStyle/>
+                    <a:p>
+                      <a:r>
+                        <a:rPr lang="en-US" sz="1000" dirty="0">
+                          <a:effectLst/>
+                          <a:latin typeface="Open Sans" panose="020B0606030504020204" pitchFamily="34" charset="0"/>
+                        </a:rPr>
+                        <a:t>Controller In, Peripheral Out (CIPO)</a:t>
+                      </a:r>
+                    </a:p>
+                  </a:txBody>
+                  <a:tcPr marL="76200" marR="76200" marT="38100" marB="38100" anchor="ctr">
+                    <a:lnL w="9525" cap="flat" cmpd="sng" algn="ctr">
+                      <a:solidFill>
+                        <a:srgbClr val="C9D2D2"/>
+                      </a:solidFill>
+                      <a:prstDash val="solid"/>
+                      <a:round/>
+                      <a:headEnd type="none" w="med" len="med"/>
+                      <a:tailEnd type="none" w="med" len="med"/>
+                    </a:lnL>
+                    <a:lnR w="9525" cap="flat" cmpd="sng" algn="ctr">
+                      <a:solidFill>
+                        <a:srgbClr val="C9D2D2"/>
+                      </a:solidFill>
+                      <a:prstDash val="solid"/>
+                      <a:round/>
+                      <a:headEnd type="none" w="med" len="med"/>
+                      <a:tailEnd type="none" w="med" len="med"/>
+                    </a:lnR>
+                    <a:lnT w="9525" cap="flat" cmpd="sng" algn="ctr">
+                      <a:solidFill>
+                        <a:srgbClr val="C9D2D2"/>
+                      </a:solidFill>
+                      <a:prstDash val="solid"/>
+                      <a:round/>
+                      <a:headEnd type="none" w="med" len="med"/>
+                      <a:tailEnd type="none" w="med" len="med"/>
+                    </a:lnT>
+                    <a:lnB w="9525" cap="flat" cmpd="sng" algn="ctr">
+                      <a:solidFill>
+                        <a:srgbClr val="C9D2D2"/>
+                      </a:solidFill>
+                      <a:prstDash val="solid"/>
+                      <a:round/>
+                      <a:headEnd type="none" w="med" len="med"/>
+                      <a:tailEnd type="none" w="med" len="med"/>
+                    </a:lnB>
+                    <a:solidFill>
+                      <a:schemeClr val="accent4">
+                        <a:lumMod val="20000"/>
+                        <a:lumOff val="80000"/>
+                      </a:schemeClr>
+                    </a:solidFill>
+                  </a:tcPr>
+                </a:tc>
+                <a:extLst>
+                  <a:ext uri="{0D108BD9-81ED-4DB2-BD59-A6C34878D82A}">
+                    <a16:rowId xmlns:a16="http://schemas.microsoft.com/office/drawing/2014/main" val="3542193222"/>
+                  </a:ext>
+                </a:extLst>
+              </a:tr>
+              <a:tr h="248155">
+                <a:tc>
+                  <a:txBody>
+                    <a:bodyPr/>
+                    <a:lstStyle/>
+                    <a:p>
+                      <a:r>
+                        <a:rPr lang="en-US" sz="1000">
+                          <a:effectLst/>
+                          <a:latin typeface="Open Sans" panose="020B0606030504020204" pitchFamily="34" charset="0"/>
+                        </a:rPr>
+                        <a:t>Controller Out Peripheral In (COPI)</a:t>
+                      </a:r>
+                    </a:p>
+                  </a:txBody>
+                  <a:tcPr marL="76200" marR="76200" marT="38100" marB="38100" anchor="ctr">
+                    <a:lnL w="9525" cap="flat" cmpd="sng" algn="ctr">
+                      <a:solidFill>
+                        <a:srgbClr val="C9D2D2"/>
+                      </a:solidFill>
+                      <a:prstDash val="solid"/>
+                      <a:round/>
+                      <a:headEnd type="none" w="med" len="med"/>
+                      <a:tailEnd type="none" w="med" len="med"/>
+                    </a:lnL>
+                    <a:lnR w="9525" cap="flat" cmpd="sng" algn="ctr">
+                      <a:solidFill>
+                        <a:srgbClr val="C9D2D2"/>
+                      </a:solidFill>
+                      <a:prstDash val="solid"/>
+                      <a:round/>
+                      <a:headEnd type="none" w="med" len="med"/>
+                      <a:tailEnd type="none" w="med" len="med"/>
+                    </a:lnR>
+                    <a:lnT w="9525" cap="flat" cmpd="sng" algn="ctr">
+                      <a:solidFill>
+                        <a:srgbClr val="C9D2D2"/>
+                      </a:solidFill>
+                      <a:prstDash val="solid"/>
+                      <a:round/>
+                      <a:headEnd type="none" w="med" len="med"/>
+                      <a:tailEnd type="none" w="med" len="med"/>
+                    </a:lnT>
+                    <a:lnB w="9525" cap="flat" cmpd="sng" algn="ctr">
+                      <a:solidFill>
+                        <a:srgbClr val="C9D2D2"/>
+                      </a:solidFill>
+                      <a:prstDash val="solid"/>
+                      <a:round/>
+                      <a:headEnd type="none" w="med" len="med"/>
+                      <a:tailEnd type="none" w="med" len="med"/>
+                    </a:lnB>
+                    <a:solidFill>
+                      <a:schemeClr val="accent4">
+                        <a:lumMod val="20000"/>
+                        <a:lumOff val="80000"/>
+                      </a:schemeClr>
+                    </a:solidFill>
+                  </a:tcPr>
+                </a:tc>
+                <a:extLst>
+                  <a:ext uri="{0D108BD9-81ED-4DB2-BD59-A6C34878D82A}">
+                    <a16:rowId xmlns:a16="http://schemas.microsoft.com/office/drawing/2014/main" val="2657361176"/>
+                  </a:ext>
+                </a:extLst>
+              </a:tr>
+              <a:tr h="248155">
+                <a:tc>
+                  <a:txBody>
+                    <a:bodyPr/>
+                    <a:lstStyle/>
+                    <a:p>
+                      <a:r>
+                        <a:rPr lang="en-US" sz="1000" dirty="0">
+                          <a:effectLst/>
+                          <a:latin typeface="Open Sans" panose="020B0606030504020204" pitchFamily="34" charset="0"/>
+                        </a:rPr>
+                        <a:t>Chip Select Pin (CS)</a:t>
+                      </a:r>
+                    </a:p>
+                  </a:txBody>
+                  <a:tcPr marL="76200" marR="76200" marT="38100" marB="38100" anchor="ctr">
+                    <a:lnL w="9525" cap="flat" cmpd="sng" algn="ctr">
+                      <a:solidFill>
+                        <a:srgbClr val="C9D2D2"/>
+                      </a:solidFill>
+                      <a:prstDash val="solid"/>
+                      <a:round/>
+                      <a:headEnd type="none" w="med" len="med"/>
+                      <a:tailEnd type="none" w="med" len="med"/>
+                    </a:lnL>
+                    <a:lnR w="9525" cap="flat" cmpd="sng" algn="ctr">
+                      <a:solidFill>
+                        <a:srgbClr val="C9D2D2"/>
+                      </a:solidFill>
+                      <a:prstDash val="solid"/>
+                      <a:round/>
+                      <a:headEnd type="none" w="med" len="med"/>
+                      <a:tailEnd type="none" w="med" len="med"/>
+                    </a:lnR>
+                    <a:lnT w="9525" cap="flat" cmpd="sng" algn="ctr">
+                      <a:solidFill>
+                        <a:srgbClr val="C9D2D2"/>
+                      </a:solidFill>
+                      <a:prstDash val="solid"/>
+                      <a:round/>
+                      <a:headEnd type="none" w="med" len="med"/>
+                      <a:tailEnd type="none" w="med" len="med"/>
+                    </a:lnT>
+                    <a:lnB w="9525" cap="flat" cmpd="sng" algn="ctr">
+                      <a:solidFill>
+                        <a:srgbClr val="C9D2D2"/>
+                      </a:solidFill>
+                      <a:prstDash val="solid"/>
+                      <a:round/>
+                      <a:headEnd type="none" w="med" len="med"/>
+                      <a:tailEnd type="none" w="med" len="med"/>
+                    </a:lnB>
+                    <a:solidFill>
+                      <a:schemeClr val="accent4">
+                        <a:lumMod val="20000"/>
+                        <a:lumOff val="80000"/>
+                      </a:schemeClr>
+                    </a:solidFill>
+                  </a:tcPr>
+                </a:tc>
+                <a:extLst>
+                  <a:ext uri="{0D108BD9-81ED-4DB2-BD59-A6C34878D82A}">
+                    <a16:rowId xmlns:a16="http://schemas.microsoft.com/office/drawing/2014/main" val="3769574167"/>
+                  </a:ext>
+                </a:extLst>
+              </a:tr>
+            </a:tbl>
+          </a:graphicData>
+        </a:graphic>
+      </p:graphicFrame>
     </p:spTree>
     <p:extLst>
       <p:ext uri="{BB962C8B-B14F-4D97-AF65-F5344CB8AC3E}">
@@ -10241,6 +10881,59 @@
                                         <p:strVal val="hidden"/>
                                       </p:to>
                                     </p:set>
+                                  </p:childTnLst>
+                                </p:cTn>
+                              </p:par>
+                            </p:childTnLst>
+                          </p:cTn>
+                        </p:par>
+                      </p:childTnLst>
+                    </p:cTn>
+                  </p:par>
+                  <p:par>
+                    <p:cTn id="51" fill="hold">
+                      <p:stCondLst>
+                        <p:cond delay="indefinite"/>
+                      </p:stCondLst>
+                      <p:childTnLst>
+                        <p:par>
+                          <p:cTn id="52" fill="hold">
+                            <p:stCondLst>
+                              <p:cond delay="0"/>
+                            </p:stCondLst>
+                            <p:childTnLst>
+                              <p:par>
+                                <p:cTn id="53" presetID="22" presetClass="entr" presetSubtype="4" fill="hold" nodeType="clickEffect">
+                                  <p:stCondLst>
+                                    <p:cond delay="0"/>
+                                  </p:stCondLst>
+                                  <p:childTnLst>
+                                    <p:set>
+                                      <p:cBhvr>
+                                        <p:cTn id="54" dur="1" fill="hold">
+                                          <p:stCondLst>
+                                            <p:cond delay="0"/>
+                                          </p:stCondLst>
+                                        </p:cTn>
+                                        <p:tgtEl>
+                                          <p:spTgt spid="18"/>
+                                        </p:tgtEl>
+                                        <p:attrNameLst>
+                                          <p:attrName>style.visibility</p:attrName>
+                                        </p:attrNameLst>
+                                      </p:cBhvr>
+                                      <p:to>
+                                        <p:strVal val="visible"/>
+                                      </p:to>
+                                    </p:set>
+                                    <p:animEffect transition="in" filter="wipe(down)">
+                                      <p:cBhvr>
+                                        <p:cTn id="55" dur="500"/>
+                                        <p:tgtEl>
+                                          <p:spTgt spid="18"/>
+                                        </p:tgtEl>
+                                      </p:cBhvr>
+                                    </p:animEffect>
                                   </p:childTnLst>
                                 </p:cTn>
                               </p:par>
@@ -30127,7 +30820,7 @@
           <p:nvPr/>
         </p:nvPicPr>
         <p:blipFill>
-          <a:blip r:embed="rId2" cstate="email">
+          <a:blip r:embed="rId3" cstate="email">
             <a:extLst>
               <a:ext uri="{28A0092B-C50C-407E-A947-70E740481C1C}">
                 <a14:useLocalDpi xmlns:a14="http://schemas.microsoft.com/office/drawing/2010/main"/>
@@ -30453,7 +31146,7 @@
           <p:nvPr/>
         </p:nvPicPr>
         <p:blipFill>
-          <a:blip r:embed="rId2" cstate="email">
+          <a:blip r:embed="rId3" cstate="email">
             <a:extLst>
               <a:ext uri="{28A0092B-C50C-407E-A947-70E740481C1C}">
                 <a14:useLocalDpi xmlns:a14="http://schemas.microsoft.com/office/drawing/2010/main"/>
@@ -31141,7 +31834,7 @@
           <p:nvPr/>
         </p:nvPicPr>
         <p:blipFill>
-          <a:blip r:embed="rId3" cstate="email">
+          <a:blip r:embed="rId4" cstate="email">
             <a:extLst>
               <a:ext uri="{28A0092B-C50C-407E-A947-70E740481C1C}">
                 <a14:useLocalDpi xmlns:a14="http://schemas.microsoft.com/office/drawing/2010/main"/>
@@ -31708,7 +32401,7 @@
                           <a:solidFill>
                             <a:srgbClr val="0070C0"/>
                           </a:solidFill>
-                          <a:hlinkClick r:id="rId2"/>
+                          <a:hlinkClick r:id="rId3"/>
                         </a:rPr>
                         <a:t>https://create.arduino.cc/projecthub/pibots555/how-to-connect-dht11-sensor-with-arduino-uno-f4d239</a:t>
                       </a:r>
@@ -31950,7 +32643,7 @@
           <p:nvPr/>
         </p:nvPicPr>
         <p:blipFill>
-          <a:blip r:embed="rId3" cstate="email">
+          <a:blip r:embed="rId4" cstate="email">
             <a:extLst>
               <a:ext uri="{28A0092B-C50C-407E-A947-70E740481C1C}">
                 <a14:useLocalDpi xmlns:a14="http://schemas.microsoft.com/office/drawing/2010/main"/>
@@ -31986,7 +32679,7 @@
           <p:nvPr/>
         </p:nvPicPr>
         <p:blipFill>
-          <a:blip r:embed="rId4" cstate="email">
+          <a:blip r:embed="rId5" cstate="email">
             <a:extLst>
               <a:ext uri="{28A0092B-C50C-407E-A947-70E740481C1C}">
                 <a14:useLocalDpi xmlns:a14="http://schemas.microsoft.com/office/drawing/2010/main"/>
@@ -39133,7 +39826,7 @@
           <p:nvPr/>
         </p:nvPicPr>
         <p:blipFill>
-          <a:blip r:embed="rId2" cstate="email">
+          <a:blip r:embed="rId3" cstate="email">
             <a:extLst>
               <a:ext uri="{28A0092B-C50C-407E-A947-70E740481C1C}">
                 <a14:useLocalDpi xmlns:a14="http://schemas.microsoft.com/office/drawing/2010/main"/>
@@ -39169,7 +39862,7 @@
           <p:nvPr/>
         </p:nvPicPr>
         <p:blipFill>
-          <a:blip r:embed="rId3" cstate="email">
+          <a:blip r:embed="rId4" cstate="email">
             <a:extLst>
               <a:ext uri="{28A0092B-C50C-407E-A947-70E740481C1C}">
                 <a14:useLocalDpi xmlns:a14="http://schemas.microsoft.com/office/drawing/2010/main"/>
@@ -39216,13 +39909,13 @@
           <p:nvPr/>
         </p:nvPicPr>
         <p:blipFill>
-          <a:blip r:embed="rId4" cstate="email">
+          <a:blip r:embed="rId5" cstate="email">
             <a:extLst>
               <a:ext uri="{28A0092B-C50C-407E-A947-70E740481C1C}">
                 <a14:useLocalDpi xmlns:a14="http://schemas.microsoft.com/office/drawing/2010/main"/>
               </a:ext>
               <a:ext uri="{837473B0-CC2E-450A-ABE3-18F120FF3D39}">
-                <a1611:picAttrSrcUrl xmlns:a1611="http://schemas.microsoft.com/office/drawing/2016/11/main" r:id="rId5"/>
+                <a1611:picAttrSrcUrl xmlns:a1611="http://schemas.microsoft.com/office/drawing/2016/11/main" r:id="rId6"/>
               </a:ext>
             </a:extLst>
           </a:blip>
@@ -46212,11 +46905,11 @@
     <we:property name="MM-reminder" value="&quot;--&quot;"/>
     <we:property name="SS" value="0"/>
     <we:property name="SS-reminder" value="&quot;--&quot;"/>
-    <we:property name="canvash" value="376"/>
-    <we:property name="canvasw" value="376"/>
+    <we:property name="canvash" value="374"/>
+    <we:property name="canvasw" value="374"/>
     <we:property name="clocktype" value="&quot;digital&quot;"/>
     <we:property name="interval" value="5"/>
-    <we:property name="radius" value="169.20000000000002"/>
+    <we:property name="radius" value="168.3"/>
     <we:property name="tickType" value="&quot;tick&quot;"/>
     <we:property name="timeupType" value="&quot;alarm&quot;"/>
   </we:properties>

--- a/Arduino IO Compendium.pptx
+++ b/Arduino IO Compendium.pptx
@@ -5,7 +5,7 @@
     <p:sldMasterId id="2147483648" r:id="rId1"/>
   </p:sldMasterIdLst>
   <p:notesMasterIdLst>
-    <p:notesMasterId r:id="rId46"/>
+    <p:notesMasterId r:id="rId48"/>
   </p:notesMasterIdLst>
   <p:sldIdLst>
     <p:sldId id="336" r:id="rId2"/>
@@ -34,24 +34,26 @@
     <p:sldId id="365" r:id="rId25"/>
     <p:sldId id="366" r:id="rId26"/>
     <p:sldId id="322" r:id="rId27"/>
-    <p:sldId id="361" r:id="rId28"/>
-    <p:sldId id="368" r:id="rId29"/>
-    <p:sldId id="323" r:id="rId30"/>
-    <p:sldId id="324" r:id="rId31"/>
-    <p:sldId id="369" r:id="rId32"/>
-    <p:sldId id="348" r:id="rId33"/>
-    <p:sldId id="359" r:id="rId34"/>
-    <p:sldId id="370" r:id="rId35"/>
-    <p:sldId id="371" r:id="rId36"/>
-    <p:sldId id="352" r:id="rId37"/>
-    <p:sldId id="372" r:id="rId38"/>
-    <p:sldId id="326" r:id="rId39"/>
-    <p:sldId id="377" r:id="rId40"/>
-    <p:sldId id="375" r:id="rId41"/>
-    <p:sldId id="327" r:id="rId42"/>
-    <p:sldId id="376" r:id="rId43"/>
-    <p:sldId id="378" r:id="rId44"/>
-    <p:sldId id="373" r:id="rId45"/>
+    <p:sldId id="381" r:id="rId28"/>
+    <p:sldId id="382" r:id="rId29"/>
+    <p:sldId id="361" r:id="rId30"/>
+    <p:sldId id="368" r:id="rId31"/>
+    <p:sldId id="323" r:id="rId32"/>
+    <p:sldId id="324" r:id="rId33"/>
+    <p:sldId id="369" r:id="rId34"/>
+    <p:sldId id="348" r:id="rId35"/>
+    <p:sldId id="359" r:id="rId36"/>
+    <p:sldId id="370" r:id="rId37"/>
+    <p:sldId id="371" r:id="rId38"/>
+    <p:sldId id="352" r:id="rId39"/>
+    <p:sldId id="372" r:id="rId40"/>
+    <p:sldId id="326" r:id="rId41"/>
+    <p:sldId id="377" r:id="rId42"/>
+    <p:sldId id="375" r:id="rId43"/>
+    <p:sldId id="327" r:id="rId44"/>
+    <p:sldId id="376" r:id="rId45"/>
+    <p:sldId id="378" r:id="rId46"/>
+    <p:sldId id="373" r:id="rId47"/>
   </p:sldIdLst>
   <p:sldSz cx="12192000" cy="6858000"/>
   <p:notesSz cx="7016750" cy="9309100"/>
@@ -265,7 +267,7 @@
           <a:p>
             <a:fld id="{12054D22-7DC6-4818-8DE5-E280DFD5FB49}" type="datetimeFigureOut">
               <a:rPr lang="en-US" smtClean="0"/>
-              <a:t>5/17/2022</a:t>
+              <a:t>1/10/2023</a:t>
             </a:fld>
             <a:endParaRPr lang="en-US"/>
           </a:p>
@@ -2349,7 +2351,35 @@
           <a:bodyPr/>
           <a:lstStyle/>
           <a:p>
-            <a:endParaRPr lang="en-US"/>
+            <a:r>
+              <a:rPr lang="en-US" dirty="0"/>
+              <a:t>MOSFETS come in all sizes and configurations. </a:t>
+            </a:r>
+          </a:p>
+          <a:p>
+            <a:endParaRPr lang="en-US" dirty="0"/>
+          </a:p>
+          <a:p>
+            <a:r>
+              <a:rPr lang="en-US" dirty="0"/>
+              <a:t>For inductive loads check to ensure a reverse bias diode (kickback diode) is installed across the relay coil. </a:t>
+            </a:r>
+          </a:p>
+          <a:p>
+            <a:r>
+              <a:rPr lang="en-US" b="1" dirty="0"/>
+              <a:t>Why:</a:t>
+            </a:r>
+            <a:r>
+              <a:rPr lang="en-US" dirty="0"/>
+              <a:t>  When you switch off a coil the magnetic field collapses quickly .. This sudden collapse generates</a:t>
+            </a:r>
+          </a:p>
+          <a:p>
+            <a:r>
+              <a:rPr lang="en-US" dirty="0"/>
+              <a:t> a voltage in the coil which could easily exceed the rating of the Arduino. </a:t>
+            </a:r>
           </a:p>
         </p:txBody>
       </p:sp>
@@ -2379,7 +2409,7 @@
     </p:spTree>
     <p:extLst>
       <p:ext uri="{BB962C8B-B14F-4D97-AF65-F5344CB8AC3E}">
-        <p14:creationId xmlns:p14="http://schemas.microsoft.com/office/powerpoint/2010/main" val="515819040"/>
+        <p14:creationId xmlns:p14="http://schemas.microsoft.com/office/powerpoint/2010/main" val="3884539458"/>
       </p:ext>
     </p:extLst>
   </p:cSld>
@@ -2390,6 +2420,115 @@
 </file>
 
 <file path=ppt/notesSlides/notesSlide28.xml><?xml version="1.0" encoding="utf-8"?>
+<p:notes xmlns:a="http://schemas.openxmlformats.org/drawingml/2006/main" xmlns:r="http://schemas.openxmlformats.org/officeDocument/2006/relationships" xmlns:p="http://schemas.openxmlformats.org/presentationml/2006/main">
+  <p:cSld>
+    <p:spTree>
+      <p:nvGrpSpPr>
+        <p:cNvPr id="1" name=""/>
+        <p:cNvGrpSpPr/>
+        <p:nvPr/>
+      </p:nvGrpSpPr>
+      <p:grpSpPr>
+        <a:xfrm>
+          <a:off x="0" y="0"/>
+          <a:ext cx="0" cy="0"/>
+          <a:chOff x="0" y="0"/>
+          <a:chExt cx="0" cy="0"/>
+        </a:xfrm>
+      </p:grpSpPr>
+      <p:sp>
+        <p:nvSpPr>
+          <p:cNvPr id="2" name="Slide Image Placeholder 1"/>
+          <p:cNvSpPr>
+            <a:spLocks noGrp="1" noRot="1" noChangeAspect="1"/>
+          </p:cNvSpPr>
+          <p:nvPr>
+            <p:ph type="sldImg"/>
+          </p:nvPr>
+        </p:nvSpPr>
+        <p:spPr/>
+      </p:sp>
+      <p:sp>
+        <p:nvSpPr>
+          <p:cNvPr id="3" name="Notes Placeholder 2"/>
+          <p:cNvSpPr>
+            <a:spLocks noGrp="1"/>
+          </p:cNvSpPr>
+          <p:nvPr>
+            <p:ph type="body" idx="1"/>
+          </p:nvPr>
+        </p:nvSpPr>
+        <p:spPr/>
+        <p:txBody>
+          <a:bodyPr/>
+          <a:lstStyle/>
+          <a:p>
+            <a:r>
+              <a:rPr lang="en-US" dirty="0"/>
+              <a:t>MOSFETS come in all sizes and configurations. </a:t>
+            </a:r>
+          </a:p>
+          <a:p>
+            <a:r>
+              <a:rPr lang="en-US" dirty="0"/>
+              <a:t>For inductive loads check to ensure a reverse bias diode (kickback diode) is installed across the relay coil. </a:t>
+            </a:r>
+          </a:p>
+          <a:p>
+            <a:r>
+              <a:rPr lang="en-US" b="1" dirty="0"/>
+              <a:t>Why:</a:t>
+            </a:r>
+            <a:r>
+              <a:rPr lang="en-US" dirty="0"/>
+              <a:t>  When you switch off a coil the magnetic field collapses quickly .. This sudden collapse generates</a:t>
+            </a:r>
+          </a:p>
+          <a:p>
+            <a:r>
+              <a:rPr lang="en-US" dirty="0"/>
+              <a:t> a voltage in the coil which could easily exceed the rating of the Arduino. </a:t>
+            </a:r>
+          </a:p>
+        </p:txBody>
+      </p:sp>
+      <p:sp>
+        <p:nvSpPr>
+          <p:cNvPr id="4" name="Slide Number Placeholder 3"/>
+          <p:cNvSpPr>
+            <a:spLocks noGrp="1"/>
+          </p:cNvSpPr>
+          <p:nvPr>
+            <p:ph type="sldNum" sz="quarter" idx="5"/>
+          </p:nvPr>
+        </p:nvSpPr>
+        <p:spPr/>
+        <p:txBody>
+          <a:bodyPr/>
+          <a:lstStyle/>
+          <a:p>
+            <a:fld id="{4573CD83-9A02-4825-93C1-7C2EF9CD9900}" type="slidenum">
+              <a:rPr lang="en-US" smtClean="0"/>
+              <a:t>28</a:t>
+            </a:fld>
+            <a:endParaRPr lang="en-US"/>
+          </a:p>
+        </p:txBody>
+      </p:sp>
+    </p:spTree>
+    <p:extLst>
+      <p:ext uri="{BB962C8B-B14F-4D97-AF65-F5344CB8AC3E}">
+        <p14:creationId xmlns:p14="http://schemas.microsoft.com/office/powerpoint/2010/main" val="861339359"/>
+      </p:ext>
+    </p:extLst>
+  </p:cSld>
+  <p:clrMapOvr>
+    <a:masterClrMapping/>
+  </p:clrMapOvr>
+</p:notes>
+</file>
+
+<file path=ppt/notesSlides/notesSlide29.xml><?xml version="1.0" encoding="utf-8"?>
 <p:notes xmlns:a="http://schemas.openxmlformats.org/drawingml/2006/main" xmlns:r="http://schemas.openxmlformats.org/officeDocument/2006/relationships" xmlns:p="http://schemas.openxmlformats.org/presentationml/2006/main">
   <p:cSld>
     <p:spTree>
@@ -2454,7 +2593,7 @@
           <a:p>
             <a:fld id="{4573CD83-9A02-4825-93C1-7C2EF9CD9900}" type="slidenum">
               <a:rPr lang="en-US" smtClean="0"/>
-              <a:t>28</a:t>
+              <a:t>29</a:t>
             </a:fld>
             <a:endParaRPr lang="en-US"/>
           </a:p>
@@ -2463,91 +2602,7 @@
     </p:spTree>
     <p:extLst>
       <p:ext uri="{BB962C8B-B14F-4D97-AF65-F5344CB8AC3E}">
-        <p14:creationId xmlns:p14="http://schemas.microsoft.com/office/powerpoint/2010/main" val="1731622598"/>
-      </p:ext>
-    </p:extLst>
-  </p:cSld>
-  <p:clrMapOvr>
-    <a:masterClrMapping/>
-  </p:clrMapOvr>
-</p:notes>
-</file>
-
-<file path=ppt/notesSlides/notesSlide29.xml><?xml version="1.0" encoding="utf-8"?>
-<p:notes xmlns:a="http://schemas.openxmlformats.org/drawingml/2006/main" xmlns:r="http://schemas.openxmlformats.org/officeDocument/2006/relationships" xmlns:p="http://schemas.openxmlformats.org/presentationml/2006/main">
-  <p:cSld>
-    <p:spTree>
-      <p:nvGrpSpPr>
-        <p:cNvPr id="1" name=""/>
-        <p:cNvGrpSpPr/>
-        <p:nvPr/>
-      </p:nvGrpSpPr>
-      <p:grpSpPr>
-        <a:xfrm>
-          <a:off x="0" y="0"/>
-          <a:ext cx="0" cy="0"/>
-          <a:chOff x="0" y="0"/>
-          <a:chExt cx="0" cy="0"/>
-        </a:xfrm>
-      </p:grpSpPr>
-      <p:sp>
-        <p:nvSpPr>
-          <p:cNvPr id="2" name="Slide Image Placeholder 1"/>
-          <p:cNvSpPr>
-            <a:spLocks noGrp="1" noRot="1" noChangeAspect="1"/>
-          </p:cNvSpPr>
-          <p:nvPr>
-            <p:ph type="sldImg"/>
-          </p:nvPr>
-        </p:nvSpPr>
-        <p:spPr/>
-      </p:sp>
-      <p:sp>
-        <p:nvSpPr>
-          <p:cNvPr id="3" name="Notes Placeholder 2"/>
-          <p:cNvSpPr>
-            <a:spLocks noGrp="1"/>
-          </p:cNvSpPr>
-          <p:nvPr>
-            <p:ph type="body" idx="1"/>
-          </p:nvPr>
-        </p:nvSpPr>
-        <p:spPr/>
-        <p:txBody>
-          <a:bodyPr/>
-          <a:lstStyle/>
-          <a:p>
-            <a:endParaRPr lang="en-US" dirty="0"/>
-          </a:p>
-        </p:txBody>
-      </p:sp>
-      <p:sp>
-        <p:nvSpPr>
-          <p:cNvPr id="4" name="Slide Number Placeholder 3"/>
-          <p:cNvSpPr>
-            <a:spLocks noGrp="1"/>
-          </p:cNvSpPr>
-          <p:nvPr>
-            <p:ph type="sldNum" sz="quarter" idx="5"/>
-          </p:nvPr>
-        </p:nvSpPr>
-        <p:spPr/>
-        <p:txBody>
-          <a:bodyPr/>
-          <a:lstStyle/>
-          <a:p>
-            <a:fld id="{4573CD83-9A02-4825-93C1-7C2EF9CD9900}" type="slidenum">
-              <a:rPr lang="en-US" smtClean="0"/>
-              <a:t>30</a:t>
-            </a:fld>
-            <a:endParaRPr lang="en-US"/>
-          </a:p>
-        </p:txBody>
-      </p:sp>
-    </p:spTree>
-    <p:extLst>
-      <p:ext uri="{BB962C8B-B14F-4D97-AF65-F5344CB8AC3E}">
-        <p14:creationId xmlns:p14="http://schemas.microsoft.com/office/powerpoint/2010/main" val="4137697082"/>
+        <p14:creationId xmlns:p14="http://schemas.microsoft.com/office/powerpoint/2010/main" val="515819040"/>
       </p:ext>
     </p:extLst>
   </p:cSld>
@@ -2694,6 +2749,174 @@
           <a:bodyPr/>
           <a:lstStyle/>
           <a:p>
+            <a:endParaRPr lang="en-US"/>
+          </a:p>
+        </p:txBody>
+      </p:sp>
+      <p:sp>
+        <p:nvSpPr>
+          <p:cNvPr id="4" name="Slide Number Placeholder 3"/>
+          <p:cNvSpPr>
+            <a:spLocks noGrp="1"/>
+          </p:cNvSpPr>
+          <p:nvPr>
+            <p:ph type="sldNum" sz="quarter" idx="5"/>
+          </p:nvPr>
+        </p:nvSpPr>
+        <p:spPr/>
+        <p:txBody>
+          <a:bodyPr/>
+          <a:lstStyle/>
+          <a:p>
+            <a:fld id="{4573CD83-9A02-4825-93C1-7C2EF9CD9900}" type="slidenum">
+              <a:rPr lang="en-US" smtClean="0"/>
+              <a:t>30</a:t>
+            </a:fld>
+            <a:endParaRPr lang="en-US"/>
+          </a:p>
+        </p:txBody>
+      </p:sp>
+    </p:spTree>
+    <p:extLst>
+      <p:ext uri="{BB962C8B-B14F-4D97-AF65-F5344CB8AC3E}">
+        <p14:creationId xmlns:p14="http://schemas.microsoft.com/office/powerpoint/2010/main" val="1731622598"/>
+      </p:ext>
+    </p:extLst>
+  </p:cSld>
+  <p:clrMapOvr>
+    <a:masterClrMapping/>
+  </p:clrMapOvr>
+</p:notes>
+</file>
+
+<file path=ppt/notesSlides/notesSlide31.xml><?xml version="1.0" encoding="utf-8"?>
+<p:notes xmlns:a="http://schemas.openxmlformats.org/drawingml/2006/main" xmlns:r="http://schemas.openxmlformats.org/officeDocument/2006/relationships" xmlns:p="http://schemas.openxmlformats.org/presentationml/2006/main">
+  <p:cSld>
+    <p:spTree>
+      <p:nvGrpSpPr>
+        <p:cNvPr id="1" name=""/>
+        <p:cNvGrpSpPr/>
+        <p:nvPr/>
+      </p:nvGrpSpPr>
+      <p:grpSpPr>
+        <a:xfrm>
+          <a:off x="0" y="0"/>
+          <a:ext cx="0" cy="0"/>
+          <a:chOff x="0" y="0"/>
+          <a:chExt cx="0" cy="0"/>
+        </a:xfrm>
+      </p:grpSpPr>
+      <p:sp>
+        <p:nvSpPr>
+          <p:cNvPr id="2" name="Slide Image Placeholder 1"/>
+          <p:cNvSpPr>
+            <a:spLocks noGrp="1" noRot="1" noChangeAspect="1"/>
+          </p:cNvSpPr>
+          <p:nvPr>
+            <p:ph type="sldImg"/>
+          </p:nvPr>
+        </p:nvSpPr>
+        <p:spPr/>
+      </p:sp>
+      <p:sp>
+        <p:nvSpPr>
+          <p:cNvPr id="3" name="Notes Placeholder 2"/>
+          <p:cNvSpPr>
+            <a:spLocks noGrp="1"/>
+          </p:cNvSpPr>
+          <p:nvPr>
+            <p:ph type="body" idx="1"/>
+          </p:nvPr>
+        </p:nvSpPr>
+        <p:spPr/>
+        <p:txBody>
+          <a:bodyPr/>
+          <a:lstStyle/>
+          <a:p>
+            <a:endParaRPr lang="en-US" dirty="0"/>
+          </a:p>
+        </p:txBody>
+      </p:sp>
+      <p:sp>
+        <p:nvSpPr>
+          <p:cNvPr id="4" name="Slide Number Placeholder 3"/>
+          <p:cNvSpPr>
+            <a:spLocks noGrp="1"/>
+          </p:cNvSpPr>
+          <p:nvPr>
+            <p:ph type="sldNum" sz="quarter" idx="5"/>
+          </p:nvPr>
+        </p:nvSpPr>
+        <p:spPr/>
+        <p:txBody>
+          <a:bodyPr/>
+          <a:lstStyle/>
+          <a:p>
+            <a:fld id="{4573CD83-9A02-4825-93C1-7C2EF9CD9900}" type="slidenum">
+              <a:rPr lang="en-US" smtClean="0"/>
+              <a:t>32</a:t>
+            </a:fld>
+            <a:endParaRPr lang="en-US"/>
+          </a:p>
+        </p:txBody>
+      </p:sp>
+    </p:spTree>
+    <p:extLst>
+      <p:ext uri="{BB962C8B-B14F-4D97-AF65-F5344CB8AC3E}">
+        <p14:creationId xmlns:p14="http://schemas.microsoft.com/office/powerpoint/2010/main" val="4137697082"/>
+      </p:ext>
+    </p:extLst>
+  </p:cSld>
+  <p:clrMapOvr>
+    <a:masterClrMapping/>
+  </p:clrMapOvr>
+</p:notes>
+</file>
+
+<file path=ppt/notesSlides/notesSlide32.xml><?xml version="1.0" encoding="utf-8"?>
+<p:notes xmlns:a="http://schemas.openxmlformats.org/drawingml/2006/main" xmlns:r="http://schemas.openxmlformats.org/officeDocument/2006/relationships" xmlns:p="http://schemas.openxmlformats.org/presentationml/2006/main">
+  <p:cSld>
+    <p:spTree>
+      <p:nvGrpSpPr>
+        <p:cNvPr id="1" name=""/>
+        <p:cNvGrpSpPr/>
+        <p:nvPr/>
+      </p:nvGrpSpPr>
+      <p:grpSpPr>
+        <a:xfrm>
+          <a:off x="0" y="0"/>
+          <a:ext cx="0" cy="0"/>
+          <a:chOff x="0" y="0"/>
+          <a:chExt cx="0" cy="0"/>
+        </a:xfrm>
+      </p:grpSpPr>
+      <p:sp>
+        <p:nvSpPr>
+          <p:cNvPr id="2" name="Slide Image Placeholder 1"/>
+          <p:cNvSpPr>
+            <a:spLocks noGrp="1" noRot="1" noChangeAspect="1"/>
+          </p:cNvSpPr>
+          <p:nvPr>
+            <p:ph type="sldImg"/>
+          </p:nvPr>
+        </p:nvSpPr>
+        <p:spPr/>
+      </p:sp>
+      <p:sp>
+        <p:nvSpPr>
+          <p:cNvPr id="3" name="Notes Placeholder 2"/>
+          <p:cNvSpPr>
+            <a:spLocks noGrp="1"/>
+          </p:cNvSpPr>
+          <p:nvPr>
+            <p:ph type="body" idx="1"/>
+          </p:nvPr>
+        </p:nvSpPr>
+        <p:spPr/>
+        <p:txBody>
+          <a:bodyPr/>
+          <a:lstStyle/>
+          <a:p>
             <a:r>
               <a:rPr lang="en-US" dirty="0"/>
               <a:t>The pullup resistor tends to make the DI pin go up to 5 volts as long as the switch is ‘open circuit’ as shown.</a:t>
@@ -2730,7 +2953,7 @@
           <a:p>
             <a:fld id="{4573CD83-9A02-4825-93C1-7C2EF9CD9900}" type="slidenum">
               <a:rPr lang="en-US" smtClean="0"/>
-              <a:t>36</a:t>
+              <a:t>38</a:t>
             </a:fld>
             <a:endParaRPr lang="en-US"/>
           </a:p>
@@ -2749,7 +2972,7 @@
 </p:notes>
 </file>
 
-<file path=ppt/notesSlides/notesSlide31.xml><?xml version="1.0" encoding="utf-8"?>
+<file path=ppt/notesSlides/notesSlide33.xml><?xml version="1.0" encoding="utf-8"?>
 <p:notes xmlns:a="http://schemas.openxmlformats.org/drawingml/2006/main" xmlns:r="http://schemas.openxmlformats.org/officeDocument/2006/relationships" xmlns:p="http://schemas.openxmlformats.org/presentationml/2006/main">
   <p:cSld>
     <p:spTree>
@@ -2823,7 +3046,7 @@
           <a:p>
             <a:fld id="{4573CD83-9A02-4825-93C1-7C2EF9CD9900}" type="slidenum">
               <a:rPr lang="en-US" smtClean="0"/>
-              <a:t>37</a:t>
+              <a:t>39</a:t>
             </a:fld>
             <a:endParaRPr lang="en-US"/>
           </a:p>
@@ -2842,7 +3065,7 @@
 </p:notes>
 </file>
 
-<file path=ppt/notesSlides/notesSlide32.xml><?xml version="1.0" encoding="utf-8"?>
+<file path=ppt/notesSlides/notesSlide34.xml><?xml version="1.0" encoding="utf-8"?>
 <p:notes xmlns:a="http://schemas.openxmlformats.org/drawingml/2006/main" xmlns:r="http://schemas.openxmlformats.org/officeDocument/2006/relationships" xmlns:p="http://schemas.openxmlformats.org/presentationml/2006/main">
   <p:cSld>
     <p:spTree>
@@ -2907,7 +3130,7 @@
           <a:p>
             <a:fld id="{4573CD83-9A02-4825-93C1-7C2EF9CD9900}" type="slidenum">
               <a:rPr lang="en-US" smtClean="0"/>
-              <a:t>42</a:t>
+              <a:t>44</a:t>
             </a:fld>
             <a:endParaRPr lang="en-US"/>
           </a:p>
@@ -2926,7 +3149,7 @@
 </p:notes>
 </file>
 
-<file path=ppt/notesSlides/notesSlide33.xml><?xml version="1.0" encoding="utf-8"?>
+<file path=ppt/notesSlides/notesSlide35.xml><?xml version="1.0" encoding="utf-8"?>
 <p:notes xmlns:a="http://schemas.openxmlformats.org/drawingml/2006/main" xmlns:r="http://schemas.openxmlformats.org/officeDocument/2006/relationships" xmlns:p="http://schemas.openxmlformats.org/presentationml/2006/main">
   <p:cSld>
     <p:spTree>
@@ -2999,7 +3222,7 @@
           <a:p>
             <a:fld id="{4573CD83-9A02-4825-93C1-7C2EF9CD9900}" type="slidenum">
               <a:rPr lang="en-US" smtClean="0"/>
-              <a:t>44</a:t>
+              <a:t>46</a:t>
             </a:fld>
             <a:endParaRPr lang="en-US"/>
           </a:p>
@@ -3744,7 +3967,7 @@
           <a:p>
             <a:fld id="{12D35354-3C70-45FE-A7BC-FEBCE88C825A}" type="datetime8">
               <a:rPr lang="en-US" smtClean="0"/>
-              <a:t>5/17/2022 7:39 PM</a:t>
+              <a:t>1/10/2023 5:23 PM</a:t>
             </a:fld>
             <a:endParaRPr lang="en-US"/>
           </a:p>
@@ -3942,7 +4165,7 @@
           <a:p>
             <a:fld id="{DE273977-2B4E-4BD8-8226-CAEE823F3008}" type="datetime8">
               <a:rPr lang="en-US" smtClean="0"/>
-              <a:t>5/17/2022 7:39 PM</a:t>
+              <a:t>1/10/2023 5:23 PM</a:t>
             </a:fld>
             <a:endParaRPr lang="en-US"/>
           </a:p>
@@ -4150,7 +4373,7 @@
           <a:p>
             <a:fld id="{7E2DC526-9E9D-4998-8C50-0541226B08CF}" type="datetime8">
               <a:rPr lang="en-US" smtClean="0"/>
-              <a:t>5/17/2022 7:39 PM</a:t>
+              <a:t>1/10/2023 5:23 PM</a:t>
             </a:fld>
             <a:endParaRPr lang="en-US"/>
           </a:p>
@@ -4348,7 +4571,7 @@
           <a:p>
             <a:fld id="{956EF2D3-783C-4E62-879C-6E42AA097112}" type="datetime8">
               <a:rPr lang="en-US" smtClean="0"/>
-              <a:t>5/17/2022 7:39 PM</a:t>
+              <a:t>1/10/2023 5:23 PM</a:t>
             </a:fld>
             <a:endParaRPr lang="en-US"/>
           </a:p>
@@ -4623,7 +4846,7 @@
           <a:p>
             <a:fld id="{CEEB4330-8AFB-48E3-B890-210D056A958B}" type="datetime8">
               <a:rPr lang="en-US" smtClean="0"/>
-              <a:t>5/17/2022 7:39 PM</a:t>
+              <a:t>1/10/2023 5:23 PM</a:t>
             </a:fld>
             <a:endParaRPr lang="en-US"/>
           </a:p>
@@ -4888,7 +5111,7 @@
           <a:p>
             <a:fld id="{66E23911-0252-40BE-BBB8-760394743E26}" type="datetime8">
               <a:rPr lang="en-US" smtClean="0"/>
-              <a:t>5/17/2022 7:39 PM</a:t>
+              <a:t>1/10/2023 5:23 PM</a:t>
             </a:fld>
             <a:endParaRPr lang="en-US"/>
           </a:p>
@@ -5300,7 +5523,7 @@
           <a:p>
             <a:fld id="{BBB6AC5D-77FB-46F6-9132-21FF30B4912F}" type="datetime8">
               <a:rPr lang="en-US" smtClean="0"/>
-              <a:t>5/17/2022 7:39 PM</a:t>
+              <a:t>1/10/2023 5:23 PM</a:t>
             </a:fld>
             <a:endParaRPr lang="en-US"/>
           </a:p>
@@ -5441,7 +5664,7 @@
           <a:p>
             <a:fld id="{6017FBC6-3D6B-4CF2-A705-4BC9E7D4582C}" type="datetime8">
               <a:rPr lang="en-US" smtClean="0"/>
-              <a:t>5/17/2022 7:39 PM</a:t>
+              <a:t>1/10/2023 5:23 PM</a:t>
             </a:fld>
             <a:endParaRPr lang="en-US"/>
           </a:p>
@@ -5822,7 +6045,7 @@
           <a:p>
             <a:fld id="{0D1B1BD9-FAAE-42CF-9C1C-24872CEE05A7}" type="datetime8">
               <a:rPr lang="en-US" smtClean="0"/>
-              <a:t>5/17/2022 7:39 PM</a:t>
+              <a:t>1/10/2023 5:23 PM</a:t>
             </a:fld>
             <a:endParaRPr lang="en-US"/>
           </a:p>
@@ -6110,7 +6333,7 @@
           <a:p>
             <a:fld id="{63B48E98-414D-4169-A026-380BA4A7A23F}" type="datetime8">
               <a:rPr lang="en-US" smtClean="0"/>
-              <a:t>5/17/2022 7:39 PM</a:t>
+              <a:t>1/10/2023 5:23 PM</a:t>
             </a:fld>
             <a:endParaRPr lang="en-US"/>
           </a:p>
@@ -6351,7 +6574,7 @@
           <a:p>
             <a:fld id="{9D52C73E-D6AD-4984-9C4A-C03CB437FD89}" type="datetime8">
               <a:rPr lang="en-US" smtClean="0"/>
-              <a:t>5/17/2022 7:39 PM</a:t>
+              <a:t>1/10/2023 5:23 PM</a:t>
             </a:fld>
             <a:endParaRPr lang="en-US"/>
           </a:p>
@@ -15105,7 +15328,7 @@
           <p:nvPr>
             <p:extLst>
               <p:ext uri="{D42A27DB-BD31-4B8C-83A1-F6EECF244321}">
-                <p14:modId xmlns:p14="http://schemas.microsoft.com/office/powerpoint/2010/main" val="2049177281"/>
+                <p14:modId xmlns:p14="http://schemas.microsoft.com/office/powerpoint/2010/main" val="1804734805"/>
               </p:ext>
             </p:extLst>
           </p:nvPr>
@@ -15501,7 +15724,7 @@
                       </a:pPr>
                       <a:r>
                         <a:rPr lang="en-US" dirty="0"/>
-                        <a:t>Accurate an relatively immune to noise</a:t>
+                        <a:t>Accurate and relatively immune to noise</a:t>
                       </a:r>
                     </a:p>
                     <a:p>
@@ -15980,7 +16203,7 @@
           <p:nvPr>
             <p:extLst>
               <p:ext uri="{D42A27DB-BD31-4B8C-83A1-F6EECF244321}">
-                <p14:modId xmlns:p14="http://schemas.microsoft.com/office/powerpoint/2010/main" val="3350469842"/>
+                <p14:modId xmlns:p14="http://schemas.microsoft.com/office/powerpoint/2010/main" val="2295285328"/>
               </p:ext>
             </p:extLst>
           </p:nvPr>
@@ -16294,7 +16517,7 @@
                       </a:pPr>
                       <a:r>
                         <a:rPr lang="en-US" dirty="0"/>
-                        <a:t>Sensitive to ambient light. (solutions available)</a:t>
+                        <a:t>Sensitive to ambient light. (solutions are available)</a:t>
                       </a:r>
                     </a:p>
                   </a:txBody>
@@ -16785,14 +17008,14 @@
           <p:nvPr>
             <p:extLst>
               <p:ext uri="{D42A27DB-BD31-4B8C-83A1-F6EECF244321}">
-                <p14:modId xmlns:p14="http://schemas.microsoft.com/office/powerpoint/2010/main" val="2525283390"/>
+                <p14:modId xmlns:p14="http://schemas.microsoft.com/office/powerpoint/2010/main" val="4039545221"/>
               </p:ext>
             </p:extLst>
           </p:nvPr>
         </p:nvGraphicFramePr>
         <p:xfrm>
           <a:off x="415505" y="391004"/>
-          <a:ext cx="11463070" cy="5881560"/>
+          <a:ext cx="11463070" cy="6155880"/>
         </p:xfrm>
         <a:graphic>
           <a:graphicData uri="http://schemas.openxmlformats.org/drawingml/2006/table">
@@ -17123,6 +17346,16 @@
                       <a:r>
                         <a:rPr lang="en-US" dirty="0"/>
                         <a:t>Module size and pinout varies by manufacturer </a:t>
+                      </a:r>
+                    </a:p>
+                    <a:p>
+                      <a:pPr marL="285750" indent="-285750">
+                        <a:buFont typeface="Arial" panose="020B0604020202020204" pitchFamily="34" charset="0"/>
+                        <a:buChar char="•"/>
+                      </a:pPr>
+                      <a:r>
+                        <a:rPr lang="en-US" dirty="0"/>
+                        <a:t>Can be affected by sunlight</a:t>
                       </a:r>
                     </a:p>
                   </a:txBody>
@@ -17578,7 +17811,7 @@
         </p:blipFill>
         <p:spPr>
           <a:xfrm>
-            <a:off x="6282202" y="4377883"/>
+            <a:off x="6289427" y="4657268"/>
             <a:ext cx="2511780" cy="1799677"/>
           </a:xfrm>
           <a:prstGeom prst="rect">
@@ -17875,15 +18108,21 @@
         </p:nvSpPr>
         <p:spPr>
           <a:xfrm>
-            <a:off x="1523281" y="4171381"/>
-            <a:ext cx="9144000" cy="1655762"/>
+            <a:off x="1382604" y="5456255"/>
+            <a:ext cx="9144000" cy="371790"/>
           </a:xfrm>
         </p:spPr>
         <p:txBody>
-          <a:bodyPr/>
+          <a:bodyPr>
+            <a:normAutofit/>
+          </a:bodyPr>
           <a:lstStyle/>
           <a:p>
-            <a:endParaRPr lang="en-US" dirty="0"/>
+            <a:pPr algn="l"/>
+            <a:r>
+              <a:rPr lang="en-US" sz="2000" dirty="0"/>
+              <a:t>Rev 2:  Dec 2022 / AL / Added a page each on MOSFET and opto-MOSFET</a:t>
+            </a:r>
           </a:p>
         </p:txBody>
       </p:sp>
@@ -20150,8 +20389,8 @@
           <a:chExt cx="0" cy="0"/>
         </a:xfrm>
       </p:grpSpPr>
-      <mc:AlternateContent xmlns:mc="http://schemas.openxmlformats.org/markup-compatibility/2006">
-        <mc:Choice xmlns:we="http://schemas.microsoft.com/office/webextensions/webextension/2010/11" xmlns:pca="http://schemas.microsoft.com/office/powerpoint/2013/contentapp" Requires="we pca">
+      <mc:AlternateContent xmlns:mc="http://schemas.openxmlformats.org/markup-compatibility/2006" xmlns:we="http://schemas.microsoft.com/office/webextensions/webextension/2010/11" xmlns:pca="http://schemas.microsoft.com/office/powerpoint/2013/contentapp">
+        <mc:Choice Requires="we pca">
           <p:graphicFrame>
             <p:nvGraphicFramePr>
               <p:cNvPr id="4" name="Add-in 3" title="EasyTimer">
@@ -20183,7 +20422,7 @@
             </a:graphic>
           </p:graphicFrame>
         </mc:Choice>
-        <mc:Fallback>
+        <mc:Fallback xmlns="">
           <p:pic>
             <p:nvPicPr>
               <p:cNvPr id="4" name="Add-in 3" title="EasyTimer">
@@ -22275,6 +22514,1729 @@
           <p:nvPr>
             <p:extLst>
               <p:ext uri="{D42A27DB-BD31-4B8C-83A1-F6EECF244321}">
+                <p14:modId xmlns:p14="http://schemas.microsoft.com/office/powerpoint/2010/main" val="890537572"/>
+              </p:ext>
+            </p:extLst>
+          </p:nvPr>
+        </p:nvGraphicFramePr>
+        <p:xfrm>
+          <a:off x="415505" y="391004"/>
+          <a:ext cx="11360989" cy="6287164"/>
+        </p:xfrm>
+        <a:graphic>
+          <a:graphicData uri="http://schemas.openxmlformats.org/drawingml/2006/table">
+            <a:tbl>
+              <a:tblPr firstRow="1" bandRow="1">
+                <a:tableStyleId>{5C22544A-7EE6-4342-B048-85BDC9FD1C3A}</a:tableStyleId>
+              </a:tblPr>
+              <a:tblGrid>
+                <a:gridCol w="1130060">
+                  <a:extLst>
+                    <a:ext uri="{9D8B030D-6E8A-4147-A177-3AD203B41FA5}">
+                      <a16:colId xmlns:a16="http://schemas.microsoft.com/office/drawing/2014/main" val="747525499"/>
+                    </a:ext>
+                  </a:extLst>
+                </a:gridCol>
+                <a:gridCol w="4466567">
+                  <a:extLst>
+                    <a:ext uri="{9D8B030D-6E8A-4147-A177-3AD203B41FA5}">
+                      <a16:colId xmlns:a16="http://schemas.microsoft.com/office/drawing/2014/main" val="2892156475"/>
+                    </a:ext>
+                  </a:extLst>
+                </a:gridCol>
+                <a:gridCol w="5764362">
+                  <a:extLst>
+                    <a:ext uri="{9D8B030D-6E8A-4147-A177-3AD203B41FA5}">
+                      <a16:colId xmlns:a16="http://schemas.microsoft.com/office/drawing/2014/main" val="3449804923"/>
+                    </a:ext>
+                  </a:extLst>
+                </a:gridCol>
+              </a:tblGrid>
+              <a:tr h="919355">
+                <a:tc>
+                  <a:txBody>
+                    <a:bodyPr/>
+                    <a:lstStyle/>
+                    <a:p>
+                      <a:r>
+                        <a:rPr lang="en-US" sz="4400" dirty="0"/>
+                        <a:t>11b</a:t>
+                      </a:r>
+                    </a:p>
+                  </a:txBody>
+                  <a:tcPr/>
+                </a:tc>
+                <a:tc>
+                  <a:txBody>
+                    <a:bodyPr/>
+                    <a:lstStyle/>
+                    <a:p>
+                      <a:r>
+                        <a:rPr lang="en-US" sz="4400" dirty="0">
+                          <a:solidFill>
+                            <a:srgbClr val="FFFF00"/>
+                          </a:solidFill>
+                        </a:rPr>
+                        <a:t>MOSFET</a:t>
+                      </a:r>
+                    </a:p>
+                  </a:txBody>
+                  <a:tcPr/>
+                </a:tc>
+                <a:tc>
+                  <a:txBody>
+                    <a:bodyPr/>
+                    <a:lstStyle/>
+                    <a:p>
+                      <a:pPr marL="0" marR="0" lvl="0" indent="0" algn="l" defTabSz="914400" rtl="0" eaLnBrk="1" fontAlgn="auto" latinLnBrk="0" hangingPunct="1">
+                        <a:lnSpc>
+                          <a:spcPct val="100000"/>
+                        </a:lnSpc>
+                        <a:spcBef>
+                          <a:spcPts val="0"/>
+                        </a:spcBef>
+                        <a:spcAft>
+                          <a:spcPts val="0"/>
+                        </a:spcAft>
+                        <a:buClrTx/>
+                        <a:buSzTx/>
+                        <a:buFontTx/>
+                        <a:buNone/>
+                        <a:tabLst/>
+                        <a:defRPr/>
+                      </a:pPr>
+                      <a:r>
+                        <a:rPr lang="en-US" sz="4400" b="1" kern="1200" dirty="0">
+                          <a:solidFill>
+                            <a:schemeClr val="lt1"/>
+                          </a:solidFill>
+                          <a:latin typeface="+mn-lt"/>
+                          <a:ea typeface="+mn-ea"/>
+                          <a:cs typeface="+mn-cs"/>
+                        </a:rPr>
+                        <a:t>Electronic Switch</a:t>
+                      </a:r>
+                    </a:p>
+                  </a:txBody>
+                  <a:tcPr/>
+                </a:tc>
+                <a:extLst>
+                  <a:ext uri="{0D108BD9-81ED-4DB2-BD59-A6C34878D82A}">
+                    <a16:rowId xmlns:a16="http://schemas.microsoft.com/office/drawing/2014/main" val="4166713368"/>
+                  </a:ext>
+                </a:extLst>
+              </a:tr>
+              <a:tr h="1405409">
+                <a:tc gridSpan="2">
+                  <a:txBody>
+                    <a:bodyPr/>
+                    <a:lstStyle/>
+                    <a:p>
+                      <a:r>
+                        <a:rPr lang="en-US" b="1" dirty="0"/>
+                        <a:t>Usage:</a:t>
+                      </a:r>
+                    </a:p>
+                    <a:p>
+                      <a:r>
+                        <a:rPr lang="en-US" dirty="0"/>
+                        <a:t>Low power output from Arduino Pin can control a higher power electrical circuit. It is essentially a relay replacement. </a:t>
+                      </a:r>
+                    </a:p>
+                  </a:txBody>
+                  <a:tcPr/>
+                </a:tc>
+                <a:tc hMerge="1">
+                  <a:txBody>
+                    <a:bodyPr/>
+                    <a:lstStyle/>
+                    <a:p>
+                      <a:endParaRPr lang="en-US"/>
+                    </a:p>
+                  </a:txBody>
+                  <a:tcPr/>
+                </a:tc>
+                <a:tc>
+                  <a:txBody>
+                    <a:bodyPr/>
+                    <a:lstStyle/>
+                    <a:p>
+                      <a:r>
+                        <a:rPr lang="en-US" b="1" dirty="0"/>
+                        <a:t>Photo:</a:t>
+                      </a:r>
+                    </a:p>
+                    <a:p>
+                      <a:endParaRPr lang="en-US" dirty="0"/>
+                    </a:p>
+                  </a:txBody>
+                  <a:tcPr/>
+                </a:tc>
+                <a:extLst>
+                  <a:ext uri="{0D108BD9-81ED-4DB2-BD59-A6C34878D82A}">
+                    <a16:rowId xmlns:a16="http://schemas.microsoft.com/office/drawing/2014/main" val="1083252038"/>
+                  </a:ext>
+                </a:extLst>
+              </a:tr>
+              <a:tr h="1525957">
+                <a:tc gridSpan="2">
+                  <a:txBody>
+                    <a:bodyPr/>
+                    <a:lstStyle/>
+                    <a:p>
+                      <a:pPr marL="0" marR="0" lvl="0" indent="0" algn="l" defTabSz="914400" rtl="0" eaLnBrk="1" fontAlgn="auto" latinLnBrk="0" hangingPunct="1">
+                        <a:lnSpc>
+                          <a:spcPct val="100000"/>
+                        </a:lnSpc>
+                        <a:spcBef>
+                          <a:spcPts val="0"/>
+                        </a:spcBef>
+                        <a:spcAft>
+                          <a:spcPts val="0"/>
+                        </a:spcAft>
+                        <a:buClrTx/>
+                        <a:buSzTx/>
+                        <a:buFontTx/>
+                        <a:buNone/>
+                        <a:tabLst/>
+                        <a:defRPr/>
+                      </a:pPr>
+                      <a:r>
+                        <a:rPr lang="en-US" b="1" dirty="0"/>
+                        <a:t>How it Works:</a:t>
+                      </a:r>
+                    </a:p>
+                    <a:p>
+                      <a:pPr marL="0" marR="0" lvl="0" indent="0" algn="l" defTabSz="914400" rtl="0" eaLnBrk="1" fontAlgn="auto" latinLnBrk="0" hangingPunct="1">
+                        <a:lnSpc>
+                          <a:spcPct val="100000"/>
+                        </a:lnSpc>
+                        <a:spcBef>
+                          <a:spcPts val="0"/>
+                        </a:spcBef>
+                        <a:spcAft>
+                          <a:spcPts val="0"/>
+                        </a:spcAft>
+                        <a:buClrTx/>
+                        <a:buSzTx/>
+                        <a:buFontTx/>
+                        <a:buNone/>
+                        <a:tabLst/>
+                        <a:defRPr/>
+                      </a:pPr>
+                      <a:r>
+                        <a:rPr lang="en-US" dirty="0"/>
+                        <a:t>A low power digital </a:t>
+                      </a:r>
+                      <a:r>
+                        <a:rPr lang="en-US" b="1" dirty="0"/>
+                        <a:t>voltage</a:t>
+                      </a:r>
+                      <a:r>
+                        <a:rPr lang="en-US" dirty="0"/>
+                        <a:t> signal is applied to the gate of the device. This allows a higher current to flow from the source to the drain.</a:t>
+                      </a:r>
+                    </a:p>
+                  </a:txBody>
+                  <a:tcPr/>
+                </a:tc>
+                <a:tc hMerge="1">
+                  <a:txBody>
+                    <a:bodyPr/>
+                    <a:lstStyle/>
+                    <a:p>
+                      <a:endParaRPr lang="en-US"/>
+                    </a:p>
+                  </a:txBody>
+                  <a:tcPr/>
+                </a:tc>
+                <a:tc>
+                  <a:txBody>
+                    <a:bodyPr/>
+                    <a:lstStyle/>
+                    <a:p>
+                      <a:pPr marL="0" marR="0" lvl="0" indent="0" algn="l" defTabSz="914400" rtl="0" eaLnBrk="1" fontAlgn="auto" latinLnBrk="0" hangingPunct="1">
+                        <a:lnSpc>
+                          <a:spcPct val="100000"/>
+                        </a:lnSpc>
+                        <a:spcBef>
+                          <a:spcPts val="0"/>
+                        </a:spcBef>
+                        <a:spcAft>
+                          <a:spcPts val="0"/>
+                        </a:spcAft>
+                        <a:buClrTx/>
+                        <a:buSzTx/>
+                        <a:buFontTx/>
+                        <a:buNone/>
+                        <a:tabLst/>
+                        <a:defRPr/>
+                      </a:pPr>
+                      <a:r>
+                        <a:rPr lang="en-US" b="1" dirty="0"/>
+                        <a:t>Pros:</a:t>
+                      </a:r>
+                    </a:p>
+                    <a:p>
+                      <a:pPr marL="285750" marR="0" lvl="0" indent="-285750" algn="l" defTabSz="914400" rtl="0" eaLnBrk="1" fontAlgn="auto" latinLnBrk="0" hangingPunct="1">
+                        <a:lnSpc>
+                          <a:spcPct val="100000"/>
+                        </a:lnSpc>
+                        <a:spcBef>
+                          <a:spcPts val="0"/>
+                        </a:spcBef>
+                        <a:spcAft>
+                          <a:spcPts val="0"/>
+                        </a:spcAft>
+                        <a:buClrTx/>
+                        <a:buSzTx/>
+                        <a:buFont typeface="Arial" panose="020B0604020202020204" pitchFamily="34" charset="0"/>
+                        <a:buChar char="•"/>
+                        <a:tabLst/>
+                        <a:defRPr/>
+                      </a:pPr>
+                      <a:r>
+                        <a:rPr lang="en-US" dirty="0"/>
+                        <a:t>Inexpensive</a:t>
+                      </a:r>
+                    </a:p>
+                    <a:p>
+                      <a:pPr marL="285750" marR="0" lvl="0" indent="-285750" algn="l" defTabSz="914400" rtl="0" eaLnBrk="1" fontAlgn="auto" latinLnBrk="0" hangingPunct="1">
+                        <a:lnSpc>
+                          <a:spcPct val="100000"/>
+                        </a:lnSpc>
+                        <a:spcBef>
+                          <a:spcPts val="0"/>
+                        </a:spcBef>
+                        <a:spcAft>
+                          <a:spcPts val="0"/>
+                        </a:spcAft>
+                        <a:buClrTx/>
+                        <a:buSzTx/>
+                        <a:buFont typeface="Arial" panose="020B0604020202020204" pitchFamily="34" charset="0"/>
+                        <a:buChar char="•"/>
+                        <a:tabLst/>
+                        <a:defRPr/>
+                      </a:pPr>
+                      <a:r>
+                        <a:rPr lang="en-US" dirty="0"/>
+                        <a:t>Allows switching electrical loads beyond the rating of an Arduino alone. </a:t>
+                      </a:r>
+                    </a:p>
+                    <a:p>
+                      <a:pPr marL="0" marR="0" lvl="0" indent="0" algn="l" defTabSz="914400" rtl="0" eaLnBrk="1" fontAlgn="auto" latinLnBrk="0" hangingPunct="1">
+                        <a:lnSpc>
+                          <a:spcPct val="100000"/>
+                        </a:lnSpc>
+                        <a:spcBef>
+                          <a:spcPts val="0"/>
+                        </a:spcBef>
+                        <a:spcAft>
+                          <a:spcPts val="0"/>
+                        </a:spcAft>
+                        <a:buClrTx/>
+                        <a:buSzTx/>
+                        <a:buFont typeface="Arial" panose="020B0604020202020204" pitchFamily="34" charset="0"/>
+                        <a:buNone/>
+                        <a:tabLst/>
+                        <a:defRPr/>
+                      </a:pPr>
+                      <a:r>
+                        <a:rPr lang="en-US" dirty="0"/>
+                        <a:t>Cons:</a:t>
+                      </a:r>
+                    </a:p>
+                    <a:p>
+                      <a:pPr marL="285750" marR="0" lvl="0" indent="-285750" algn="l" defTabSz="914400" rtl="0" eaLnBrk="1" fontAlgn="auto" latinLnBrk="0" hangingPunct="1">
+                        <a:lnSpc>
+                          <a:spcPct val="100000"/>
+                        </a:lnSpc>
+                        <a:spcBef>
+                          <a:spcPts val="0"/>
+                        </a:spcBef>
+                        <a:spcAft>
+                          <a:spcPts val="0"/>
+                        </a:spcAft>
+                        <a:buClrTx/>
+                        <a:buSzTx/>
+                        <a:buFont typeface="Arial" panose="020B0604020202020204" pitchFamily="34" charset="0"/>
+                        <a:buChar char="•"/>
+                        <a:tabLst/>
+                        <a:defRPr/>
+                      </a:pPr>
+                      <a:r>
+                        <a:rPr lang="en-US" dirty="0"/>
+                        <a:t>Not all devices are rated for logic level switching voltage</a:t>
+                      </a:r>
+                    </a:p>
+                    <a:p>
+                      <a:pPr marL="285750" marR="0" lvl="0" indent="-285750" algn="l" defTabSz="914400" rtl="0" eaLnBrk="1" fontAlgn="auto" latinLnBrk="0" hangingPunct="1">
+                        <a:lnSpc>
+                          <a:spcPct val="100000"/>
+                        </a:lnSpc>
+                        <a:spcBef>
+                          <a:spcPts val="0"/>
+                        </a:spcBef>
+                        <a:spcAft>
+                          <a:spcPts val="0"/>
+                        </a:spcAft>
+                        <a:buClrTx/>
+                        <a:buSzTx/>
+                        <a:buFont typeface="Arial" panose="020B0604020202020204" pitchFamily="34" charset="0"/>
+                        <a:buChar char="•"/>
+                        <a:tabLst/>
+                        <a:defRPr/>
+                      </a:pPr>
+                      <a:r>
+                        <a:rPr lang="en-US" dirty="0"/>
+                        <a:t>High input resistance can make them static sensitive</a:t>
+                      </a:r>
+                    </a:p>
+                  </a:txBody>
+                  <a:tcPr/>
+                </a:tc>
+                <a:extLst>
+                  <a:ext uri="{0D108BD9-81ED-4DB2-BD59-A6C34878D82A}">
+                    <a16:rowId xmlns:a16="http://schemas.microsoft.com/office/drawing/2014/main" val="2494442280"/>
+                  </a:ext>
+                </a:extLst>
+              </a:tr>
+              <a:tr h="1525957">
+                <a:tc gridSpan="2">
+                  <a:txBody>
+                    <a:bodyPr/>
+                    <a:lstStyle/>
+                    <a:p>
+                      <a:r>
+                        <a:rPr lang="en-US" sz="1600" b="1" dirty="0"/>
+                        <a:t>Notes:  </a:t>
+                      </a:r>
+                      <a:r>
+                        <a:rPr lang="en-US" sz="1600" dirty="0"/>
+                        <a:t>Unlike a relay wear and tear is negligible. </a:t>
+                      </a:r>
+                    </a:p>
+                    <a:p>
+                      <a:pPr marL="0" marR="0" lvl="0" indent="0" algn="l" defTabSz="914400" rtl="0" eaLnBrk="1" fontAlgn="auto" latinLnBrk="0" hangingPunct="1">
+                        <a:lnSpc>
+                          <a:spcPct val="100000"/>
+                        </a:lnSpc>
+                        <a:spcBef>
+                          <a:spcPts val="0"/>
+                        </a:spcBef>
+                        <a:spcAft>
+                          <a:spcPts val="0"/>
+                        </a:spcAft>
+                        <a:buClrTx/>
+                        <a:buSzTx/>
+                        <a:buFontTx/>
+                        <a:buNone/>
+                        <a:tabLst/>
+                        <a:defRPr/>
+                      </a:pPr>
+                      <a:r>
+                        <a:rPr lang="en-US" sz="1600" dirty="0"/>
+                        <a:t>A barebones MOSFET is a large 3 pin transistor.</a:t>
+                      </a:r>
+                    </a:p>
+                    <a:p>
+                      <a:pPr marL="0" marR="0" lvl="0" indent="0" algn="l" defTabSz="914400" rtl="0" eaLnBrk="1" fontAlgn="auto" latinLnBrk="0" hangingPunct="1">
+                        <a:lnSpc>
+                          <a:spcPct val="100000"/>
+                        </a:lnSpc>
+                        <a:spcBef>
+                          <a:spcPts val="0"/>
+                        </a:spcBef>
+                        <a:spcAft>
+                          <a:spcPts val="0"/>
+                        </a:spcAft>
+                        <a:buClrTx/>
+                        <a:buSzTx/>
+                        <a:buFontTx/>
+                        <a:buNone/>
+                        <a:tabLst/>
+                        <a:defRPr/>
+                      </a:pPr>
+                      <a:r>
+                        <a:rPr lang="en-US" sz="1600" dirty="0"/>
+                        <a:t>Good discussion here:</a:t>
+                      </a:r>
+                    </a:p>
+                    <a:p>
+                      <a:pPr marL="0" marR="0" lvl="0" indent="0" algn="l" defTabSz="914400" rtl="0" eaLnBrk="1" fontAlgn="auto" latinLnBrk="0" hangingPunct="1">
+                        <a:lnSpc>
+                          <a:spcPct val="100000"/>
+                        </a:lnSpc>
+                        <a:spcBef>
+                          <a:spcPts val="0"/>
+                        </a:spcBef>
+                        <a:spcAft>
+                          <a:spcPts val="0"/>
+                        </a:spcAft>
+                        <a:buClrTx/>
+                        <a:buSzTx/>
+                        <a:buFontTx/>
+                        <a:buNone/>
+                        <a:tabLst/>
+                        <a:defRPr/>
+                      </a:pPr>
+                      <a:r>
+                        <a:rPr lang="en-US" sz="1600" dirty="0">
+                          <a:hlinkClick r:id="rId3"/>
+                        </a:rPr>
+                        <a:t>https://www.youtube.com/watch?v=GrvvkYTW_0k</a:t>
+                      </a:r>
+                      <a:endParaRPr lang="en-US" sz="1600" dirty="0"/>
+                    </a:p>
+                    <a:p>
+                      <a:pPr marL="0" marR="0" lvl="0" indent="0" algn="l" defTabSz="914400" rtl="0" eaLnBrk="1" fontAlgn="auto" latinLnBrk="0" hangingPunct="1">
+                        <a:lnSpc>
+                          <a:spcPct val="100000"/>
+                        </a:lnSpc>
+                        <a:spcBef>
+                          <a:spcPts val="0"/>
+                        </a:spcBef>
+                        <a:spcAft>
+                          <a:spcPts val="0"/>
+                        </a:spcAft>
+                        <a:buClrTx/>
+                        <a:buSzTx/>
+                        <a:buFontTx/>
+                        <a:buNone/>
+                        <a:tabLst/>
+                        <a:defRPr/>
+                      </a:pPr>
+                      <a:r>
+                        <a:rPr lang="en-US" sz="1600" dirty="0"/>
+                        <a:t>and here:</a:t>
+                      </a:r>
+                      <a:endParaRPr lang="en-US" sz="1600" dirty="0">
+                        <a:hlinkClick r:id="rId4"/>
+                      </a:endParaRPr>
+                    </a:p>
+                    <a:p>
+                      <a:pPr marL="0" marR="0" lvl="0" indent="0" algn="l" defTabSz="914400" rtl="0" eaLnBrk="1" fontAlgn="auto" latinLnBrk="0" hangingPunct="1">
+                        <a:lnSpc>
+                          <a:spcPct val="100000"/>
+                        </a:lnSpc>
+                        <a:spcBef>
+                          <a:spcPts val="0"/>
+                        </a:spcBef>
+                        <a:spcAft>
+                          <a:spcPts val="0"/>
+                        </a:spcAft>
+                        <a:buClrTx/>
+                        <a:buSzTx/>
+                        <a:buFontTx/>
+                        <a:buNone/>
+                        <a:tabLst/>
+                        <a:defRPr/>
+                      </a:pPr>
+                      <a:r>
+                        <a:rPr lang="en-US" sz="1400" dirty="0">
+                          <a:hlinkClick r:id="rId4"/>
+                        </a:rPr>
+                        <a:t>https://forum.hobbycomponents.com/viewtopic.php?f=76&amp;t=1872</a:t>
+                      </a:r>
+                      <a:endParaRPr lang="en-US" sz="1400" dirty="0"/>
+                    </a:p>
+                    <a:p>
+                      <a:pPr marL="0" marR="0" lvl="0" indent="0" algn="l" defTabSz="914400" rtl="0" eaLnBrk="1" fontAlgn="auto" latinLnBrk="0" hangingPunct="1">
+                        <a:lnSpc>
+                          <a:spcPct val="100000"/>
+                        </a:lnSpc>
+                        <a:spcBef>
+                          <a:spcPts val="0"/>
+                        </a:spcBef>
+                        <a:spcAft>
+                          <a:spcPts val="0"/>
+                        </a:spcAft>
+                        <a:buClrTx/>
+                        <a:buSzTx/>
+                        <a:buFontTx/>
+                        <a:buNone/>
+                        <a:tabLst/>
+                        <a:defRPr/>
+                      </a:pPr>
+                      <a:r>
+                        <a:rPr lang="en-US" sz="1400" dirty="0"/>
+                        <a:t>Good Review of Data sheet here:</a:t>
+                      </a:r>
+                    </a:p>
+                    <a:p>
+                      <a:pPr marL="0" marR="0" lvl="0" indent="0" algn="l" defTabSz="914400" rtl="0" eaLnBrk="1" fontAlgn="auto" latinLnBrk="0" hangingPunct="1">
+                        <a:lnSpc>
+                          <a:spcPct val="100000"/>
+                        </a:lnSpc>
+                        <a:spcBef>
+                          <a:spcPts val="0"/>
+                        </a:spcBef>
+                        <a:spcAft>
+                          <a:spcPts val="0"/>
+                        </a:spcAft>
+                        <a:buClrTx/>
+                        <a:buSzTx/>
+                        <a:buFontTx/>
+                        <a:buNone/>
+                        <a:tabLst/>
+                        <a:defRPr/>
+                      </a:pPr>
+                      <a:r>
+                        <a:rPr lang="en-US" sz="1400" dirty="0">
+                          <a:hlinkClick r:id="rId5"/>
+                        </a:rPr>
+                        <a:t>https://www.youtube.com/watch?v=oEBS7kAJz6U</a:t>
+                      </a:r>
+                      <a:endParaRPr lang="en-US" sz="1400" dirty="0"/>
+                    </a:p>
+                  </a:txBody>
+                  <a:tcPr/>
+                </a:tc>
+                <a:tc hMerge="1">
+                  <a:txBody>
+                    <a:bodyPr/>
+                    <a:lstStyle/>
+                    <a:p>
+                      <a:endParaRPr lang="en-US"/>
+                    </a:p>
+                  </a:txBody>
+                  <a:tcPr/>
+                </a:tc>
+                <a:tc>
+                  <a:txBody>
+                    <a:bodyPr/>
+                    <a:lstStyle/>
+                    <a:p>
+                      <a:r>
+                        <a:rPr lang="en-US" b="1" dirty="0"/>
+                        <a:t>Electrical and thermal limits are very important. </a:t>
+                      </a:r>
+                    </a:p>
+                    <a:p>
+                      <a:r>
+                        <a:rPr lang="en-US" dirty="0"/>
+                        <a:t>The latter is often constraining. (A MOSFET can carry a lot of current but only if you can get rid of the heat). </a:t>
+                      </a:r>
+                    </a:p>
+                    <a:p>
+                      <a:r>
+                        <a:rPr lang="en-US" dirty="0"/>
+                        <a:t>Power (heat) = I</a:t>
+                      </a:r>
+                      <a:r>
+                        <a:rPr lang="en-US" baseline="30000" dirty="0"/>
+                        <a:t>2</a:t>
+                      </a:r>
+                      <a:r>
+                        <a:rPr lang="en-US" dirty="0"/>
+                        <a:t> R </a:t>
+                      </a:r>
+                    </a:p>
+                    <a:p>
+                      <a:r>
+                        <a:rPr lang="en-US" dirty="0"/>
+                        <a:t>The I is your current. I</a:t>
+                      </a:r>
+                      <a:r>
+                        <a:rPr lang="en-US" baseline="30000" dirty="0"/>
+                        <a:t>2  </a:t>
+                      </a:r>
+                      <a:r>
+                        <a:rPr lang="en-US" sz="1800" kern="1200" dirty="0">
+                          <a:solidFill>
+                            <a:schemeClr val="dk1"/>
+                          </a:solidFill>
+                          <a:latin typeface="+mn-lt"/>
+                          <a:ea typeface="+mn-ea"/>
+                          <a:cs typeface="+mn-cs"/>
+                        </a:rPr>
+                        <a:t>(I squared) is just I times itself.</a:t>
+                      </a:r>
+                    </a:p>
+                    <a:p>
+                      <a:r>
+                        <a:rPr lang="en-US" dirty="0"/>
+                        <a:t>The R here is the ‘on resistance’ of the device.</a:t>
+                      </a:r>
+                    </a:p>
+                  </a:txBody>
+                  <a:tcPr/>
+                </a:tc>
+                <a:extLst>
+                  <a:ext uri="{0D108BD9-81ED-4DB2-BD59-A6C34878D82A}">
+                    <a16:rowId xmlns:a16="http://schemas.microsoft.com/office/drawing/2014/main" val="1235703702"/>
+                  </a:ext>
+                </a:extLst>
+              </a:tr>
+            </a:tbl>
+          </a:graphicData>
+        </a:graphic>
+      </p:graphicFrame>
+      <p:sp>
+        <p:nvSpPr>
+          <p:cNvPr id="5" name="Subtitle 2">
+            <a:extLst>
+              <a:ext uri="{FF2B5EF4-FFF2-40B4-BE49-F238E27FC236}">
+                <a16:creationId xmlns:a16="http://schemas.microsoft.com/office/drawing/2014/main" id="{F81EB58B-60AE-9C27-0E97-2EB666C2CC13}"/>
+              </a:ext>
+            </a:extLst>
+          </p:cNvPr>
+          <p:cNvSpPr txBox="1">
+            <a:spLocks/>
+          </p:cNvSpPr>
+          <p:nvPr/>
+        </p:nvSpPr>
+        <p:spPr>
+          <a:xfrm>
+            <a:off x="560718" y="6177560"/>
+            <a:ext cx="1357223" cy="558771"/>
+          </a:xfrm>
+          <a:prstGeom prst="rect">
+            <a:avLst/>
+          </a:prstGeom>
+        </p:spPr>
+        <p:txBody>
+          <a:bodyPr vert="horz" lIns="91440" tIns="45720" rIns="91440" bIns="45720" rtlCol="0">
+            <a:noAutofit/>
+          </a:bodyPr>
+          <a:lstStyle>
+            <a:lvl1pPr marL="0" indent="0" algn="ctr" defTabSz="914400" rtl="0" eaLnBrk="1" latinLnBrk="0" hangingPunct="1">
+              <a:lnSpc>
+                <a:spcPct val="90000"/>
+              </a:lnSpc>
+              <a:spcBef>
+                <a:spcPts val="1000"/>
+              </a:spcBef>
+              <a:buFont typeface="Arial" panose="020B0604020202020204" pitchFamily="34" charset="0"/>
+              <a:buNone/>
+              <a:defRPr sz="2400" kern="1200">
+                <a:solidFill>
+                  <a:schemeClr val="tx1"/>
+                </a:solidFill>
+                <a:latin typeface="+mn-lt"/>
+                <a:ea typeface="+mn-ea"/>
+                <a:cs typeface="+mn-cs"/>
+              </a:defRPr>
+            </a:lvl1pPr>
+            <a:lvl2pPr marL="457200" indent="0" algn="ctr" defTabSz="914400" rtl="0" eaLnBrk="1" latinLnBrk="0" hangingPunct="1">
+              <a:lnSpc>
+                <a:spcPct val="90000"/>
+              </a:lnSpc>
+              <a:spcBef>
+                <a:spcPts val="500"/>
+              </a:spcBef>
+              <a:buFont typeface="Arial" panose="020B0604020202020204" pitchFamily="34" charset="0"/>
+              <a:buNone/>
+              <a:defRPr sz="2000" kern="1200">
+                <a:solidFill>
+                  <a:schemeClr val="tx1"/>
+                </a:solidFill>
+                <a:latin typeface="+mn-lt"/>
+                <a:ea typeface="+mn-ea"/>
+                <a:cs typeface="+mn-cs"/>
+              </a:defRPr>
+            </a:lvl2pPr>
+            <a:lvl3pPr marL="914400" indent="0" algn="ctr" defTabSz="914400" rtl="0" eaLnBrk="1" latinLnBrk="0" hangingPunct="1">
+              <a:lnSpc>
+                <a:spcPct val="90000"/>
+              </a:lnSpc>
+              <a:spcBef>
+                <a:spcPts val="500"/>
+              </a:spcBef>
+              <a:buFont typeface="Arial" panose="020B0604020202020204" pitchFamily="34" charset="0"/>
+              <a:buNone/>
+              <a:defRPr sz="1800" kern="1200">
+                <a:solidFill>
+                  <a:schemeClr val="tx1"/>
+                </a:solidFill>
+                <a:latin typeface="+mn-lt"/>
+                <a:ea typeface="+mn-ea"/>
+                <a:cs typeface="+mn-cs"/>
+              </a:defRPr>
+            </a:lvl3pPr>
+            <a:lvl4pPr marL="1371600" indent="0" algn="ctr" defTabSz="914400" rtl="0" eaLnBrk="1" latinLnBrk="0" hangingPunct="1">
+              <a:lnSpc>
+                <a:spcPct val="90000"/>
+              </a:lnSpc>
+              <a:spcBef>
+                <a:spcPts val="500"/>
+              </a:spcBef>
+              <a:buFont typeface="Arial" panose="020B0604020202020204" pitchFamily="34" charset="0"/>
+              <a:buNone/>
+              <a:defRPr sz="1600" kern="1200">
+                <a:solidFill>
+                  <a:schemeClr val="tx1"/>
+                </a:solidFill>
+                <a:latin typeface="+mn-lt"/>
+                <a:ea typeface="+mn-ea"/>
+                <a:cs typeface="+mn-cs"/>
+              </a:defRPr>
+            </a:lvl4pPr>
+            <a:lvl5pPr marL="1828800" indent="0" algn="ctr" defTabSz="914400" rtl="0" eaLnBrk="1" latinLnBrk="0" hangingPunct="1">
+              <a:lnSpc>
+                <a:spcPct val="90000"/>
+              </a:lnSpc>
+              <a:spcBef>
+                <a:spcPts val="500"/>
+              </a:spcBef>
+              <a:buFont typeface="Arial" panose="020B0604020202020204" pitchFamily="34" charset="0"/>
+              <a:buNone/>
+              <a:defRPr sz="1600" kern="1200">
+                <a:solidFill>
+                  <a:schemeClr val="tx1"/>
+                </a:solidFill>
+                <a:latin typeface="+mn-lt"/>
+                <a:ea typeface="+mn-ea"/>
+                <a:cs typeface="+mn-cs"/>
+              </a:defRPr>
+            </a:lvl5pPr>
+            <a:lvl6pPr marL="2286000" indent="0" algn="ctr" defTabSz="914400" rtl="0" eaLnBrk="1" latinLnBrk="0" hangingPunct="1">
+              <a:lnSpc>
+                <a:spcPct val="90000"/>
+              </a:lnSpc>
+              <a:spcBef>
+                <a:spcPts val="500"/>
+              </a:spcBef>
+              <a:buFont typeface="Arial" panose="020B0604020202020204" pitchFamily="34" charset="0"/>
+              <a:buNone/>
+              <a:defRPr sz="1600" kern="1200">
+                <a:solidFill>
+                  <a:schemeClr val="tx1"/>
+                </a:solidFill>
+                <a:latin typeface="+mn-lt"/>
+                <a:ea typeface="+mn-ea"/>
+                <a:cs typeface="+mn-cs"/>
+              </a:defRPr>
+            </a:lvl6pPr>
+            <a:lvl7pPr marL="2743200" indent="0" algn="ctr" defTabSz="914400" rtl="0" eaLnBrk="1" latinLnBrk="0" hangingPunct="1">
+              <a:lnSpc>
+                <a:spcPct val="90000"/>
+              </a:lnSpc>
+              <a:spcBef>
+                <a:spcPts val="500"/>
+              </a:spcBef>
+              <a:buFont typeface="Arial" panose="020B0604020202020204" pitchFamily="34" charset="0"/>
+              <a:buNone/>
+              <a:defRPr sz="1600" kern="1200">
+                <a:solidFill>
+                  <a:schemeClr val="tx1"/>
+                </a:solidFill>
+                <a:latin typeface="+mn-lt"/>
+                <a:ea typeface="+mn-ea"/>
+                <a:cs typeface="+mn-cs"/>
+              </a:defRPr>
+            </a:lvl7pPr>
+            <a:lvl8pPr marL="3200400" indent="0" algn="ctr" defTabSz="914400" rtl="0" eaLnBrk="1" latinLnBrk="0" hangingPunct="1">
+              <a:lnSpc>
+                <a:spcPct val="90000"/>
+              </a:lnSpc>
+              <a:spcBef>
+                <a:spcPts val="500"/>
+              </a:spcBef>
+              <a:buFont typeface="Arial" panose="020B0604020202020204" pitchFamily="34" charset="0"/>
+              <a:buNone/>
+              <a:defRPr sz="1600" kern="1200">
+                <a:solidFill>
+                  <a:schemeClr val="tx1"/>
+                </a:solidFill>
+                <a:latin typeface="+mn-lt"/>
+                <a:ea typeface="+mn-ea"/>
+                <a:cs typeface="+mn-cs"/>
+              </a:defRPr>
+            </a:lvl8pPr>
+            <a:lvl9pPr marL="3657600" indent="0" algn="ctr" defTabSz="914400" rtl="0" eaLnBrk="1" latinLnBrk="0" hangingPunct="1">
+              <a:lnSpc>
+                <a:spcPct val="90000"/>
+              </a:lnSpc>
+              <a:spcBef>
+                <a:spcPts val="500"/>
+              </a:spcBef>
+              <a:buFont typeface="Arial" panose="020B0604020202020204" pitchFamily="34" charset="0"/>
+              <a:buNone/>
+              <a:defRPr sz="1600" kern="1200">
+                <a:solidFill>
+                  <a:schemeClr val="tx1"/>
+                </a:solidFill>
+                <a:latin typeface="+mn-lt"/>
+                <a:ea typeface="+mn-ea"/>
+                <a:cs typeface="+mn-cs"/>
+              </a:defRPr>
+            </a:lvl9pPr>
+          </a:lstStyle>
+          <a:p>
+            <a:endParaRPr lang="en-US" sz="3200" b="1" dirty="0">
+              <a:solidFill>
+                <a:schemeClr val="accent1">
+                  <a:lumMod val="60000"/>
+                  <a:lumOff val="40000"/>
+                </a:schemeClr>
+              </a:solidFill>
+              <a:latin typeface="MERG_Logo" pitchFamily="2" charset="0"/>
+            </a:endParaRPr>
+          </a:p>
+        </p:txBody>
+      </p:sp>
+      <p:pic>
+        <p:nvPicPr>
+          <p:cNvPr id="6" name="Picture 5">
+            <a:extLst>
+              <a:ext uri="{FF2B5EF4-FFF2-40B4-BE49-F238E27FC236}">
+                <a16:creationId xmlns:a16="http://schemas.microsoft.com/office/drawing/2014/main" id="{F56229F6-7040-FEA1-9A6F-B1C968B23931}"/>
+              </a:ext>
+            </a:extLst>
+          </p:cNvPr>
+          <p:cNvPicPr>
+            <a:picLocks noChangeAspect="1"/>
+          </p:cNvPicPr>
+          <p:nvPr/>
+        </p:nvPicPr>
+        <p:blipFill>
+          <a:blip r:embed="rId6" cstate="email">
+            <a:extLst>
+              <a:ext uri="{28A0092B-C50C-407E-A947-70E740481C1C}">
+                <a14:useLocalDpi xmlns:a14="http://schemas.microsoft.com/office/drawing/2010/main"/>
+              </a:ext>
+            </a:extLst>
+          </a:blip>
+          <a:stretch>
+            <a:fillRect/>
+          </a:stretch>
+        </p:blipFill>
+        <p:spPr>
+          <a:xfrm>
+            <a:off x="10749400" y="6239363"/>
+            <a:ext cx="1116784" cy="496968"/>
+          </a:xfrm>
+          <a:prstGeom prst="rect">
+            <a:avLst/>
+          </a:prstGeom>
+        </p:spPr>
+      </p:pic>
+      <p:pic>
+        <p:nvPicPr>
+          <p:cNvPr id="12" name="Picture 11">
+            <a:extLst>
+              <a:ext uri="{FF2B5EF4-FFF2-40B4-BE49-F238E27FC236}">
+                <a16:creationId xmlns:a16="http://schemas.microsoft.com/office/drawing/2014/main" id="{B081CF63-6D84-FFD1-7A96-4CAE2A29A94B}"/>
+              </a:ext>
+            </a:extLst>
+          </p:cNvPr>
+          <p:cNvPicPr>
+            <a:picLocks noChangeAspect="1"/>
+          </p:cNvPicPr>
+          <p:nvPr/>
+        </p:nvPicPr>
+        <p:blipFill>
+          <a:blip r:embed="rId7"/>
+          <a:stretch>
+            <a:fillRect/>
+          </a:stretch>
+        </p:blipFill>
+        <p:spPr>
+          <a:xfrm>
+            <a:off x="6922425" y="1343935"/>
+            <a:ext cx="1725376" cy="1338975"/>
+          </a:xfrm>
+          <a:prstGeom prst="rect">
+            <a:avLst/>
+          </a:prstGeom>
+        </p:spPr>
+      </p:pic>
+      <p:pic>
+        <p:nvPicPr>
+          <p:cNvPr id="14" name="Picture 13">
+            <a:extLst>
+              <a:ext uri="{FF2B5EF4-FFF2-40B4-BE49-F238E27FC236}">
+                <a16:creationId xmlns:a16="http://schemas.microsoft.com/office/drawing/2014/main" id="{74DBF724-8141-5BAE-12EF-E9BBD62CC3F3}"/>
+              </a:ext>
+            </a:extLst>
+          </p:cNvPr>
+          <p:cNvPicPr>
+            <a:picLocks noChangeAspect="1"/>
+          </p:cNvPicPr>
+          <p:nvPr/>
+        </p:nvPicPr>
+        <p:blipFill>
+          <a:blip r:embed="rId8"/>
+          <a:stretch>
+            <a:fillRect/>
+          </a:stretch>
+        </p:blipFill>
+        <p:spPr>
+          <a:xfrm>
+            <a:off x="9349076" y="1343935"/>
+            <a:ext cx="2283817" cy="1338975"/>
+          </a:xfrm>
+          <a:prstGeom prst="rect">
+            <a:avLst/>
+          </a:prstGeom>
+        </p:spPr>
+      </p:pic>
+    </p:spTree>
+    <p:extLst>
+      <p:ext uri="{BB962C8B-B14F-4D97-AF65-F5344CB8AC3E}">
+        <p14:creationId xmlns:p14="http://schemas.microsoft.com/office/powerpoint/2010/main" val="1194342853"/>
+      </p:ext>
+    </p:extLst>
+  </p:cSld>
+  <p:clrMapOvr>
+    <a:masterClrMapping/>
+  </p:clrMapOvr>
+</p:sld>
+</file>
+
+<file path=ppt/slides/slide28.xml><?xml version="1.0" encoding="utf-8"?>
+<p:sld xmlns:a="http://schemas.openxmlformats.org/drawingml/2006/main" xmlns:r="http://schemas.openxmlformats.org/officeDocument/2006/relationships" xmlns:p="http://schemas.openxmlformats.org/presentationml/2006/main">
+  <p:cSld>
+    <p:spTree>
+      <p:nvGrpSpPr>
+        <p:cNvPr id="1" name=""/>
+        <p:cNvGrpSpPr/>
+        <p:nvPr/>
+      </p:nvGrpSpPr>
+      <p:grpSpPr>
+        <a:xfrm>
+          <a:off x="0" y="0"/>
+          <a:ext cx="0" cy="0"/>
+          <a:chOff x="0" y="0"/>
+          <a:chExt cx="0" cy="0"/>
+        </a:xfrm>
+      </p:grpSpPr>
+      <p:graphicFrame>
+        <p:nvGraphicFramePr>
+          <p:cNvPr id="7" name="Table 7">
+            <a:extLst>
+              <a:ext uri="{FF2B5EF4-FFF2-40B4-BE49-F238E27FC236}">
+                <a16:creationId xmlns:a16="http://schemas.microsoft.com/office/drawing/2014/main" id="{9B2F03AA-E6B2-4CB4-910F-7DA903FD6ED6}"/>
+              </a:ext>
+            </a:extLst>
+          </p:cNvPr>
+          <p:cNvGraphicFramePr>
+            <a:graphicFrameLocks noGrp="1"/>
+          </p:cNvGraphicFramePr>
+          <p:nvPr>
+            <p:extLst>
+              <p:ext uri="{D42A27DB-BD31-4B8C-83A1-F6EECF244321}">
+                <p14:modId xmlns:p14="http://schemas.microsoft.com/office/powerpoint/2010/main" val="4111873260"/>
+              </p:ext>
+            </p:extLst>
+          </p:nvPr>
+        </p:nvGraphicFramePr>
+        <p:xfrm>
+          <a:off x="415505" y="391004"/>
+          <a:ext cx="11360989" cy="5588081"/>
+        </p:xfrm>
+        <a:graphic>
+          <a:graphicData uri="http://schemas.openxmlformats.org/drawingml/2006/table">
+            <a:tbl>
+              <a:tblPr firstRow="1" bandRow="1">
+                <a:tableStyleId>{5C22544A-7EE6-4342-B048-85BDC9FD1C3A}</a:tableStyleId>
+              </a:tblPr>
+              <a:tblGrid>
+                <a:gridCol w="1130060">
+                  <a:extLst>
+                    <a:ext uri="{9D8B030D-6E8A-4147-A177-3AD203B41FA5}">
+                      <a16:colId xmlns:a16="http://schemas.microsoft.com/office/drawing/2014/main" val="747525499"/>
+                    </a:ext>
+                  </a:extLst>
+                </a:gridCol>
+                <a:gridCol w="4466567">
+                  <a:extLst>
+                    <a:ext uri="{9D8B030D-6E8A-4147-A177-3AD203B41FA5}">
+                      <a16:colId xmlns:a16="http://schemas.microsoft.com/office/drawing/2014/main" val="2892156475"/>
+                    </a:ext>
+                  </a:extLst>
+                </a:gridCol>
+                <a:gridCol w="5764362">
+                  <a:extLst>
+                    <a:ext uri="{9D8B030D-6E8A-4147-A177-3AD203B41FA5}">
+                      <a16:colId xmlns:a16="http://schemas.microsoft.com/office/drawing/2014/main" val="3449804923"/>
+                    </a:ext>
+                  </a:extLst>
+                </a:gridCol>
+              </a:tblGrid>
+              <a:tr h="919355">
+                <a:tc>
+                  <a:txBody>
+                    <a:bodyPr/>
+                    <a:lstStyle/>
+                    <a:p>
+                      <a:r>
+                        <a:rPr lang="en-US" sz="4400" dirty="0"/>
+                        <a:t>11c</a:t>
+                      </a:r>
+                    </a:p>
+                  </a:txBody>
+                  <a:tcPr/>
+                </a:tc>
+                <a:tc>
+                  <a:txBody>
+                    <a:bodyPr/>
+                    <a:lstStyle/>
+                    <a:p>
+                      <a:r>
+                        <a:rPr lang="en-US" sz="4400" dirty="0">
+                          <a:solidFill>
+                            <a:srgbClr val="FFFF00"/>
+                          </a:solidFill>
+                        </a:rPr>
+                        <a:t>Opto-MOSFET</a:t>
+                      </a:r>
+                    </a:p>
+                  </a:txBody>
+                  <a:tcPr/>
+                </a:tc>
+                <a:tc>
+                  <a:txBody>
+                    <a:bodyPr/>
+                    <a:lstStyle/>
+                    <a:p>
+                      <a:pPr marL="0" marR="0" lvl="0" indent="0" algn="l" defTabSz="914400" rtl="0" eaLnBrk="1" fontAlgn="auto" latinLnBrk="0" hangingPunct="1">
+                        <a:lnSpc>
+                          <a:spcPct val="100000"/>
+                        </a:lnSpc>
+                        <a:spcBef>
+                          <a:spcPts val="0"/>
+                        </a:spcBef>
+                        <a:spcAft>
+                          <a:spcPts val="0"/>
+                        </a:spcAft>
+                        <a:buClrTx/>
+                        <a:buSzTx/>
+                        <a:buFontTx/>
+                        <a:buNone/>
+                        <a:tabLst/>
+                        <a:defRPr/>
+                      </a:pPr>
+                      <a:r>
+                        <a:rPr lang="en-US" sz="4400" b="1" kern="1200" dirty="0">
+                          <a:solidFill>
+                            <a:schemeClr val="lt1"/>
+                          </a:solidFill>
+                          <a:latin typeface="+mn-lt"/>
+                          <a:ea typeface="+mn-ea"/>
+                          <a:cs typeface="+mn-cs"/>
+                        </a:rPr>
+                        <a:t>Electronic Switch</a:t>
+                      </a:r>
+                    </a:p>
+                  </a:txBody>
+                  <a:tcPr/>
+                </a:tc>
+                <a:extLst>
+                  <a:ext uri="{0D108BD9-81ED-4DB2-BD59-A6C34878D82A}">
+                    <a16:rowId xmlns:a16="http://schemas.microsoft.com/office/drawing/2014/main" val="4166713368"/>
+                  </a:ext>
+                </a:extLst>
+              </a:tr>
+              <a:tr h="1405409">
+                <a:tc gridSpan="2">
+                  <a:txBody>
+                    <a:bodyPr/>
+                    <a:lstStyle/>
+                    <a:p>
+                      <a:r>
+                        <a:rPr lang="en-US" b="1" dirty="0"/>
+                        <a:t>Usage:</a:t>
+                      </a:r>
+                    </a:p>
+                    <a:p>
+                      <a:r>
+                        <a:rPr lang="en-US" dirty="0"/>
+                        <a:t>Low power output from Arduino Pin can control a higher power electrical circuit. It is essentially a relay replacement. </a:t>
+                      </a:r>
+                    </a:p>
+                  </a:txBody>
+                  <a:tcPr/>
+                </a:tc>
+                <a:tc hMerge="1">
+                  <a:txBody>
+                    <a:bodyPr/>
+                    <a:lstStyle/>
+                    <a:p>
+                      <a:endParaRPr lang="en-US"/>
+                    </a:p>
+                  </a:txBody>
+                  <a:tcPr/>
+                </a:tc>
+                <a:tc>
+                  <a:txBody>
+                    <a:bodyPr/>
+                    <a:lstStyle/>
+                    <a:p>
+                      <a:endParaRPr lang="en-US" dirty="0"/>
+                    </a:p>
+                  </a:txBody>
+                  <a:tcPr/>
+                </a:tc>
+                <a:extLst>
+                  <a:ext uri="{0D108BD9-81ED-4DB2-BD59-A6C34878D82A}">
+                    <a16:rowId xmlns:a16="http://schemas.microsoft.com/office/drawing/2014/main" val="1083252038"/>
+                  </a:ext>
+                </a:extLst>
+              </a:tr>
+              <a:tr h="1525957">
+                <a:tc gridSpan="2">
+                  <a:txBody>
+                    <a:bodyPr/>
+                    <a:lstStyle/>
+                    <a:p>
+                      <a:pPr marL="0" marR="0" lvl="0" indent="0" algn="l" defTabSz="914400" rtl="0" eaLnBrk="1" fontAlgn="auto" latinLnBrk="0" hangingPunct="1">
+                        <a:lnSpc>
+                          <a:spcPct val="100000"/>
+                        </a:lnSpc>
+                        <a:spcBef>
+                          <a:spcPts val="0"/>
+                        </a:spcBef>
+                        <a:spcAft>
+                          <a:spcPts val="0"/>
+                        </a:spcAft>
+                        <a:buClrTx/>
+                        <a:buSzTx/>
+                        <a:buFontTx/>
+                        <a:buNone/>
+                        <a:tabLst/>
+                        <a:defRPr/>
+                      </a:pPr>
+                      <a:r>
+                        <a:rPr lang="en-US" b="1" dirty="0"/>
+                        <a:t>How it Works:</a:t>
+                      </a:r>
+                    </a:p>
+                    <a:p>
+                      <a:pPr marL="0" marR="0" lvl="0" indent="0" algn="l" defTabSz="914400" rtl="0" eaLnBrk="1" fontAlgn="auto" latinLnBrk="0" hangingPunct="1">
+                        <a:lnSpc>
+                          <a:spcPct val="100000"/>
+                        </a:lnSpc>
+                        <a:spcBef>
+                          <a:spcPts val="0"/>
+                        </a:spcBef>
+                        <a:spcAft>
+                          <a:spcPts val="0"/>
+                        </a:spcAft>
+                        <a:buClrTx/>
+                        <a:buSzTx/>
+                        <a:buFontTx/>
+                        <a:buNone/>
+                        <a:tabLst/>
+                        <a:defRPr/>
+                      </a:pPr>
+                      <a:r>
+                        <a:rPr lang="en-US" dirty="0"/>
+                        <a:t>A low power digital voltage signal is applied to a fully enclosed LED. The led activates the gate of two back to back MOSFETs in the same package. This means current can flow in either direction. Effectively you light an LED and the LED turns something else on. </a:t>
+                      </a:r>
+                    </a:p>
+                  </a:txBody>
+                  <a:tcPr/>
+                </a:tc>
+                <a:tc hMerge="1">
+                  <a:txBody>
+                    <a:bodyPr/>
+                    <a:lstStyle/>
+                    <a:p>
+                      <a:endParaRPr lang="en-US"/>
+                    </a:p>
+                  </a:txBody>
+                  <a:tcPr/>
+                </a:tc>
+                <a:tc>
+                  <a:txBody>
+                    <a:bodyPr/>
+                    <a:lstStyle/>
+                    <a:p>
+                      <a:pPr marL="0" marR="0" lvl="0" indent="0" algn="l" defTabSz="914400" rtl="0" eaLnBrk="1" fontAlgn="auto" latinLnBrk="0" hangingPunct="1">
+                        <a:lnSpc>
+                          <a:spcPct val="100000"/>
+                        </a:lnSpc>
+                        <a:spcBef>
+                          <a:spcPts val="0"/>
+                        </a:spcBef>
+                        <a:spcAft>
+                          <a:spcPts val="0"/>
+                        </a:spcAft>
+                        <a:buClrTx/>
+                        <a:buSzTx/>
+                        <a:buFontTx/>
+                        <a:buNone/>
+                        <a:tabLst/>
+                        <a:defRPr/>
+                      </a:pPr>
+                      <a:r>
+                        <a:rPr lang="en-US" b="1" dirty="0"/>
+                        <a:t>Pros:</a:t>
+                      </a:r>
+                    </a:p>
+                    <a:p>
+                      <a:pPr marL="285750" marR="0" lvl="0" indent="-285750" algn="l" defTabSz="914400" rtl="0" eaLnBrk="1" fontAlgn="auto" latinLnBrk="0" hangingPunct="1">
+                        <a:lnSpc>
+                          <a:spcPct val="100000"/>
+                        </a:lnSpc>
+                        <a:spcBef>
+                          <a:spcPts val="0"/>
+                        </a:spcBef>
+                        <a:spcAft>
+                          <a:spcPts val="0"/>
+                        </a:spcAft>
+                        <a:buClrTx/>
+                        <a:buSzTx/>
+                        <a:buFont typeface="Arial" panose="020B0604020202020204" pitchFamily="34" charset="0"/>
+                        <a:buChar char="•"/>
+                        <a:tabLst/>
+                        <a:defRPr/>
+                      </a:pPr>
+                      <a:r>
+                        <a:rPr lang="en-US" dirty="0"/>
+                        <a:t>Inexpensive</a:t>
+                      </a:r>
+                    </a:p>
+                    <a:p>
+                      <a:pPr marL="285750" marR="0" lvl="0" indent="-285750" algn="l" defTabSz="914400" rtl="0" eaLnBrk="1" fontAlgn="auto" latinLnBrk="0" hangingPunct="1">
+                        <a:lnSpc>
+                          <a:spcPct val="100000"/>
+                        </a:lnSpc>
+                        <a:spcBef>
+                          <a:spcPts val="0"/>
+                        </a:spcBef>
+                        <a:spcAft>
+                          <a:spcPts val="0"/>
+                        </a:spcAft>
+                        <a:buClrTx/>
+                        <a:buSzTx/>
+                        <a:buFont typeface="Arial" panose="020B0604020202020204" pitchFamily="34" charset="0"/>
+                        <a:buChar char="•"/>
+                        <a:tabLst/>
+                        <a:defRPr/>
+                      </a:pPr>
+                      <a:r>
+                        <a:rPr lang="en-US" dirty="0"/>
+                        <a:t>Allows switching electrical loads beyond the rating of an Arduino alone. </a:t>
+                      </a:r>
+                    </a:p>
+                  </a:txBody>
+                  <a:tcPr/>
+                </a:tc>
+                <a:extLst>
+                  <a:ext uri="{0D108BD9-81ED-4DB2-BD59-A6C34878D82A}">
+                    <a16:rowId xmlns:a16="http://schemas.microsoft.com/office/drawing/2014/main" val="2494442280"/>
+                  </a:ext>
+                </a:extLst>
+              </a:tr>
+              <a:tr h="1525957">
+                <a:tc gridSpan="2">
+                  <a:txBody>
+                    <a:bodyPr/>
+                    <a:lstStyle/>
+                    <a:p>
+                      <a:r>
+                        <a:rPr lang="en-US" b="1" dirty="0"/>
+                        <a:t>Notes:  </a:t>
+                      </a:r>
+                      <a:r>
+                        <a:rPr lang="en-US" dirty="0"/>
+                        <a:t>Unlike a relay wear and tear is negligible. </a:t>
+                      </a:r>
+                    </a:p>
+                    <a:p>
+                      <a:r>
+                        <a:rPr lang="en-US" dirty="0"/>
+                        <a:t>The use of opto-coupling means the input circuit and the output circuit need not have anything in common. </a:t>
+                      </a:r>
+                    </a:p>
+                  </a:txBody>
+                  <a:tcPr/>
+                </a:tc>
+                <a:tc hMerge="1">
+                  <a:txBody>
+                    <a:bodyPr/>
+                    <a:lstStyle/>
+                    <a:p>
+                      <a:endParaRPr lang="en-US"/>
+                    </a:p>
+                  </a:txBody>
+                  <a:tcPr/>
+                </a:tc>
+                <a:tc>
+                  <a:txBody>
+                    <a:bodyPr/>
+                    <a:lstStyle/>
+                    <a:p>
+                      <a:pPr marL="0" marR="0" lvl="0" indent="0" algn="l" defTabSz="914400" rtl="0" eaLnBrk="1" fontAlgn="auto" latinLnBrk="0" hangingPunct="1">
+                        <a:lnSpc>
+                          <a:spcPct val="100000"/>
+                        </a:lnSpc>
+                        <a:spcBef>
+                          <a:spcPts val="0"/>
+                        </a:spcBef>
+                        <a:spcAft>
+                          <a:spcPts val="0"/>
+                        </a:spcAft>
+                        <a:buClrTx/>
+                        <a:buSzTx/>
+                        <a:buFontTx/>
+                        <a:buNone/>
+                        <a:tabLst/>
+                        <a:defRPr/>
+                      </a:pPr>
+                      <a:endParaRPr lang="en-US" dirty="0"/>
+                    </a:p>
+                  </a:txBody>
+                  <a:tcPr/>
+                </a:tc>
+                <a:extLst>
+                  <a:ext uri="{0D108BD9-81ED-4DB2-BD59-A6C34878D82A}">
+                    <a16:rowId xmlns:a16="http://schemas.microsoft.com/office/drawing/2014/main" val="1235703702"/>
+                  </a:ext>
+                </a:extLst>
+              </a:tr>
+            </a:tbl>
+          </a:graphicData>
+        </a:graphic>
+      </p:graphicFrame>
+      <p:sp>
+        <p:nvSpPr>
+          <p:cNvPr id="5" name="Subtitle 2">
+            <a:extLst>
+              <a:ext uri="{FF2B5EF4-FFF2-40B4-BE49-F238E27FC236}">
+                <a16:creationId xmlns:a16="http://schemas.microsoft.com/office/drawing/2014/main" id="{F81EB58B-60AE-9C27-0E97-2EB666C2CC13}"/>
+              </a:ext>
+            </a:extLst>
+          </p:cNvPr>
+          <p:cNvSpPr txBox="1">
+            <a:spLocks/>
+          </p:cNvSpPr>
+          <p:nvPr/>
+        </p:nvSpPr>
+        <p:spPr>
+          <a:xfrm>
+            <a:off x="560718" y="6177560"/>
+            <a:ext cx="1357223" cy="558771"/>
+          </a:xfrm>
+          <a:prstGeom prst="rect">
+            <a:avLst/>
+          </a:prstGeom>
+        </p:spPr>
+        <p:txBody>
+          <a:bodyPr vert="horz" lIns="91440" tIns="45720" rIns="91440" bIns="45720" rtlCol="0">
+            <a:noAutofit/>
+          </a:bodyPr>
+          <a:lstStyle>
+            <a:lvl1pPr marL="0" indent="0" algn="ctr" defTabSz="914400" rtl="0" eaLnBrk="1" latinLnBrk="0" hangingPunct="1">
+              <a:lnSpc>
+                <a:spcPct val="90000"/>
+              </a:lnSpc>
+              <a:spcBef>
+                <a:spcPts val="1000"/>
+              </a:spcBef>
+              <a:buFont typeface="Arial" panose="020B0604020202020204" pitchFamily="34" charset="0"/>
+              <a:buNone/>
+              <a:defRPr sz="2400" kern="1200">
+                <a:solidFill>
+                  <a:schemeClr val="tx1"/>
+                </a:solidFill>
+                <a:latin typeface="+mn-lt"/>
+                <a:ea typeface="+mn-ea"/>
+                <a:cs typeface="+mn-cs"/>
+              </a:defRPr>
+            </a:lvl1pPr>
+            <a:lvl2pPr marL="457200" indent="0" algn="ctr" defTabSz="914400" rtl="0" eaLnBrk="1" latinLnBrk="0" hangingPunct="1">
+              <a:lnSpc>
+                <a:spcPct val="90000"/>
+              </a:lnSpc>
+              <a:spcBef>
+                <a:spcPts val="500"/>
+              </a:spcBef>
+              <a:buFont typeface="Arial" panose="020B0604020202020204" pitchFamily="34" charset="0"/>
+              <a:buNone/>
+              <a:defRPr sz="2000" kern="1200">
+                <a:solidFill>
+                  <a:schemeClr val="tx1"/>
+                </a:solidFill>
+                <a:latin typeface="+mn-lt"/>
+                <a:ea typeface="+mn-ea"/>
+                <a:cs typeface="+mn-cs"/>
+              </a:defRPr>
+            </a:lvl2pPr>
+            <a:lvl3pPr marL="914400" indent="0" algn="ctr" defTabSz="914400" rtl="0" eaLnBrk="1" latinLnBrk="0" hangingPunct="1">
+              <a:lnSpc>
+                <a:spcPct val="90000"/>
+              </a:lnSpc>
+              <a:spcBef>
+                <a:spcPts val="500"/>
+              </a:spcBef>
+              <a:buFont typeface="Arial" panose="020B0604020202020204" pitchFamily="34" charset="0"/>
+              <a:buNone/>
+              <a:defRPr sz="1800" kern="1200">
+                <a:solidFill>
+                  <a:schemeClr val="tx1"/>
+                </a:solidFill>
+                <a:latin typeface="+mn-lt"/>
+                <a:ea typeface="+mn-ea"/>
+                <a:cs typeface="+mn-cs"/>
+              </a:defRPr>
+            </a:lvl3pPr>
+            <a:lvl4pPr marL="1371600" indent="0" algn="ctr" defTabSz="914400" rtl="0" eaLnBrk="1" latinLnBrk="0" hangingPunct="1">
+              <a:lnSpc>
+                <a:spcPct val="90000"/>
+              </a:lnSpc>
+              <a:spcBef>
+                <a:spcPts val="500"/>
+              </a:spcBef>
+              <a:buFont typeface="Arial" panose="020B0604020202020204" pitchFamily="34" charset="0"/>
+              <a:buNone/>
+              <a:defRPr sz="1600" kern="1200">
+                <a:solidFill>
+                  <a:schemeClr val="tx1"/>
+                </a:solidFill>
+                <a:latin typeface="+mn-lt"/>
+                <a:ea typeface="+mn-ea"/>
+                <a:cs typeface="+mn-cs"/>
+              </a:defRPr>
+            </a:lvl4pPr>
+            <a:lvl5pPr marL="1828800" indent="0" algn="ctr" defTabSz="914400" rtl="0" eaLnBrk="1" latinLnBrk="0" hangingPunct="1">
+              <a:lnSpc>
+                <a:spcPct val="90000"/>
+              </a:lnSpc>
+              <a:spcBef>
+                <a:spcPts val="500"/>
+              </a:spcBef>
+              <a:buFont typeface="Arial" panose="020B0604020202020204" pitchFamily="34" charset="0"/>
+              <a:buNone/>
+              <a:defRPr sz="1600" kern="1200">
+                <a:solidFill>
+                  <a:schemeClr val="tx1"/>
+                </a:solidFill>
+                <a:latin typeface="+mn-lt"/>
+                <a:ea typeface="+mn-ea"/>
+                <a:cs typeface="+mn-cs"/>
+              </a:defRPr>
+            </a:lvl5pPr>
+            <a:lvl6pPr marL="2286000" indent="0" algn="ctr" defTabSz="914400" rtl="0" eaLnBrk="1" latinLnBrk="0" hangingPunct="1">
+              <a:lnSpc>
+                <a:spcPct val="90000"/>
+              </a:lnSpc>
+              <a:spcBef>
+                <a:spcPts val="500"/>
+              </a:spcBef>
+              <a:buFont typeface="Arial" panose="020B0604020202020204" pitchFamily="34" charset="0"/>
+              <a:buNone/>
+              <a:defRPr sz="1600" kern="1200">
+                <a:solidFill>
+                  <a:schemeClr val="tx1"/>
+                </a:solidFill>
+                <a:latin typeface="+mn-lt"/>
+                <a:ea typeface="+mn-ea"/>
+                <a:cs typeface="+mn-cs"/>
+              </a:defRPr>
+            </a:lvl6pPr>
+            <a:lvl7pPr marL="2743200" indent="0" algn="ctr" defTabSz="914400" rtl="0" eaLnBrk="1" latinLnBrk="0" hangingPunct="1">
+              <a:lnSpc>
+                <a:spcPct val="90000"/>
+              </a:lnSpc>
+              <a:spcBef>
+                <a:spcPts val="500"/>
+              </a:spcBef>
+              <a:buFont typeface="Arial" panose="020B0604020202020204" pitchFamily="34" charset="0"/>
+              <a:buNone/>
+              <a:defRPr sz="1600" kern="1200">
+                <a:solidFill>
+                  <a:schemeClr val="tx1"/>
+                </a:solidFill>
+                <a:latin typeface="+mn-lt"/>
+                <a:ea typeface="+mn-ea"/>
+                <a:cs typeface="+mn-cs"/>
+              </a:defRPr>
+            </a:lvl7pPr>
+            <a:lvl8pPr marL="3200400" indent="0" algn="ctr" defTabSz="914400" rtl="0" eaLnBrk="1" latinLnBrk="0" hangingPunct="1">
+              <a:lnSpc>
+                <a:spcPct val="90000"/>
+              </a:lnSpc>
+              <a:spcBef>
+                <a:spcPts val="500"/>
+              </a:spcBef>
+              <a:buFont typeface="Arial" panose="020B0604020202020204" pitchFamily="34" charset="0"/>
+              <a:buNone/>
+              <a:defRPr sz="1600" kern="1200">
+                <a:solidFill>
+                  <a:schemeClr val="tx1"/>
+                </a:solidFill>
+                <a:latin typeface="+mn-lt"/>
+                <a:ea typeface="+mn-ea"/>
+                <a:cs typeface="+mn-cs"/>
+              </a:defRPr>
+            </a:lvl8pPr>
+            <a:lvl9pPr marL="3657600" indent="0" algn="ctr" defTabSz="914400" rtl="0" eaLnBrk="1" latinLnBrk="0" hangingPunct="1">
+              <a:lnSpc>
+                <a:spcPct val="90000"/>
+              </a:lnSpc>
+              <a:spcBef>
+                <a:spcPts val="500"/>
+              </a:spcBef>
+              <a:buFont typeface="Arial" panose="020B0604020202020204" pitchFamily="34" charset="0"/>
+              <a:buNone/>
+              <a:defRPr sz="1600" kern="1200">
+                <a:solidFill>
+                  <a:schemeClr val="tx1"/>
+                </a:solidFill>
+                <a:latin typeface="+mn-lt"/>
+                <a:ea typeface="+mn-ea"/>
+                <a:cs typeface="+mn-cs"/>
+              </a:defRPr>
+            </a:lvl9pPr>
+          </a:lstStyle>
+          <a:p>
+            <a:endParaRPr lang="en-US" sz="3200" b="1" dirty="0">
+              <a:solidFill>
+                <a:schemeClr val="accent1">
+                  <a:lumMod val="60000"/>
+                  <a:lumOff val="40000"/>
+                </a:schemeClr>
+              </a:solidFill>
+              <a:latin typeface="MERG_Logo" pitchFamily="2" charset="0"/>
+            </a:endParaRPr>
+          </a:p>
+        </p:txBody>
+      </p:sp>
+      <p:pic>
+        <p:nvPicPr>
+          <p:cNvPr id="6" name="Picture 5">
+            <a:extLst>
+              <a:ext uri="{FF2B5EF4-FFF2-40B4-BE49-F238E27FC236}">
+                <a16:creationId xmlns:a16="http://schemas.microsoft.com/office/drawing/2014/main" id="{F56229F6-7040-FEA1-9A6F-B1C968B23931}"/>
+              </a:ext>
+            </a:extLst>
+          </p:cNvPr>
+          <p:cNvPicPr>
+            <a:picLocks noChangeAspect="1"/>
+          </p:cNvPicPr>
+          <p:nvPr/>
+        </p:nvPicPr>
+        <p:blipFill>
+          <a:blip r:embed="rId3" cstate="email">
+            <a:extLst>
+              <a:ext uri="{28A0092B-C50C-407E-A947-70E740481C1C}">
+                <a14:useLocalDpi xmlns:a14="http://schemas.microsoft.com/office/drawing/2010/main"/>
+              </a:ext>
+            </a:extLst>
+          </a:blip>
+          <a:stretch>
+            <a:fillRect/>
+          </a:stretch>
+        </p:blipFill>
+        <p:spPr>
+          <a:xfrm>
+            <a:off x="10749400" y="6239363"/>
+            <a:ext cx="1116784" cy="496968"/>
+          </a:xfrm>
+          <a:prstGeom prst="rect">
+            <a:avLst/>
+          </a:prstGeom>
+        </p:spPr>
+      </p:pic>
+      <p:pic>
+        <p:nvPicPr>
+          <p:cNvPr id="4" name="Picture 3">
+            <a:extLst>
+              <a:ext uri="{FF2B5EF4-FFF2-40B4-BE49-F238E27FC236}">
+                <a16:creationId xmlns:a16="http://schemas.microsoft.com/office/drawing/2014/main" id="{A4CA5CE5-E6F6-75AE-4150-17AA59A19687}"/>
+              </a:ext>
+            </a:extLst>
+          </p:cNvPr>
+          <p:cNvPicPr>
+            <a:picLocks noChangeAspect="1"/>
+          </p:cNvPicPr>
+          <p:nvPr/>
+        </p:nvPicPr>
+        <p:blipFill>
+          <a:blip r:embed="rId4"/>
+          <a:stretch>
+            <a:fillRect/>
+          </a:stretch>
+        </p:blipFill>
+        <p:spPr>
+          <a:xfrm>
+            <a:off x="6213384" y="1374949"/>
+            <a:ext cx="1208369" cy="1277815"/>
+          </a:xfrm>
+          <a:prstGeom prst="rect">
+            <a:avLst/>
+          </a:prstGeom>
+        </p:spPr>
+      </p:pic>
+      <p:pic>
+        <p:nvPicPr>
+          <p:cNvPr id="10" name="Picture 9">
+            <a:extLst>
+              <a:ext uri="{FF2B5EF4-FFF2-40B4-BE49-F238E27FC236}">
+                <a16:creationId xmlns:a16="http://schemas.microsoft.com/office/drawing/2014/main" id="{F69B97C9-055B-8F3C-201F-4E09362FBA7B}"/>
+              </a:ext>
+            </a:extLst>
+          </p:cNvPr>
+          <p:cNvPicPr>
+            <a:picLocks noChangeAspect="1"/>
+          </p:cNvPicPr>
+          <p:nvPr/>
+        </p:nvPicPr>
+        <p:blipFill>
+          <a:blip r:embed="rId5"/>
+          <a:stretch>
+            <a:fillRect/>
+          </a:stretch>
+        </p:blipFill>
+        <p:spPr>
+          <a:xfrm>
+            <a:off x="8449967" y="1407539"/>
+            <a:ext cx="2298312" cy="1212633"/>
+          </a:xfrm>
+          <a:prstGeom prst="rect">
+            <a:avLst/>
+          </a:prstGeom>
+        </p:spPr>
+      </p:pic>
+    </p:spTree>
+    <p:extLst>
+      <p:ext uri="{BB962C8B-B14F-4D97-AF65-F5344CB8AC3E}">
+        <p14:creationId xmlns:p14="http://schemas.microsoft.com/office/powerpoint/2010/main" val="822716406"/>
+      </p:ext>
+    </p:extLst>
+  </p:cSld>
+  <p:clrMapOvr>
+    <a:masterClrMapping/>
+  </p:clrMapOvr>
+</p:sld>
+</file>
+
+<file path=ppt/slides/slide29.xml><?xml version="1.0" encoding="utf-8"?>
+<p:sld xmlns:a="http://schemas.openxmlformats.org/drawingml/2006/main" xmlns:r="http://schemas.openxmlformats.org/officeDocument/2006/relationships" xmlns:p="http://schemas.openxmlformats.org/presentationml/2006/main">
+  <p:cSld>
+    <p:spTree>
+      <p:nvGrpSpPr>
+        <p:cNvPr id="1" name=""/>
+        <p:cNvGrpSpPr/>
+        <p:nvPr/>
+      </p:nvGrpSpPr>
+      <p:grpSpPr>
+        <a:xfrm>
+          <a:off x="0" y="0"/>
+          <a:ext cx="0" cy="0"/>
+          <a:chOff x="0" y="0"/>
+          <a:chExt cx="0" cy="0"/>
+        </a:xfrm>
+      </p:grpSpPr>
+      <p:graphicFrame>
+        <p:nvGraphicFramePr>
+          <p:cNvPr id="7" name="Table 7">
+            <a:extLst>
+              <a:ext uri="{FF2B5EF4-FFF2-40B4-BE49-F238E27FC236}">
+                <a16:creationId xmlns:a16="http://schemas.microsoft.com/office/drawing/2014/main" id="{9B2F03AA-E6B2-4CB4-910F-7DA903FD6ED6}"/>
+              </a:ext>
+            </a:extLst>
+          </p:cNvPr>
+          <p:cNvGraphicFramePr>
+            <a:graphicFrameLocks noGrp="1"/>
+          </p:cNvGraphicFramePr>
+          <p:nvPr>
+            <p:extLst>
+              <p:ext uri="{D42A27DB-BD31-4B8C-83A1-F6EECF244321}">
                 <p14:modId xmlns:p14="http://schemas.microsoft.com/office/powerpoint/2010/main" val="3177946039"/>
               </p:ext>
             </p:extLst>
@@ -23308,1186 +25270,6 @@
     <p:extLst>
       <p:ext uri="{BB962C8B-B14F-4D97-AF65-F5344CB8AC3E}">
         <p14:creationId xmlns:p14="http://schemas.microsoft.com/office/powerpoint/2010/main" val="4041636324"/>
-      </p:ext>
-    </p:extLst>
-  </p:cSld>
-  <p:clrMapOvr>
-    <a:masterClrMapping/>
-  </p:clrMapOvr>
-</p:sld>
-</file>
-
-<file path=ppt/slides/slide28.xml><?xml version="1.0" encoding="utf-8"?>
-<p:sld xmlns:a="http://schemas.openxmlformats.org/drawingml/2006/main" xmlns:r="http://schemas.openxmlformats.org/officeDocument/2006/relationships" xmlns:p="http://schemas.openxmlformats.org/presentationml/2006/main">
-  <p:cSld>
-    <p:spTree>
-      <p:nvGrpSpPr>
-        <p:cNvPr id="1" name=""/>
-        <p:cNvGrpSpPr/>
-        <p:nvPr/>
-      </p:nvGrpSpPr>
-      <p:grpSpPr>
-        <a:xfrm>
-          <a:off x="0" y="0"/>
-          <a:ext cx="0" cy="0"/>
-          <a:chOff x="0" y="0"/>
-          <a:chExt cx="0" cy="0"/>
-        </a:xfrm>
-      </p:grpSpPr>
-      <p:graphicFrame>
-        <p:nvGraphicFramePr>
-          <p:cNvPr id="7" name="Table 7">
-            <a:extLst>
-              <a:ext uri="{FF2B5EF4-FFF2-40B4-BE49-F238E27FC236}">
-                <a16:creationId xmlns:a16="http://schemas.microsoft.com/office/drawing/2014/main" id="{9B2F03AA-E6B2-4CB4-910F-7DA903FD6ED6}"/>
-              </a:ext>
-            </a:extLst>
-          </p:cNvPr>
-          <p:cNvGraphicFramePr>
-            <a:graphicFrameLocks noGrp="1"/>
-          </p:cNvGraphicFramePr>
-          <p:nvPr>
-            <p:extLst>
-              <p:ext uri="{D42A27DB-BD31-4B8C-83A1-F6EECF244321}">
-                <p14:modId xmlns:p14="http://schemas.microsoft.com/office/powerpoint/2010/main" val="1091462346"/>
-              </p:ext>
-            </p:extLst>
-          </p:nvPr>
-        </p:nvGraphicFramePr>
-        <p:xfrm>
-          <a:off x="414068" y="391004"/>
-          <a:ext cx="11362426" cy="919355"/>
-        </p:xfrm>
-        <a:graphic>
-          <a:graphicData uri="http://schemas.openxmlformats.org/drawingml/2006/table">
-            <a:tbl>
-              <a:tblPr firstRow="1" bandRow="1">
-                <a:tableStyleId>{5C22544A-7EE6-4342-B048-85BDC9FD1C3A}</a:tableStyleId>
-              </a:tblPr>
-              <a:tblGrid>
-                <a:gridCol w="1131497">
-                  <a:extLst>
-                    <a:ext uri="{9D8B030D-6E8A-4147-A177-3AD203B41FA5}">
-                      <a16:colId xmlns:a16="http://schemas.microsoft.com/office/drawing/2014/main" val="747525499"/>
-                    </a:ext>
-                  </a:extLst>
-                </a:gridCol>
-                <a:gridCol w="4682707">
-                  <a:extLst>
-                    <a:ext uri="{9D8B030D-6E8A-4147-A177-3AD203B41FA5}">
-                      <a16:colId xmlns:a16="http://schemas.microsoft.com/office/drawing/2014/main" val="2892156475"/>
-                    </a:ext>
-                  </a:extLst>
-                </a:gridCol>
-                <a:gridCol w="5548222">
-                  <a:extLst>
-                    <a:ext uri="{9D8B030D-6E8A-4147-A177-3AD203B41FA5}">
-                      <a16:colId xmlns:a16="http://schemas.microsoft.com/office/drawing/2014/main" val="3449804923"/>
-                    </a:ext>
-                  </a:extLst>
-                </a:gridCol>
-              </a:tblGrid>
-              <a:tr h="919355">
-                <a:tc>
-                  <a:txBody>
-                    <a:bodyPr/>
-                    <a:lstStyle/>
-                    <a:p>
-                      <a:endParaRPr lang="en-US" sz="4400" dirty="0"/>
-                    </a:p>
-                  </a:txBody>
-                  <a:tcPr/>
-                </a:tc>
-                <a:tc>
-                  <a:txBody>
-                    <a:bodyPr/>
-                    <a:lstStyle/>
-                    <a:p>
-                      <a:r>
-                        <a:rPr lang="en-US" sz="4400" dirty="0">
-                          <a:solidFill>
-                            <a:srgbClr val="FFFF00"/>
-                          </a:solidFill>
-                        </a:rPr>
-                        <a:t>ARDUINO</a:t>
-                      </a:r>
-                    </a:p>
-                  </a:txBody>
-                  <a:tcPr/>
-                </a:tc>
-                <a:tc>
-                  <a:txBody>
-                    <a:bodyPr/>
-                    <a:lstStyle/>
-                    <a:p>
-                      <a:pPr marL="0" marR="0" lvl="0" indent="0" algn="l" defTabSz="914400" rtl="0" eaLnBrk="1" fontAlgn="auto" latinLnBrk="0" hangingPunct="1">
-                        <a:lnSpc>
-                          <a:spcPct val="100000"/>
-                        </a:lnSpc>
-                        <a:spcBef>
-                          <a:spcPts val="0"/>
-                        </a:spcBef>
-                        <a:spcAft>
-                          <a:spcPts val="0"/>
-                        </a:spcAft>
-                        <a:buClrTx/>
-                        <a:buSzTx/>
-                        <a:buFontTx/>
-                        <a:buNone/>
-                        <a:tabLst/>
-                        <a:defRPr/>
-                      </a:pPr>
-                      <a:r>
-                        <a:rPr lang="en-US" sz="4400" dirty="0">
-                          <a:solidFill>
-                            <a:srgbClr val="FFFF00"/>
-                          </a:solidFill>
-                        </a:rPr>
-                        <a:t>I/O</a:t>
-                      </a:r>
-                    </a:p>
-                  </a:txBody>
-                  <a:tcPr/>
-                </a:tc>
-                <a:extLst>
-                  <a:ext uri="{0D108BD9-81ED-4DB2-BD59-A6C34878D82A}">
-                    <a16:rowId xmlns:a16="http://schemas.microsoft.com/office/drawing/2014/main" val="4166713368"/>
-                  </a:ext>
-                </a:extLst>
-              </a:tr>
-            </a:tbl>
-          </a:graphicData>
-        </a:graphic>
-      </p:graphicFrame>
-      <p:pic>
-        <p:nvPicPr>
-          <p:cNvPr id="5" name="Picture 4">
-            <a:extLst>
-              <a:ext uri="{FF2B5EF4-FFF2-40B4-BE49-F238E27FC236}">
-                <a16:creationId xmlns:a16="http://schemas.microsoft.com/office/drawing/2014/main" id="{894A81C8-5862-9539-3964-2A676F3F8228}"/>
-              </a:ext>
-            </a:extLst>
-          </p:cNvPr>
-          <p:cNvPicPr>
-            <a:picLocks noChangeAspect="1"/>
-          </p:cNvPicPr>
-          <p:nvPr/>
-        </p:nvPicPr>
-        <p:blipFill>
-          <a:blip r:embed="rId3" cstate="email">
-            <a:extLst>
-              <a:ext uri="{28A0092B-C50C-407E-A947-70E740481C1C}">
-                <a14:useLocalDpi xmlns:a14="http://schemas.microsoft.com/office/drawing/2010/main"/>
-              </a:ext>
-            </a:extLst>
-          </a:blip>
-          <a:stretch>
-            <a:fillRect/>
-          </a:stretch>
-        </p:blipFill>
-        <p:spPr>
-          <a:xfrm>
-            <a:off x="10749400" y="6239363"/>
-            <a:ext cx="1116784" cy="496968"/>
-          </a:xfrm>
-          <a:prstGeom prst="rect">
-            <a:avLst/>
-          </a:prstGeom>
-        </p:spPr>
-      </p:pic>
-      <p:pic>
-        <p:nvPicPr>
-          <p:cNvPr id="8" name="Picture 2" descr="MERG Logo">
-            <a:extLst>
-              <a:ext uri="{FF2B5EF4-FFF2-40B4-BE49-F238E27FC236}">
-                <a16:creationId xmlns:a16="http://schemas.microsoft.com/office/drawing/2014/main" id="{230449E0-3D54-ACC2-7AE4-F3B4E2A03651}"/>
-              </a:ext>
-            </a:extLst>
-          </p:cNvPr>
-          <p:cNvPicPr>
-            <a:picLocks noChangeAspect="1" noChangeArrowheads="1"/>
-          </p:cNvPicPr>
-          <p:nvPr/>
-        </p:nvPicPr>
-        <p:blipFill>
-          <a:blip r:embed="rId4" cstate="email">
-            <a:extLst>
-              <a:ext uri="{28A0092B-C50C-407E-A947-70E740481C1C}">
-                <a14:useLocalDpi xmlns:a14="http://schemas.microsoft.com/office/drawing/2010/main"/>
-              </a:ext>
-            </a:extLst>
-          </a:blip>
-          <a:srcRect/>
-          <a:stretch>
-            <a:fillRect/>
-          </a:stretch>
-        </p:blipFill>
-        <p:spPr bwMode="auto">
-          <a:xfrm>
-            <a:off x="600015" y="5973864"/>
-            <a:ext cx="1940824" cy="762467"/>
-          </a:xfrm>
-          <a:prstGeom prst="rect">
-            <a:avLst/>
-          </a:prstGeom>
-          <a:noFill/>
-          <a:extLst>
-            <a:ext uri="{909E8E84-426E-40DD-AFC4-6F175D3DCCD1}">
-              <a14:hiddenFill xmlns:a14="http://schemas.microsoft.com/office/drawing/2010/main">
-                <a:solidFill>
-                  <a:srgbClr val="FFFFFF"/>
-                </a:solidFill>
-              </a14:hiddenFill>
-            </a:ext>
-          </a:extLst>
-        </p:spPr>
-      </p:pic>
-      <p:sp>
-        <p:nvSpPr>
-          <p:cNvPr id="2" name="Title 1">
-            <a:extLst>
-              <a:ext uri="{FF2B5EF4-FFF2-40B4-BE49-F238E27FC236}">
-                <a16:creationId xmlns:a16="http://schemas.microsoft.com/office/drawing/2014/main" id="{F80527F8-70C3-1587-7B28-F93F60351A23}"/>
-              </a:ext>
-            </a:extLst>
-          </p:cNvPr>
-          <p:cNvSpPr>
-            <a:spLocks noGrp="1"/>
-          </p:cNvSpPr>
-          <p:nvPr>
-            <p:ph type="ctrTitle"/>
-          </p:nvPr>
-        </p:nvSpPr>
-        <p:spPr/>
-        <p:txBody>
-          <a:bodyPr>
-            <a:normAutofit/>
-          </a:bodyPr>
-          <a:lstStyle/>
-          <a:p>
-            <a:r>
-              <a:rPr lang="en-US" sz="6000" dirty="0">
-                <a:solidFill>
-                  <a:srgbClr val="0070C0"/>
-                </a:solidFill>
-              </a:rPr>
-              <a:t>More Sophisticated</a:t>
-            </a:r>
-            <a:br>
-              <a:rPr lang="en-US" sz="6000" dirty="0">
-                <a:solidFill>
-                  <a:srgbClr val="0070C0"/>
-                </a:solidFill>
-              </a:rPr>
-            </a:br>
-            <a:r>
-              <a:rPr lang="en-US" sz="6000" dirty="0">
-                <a:solidFill>
-                  <a:srgbClr val="0070C0"/>
-                </a:solidFill>
-              </a:rPr>
-              <a:t> I/O Devices</a:t>
-            </a:r>
-            <a:endParaRPr lang="en-US" dirty="0"/>
-          </a:p>
-        </p:txBody>
-      </p:sp>
-      <p:sp>
-        <p:nvSpPr>
-          <p:cNvPr id="3" name="Subtitle 2">
-            <a:extLst>
-              <a:ext uri="{FF2B5EF4-FFF2-40B4-BE49-F238E27FC236}">
-                <a16:creationId xmlns:a16="http://schemas.microsoft.com/office/drawing/2014/main" id="{F0938FF7-6951-369F-F7B8-7A41C65D3D77}"/>
-              </a:ext>
-            </a:extLst>
-          </p:cNvPr>
-          <p:cNvSpPr>
-            <a:spLocks noGrp="1"/>
-          </p:cNvSpPr>
-          <p:nvPr>
-            <p:ph type="subTitle" idx="1"/>
-          </p:nvPr>
-        </p:nvSpPr>
-        <p:spPr>
-          <a:xfrm>
-            <a:off x="1800046" y="4318102"/>
-            <a:ext cx="9144000" cy="1655762"/>
-          </a:xfrm>
-        </p:spPr>
-        <p:txBody>
-          <a:bodyPr/>
-          <a:lstStyle/>
-          <a:p>
-            <a:endParaRPr lang="en-US" dirty="0"/>
-          </a:p>
-        </p:txBody>
-      </p:sp>
-    </p:spTree>
-    <p:extLst>
-      <p:ext uri="{BB962C8B-B14F-4D97-AF65-F5344CB8AC3E}">
-        <p14:creationId xmlns:p14="http://schemas.microsoft.com/office/powerpoint/2010/main" val="2930184188"/>
-      </p:ext>
-    </p:extLst>
-  </p:cSld>
-  <p:clrMapOvr>
-    <a:masterClrMapping/>
-  </p:clrMapOvr>
-</p:sld>
-</file>
-
-<file path=ppt/slides/slide29.xml><?xml version="1.0" encoding="utf-8"?>
-<p:sld xmlns:a="http://schemas.openxmlformats.org/drawingml/2006/main" xmlns:r="http://schemas.openxmlformats.org/officeDocument/2006/relationships" xmlns:p="http://schemas.openxmlformats.org/presentationml/2006/main">
-  <p:cSld>
-    <p:spTree>
-      <p:nvGrpSpPr>
-        <p:cNvPr id="1" name=""/>
-        <p:cNvGrpSpPr/>
-        <p:nvPr/>
-      </p:nvGrpSpPr>
-      <p:grpSpPr>
-        <a:xfrm>
-          <a:off x="0" y="0"/>
-          <a:ext cx="0" cy="0"/>
-          <a:chOff x="0" y="0"/>
-          <a:chExt cx="0" cy="0"/>
-        </a:xfrm>
-      </p:grpSpPr>
-      <p:graphicFrame>
-        <p:nvGraphicFramePr>
-          <p:cNvPr id="7" name="Table 7">
-            <a:extLst>
-              <a:ext uri="{FF2B5EF4-FFF2-40B4-BE49-F238E27FC236}">
-                <a16:creationId xmlns:a16="http://schemas.microsoft.com/office/drawing/2014/main" id="{9B2F03AA-E6B2-4CB4-910F-7DA903FD6ED6}"/>
-              </a:ext>
-            </a:extLst>
-          </p:cNvPr>
-          <p:cNvGraphicFramePr>
-            <a:graphicFrameLocks noGrp="1"/>
-          </p:cNvGraphicFramePr>
-          <p:nvPr>
-            <p:extLst>
-              <p:ext uri="{D42A27DB-BD31-4B8C-83A1-F6EECF244321}">
-                <p14:modId xmlns:p14="http://schemas.microsoft.com/office/powerpoint/2010/main" val="2363452258"/>
-              </p:ext>
-            </p:extLst>
-          </p:nvPr>
-        </p:nvGraphicFramePr>
-        <p:xfrm>
-          <a:off x="415505" y="443875"/>
-          <a:ext cx="11360989" cy="5534887"/>
-        </p:xfrm>
-        <a:graphic>
-          <a:graphicData uri="http://schemas.openxmlformats.org/drawingml/2006/table">
-            <a:tbl>
-              <a:tblPr firstRow="1" bandRow="1">
-                <a:tableStyleId>{5C22544A-7EE6-4342-B048-85BDC9FD1C3A}</a:tableStyleId>
-              </a:tblPr>
-              <a:tblGrid>
-                <a:gridCol w="1130060">
-                  <a:extLst>
-                    <a:ext uri="{9D8B030D-6E8A-4147-A177-3AD203B41FA5}">
-                      <a16:colId xmlns:a16="http://schemas.microsoft.com/office/drawing/2014/main" val="747525499"/>
-                    </a:ext>
-                  </a:extLst>
-                </a:gridCol>
-                <a:gridCol w="5207660">
-                  <a:extLst>
-                    <a:ext uri="{9D8B030D-6E8A-4147-A177-3AD203B41FA5}">
-                      <a16:colId xmlns:a16="http://schemas.microsoft.com/office/drawing/2014/main" val="2892156475"/>
-                    </a:ext>
-                  </a:extLst>
-                </a:gridCol>
-                <a:gridCol w="5023269">
-                  <a:extLst>
-                    <a:ext uri="{9D8B030D-6E8A-4147-A177-3AD203B41FA5}">
-                      <a16:colId xmlns:a16="http://schemas.microsoft.com/office/drawing/2014/main" val="3449804923"/>
-                    </a:ext>
-                  </a:extLst>
-                </a:gridCol>
-              </a:tblGrid>
-              <a:tr h="864856">
-                <a:tc>
-                  <a:txBody>
-                    <a:bodyPr/>
-                    <a:lstStyle/>
-                    <a:p>
-                      <a:r>
-                        <a:rPr lang="en-US" sz="4400" dirty="0"/>
-                        <a:t>14</a:t>
-                      </a:r>
-                    </a:p>
-                  </a:txBody>
-                  <a:tcPr/>
-                </a:tc>
-                <a:tc>
-                  <a:txBody>
-                    <a:bodyPr/>
-                    <a:lstStyle/>
-                    <a:p>
-                      <a:r>
-                        <a:rPr lang="en-US" sz="4400" dirty="0">
-                          <a:solidFill>
-                            <a:srgbClr val="FFFF00"/>
-                          </a:solidFill>
-                        </a:rPr>
-                        <a:t>Addressable LED</a:t>
-                      </a:r>
-                    </a:p>
-                  </a:txBody>
-                  <a:tcPr/>
-                </a:tc>
-                <a:tc>
-                  <a:txBody>
-                    <a:bodyPr/>
-                    <a:lstStyle/>
-                    <a:p>
-                      <a:pPr marL="0" marR="0" lvl="0" indent="0" algn="l" defTabSz="914400" rtl="0" eaLnBrk="1" fontAlgn="auto" latinLnBrk="0" hangingPunct="1">
-                        <a:lnSpc>
-                          <a:spcPct val="100000"/>
-                        </a:lnSpc>
-                        <a:spcBef>
-                          <a:spcPts val="0"/>
-                        </a:spcBef>
-                        <a:spcAft>
-                          <a:spcPts val="0"/>
-                        </a:spcAft>
-                        <a:buClrTx/>
-                        <a:buSzTx/>
-                        <a:buFontTx/>
-                        <a:buNone/>
-                        <a:tabLst/>
-                        <a:defRPr/>
-                      </a:pPr>
-                      <a:r>
-                        <a:rPr lang="en-US" sz="4400" b="1" kern="1200" dirty="0">
-                          <a:solidFill>
-                            <a:schemeClr val="lt1"/>
-                          </a:solidFill>
-                          <a:latin typeface="+mn-lt"/>
-                          <a:ea typeface="+mn-ea"/>
-                          <a:cs typeface="+mn-cs"/>
-                        </a:rPr>
-                        <a:t>Lights with smarts.</a:t>
-                      </a:r>
-                    </a:p>
-                  </a:txBody>
-                  <a:tcPr/>
-                </a:tc>
-                <a:extLst>
-                  <a:ext uri="{0D108BD9-81ED-4DB2-BD59-A6C34878D82A}">
-                    <a16:rowId xmlns:a16="http://schemas.microsoft.com/office/drawing/2014/main" val="4166713368"/>
-                  </a:ext>
-                </a:extLst>
-              </a:tr>
-              <a:tr h="1497173">
-                <a:tc gridSpan="2">
-                  <a:txBody>
-                    <a:bodyPr/>
-                    <a:lstStyle/>
-                    <a:p>
-                      <a:r>
-                        <a:rPr lang="en-US" b="1" dirty="0"/>
-                        <a:t>Usage</a:t>
-                      </a:r>
-                      <a:r>
-                        <a:rPr lang="en-US" dirty="0"/>
-                        <a:t>:</a:t>
-                      </a:r>
-                    </a:p>
-                    <a:p>
-                      <a:r>
-                        <a:rPr lang="en-US" dirty="0"/>
-                        <a:t>A string of LED's where each element can be addressed uniquely. </a:t>
-                      </a:r>
-                    </a:p>
-                    <a:p>
-                      <a:r>
-                        <a:rPr lang="en-US" dirty="0"/>
-                        <a:t>Each light is individually controlled for colour and  brightness.</a:t>
-                      </a:r>
-                    </a:p>
-                    <a:p>
-                      <a:r>
-                        <a:rPr lang="en-US" dirty="0"/>
-                        <a:t>Great for animation effects, control panels.</a:t>
-                      </a:r>
-                    </a:p>
-                  </a:txBody>
-                  <a:tcPr/>
-                </a:tc>
-                <a:tc hMerge="1">
-                  <a:txBody>
-                    <a:bodyPr/>
-                    <a:lstStyle/>
-                    <a:p>
-                      <a:endParaRPr lang="en-US"/>
-                    </a:p>
-                  </a:txBody>
-                  <a:tcPr/>
-                </a:tc>
-                <a:tc>
-                  <a:txBody>
-                    <a:bodyPr/>
-                    <a:lstStyle/>
-                    <a:p>
-                      <a:r>
-                        <a:rPr lang="en-US" b="1" dirty="0"/>
-                        <a:t>Photo</a:t>
-                      </a:r>
-                      <a:r>
-                        <a:rPr lang="en-US" dirty="0"/>
-                        <a:t>:</a:t>
-                      </a:r>
-                    </a:p>
-                    <a:p>
-                      <a:endParaRPr lang="en-US" dirty="0"/>
-                    </a:p>
-                  </a:txBody>
-                  <a:tcPr/>
-                </a:tc>
-                <a:extLst>
-                  <a:ext uri="{0D108BD9-81ED-4DB2-BD59-A6C34878D82A}">
-                    <a16:rowId xmlns:a16="http://schemas.microsoft.com/office/drawing/2014/main" val="1083252038"/>
-                  </a:ext>
-                </a:extLst>
-              </a:tr>
-              <a:tr h="1435498">
-                <a:tc gridSpan="2">
-                  <a:txBody>
-                    <a:bodyPr/>
-                    <a:lstStyle/>
-                    <a:p>
-                      <a:pPr marL="0" marR="0" lvl="0" indent="0" algn="l" defTabSz="914400" rtl="0" eaLnBrk="1" fontAlgn="auto" latinLnBrk="0" hangingPunct="1">
-                        <a:lnSpc>
-                          <a:spcPct val="100000"/>
-                        </a:lnSpc>
-                        <a:spcBef>
-                          <a:spcPts val="0"/>
-                        </a:spcBef>
-                        <a:spcAft>
-                          <a:spcPts val="0"/>
-                        </a:spcAft>
-                        <a:buClrTx/>
-                        <a:buSzTx/>
-                        <a:buFontTx/>
-                        <a:buNone/>
-                        <a:tabLst/>
-                        <a:defRPr/>
-                      </a:pPr>
-                      <a:r>
-                        <a:rPr lang="en-US" b="1" dirty="0"/>
-                        <a:t>How it Works:</a:t>
-                      </a:r>
-                    </a:p>
-                    <a:p>
-                      <a:pPr marL="0" marR="0" lvl="0" indent="0" algn="l" defTabSz="914400" rtl="0" eaLnBrk="1" fontAlgn="auto" latinLnBrk="0" hangingPunct="1">
-                        <a:lnSpc>
-                          <a:spcPct val="100000"/>
-                        </a:lnSpc>
-                        <a:spcBef>
-                          <a:spcPts val="0"/>
-                        </a:spcBef>
-                        <a:spcAft>
-                          <a:spcPts val="0"/>
-                        </a:spcAft>
-                        <a:buClrTx/>
-                        <a:buSzTx/>
-                        <a:buFontTx/>
-                        <a:buNone/>
-                        <a:tabLst/>
-                        <a:defRPr/>
-                      </a:pPr>
-                      <a:r>
-                        <a:rPr lang="en-US" dirty="0"/>
-                        <a:t>Each 'pixel' consists of three LED's (one green, one red, one blue). Additionally a small microprocessor (in each pixel) is listening for commands and passing them on. </a:t>
-                      </a:r>
-                    </a:p>
-                    <a:p>
-                      <a:pPr marL="0" marR="0" lvl="0" indent="0" algn="l" defTabSz="914400" rtl="0" eaLnBrk="1" fontAlgn="auto" latinLnBrk="0" hangingPunct="1">
-                        <a:lnSpc>
-                          <a:spcPct val="100000"/>
-                        </a:lnSpc>
-                        <a:spcBef>
-                          <a:spcPts val="0"/>
-                        </a:spcBef>
-                        <a:spcAft>
-                          <a:spcPts val="0"/>
-                        </a:spcAft>
-                        <a:buClrTx/>
-                        <a:buSzTx/>
-                        <a:buFontTx/>
-                        <a:buNone/>
-                        <a:tabLst/>
-                        <a:defRPr/>
-                      </a:pPr>
-                      <a:r>
-                        <a:rPr lang="en-US" dirty="0"/>
-                        <a:t>Only commands for that pixel are acted on. </a:t>
-                      </a:r>
-                    </a:p>
-                  </a:txBody>
-                  <a:tcPr/>
-                </a:tc>
-                <a:tc hMerge="1">
-                  <a:txBody>
-                    <a:bodyPr/>
-                    <a:lstStyle/>
-                    <a:p>
-                      <a:endParaRPr lang="en-US"/>
-                    </a:p>
-                  </a:txBody>
-                  <a:tcPr/>
-                </a:tc>
-                <a:tc>
-                  <a:txBody>
-                    <a:bodyPr/>
-                    <a:lstStyle/>
-                    <a:p>
-                      <a:pPr marL="0" marR="0" lvl="0" indent="0" algn="l" defTabSz="914400" rtl="0" eaLnBrk="1" fontAlgn="auto" latinLnBrk="0" hangingPunct="1">
-                        <a:lnSpc>
-                          <a:spcPct val="100000"/>
-                        </a:lnSpc>
-                        <a:spcBef>
-                          <a:spcPts val="0"/>
-                        </a:spcBef>
-                        <a:spcAft>
-                          <a:spcPts val="0"/>
-                        </a:spcAft>
-                        <a:buClrTx/>
-                        <a:buSzTx/>
-                        <a:buFontTx/>
-                        <a:buNone/>
-                        <a:tabLst/>
-                        <a:defRPr/>
-                      </a:pPr>
-                      <a:r>
-                        <a:rPr lang="en-US" b="1" dirty="0"/>
-                        <a:t>Pros:</a:t>
-                      </a:r>
-                    </a:p>
-                    <a:p>
-                      <a:pPr marL="285750" marR="0" lvl="0" indent="-285750" algn="l" defTabSz="914400" rtl="0" eaLnBrk="1" fontAlgn="auto" latinLnBrk="0" hangingPunct="1">
-                        <a:lnSpc>
-                          <a:spcPct val="100000"/>
-                        </a:lnSpc>
-                        <a:spcBef>
-                          <a:spcPts val="0"/>
-                        </a:spcBef>
-                        <a:spcAft>
-                          <a:spcPts val="0"/>
-                        </a:spcAft>
-                        <a:buClrTx/>
-                        <a:buSzTx/>
-                        <a:buFont typeface="Arial" panose="020B0604020202020204" pitchFamily="34" charset="0"/>
-                        <a:buChar char="•"/>
-                        <a:tabLst/>
-                        <a:defRPr/>
-                      </a:pPr>
-                      <a:r>
-                        <a:rPr lang="en-US" dirty="0"/>
-                        <a:t>Control a large number of LED’s</a:t>
-                      </a:r>
-                    </a:p>
-                    <a:p>
-                      <a:pPr marL="285750" marR="0" lvl="0" indent="-285750" algn="l" defTabSz="914400" rtl="0" eaLnBrk="1" fontAlgn="auto" latinLnBrk="0" hangingPunct="1">
-                        <a:lnSpc>
-                          <a:spcPct val="100000"/>
-                        </a:lnSpc>
-                        <a:spcBef>
-                          <a:spcPts val="0"/>
-                        </a:spcBef>
-                        <a:spcAft>
-                          <a:spcPts val="0"/>
-                        </a:spcAft>
-                        <a:buClrTx/>
-                        <a:buSzTx/>
-                        <a:buFont typeface="Arial" panose="020B0604020202020204" pitchFamily="34" charset="0"/>
-                        <a:buChar char="•"/>
-                        <a:tabLst/>
-                        <a:defRPr/>
-                      </a:pPr>
-                      <a:r>
-                        <a:rPr lang="en-US" dirty="0"/>
-                        <a:t>Uses only one data pin.</a:t>
-                      </a:r>
-                    </a:p>
-                    <a:p>
-                      <a:pPr marL="285750" marR="0" lvl="0" indent="-285750" algn="l" defTabSz="914400" rtl="0" eaLnBrk="1" fontAlgn="auto" latinLnBrk="0" hangingPunct="1">
-                        <a:lnSpc>
-                          <a:spcPct val="100000"/>
-                        </a:lnSpc>
-                        <a:spcBef>
-                          <a:spcPts val="0"/>
-                        </a:spcBef>
-                        <a:spcAft>
-                          <a:spcPts val="0"/>
-                        </a:spcAft>
-                        <a:buClrTx/>
-                        <a:buSzTx/>
-                        <a:buFont typeface="Arial" panose="020B0604020202020204" pitchFamily="34" charset="0"/>
-                        <a:buChar char="•"/>
-                        <a:tabLst/>
-                        <a:defRPr/>
-                      </a:pPr>
-                      <a:r>
-                        <a:rPr lang="en-US" dirty="0"/>
-                        <a:t>Huge variety of colours and effects are possible. (with software control)</a:t>
-                      </a:r>
-                    </a:p>
-                    <a:p>
-                      <a:pPr marL="285750" marR="0" lvl="0" indent="-285750" algn="l" defTabSz="914400" rtl="0" eaLnBrk="1" fontAlgn="auto" latinLnBrk="0" hangingPunct="1">
-                        <a:lnSpc>
-                          <a:spcPct val="100000"/>
-                        </a:lnSpc>
-                        <a:spcBef>
-                          <a:spcPts val="0"/>
-                        </a:spcBef>
-                        <a:spcAft>
-                          <a:spcPts val="0"/>
-                        </a:spcAft>
-                        <a:buClrTx/>
-                        <a:buSzTx/>
-                        <a:buFont typeface="Arial" panose="020B0604020202020204" pitchFamily="34" charset="0"/>
-                        <a:buChar char="•"/>
-                        <a:tabLst/>
-                        <a:defRPr/>
-                      </a:pPr>
-                      <a:r>
-                        <a:rPr lang="en-US" dirty="0"/>
-                        <a:t>Can be cut across the copper pads at any length.</a:t>
-                      </a:r>
-                    </a:p>
-                  </a:txBody>
-                  <a:tcPr/>
-                </a:tc>
-                <a:extLst>
-                  <a:ext uri="{0D108BD9-81ED-4DB2-BD59-A6C34878D82A}">
-                    <a16:rowId xmlns:a16="http://schemas.microsoft.com/office/drawing/2014/main" val="2494442280"/>
-                  </a:ext>
-                </a:extLst>
-              </a:tr>
-              <a:tr h="1435498">
-                <a:tc gridSpan="2">
-                  <a:txBody>
-                    <a:bodyPr/>
-                    <a:lstStyle/>
-                    <a:p>
-                      <a:r>
-                        <a:rPr lang="en-US" b="1" dirty="0"/>
-                        <a:t>Notes:</a:t>
-                      </a:r>
-                    </a:p>
-                    <a:p>
-                      <a:pPr marL="0" marR="0" lvl="0" indent="0" algn="l" defTabSz="914400" rtl="0" eaLnBrk="1" fontAlgn="auto" latinLnBrk="0" hangingPunct="1">
-                        <a:lnSpc>
-                          <a:spcPct val="100000"/>
-                        </a:lnSpc>
-                        <a:spcBef>
-                          <a:spcPts val="0"/>
-                        </a:spcBef>
-                        <a:spcAft>
-                          <a:spcPts val="0"/>
-                        </a:spcAft>
-                        <a:buClrTx/>
-                        <a:buSzTx/>
-                        <a:buFontTx/>
-                        <a:buNone/>
-                        <a:tabLst/>
-                        <a:defRPr/>
-                      </a:pPr>
-                      <a:r>
-                        <a:rPr lang="en-US" dirty="0"/>
-                        <a:t>Don’t overload the 5 volt regulator on a NANO for example. </a:t>
-                      </a:r>
-                    </a:p>
-                  </a:txBody>
-                  <a:tcPr/>
-                </a:tc>
-                <a:tc hMerge="1">
-                  <a:txBody>
-                    <a:bodyPr/>
-                    <a:lstStyle/>
-                    <a:p>
-                      <a:endParaRPr lang="en-US"/>
-                    </a:p>
-                  </a:txBody>
-                  <a:tcPr/>
-                </a:tc>
-                <a:tc>
-                  <a:txBody>
-                    <a:bodyPr/>
-                    <a:lstStyle/>
-                    <a:p>
-                      <a:endParaRPr lang="en-US" dirty="0"/>
-                    </a:p>
-                  </a:txBody>
-                  <a:tcPr/>
-                </a:tc>
-                <a:extLst>
-                  <a:ext uri="{0D108BD9-81ED-4DB2-BD59-A6C34878D82A}">
-                    <a16:rowId xmlns:a16="http://schemas.microsoft.com/office/drawing/2014/main" val="1235703702"/>
-                  </a:ext>
-                </a:extLst>
-              </a:tr>
-            </a:tbl>
-          </a:graphicData>
-        </a:graphic>
-      </p:graphicFrame>
-      <p:pic>
-        <p:nvPicPr>
-          <p:cNvPr id="3" name="Picture 2">
-            <a:extLst>
-              <a:ext uri="{FF2B5EF4-FFF2-40B4-BE49-F238E27FC236}">
-                <a16:creationId xmlns:a16="http://schemas.microsoft.com/office/drawing/2014/main" id="{F8B87B8D-3F11-4252-A7B2-A0732D53CDE6}"/>
-              </a:ext>
-            </a:extLst>
-          </p:cNvPr>
-          <p:cNvPicPr>
-            <a:picLocks noChangeAspect="1"/>
-          </p:cNvPicPr>
-          <p:nvPr/>
-        </p:nvPicPr>
-        <p:blipFill>
-          <a:blip r:embed="rId2" cstate="email">
-            <a:extLst>
-              <a:ext uri="{28A0092B-C50C-407E-A947-70E740481C1C}">
-                <a14:useLocalDpi xmlns:a14="http://schemas.microsoft.com/office/drawing/2010/main"/>
-              </a:ext>
-            </a:extLst>
-          </a:blip>
-          <a:stretch>
-            <a:fillRect/>
-          </a:stretch>
-        </p:blipFill>
-        <p:spPr>
-          <a:xfrm>
-            <a:off x="6886237" y="1614331"/>
-            <a:ext cx="2006876" cy="1128868"/>
-          </a:xfrm>
-          <a:prstGeom prst="rect">
-            <a:avLst/>
-          </a:prstGeom>
-        </p:spPr>
-      </p:pic>
-      <p:pic>
-        <p:nvPicPr>
-          <p:cNvPr id="5" name="Picture 4">
-            <a:extLst>
-              <a:ext uri="{FF2B5EF4-FFF2-40B4-BE49-F238E27FC236}">
-                <a16:creationId xmlns:a16="http://schemas.microsoft.com/office/drawing/2014/main" id="{DEAB8089-9014-2352-F7AE-EE2A3066EB5F}"/>
-              </a:ext>
-            </a:extLst>
-          </p:cNvPr>
-          <p:cNvPicPr>
-            <a:picLocks noChangeAspect="1"/>
-          </p:cNvPicPr>
-          <p:nvPr/>
-        </p:nvPicPr>
-        <p:blipFill>
-          <a:blip r:embed="rId3" cstate="email">
-            <a:extLst>
-              <a:ext uri="{28A0092B-C50C-407E-A947-70E740481C1C}">
-                <a14:useLocalDpi xmlns:a14="http://schemas.microsoft.com/office/drawing/2010/main"/>
-              </a:ext>
-              <a:ext uri="{837473B0-CC2E-450A-ABE3-18F120FF3D39}">
-                <a1611:picAttrSrcUrl xmlns:a1611="http://schemas.microsoft.com/office/drawing/2016/11/main" r:id="rId4"/>
-              </a:ext>
-            </a:extLst>
-          </a:blip>
-          <a:stretch>
-            <a:fillRect/>
-          </a:stretch>
-        </p:blipFill>
-        <p:spPr>
-          <a:xfrm>
-            <a:off x="6095999" y="4669083"/>
-            <a:ext cx="627617" cy="627617"/>
-          </a:xfrm>
-          <a:prstGeom prst="rect">
-            <a:avLst/>
-          </a:prstGeom>
-        </p:spPr>
-      </p:pic>
-      <p:pic>
-        <p:nvPicPr>
-          <p:cNvPr id="9" name="Picture 8">
-            <a:extLst>
-              <a:ext uri="{FF2B5EF4-FFF2-40B4-BE49-F238E27FC236}">
-                <a16:creationId xmlns:a16="http://schemas.microsoft.com/office/drawing/2014/main" id="{7F9055EF-3842-481A-0DBB-F7EDE3687A85}"/>
-              </a:ext>
-            </a:extLst>
-          </p:cNvPr>
-          <p:cNvPicPr>
-            <a:picLocks noChangeAspect="1"/>
-          </p:cNvPicPr>
-          <p:nvPr/>
-        </p:nvPicPr>
-        <p:blipFill>
-          <a:blip r:embed="rId5" cstate="email">
-            <a:extLst>
-              <a:ext uri="{28A0092B-C50C-407E-A947-70E740481C1C}">
-                <a14:useLocalDpi xmlns:a14="http://schemas.microsoft.com/office/drawing/2010/main"/>
-              </a:ext>
-            </a:extLst>
-          </a:blip>
-          <a:stretch>
-            <a:fillRect/>
-          </a:stretch>
-        </p:blipFill>
-        <p:spPr>
-          <a:xfrm rot="16200000">
-            <a:off x="9789700" y="1043135"/>
-            <a:ext cx="1385747" cy="2014380"/>
-          </a:xfrm>
-          <a:prstGeom prst="rect">
-            <a:avLst/>
-          </a:prstGeom>
-        </p:spPr>
-      </p:pic>
-      <p:sp>
-        <p:nvSpPr>
-          <p:cNvPr id="8" name="Subtitle 2">
-            <a:extLst>
-              <a:ext uri="{FF2B5EF4-FFF2-40B4-BE49-F238E27FC236}">
-                <a16:creationId xmlns:a16="http://schemas.microsoft.com/office/drawing/2014/main" id="{3C998A34-39BB-CA69-7467-3E1CE92A1B2A}"/>
-              </a:ext>
-            </a:extLst>
-          </p:cNvPr>
-          <p:cNvSpPr txBox="1">
-            <a:spLocks/>
-          </p:cNvSpPr>
-          <p:nvPr/>
-        </p:nvSpPr>
-        <p:spPr>
-          <a:xfrm>
-            <a:off x="560718" y="6177560"/>
-            <a:ext cx="1357223" cy="558771"/>
-          </a:xfrm>
-          <a:prstGeom prst="rect">
-            <a:avLst/>
-          </a:prstGeom>
-        </p:spPr>
-        <p:txBody>
-          <a:bodyPr vert="horz" lIns="91440" tIns="45720" rIns="91440" bIns="45720" rtlCol="0">
-            <a:noAutofit/>
-          </a:bodyPr>
-          <a:lstStyle>
-            <a:lvl1pPr marL="0" indent="0" algn="ctr" defTabSz="914400" rtl="0" eaLnBrk="1" latinLnBrk="0" hangingPunct="1">
-              <a:lnSpc>
-                <a:spcPct val="90000"/>
-              </a:lnSpc>
-              <a:spcBef>
-                <a:spcPts val="1000"/>
-              </a:spcBef>
-              <a:buFont typeface="Arial" panose="020B0604020202020204" pitchFamily="34" charset="0"/>
-              <a:buNone/>
-              <a:defRPr sz="2400" kern="1200">
-                <a:solidFill>
-                  <a:schemeClr val="tx1"/>
-                </a:solidFill>
-                <a:latin typeface="+mn-lt"/>
-                <a:ea typeface="+mn-ea"/>
-                <a:cs typeface="+mn-cs"/>
-              </a:defRPr>
-            </a:lvl1pPr>
-            <a:lvl2pPr marL="457200" indent="0" algn="ctr" defTabSz="914400" rtl="0" eaLnBrk="1" latinLnBrk="0" hangingPunct="1">
-              <a:lnSpc>
-                <a:spcPct val="90000"/>
-              </a:lnSpc>
-              <a:spcBef>
-                <a:spcPts val="500"/>
-              </a:spcBef>
-              <a:buFont typeface="Arial" panose="020B0604020202020204" pitchFamily="34" charset="0"/>
-              <a:buNone/>
-              <a:defRPr sz="2000" kern="1200">
-                <a:solidFill>
-                  <a:schemeClr val="tx1"/>
-                </a:solidFill>
-                <a:latin typeface="+mn-lt"/>
-                <a:ea typeface="+mn-ea"/>
-                <a:cs typeface="+mn-cs"/>
-              </a:defRPr>
-            </a:lvl2pPr>
-            <a:lvl3pPr marL="914400" indent="0" algn="ctr" defTabSz="914400" rtl="0" eaLnBrk="1" latinLnBrk="0" hangingPunct="1">
-              <a:lnSpc>
-                <a:spcPct val="90000"/>
-              </a:lnSpc>
-              <a:spcBef>
-                <a:spcPts val="500"/>
-              </a:spcBef>
-              <a:buFont typeface="Arial" panose="020B0604020202020204" pitchFamily="34" charset="0"/>
-              <a:buNone/>
-              <a:defRPr sz="1800" kern="1200">
-                <a:solidFill>
-                  <a:schemeClr val="tx1"/>
-                </a:solidFill>
-                <a:latin typeface="+mn-lt"/>
-                <a:ea typeface="+mn-ea"/>
-                <a:cs typeface="+mn-cs"/>
-              </a:defRPr>
-            </a:lvl3pPr>
-            <a:lvl4pPr marL="1371600" indent="0" algn="ctr" defTabSz="914400" rtl="0" eaLnBrk="1" latinLnBrk="0" hangingPunct="1">
-              <a:lnSpc>
-                <a:spcPct val="90000"/>
-              </a:lnSpc>
-              <a:spcBef>
-                <a:spcPts val="500"/>
-              </a:spcBef>
-              <a:buFont typeface="Arial" panose="020B0604020202020204" pitchFamily="34" charset="0"/>
-              <a:buNone/>
-              <a:defRPr sz="1600" kern="1200">
-                <a:solidFill>
-                  <a:schemeClr val="tx1"/>
-                </a:solidFill>
-                <a:latin typeface="+mn-lt"/>
-                <a:ea typeface="+mn-ea"/>
-                <a:cs typeface="+mn-cs"/>
-              </a:defRPr>
-            </a:lvl4pPr>
-            <a:lvl5pPr marL="1828800" indent="0" algn="ctr" defTabSz="914400" rtl="0" eaLnBrk="1" latinLnBrk="0" hangingPunct="1">
-              <a:lnSpc>
-                <a:spcPct val="90000"/>
-              </a:lnSpc>
-              <a:spcBef>
-                <a:spcPts val="500"/>
-              </a:spcBef>
-              <a:buFont typeface="Arial" panose="020B0604020202020204" pitchFamily="34" charset="0"/>
-              <a:buNone/>
-              <a:defRPr sz="1600" kern="1200">
-                <a:solidFill>
-                  <a:schemeClr val="tx1"/>
-                </a:solidFill>
-                <a:latin typeface="+mn-lt"/>
-                <a:ea typeface="+mn-ea"/>
-                <a:cs typeface="+mn-cs"/>
-              </a:defRPr>
-            </a:lvl5pPr>
-            <a:lvl6pPr marL="2286000" indent="0" algn="ctr" defTabSz="914400" rtl="0" eaLnBrk="1" latinLnBrk="0" hangingPunct="1">
-              <a:lnSpc>
-                <a:spcPct val="90000"/>
-              </a:lnSpc>
-              <a:spcBef>
-                <a:spcPts val="500"/>
-              </a:spcBef>
-              <a:buFont typeface="Arial" panose="020B0604020202020204" pitchFamily="34" charset="0"/>
-              <a:buNone/>
-              <a:defRPr sz="1600" kern="1200">
-                <a:solidFill>
-                  <a:schemeClr val="tx1"/>
-                </a:solidFill>
-                <a:latin typeface="+mn-lt"/>
-                <a:ea typeface="+mn-ea"/>
-                <a:cs typeface="+mn-cs"/>
-              </a:defRPr>
-            </a:lvl6pPr>
-            <a:lvl7pPr marL="2743200" indent="0" algn="ctr" defTabSz="914400" rtl="0" eaLnBrk="1" latinLnBrk="0" hangingPunct="1">
-              <a:lnSpc>
-                <a:spcPct val="90000"/>
-              </a:lnSpc>
-              <a:spcBef>
-                <a:spcPts val="500"/>
-              </a:spcBef>
-              <a:buFont typeface="Arial" panose="020B0604020202020204" pitchFamily="34" charset="0"/>
-              <a:buNone/>
-              <a:defRPr sz="1600" kern="1200">
-                <a:solidFill>
-                  <a:schemeClr val="tx1"/>
-                </a:solidFill>
-                <a:latin typeface="+mn-lt"/>
-                <a:ea typeface="+mn-ea"/>
-                <a:cs typeface="+mn-cs"/>
-              </a:defRPr>
-            </a:lvl7pPr>
-            <a:lvl8pPr marL="3200400" indent="0" algn="ctr" defTabSz="914400" rtl="0" eaLnBrk="1" latinLnBrk="0" hangingPunct="1">
-              <a:lnSpc>
-                <a:spcPct val="90000"/>
-              </a:lnSpc>
-              <a:spcBef>
-                <a:spcPts val="500"/>
-              </a:spcBef>
-              <a:buFont typeface="Arial" panose="020B0604020202020204" pitchFamily="34" charset="0"/>
-              <a:buNone/>
-              <a:defRPr sz="1600" kern="1200">
-                <a:solidFill>
-                  <a:schemeClr val="tx1"/>
-                </a:solidFill>
-                <a:latin typeface="+mn-lt"/>
-                <a:ea typeface="+mn-ea"/>
-                <a:cs typeface="+mn-cs"/>
-              </a:defRPr>
-            </a:lvl8pPr>
-            <a:lvl9pPr marL="3657600" indent="0" algn="ctr" defTabSz="914400" rtl="0" eaLnBrk="1" latinLnBrk="0" hangingPunct="1">
-              <a:lnSpc>
-                <a:spcPct val="90000"/>
-              </a:lnSpc>
-              <a:spcBef>
-                <a:spcPts val="500"/>
-              </a:spcBef>
-              <a:buFont typeface="Arial" panose="020B0604020202020204" pitchFamily="34" charset="0"/>
-              <a:buNone/>
-              <a:defRPr sz="1600" kern="1200">
-                <a:solidFill>
-                  <a:schemeClr val="tx1"/>
-                </a:solidFill>
-                <a:latin typeface="+mn-lt"/>
-                <a:ea typeface="+mn-ea"/>
-                <a:cs typeface="+mn-cs"/>
-              </a:defRPr>
-            </a:lvl9pPr>
-          </a:lstStyle>
-          <a:p>
-            <a:endParaRPr lang="en-US" sz="3200" b="1" dirty="0">
-              <a:solidFill>
-                <a:schemeClr val="accent1">
-                  <a:lumMod val="60000"/>
-                  <a:lumOff val="40000"/>
-                </a:schemeClr>
-              </a:solidFill>
-              <a:latin typeface="MERG_Logo" pitchFamily="2" charset="0"/>
-            </a:endParaRPr>
-          </a:p>
-        </p:txBody>
-      </p:sp>
-      <p:pic>
-        <p:nvPicPr>
-          <p:cNvPr id="10" name="Picture 9">
-            <a:extLst>
-              <a:ext uri="{FF2B5EF4-FFF2-40B4-BE49-F238E27FC236}">
-                <a16:creationId xmlns:a16="http://schemas.microsoft.com/office/drawing/2014/main" id="{5C770488-4FF1-7786-0744-EA3278B37658}"/>
-              </a:ext>
-            </a:extLst>
-          </p:cNvPr>
-          <p:cNvPicPr>
-            <a:picLocks noChangeAspect="1"/>
-          </p:cNvPicPr>
-          <p:nvPr/>
-        </p:nvPicPr>
-        <p:blipFill>
-          <a:blip r:embed="rId6" cstate="email">
-            <a:extLst>
-              <a:ext uri="{28A0092B-C50C-407E-A947-70E740481C1C}">
-                <a14:useLocalDpi xmlns:a14="http://schemas.microsoft.com/office/drawing/2010/main"/>
-              </a:ext>
-            </a:extLst>
-          </a:blip>
-          <a:stretch>
-            <a:fillRect/>
-          </a:stretch>
-        </p:blipFill>
-        <p:spPr>
-          <a:xfrm>
-            <a:off x="10749400" y="6239363"/>
-            <a:ext cx="1116784" cy="496968"/>
-          </a:xfrm>
-          <a:prstGeom prst="rect">
-            <a:avLst/>
-          </a:prstGeom>
-        </p:spPr>
-      </p:pic>
-    </p:spTree>
-    <p:extLst>
-      <p:ext uri="{BB962C8B-B14F-4D97-AF65-F5344CB8AC3E}">
-        <p14:creationId xmlns:p14="http://schemas.microsoft.com/office/powerpoint/2010/main" val="1639978983"/>
       </p:ext>
     </p:extLst>
   </p:cSld>
@@ -25696,6 +26478,1186 @@
           <p:nvPr>
             <p:extLst>
               <p:ext uri="{D42A27DB-BD31-4B8C-83A1-F6EECF244321}">
+                <p14:modId xmlns:p14="http://schemas.microsoft.com/office/powerpoint/2010/main" val="1091462346"/>
+              </p:ext>
+            </p:extLst>
+          </p:nvPr>
+        </p:nvGraphicFramePr>
+        <p:xfrm>
+          <a:off x="414068" y="391004"/>
+          <a:ext cx="11362426" cy="919355"/>
+        </p:xfrm>
+        <a:graphic>
+          <a:graphicData uri="http://schemas.openxmlformats.org/drawingml/2006/table">
+            <a:tbl>
+              <a:tblPr firstRow="1" bandRow="1">
+                <a:tableStyleId>{5C22544A-7EE6-4342-B048-85BDC9FD1C3A}</a:tableStyleId>
+              </a:tblPr>
+              <a:tblGrid>
+                <a:gridCol w="1131497">
+                  <a:extLst>
+                    <a:ext uri="{9D8B030D-6E8A-4147-A177-3AD203B41FA5}">
+                      <a16:colId xmlns:a16="http://schemas.microsoft.com/office/drawing/2014/main" val="747525499"/>
+                    </a:ext>
+                  </a:extLst>
+                </a:gridCol>
+                <a:gridCol w="4682707">
+                  <a:extLst>
+                    <a:ext uri="{9D8B030D-6E8A-4147-A177-3AD203B41FA5}">
+                      <a16:colId xmlns:a16="http://schemas.microsoft.com/office/drawing/2014/main" val="2892156475"/>
+                    </a:ext>
+                  </a:extLst>
+                </a:gridCol>
+                <a:gridCol w="5548222">
+                  <a:extLst>
+                    <a:ext uri="{9D8B030D-6E8A-4147-A177-3AD203B41FA5}">
+                      <a16:colId xmlns:a16="http://schemas.microsoft.com/office/drawing/2014/main" val="3449804923"/>
+                    </a:ext>
+                  </a:extLst>
+                </a:gridCol>
+              </a:tblGrid>
+              <a:tr h="919355">
+                <a:tc>
+                  <a:txBody>
+                    <a:bodyPr/>
+                    <a:lstStyle/>
+                    <a:p>
+                      <a:endParaRPr lang="en-US" sz="4400" dirty="0"/>
+                    </a:p>
+                  </a:txBody>
+                  <a:tcPr/>
+                </a:tc>
+                <a:tc>
+                  <a:txBody>
+                    <a:bodyPr/>
+                    <a:lstStyle/>
+                    <a:p>
+                      <a:r>
+                        <a:rPr lang="en-US" sz="4400" dirty="0">
+                          <a:solidFill>
+                            <a:srgbClr val="FFFF00"/>
+                          </a:solidFill>
+                        </a:rPr>
+                        <a:t>ARDUINO</a:t>
+                      </a:r>
+                    </a:p>
+                  </a:txBody>
+                  <a:tcPr/>
+                </a:tc>
+                <a:tc>
+                  <a:txBody>
+                    <a:bodyPr/>
+                    <a:lstStyle/>
+                    <a:p>
+                      <a:pPr marL="0" marR="0" lvl="0" indent="0" algn="l" defTabSz="914400" rtl="0" eaLnBrk="1" fontAlgn="auto" latinLnBrk="0" hangingPunct="1">
+                        <a:lnSpc>
+                          <a:spcPct val="100000"/>
+                        </a:lnSpc>
+                        <a:spcBef>
+                          <a:spcPts val="0"/>
+                        </a:spcBef>
+                        <a:spcAft>
+                          <a:spcPts val="0"/>
+                        </a:spcAft>
+                        <a:buClrTx/>
+                        <a:buSzTx/>
+                        <a:buFontTx/>
+                        <a:buNone/>
+                        <a:tabLst/>
+                        <a:defRPr/>
+                      </a:pPr>
+                      <a:r>
+                        <a:rPr lang="en-US" sz="4400" dirty="0">
+                          <a:solidFill>
+                            <a:srgbClr val="FFFF00"/>
+                          </a:solidFill>
+                        </a:rPr>
+                        <a:t>I/O</a:t>
+                      </a:r>
+                    </a:p>
+                  </a:txBody>
+                  <a:tcPr/>
+                </a:tc>
+                <a:extLst>
+                  <a:ext uri="{0D108BD9-81ED-4DB2-BD59-A6C34878D82A}">
+                    <a16:rowId xmlns:a16="http://schemas.microsoft.com/office/drawing/2014/main" val="4166713368"/>
+                  </a:ext>
+                </a:extLst>
+              </a:tr>
+            </a:tbl>
+          </a:graphicData>
+        </a:graphic>
+      </p:graphicFrame>
+      <p:pic>
+        <p:nvPicPr>
+          <p:cNvPr id="5" name="Picture 4">
+            <a:extLst>
+              <a:ext uri="{FF2B5EF4-FFF2-40B4-BE49-F238E27FC236}">
+                <a16:creationId xmlns:a16="http://schemas.microsoft.com/office/drawing/2014/main" id="{894A81C8-5862-9539-3964-2A676F3F8228}"/>
+              </a:ext>
+            </a:extLst>
+          </p:cNvPr>
+          <p:cNvPicPr>
+            <a:picLocks noChangeAspect="1"/>
+          </p:cNvPicPr>
+          <p:nvPr/>
+        </p:nvPicPr>
+        <p:blipFill>
+          <a:blip r:embed="rId3" cstate="email">
+            <a:extLst>
+              <a:ext uri="{28A0092B-C50C-407E-A947-70E740481C1C}">
+                <a14:useLocalDpi xmlns:a14="http://schemas.microsoft.com/office/drawing/2010/main"/>
+              </a:ext>
+            </a:extLst>
+          </a:blip>
+          <a:stretch>
+            <a:fillRect/>
+          </a:stretch>
+        </p:blipFill>
+        <p:spPr>
+          <a:xfrm>
+            <a:off x="10749400" y="6239363"/>
+            <a:ext cx="1116784" cy="496968"/>
+          </a:xfrm>
+          <a:prstGeom prst="rect">
+            <a:avLst/>
+          </a:prstGeom>
+        </p:spPr>
+      </p:pic>
+      <p:pic>
+        <p:nvPicPr>
+          <p:cNvPr id="8" name="Picture 2" descr="MERG Logo">
+            <a:extLst>
+              <a:ext uri="{FF2B5EF4-FFF2-40B4-BE49-F238E27FC236}">
+                <a16:creationId xmlns:a16="http://schemas.microsoft.com/office/drawing/2014/main" id="{230449E0-3D54-ACC2-7AE4-F3B4E2A03651}"/>
+              </a:ext>
+            </a:extLst>
+          </p:cNvPr>
+          <p:cNvPicPr>
+            <a:picLocks noChangeAspect="1" noChangeArrowheads="1"/>
+          </p:cNvPicPr>
+          <p:nvPr/>
+        </p:nvPicPr>
+        <p:blipFill>
+          <a:blip r:embed="rId4" cstate="email">
+            <a:extLst>
+              <a:ext uri="{28A0092B-C50C-407E-A947-70E740481C1C}">
+                <a14:useLocalDpi xmlns:a14="http://schemas.microsoft.com/office/drawing/2010/main"/>
+              </a:ext>
+            </a:extLst>
+          </a:blip>
+          <a:srcRect/>
+          <a:stretch>
+            <a:fillRect/>
+          </a:stretch>
+        </p:blipFill>
+        <p:spPr bwMode="auto">
+          <a:xfrm>
+            <a:off x="600015" y="5973864"/>
+            <a:ext cx="1940824" cy="762467"/>
+          </a:xfrm>
+          <a:prstGeom prst="rect">
+            <a:avLst/>
+          </a:prstGeom>
+          <a:noFill/>
+          <a:extLst>
+            <a:ext uri="{909E8E84-426E-40DD-AFC4-6F175D3DCCD1}">
+              <a14:hiddenFill xmlns:a14="http://schemas.microsoft.com/office/drawing/2010/main">
+                <a:solidFill>
+                  <a:srgbClr val="FFFFFF"/>
+                </a:solidFill>
+              </a14:hiddenFill>
+            </a:ext>
+          </a:extLst>
+        </p:spPr>
+      </p:pic>
+      <p:sp>
+        <p:nvSpPr>
+          <p:cNvPr id="2" name="Title 1">
+            <a:extLst>
+              <a:ext uri="{FF2B5EF4-FFF2-40B4-BE49-F238E27FC236}">
+                <a16:creationId xmlns:a16="http://schemas.microsoft.com/office/drawing/2014/main" id="{F80527F8-70C3-1587-7B28-F93F60351A23}"/>
+              </a:ext>
+            </a:extLst>
+          </p:cNvPr>
+          <p:cNvSpPr>
+            <a:spLocks noGrp="1"/>
+          </p:cNvSpPr>
+          <p:nvPr>
+            <p:ph type="ctrTitle"/>
+          </p:nvPr>
+        </p:nvSpPr>
+        <p:spPr/>
+        <p:txBody>
+          <a:bodyPr>
+            <a:normAutofit/>
+          </a:bodyPr>
+          <a:lstStyle/>
+          <a:p>
+            <a:r>
+              <a:rPr lang="en-US" sz="6000" dirty="0">
+                <a:solidFill>
+                  <a:srgbClr val="0070C0"/>
+                </a:solidFill>
+              </a:rPr>
+              <a:t>More Sophisticated</a:t>
+            </a:r>
+            <a:br>
+              <a:rPr lang="en-US" sz="6000" dirty="0">
+                <a:solidFill>
+                  <a:srgbClr val="0070C0"/>
+                </a:solidFill>
+              </a:rPr>
+            </a:br>
+            <a:r>
+              <a:rPr lang="en-US" sz="6000" dirty="0">
+                <a:solidFill>
+                  <a:srgbClr val="0070C0"/>
+                </a:solidFill>
+              </a:rPr>
+              <a:t> I/O Devices</a:t>
+            </a:r>
+            <a:endParaRPr lang="en-US" dirty="0"/>
+          </a:p>
+        </p:txBody>
+      </p:sp>
+      <p:sp>
+        <p:nvSpPr>
+          <p:cNvPr id="3" name="Subtitle 2">
+            <a:extLst>
+              <a:ext uri="{FF2B5EF4-FFF2-40B4-BE49-F238E27FC236}">
+                <a16:creationId xmlns:a16="http://schemas.microsoft.com/office/drawing/2014/main" id="{F0938FF7-6951-369F-F7B8-7A41C65D3D77}"/>
+              </a:ext>
+            </a:extLst>
+          </p:cNvPr>
+          <p:cNvSpPr>
+            <a:spLocks noGrp="1"/>
+          </p:cNvSpPr>
+          <p:nvPr>
+            <p:ph type="subTitle" idx="1"/>
+          </p:nvPr>
+        </p:nvSpPr>
+        <p:spPr>
+          <a:xfrm>
+            <a:off x="1800046" y="4318102"/>
+            <a:ext cx="9144000" cy="1655762"/>
+          </a:xfrm>
+        </p:spPr>
+        <p:txBody>
+          <a:bodyPr/>
+          <a:lstStyle/>
+          <a:p>
+            <a:endParaRPr lang="en-US" dirty="0"/>
+          </a:p>
+        </p:txBody>
+      </p:sp>
+    </p:spTree>
+    <p:extLst>
+      <p:ext uri="{BB962C8B-B14F-4D97-AF65-F5344CB8AC3E}">
+        <p14:creationId xmlns:p14="http://schemas.microsoft.com/office/powerpoint/2010/main" val="2930184188"/>
+      </p:ext>
+    </p:extLst>
+  </p:cSld>
+  <p:clrMapOvr>
+    <a:masterClrMapping/>
+  </p:clrMapOvr>
+</p:sld>
+</file>
+
+<file path=ppt/slides/slide31.xml><?xml version="1.0" encoding="utf-8"?>
+<p:sld xmlns:a="http://schemas.openxmlformats.org/drawingml/2006/main" xmlns:r="http://schemas.openxmlformats.org/officeDocument/2006/relationships" xmlns:p="http://schemas.openxmlformats.org/presentationml/2006/main">
+  <p:cSld>
+    <p:spTree>
+      <p:nvGrpSpPr>
+        <p:cNvPr id="1" name=""/>
+        <p:cNvGrpSpPr/>
+        <p:nvPr/>
+      </p:nvGrpSpPr>
+      <p:grpSpPr>
+        <a:xfrm>
+          <a:off x="0" y="0"/>
+          <a:ext cx="0" cy="0"/>
+          <a:chOff x="0" y="0"/>
+          <a:chExt cx="0" cy="0"/>
+        </a:xfrm>
+      </p:grpSpPr>
+      <p:graphicFrame>
+        <p:nvGraphicFramePr>
+          <p:cNvPr id="7" name="Table 7">
+            <a:extLst>
+              <a:ext uri="{FF2B5EF4-FFF2-40B4-BE49-F238E27FC236}">
+                <a16:creationId xmlns:a16="http://schemas.microsoft.com/office/drawing/2014/main" id="{9B2F03AA-E6B2-4CB4-910F-7DA903FD6ED6}"/>
+              </a:ext>
+            </a:extLst>
+          </p:cNvPr>
+          <p:cNvGraphicFramePr>
+            <a:graphicFrameLocks noGrp="1"/>
+          </p:cNvGraphicFramePr>
+          <p:nvPr>
+            <p:extLst>
+              <p:ext uri="{D42A27DB-BD31-4B8C-83A1-F6EECF244321}">
+                <p14:modId xmlns:p14="http://schemas.microsoft.com/office/powerpoint/2010/main" val="2363452258"/>
+              </p:ext>
+            </p:extLst>
+          </p:nvPr>
+        </p:nvGraphicFramePr>
+        <p:xfrm>
+          <a:off x="415505" y="443875"/>
+          <a:ext cx="11360989" cy="5534887"/>
+        </p:xfrm>
+        <a:graphic>
+          <a:graphicData uri="http://schemas.openxmlformats.org/drawingml/2006/table">
+            <a:tbl>
+              <a:tblPr firstRow="1" bandRow="1">
+                <a:tableStyleId>{5C22544A-7EE6-4342-B048-85BDC9FD1C3A}</a:tableStyleId>
+              </a:tblPr>
+              <a:tblGrid>
+                <a:gridCol w="1130060">
+                  <a:extLst>
+                    <a:ext uri="{9D8B030D-6E8A-4147-A177-3AD203B41FA5}">
+                      <a16:colId xmlns:a16="http://schemas.microsoft.com/office/drawing/2014/main" val="747525499"/>
+                    </a:ext>
+                  </a:extLst>
+                </a:gridCol>
+                <a:gridCol w="5207660">
+                  <a:extLst>
+                    <a:ext uri="{9D8B030D-6E8A-4147-A177-3AD203B41FA5}">
+                      <a16:colId xmlns:a16="http://schemas.microsoft.com/office/drawing/2014/main" val="2892156475"/>
+                    </a:ext>
+                  </a:extLst>
+                </a:gridCol>
+                <a:gridCol w="5023269">
+                  <a:extLst>
+                    <a:ext uri="{9D8B030D-6E8A-4147-A177-3AD203B41FA5}">
+                      <a16:colId xmlns:a16="http://schemas.microsoft.com/office/drawing/2014/main" val="3449804923"/>
+                    </a:ext>
+                  </a:extLst>
+                </a:gridCol>
+              </a:tblGrid>
+              <a:tr h="864856">
+                <a:tc>
+                  <a:txBody>
+                    <a:bodyPr/>
+                    <a:lstStyle/>
+                    <a:p>
+                      <a:r>
+                        <a:rPr lang="en-US" sz="4400" dirty="0"/>
+                        <a:t>14</a:t>
+                      </a:r>
+                    </a:p>
+                  </a:txBody>
+                  <a:tcPr/>
+                </a:tc>
+                <a:tc>
+                  <a:txBody>
+                    <a:bodyPr/>
+                    <a:lstStyle/>
+                    <a:p>
+                      <a:r>
+                        <a:rPr lang="en-US" sz="4400" dirty="0">
+                          <a:solidFill>
+                            <a:srgbClr val="FFFF00"/>
+                          </a:solidFill>
+                        </a:rPr>
+                        <a:t>Addressable LED</a:t>
+                      </a:r>
+                    </a:p>
+                  </a:txBody>
+                  <a:tcPr/>
+                </a:tc>
+                <a:tc>
+                  <a:txBody>
+                    <a:bodyPr/>
+                    <a:lstStyle/>
+                    <a:p>
+                      <a:pPr marL="0" marR="0" lvl="0" indent="0" algn="l" defTabSz="914400" rtl="0" eaLnBrk="1" fontAlgn="auto" latinLnBrk="0" hangingPunct="1">
+                        <a:lnSpc>
+                          <a:spcPct val="100000"/>
+                        </a:lnSpc>
+                        <a:spcBef>
+                          <a:spcPts val="0"/>
+                        </a:spcBef>
+                        <a:spcAft>
+                          <a:spcPts val="0"/>
+                        </a:spcAft>
+                        <a:buClrTx/>
+                        <a:buSzTx/>
+                        <a:buFontTx/>
+                        <a:buNone/>
+                        <a:tabLst/>
+                        <a:defRPr/>
+                      </a:pPr>
+                      <a:r>
+                        <a:rPr lang="en-US" sz="4400" b="1" kern="1200" dirty="0">
+                          <a:solidFill>
+                            <a:schemeClr val="lt1"/>
+                          </a:solidFill>
+                          <a:latin typeface="+mn-lt"/>
+                          <a:ea typeface="+mn-ea"/>
+                          <a:cs typeface="+mn-cs"/>
+                        </a:rPr>
+                        <a:t>Lights with smarts.</a:t>
+                      </a:r>
+                    </a:p>
+                  </a:txBody>
+                  <a:tcPr/>
+                </a:tc>
+                <a:extLst>
+                  <a:ext uri="{0D108BD9-81ED-4DB2-BD59-A6C34878D82A}">
+                    <a16:rowId xmlns:a16="http://schemas.microsoft.com/office/drawing/2014/main" val="4166713368"/>
+                  </a:ext>
+                </a:extLst>
+              </a:tr>
+              <a:tr h="1497173">
+                <a:tc gridSpan="2">
+                  <a:txBody>
+                    <a:bodyPr/>
+                    <a:lstStyle/>
+                    <a:p>
+                      <a:r>
+                        <a:rPr lang="en-US" b="1" dirty="0"/>
+                        <a:t>Usage</a:t>
+                      </a:r>
+                      <a:r>
+                        <a:rPr lang="en-US" dirty="0"/>
+                        <a:t>:</a:t>
+                      </a:r>
+                    </a:p>
+                    <a:p>
+                      <a:r>
+                        <a:rPr lang="en-US" dirty="0"/>
+                        <a:t>A string of LED's where each element can be addressed uniquely. </a:t>
+                      </a:r>
+                    </a:p>
+                    <a:p>
+                      <a:r>
+                        <a:rPr lang="en-US" dirty="0"/>
+                        <a:t>Each light is individually controlled for colour and  brightness.</a:t>
+                      </a:r>
+                    </a:p>
+                    <a:p>
+                      <a:r>
+                        <a:rPr lang="en-US" dirty="0"/>
+                        <a:t>Great for animation effects, control panels.</a:t>
+                      </a:r>
+                    </a:p>
+                  </a:txBody>
+                  <a:tcPr/>
+                </a:tc>
+                <a:tc hMerge="1">
+                  <a:txBody>
+                    <a:bodyPr/>
+                    <a:lstStyle/>
+                    <a:p>
+                      <a:endParaRPr lang="en-US"/>
+                    </a:p>
+                  </a:txBody>
+                  <a:tcPr/>
+                </a:tc>
+                <a:tc>
+                  <a:txBody>
+                    <a:bodyPr/>
+                    <a:lstStyle/>
+                    <a:p>
+                      <a:r>
+                        <a:rPr lang="en-US" b="1" dirty="0"/>
+                        <a:t>Photo</a:t>
+                      </a:r>
+                      <a:r>
+                        <a:rPr lang="en-US" dirty="0"/>
+                        <a:t>:</a:t>
+                      </a:r>
+                    </a:p>
+                    <a:p>
+                      <a:endParaRPr lang="en-US" dirty="0"/>
+                    </a:p>
+                  </a:txBody>
+                  <a:tcPr/>
+                </a:tc>
+                <a:extLst>
+                  <a:ext uri="{0D108BD9-81ED-4DB2-BD59-A6C34878D82A}">
+                    <a16:rowId xmlns:a16="http://schemas.microsoft.com/office/drawing/2014/main" val="1083252038"/>
+                  </a:ext>
+                </a:extLst>
+              </a:tr>
+              <a:tr h="1435498">
+                <a:tc gridSpan="2">
+                  <a:txBody>
+                    <a:bodyPr/>
+                    <a:lstStyle/>
+                    <a:p>
+                      <a:pPr marL="0" marR="0" lvl="0" indent="0" algn="l" defTabSz="914400" rtl="0" eaLnBrk="1" fontAlgn="auto" latinLnBrk="0" hangingPunct="1">
+                        <a:lnSpc>
+                          <a:spcPct val="100000"/>
+                        </a:lnSpc>
+                        <a:spcBef>
+                          <a:spcPts val="0"/>
+                        </a:spcBef>
+                        <a:spcAft>
+                          <a:spcPts val="0"/>
+                        </a:spcAft>
+                        <a:buClrTx/>
+                        <a:buSzTx/>
+                        <a:buFontTx/>
+                        <a:buNone/>
+                        <a:tabLst/>
+                        <a:defRPr/>
+                      </a:pPr>
+                      <a:r>
+                        <a:rPr lang="en-US" b="1" dirty="0"/>
+                        <a:t>How it Works:</a:t>
+                      </a:r>
+                    </a:p>
+                    <a:p>
+                      <a:pPr marL="0" marR="0" lvl="0" indent="0" algn="l" defTabSz="914400" rtl="0" eaLnBrk="1" fontAlgn="auto" latinLnBrk="0" hangingPunct="1">
+                        <a:lnSpc>
+                          <a:spcPct val="100000"/>
+                        </a:lnSpc>
+                        <a:spcBef>
+                          <a:spcPts val="0"/>
+                        </a:spcBef>
+                        <a:spcAft>
+                          <a:spcPts val="0"/>
+                        </a:spcAft>
+                        <a:buClrTx/>
+                        <a:buSzTx/>
+                        <a:buFontTx/>
+                        <a:buNone/>
+                        <a:tabLst/>
+                        <a:defRPr/>
+                      </a:pPr>
+                      <a:r>
+                        <a:rPr lang="en-US" dirty="0"/>
+                        <a:t>Each 'pixel' consists of three LED's (one green, one red, one blue). Additionally a small microprocessor (in each pixel) is listening for commands and passing them on. </a:t>
+                      </a:r>
+                    </a:p>
+                    <a:p>
+                      <a:pPr marL="0" marR="0" lvl="0" indent="0" algn="l" defTabSz="914400" rtl="0" eaLnBrk="1" fontAlgn="auto" latinLnBrk="0" hangingPunct="1">
+                        <a:lnSpc>
+                          <a:spcPct val="100000"/>
+                        </a:lnSpc>
+                        <a:spcBef>
+                          <a:spcPts val="0"/>
+                        </a:spcBef>
+                        <a:spcAft>
+                          <a:spcPts val="0"/>
+                        </a:spcAft>
+                        <a:buClrTx/>
+                        <a:buSzTx/>
+                        <a:buFontTx/>
+                        <a:buNone/>
+                        <a:tabLst/>
+                        <a:defRPr/>
+                      </a:pPr>
+                      <a:r>
+                        <a:rPr lang="en-US" dirty="0"/>
+                        <a:t>Only commands for that pixel are acted on. </a:t>
+                      </a:r>
+                    </a:p>
+                  </a:txBody>
+                  <a:tcPr/>
+                </a:tc>
+                <a:tc hMerge="1">
+                  <a:txBody>
+                    <a:bodyPr/>
+                    <a:lstStyle/>
+                    <a:p>
+                      <a:endParaRPr lang="en-US"/>
+                    </a:p>
+                  </a:txBody>
+                  <a:tcPr/>
+                </a:tc>
+                <a:tc>
+                  <a:txBody>
+                    <a:bodyPr/>
+                    <a:lstStyle/>
+                    <a:p>
+                      <a:pPr marL="0" marR="0" lvl="0" indent="0" algn="l" defTabSz="914400" rtl="0" eaLnBrk="1" fontAlgn="auto" latinLnBrk="0" hangingPunct="1">
+                        <a:lnSpc>
+                          <a:spcPct val="100000"/>
+                        </a:lnSpc>
+                        <a:spcBef>
+                          <a:spcPts val="0"/>
+                        </a:spcBef>
+                        <a:spcAft>
+                          <a:spcPts val="0"/>
+                        </a:spcAft>
+                        <a:buClrTx/>
+                        <a:buSzTx/>
+                        <a:buFontTx/>
+                        <a:buNone/>
+                        <a:tabLst/>
+                        <a:defRPr/>
+                      </a:pPr>
+                      <a:r>
+                        <a:rPr lang="en-US" b="1" dirty="0"/>
+                        <a:t>Pros:</a:t>
+                      </a:r>
+                    </a:p>
+                    <a:p>
+                      <a:pPr marL="285750" marR="0" lvl="0" indent="-285750" algn="l" defTabSz="914400" rtl="0" eaLnBrk="1" fontAlgn="auto" latinLnBrk="0" hangingPunct="1">
+                        <a:lnSpc>
+                          <a:spcPct val="100000"/>
+                        </a:lnSpc>
+                        <a:spcBef>
+                          <a:spcPts val="0"/>
+                        </a:spcBef>
+                        <a:spcAft>
+                          <a:spcPts val="0"/>
+                        </a:spcAft>
+                        <a:buClrTx/>
+                        <a:buSzTx/>
+                        <a:buFont typeface="Arial" panose="020B0604020202020204" pitchFamily="34" charset="0"/>
+                        <a:buChar char="•"/>
+                        <a:tabLst/>
+                        <a:defRPr/>
+                      </a:pPr>
+                      <a:r>
+                        <a:rPr lang="en-US" dirty="0"/>
+                        <a:t>Control a large number of LED’s</a:t>
+                      </a:r>
+                    </a:p>
+                    <a:p>
+                      <a:pPr marL="285750" marR="0" lvl="0" indent="-285750" algn="l" defTabSz="914400" rtl="0" eaLnBrk="1" fontAlgn="auto" latinLnBrk="0" hangingPunct="1">
+                        <a:lnSpc>
+                          <a:spcPct val="100000"/>
+                        </a:lnSpc>
+                        <a:spcBef>
+                          <a:spcPts val="0"/>
+                        </a:spcBef>
+                        <a:spcAft>
+                          <a:spcPts val="0"/>
+                        </a:spcAft>
+                        <a:buClrTx/>
+                        <a:buSzTx/>
+                        <a:buFont typeface="Arial" panose="020B0604020202020204" pitchFamily="34" charset="0"/>
+                        <a:buChar char="•"/>
+                        <a:tabLst/>
+                        <a:defRPr/>
+                      </a:pPr>
+                      <a:r>
+                        <a:rPr lang="en-US" dirty="0"/>
+                        <a:t>Uses only one data pin.</a:t>
+                      </a:r>
+                    </a:p>
+                    <a:p>
+                      <a:pPr marL="285750" marR="0" lvl="0" indent="-285750" algn="l" defTabSz="914400" rtl="0" eaLnBrk="1" fontAlgn="auto" latinLnBrk="0" hangingPunct="1">
+                        <a:lnSpc>
+                          <a:spcPct val="100000"/>
+                        </a:lnSpc>
+                        <a:spcBef>
+                          <a:spcPts val="0"/>
+                        </a:spcBef>
+                        <a:spcAft>
+                          <a:spcPts val="0"/>
+                        </a:spcAft>
+                        <a:buClrTx/>
+                        <a:buSzTx/>
+                        <a:buFont typeface="Arial" panose="020B0604020202020204" pitchFamily="34" charset="0"/>
+                        <a:buChar char="•"/>
+                        <a:tabLst/>
+                        <a:defRPr/>
+                      </a:pPr>
+                      <a:r>
+                        <a:rPr lang="en-US" dirty="0"/>
+                        <a:t>Huge variety of colours and effects are possible. (with software control)</a:t>
+                      </a:r>
+                    </a:p>
+                    <a:p>
+                      <a:pPr marL="285750" marR="0" lvl="0" indent="-285750" algn="l" defTabSz="914400" rtl="0" eaLnBrk="1" fontAlgn="auto" latinLnBrk="0" hangingPunct="1">
+                        <a:lnSpc>
+                          <a:spcPct val="100000"/>
+                        </a:lnSpc>
+                        <a:spcBef>
+                          <a:spcPts val="0"/>
+                        </a:spcBef>
+                        <a:spcAft>
+                          <a:spcPts val="0"/>
+                        </a:spcAft>
+                        <a:buClrTx/>
+                        <a:buSzTx/>
+                        <a:buFont typeface="Arial" panose="020B0604020202020204" pitchFamily="34" charset="0"/>
+                        <a:buChar char="•"/>
+                        <a:tabLst/>
+                        <a:defRPr/>
+                      </a:pPr>
+                      <a:r>
+                        <a:rPr lang="en-US" dirty="0"/>
+                        <a:t>Can be cut across the copper pads at any length.</a:t>
+                      </a:r>
+                    </a:p>
+                  </a:txBody>
+                  <a:tcPr/>
+                </a:tc>
+                <a:extLst>
+                  <a:ext uri="{0D108BD9-81ED-4DB2-BD59-A6C34878D82A}">
+                    <a16:rowId xmlns:a16="http://schemas.microsoft.com/office/drawing/2014/main" val="2494442280"/>
+                  </a:ext>
+                </a:extLst>
+              </a:tr>
+              <a:tr h="1435498">
+                <a:tc gridSpan="2">
+                  <a:txBody>
+                    <a:bodyPr/>
+                    <a:lstStyle/>
+                    <a:p>
+                      <a:r>
+                        <a:rPr lang="en-US" b="1" dirty="0"/>
+                        <a:t>Notes:</a:t>
+                      </a:r>
+                    </a:p>
+                    <a:p>
+                      <a:pPr marL="0" marR="0" lvl="0" indent="0" algn="l" defTabSz="914400" rtl="0" eaLnBrk="1" fontAlgn="auto" latinLnBrk="0" hangingPunct="1">
+                        <a:lnSpc>
+                          <a:spcPct val="100000"/>
+                        </a:lnSpc>
+                        <a:spcBef>
+                          <a:spcPts val="0"/>
+                        </a:spcBef>
+                        <a:spcAft>
+                          <a:spcPts val="0"/>
+                        </a:spcAft>
+                        <a:buClrTx/>
+                        <a:buSzTx/>
+                        <a:buFontTx/>
+                        <a:buNone/>
+                        <a:tabLst/>
+                        <a:defRPr/>
+                      </a:pPr>
+                      <a:r>
+                        <a:rPr lang="en-US" dirty="0"/>
+                        <a:t>Don’t overload the 5 volt regulator on a NANO for example. </a:t>
+                      </a:r>
+                    </a:p>
+                  </a:txBody>
+                  <a:tcPr/>
+                </a:tc>
+                <a:tc hMerge="1">
+                  <a:txBody>
+                    <a:bodyPr/>
+                    <a:lstStyle/>
+                    <a:p>
+                      <a:endParaRPr lang="en-US"/>
+                    </a:p>
+                  </a:txBody>
+                  <a:tcPr/>
+                </a:tc>
+                <a:tc>
+                  <a:txBody>
+                    <a:bodyPr/>
+                    <a:lstStyle/>
+                    <a:p>
+                      <a:endParaRPr lang="en-US" dirty="0"/>
+                    </a:p>
+                  </a:txBody>
+                  <a:tcPr/>
+                </a:tc>
+                <a:extLst>
+                  <a:ext uri="{0D108BD9-81ED-4DB2-BD59-A6C34878D82A}">
+                    <a16:rowId xmlns:a16="http://schemas.microsoft.com/office/drawing/2014/main" val="1235703702"/>
+                  </a:ext>
+                </a:extLst>
+              </a:tr>
+            </a:tbl>
+          </a:graphicData>
+        </a:graphic>
+      </p:graphicFrame>
+      <p:pic>
+        <p:nvPicPr>
+          <p:cNvPr id="3" name="Picture 2">
+            <a:extLst>
+              <a:ext uri="{FF2B5EF4-FFF2-40B4-BE49-F238E27FC236}">
+                <a16:creationId xmlns:a16="http://schemas.microsoft.com/office/drawing/2014/main" id="{F8B87B8D-3F11-4252-A7B2-A0732D53CDE6}"/>
+              </a:ext>
+            </a:extLst>
+          </p:cNvPr>
+          <p:cNvPicPr>
+            <a:picLocks noChangeAspect="1"/>
+          </p:cNvPicPr>
+          <p:nvPr/>
+        </p:nvPicPr>
+        <p:blipFill>
+          <a:blip r:embed="rId2" cstate="email">
+            <a:extLst>
+              <a:ext uri="{28A0092B-C50C-407E-A947-70E740481C1C}">
+                <a14:useLocalDpi xmlns:a14="http://schemas.microsoft.com/office/drawing/2010/main"/>
+              </a:ext>
+            </a:extLst>
+          </a:blip>
+          <a:stretch>
+            <a:fillRect/>
+          </a:stretch>
+        </p:blipFill>
+        <p:spPr>
+          <a:xfrm>
+            <a:off x="6886237" y="1614331"/>
+            <a:ext cx="2006876" cy="1128868"/>
+          </a:xfrm>
+          <a:prstGeom prst="rect">
+            <a:avLst/>
+          </a:prstGeom>
+        </p:spPr>
+      </p:pic>
+      <p:pic>
+        <p:nvPicPr>
+          <p:cNvPr id="5" name="Picture 4">
+            <a:extLst>
+              <a:ext uri="{FF2B5EF4-FFF2-40B4-BE49-F238E27FC236}">
+                <a16:creationId xmlns:a16="http://schemas.microsoft.com/office/drawing/2014/main" id="{DEAB8089-9014-2352-F7AE-EE2A3066EB5F}"/>
+              </a:ext>
+            </a:extLst>
+          </p:cNvPr>
+          <p:cNvPicPr>
+            <a:picLocks noChangeAspect="1"/>
+          </p:cNvPicPr>
+          <p:nvPr/>
+        </p:nvPicPr>
+        <p:blipFill>
+          <a:blip r:embed="rId3" cstate="email">
+            <a:extLst>
+              <a:ext uri="{28A0092B-C50C-407E-A947-70E740481C1C}">
+                <a14:useLocalDpi xmlns:a14="http://schemas.microsoft.com/office/drawing/2010/main"/>
+              </a:ext>
+              <a:ext uri="{837473B0-CC2E-450A-ABE3-18F120FF3D39}">
+                <a1611:picAttrSrcUrl xmlns:a1611="http://schemas.microsoft.com/office/drawing/2016/11/main" r:id="rId4"/>
+              </a:ext>
+            </a:extLst>
+          </a:blip>
+          <a:stretch>
+            <a:fillRect/>
+          </a:stretch>
+        </p:blipFill>
+        <p:spPr>
+          <a:xfrm>
+            <a:off x="6095999" y="4669083"/>
+            <a:ext cx="627617" cy="627617"/>
+          </a:xfrm>
+          <a:prstGeom prst="rect">
+            <a:avLst/>
+          </a:prstGeom>
+        </p:spPr>
+      </p:pic>
+      <p:pic>
+        <p:nvPicPr>
+          <p:cNvPr id="9" name="Picture 8">
+            <a:extLst>
+              <a:ext uri="{FF2B5EF4-FFF2-40B4-BE49-F238E27FC236}">
+                <a16:creationId xmlns:a16="http://schemas.microsoft.com/office/drawing/2014/main" id="{7F9055EF-3842-481A-0DBB-F7EDE3687A85}"/>
+              </a:ext>
+            </a:extLst>
+          </p:cNvPr>
+          <p:cNvPicPr>
+            <a:picLocks noChangeAspect="1"/>
+          </p:cNvPicPr>
+          <p:nvPr/>
+        </p:nvPicPr>
+        <p:blipFill>
+          <a:blip r:embed="rId5" cstate="email">
+            <a:extLst>
+              <a:ext uri="{28A0092B-C50C-407E-A947-70E740481C1C}">
+                <a14:useLocalDpi xmlns:a14="http://schemas.microsoft.com/office/drawing/2010/main"/>
+              </a:ext>
+            </a:extLst>
+          </a:blip>
+          <a:stretch>
+            <a:fillRect/>
+          </a:stretch>
+        </p:blipFill>
+        <p:spPr>
+          <a:xfrm rot="16200000">
+            <a:off x="9789700" y="1043135"/>
+            <a:ext cx="1385747" cy="2014380"/>
+          </a:xfrm>
+          <a:prstGeom prst="rect">
+            <a:avLst/>
+          </a:prstGeom>
+        </p:spPr>
+      </p:pic>
+      <p:sp>
+        <p:nvSpPr>
+          <p:cNvPr id="8" name="Subtitle 2">
+            <a:extLst>
+              <a:ext uri="{FF2B5EF4-FFF2-40B4-BE49-F238E27FC236}">
+                <a16:creationId xmlns:a16="http://schemas.microsoft.com/office/drawing/2014/main" id="{3C998A34-39BB-CA69-7467-3E1CE92A1B2A}"/>
+              </a:ext>
+            </a:extLst>
+          </p:cNvPr>
+          <p:cNvSpPr txBox="1">
+            <a:spLocks/>
+          </p:cNvSpPr>
+          <p:nvPr/>
+        </p:nvSpPr>
+        <p:spPr>
+          <a:xfrm>
+            <a:off x="560718" y="6177560"/>
+            <a:ext cx="1357223" cy="558771"/>
+          </a:xfrm>
+          <a:prstGeom prst="rect">
+            <a:avLst/>
+          </a:prstGeom>
+        </p:spPr>
+        <p:txBody>
+          <a:bodyPr vert="horz" lIns="91440" tIns="45720" rIns="91440" bIns="45720" rtlCol="0">
+            <a:noAutofit/>
+          </a:bodyPr>
+          <a:lstStyle>
+            <a:lvl1pPr marL="0" indent="0" algn="ctr" defTabSz="914400" rtl="0" eaLnBrk="1" latinLnBrk="0" hangingPunct="1">
+              <a:lnSpc>
+                <a:spcPct val="90000"/>
+              </a:lnSpc>
+              <a:spcBef>
+                <a:spcPts val="1000"/>
+              </a:spcBef>
+              <a:buFont typeface="Arial" panose="020B0604020202020204" pitchFamily="34" charset="0"/>
+              <a:buNone/>
+              <a:defRPr sz="2400" kern="1200">
+                <a:solidFill>
+                  <a:schemeClr val="tx1"/>
+                </a:solidFill>
+                <a:latin typeface="+mn-lt"/>
+                <a:ea typeface="+mn-ea"/>
+                <a:cs typeface="+mn-cs"/>
+              </a:defRPr>
+            </a:lvl1pPr>
+            <a:lvl2pPr marL="457200" indent="0" algn="ctr" defTabSz="914400" rtl="0" eaLnBrk="1" latinLnBrk="0" hangingPunct="1">
+              <a:lnSpc>
+                <a:spcPct val="90000"/>
+              </a:lnSpc>
+              <a:spcBef>
+                <a:spcPts val="500"/>
+              </a:spcBef>
+              <a:buFont typeface="Arial" panose="020B0604020202020204" pitchFamily="34" charset="0"/>
+              <a:buNone/>
+              <a:defRPr sz="2000" kern="1200">
+                <a:solidFill>
+                  <a:schemeClr val="tx1"/>
+                </a:solidFill>
+                <a:latin typeface="+mn-lt"/>
+                <a:ea typeface="+mn-ea"/>
+                <a:cs typeface="+mn-cs"/>
+              </a:defRPr>
+            </a:lvl2pPr>
+            <a:lvl3pPr marL="914400" indent="0" algn="ctr" defTabSz="914400" rtl="0" eaLnBrk="1" latinLnBrk="0" hangingPunct="1">
+              <a:lnSpc>
+                <a:spcPct val="90000"/>
+              </a:lnSpc>
+              <a:spcBef>
+                <a:spcPts val="500"/>
+              </a:spcBef>
+              <a:buFont typeface="Arial" panose="020B0604020202020204" pitchFamily="34" charset="0"/>
+              <a:buNone/>
+              <a:defRPr sz="1800" kern="1200">
+                <a:solidFill>
+                  <a:schemeClr val="tx1"/>
+                </a:solidFill>
+                <a:latin typeface="+mn-lt"/>
+                <a:ea typeface="+mn-ea"/>
+                <a:cs typeface="+mn-cs"/>
+              </a:defRPr>
+            </a:lvl3pPr>
+            <a:lvl4pPr marL="1371600" indent="0" algn="ctr" defTabSz="914400" rtl="0" eaLnBrk="1" latinLnBrk="0" hangingPunct="1">
+              <a:lnSpc>
+                <a:spcPct val="90000"/>
+              </a:lnSpc>
+              <a:spcBef>
+                <a:spcPts val="500"/>
+              </a:spcBef>
+              <a:buFont typeface="Arial" panose="020B0604020202020204" pitchFamily="34" charset="0"/>
+              <a:buNone/>
+              <a:defRPr sz="1600" kern="1200">
+                <a:solidFill>
+                  <a:schemeClr val="tx1"/>
+                </a:solidFill>
+                <a:latin typeface="+mn-lt"/>
+                <a:ea typeface="+mn-ea"/>
+                <a:cs typeface="+mn-cs"/>
+              </a:defRPr>
+            </a:lvl4pPr>
+            <a:lvl5pPr marL="1828800" indent="0" algn="ctr" defTabSz="914400" rtl="0" eaLnBrk="1" latinLnBrk="0" hangingPunct="1">
+              <a:lnSpc>
+                <a:spcPct val="90000"/>
+              </a:lnSpc>
+              <a:spcBef>
+                <a:spcPts val="500"/>
+              </a:spcBef>
+              <a:buFont typeface="Arial" panose="020B0604020202020204" pitchFamily="34" charset="0"/>
+              <a:buNone/>
+              <a:defRPr sz="1600" kern="1200">
+                <a:solidFill>
+                  <a:schemeClr val="tx1"/>
+                </a:solidFill>
+                <a:latin typeface="+mn-lt"/>
+                <a:ea typeface="+mn-ea"/>
+                <a:cs typeface="+mn-cs"/>
+              </a:defRPr>
+            </a:lvl5pPr>
+            <a:lvl6pPr marL="2286000" indent="0" algn="ctr" defTabSz="914400" rtl="0" eaLnBrk="1" latinLnBrk="0" hangingPunct="1">
+              <a:lnSpc>
+                <a:spcPct val="90000"/>
+              </a:lnSpc>
+              <a:spcBef>
+                <a:spcPts val="500"/>
+              </a:spcBef>
+              <a:buFont typeface="Arial" panose="020B0604020202020204" pitchFamily="34" charset="0"/>
+              <a:buNone/>
+              <a:defRPr sz="1600" kern="1200">
+                <a:solidFill>
+                  <a:schemeClr val="tx1"/>
+                </a:solidFill>
+                <a:latin typeface="+mn-lt"/>
+                <a:ea typeface="+mn-ea"/>
+                <a:cs typeface="+mn-cs"/>
+              </a:defRPr>
+            </a:lvl6pPr>
+            <a:lvl7pPr marL="2743200" indent="0" algn="ctr" defTabSz="914400" rtl="0" eaLnBrk="1" latinLnBrk="0" hangingPunct="1">
+              <a:lnSpc>
+                <a:spcPct val="90000"/>
+              </a:lnSpc>
+              <a:spcBef>
+                <a:spcPts val="500"/>
+              </a:spcBef>
+              <a:buFont typeface="Arial" panose="020B0604020202020204" pitchFamily="34" charset="0"/>
+              <a:buNone/>
+              <a:defRPr sz="1600" kern="1200">
+                <a:solidFill>
+                  <a:schemeClr val="tx1"/>
+                </a:solidFill>
+                <a:latin typeface="+mn-lt"/>
+                <a:ea typeface="+mn-ea"/>
+                <a:cs typeface="+mn-cs"/>
+              </a:defRPr>
+            </a:lvl7pPr>
+            <a:lvl8pPr marL="3200400" indent="0" algn="ctr" defTabSz="914400" rtl="0" eaLnBrk="1" latinLnBrk="0" hangingPunct="1">
+              <a:lnSpc>
+                <a:spcPct val="90000"/>
+              </a:lnSpc>
+              <a:spcBef>
+                <a:spcPts val="500"/>
+              </a:spcBef>
+              <a:buFont typeface="Arial" panose="020B0604020202020204" pitchFamily="34" charset="0"/>
+              <a:buNone/>
+              <a:defRPr sz="1600" kern="1200">
+                <a:solidFill>
+                  <a:schemeClr val="tx1"/>
+                </a:solidFill>
+                <a:latin typeface="+mn-lt"/>
+                <a:ea typeface="+mn-ea"/>
+                <a:cs typeface="+mn-cs"/>
+              </a:defRPr>
+            </a:lvl8pPr>
+            <a:lvl9pPr marL="3657600" indent="0" algn="ctr" defTabSz="914400" rtl="0" eaLnBrk="1" latinLnBrk="0" hangingPunct="1">
+              <a:lnSpc>
+                <a:spcPct val="90000"/>
+              </a:lnSpc>
+              <a:spcBef>
+                <a:spcPts val="500"/>
+              </a:spcBef>
+              <a:buFont typeface="Arial" panose="020B0604020202020204" pitchFamily="34" charset="0"/>
+              <a:buNone/>
+              <a:defRPr sz="1600" kern="1200">
+                <a:solidFill>
+                  <a:schemeClr val="tx1"/>
+                </a:solidFill>
+                <a:latin typeface="+mn-lt"/>
+                <a:ea typeface="+mn-ea"/>
+                <a:cs typeface="+mn-cs"/>
+              </a:defRPr>
+            </a:lvl9pPr>
+          </a:lstStyle>
+          <a:p>
+            <a:endParaRPr lang="en-US" sz="3200" b="1" dirty="0">
+              <a:solidFill>
+                <a:schemeClr val="accent1">
+                  <a:lumMod val="60000"/>
+                  <a:lumOff val="40000"/>
+                </a:schemeClr>
+              </a:solidFill>
+              <a:latin typeface="MERG_Logo" pitchFamily="2" charset="0"/>
+            </a:endParaRPr>
+          </a:p>
+        </p:txBody>
+      </p:sp>
+      <p:pic>
+        <p:nvPicPr>
+          <p:cNvPr id="10" name="Picture 9">
+            <a:extLst>
+              <a:ext uri="{FF2B5EF4-FFF2-40B4-BE49-F238E27FC236}">
+                <a16:creationId xmlns:a16="http://schemas.microsoft.com/office/drawing/2014/main" id="{5C770488-4FF1-7786-0744-EA3278B37658}"/>
+              </a:ext>
+            </a:extLst>
+          </p:cNvPr>
+          <p:cNvPicPr>
+            <a:picLocks noChangeAspect="1"/>
+          </p:cNvPicPr>
+          <p:nvPr/>
+        </p:nvPicPr>
+        <p:blipFill>
+          <a:blip r:embed="rId6" cstate="email">
+            <a:extLst>
+              <a:ext uri="{28A0092B-C50C-407E-A947-70E740481C1C}">
+                <a14:useLocalDpi xmlns:a14="http://schemas.microsoft.com/office/drawing/2010/main"/>
+              </a:ext>
+            </a:extLst>
+          </a:blip>
+          <a:stretch>
+            <a:fillRect/>
+          </a:stretch>
+        </p:blipFill>
+        <p:spPr>
+          <a:xfrm>
+            <a:off x="10749400" y="6239363"/>
+            <a:ext cx="1116784" cy="496968"/>
+          </a:xfrm>
+          <a:prstGeom prst="rect">
+            <a:avLst/>
+          </a:prstGeom>
+        </p:spPr>
+      </p:pic>
+    </p:spTree>
+    <p:extLst>
+      <p:ext uri="{BB962C8B-B14F-4D97-AF65-F5344CB8AC3E}">
+        <p14:creationId xmlns:p14="http://schemas.microsoft.com/office/powerpoint/2010/main" val="1639978983"/>
+      </p:ext>
+    </p:extLst>
+  </p:cSld>
+  <p:clrMapOvr>
+    <a:masterClrMapping/>
+  </p:clrMapOvr>
+</p:sld>
+</file>
+
+<file path=ppt/slides/slide32.xml><?xml version="1.0" encoding="utf-8"?>
+<p:sld xmlns:a="http://schemas.openxmlformats.org/drawingml/2006/main" xmlns:r="http://schemas.openxmlformats.org/officeDocument/2006/relationships" xmlns:p="http://schemas.openxmlformats.org/presentationml/2006/main">
+  <p:cSld>
+    <p:spTree>
+      <p:nvGrpSpPr>
+        <p:cNvPr id="1" name=""/>
+        <p:cNvGrpSpPr/>
+        <p:nvPr/>
+      </p:nvGrpSpPr>
+      <p:grpSpPr>
+        <a:xfrm>
+          <a:off x="0" y="0"/>
+          <a:ext cx="0" cy="0"/>
+          <a:chOff x="0" y="0"/>
+          <a:chExt cx="0" cy="0"/>
+        </a:xfrm>
+      </p:grpSpPr>
+      <p:graphicFrame>
+        <p:nvGraphicFramePr>
+          <p:cNvPr id="7" name="Table 7">
+            <a:extLst>
+              <a:ext uri="{FF2B5EF4-FFF2-40B4-BE49-F238E27FC236}">
+                <a16:creationId xmlns:a16="http://schemas.microsoft.com/office/drawing/2014/main" id="{9B2F03AA-E6B2-4CB4-910F-7DA903FD6ED6}"/>
+              </a:ext>
+            </a:extLst>
+          </p:cNvPr>
+          <p:cNvGraphicFramePr>
+            <a:graphicFrameLocks noGrp="1"/>
+          </p:cNvGraphicFramePr>
+          <p:nvPr>
+            <p:extLst>
+              <p:ext uri="{D42A27DB-BD31-4B8C-83A1-F6EECF244321}">
                 <p14:modId xmlns:p14="http://schemas.microsoft.com/office/powerpoint/2010/main" val="3932686332"/>
               </p:ext>
             </p:extLst>
@@ -26464,7 +28426,7 @@
 </p:sld>
 </file>
 
-<file path=ppt/slides/slide31.xml><?xml version="1.0" encoding="utf-8"?>
+<file path=ppt/slides/slide33.xml><?xml version="1.0" encoding="utf-8"?>
 <p:sld xmlns:a="http://schemas.openxmlformats.org/drawingml/2006/main" xmlns:r="http://schemas.openxmlformats.org/officeDocument/2006/relationships" xmlns:p="http://schemas.openxmlformats.org/presentationml/2006/main">
   <p:cSld>
     <p:spTree>
@@ -27214,7 +29176,7 @@
 </p:sld>
 </file>
 
-<file path=ppt/slides/slide32.xml><?xml version="1.0" encoding="utf-8"?>
+<file path=ppt/slides/slide34.xml><?xml version="1.0" encoding="utf-8"?>
 <p:sld xmlns:a="http://schemas.openxmlformats.org/drawingml/2006/main" xmlns:r="http://schemas.openxmlformats.org/officeDocument/2006/relationships" xmlns:p="http://schemas.openxmlformats.org/presentationml/2006/main">
   <p:cSld>
     <p:spTree>
@@ -28375,7 +30337,7 @@
 </p:sld>
 </file>
 
-<file path=ppt/slides/slide33.xml><?xml version="1.0" encoding="utf-8"?>
+<file path=ppt/slides/slide35.xml><?xml version="1.0" encoding="utf-8"?>
 <p:sld xmlns:a="http://schemas.openxmlformats.org/drawingml/2006/main" xmlns:r="http://schemas.openxmlformats.org/officeDocument/2006/relationships" xmlns:p="http://schemas.openxmlformats.org/presentationml/2006/main">
   <p:cSld>
     <p:bg>
@@ -28612,7 +30574,7 @@
 </p:sld>
 </file>
 
-<file path=ppt/slides/slide34.xml><?xml version="1.0" encoding="utf-8"?>
+<file path=ppt/slides/slide36.xml><?xml version="1.0" encoding="utf-8"?>
 <p:sld xmlns:a="http://schemas.openxmlformats.org/drawingml/2006/main" xmlns:r="http://schemas.openxmlformats.org/officeDocument/2006/relationships" xmlns:p="http://schemas.openxmlformats.org/presentationml/2006/main">
   <p:cSld>
     <p:spTree>
@@ -29195,7 +31157,7 @@
 </p:sld>
 </file>
 
-<file path=ppt/slides/slide35.xml><?xml version="1.0" encoding="utf-8"?>
+<file path=ppt/slides/slide37.xml><?xml version="1.0" encoding="utf-8"?>
 <p:sld xmlns:a="http://schemas.openxmlformats.org/drawingml/2006/main" xmlns:r="http://schemas.openxmlformats.org/officeDocument/2006/relationships" xmlns:p="http://schemas.openxmlformats.org/presentationml/2006/main">
   <p:cSld>
     <p:spTree>
@@ -29902,7 +31864,7 @@
 </p:sld>
 </file>
 
-<file path=ppt/slides/slide36.xml><?xml version="1.0" encoding="utf-8"?>
+<file path=ppt/slides/slide38.xml><?xml version="1.0" encoding="utf-8"?>
 <p:sld xmlns:a="http://schemas.openxmlformats.org/drawingml/2006/main" xmlns:r="http://schemas.openxmlformats.org/officeDocument/2006/relationships" xmlns:p="http://schemas.openxmlformats.org/presentationml/2006/main">
   <p:cSld>
     <p:spTree>
@@ -31868,7 +33830,7 @@
 </p:sld>
 </file>
 
-<file path=ppt/slides/slide37.xml><?xml version="1.0" encoding="utf-8"?>
+<file path=ppt/slides/slide39.xml><?xml version="1.0" encoding="utf-8"?>
 <p:sld xmlns:a="http://schemas.openxmlformats.org/drawingml/2006/main" xmlns:r="http://schemas.openxmlformats.org/officeDocument/2006/relationships" xmlns:p="http://schemas.openxmlformats.org/presentationml/2006/main">
   <p:cSld>
     <p:spTree>
@@ -32704,1866 +34666,6 @@
     <p:extLst>
       <p:ext uri="{BB962C8B-B14F-4D97-AF65-F5344CB8AC3E}">
         <p14:creationId xmlns:p14="http://schemas.microsoft.com/office/powerpoint/2010/main" val="4103599461"/>
-      </p:ext>
-    </p:extLst>
-  </p:cSld>
-  <p:clrMapOvr>
-    <a:masterClrMapping/>
-  </p:clrMapOvr>
-</p:sld>
-</file>
-
-<file path=ppt/slides/slide38.xml><?xml version="1.0" encoding="utf-8"?>
-<p:sld xmlns:a="http://schemas.openxmlformats.org/drawingml/2006/main" xmlns:r="http://schemas.openxmlformats.org/officeDocument/2006/relationships" xmlns:p="http://schemas.openxmlformats.org/presentationml/2006/main">
-  <p:cSld>
-    <p:spTree>
-      <p:nvGrpSpPr>
-        <p:cNvPr id="1" name=""/>
-        <p:cNvGrpSpPr/>
-        <p:nvPr/>
-      </p:nvGrpSpPr>
-      <p:grpSpPr>
-        <a:xfrm>
-          <a:off x="0" y="0"/>
-          <a:ext cx="0" cy="0"/>
-          <a:chOff x="0" y="0"/>
-          <a:chExt cx="0" cy="0"/>
-        </a:xfrm>
-      </p:grpSpPr>
-      <p:graphicFrame>
-        <p:nvGraphicFramePr>
-          <p:cNvPr id="7" name="Table 7">
-            <a:extLst>
-              <a:ext uri="{FF2B5EF4-FFF2-40B4-BE49-F238E27FC236}">
-                <a16:creationId xmlns:a16="http://schemas.microsoft.com/office/drawing/2014/main" id="{9B2F03AA-E6B2-4CB4-910F-7DA903FD6ED6}"/>
-              </a:ext>
-            </a:extLst>
-          </p:cNvPr>
-          <p:cNvGraphicFramePr>
-            <a:graphicFrameLocks noGrp="1"/>
-          </p:cNvGraphicFramePr>
-          <p:nvPr>
-            <p:extLst>
-              <p:ext uri="{D42A27DB-BD31-4B8C-83A1-F6EECF244321}">
-                <p14:modId xmlns:p14="http://schemas.microsoft.com/office/powerpoint/2010/main" val="647882297"/>
-              </p:ext>
-            </p:extLst>
-          </p:nvPr>
-        </p:nvGraphicFramePr>
-        <p:xfrm>
-          <a:off x="496738" y="274354"/>
-          <a:ext cx="11198524" cy="5729403"/>
-        </p:xfrm>
-        <a:graphic>
-          <a:graphicData uri="http://schemas.openxmlformats.org/drawingml/2006/table">
-            <a:tbl>
-              <a:tblPr firstRow="1" bandRow="1">
-                <a:tableStyleId>{5C22544A-7EE6-4342-B048-85BDC9FD1C3A}</a:tableStyleId>
-              </a:tblPr>
-              <a:tblGrid>
-                <a:gridCol w="967595">
-                  <a:extLst>
-                    <a:ext uri="{9D8B030D-6E8A-4147-A177-3AD203B41FA5}">
-                      <a16:colId xmlns:a16="http://schemas.microsoft.com/office/drawing/2014/main" val="747525499"/>
-                    </a:ext>
-                  </a:extLst>
-                </a:gridCol>
-                <a:gridCol w="3604405">
-                  <a:extLst>
-                    <a:ext uri="{9D8B030D-6E8A-4147-A177-3AD203B41FA5}">
-                      <a16:colId xmlns:a16="http://schemas.microsoft.com/office/drawing/2014/main" val="2892156475"/>
-                    </a:ext>
-                  </a:extLst>
-                </a:gridCol>
-                <a:gridCol w="6626524">
-                  <a:extLst>
-                    <a:ext uri="{9D8B030D-6E8A-4147-A177-3AD203B41FA5}">
-                      <a16:colId xmlns:a16="http://schemas.microsoft.com/office/drawing/2014/main" val="3449804923"/>
-                    </a:ext>
-                  </a:extLst>
-                </a:gridCol>
-              </a:tblGrid>
-              <a:tr h="791643">
-                <a:tc>
-                  <a:txBody>
-                    <a:bodyPr/>
-                    <a:lstStyle/>
-                    <a:p>
-                      <a:endParaRPr lang="en-US" sz="4400" dirty="0"/>
-                    </a:p>
-                  </a:txBody>
-                  <a:tcPr/>
-                </a:tc>
-                <a:tc>
-                  <a:txBody>
-                    <a:bodyPr/>
-                    <a:lstStyle/>
-                    <a:p>
-                      <a:r>
-                        <a:rPr lang="en-US" sz="4400" dirty="0">
-                          <a:solidFill>
-                            <a:srgbClr val="FFFF00"/>
-                          </a:solidFill>
-                        </a:rPr>
-                        <a:t>At a Glance</a:t>
-                      </a:r>
-                    </a:p>
-                  </a:txBody>
-                  <a:tcPr/>
-                </a:tc>
-                <a:tc>
-                  <a:txBody>
-                    <a:bodyPr/>
-                    <a:lstStyle/>
-                    <a:p>
-                      <a:pPr marL="0" marR="0" lvl="0" indent="0" algn="l" defTabSz="914400" rtl="0" eaLnBrk="1" fontAlgn="auto" latinLnBrk="0" hangingPunct="1">
-                        <a:lnSpc>
-                          <a:spcPct val="100000"/>
-                        </a:lnSpc>
-                        <a:spcBef>
-                          <a:spcPts val="0"/>
-                        </a:spcBef>
-                        <a:spcAft>
-                          <a:spcPts val="0"/>
-                        </a:spcAft>
-                        <a:buClrTx/>
-                        <a:buSzTx/>
-                        <a:buFontTx/>
-                        <a:buNone/>
-                        <a:tabLst/>
-                        <a:defRPr/>
-                      </a:pPr>
-                      <a:r>
-                        <a:rPr lang="en-US" sz="4400" b="1" kern="1200" dirty="0">
-                          <a:solidFill>
-                            <a:schemeClr val="lt1"/>
-                          </a:solidFill>
-                          <a:latin typeface="+mn-lt"/>
-                          <a:ea typeface="+mn-ea"/>
-                          <a:cs typeface="+mn-cs"/>
-                        </a:rPr>
-                        <a:t>Arduino Communications</a:t>
-                      </a:r>
-                    </a:p>
-                  </a:txBody>
-                  <a:tcPr/>
-                </a:tc>
-                <a:extLst>
-                  <a:ext uri="{0D108BD9-81ED-4DB2-BD59-A6C34878D82A}">
-                    <a16:rowId xmlns:a16="http://schemas.microsoft.com/office/drawing/2014/main" val="4166713368"/>
-                  </a:ext>
-                </a:extLst>
-              </a:tr>
-              <a:tr h="1215495">
-                <a:tc gridSpan="2">
-                  <a:txBody>
-                    <a:bodyPr/>
-                    <a:lstStyle/>
-                    <a:p>
-                      <a:pPr marL="0" indent="0">
-                        <a:buFont typeface="Arial" panose="020B0604020202020204" pitchFamily="34" charset="0"/>
-                        <a:buNone/>
-                      </a:pPr>
-                      <a:r>
-                        <a:rPr lang="en-US" sz="1800" b="1" i="0" kern="1200" dirty="0">
-                          <a:solidFill>
-                            <a:schemeClr val="dk1"/>
-                          </a:solidFill>
-                          <a:effectLst/>
-                          <a:latin typeface="+mn-lt"/>
-                          <a:ea typeface="+mn-ea"/>
-                          <a:cs typeface="+mn-cs"/>
-                        </a:rPr>
-                        <a:t>Simple Serial</a:t>
-                      </a:r>
-                    </a:p>
-                    <a:p>
-                      <a:pPr marL="285750" indent="-285750">
-                        <a:buFont typeface="Arial" panose="020B0604020202020204" pitchFamily="34" charset="0"/>
-                        <a:buChar char="•"/>
-                      </a:pPr>
-                      <a:r>
-                        <a:rPr lang="en-US" sz="1800" b="0" i="0" kern="1200" dirty="0">
-                          <a:solidFill>
-                            <a:schemeClr val="dk1"/>
-                          </a:solidFill>
-                          <a:effectLst/>
-                          <a:latin typeface="+mn-lt"/>
-                          <a:ea typeface="+mn-ea"/>
-                          <a:cs typeface="+mn-cs"/>
-                        </a:rPr>
-                        <a:t>Asynchronous</a:t>
-                      </a:r>
-                    </a:p>
-                    <a:p>
-                      <a:pPr marL="285750" indent="-285750">
-                        <a:buFont typeface="Arial" panose="020B0604020202020204" pitchFamily="34" charset="0"/>
-                        <a:buChar char="•"/>
-                      </a:pPr>
-                      <a:r>
-                        <a:rPr lang="en-US" sz="1800" b="0" i="0" kern="1200" dirty="0">
-                          <a:solidFill>
-                            <a:schemeClr val="dk1"/>
-                          </a:solidFill>
-                          <a:effectLst/>
-                          <a:latin typeface="+mn-lt"/>
-                          <a:ea typeface="+mn-ea"/>
-                          <a:cs typeface="+mn-cs"/>
-                        </a:rPr>
-                        <a:t>Point to Point</a:t>
-                      </a:r>
-                    </a:p>
-                    <a:p>
-                      <a:pPr marL="285750" indent="-285750">
-                        <a:buFont typeface="Arial" panose="020B0604020202020204" pitchFamily="34" charset="0"/>
-                        <a:buChar char="•"/>
-                      </a:pPr>
-                      <a:r>
-                        <a:rPr lang="en-US" sz="1800" b="0" i="0" kern="1200" dirty="0">
-                          <a:solidFill>
-                            <a:schemeClr val="dk1"/>
-                          </a:solidFill>
-                          <a:effectLst/>
-                          <a:latin typeface="+mn-lt"/>
-                          <a:ea typeface="+mn-ea"/>
-                          <a:cs typeface="+mn-cs"/>
-                        </a:rPr>
-                        <a:t>Slow</a:t>
-                      </a:r>
-                    </a:p>
-                    <a:p>
-                      <a:pPr marL="285750" indent="-285750">
-                        <a:buFont typeface="Arial" panose="020B0604020202020204" pitchFamily="34" charset="0"/>
-                        <a:buChar char="•"/>
-                      </a:pPr>
-                      <a:r>
-                        <a:rPr lang="en-US" sz="1800" b="0" i="0" kern="1200" dirty="0">
-                          <a:solidFill>
-                            <a:schemeClr val="dk1"/>
-                          </a:solidFill>
-                          <a:effectLst/>
-                          <a:latin typeface="+mn-lt"/>
-                          <a:ea typeface="+mn-ea"/>
-                          <a:cs typeface="+mn-cs"/>
-                        </a:rPr>
-                        <a:t>Short distances only</a:t>
-                      </a:r>
-                      <a:endParaRPr lang="en-US" b="0" dirty="0"/>
-                    </a:p>
-                  </a:txBody>
-                  <a:tcPr/>
-                </a:tc>
-                <a:tc hMerge="1">
-                  <a:txBody>
-                    <a:bodyPr/>
-                    <a:lstStyle/>
-                    <a:p>
-                      <a:endParaRPr lang="en-US"/>
-                    </a:p>
-                  </a:txBody>
-                  <a:tcPr/>
-                </a:tc>
-                <a:tc>
-                  <a:txBody>
-                    <a:bodyPr/>
-                    <a:lstStyle/>
-                    <a:p>
-                      <a:pPr marL="0" marR="0" lvl="0" indent="0" algn="l" defTabSz="914400" rtl="0" eaLnBrk="1" fontAlgn="auto" latinLnBrk="0" hangingPunct="1">
-                        <a:lnSpc>
-                          <a:spcPct val="100000"/>
-                        </a:lnSpc>
-                        <a:spcBef>
-                          <a:spcPts val="0"/>
-                        </a:spcBef>
-                        <a:spcAft>
-                          <a:spcPts val="0"/>
-                        </a:spcAft>
-                        <a:buClrTx/>
-                        <a:buSzTx/>
-                        <a:buFontTx/>
-                        <a:buNone/>
-                        <a:tabLst/>
-                        <a:defRPr/>
-                      </a:pPr>
-                      <a:r>
-                        <a:rPr lang="en-US" sz="1800" b="1" i="0" kern="1200" dirty="0">
-                          <a:solidFill>
-                            <a:schemeClr val="dk1"/>
-                          </a:solidFill>
-                          <a:effectLst/>
-                          <a:latin typeface="+mn-lt"/>
-                          <a:ea typeface="+mn-ea"/>
-                          <a:cs typeface="+mn-cs"/>
-                        </a:rPr>
-                        <a:t>RS485</a:t>
-                      </a:r>
-                    </a:p>
-                    <a:p>
-                      <a:pPr marL="285750" indent="-285750">
-                        <a:buFont typeface="Arial" panose="020B0604020202020204" pitchFamily="34" charset="0"/>
-                        <a:buChar char="•"/>
-                      </a:pPr>
-                      <a:r>
-                        <a:rPr lang="en-US" sz="1800" b="0" i="0" kern="1200" dirty="0">
-                          <a:solidFill>
-                            <a:schemeClr val="dk1"/>
-                          </a:solidFill>
-                          <a:effectLst/>
-                          <a:latin typeface="+mn-lt"/>
-                          <a:ea typeface="+mn-ea"/>
-                          <a:cs typeface="+mn-cs"/>
-                        </a:rPr>
-                        <a:t>Asynchronous</a:t>
-                      </a:r>
-                    </a:p>
-                    <a:p>
-                      <a:pPr marL="285750" indent="-285750">
-                        <a:buFont typeface="Arial" panose="020B0604020202020204" pitchFamily="34" charset="0"/>
-                        <a:buChar char="•"/>
-                      </a:pPr>
-                      <a:r>
-                        <a:rPr lang="en-US" sz="1800" b="0" i="0" kern="1200" dirty="0">
-                          <a:solidFill>
-                            <a:schemeClr val="dk1"/>
-                          </a:solidFill>
-                          <a:effectLst/>
-                          <a:latin typeface="+mn-lt"/>
-                          <a:ea typeface="+mn-ea"/>
-                          <a:cs typeface="+mn-cs"/>
-                        </a:rPr>
-                        <a:t>Multidrop</a:t>
-                      </a:r>
-                    </a:p>
-                    <a:p>
-                      <a:pPr marL="285750" indent="-285750">
-                        <a:buFont typeface="Arial" panose="020B0604020202020204" pitchFamily="34" charset="0"/>
-                        <a:buChar char="•"/>
-                      </a:pPr>
-                      <a:r>
-                        <a:rPr lang="en-US" sz="1800" b="0" i="0" kern="1200" dirty="0">
-                          <a:solidFill>
-                            <a:schemeClr val="dk1"/>
-                          </a:solidFill>
-                          <a:effectLst/>
-                          <a:latin typeface="+mn-lt"/>
-                          <a:ea typeface="+mn-ea"/>
-                          <a:cs typeface="+mn-cs"/>
-                        </a:rPr>
-                        <a:t>Relatively Slow (19.2 Kbps)</a:t>
-                      </a:r>
-                    </a:p>
-                    <a:p>
-                      <a:pPr marL="285750" indent="-285750">
-                        <a:buFont typeface="Arial" panose="020B0604020202020204" pitchFamily="34" charset="0"/>
-                        <a:buChar char="•"/>
-                      </a:pPr>
-                      <a:r>
-                        <a:rPr lang="en-US" sz="1800" b="0" i="0" kern="1200" dirty="0">
-                          <a:solidFill>
-                            <a:schemeClr val="dk1"/>
-                          </a:solidFill>
-                          <a:effectLst/>
-                          <a:latin typeface="+mn-lt"/>
-                          <a:ea typeface="+mn-ea"/>
-                          <a:cs typeface="+mn-cs"/>
-                        </a:rPr>
-                        <a:t>Long distances</a:t>
-                      </a:r>
-                    </a:p>
-                    <a:p>
-                      <a:pPr marL="285750" indent="-285750">
-                        <a:buFont typeface="Arial" panose="020B0604020202020204" pitchFamily="34" charset="0"/>
-                        <a:buChar char="•"/>
-                      </a:pPr>
-                      <a:r>
-                        <a:rPr lang="en-US" sz="1800" b="0" i="0" kern="1200" dirty="0">
-                          <a:solidFill>
-                            <a:schemeClr val="dk1"/>
-                          </a:solidFill>
-                          <a:effectLst/>
-                          <a:latin typeface="+mn-lt"/>
-                          <a:ea typeface="+mn-ea"/>
-                          <a:cs typeface="+mn-cs"/>
-                        </a:rPr>
-                        <a:t>Has no specified protocol so this must be created (layered on top)</a:t>
-                      </a:r>
-                      <a:endParaRPr lang="en-US" b="0" dirty="0"/>
-                    </a:p>
-                  </a:txBody>
-                  <a:tcPr/>
-                </a:tc>
-                <a:extLst>
-                  <a:ext uri="{0D108BD9-81ED-4DB2-BD59-A6C34878D82A}">
-                    <a16:rowId xmlns:a16="http://schemas.microsoft.com/office/drawing/2014/main" val="1083252038"/>
-                  </a:ext>
-                </a:extLst>
-              </a:tr>
-              <a:tr h="1109972">
-                <a:tc gridSpan="2">
-                  <a:txBody>
-                    <a:bodyPr/>
-                    <a:lstStyle/>
-                    <a:p>
-                      <a:pPr marL="0" marR="0" lvl="0" indent="0" algn="l" defTabSz="914400" rtl="0" eaLnBrk="1" fontAlgn="auto" latinLnBrk="0" hangingPunct="1">
-                        <a:lnSpc>
-                          <a:spcPct val="100000"/>
-                        </a:lnSpc>
-                        <a:spcBef>
-                          <a:spcPts val="0"/>
-                        </a:spcBef>
-                        <a:spcAft>
-                          <a:spcPts val="0"/>
-                        </a:spcAft>
-                        <a:buClrTx/>
-                        <a:buSzTx/>
-                        <a:buFontTx/>
-                        <a:buNone/>
-                        <a:tabLst/>
-                        <a:defRPr/>
-                      </a:pPr>
-                      <a:r>
-                        <a:rPr lang="en-US" b="1" dirty="0"/>
-                        <a:t>I2C</a:t>
-                      </a:r>
-                    </a:p>
-                    <a:p>
-                      <a:pPr marL="285750" indent="-285750">
-                        <a:buFont typeface="Arial" panose="020B0604020202020204" pitchFamily="34" charset="0"/>
-                        <a:buChar char="•"/>
-                      </a:pPr>
-                      <a:r>
-                        <a:rPr lang="en-US" sz="1800" b="0" i="0" kern="1200" dirty="0">
-                          <a:solidFill>
-                            <a:schemeClr val="dk1"/>
-                          </a:solidFill>
-                          <a:effectLst/>
-                          <a:latin typeface="+mn-lt"/>
-                          <a:ea typeface="+mn-ea"/>
-                          <a:cs typeface="+mn-cs"/>
-                        </a:rPr>
-                        <a:t>Synchronous</a:t>
-                      </a:r>
-                    </a:p>
-                    <a:p>
-                      <a:pPr marL="285750" indent="-285750">
-                        <a:buFont typeface="Arial" panose="020B0604020202020204" pitchFamily="34" charset="0"/>
-                        <a:buChar char="•"/>
-                      </a:pPr>
-                      <a:r>
-                        <a:rPr lang="en-US" sz="1800" b="0" i="0" kern="1200" dirty="0">
-                          <a:solidFill>
-                            <a:schemeClr val="dk1"/>
-                          </a:solidFill>
-                          <a:effectLst/>
-                          <a:latin typeface="+mn-lt"/>
-                          <a:ea typeface="+mn-ea"/>
-                          <a:cs typeface="+mn-cs"/>
-                        </a:rPr>
-                        <a:t>Two bidirectional lines  (data + Clock)</a:t>
-                      </a:r>
-                    </a:p>
-                    <a:p>
-                      <a:pPr marL="285750" indent="-285750">
-                        <a:buFont typeface="Arial" panose="020B0604020202020204" pitchFamily="34" charset="0"/>
-                        <a:buChar char="•"/>
-                      </a:pPr>
-                      <a:r>
-                        <a:rPr lang="en-US" sz="1800" b="0" i="0" kern="1200" dirty="0">
-                          <a:solidFill>
-                            <a:schemeClr val="dk1"/>
-                          </a:solidFill>
-                          <a:effectLst/>
-                          <a:latin typeface="+mn-lt"/>
-                          <a:ea typeface="+mn-ea"/>
-                          <a:cs typeface="+mn-cs"/>
-                        </a:rPr>
-                        <a:t>Multi-drop and Multi-master</a:t>
-                      </a:r>
-                    </a:p>
-                    <a:p>
-                      <a:pPr marL="285750" indent="-285750">
-                        <a:buFont typeface="Arial" panose="020B0604020202020204" pitchFamily="34" charset="0"/>
-                        <a:buChar char="•"/>
-                      </a:pPr>
-                      <a:r>
-                        <a:rPr lang="en-US" sz="1800" b="0" i="0" kern="1200" dirty="0">
-                          <a:solidFill>
-                            <a:schemeClr val="dk1"/>
-                          </a:solidFill>
-                          <a:effectLst/>
-                          <a:latin typeface="+mn-lt"/>
-                          <a:ea typeface="+mn-ea"/>
-                          <a:cs typeface="+mn-cs"/>
-                        </a:rPr>
-                        <a:t>Performant (5Mhz)</a:t>
-                      </a:r>
-                    </a:p>
-                    <a:p>
-                      <a:pPr marL="285750" indent="-285750">
-                        <a:buFont typeface="Arial" panose="020B0604020202020204" pitchFamily="34" charset="0"/>
-                        <a:buChar char="•"/>
-                      </a:pPr>
-                      <a:r>
-                        <a:rPr lang="en-US" sz="1800" b="0" i="0" kern="1200" dirty="0">
-                          <a:solidFill>
-                            <a:schemeClr val="dk1"/>
-                          </a:solidFill>
-                          <a:effectLst/>
-                          <a:latin typeface="+mn-lt"/>
-                          <a:ea typeface="+mn-ea"/>
-                          <a:cs typeface="+mn-cs"/>
-                        </a:rPr>
-                        <a:t>Short to Medium distances</a:t>
-                      </a:r>
-                      <a:endParaRPr lang="en-US" b="0" dirty="0"/>
-                    </a:p>
-                  </a:txBody>
-                  <a:tcPr/>
-                </a:tc>
-                <a:tc hMerge="1">
-                  <a:txBody>
-                    <a:bodyPr/>
-                    <a:lstStyle/>
-                    <a:p>
-                      <a:endParaRPr lang="en-US"/>
-                    </a:p>
-                  </a:txBody>
-                  <a:tcPr/>
-                </a:tc>
-                <a:tc>
-                  <a:txBody>
-                    <a:bodyPr/>
-                    <a:lstStyle/>
-                    <a:p>
-                      <a:pPr marL="0" marR="0" lvl="0" indent="0" algn="l" defTabSz="914400" rtl="0" eaLnBrk="1" fontAlgn="auto" latinLnBrk="0" hangingPunct="1">
-                        <a:lnSpc>
-                          <a:spcPct val="100000"/>
-                        </a:lnSpc>
-                        <a:spcBef>
-                          <a:spcPts val="0"/>
-                        </a:spcBef>
-                        <a:spcAft>
-                          <a:spcPts val="0"/>
-                        </a:spcAft>
-                        <a:buClrTx/>
-                        <a:buSzTx/>
-                        <a:buFontTx/>
-                        <a:buNone/>
-                        <a:tabLst/>
-                        <a:defRPr/>
-                      </a:pPr>
-                      <a:r>
-                        <a:rPr lang="en-US" sz="1800" b="1" i="0" kern="1200" dirty="0">
-                          <a:solidFill>
-                            <a:schemeClr val="dk1"/>
-                          </a:solidFill>
-                          <a:effectLst/>
-                          <a:latin typeface="+mn-lt"/>
-                          <a:ea typeface="+mn-ea"/>
-                          <a:cs typeface="+mn-cs"/>
-                        </a:rPr>
-                        <a:t>CAN</a:t>
-                      </a:r>
-                    </a:p>
-                    <a:p>
-                      <a:pPr marL="285750" indent="-285750">
-                        <a:buFont typeface="Arial" panose="020B0604020202020204" pitchFamily="34" charset="0"/>
-                        <a:buChar char="•"/>
-                      </a:pPr>
-                      <a:r>
-                        <a:rPr lang="en-US" sz="1800" b="0" i="0" kern="1200" dirty="0">
-                          <a:solidFill>
-                            <a:schemeClr val="dk1"/>
-                          </a:solidFill>
-                          <a:effectLst/>
-                          <a:latin typeface="+mn-lt"/>
-                          <a:ea typeface="+mn-ea"/>
-                          <a:cs typeface="+mn-cs"/>
-                        </a:rPr>
-                        <a:t>Multidrop</a:t>
-                      </a:r>
-                    </a:p>
-                    <a:p>
-                      <a:pPr marL="285750" indent="-285750">
-                        <a:buFont typeface="Arial" panose="020B0604020202020204" pitchFamily="34" charset="0"/>
-                        <a:buChar char="•"/>
-                      </a:pPr>
-                      <a:r>
-                        <a:rPr lang="en-US" sz="1800" b="0" i="0" kern="1200" dirty="0">
-                          <a:solidFill>
-                            <a:schemeClr val="dk1"/>
-                          </a:solidFill>
-                          <a:effectLst/>
-                          <a:latin typeface="+mn-lt"/>
-                          <a:ea typeface="+mn-ea"/>
-                          <a:cs typeface="+mn-cs"/>
-                        </a:rPr>
-                        <a:t>Moderately Performant (1Mhz)</a:t>
-                      </a:r>
-                    </a:p>
-                    <a:p>
-                      <a:pPr marL="285750" indent="-285750">
-                        <a:buFont typeface="Arial" panose="020B0604020202020204" pitchFamily="34" charset="0"/>
-                        <a:buChar char="•"/>
-                      </a:pPr>
-                      <a:r>
-                        <a:rPr lang="en-US" sz="1800" b="0" i="0" kern="1200" dirty="0">
-                          <a:solidFill>
-                            <a:schemeClr val="dk1"/>
-                          </a:solidFill>
-                          <a:effectLst/>
-                          <a:latin typeface="+mn-lt"/>
-                          <a:ea typeface="+mn-ea"/>
-                          <a:cs typeface="+mn-cs"/>
-                        </a:rPr>
-                        <a:t>Distance is not a practical issue.</a:t>
-                      </a:r>
-                    </a:p>
-                    <a:p>
-                      <a:pPr marL="285750" indent="-285750">
-                        <a:buFont typeface="Arial" panose="020B0604020202020204" pitchFamily="34" charset="0"/>
-                        <a:buChar char="•"/>
-                      </a:pPr>
-                      <a:r>
-                        <a:rPr lang="en-US" sz="1800" b="0" i="0" kern="1200" dirty="0">
-                          <a:solidFill>
-                            <a:schemeClr val="dk1"/>
-                          </a:solidFill>
-                          <a:effectLst/>
-                          <a:latin typeface="+mn-lt"/>
-                          <a:ea typeface="+mn-ea"/>
-                          <a:cs typeface="+mn-cs"/>
-                        </a:rPr>
-                        <a:t>Used as the Layout Control Bus on many MERG kits.</a:t>
-                      </a:r>
-                      <a:endParaRPr lang="en-US" b="0" dirty="0"/>
-                    </a:p>
-                  </a:txBody>
-                  <a:tcPr/>
-                </a:tc>
-                <a:extLst>
-                  <a:ext uri="{0D108BD9-81ED-4DB2-BD59-A6C34878D82A}">
-                    <a16:rowId xmlns:a16="http://schemas.microsoft.com/office/drawing/2014/main" val="2494442280"/>
-                  </a:ext>
-                </a:extLst>
-              </a:tr>
-              <a:tr h="1025778">
-                <a:tc gridSpan="2">
-                  <a:txBody>
-                    <a:bodyPr/>
-                    <a:lstStyle/>
-                    <a:p>
-                      <a:pPr marL="0" marR="0" lvl="0" indent="0" algn="l" defTabSz="914400" rtl="0" eaLnBrk="1" fontAlgn="auto" latinLnBrk="0" hangingPunct="1">
-                        <a:lnSpc>
-                          <a:spcPct val="100000"/>
-                        </a:lnSpc>
-                        <a:spcBef>
-                          <a:spcPts val="0"/>
-                        </a:spcBef>
-                        <a:spcAft>
-                          <a:spcPts val="0"/>
-                        </a:spcAft>
-                        <a:buClrTx/>
-                        <a:buSzTx/>
-                        <a:buFontTx/>
-                        <a:buNone/>
-                        <a:tabLst/>
-                        <a:defRPr/>
-                      </a:pPr>
-                      <a:r>
-                        <a:rPr lang="en-US" b="1" dirty="0"/>
-                        <a:t>SPI</a:t>
-                      </a:r>
-                    </a:p>
-                    <a:p>
-                      <a:pPr marL="285750" marR="0" lvl="0" indent="-285750" algn="l" defTabSz="914400" rtl="0" eaLnBrk="1" fontAlgn="auto" latinLnBrk="0" hangingPunct="1">
-                        <a:lnSpc>
-                          <a:spcPct val="100000"/>
-                        </a:lnSpc>
-                        <a:spcBef>
-                          <a:spcPts val="0"/>
-                        </a:spcBef>
-                        <a:spcAft>
-                          <a:spcPts val="0"/>
-                        </a:spcAft>
-                        <a:buClrTx/>
-                        <a:buSzTx/>
-                        <a:buFont typeface="Arial" panose="020B0604020202020204" pitchFamily="34" charset="0"/>
-                        <a:buChar char="•"/>
-                        <a:tabLst/>
-                        <a:defRPr/>
-                      </a:pPr>
-                      <a:r>
-                        <a:rPr lang="en-US" sz="1800" b="0" i="0" kern="1200" dirty="0">
-                          <a:solidFill>
-                            <a:schemeClr val="dk1"/>
-                          </a:solidFill>
-                          <a:effectLst/>
-                          <a:latin typeface="+mn-lt"/>
-                          <a:ea typeface="+mn-ea"/>
-                          <a:cs typeface="+mn-cs"/>
-                        </a:rPr>
-                        <a:t>Synchronous (2 Wire + Clock)</a:t>
-                      </a:r>
-                    </a:p>
-                    <a:p>
-                      <a:pPr marL="285750" indent="-285750">
-                        <a:buFont typeface="Arial" panose="020B0604020202020204" pitchFamily="34" charset="0"/>
-                        <a:buChar char="•"/>
-                      </a:pPr>
-                      <a:r>
-                        <a:rPr lang="en-US" sz="1800" b="0" i="0" kern="1200" dirty="0">
-                          <a:solidFill>
-                            <a:schemeClr val="dk1"/>
-                          </a:solidFill>
-                          <a:effectLst/>
-                          <a:latin typeface="+mn-lt"/>
-                          <a:ea typeface="+mn-ea"/>
-                          <a:cs typeface="+mn-cs"/>
-                        </a:rPr>
-                        <a:t>Multi drop (but not multi-master)</a:t>
-                      </a:r>
-                    </a:p>
-                    <a:p>
-                      <a:pPr marL="285750" indent="-285750">
-                        <a:buFont typeface="Arial" panose="020B0604020202020204" pitchFamily="34" charset="0"/>
-                        <a:buChar char="•"/>
-                      </a:pPr>
-                      <a:r>
-                        <a:rPr lang="en-US" sz="1800" b="0" i="0" kern="1200" dirty="0">
-                          <a:solidFill>
-                            <a:schemeClr val="dk1"/>
-                          </a:solidFill>
-                          <a:effectLst/>
-                          <a:latin typeface="+mn-lt"/>
-                          <a:ea typeface="+mn-ea"/>
-                          <a:cs typeface="+mn-cs"/>
-                        </a:rPr>
-                        <a:t>Very Performant</a:t>
-                      </a:r>
-                    </a:p>
-                    <a:p>
-                      <a:pPr marL="285750" indent="-285750">
-                        <a:buFont typeface="Arial" panose="020B0604020202020204" pitchFamily="34" charset="0"/>
-                        <a:buChar char="•"/>
-                      </a:pPr>
-                      <a:r>
-                        <a:rPr lang="en-US" sz="1800" b="0" i="0" kern="1200" dirty="0">
-                          <a:solidFill>
-                            <a:schemeClr val="dk1"/>
-                          </a:solidFill>
-                          <a:effectLst/>
-                          <a:latin typeface="+mn-lt"/>
-                          <a:ea typeface="+mn-ea"/>
-                          <a:cs typeface="+mn-cs"/>
-                        </a:rPr>
-                        <a:t>Short to Medium distances</a:t>
-                      </a:r>
-                      <a:endParaRPr lang="en-US" b="0" dirty="0"/>
-                    </a:p>
-                  </a:txBody>
-                  <a:tcPr/>
-                </a:tc>
-                <a:tc hMerge="1">
-                  <a:txBody>
-                    <a:bodyPr/>
-                    <a:lstStyle/>
-                    <a:p>
-                      <a:endParaRPr lang="en-US"/>
-                    </a:p>
-                  </a:txBody>
-                  <a:tcPr/>
-                </a:tc>
-                <a:tc>
-                  <a:txBody>
-                    <a:bodyPr/>
-                    <a:lstStyle/>
-                    <a:p>
-                      <a:endParaRPr lang="en-US" dirty="0"/>
-                    </a:p>
-                  </a:txBody>
-                  <a:tcPr/>
-                </a:tc>
-                <a:extLst>
-                  <a:ext uri="{0D108BD9-81ED-4DB2-BD59-A6C34878D82A}">
-                    <a16:rowId xmlns:a16="http://schemas.microsoft.com/office/drawing/2014/main" val="1235703702"/>
-                  </a:ext>
-                </a:extLst>
-              </a:tr>
-            </a:tbl>
-          </a:graphicData>
-        </a:graphic>
-      </p:graphicFrame>
-      <p:sp>
-        <p:nvSpPr>
-          <p:cNvPr id="8" name="Subtitle 2">
-            <a:extLst>
-              <a:ext uri="{FF2B5EF4-FFF2-40B4-BE49-F238E27FC236}">
-                <a16:creationId xmlns:a16="http://schemas.microsoft.com/office/drawing/2014/main" id="{7AFF94B5-A049-2183-7DF4-C57A515AC81C}"/>
-              </a:ext>
-            </a:extLst>
-          </p:cNvPr>
-          <p:cNvSpPr txBox="1">
-            <a:spLocks/>
-          </p:cNvSpPr>
-          <p:nvPr/>
-        </p:nvSpPr>
-        <p:spPr>
-          <a:xfrm>
-            <a:off x="560718" y="6177560"/>
-            <a:ext cx="1357223" cy="558771"/>
-          </a:xfrm>
-          <a:prstGeom prst="rect">
-            <a:avLst/>
-          </a:prstGeom>
-        </p:spPr>
-        <p:txBody>
-          <a:bodyPr vert="horz" lIns="91440" tIns="45720" rIns="91440" bIns="45720" rtlCol="0">
-            <a:noAutofit/>
-          </a:bodyPr>
-          <a:lstStyle>
-            <a:lvl1pPr marL="0" indent="0" algn="ctr" defTabSz="914400" rtl="0" eaLnBrk="1" latinLnBrk="0" hangingPunct="1">
-              <a:lnSpc>
-                <a:spcPct val="90000"/>
-              </a:lnSpc>
-              <a:spcBef>
-                <a:spcPts val="1000"/>
-              </a:spcBef>
-              <a:buFont typeface="Arial" panose="020B0604020202020204" pitchFamily="34" charset="0"/>
-              <a:buNone/>
-              <a:defRPr sz="2400" kern="1200">
-                <a:solidFill>
-                  <a:schemeClr val="tx1"/>
-                </a:solidFill>
-                <a:latin typeface="+mn-lt"/>
-                <a:ea typeface="+mn-ea"/>
-                <a:cs typeface="+mn-cs"/>
-              </a:defRPr>
-            </a:lvl1pPr>
-            <a:lvl2pPr marL="457200" indent="0" algn="ctr" defTabSz="914400" rtl="0" eaLnBrk="1" latinLnBrk="0" hangingPunct="1">
-              <a:lnSpc>
-                <a:spcPct val="90000"/>
-              </a:lnSpc>
-              <a:spcBef>
-                <a:spcPts val="500"/>
-              </a:spcBef>
-              <a:buFont typeface="Arial" panose="020B0604020202020204" pitchFamily="34" charset="0"/>
-              <a:buNone/>
-              <a:defRPr sz="2000" kern="1200">
-                <a:solidFill>
-                  <a:schemeClr val="tx1"/>
-                </a:solidFill>
-                <a:latin typeface="+mn-lt"/>
-                <a:ea typeface="+mn-ea"/>
-                <a:cs typeface="+mn-cs"/>
-              </a:defRPr>
-            </a:lvl2pPr>
-            <a:lvl3pPr marL="914400" indent="0" algn="ctr" defTabSz="914400" rtl="0" eaLnBrk="1" latinLnBrk="0" hangingPunct="1">
-              <a:lnSpc>
-                <a:spcPct val="90000"/>
-              </a:lnSpc>
-              <a:spcBef>
-                <a:spcPts val="500"/>
-              </a:spcBef>
-              <a:buFont typeface="Arial" panose="020B0604020202020204" pitchFamily="34" charset="0"/>
-              <a:buNone/>
-              <a:defRPr sz="1800" kern="1200">
-                <a:solidFill>
-                  <a:schemeClr val="tx1"/>
-                </a:solidFill>
-                <a:latin typeface="+mn-lt"/>
-                <a:ea typeface="+mn-ea"/>
-                <a:cs typeface="+mn-cs"/>
-              </a:defRPr>
-            </a:lvl3pPr>
-            <a:lvl4pPr marL="1371600" indent="0" algn="ctr" defTabSz="914400" rtl="0" eaLnBrk="1" latinLnBrk="0" hangingPunct="1">
-              <a:lnSpc>
-                <a:spcPct val="90000"/>
-              </a:lnSpc>
-              <a:spcBef>
-                <a:spcPts val="500"/>
-              </a:spcBef>
-              <a:buFont typeface="Arial" panose="020B0604020202020204" pitchFamily="34" charset="0"/>
-              <a:buNone/>
-              <a:defRPr sz="1600" kern="1200">
-                <a:solidFill>
-                  <a:schemeClr val="tx1"/>
-                </a:solidFill>
-                <a:latin typeface="+mn-lt"/>
-                <a:ea typeface="+mn-ea"/>
-                <a:cs typeface="+mn-cs"/>
-              </a:defRPr>
-            </a:lvl4pPr>
-            <a:lvl5pPr marL="1828800" indent="0" algn="ctr" defTabSz="914400" rtl="0" eaLnBrk="1" latinLnBrk="0" hangingPunct="1">
-              <a:lnSpc>
-                <a:spcPct val="90000"/>
-              </a:lnSpc>
-              <a:spcBef>
-                <a:spcPts val="500"/>
-              </a:spcBef>
-              <a:buFont typeface="Arial" panose="020B0604020202020204" pitchFamily="34" charset="0"/>
-              <a:buNone/>
-              <a:defRPr sz="1600" kern="1200">
-                <a:solidFill>
-                  <a:schemeClr val="tx1"/>
-                </a:solidFill>
-                <a:latin typeface="+mn-lt"/>
-                <a:ea typeface="+mn-ea"/>
-                <a:cs typeface="+mn-cs"/>
-              </a:defRPr>
-            </a:lvl5pPr>
-            <a:lvl6pPr marL="2286000" indent="0" algn="ctr" defTabSz="914400" rtl="0" eaLnBrk="1" latinLnBrk="0" hangingPunct="1">
-              <a:lnSpc>
-                <a:spcPct val="90000"/>
-              </a:lnSpc>
-              <a:spcBef>
-                <a:spcPts val="500"/>
-              </a:spcBef>
-              <a:buFont typeface="Arial" panose="020B0604020202020204" pitchFamily="34" charset="0"/>
-              <a:buNone/>
-              <a:defRPr sz="1600" kern="1200">
-                <a:solidFill>
-                  <a:schemeClr val="tx1"/>
-                </a:solidFill>
-                <a:latin typeface="+mn-lt"/>
-                <a:ea typeface="+mn-ea"/>
-                <a:cs typeface="+mn-cs"/>
-              </a:defRPr>
-            </a:lvl6pPr>
-            <a:lvl7pPr marL="2743200" indent="0" algn="ctr" defTabSz="914400" rtl="0" eaLnBrk="1" latinLnBrk="0" hangingPunct="1">
-              <a:lnSpc>
-                <a:spcPct val="90000"/>
-              </a:lnSpc>
-              <a:spcBef>
-                <a:spcPts val="500"/>
-              </a:spcBef>
-              <a:buFont typeface="Arial" panose="020B0604020202020204" pitchFamily="34" charset="0"/>
-              <a:buNone/>
-              <a:defRPr sz="1600" kern="1200">
-                <a:solidFill>
-                  <a:schemeClr val="tx1"/>
-                </a:solidFill>
-                <a:latin typeface="+mn-lt"/>
-                <a:ea typeface="+mn-ea"/>
-                <a:cs typeface="+mn-cs"/>
-              </a:defRPr>
-            </a:lvl7pPr>
-            <a:lvl8pPr marL="3200400" indent="0" algn="ctr" defTabSz="914400" rtl="0" eaLnBrk="1" latinLnBrk="0" hangingPunct="1">
-              <a:lnSpc>
-                <a:spcPct val="90000"/>
-              </a:lnSpc>
-              <a:spcBef>
-                <a:spcPts val="500"/>
-              </a:spcBef>
-              <a:buFont typeface="Arial" panose="020B0604020202020204" pitchFamily="34" charset="0"/>
-              <a:buNone/>
-              <a:defRPr sz="1600" kern="1200">
-                <a:solidFill>
-                  <a:schemeClr val="tx1"/>
-                </a:solidFill>
-                <a:latin typeface="+mn-lt"/>
-                <a:ea typeface="+mn-ea"/>
-                <a:cs typeface="+mn-cs"/>
-              </a:defRPr>
-            </a:lvl8pPr>
-            <a:lvl9pPr marL="3657600" indent="0" algn="ctr" defTabSz="914400" rtl="0" eaLnBrk="1" latinLnBrk="0" hangingPunct="1">
-              <a:lnSpc>
-                <a:spcPct val="90000"/>
-              </a:lnSpc>
-              <a:spcBef>
-                <a:spcPts val="500"/>
-              </a:spcBef>
-              <a:buFont typeface="Arial" panose="020B0604020202020204" pitchFamily="34" charset="0"/>
-              <a:buNone/>
-              <a:defRPr sz="1600" kern="1200">
-                <a:solidFill>
-                  <a:schemeClr val="tx1"/>
-                </a:solidFill>
-                <a:latin typeface="+mn-lt"/>
-                <a:ea typeface="+mn-ea"/>
-                <a:cs typeface="+mn-cs"/>
-              </a:defRPr>
-            </a:lvl9pPr>
-          </a:lstStyle>
-          <a:p>
-            <a:endParaRPr lang="en-US" sz="3200" b="1" dirty="0">
-              <a:solidFill>
-                <a:schemeClr val="accent1">
-                  <a:lumMod val="60000"/>
-                  <a:lumOff val="40000"/>
-                </a:schemeClr>
-              </a:solidFill>
-              <a:latin typeface="MERG_Logo" pitchFamily="2" charset="0"/>
-            </a:endParaRPr>
-          </a:p>
-        </p:txBody>
-      </p:sp>
-      <p:pic>
-        <p:nvPicPr>
-          <p:cNvPr id="9" name="Picture 8">
-            <a:extLst>
-              <a:ext uri="{FF2B5EF4-FFF2-40B4-BE49-F238E27FC236}">
-                <a16:creationId xmlns:a16="http://schemas.microsoft.com/office/drawing/2014/main" id="{8BDECE6B-87DF-5CB2-739B-0063A17FCC98}"/>
-              </a:ext>
-            </a:extLst>
-          </p:cNvPr>
-          <p:cNvPicPr>
-            <a:picLocks noChangeAspect="1"/>
-          </p:cNvPicPr>
-          <p:nvPr/>
-        </p:nvPicPr>
-        <p:blipFill>
-          <a:blip r:embed="rId2" cstate="email">
-            <a:extLst>
-              <a:ext uri="{28A0092B-C50C-407E-A947-70E740481C1C}">
-                <a14:useLocalDpi xmlns:a14="http://schemas.microsoft.com/office/drawing/2010/main"/>
-              </a:ext>
-            </a:extLst>
-          </a:blip>
-          <a:stretch>
-            <a:fillRect/>
-          </a:stretch>
-        </p:blipFill>
-        <p:spPr>
-          <a:xfrm>
-            <a:off x="10749400" y="6239363"/>
-            <a:ext cx="1116784" cy="496968"/>
-          </a:xfrm>
-          <a:prstGeom prst="rect">
-            <a:avLst/>
-          </a:prstGeom>
-        </p:spPr>
-      </p:pic>
-      <p:sp>
-        <p:nvSpPr>
-          <p:cNvPr id="2" name="TextBox 1">
-            <a:extLst>
-              <a:ext uri="{FF2B5EF4-FFF2-40B4-BE49-F238E27FC236}">
-                <a16:creationId xmlns:a16="http://schemas.microsoft.com/office/drawing/2014/main" id="{9AD0A64A-E3CF-1BFC-3C44-92607AC42E14}"/>
-              </a:ext>
-            </a:extLst>
-          </p:cNvPr>
-          <p:cNvSpPr txBox="1"/>
-          <p:nvPr/>
-        </p:nvSpPr>
-        <p:spPr>
-          <a:xfrm>
-            <a:off x="685800" y="6060426"/>
-            <a:ext cx="11090694" cy="523220"/>
-          </a:xfrm>
-          <a:prstGeom prst="rect">
-            <a:avLst/>
-          </a:prstGeom>
-          <a:noFill/>
-        </p:spPr>
-        <p:txBody>
-          <a:bodyPr wrap="square" rtlCol="0">
-            <a:spAutoFit/>
-          </a:bodyPr>
-          <a:lstStyle/>
-          <a:p>
-            <a:r>
-              <a:rPr lang="en-US" sz="1400" dirty="0"/>
-              <a:t>Some material on this and the following slides was extracted with permission from a forum posting by </a:t>
-            </a:r>
-            <a:r>
-              <a:rPr lang="en-US" sz="1400" dirty="0" err="1"/>
-              <a:t>ElectricDave</a:t>
-            </a:r>
-            <a:r>
-              <a:rPr lang="en-US" sz="1400" dirty="0"/>
-              <a:t>:</a:t>
-            </a:r>
-          </a:p>
-          <a:p>
-            <a:r>
-              <a:rPr lang="en-US" sz="1400" dirty="0">
-                <a:hlinkClick r:id="rId3"/>
-              </a:rPr>
-              <a:t>https://www.merg.org.uk/forum/viewtopic.php?p=172961#p172961</a:t>
-            </a:r>
-            <a:endParaRPr lang="en-US" sz="1400" dirty="0"/>
-          </a:p>
-        </p:txBody>
-      </p:sp>
-    </p:spTree>
-    <p:extLst>
-      <p:ext uri="{BB962C8B-B14F-4D97-AF65-F5344CB8AC3E}">
-        <p14:creationId xmlns:p14="http://schemas.microsoft.com/office/powerpoint/2010/main" val="4158339450"/>
-      </p:ext>
-    </p:extLst>
-  </p:cSld>
-  <p:clrMapOvr>
-    <a:masterClrMapping/>
-  </p:clrMapOvr>
-</p:sld>
-</file>
-
-<file path=ppt/slides/slide39.xml><?xml version="1.0" encoding="utf-8"?>
-<p:sld xmlns:a="http://schemas.openxmlformats.org/drawingml/2006/main" xmlns:r="http://schemas.openxmlformats.org/officeDocument/2006/relationships" xmlns:p="http://schemas.openxmlformats.org/presentationml/2006/main">
-  <p:cSld>
-    <p:spTree>
-      <p:nvGrpSpPr>
-        <p:cNvPr id="1" name=""/>
-        <p:cNvGrpSpPr/>
-        <p:nvPr/>
-      </p:nvGrpSpPr>
-      <p:grpSpPr>
-        <a:xfrm>
-          <a:off x="0" y="0"/>
-          <a:ext cx="0" cy="0"/>
-          <a:chOff x="0" y="0"/>
-          <a:chExt cx="0" cy="0"/>
-        </a:xfrm>
-      </p:grpSpPr>
-      <p:graphicFrame>
-        <p:nvGraphicFramePr>
-          <p:cNvPr id="7" name="Table 7">
-            <a:extLst>
-              <a:ext uri="{FF2B5EF4-FFF2-40B4-BE49-F238E27FC236}">
-                <a16:creationId xmlns:a16="http://schemas.microsoft.com/office/drawing/2014/main" id="{9B2F03AA-E6B2-4CB4-910F-7DA903FD6ED6}"/>
-              </a:ext>
-            </a:extLst>
-          </p:cNvPr>
-          <p:cNvGraphicFramePr>
-            <a:graphicFrameLocks noGrp="1"/>
-          </p:cNvGraphicFramePr>
-          <p:nvPr>
-            <p:extLst>
-              <p:ext uri="{D42A27DB-BD31-4B8C-83A1-F6EECF244321}">
-                <p14:modId xmlns:p14="http://schemas.microsoft.com/office/powerpoint/2010/main" val="1184423227"/>
-              </p:ext>
-            </p:extLst>
-          </p:nvPr>
-        </p:nvGraphicFramePr>
-        <p:xfrm>
-          <a:off x="415505" y="391004"/>
-          <a:ext cx="11385431" cy="5848194"/>
-        </p:xfrm>
-        <a:graphic>
-          <a:graphicData uri="http://schemas.openxmlformats.org/drawingml/2006/table">
-            <a:tbl>
-              <a:tblPr firstRow="1" bandRow="1">
-                <a:tableStyleId>{5C22544A-7EE6-4342-B048-85BDC9FD1C3A}</a:tableStyleId>
-              </a:tblPr>
-              <a:tblGrid>
-                <a:gridCol w="912963">
-                  <a:extLst>
-                    <a:ext uri="{9D8B030D-6E8A-4147-A177-3AD203B41FA5}">
-                      <a16:colId xmlns:a16="http://schemas.microsoft.com/office/drawing/2014/main" val="747525499"/>
-                    </a:ext>
-                  </a:extLst>
-                </a:gridCol>
-                <a:gridCol w="4787660">
-                  <a:extLst>
-                    <a:ext uri="{9D8B030D-6E8A-4147-A177-3AD203B41FA5}">
-                      <a16:colId xmlns:a16="http://schemas.microsoft.com/office/drawing/2014/main" val="2892156475"/>
-                    </a:ext>
-                  </a:extLst>
-                </a:gridCol>
-                <a:gridCol w="5684808">
-                  <a:extLst>
-                    <a:ext uri="{9D8B030D-6E8A-4147-A177-3AD203B41FA5}">
-                      <a16:colId xmlns:a16="http://schemas.microsoft.com/office/drawing/2014/main" val="3449804923"/>
-                    </a:ext>
-                  </a:extLst>
-                </a:gridCol>
-              </a:tblGrid>
-              <a:tr h="890459">
-                <a:tc>
-                  <a:txBody>
-                    <a:bodyPr/>
-                    <a:lstStyle/>
-                    <a:p>
-                      <a:endParaRPr lang="en-US" sz="4400" dirty="0"/>
-                    </a:p>
-                  </a:txBody>
-                  <a:tcPr/>
-                </a:tc>
-                <a:tc>
-                  <a:txBody>
-                    <a:bodyPr/>
-                    <a:lstStyle/>
-                    <a:p>
-                      <a:r>
-                        <a:rPr lang="en-US" sz="4400" dirty="0">
-                          <a:solidFill>
-                            <a:srgbClr val="FFFF00"/>
-                          </a:solidFill>
-                        </a:rPr>
-                        <a:t>Simple Serial</a:t>
-                      </a:r>
-                    </a:p>
-                  </a:txBody>
-                  <a:tcPr/>
-                </a:tc>
-                <a:tc>
-                  <a:txBody>
-                    <a:bodyPr/>
-                    <a:lstStyle/>
-                    <a:p>
-                      <a:pPr marL="0" marR="0" lvl="0" indent="0" algn="l" defTabSz="914400" rtl="0" eaLnBrk="1" fontAlgn="auto" latinLnBrk="0" hangingPunct="1">
-                        <a:lnSpc>
-                          <a:spcPct val="100000"/>
-                        </a:lnSpc>
-                        <a:spcBef>
-                          <a:spcPts val="0"/>
-                        </a:spcBef>
-                        <a:spcAft>
-                          <a:spcPts val="0"/>
-                        </a:spcAft>
-                        <a:buClrTx/>
-                        <a:buSzTx/>
-                        <a:buFontTx/>
-                        <a:buNone/>
-                        <a:tabLst/>
-                        <a:defRPr/>
-                      </a:pPr>
-                      <a:r>
-                        <a:rPr lang="en-US" sz="4400" b="1" kern="1200" dirty="0">
-                          <a:solidFill>
-                            <a:schemeClr val="lt1"/>
-                          </a:solidFill>
-                          <a:latin typeface="+mn-lt"/>
-                          <a:ea typeface="+mn-ea"/>
-                          <a:cs typeface="+mn-cs"/>
-                        </a:rPr>
-                        <a:t>Serial Communications</a:t>
-                      </a:r>
-                    </a:p>
-                  </a:txBody>
-                  <a:tcPr/>
-                </a:tc>
-                <a:extLst>
-                  <a:ext uri="{0D108BD9-81ED-4DB2-BD59-A6C34878D82A}">
-                    <a16:rowId xmlns:a16="http://schemas.microsoft.com/office/drawing/2014/main" val="4166713368"/>
-                  </a:ext>
-                </a:extLst>
-              </a:tr>
-              <a:tr h="788877">
-                <a:tc gridSpan="2">
-                  <a:txBody>
-                    <a:bodyPr/>
-                    <a:lstStyle/>
-                    <a:p>
-                      <a:r>
-                        <a:rPr lang="en-US" sz="1600" b="1" dirty="0"/>
-                        <a:t>Usage:</a:t>
-                      </a:r>
-                    </a:p>
-                    <a:p>
-                      <a:r>
-                        <a:rPr lang="en-US" sz="1600" dirty="0"/>
-                        <a:t>Relatively slow point to point communications over short distances.</a:t>
-                      </a:r>
-                    </a:p>
-                  </a:txBody>
-                  <a:tcPr/>
-                </a:tc>
-                <a:tc hMerge="1">
-                  <a:txBody>
-                    <a:bodyPr/>
-                    <a:lstStyle/>
-                    <a:p>
-                      <a:endParaRPr lang="en-US"/>
-                    </a:p>
-                  </a:txBody>
-                  <a:tcPr/>
-                </a:tc>
-                <a:tc>
-                  <a:txBody>
-                    <a:bodyPr/>
-                    <a:lstStyle/>
-                    <a:p>
-                      <a:r>
-                        <a:rPr lang="en-US" sz="1600" b="1" dirty="0"/>
-                        <a:t>Photo</a:t>
-                      </a:r>
-                      <a:r>
-                        <a:rPr lang="en-US" sz="1600" dirty="0"/>
-                        <a:t>:</a:t>
-                      </a:r>
-                    </a:p>
-                    <a:p>
-                      <a:endParaRPr lang="en-US" sz="1600" dirty="0"/>
-                    </a:p>
-                  </a:txBody>
-                  <a:tcPr/>
-                </a:tc>
-                <a:extLst>
-                  <a:ext uri="{0D108BD9-81ED-4DB2-BD59-A6C34878D82A}">
-                    <a16:rowId xmlns:a16="http://schemas.microsoft.com/office/drawing/2014/main" val="1083252038"/>
-                  </a:ext>
-                </a:extLst>
-              </a:tr>
-              <a:tr h="1604935">
-                <a:tc gridSpan="2">
-                  <a:txBody>
-                    <a:bodyPr/>
-                    <a:lstStyle/>
-                    <a:p>
-                      <a:pPr marL="0" marR="0" lvl="0" indent="0" algn="l" defTabSz="914400" rtl="0" eaLnBrk="1" fontAlgn="auto" latinLnBrk="0" hangingPunct="1">
-                        <a:lnSpc>
-                          <a:spcPct val="100000"/>
-                        </a:lnSpc>
-                        <a:spcBef>
-                          <a:spcPts val="0"/>
-                        </a:spcBef>
-                        <a:spcAft>
-                          <a:spcPts val="0"/>
-                        </a:spcAft>
-                        <a:buClrTx/>
-                        <a:buSzTx/>
-                        <a:buFontTx/>
-                        <a:buNone/>
-                        <a:tabLst/>
-                        <a:defRPr/>
-                      </a:pPr>
-                      <a:r>
-                        <a:rPr lang="en-US" sz="1600" b="1" dirty="0"/>
-                        <a:t>How it Works: </a:t>
-                      </a:r>
-                      <a:r>
-                        <a:rPr lang="en-US" sz="1600" b="1" dirty="0" err="1"/>
-                        <a:t>TxD</a:t>
-                      </a:r>
-                      <a:r>
-                        <a:rPr lang="en-US" sz="1600" b="0" dirty="0"/>
-                        <a:t> Transmit is digital pin 1 , </a:t>
-                      </a:r>
-                      <a:r>
-                        <a:rPr lang="en-US" sz="1600" b="1" dirty="0"/>
-                        <a:t>RxD</a:t>
-                      </a:r>
-                      <a:r>
-                        <a:rPr lang="en-US" sz="1600" b="0" dirty="0"/>
-                        <a:t> Receive is pin 0.   Using the &lt;</a:t>
-                      </a:r>
-                      <a:r>
-                        <a:rPr lang="en-US" sz="1600" b="0" dirty="0" err="1"/>
-                        <a:t>Serial.h</a:t>
-                      </a:r>
-                      <a:r>
-                        <a:rPr lang="en-US" sz="1600" b="0" dirty="0"/>
-                        <a:t>&gt; library we use simple commands like Print() to send messages out to the serial pins. The library sends the bytes that make up the message out the </a:t>
-                      </a:r>
-                      <a:r>
-                        <a:rPr lang="en-US" sz="1600" b="0" dirty="0" err="1"/>
-                        <a:t>TxD</a:t>
-                      </a:r>
-                      <a:r>
-                        <a:rPr lang="en-US" sz="1600" b="0" dirty="0"/>
-                        <a:t> pin in the form of a series of data frames. Each frame (corresponding to one byte of data) has a start bit, data bits, a parity bit and stop bits. </a:t>
-                      </a:r>
-                    </a:p>
-                  </a:txBody>
-                  <a:tcPr/>
-                </a:tc>
-                <a:tc hMerge="1">
-                  <a:txBody>
-                    <a:bodyPr/>
-                    <a:lstStyle/>
-                    <a:p>
-                      <a:endParaRPr lang="en-US"/>
-                    </a:p>
-                  </a:txBody>
-                  <a:tcPr/>
-                </a:tc>
-                <a:tc>
-                  <a:txBody>
-                    <a:bodyPr/>
-                    <a:lstStyle/>
-                    <a:p>
-                      <a:pPr marL="0" marR="0" lvl="0" indent="0" algn="l" defTabSz="914400" rtl="0" eaLnBrk="1" fontAlgn="auto" latinLnBrk="0" hangingPunct="1">
-                        <a:lnSpc>
-                          <a:spcPct val="100000"/>
-                        </a:lnSpc>
-                        <a:spcBef>
-                          <a:spcPts val="0"/>
-                        </a:spcBef>
-                        <a:spcAft>
-                          <a:spcPts val="0"/>
-                        </a:spcAft>
-                        <a:buClrTx/>
-                        <a:buSzTx/>
-                        <a:buFontTx/>
-                        <a:buNone/>
-                        <a:tabLst/>
-                        <a:defRPr/>
-                      </a:pPr>
-                      <a:r>
-                        <a:rPr lang="en-US" sz="1600" b="1" dirty="0"/>
-                        <a:t>Pros: </a:t>
-                      </a:r>
-                      <a:r>
-                        <a:rPr lang="en-US" sz="1600" b="0" dirty="0"/>
-                        <a:t>Proven in use. All Arduinos have Tx/Rx pins.</a:t>
-                      </a:r>
-                    </a:p>
-                    <a:p>
-                      <a:r>
-                        <a:rPr lang="en-US" sz="1600" b="1" dirty="0"/>
-                        <a:t>Cons: </a:t>
-                      </a:r>
-                      <a:r>
-                        <a:rPr lang="en-US" sz="1600" dirty="0"/>
-                        <a:t>Point to point communications only. Relatively slow.</a:t>
-                      </a:r>
-                    </a:p>
-                    <a:p>
-                      <a:r>
-                        <a:rPr lang="en-US" sz="1600" dirty="0"/>
-                        <a:t>Only the most basic error checking (and only if parity is enabled), no built in retry, or any form of guaranteed delivery. </a:t>
-                      </a:r>
-                    </a:p>
-                  </a:txBody>
-                  <a:tcPr/>
-                </a:tc>
-                <a:extLst>
-                  <a:ext uri="{0D108BD9-81ED-4DB2-BD59-A6C34878D82A}">
-                    <a16:rowId xmlns:a16="http://schemas.microsoft.com/office/drawing/2014/main" val="2494442280"/>
-                  </a:ext>
-                </a:extLst>
-              </a:tr>
-              <a:tr h="1153819">
-                <a:tc gridSpan="2">
-                  <a:txBody>
-                    <a:bodyPr/>
-                    <a:lstStyle/>
-                    <a:p>
-                      <a:r>
-                        <a:rPr lang="en-US" sz="1600" b="1" dirty="0"/>
-                        <a:t>Notes:  Some common terms associated with serial comms</a:t>
-                      </a:r>
-                    </a:p>
-                    <a:p>
-                      <a:pPr marL="0" marR="0" lvl="0" indent="0" algn="l" defTabSz="914400" rtl="0" eaLnBrk="1" fontAlgn="auto" latinLnBrk="0" hangingPunct="1">
-                        <a:lnSpc>
-                          <a:spcPct val="100000"/>
-                        </a:lnSpc>
-                        <a:spcBef>
-                          <a:spcPts val="0"/>
-                        </a:spcBef>
-                        <a:spcAft>
-                          <a:spcPts val="0"/>
-                        </a:spcAft>
-                        <a:buClrTx/>
-                        <a:buSzTx/>
-                        <a:buFontTx/>
-                        <a:buNone/>
-                        <a:tabLst/>
-                        <a:defRPr/>
-                      </a:pPr>
-                      <a:r>
-                        <a:rPr lang="en-US" sz="1600" b="1" dirty="0"/>
-                        <a:t>BPS = </a:t>
-                      </a:r>
-                      <a:r>
-                        <a:rPr lang="en-US" sz="1600" b="0" dirty="0"/>
-                        <a:t>Bits per Second i.e. the speed of communications. Higher is faster. Technically not the same as the </a:t>
-                      </a:r>
-                      <a:r>
-                        <a:rPr lang="en-US" sz="1600" b="1" dirty="0"/>
-                        <a:t>Baud rate </a:t>
-                      </a:r>
-                      <a:r>
-                        <a:rPr lang="en-US" sz="1600" b="0" dirty="0"/>
-                        <a:t>although (the number of state changes on the wire) but the two terms are often used interchangeably. </a:t>
-                      </a:r>
-                      <a:r>
-                        <a:rPr lang="en-US" sz="1600" b="1" dirty="0"/>
-                        <a:t>Parity </a:t>
-                      </a:r>
-                      <a:r>
-                        <a:rPr lang="en-US" sz="1600" b="0" dirty="0"/>
-                        <a:t>is a single bit added to the frame which can be either 1 or 0. It is used to make the total number of 1’s in the frame either Odd, or Even. </a:t>
-                      </a:r>
-                      <a:r>
-                        <a:rPr lang="en-US" sz="1600" b="1" dirty="0"/>
-                        <a:t>Stop bits </a:t>
-                      </a:r>
-                      <a:r>
-                        <a:rPr lang="en-US" sz="1600" b="0" dirty="0"/>
-                        <a:t>indicate the end of the frame.</a:t>
-                      </a:r>
-                      <a:r>
-                        <a:rPr lang="en-US" sz="1600" b="1" dirty="0"/>
-                        <a:t> </a:t>
-                      </a:r>
-                    </a:p>
-                    <a:p>
-                      <a:pPr marL="0" marR="0" lvl="0" indent="0" algn="l" defTabSz="914400" rtl="0" eaLnBrk="1" fontAlgn="auto" latinLnBrk="0" hangingPunct="1">
-                        <a:lnSpc>
-                          <a:spcPct val="100000"/>
-                        </a:lnSpc>
-                        <a:spcBef>
-                          <a:spcPts val="0"/>
-                        </a:spcBef>
-                        <a:spcAft>
-                          <a:spcPts val="0"/>
-                        </a:spcAft>
-                        <a:buClrTx/>
-                        <a:buSzTx/>
-                        <a:buFontTx/>
-                        <a:buNone/>
-                        <a:tabLst/>
-                        <a:defRPr/>
-                      </a:pPr>
-                      <a:r>
-                        <a:rPr lang="en-US" sz="1600" b="1" dirty="0"/>
-                        <a:t>9600 8N1 </a:t>
-                      </a:r>
-                      <a:r>
-                        <a:rPr lang="en-US" sz="1600" b="0" dirty="0"/>
-                        <a:t>is a shorthand notation for 9600 bps, 8 data bits, No parity and 1 stop bit.</a:t>
-                      </a:r>
-                    </a:p>
-                  </a:txBody>
-                  <a:tcPr/>
-                </a:tc>
-                <a:tc hMerge="1">
-                  <a:txBody>
-                    <a:bodyPr/>
-                    <a:lstStyle/>
-                    <a:p>
-                      <a:endParaRPr lang="en-US"/>
-                    </a:p>
-                  </a:txBody>
-                  <a:tcPr/>
-                </a:tc>
-                <a:tc>
-                  <a:txBody>
-                    <a:bodyPr/>
-                    <a:lstStyle/>
-                    <a:p>
-                      <a:pPr marL="0" marR="0" lvl="0" indent="0" algn="l" defTabSz="914400" rtl="0" eaLnBrk="1" fontAlgn="auto" latinLnBrk="0" hangingPunct="1">
-                        <a:lnSpc>
-                          <a:spcPct val="100000"/>
-                        </a:lnSpc>
-                        <a:spcBef>
-                          <a:spcPts val="0"/>
-                        </a:spcBef>
-                        <a:spcAft>
-                          <a:spcPts val="0"/>
-                        </a:spcAft>
-                        <a:buClrTx/>
-                        <a:buSzTx/>
-                        <a:buFontTx/>
-                        <a:buNone/>
-                        <a:tabLst/>
-                        <a:defRPr/>
-                      </a:pPr>
-                      <a:r>
-                        <a:rPr lang="en-US" sz="1600" b="1" dirty="0"/>
-                        <a:t>UART – </a:t>
-                      </a:r>
-                      <a:r>
-                        <a:rPr lang="en-US" sz="1600" b="0" dirty="0"/>
-                        <a:t>Universal asynchronous Receiver/Transmitter. Takes a byte (8 bits) as input and shuffles the data bits out serially at a specific BPS while automatically adding the start, stop and parity bits as may have been configured.</a:t>
-                      </a:r>
-                    </a:p>
-                    <a:p>
-                      <a:pPr marL="0" marR="0" lvl="0" indent="0" algn="l" defTabSz="914400" rtl="0" eaLnBrk="1" fontAlgn="auto" latinLnBrk="0" hangingPunct="1">
-                        <a:lnSpc>
-                          <a:spcPct val="100000"/>
-                        </a:lnSpc>
-                        <a:spcBef>
-                          <a:spcPts val="0"/>
-                        </a:spcBef>
-                        <a:spcAft>
-                          <a:spcPts val="0"/>
-                        </a:spcAft>
-                        <a:buClrTx/>
-                        <a:buSzTx/>
-                        <a:buFontTx/>
-                        <a:buNone/>
-                        <a:tabLst/>
-                        <a:defRPr/>
-                      </a:pPr>
-                      <a:endParaRPr lang="en-US" sz="1600" b="1" dirty="0"/>
-                    </a:p>
-                    <a:p>
-                      <a:pPr marL="0" marR="0" lvl="0" indent="0" algn="l" defTabSz="914400" rtl="0" eaLnBrk="1" fontAlgn="auto" latinLnBrk="0" hangingPunct="1">
-                        <a:lnSpc>
-                          <a:spcPct val="100000"/>
-                        </a:lnSpc>
-                        <a:spcBef>
-                          <a:spcPts val="0"/>
-                        </a:spcBef>
-                        <a:spcAft>
-                          <a:spcPts val="0"/>
-                        </a:spcAft>
-                        <a:buClrTx/>
-                        <a:buSzTx/>
-                        <a:buFontTx/>
-                        <a:buNone/>
-                        <a:tabLst/>
-                        <a:defRPr/>
-                      </a:pPr>
-                      <a:r>
-                        <a:rPr lang="en-US" sz="1600" b="1" dirty="0"/>
-                        <a:t>RS-232</a:t>
-                      </a:r>
-                      <a:r>
-                        <a:rPr lang="en-US" sz="1600" b="0" dirty="0"/>
-                        <a:t> is a</a:t>
-                      </a:r>
-                      <a:r>
-                        <a:rPr lang="en-US" sz="1600" dirty="0"/>
-                        <a:t>n old serial standard that use to be very common. It operates on +/- 12 volt signals. The physical connector for RS-232 had a 25 pin plug/socket (later 9 pins). (DO NOT connect RS-232 signals directly to Tx/Rx or bad things will happen!)</a:t>
-                      </a:r>
-                    </a:p>
-                  </a:txBody>
-                  <a:tcPr/>
-                </a:tc>
-                <a:extLst>
-                  <a:ext uri="{0D108BD9-81ED-4DB2-BD59-A6C34878D82A}">
-                    <a16:rowId xmlns:a16="http://schemas.microsoft.com/office/drawing/2014/main" val="1235703702"/>
-                  </a:ext>
-                </a:extLst>
-              </a:tr>
-            </a:tbl>
-          </a:graphicData>
-        </a:graphic>
-      </p:graphicFrame>
-      <p:sp>
-        <p:nvSpPr>
-          <p:cNvPr id="8" name="Subtitle 2">
-            <a:extLst>
-              <a:ext uri="{FF2B5EF4-FFF2-40B4-BE49-F238E27FC236}">
-                <a16:creationId xmlns:a16="http://schemas.microsoft.com/office/drawing/2014/main" id="{7AFF94B5-A049-2183-7DF4-C57A515AC81C}"/>
-              </a:ext>
-            </a:extLst>
-          </p:cNvPr>
-          <p:cNvSpPr txBox="1">
-            <a:spLocks/>
-          </p:cNvSpPr>
-          <p:nvPr/>
-        </p:nvSpPr>
-        <p:spPr>
-          <a:xfrm>
-            <a:off x="560718" y="6177560"/>
-            <a:ext cx="1357223" cy="558771"/>
-          </a:xfrm>
-          <a:prstGeom prst="rect">
-            <a:avLst/>
-          </a:prstGeom>
-        </p:spPr>
-        <p:txBody>
-          <a:bodyPr vert="horz" lIns="91440" tIns="45720" rIns="91440" bIns="45720" rtlCol="0">
-            <a:noAutofit/>
-          </a:bodyPr>
-          <a:lstStyle>
-            <a:lvl1pPr marL="0" indent="0" algn="ctr" defTabSz="914400" rtl="0" eaLnBrk="1" latinLnBrk="0" hangingPunct="1">
-              <a:lnSpc>
-                <a:spcPct val="90000"/>
-              </a:lnSpc>
-              <a:spcBef>
-                <a:spcPts val="1000"/>
-              </a:spcBef>
-              <a:buFont typeface="Arial" panose="020B0604020202020204" pitchFamily="34" charset="0"/>
-              <a:buNone/>
-              <a:defRPr sz="2400" kern="1200">
-                <a:solidFill>
-                  <a:schemeClr val="tx1"/>
-                </a:solidFill>
-                <a:latin typeface="+mn-lt"/>
-                <a:ea typeface="+mn-ea"/>
-                <a:cs typeface="+mn-cs"/>
-              </a:defRPr>
-            </a:lvl1pPr>
-            <a:lvl2pPr marL="457200" indent="0" algn="ctr" defTabSz="914400" rtl="0" eaLnBrk="1" latinLnBrk="0" hangingPunct="1">
-              <a:lnSpc>
-                <a:spcPct val="90000"/>
-              </a:lnSpc>
-              <a:spcBef>
-                <a:spcPts val="500"/>
-              </a:spcBef>
-              <a:buFont typeface="Arial" panose="020B0604020202020204" pitchFamily="34" charset="0"/>
-              <a:buNone/>
-              <a:defRPr sz="2000" kern="1200">
-                <a:solidFill>
-                  <a:schemeClr val="tx1"/>
-                </a:solidFill>
-                <a:latin typeface="+mn-lt"/>
-                <a:ea typeface="+mn-ea"/>
-                <a:cs typeface="+mn-cs"/>
-              </a:defRPr>
-            </a:lvl2pPr>
-            <a:lvl3pPr marL="914400" indent="0" algn="ctr" defTabSz="914400" rtl="0" eaLnBrk="1" latinLnBrk="0" hangingPunct="1">
-              <a:lnSpc>
-                <a:spcPct val="90000"/>
-              </a:lnSpc>
-              <a:spcBef>
-                <a:spcPts val="500"/>
-              </a:spcBef>
-              <a:buFont typeface="Arial" panose="020B0604020202020204" pitchFamily="34" charset="0"/>
-              <a:buNone/>
-              <a:defRPr sz="1800" kern="1200">
-                <a:solidFill>
-                  <a:schemeClr val="tx1"/>
-                </a:solidFill>
-                <a:latin typeface="+mn-lt"/>
-                <a:ea typeface="+mn-ea"/>
-                <a:cs typeface="+mn-cs"/>
-              </a:defRPr>
-            </a:lvl3pPr>
-            <a:lvl4pPr marL="1371600" indent="0" algn="ctr" defTabSz="914400" rtl="0" eaLnBrk="1" latinLnBrk="0" hangingPunct="1">
-              <a:lnSpc>
-                <a:spcPct val="90000"/>
-              </a:lnSpc>
-              <a:spcBef>
-                <a:spcPts val="500"/>
-              </a:spcBef>
-              <a:buFont typeface="Arial" panose="020B0604020202020204" pitchFamily="34" charset="0"/>
-              <a:buNone/>
-              <a:defRPr sz="1600" kern="1200">
-                <a:solidFill>
-                  <a:schemeClr val="tx1"/>
-                </a:solidFill>
-                <a:latin typeface="+mn-lt"/>
-                <a:ea typeface="+mn-ea"/>
-                <a:cs typeface="+mn-cs"/>
-              </a:defRPr>
-            </a:lvl4pPr>
-            <a:lvl5pPr marL="1828800" indent="0" algn="ctr" defTabSz="914400" rtl="0" eaLnBrk="1" latinLnBrk="0" hangingPunct="1">
-              <a:lnSpc>
-                <a:spcPct val="90000"/>
-              </a:lnSpc>
-              <a:spcBef>
-                <a:spcPts val="500"/>
-              </a:spcBef>
-              <a:buFont typeface="Arial" panose="020B0604020202020204" pitchFamily="34" charset="0"/>
-              <a:buNone/>
-              <a:defRPr sz="1600" kern="1200">
-                <a:solidFill>
-                  <a:schemeClr val="tx1"/>
-                </a:solidFill>
-                <a:latin typeface="+mn-lt"/>
-                <a:ea typeface="+mn-ea"/>
-                <a:cs typeface="+mn-cs"/>
-              </a:defRPr>
-            </a:lvl5pPr>
-            <a:lvl6pPr marL="2286000" indent="0" algn="ctr" defTabSz="914400" rtl="0" eaLnBrk="1" latinLnBrk="0" hangingPunct="1">
-              <a:lnSpc>
-                <a:spcPct val="90000"/>
-              </a:lnSpc>
-              <a:spcBef>
-                <a:spcPts val="500"/>
-              </a:spcBef>
-              <a:buFont typeface="Arial" panose="020B0604020202020204" pitchFamily="34" charset="0"/>
-              <a:buNone/>
-              <a:defRPr sz="1600" kern="1200">
-                <a:solidFill>
-                  <a:schemeClr val="tx1"/>
-                </a:solidFill>
-                <a:latin typeface="+mn-lt"/>
-                <a:ea typeface="+mn-ea"/>
-                <a:cs typeface="+mn-cs"/>
-              </a:defRPr>
-            </a:lvl6pPr>
-            <a:lvl7pPr marL="2743200" indent="0" algn="ctr" defTabSz="914400" rtl="0" eaLnBrk="1" latinLnBrk="0" hangingPunct="1">
-              <a:lnSpc>
-                <a:spcPct val="90000"/>
-              </a:lnSpc>
-              <a:spcBef>
-                <a:spcPts val="500"/>
-              </a:spcBef>
-              <a:buFont typeface="Arial" panose="020B0604020202020204" pitchFamily="34" charset="0"/>
-              <a:buNone/>
-              <a:defRPr sz="1600" kern="1200">
-                <a:solidFill>
-                  <a:schemeClr val="tx1"/>
-                </a:solidFill>
-                <a:latin typeface="+mn-lt"/>
-                <a:ea typeface="+mn-ea"/>
-                <a:cs typeface="+mn-cs"/>
-              </a:defRPr>
-            </a:lvl7pPr>
-            <a:lvl8pPr marL="3200400" indent="0" algn="ctr" defTabSz="914400" rtl="0" eaLnBrk="1" latinLnBrk="0" hangingPunct="1">
-              <a:lnSpc>
-                <a:spcPct val="90000"/>
-              </a:lnSpc>
-              <a:spcBef>
-                <a:spcPts val="500"/>
-              </a:spcBef>
-              <a:buFont typeface="Arial" panose="020B0604020202020204" pitchFamily="34" charset="0"/>
-              <a:buNone/>
-              <a:defRPr sz="1600" kern="1200">
-                <a:solidFill>
-                  <a:schemeClr val="tx1"/>
-                </a:solidFill>
-                <a:latin typeface="+mn-lt"/>
-                <a:ea typeface="+mn-ea"/>
-                <a:cs typeface="+mn-cs"/>
-              </a:defRPr>
-            </a:lvl8pPr>
-            <a:lvl9pPr marL="3657600" indent="0" algn="ctr" defTabSz="914400" rtl="0" eaLnBrk="1" latinLnBrk="0" hangingPunct="1">
-              <a:lnSpc>
-                <a:spcPct val="90000"/>
-              </a:lnSpc>
-              <a:spcBef>
-                <a:spcPts val="500"/>
-              </a:spcBef>
-              <a:buFont typeface="Arial" panose="020B0604020202020204" pitchFamily="34" charset="0"/>
-              <a:buNone/>
-              <a:defRPr sz="1600" kern="1200">
-                <a:solidFill>
-                  <a:schemeClr val="tx1"/>
-                </a:solidFill>
-                <a:latin typeface="+mn-lt"/>
-                <a:ea typeface="+mn-ea"/>
-                <a:cs typeface="+mn-cs"/>
-              </a:defRPr>
-            </a:lvl9pPr>
-          </a:lstStyle>
-          <a:p>
-            <a:endParaRPr lang="en-US" sz="3200" b="1" dirty="0">
-              <a:solidFill>
-                <a:schemeClr val="accent1">
-                  <a:lumMod val="60000"/>
-                  <a:lumOff val="40000"/>
-                </a:schemeClr>
-              </a:solidFill>
-              <a:latin typeface="MERG_Logo" pitchFamily="2" charset="0"/>
-            </a:endParaRPr>
-          </a:p>
-        </p:txBody>
-      </p:sp>
-      <p:pic>
-        <p:nvPicPr>
-          <p:cNvPr id="4" name="Picture 3">
-            <a:extLst>
-              <a:ext uri="{FF2B5EF4-FFF2-40B4-BE49-F238E27FC236}">
-                <a16:creationId xmlns:a16="http://schemas.microsoft.com/office/drawing/2014/main" id="{C6E2AC96-7822-1777-C1B8-461219E9678D}"/>
-              </a:ext>
-            </a:extLst>
-          </p:cNvPr>
-          <p:cNvPicPr>
-            <a:picLocks noChangeAspect="1"/>
-          </p:cNvPicPr>
-          <p:nvPr/>
-        </p:nvPicPr>
-        <p:blipFill>
-          <a:blip r:embed="rId2"/>
-          <a:stretch>
-            <a:fillRect/>
-          </a:stretch>
-        </p:blipFill>
-        <p:spPr>
-          <a:xfrm>
-            <a:off x="8186468" y="1393256"/>
-            <a:ext cx="1979582" cy="539154"/>
-          </a:xfrm>
-          <a:prstGeom prst="rect">
-            <a:avLst/>
-          </a:prstGeom>
-        </p:spPr>
-      </p:pic>
-    </p:spTree>
-    <p:extLst>
-      <p:ext uri="{BB962C8B-B14F-4D97-AF65-F5344CB8AC3E}">
-        <p14:creationId xmlns:p14="http://schemas.microsoft.com/office/powerpoint/2010/main" val="699886772"/>
       </p:ext>
     </p:extLst>
   </p:cSld>
@@ -35999,6 +36101,1866 @@
           <p:nvPr>
             <p:extLst>
               <p:ext uri="{D42A27DB-BD31-4B8C-83A1-F6EECF244321}">
+                <p14:modId xmlns:p14="http://schemas.microsoft.com/office/powerpoint/2010/main" val="647882297"/>
+              </p:ext>
+            </p:extLst>
+          </p:nvPr>
+        </p:nvGraphicFramePr>
+        <p:xfrm>
+          <a:off x="496738" y="274354"/>
+          <a:ext cx="11198524" cy="5729403"/>
+        </p:xfrm>
+        <a:graphic>
+          <a:graphicData uri="http://schemas.openxmlformats.org/drawingml/2006/table">
+            <a:tbl>
+              <a:tblPr firstRow="1" bandRow="1">
+                <a:tableStyleId>{5C22544A-7EE6-4342-B048-85BDC9FD1C3A}</a:tableStyleId>
+              </a:tblPr>
+              <a:tblGrid>
+                <a:gridCol w="967595">
+                  <a:extLst>
+                    <a:ext uri="{9D8B030D-6E8A-4147-A177-3AD203B41FA5}">
+                      <a16:colId xmlns:a16="http://schemas.microsoft.com/office/drawing/2014/main" val="747525499"/>
+                    </a:ext>
+                  </a:extLst>
+                </a:gridCol>
+                <a:gridCol w="3604405">
+                  <a:extLst>
+                    <a:ext uri="{9D8B030D-6E8A-4147-A177-3AD203B41FA5}">
+                      <a16:colId xmlns:a16="http://schemas.microsoft.com/office/drawing/2014/main" val="2892156475"/>
+                    </a:ext>
+                  </a:extLst>
+                </a:gridCol>
+                <a:gridCol w="6626524">
+                  <a:extLst>
+                    <a:ext uri="{9D8B030D-6E8A-4147-A177-3AD203B41FA5}">
+                      <a16:colId xmlns:a16="http://schemas.microsoft.com/office/drawing/2014/main" val="3449804923"/>
+                    </a:ext>
+                  </a:extLst>
+                </a:gridCol>
+              </a:tblGrid>
+              <a:tr h="791643">
+                <a:tc>
+                  <a:txBody>
+                    <a:bodyPr/>
+                    <a:lstStyle/>
+                    <a:p>
+                      <a:endParaRPr lang="en-US" sz="4400" dirty="0"/>
+                    </a:p>
+                  </a:txBody>
+                  <a:tcPr/>
+                </a:tc>
+                <a:tc>
+                  <a:txBody>
+                    <a:bodyPr/>
+                    <a:lstStyle/>
+                    <a:p>
+                      <a:r>
+                        <a:rPr lang="en-US" sz="4400" dirty="0">
+                          <a:solidFill>
+                            <a:srgbClr val="FFFF00"/>
+                          </a:solidFill>
+                        </a:rPr>
+                        <a:t>At a Glance</a:t>
+                      </a:r>
+                    </a:p>
+                  </a:txBody>
+                  <a:tcPr/>
+                </a:tc>
+                <a:tc>
+                  <a:txBody>
+                    <a:bodyPr/>
+                    <a:lstStyle/>
+                    <a:p>
+                      <a:pPr marL="0" marR="0" lvl="0" indent="0" algn="l" defTabSz="914400" rtl="0" eaLnBrk="1" fontAlgn="auto" latinLnBrk="0" hangingPunct="1">
+                        <a:lnSpc>
+                          <a:spcPct val="100000"/>
+                        </a:lnSpc>
+                        <a:spcBef>
+                          <a:spcPts val="0"/>
+                        </a:spcBef>
+                        <a:spcAft>
+                          <a:spcPts val="0"/>
+                        </a:spcAft>
+                        <a:buClrTx/>
+                        <a:buSzTx/>
+                        <a:buFontTx/>
+                        <a:buNone/>
+                        <a:tabLst/>
+                        <a:defRPr/>
+                      </a:pPr>
+                      <a:r>
+                        <a:rPr lang="en-US" sz="4400" b="1" kern="1200" dirty="0">
+                          <a:solidFill>
+                            <a:schemeClr val="lt1"/>
+                          </a:solidFill>
+                          <a:latin typeface="+mn-lt"/>
+                          <a:ea typeface="+mn-ea"/>
+                          <a:cs typeface="+mn-cs"/>
+                        </a:rPr>
+                        <a:t>Arduino Communications</a:t>
+                      </a:r>
+                    </a:p>
+                  </a:txBody>
+                  <a:tcPr/>
+                </a:tc>
+                <a:extLst>
+                  <a:ext uri="{0D108BD9-81ED-4DB2-BD59-A6C34878D82A}">
+                    <a16:rowId xmlns:a16="http://schemas.microsoft.com/office/drawing/2014/main" val="4166713368"/>
+                  </a:ext>
+                </a:extLst>
+              </a:tr>
+              <a:tr h="1215495">
+                <a:tc gridSpan="2">
+                  <a:txBody>
+                    <a:bodyPr/>
+                    <a:lstStyle/>
+                    <a:p>
+                      <a:pPr marL="0" indent="0">
+                        <a:buFont typeface="Arial" panose="020B0604020202020204" pitchFamily="34" charset="0"/>
+                        <a:buNone/>
+                      </a:pPr>
+                      <a:r>
+                        <a:rPr lang="en-US" sz="1800" b="1" i="0" kern="1200" dirty="0">
+                          <a:solidFill>
+                            <a:schemeClr val="dk1"/>
+                          </a:solidFill>
+                          <a:effectLst/>
+                          <a:latin typeface="+mn-lt"/>
+                          <a:ea typeface="+mn-ea"/>
+                          <a:cs typeface="+mn-cs"/>
+                        </a:rPr>
+                        <a:t>Simple Serial</a:t>
+                      </a:r>
+                    </a:p>
+                    <a:p>
+                      <a:pPr marL="285750" indent="-285750">
+                        <a:buFont typeface="Arial" panose="020B0604020202020204" pitchFamily="34" charset="0"/>
+                        <a:buChar char="•"/>
+                      </a:pPr>
+                      <a:r>
+                        <a:rPr lang="en-US" sz="1800" b="0" i="0" kern="1200" dirty="0">
+                          <a:solidFill>
+                            <a:schemeClr val="dk1"/>
+                          </a:solidFill>
+                          <a:effectLst/>
+                          <a:latin typeface="+mn-lt"/>
+                          <a:ea typeface="+mn-ea"/>
+                          <a:cs typeface="+mn-cs"/>
+                        </a:rPr>
+                        <a:t>Asynchronous</a:t>
+                      </a:r>
+                    </a:p>
+                    <a:p>
+                      <a:pPr marL="285750" indent="-285750">
+                        <a:buFont typeface="Arial" panose="020B0604020202020204" pitchFamily="34" charset="0"/>
+                        <a:buChar char="•"/>
+                      </a:pPr>
+                      <a:r>
+                        <a:rPr lang="en-US" sz="1800" b="0" i="0" kern="1200" dirty="0">
+                          <a:solidFill>
+                            <a:schemeClr val="dk1"/>
+                          </a:solidFill>
+                          <a:effectLst/>
+                          <a:latin typeface="+mn-lt"/>
+                          <a:ea typeface="+mn-ea"/>
+                          <a:cs typeface="+mn-cs"/>
+                        </a:rPr>
+                        <a:t>Point to Point</a:t>
+                      </a:r>
+                    </a:p>
+                    <a:p>
+                      <a:pPr marL="285750" indent="-285750">
+                        <a:buFont typeface="Arial" panose="020B0604020202020204" pitchFamily="34" charset="0"/>
+                        <a:buChar char="•"/>
+                      </a:pPr>
+                      <a:r>
+                        <a:rPr lang="en-US" sz="1800" b="0" i="0" kern="1200" dirty="0">
+                          <a:solidFill>
+                            <a:schemeClr val="dk1"/>
+                          </a:solidFill>
+                          <a:effectLst/>
+                          <a:latin typeface="+mn-lt"/>
+                          <a:ea typeface="+mn-ea"/>
+                          <a:cs typeface="+mn-cs"/>
+                        </a:rPr>
+                        <a:t>Slow</a:t>
+                      </a:r>
+                    </a:p>
+                    <a:p>
+                      <a:pPr marL="285750" indent="-285750">
+                        <a:buFont typeface="Arial" panose="020B0604020202020204" pitchFamily="34" charset="0"/>
+                        <a:buChar char="•"/>
+                      </a:pPr>
+                      <a:r>
+                        <a:rPr lang="en-US" sz="1800" b="0" i="0" kern="1200" dirty="0">
+                          <a:solidFill>
+                            <a:schemeClr val="dk1"/>
+                          </a:solidFill>
+                          <a:effectLst/>
+                          <a:latin typeface="+mn-lt"/>
+                          <a:ea typeface="+mn-ea"/>
+                          <a:cs typeface="+mn-cs"/>
+                        </a:rPr>
+                        <a:t>Short distances only</a:t>
+                      </a:r>
+                      <a:endParaRPr lang="en-US" b="0" dirty="0"/>
+                    </a:p>
+                  </a:txBody>
+                  <a:tcPr/>
+                </a:tc>
+                <a:tc hMerge="1">
+                  <a:txBody>
+                    <a:bodyPr/>
+                    <a:lstStyle/>
+                    <a:p>
+                      <a:endParaRPr lang="en-US"/>
+                    </a:p>
+                  </a:txBody>
+                  <a:tcPr/>
+                </a:tc>
+                <a:tc>
+                  <a:txBody>
+                    <a:bodyPr/>
+                    <a:lstStyle/>
+                    <a:p>
+                      <a:pPr marL="0" marR="0" lvl="0" indent="0" algn="l" defTabSz="914400" rtl="0" eaLnBrk="1" fontAlgn="auto" latinLnBrk="0" hangingPunct="1">
+                        <a:lnSpc>
+                          <a:spcPct val="100000"/>
+                        </a:lnSpc>
+                        <a:spcBef>
+                          <a:spcPts val="0"/>
+                        </a:spcBef>
+                        <a:spcAft>
+                          <a:spcPts val="0"/>
+                        </a:spcAft>
+                        <a:buClrTx/>
+                        <a:buSzTx/>
+                        <a:buFontTx/>
+                        <a:buNone/>
+                        <a:tabLst/>
+                        <a:defRPr/>
+                      </a:pPr>
+                      <a:r>
+                        <a:rPr lang="en-US" sz="1800" b="1" i="0" kern="1200" dirty="0">
+                          <a:solidFill>
+                            <a:schemeClr val="dk1"/>
+                          </a:solidFill>
+                          <a:effectLst/>
+                          <a:latin typeface="+mn-lt"/>
+                          <a:ea typeface="+mn-ea"/>
+                          <a:cs typeface="+mn-cs"/>
+                        </a:rPr>
+                        <a:t>RS485</a:t>
+                      </a:r>
+                    </a:p>
+                    <a:p>
+                      <a:pPr marL="285750" indent="-285750">
+                        <a:buFont typeface="Arial" panose="020B0604020202020204" pitchFamily="34" charset="0"/>
+                        <a:buChar char="•"/>
+                      </a:pPr>
+                      <a:r>
+                        <a:rPr lang="en-US" sz="1800" b="0" i="0" kern="1200" dirty="0">
+                          <a:solidFill>
+                            <a:schemeClr val="dk1"/>
+                          </a:solidFill>
+                          <a:effectLst/>
+                          <a:latin typeface="+mn-lt"/>
+                          <a:ea typeface="+mn-ea"/>
+                          <a:cs typeface="+mn-cs"/>
+                        </a:rPr>
+                        <a:t>Asynchronous</a:t>
+                      </a:r>
+                    </a:p>
+                    <a:p>
+                      <a:pPr marL="285750" indent="-285750">
+                        <a:buFont typeface="Arial" panose="020B0604020202020204" pitchFamily="34" charset="0"/>
+                        <a:buChar char="•"/>
+                      </a:pPr>
+                      <a:r>
+                        <a:rPr lang="en-US" sz="1800" b="0" i="0" kern="1200" dirty="0">
+                          <a:solidFill>
+                            <a:schemeClr val="dk1"/>
+                          </a:solidFill>
+                          <a:effectLst/>
+                          <a:latin typeface="+mn-lt"/>
+                          <a:ea typeface="+mn-ea"/>
+                          <a:cs typeface="+mn-cs"/>
+                        </a:rPr>
+                        <a:t>Multidrop</a:t>
+                      </a:r>
+                    </a:p>
+                    <a:p>
+                      <a:pPr marL="285750" indent="-285750">
+                        <a:buFont typeface="Arial" panose="020B0604020202020204" pitchFamily="34" charset="0"/>
+                        <a:buChar char="•"/>
+                      </a:pPr>
+                      <a:r>
+                        <a:rPr lang="en-US" sz="1800" b="0" i="0" kern="1200" dirty="0">
+                          <a:solidFill>
+                            <a:schemeClr val="dk1"/>
+                          </a:solidFill>
+                          <a:effectLst/>
+                          <a:latin typeface="+mn-lt"/>
+                          <a:ea typeface="+mn-ea"/>
+                          <a:cs typeface="+mn-cs"/>
+                        </a:rPr>
+                        <a:t>Relatively Slow (19.2 Kbps)</a:t>
+                      </a:r>
+                    </a:p>
+                    <a:p>
+                      <a:pPr marL="285750" indent="-285750">
+                        <a:buFont typeface="Arial" panose="020B0604020202020204" pitchFamily="34" charset="0"/>
+                        <a:buChar char="•"/>
+                      </a:pPr>
+                      <a:r>
+                        <a:rPr lang="en-US" sz="1800" b="0" i="0" kern="1200" dirty="0">
+                          <a:solidFill>
+                            <a:schemeClr val="dk1"/>
+                          </a:solidFill>
+                          <a:effectLst/>
+                          <a:latin typeface="+mn-lt"/>
+                          <a:ea typeface="+mn-ea"/>
+                          <a:cs typeface="+mn-cs"/>
+                        </a:rPr>
+                        <a:t>Long distances</a:t>
+                      </a:r>
+                    </a:p>
+                    <a:p>
+                      <a:pPr marL="285750" indent="-285750">
+                        <a:buFont typeface="Arial" panose="020B0604020202020204" pitchFamily="34" charset="0"/>
+                        <a:buChar char="•"/>
+                      </a:pPr>
+                      <a:r>
+                        <a:rPr lang="en-US" sz="1800" b="0" i="0" kern="1200" dirty="0">
+                          <a:solidFill>
+                            <a:schemeClr val="dk1"/>
+                          </a:solidFill>
+                          <a:effectLst/>
+                          <a:latin typeface="+mn-lt"/>
+                          <a:ea typeface="+mn-ea"/>
+                          <a:cs typeface="+mn-cs"/>
+                        </a:rPr>
+                        <a:t>Has no specified protocol so this must be created (layered on top)</a:t>
+                      </a:r>
+                      <a:endParaRPr lang="en-US" b="0" dirty="0"/>
+                    </a:p>
+                  </a:txBody>
+                  <a:tcPr/>
+                </a:tc>
+                <a:extLst>
+                  <a:ext uri="{0D108BD9-81ED-4DB2-BD59-A6C34878D82A}">
+                    <a16:rowId xmlns:a16="http://schemas.microsoft.com/office/drawing/2014/main" val="1083252038"/>
+                  </a:ext>
+                </a:extLst>
+              </a:tr>
+              <a:tr h="1109972">
+                <a:tc gridSpan="2">
+                  <a:txBody>
+                    <a:bodyPr/>
+                    <a:lstStyle/>
+                    <a:p>
+                      <a:pPr marL="0" marR="0" lvl="0" indent="0" algn="l" defTabSz="914400" rtl="0" eaLnBrk="1" fontAlgn="auto" latinLnBrk="0" hangingPunct="1">
+                        <a:lnSpc>
+                          <a:spcPct val="100000"/>
+                        </a:lnSpc>
+                        <a:spcBef>
+                          <a:spcPts val="0"/>
+                        </a:spcBef>
+                        <a:spcAft>
+                          <a:spcPts val="0"/>
+                        </a:spcAft>
+                        <a:buClrTx/>
+                        <a:buSzTx/>
+                        <a:buFontTx/>
+                        <a:buNone/>
+                        <a:tabLst/>
+                        <a:defRPr/>
+                      </a:pPr>
+                      <a:r>
+                        <a:rPr lang="en-US" b="1" dirty="0"/>
+                        <a:t>I2C</a:t>
+                      </a:r>
+                    </a:p>
+                    <a:p>
+                      <a:pPr marL="285750" indent="-285750">
+                        <a:buFont typeface="Arial" panose="020B0604020202020204" pitchFamily="34" charset="0"/>
+                        <a:buChar char="•"/>
+                      </a:pPr>
+                      <a:r>
+                        <a:rPr lang="en-US" sz="1800" b="0" i="0" kern="1200" dirty="0">
+                          <a:solidFill>
+                            <a:schemeClr val="dk1"/>
+                          </a:solidFill>
+                          <a:effectLst/>
+                          <a:latin typeface="+mn-lt"/>
+                          <a:ea typeface="+mn-ea"/>
+                          <a:cs typeface="+mn-cs"/>
+                        </a:rPr>
+                        <a:t>Synchronous</a:t>
+                      </a:r>
+                    </a:p>
+                    <a:p>
+                      <a:pPr marL="285750" indent="-285750">
+                        <a:buFont typeface="Arial" panose="020B0604020202020204" pitchFamily="34" charset="0"/>
+                        <a:buChar char="•"/>
+                      </a:pPr>
+                      <a:r>
+                        <a:rPr lang="en-US" sz="1800" b="0" i="0" kern="1200" dirty="0">
+                          <a:solidFill>
+                            <a:schemeClr val="dk1"/>
+                          </a:solidFill>
+                          <a:effectLst/>
+                          <a:latin typeface="+mn-lt"/>
+                          <a:ea typeface="+mn-ea"/>
+                          <a:cs typeface="+mn-cs"/>
+                        </a:rPr>
+                        <a:t>Two bidirectional lines  (data + Clock)</a:t>
+                      </a:r>
+                    </a:p>
+                    <a:p>
+                      <a:pPr marL="285750" indent="-285750">
+                        <a:buFont typeface="Arial" panose="020B0604020202020204" pitchFamily="34" charset="0"/>
+                        <a:buChar char="•"/>
+                      </a:pPr>
+                      <a:r>
+                        <a:rPr lang="en-US" sz="1800" b="0" i="0" kern="1200" dirty="0">
+                          <a:solidFill>
+                            <a:schemeClr val="dk1"/>
+                          </a:solidFill>
+                          <a:effectLst/>
+                          <a:latin typeface="+mn-lt"/>
+                          <a:ea typeface="+mn-ea"/>
+                          <a:cs typeface="+mn-cs"/>
+                        </a:rPr>
+                        <a:t>Multi-drop and Multi-master</a:t>
+                      </a:r>
+                    </a:p>
+                    <a:p>
+                      <a:pPr marL="285750" indent="-285750">
+                        <a:buFont typeface="Arial" panose="020B0604020202020204" pitchFamily="34" charset="0"/>
+                        <a:buChar char="•"/>
+                      </a:pPr>
+                      <a:r>
+                        <a:rPr lang="en-US" sz="1800" b="0" i="0" kern="1200" dirty="0">
+                          <a:solidFill>
+                            <a:schemeClr val="dk1"/>
+                          </a:solidFill>
+                          <a:effectLst/>
+                          <a:latin typeface="+mn-lt"/>
+                          <a:ea typeface="+mn-ea"/>
+                          <a:cs typeface="+mn-cs"/>
+                        </a:rPr>
+                        <a:t>Performant (5Mhz)</a:t>
+                      </a:r>
+                    </a:p>
+                    <a:p>
+                      <a:pPr marL="285750" indent="-285750">
+                        <a:buFont typeface="Arial" panose="020B0604020202020204" pitchFamily="34" charset="0"/>
+                        <a:buChar char="•"/>
+                      </a:pPr>
+                      <a:r>
+                        <a:rPr lang="en-US" sz="1800" b="0" i="0" kern="1200" dirty="0">
+                          <a:solidFill>
+                            <a:schemeClr val="dk1"/>
+                          </a:solidFill>
+                          <a:effectLst/>
+                          <a:latin typeface="+mn-lt"/>
+                          <a:ea typeface="+mn-ea"/>
+                          <a:cs typeface="+mn-cs"/>
+                        </a:rPr>
+                        <a:t>Short to Medium distances</a:t>
+                      </a:r>
+                      <a:endParaRPr lang="en-US" b="0" dirty="0"/>
+                    </a:p>
+                  </a:txBody>
+                  <a:tcPr/>
+                </a:tc>
+                <a:tc hMerge="1">
+                  <a:txBody>
+                    <a:bodyPr/>
+                    <a:lstStyle/>
+                    <a:p>
+                      <a:endParaRPr lang="en-US"/>
+                    </a:p>
+                  </a:txBody>
+                  <a:tcPr/>
+                </a:tc>
+                <a:tc>
+                  <a:txBody>
+                    <a:bodyPr/>
+                    <a:lstStyle/>
+                    <a:p>
+                      <a:pPr marL="0" marR="0" lvl="0" indent="0" algn="l" defTabSz="914400" rtl="0" eaLnBrk="1" fontAlgn="auto" latinLnBrk="0" hangingPunct="1">
+                        <a:lnSpc>
+                          <a:spcPct val="100000"/>
+                        </a:lnSpc>
+                        <a:spcBef>
+                          <a:spcPts val="0"/>
+                        </a:spcBef>
+                        <a:spcAft>
+                          <a:spcPts val="0"/>
+                        </a:spcAft>
+                        <a:buClrTx/>
+                        <a:buSzTx/>
+                        <a:buFontTx/>
+                        <a:buNone/>
+                        <a:tabLst/>
+                        <a:defRPr/>
+                      </a:pPr>
+                      <a:r>
+                        <a:rPr lang="en-US" sz="1800" b="1" i="0" kern="1200" dirty="0">
+                          <a:solidFill>
+                            <a:schemeClr val="dk1"/>
+                          </a:solidFill>
+                          <a:effectLst/>
+                          <a:latin typeface="+mn-lt"/>
+                          <a:ea typeface="+mn-ea"/>
+                          <a:cs typeface="+mn-cs"/>
+                        </a:rPr>
+                        <a:t>CAN</a:t>
+                      </a:r>
+                    </a:p>
+                    <a:p>
+                      <a:pPr marL="285750" indent="-285750">
+                        <a:buFont typeface="Arial" panose="020B0604020202020204" pitchFamily="34" charset="0"/>
+                        <a:buChar char="•"/>
+                      </a:pPr>
+                      <a:r>
+                        <a:rPr lang="en-US" sz="1800" b="0" i="0" kern="1200" dirty="0">
+                          <a:solidFill>
+                            <a:schemeClr val="dk1"/>
+                          </a:solidFill>
+                          <a:effectLst/>
+                          <a:latin typeface="+mn-lt"/>
+                          <a:ea typeface="+mn-ea"/>
+                          <a:cs typeface="+mn-cs"/>
+                        </a:rPr>
+                        <a:t>Multidrop</a:t>
+                      </a:r>
+                    </a:p>
+                    <a:p>
+                      <a:pPr marL="285750" indent="-285750">
+                        <a:buFont typeface="Arial" panose="020B0604020202020204" pitchFamily="34" charset="0"/>
+                        <a:buChar char="•"/>
+                      </a:pPr>
+                      <a:r>
+                        <a:rPr lang="en-US" sz="1800" b="0" i="0" kern="1200" dirty="0">
+                          <a:solidFill>
+                            <a:schemeClr val="dk1"/>
+                          </a:solidFill>
+                          <a:effectLst/>
+                          <a:latin typeface="+mn-lt"/>
+                          <a:ea typeface="+mn-ea"/>
+                          <a:cs typeface="+mn-cs"/>
+                        </a:rPr>
+                        <a:t>Moderately Performant (1Mhz)</a:t>
+                      </a:r>
+                    </a:p>
+                    <a:p>
+                      <a:pPr marL="285750" indent="-285750">
+                        <a:buFont typeface="Arial" panose="020B0604020202020204" pitchFamily="34" charset="0"/>
+                        <a:buChar char="•"/>
+                      </a:pPr>
+                      <a:r>
+                        <a:rPr lang="en-US" sz="1800" b="0" i="0" kern="1200" dirty="0">
+                          <a:solidFill>
+                            <a:schemeClr val="dk1"/>
+                          </a:solidFill>
+                          <a:effectLst/>
+                          <a:latin typeface="+mn-lt"/>
+                          <a:ea typeface="+mn-ea"/>
+                          <a:cs typeface="+mn-cs"/>
+                        </a:rPr>
+                        <a:t>Distance is not a practical issue.</a:t>
+                      </a:r>
+                    </a:p>
+                    <a:p>
+                      <a:pPr marL="285750" indent="-285750">
+                        <a:buFont typeface="Arial" panose="020B0604020202020204" pitchFamily="34" charset="0"/>
+                        <a:buChar char="•"/>
+                      </a:pPr>
+                      <a:r>
+                        <a:rPr lang="en-US" sz="1800" b="0" i="0" kern="1200" dirty="0">
+                          <a:solidFill>
+                            <a:schemeClr val="dk1"/>
+                          </a:solidFill>
+                          <a:effectLst/>
+                          <a:latin typeface="+mn-lt"/>
+                          <a:ea typeface="+mn-ea"/>
+                          <a:cs typeface="+mn-cs"/>
+                        </a:rPr>
+                        <a:t>Used as the Layout Control Bus on many MERG kits.</a:t>
+                      </a:r>
+                      <a:endParaRPr lang="en-US" b="0" dirty="0"/>
+                    </a:p>
+                  </a:txBody>
+                  <a:tcPr/>
+                </a:tc>
+                <a:extLst>
+                  <a:ext uri="{0D108BD9-81ED-4DB2-BD59-A6C34878D82A}">
+                    <a16:rowId xmlns:a16="http://schemas.microsoft.com/office/drawing/2014/main" val="2494442280"/>
+                  </a:ext>
+                </a:extLst>
+              </a:tr>
+              <a:tr h="1025778">
+                <a:tc gridSpan="2">
+                  <a:txBody>
+                    <a:bodyPr/>
+                    <a:lstStyle/>
+                    <a:p>
+                      <a:pPr marL="0" marR="0" lvl="0" indent="0" algn="l" defTabSz="914400" rtl="0" eaLnBrk="1" fontAlgn="auto" latinLnBrk="0" hangingPunct="1">
+                        <a:lnSpc>
+                          <a:spcPct val="100000"/>
+                        </a:lnSpc>
+                        <a:spcBef>
+                          <a:spcPts val="0"/>
+                        </a:spcBef>
+                        <a:spcAft>
+                          <a:spcPts val="0"/>
+                        </a:spcAft>
+                        <a:buClrTx/>
+                        <a:buSzTx/>
+                        <a:buFontTx/>
+                        <a:buNone/>
+                        <a:tabLst/>
+                        <a:defRPr/>
+                      </a:pPr>
+                      <a:r>
+                        <a:rPr lang="en-US" b="1" dirty="0"/>
+                        <a:t>SPI</a:t>
+                      </a:r>
+                    </a:p>
+                    <a:p>
+                      <a:pPr marL="285750" marR="0" lvl="0" indent="-285750" algn="l" defTabSz="914400" rtl="0" eaLnBrk="1" fontAlgn="auto" latinLnBrk="0" hangingPunct="1">
+                        <a:lnSpc>
+                          <a:spcPct val="100000"/>
+                        </a:lnSpc>
+                        <a:spcBef>
+                          <a:spcPts val="0"/>
+                        </a:spcBef>
+                        <a:spcAft>
+                          <a:spcPts val="0"/>
+                        </a:spcAft>
+                        <a:buClrTx/>
+                        <a:buSzTx/>
+                        <a:buFont typeface="Arial" panose="020B0604020202020204" pitchFamily="34" charset="0"/>
+                        <a:buChar char="•"/>
+                        <a:tabLst/>
+                        <a:defRPr/>
+                      </a:pPr>
+                      <a:r>
+                        <a:rPr lang="en-US" sz="1800" b="0" i="0" kern="1200" dirty="0">
+                          <a:solidFill>
+                            <a:schemeClr val="dk1"/>
+                          </a:solidFill>
+                          <a:effectLst/>
+                          <a:latin typeface="+mn-lt"/>
+                          <a:ea typeface="+mn-ea"/>
+                          <a:cs typeface="+mn-cs"/>
+                        </a:rPr>
+                        <a:t>Synchronous (2 Wire + Clock)</a:t>
+                      </a:r>
+                    </a:p>
+                    <a:p>
+                      <a:pPr marL="285750" indent="-285750">
+                        <a:buFont typeface="Arial" panose="020B0604020202020204" pitchFamily="34" charset="0"/>
+                        <a:buChar char="•"/>
+                      </a:pPr>
+                      <a:r>
+                        <a:rPr lang="en-US" sz="1800" b="0" i="0" kern="1200" dirty="0">
+                          <a:solidFill>
+                            <a:schemeClr val="dk1"/>
+                          </a:solidFill>
+                          <a:effectLst/>
+                          <a:latin typeface="+mn-lt"/>
+                          <a:ea typeface="+mn-ea"/>
+                          <a:cs typeface="+mn-cs"/>
+                        </a:rPr>
+                        <a:t>Multi drop (but not multi-master)</a:t>
+                      </a:r>
+                    </a:p>
+                    <a:p>
+                      <a:pPr marL="285750" indent="-285750">
+                        <a:buFont typeface="Arial" panose="020B0604020202020204" pitchFamily="34" charset="0"/>
+                        <a:buChar char="•"/>
+                      </a:pPr>
+                      <a:r>
+                        <a:rPr lang="en-US" sz="1800" b="0" i="0" kern="1200" dirty="0">
+                          <a:solidFill>
+                            <a:schemeClr val="dk1"/>
+                          </a:solidFill>
+                          <a:effectLst/>
+                          <a:latin typeface="+mn-lt"/>
+                          <a:ea typeface="+mn-ea"/>
+                          <a:cs typeface="+mn-cs"/>
+                        </a:rPr>
+                        <a:t>Very Performant</a:t>
+                      </a:r>
+                    </a:p>
+                    <a:p>
+                      <a:pPr marL="285750" indent="-285750">
+                        <a:buFont typeface="Arial" panose="020B0604020202020204" pitchFamily="34" charset="0"/>
+                        <a:buChar char="•"/>
+                      </a:pPr>
+                      <a:r>
+                        <a:rPr lang="en-US" sz="1800" b="0" i="0" kern="1200" dirty="0">
+                          <a:solidFill>
+                            <a:schemeClr val="dk1"/>
+                          </a:solidFill>
+                          <a:effectLst/>
+                          <a:latin typeface="+mn-lt"/>
+                          <a:ea typeface="+mn-ea"/>
+                          <a:cs typeface="+mn-cs"/>
+                        </a:rPr>
+                        <a:t>Short to Medium distances</a:t>
+                      </a:r>
+                      <a:endParaRPr lang="en-US" b="0" dirty="0"/>
+                    </a:p>
+                  </a:txBody>
+                  <a:tcPr/>
+                </a:tc>
+                <a:tc hMerge="1">
+                  <a:txBody>
+                    <a:bodyPr/>
+                    <a:lstStyle/>
+                    <a:p>
+                      <a:endParaRPr lang="en-US"/>
+                    </a:p>
+                  </a:txBody>
+                  <a:tcPr/>
+                </a:tc>
+                <a:tc>
+                  <a:txBody>
+                    <a:bodyPr/>
+                    <a:lstStyle/>
+                    <a:p>
+                      <a:endParaRPr lang="en-US" dirty="0"/>
+                    </a:p>
+                  </a:txBody>
+                  <a:tcPr/>
+                </a:tc>
+                <a:extLst>
+                  <a:ext uri="{0D108BD9-81ED-4DB2-BD59-A6C34878D82A}">
+                    <a16:rowId xmlns:a16="http://schemas.microsoft.com/office/drawing/2014/main" val="1235703702"/>
+                  </a:ext>
+                </a:extLst>
+              </a:tr>
+            </a:tbl>
+          </a:graphicData>
+        </a:graphic>
+      </p:graphicFrame>
+      <p:sp>
+        <p:nvSpPr>
+          <p:cNvPr id="8" name="Subtitle 2">
+            <a:extLst>
+              <a:ext uri="{FF2B5EF4-FFF2-40B4-BE49-F238E27FC236}">
+                <a16:creationId xmlns:a16="http://schemas.microsoft.com/office/drawing/2014/main" id="{7AFF94B5-A049-2183-7DF4-C57A515AC81C}"/>
+              </a:ext>
+            </a:extLst>
+          </p:cNvPr>
+          <p:cNvSpPr txBox="1">
+            <a:spLocks/>
+          </p:cNvSpPr>
+          <p:nvPr/>
+        </p:nvSpPr>
+        <p:spPr>
+          <a:xfrm>
+            <a:off x="560718" y="6177560"/>
+            <a:ext cx="1357223" cy="558771"/>
+          </a:xfrm>
+          <a:prstGeom prst="rect">
+            <a:avLst/>
+          </a:prstGeom>
+        </p:spPr>
+        <p:txBody>
+          <a:bodyPr vert="horz" lIns="91440" tIns="45720" rIns="91440" bIns="45720" rtlCol="0">
+            <a:noAutofit/>
+          </a:bodyPr>
+          <a:lstStyle>
+            <a:lvl1pPr marL="0" indent="0" algn="ctr" defTabSz="914400" rtl="0" eaLnBrk="1" latinLnBrk="0" hangingPunct="1">
+              <a:lnSpc>
+                <a:spcPct val="90000"/>
+              </a:lnSpc>
+              <a:spcBef>
+                <a:spcPts val="1000"/>
+              </a:spcBef>
+              <a:buFont typeface="Arial" panose="020B0604020202020204" pitchFamily="34" charset="0"/>
+              <a:buNone/>
+              <a:defRPr sz="2400" kern="1200">
+                <a:solidFill>
+                  <a:schemeClr val="tx1"/>
+                </a:solidFill>
+                <a:latin typeface="+mn-lt"/>
+                <a:ea typeface="+mn-ea"/>
+                <a:cs typeface="+mn-cs"/>
+              </a:defRPr>
+            </a:lvl1pPr>
+            <a:lvl2pPr marL="457200" indent="0" algn="ctr" defTabSz="914400" rtl="0" eaLnBrk="1" latinLnBrk="0" hangingPunct="1">
+              <a:lnSpc>
+                <a:spcPct val="90000"/>
+              </a:lnSpc>
+              <a:spcBef>
+                <a:spcPts val="500"/>
+              </a:spcBef>
+              <a:buFont typeface="Arial" panose="020B0604020202020204" pitchFamily="34" charset="0"/>
+              <a:buNone/>
+              <a:defRPr sz="2000" kern="1200">
+                <a:solidFill>
+                  <a:schemeClr val="tx1"/>
+                </a:solidFill>
+                <a:latin typeface="+mn-lt"/>
+                <a:ea typeface="+mn-ea"/>
+                <a:cs typeface="+mn-cs"/>
+              </a:defRPr>
+            </a:lvl2pPr>
+            <a:lvl3pPr marL="914400" indent="0" algn="ctr" defTabSz="914400" rtl="0" eaLnBrk="1" latinLnBrk="0" hangingPunct="1">
+              <a:lnSpc>
+                <a:spcPct val="90000"/>
+              </a:lnSpc>
+              <a:spcBef>
+                <a:spcPts val="500"/>
+              </a:spcBef>
+              <a:buFont typeface="Arial" panose="020B0604020202020204" pitchFamily="34" charset="0"/>
+              <a:buNone/>
+              <a:defRPr sz="1800" kern="1200">
+                <a:solidFill>
+                  <a:schemeClr val="tx1"/>
+                </a:solidFill>
+                <a:latin typeface="+mn-lt"/>
+                <a:ea typeface="+mn-ea"/>
+                <a:cs typeface="+mn-cs"/>
+              </a:defRPr>
+            </a:lvl3pPr>
+            <a:lvl4pPr marL="1371600" indent="0" algn="ctr" defTabSz="914400" rtl="0" eaLnBrk="1" latinLnBrk="0" hangingPunct="1">
+              <a:lnSpc>
+                <a:spcPct val="90000"/>
+              </a:lnSpc>
+              <a:spcBef>
+                <a:spcPts val="500"/>
+              </a:spcBef>
+              <a:buFont typeface="Arial" panose="020B0604020202020204" pitchFamily="34" charset="0"/>
+              <a:buNone/>
+              <a:defRPr sz="1600" kern="1200">
+                <a:solidFill>
+                  <a:schemeClr val="tx1"/>
+                </a:solidFill>
+                <a:latin typeface="+mn-lt"/>
+                <a:ea typeface="+mn-ea"/>
+                <a:cs typeface="+mn-cs"/>
+              </a:defRPr>
+            </a:lvl4pPr>
+            <a:lvl5pPr marL="1828800" indent="0" algn="ctr" defTabSz="914400" rtl="0" eaLnBrk="1" latinLnBrk="0" hangingPunct="1">
+              <a:lnSpc>
+                <a:spcPct val="90000"/>
+              </a:lnSpc>
+              <a:spcBef>
+                <a:spcPts val="500"/>
+              </a:spcBef>
+              <a:buFont typeface="Arial" panose="020B0604020202020204" pitchFamily="34" charset="0"/>
+              <a:buNone/>
+              <a:defRPr sz="1600" kern="1200">
+                <a:solidFill>
+                  <a:schemeClr val="tx1"/>
+                </a:solidFill>
+                <a:latin typeface="+mn-lt"/>
+                <a:ea typeface="+mn-ea"/>
+                <a:cs typeface="+mn-cs"/>
+              </a:defRPr>
+            </a:lvl5pPr>
+            <a:lvl6pPr marL="2286000" indent="0" algn="ctr" defTabSz="914400" rtl="0" eaLnBrk="1" latinLnBrk="0" hangingPunct="1">
+              <a:lnSpc>
+                <a:spcPct val="90000"/>
+              </a:lnSpc>
+              <a:spcBef>
+                <a:spcPts val="500"/>
+              </a:spcBef>
+              <a:buFont typeface="Arial" panose="020B0604020202020204" pitchFamily="34" charset="0"/>
+              <a:buNone/>
+              <a:defRPr sz="1600" kern="1200">
+                <a:solidFill>
+                  <a:schemeClr val="tx1"/>
+                </a:solidFill>
+                <a:latin typeface="+mn-lt"/>
+                <a:ea typeface="+mn-ea"/>
+                <a:cs typeface="+mn-cs"/>
+              </a:defRPr>
+            </a:lvl6pPr>
+            <a:lvl7pPr marL="2743200" indent="0" algn="ctr" defTabSz="914400" rtl="0" eaLnBrk="1" latinLnBrk="0" hangingPunct="1">
+              <a:lnSpc>
+                <a:spcPct val="90000"/>
+              </a:lnSpc>
+              <a:spcBef>
+                <a:spcPts val="500"/>
+              </a:spcBef>
+              <a:buFont typeface="Arial" panose="020B0604020202020204" pitchFamily="34" charset="0"/>
+              <a:buNone/>
+              <a:defRPr sz="1600" kern="1200">
+                <a:solidFill>
+                  <a:schemeClr val="tx1"/>
+                </a:solidFill>
+                <a:latin typeface="+mn-lt"/>
+                <a:ea typeface="+mn-ea"/>
+                <a:cs typeface="+mn-cs"/>
+              </a:defRPr>
+            </a:lvl7pPr>
+            <a:lvl8pPr marL="3200400" indent="0" algn="ctr" defTabSz="914400" rtl="0" eaLnBrk="1" latinLnBrk="0" hangingPunct="1">
+              <a:lnSpc>
+                <a:spcPct val="90000"/>
+              </a:lnSpc>
+              <a:spcBef>
+                <a:spcPts val="500"/>
+              </a:spcBef>
+              <a:buFont typeface="Arial" panose="020B0604020202020204" pitchFamily="34" charset="0"/>
+              <a:buNone/>
+              <a:defRPr sz="1600" kern="1200">
+                <a:solidFill>
+                  <a:schemeClr val="tx1"/>
+                </a:solidFill>
+                <a:latin typeface="+mn-lt"/>
+                <a:ea typeface="+mn-ea"/>
+                <a:cs typeface="+mn-cs"/>
+              </a:defRPr>
+            </a:lvl8pPr>
+            <a:lvl9pPr marL="3657600" indent="0" algn="ctr" defTabSz="914400" rtl="0" eaLnBrk="1" latinLnBrk="0" hangingPunct="1">
+              <a:lnSpc>
+                <a:spcPct val="90000"/>
+              </a:lnSpc>
+              <a:spcBef>
+                <a:spcPts val="500"/>
+              </a:spcBef>
+              <a:buFont typeface="Arial" panose="020B0604020202020204" pitchFamily="34" charset="0"/>
+              <a:buNone/>
+              <a:defRPr sz="1600" kern="1200">
+                <a:solidFill>
+                  <a:schemeClr val="tx1"/>
+                </a:solidFill>
+                <a:latin typeface="+mn-lt"/>
+                <a:ea typeface="+mn-ea"/>
+                <a:cs typeface="+mn-cs"/>
+              </a:defRPr>
+            </a:lvl9pPr>
+          </a:lstStyle>
+          <a:p>
+            <a:endParaRPr lang="en-US" sz="3200" b="1" dirty="0">
+              <a:solidFill>
+                <a:schemeClr val="accent1">
+                  <a:lumMod val="60000"/>
+                  <a:lumOff val="40000"/>
+                </a:schemeClr>
+              </a:solidFill>
+              <a:latin typeface="MERG_Logo" pitchFamily="2" charset="0"/>
+            </a:endParaRPr>
+          </a:p>
+        </p:txBody>
+      </p:sp>
+      <p:pic>
+        <p:nvPicPr>
+          <p:cNvPr id="9" name="Picture 8">
+            <a:extLst>
+              <a:ext uri="{FF2B5EF4-FFF2-40B4-BE49-F238E27FC236}">
+                <a16:creationId xmlns:a16="http://schemas.microsoft.com/office/drawing/2014/main" id="{8BDECE6B-87DF-5CB2-739B-0063A17FCC98}"/>
+              </a:ext>
+            </a:extLst>
+          </p:cNvPr>
+          <p:cNvPicPr>
+            <a:picLocks noChangeAspect="1"/>
+          </p:cNvPicPr>
+          <p:nvPr/>
+        </p:nvPicPr>
+        <p:blipFill>
+          <a:blip r:embed="rId2" cstate="email">
+            <a:extLst>
+              <a:ext uri="{28A0092B-C50C-407E-A947-70E740481C1C}">
+                <a14:useLocalDpi xmlns:a14="http://schemas.microsoft.com/office/drawing/2010/main"/>
+              </a:ext>
+            </a:extLst>
+          </a:blip>
+          <a:stretch>
+            <a:fillRect/>
+          </a:stretch>
+        </p:blipFill>
+        <p:spPr>
+          <a:xfrm>
+            <a:off x="10749400" y="6239363"/>
+            <a:ext cx="1116784" cy="496968"/>
+          </a:xfrm>
+          <a:prstGeom prst="rect">
+            <a:avLst/>
+          </a:prstGeom>
+        </p:spPr>
+      </p:pic>
+      <p:sp>
+        <p:nvSpPr>
+          <p:cNvPr id="2" name="TextBox 1">
+            <a:extLst>
+              <a:ext uri="{FF2B5EF4-FFF2-40B4-BE49-F238E27FC236}">
+                <a16:creationId xmlns:a16="http://schemas.microsoft.com/office/drawing/2014/main" id="{9AD0A64A-E3CF-1BFC-3C44-92607AC42E14}"/>
+              </a:ext>
+            </a:extLst>
+          </p:cNvPr>
+          <p:cNvSpPr txBox="1"/>
+          <p:nvPr/>
+        </p:nvSpPr>
+        <p:spPr>
+          <a:xfrm>
+            <a:off x="685800" y="6060426"/>
+            <a:ext cx="11090694" cy="523220"/>
+          </a:xfrm>
+          <a:prstGeom prst="rect">
+            <a:avLst/>
+          </a:prstGeom>
+          <a:noFill/>
+        </p:spPr>
+        <p:txBody>
+          <a:bodyPr wrap="square" rtlCol="0">
+            <a:spAutoFit/>
+          </a:bodyPr>
+          <a:lstStyle/>
+          <a:p>
+            <a:r>
+              <a:rPr lang="en-US" sz="1400" dirty="0"/>
+              <a:t>Some material on this and the following slides was extracted with permission from a forum posting by </a:t>
+            </a:r>
+            <a:r>
+              <a:rPr lang="en-US" sz="1400" dirty="0" err="1"/>
+              <a:t>ElectricDave</a:t>
+            </a:r>
+            <a:r>
+              <a:rPr lang="en-US" sz="1400" dirty="0"/>
+              <a:t>:</a:t>
+            </a:r>
+          </a:p>
+          <a:p>
+            <a:r>
+              <a:rPr lang="en-US" sz="1400" dirty="0">
+                <a:hlinkClick r:id="rId3"/>
+              </a:rPr>
+              <a:t>https://www.merg.org.uk/forum/viewtopic.php?p=172961#p172961</a:t>
+            </a:r>
+            <a:endParaRPr lang="en-US" sz="1400" dirty="0"/>
+          </a:p>
+        </p:txBody>
+      </p:sp>
+    </p:spTree>
+    <p:extLst>
+      <p:ext uri="{BB962C8B-B14F-4D97-AF65-F5344CB8AC3E}">
+        <p14:creationId xmlns:p14="http://schemas.microsoft.com/office/powerpoint/2010/main" val="4158339450"/>
+      </p:ext>
+    </p:extLst>
+  </p:cSld>
+  <p:clrMapOvr>
+    <a:masterClrMapping/>
+  </p:clrMapOvr>
+</p:sld>
+</file>
+
+<file path=ppt/slides/slide41.xml><?xml version="1.0" encoding="utf-8"?>
+<p:sld xmlns:a="http://schemas.openxmlformats.org/drawingml/2006/main" xmlns:r="http://schemas.openxmlformats.org/officeDocument/2006/relationships" xmlns:p="http://schemas.openxmlformats.org/presentationml/2006/main">
+  <p:cSld>
+    <p:spTree>
+      <p:nvGrpSpPr>
+        <p:cNvPr id="1" name=""/>
+        <p:cNvGrpSpPr/>
+        <p:nvPr/>
+      </p:nvGrpSpPr>
+      <p:grpSpPr>
+        <a:xfrm>
+          <a:off x="0" y="0"/>
+          <a:ext cx="0" cy="0"/>
+          <a:chOff x="0" y="0"/>
+          <a:chExt cx="0" cy="0"/>
+        </a:xfrm>
+      </p:grpSpPr>
+      <p:graphicFrame>
+        <p:nvGraphicFramePr>
+          <p:cNvPr id="7" name="Table 7">
+            <a:extLst>
+              <a:ext uri="{FF2B5EF4-FFF2-40B4-BE49-F238E27FC236}">
+                <a16:creationId xmlns:a16="http://schemas.microsoft.com/office/drawing/2014/main" id="{9B2F03AA-E6B2-4CB4-910F-7DA903FD6ED6}"/>
+              </a:ext>
+            </a:extLst>
+          </p:cNvPr>
+          <p:cNvGraphicFramePr>
+            <a:graphicFrameLocks noGrp="1"/>
+          </p:cNvGraphicFramePr>
+          <p:nvPr>
+            <p:extLst>
+              <p:ext uri="{D42A27DB-BD31-4B8C-83A1-F6EECF244321}">
+                <p14:modId xmlns:p14="http://schemas.microsoft.com/office/powerpoint/2010/main" val="1184423227"/>
+              </p:ext>
+            </p:extLst>
+          </p:nvPr>
+        </p:nvGraphicFramePr>
+        <p:xfrm>
+          <a:off x="415505" y="391004"/>
+          <a:ext cx="11385431" cy="5848194"/>
+        </p:xfrm>
+        <a:graphic>
+          <a:graphicData uri="http://schemas.openxmlformats.org/drawingml/2006/table">
+            <a:tbl>
+              <a:tblPr firstRow="1" bandRow="1">
+                <a:tableStyleId>{5C22544A-7EE6-4342-B048-85BDC9FD1C3A}</a:tableStyleId>
+              </a:tblPr>
+              <a:tblGrid>
+                <a:gridCol w="912963">
+                  <a:extLst>
+                    <a:ext uri="{9D8B030D-6E8A-4147-A177-3AD203B41FA5}">
+                      <a16:colId xmlns:a16="http://schemas.microsoft.com/office/drawing/2014/main" val="747525499"/>
+                    </a:ext>
+                  </a:extLst>
+                </a:gridCol>
+                <a:gridCol w="4787660">
+                  <a:extLst>
+                    <a:ext uri="{9D8B030D-6E8A-4147-A177-3AD203B41FA5}">
+                      <a16:colId xmlns:a16="http://schemas.microsoft.com/office/drawing/2014/main" val="2892156475"/>
+                    </a:ext>
+                  </a:extLst>
+                </a:gridCol>
+                <a:gridCol w="5684808">
+                  <a:extLst>
+                    <a:ext uri="{9D8B030D-6E8A-4147-A177-3AD203B41FA5}">
+                      <a16:colId xmlns:a16="http://schemas.microsoft.com/office/drawing/2014/main" val="3449804923"/>
+                    </a:ext>
+                  </a:extLst>
+                </a:gridCol>
+              </a:tblGrid>
+              <a:tr h="890459">
+                <a:tc>
+                  <a:txBody>
+                    <a:bodyPr/>
+                    <a:lstStyle/>
+                    <a:p>
+                      <a:endParaRPr lang="en-US" sz="4400" dirty="0"/>
+                    </a:p>
+                  </a:txBody>
+                  <a:tcPr/>
+                </a:tc>
+                <a:tc>
+                  <a:txBody>
+                    <a:bodyPr/>
+                    <a:lstStyle/>
+                    <a:p>
+                      <a:r>
+                        <a:rPr lang="en-US" sz="4400" dirty="0">
+                          <a:solidFill>
+                            <a:srgbClr val="FFFF00"/>
+                          </a:solidFill>
+                        </a:rPr>
+                        <a:t>Simple Serial</a:t>
+                      </a:r>
+                    </a:p>
+                  </a:txBody>
+                  <a:tcPr/>
+                </a:tc>
+                <a:tc>
+                  <a:txBody>
+                    <a:bodyPr/>
+                    <a:lstStyle/>
+                    <a:p>
+                      <a:pPr marL="0" marR="0" lvl="0" indent="0" algn="l" defTabSz="914400" rtl="0" eaLnBrk="1" fontAlgn="auto" latinLnBrk="0" hangingPunct="1">
+                        <a:lnSpc>
+                          <a:spcPct val="100000"/>
+                        </a:lnSpc>
+                        <a:spcBef>
+                          <a:spcPts val="0"/>
+                        </a:spcBef>
+                        <a:spcAft>
+                          <a:spcPts val="0"/>
+                        </a:spcAft>
+                        <a:buClrTx/>
+                        <a:buSzTx/>
+                        <a:buFontTx/>
+                        <a:buNone/>
+                        <a:tabLst/>
+                        <a:defRPr/>
+                      </a:pPr>
+                      <a:r>
+                        <a:rPr lang="en-US" sz="4400" b="1" kern="1200" dirty="0">
+                          <a:solidFill>
+                            <a:schemeClr val="lt1"/>
+                          </a:solidFill>
+                          <a:latin typeface="+mn-lt"/>
+                          <a:ea typeface="+mn-ea"/>
+                          <a:cs typeface="+mn-cs"/>
+                        </a:rPr>
+                        <a:t>Serial Communications</a:t>
+                      </a:r>
+                    </a:p>
+                  </a:txBody>
+                  <a:tcPr/>
+                </a:tc>
+                <a:extLst>
+                  <a:ext uri="{0D108BD9-81ED-4DB2-BD59-A6C34878D82A}">
+                    <a16:rowId xmlns:a16="http://schemas.microsoft.com/office/drawing/2014/main" val="4166713368"/>
+                  </a:ext>
+                </a:extLst>
+              </a:tr>
+              <a:tr h="788877">
+                <a:tc gridSpan="2">
+                  <a:txBody>
+                    <a:bodyPr/>
+                    <a:lstStyle/>
+                    <a:p>
+                      <a:r>
+                        <a:rPr lang="en-US" sz="1600" b="1" dirty="0"/>
+                        <a:t>Usage:</a:t>
+                      </a:r>
+                    </a:p>
+                    <a:p>
+                      <a:r>
+                        <a:rPr lang="en-US" sz="1600" dirty="0"/>
+                        <a:t>Relatively slow point to point communications over short distances.</a:t>
+                      </a:r>
+                    </a:p>
+                  </a:txBody>
+                  <a:tcPr/>
+                </a:tc>
+                <a:tc hMerge="1">
+                  <a:txBody>
+                    <a:bodyPr/>
+                    <a:lstStyle/>
+                    <a:p>
+                      <a:endParaRPr lang="en-US"/>
+                    </a:p>
+                  </a:txBody>
+                  <a:tcPr/>
+                </a:tc>
+                <a:tc>
+                  <a:txBody>
+                    <a:bodyPr/>
+                    <a:lstStyle/>
+                    <a:p>
+                      <a:r>
+                        <a:rPr lang="en-US" sz="1600" b="1" dirty="0"/>
+                        <a:t>Photo</a:t>
+                      </a:r>
+                      <a:r>
+                        <a:rPr lang="en-US" sz="1600" dirty="0"/>
+                        <a:t>:</a:t>
+                      </a:r>
+                    </a:p>
+                    <a:p>
+                      <a:endParaRPr lang="en-US" sz="1600" dirty="0"/>
+                    </a:p>
+                  </a:txBody>
+                  <a:tcPr/>
+                </a:tc>
+                <a:extLst>
+                  <a:ext uri="{0D108BD9-81ED-4DB2-BD59-A6C34878D82A}">
+                    <a16:rowId xmlns:a16="http://schemas.microsoft.com/office/drawing/2014/main" val="1083252038"/>
+                  </a:ext>
+                </a:extLst>
+              </a:tr>
+              <a:tr h="1604935">
+                <a:tc gridSpan="2">
+                  <a:txBody>
+                    <a:bodyPr/>
+                    <a:lstStyle/>
+                    <a:p>
+                      <a:pPr marL="0" marR="0" lvl="0" indent="0" algn="l" defTabSz="914400" rtl="0" eaLnBrk="1" fontAlgn="auto" latinLnBrk="0" hangingPunct="1">
+                        <a:lnSpc>
+                          <a:spcPct val="100000"/>
+                        </a:lnSpc>
+                        <a:spcBef>
+                          <a:spcPts val="0"/>
+                        </a:spcBef>
+                        <a:spcAft>
+                          <a:spcPts val="0"/>
+                        </a:spcAft>
+                        <a:buClrTx/>
+                        <a:buSzTx/>
+                        <a:buFontTx/>
+                        <a:buNone/>
+                        <a:tabLst/>
+                        <a:defRPr/>
+                      </a:pPr>
+                      <a:r>
+                        <a:rPr lang="en-US" sz="1600" b="1" dirty="0"/>
+                        <a:t>How it Works: </a:t>
+                      </a:r>
+                      <a:r>
+                        <a:rPr lang="en-US" sz="1600" b="1" dirty="0" err="1"/>
+                        <a:t>TxD</a:t>
+                      </a:r>
+                      <a:r>
+                        <a:rPr lang="en-US" sz="1600" b="0" dirty="0"/>
+                        <a:t> Transmit is digital pin 1 , </a:t>
+                      </a:r>
+                      <a:r>
+                        <a:rPr lang="en-US" sz="1600" b="1" dirty="0"/>
+                        <a:t>RxD</a:t>
+                      </a:r>
+                      <a:r>
+                        <a:rPr lang="en-US" sz="1600" b="0" dirty="0"/>
+                        <a:t> Receive is pin 0.   Using the &lt;</a:t>
+                      </a:r>
+                      <a:r>
+                        <a:rPr lang="en-US" sz="1600" b="0" dirty="0" err="1"/>
+                        <a:t>Serial.h</a:t>
+                      </a:r>
+                      <a:r>
+                        <a:rPr lang="en-US" sz="1600" b="0" dirty="0"/>
+                        <a:t>&gt; library we use simple commands like Print() to send messages out to the serial pins. The library sends the bytes that make up the message out the </a:t>
+                      </a:r>
+                      <a:r>
+                        <a:rPr lang="en-US" sz="1600" b="0" dirty="0" err="1"/>
+                        <a:t>TxD</a:t>
+                      </a:r>
+                      <a:r>
+                        <a:rPr lang="en-US" sz="1600" b="0" dirty="0"/>
+                        <a:t> pin in the form of a series of data frames. Each frame (corresponding to one byte of data) has a start bit, data bits, a parity bit and stop bits. </a:t>
+                      </a:r>
+                    </a:p>
+                  </a:txBody>
+                  <a:tcPr/>
+                </a:tc>
+                <a:tc hMerge="1">
+                  <a:txBody>
+                    <a:bodyPr/>
+                    <a:lstStyle/>
+                    <a:p>
+                      <a:endParaRPr lang="en-US"/>
+                    </a:p>
+                  </a:txBody>
+                  <a:tcPr/>
+                </a:tc>
+                <a:tc>
+                  <a:txBody>
+                    <a:bodyPr/>
+                    <a:lstStyle/>
+                    <a:p>
+                      <a:pPr marL="0" marR="0" lvl="0" indent="0" algn="l" defTabSz="914400" rtl="0" eaLnBrk="1" fontAlgn="auto" latinLnBrk="0" hangingPunct="1">
+                        <a:lnSpc>
+                          <a:spcPct val="100000"/>
+                        </a:lnSpc>
+                        <a:spcBef>
+                          <a:spcPts val="0"/>
+                        </a:spcBef>
+                        <a:spcAft>
+                          <a:spcPts val="0"/>
+                        </a:spcAft>
+                        <a:buClrTx/>
+                        <a:buSzTx/>
+                        <a:buFontTx/>
+                        <a:buNone/>
+                        <a:tabLst/>
+                        <a:defRPr/>
+                      </a:pPr>
+                      <a:r>
+                        <a:rPr lang="en-US" sz="1600" b="1" dirty="0"/>
+                        <a:t>Pros: </a:t>
+                      </a:r>
+                      <a:r>
+                        <a:rPr lang="en-US" sz="1600" b="0" dirty="0"/>
+                        <a:t>Proven in use. All Arduinos have Tx/Rx pins.</a:t>
+                      </a:r>
+                    </a:p>
+                    <a:p>
+                      <a:r>
+                        <a:rPr lang="en-US" sz="1600" b="1" dirty="0"/>
+                        <a:t>Cons: </a:t>
+                      </a:r>
+                      <a:r>
+                        <a:rPr lang="en-US" sz="1600" dirty="0"/>
+                        <a:t>Point to point communications only. Relatively slow.</a:t>
+                      </a:r>
+                    </a:p>
+                    <a:p>
+                      <a:r>
+                        <a:rPr lang="en-US" sz="1600" dirty="0"/>
+                        <a:t>Only the most basic error checking (and only if parity is enabled), no built in retry, or any form of guaranteed delivery. </a:t>
+                      </a:r>
+                    </a:p>
+                  </a:txBody>
+                  <a:tcPr/>
+                </a:tc>
+                <a:extLst>
+                  <a:ext uri="{0D108BD9-81ED-4DB2-BD59-A6C34878D82A}">
+                    <a16:rowId xmlns:a16="http://schemas.microsoft.com/office/drawing/2014/main" val="2494442280"/>
+                  </a:ext>
+                </a:extLst>
+              </a:tr>
+              <a:tr h="1153819">
+                <a:tc gridSpan="2">
+                  <a:txBody>
+                    <a:bodyPr/>
+                    <a:lstStyle/>
+                    <a:p>
+                      <a:r>
+                        <a:rPr lang="en-US" sz="1600" b="1" dirty="0"/>
+                        <a:t>Notes:  Some common terms associated with serial comms</a:t>
+                      </a:r>
+                    </a:p>
+                    <a:p>
+                      <a:pPr marL="0" marR="0" lvl="0" indent="0" algn="l" defTabSz="914400" rtl="0" eaLnBrk="1" fontAlgn="auto" latinLnBrk="0" hangingPunct="1">
+                        <a:lnSpc>
+                          <a:spcPct val="100000"/>
+                        </a:lnSpc>
+                        <a:spcBef>
+                          <a:spcPts val="0"/>
+                        </a:spcBef>
+                        <a:spcAft>
+                          <a:spcPts val="0"/>
+                        </a:spcAft>
+                        <a:buClrTx/>
+                        <a:buSzTx/>
+                        <a:buFontTx/>
+                        <a:buNone/>
+                        <a:tabLst/>
+                        <a:defRPr/>
+                      </a:pPr>
+                      <a:r>
+                        <a:rPr lang="en-US" sz="1600" b="1" dirty="0"/>
+                        <a:t>BPS = </a:t>
+                      </a:r>
+                      <a:r>
+                        <a:rPr lang="en-US" sz="1600" b="0" dirty="0"/>
+                        <a:t>Bits per Second i.e. the speed of communications. Higher is faster. Technically not the same as the </a:t>
+                      </a:r>
+                      <a:r>
+                        <a:rPr lang="en-US" sz="1600" b="1" dirty="0"/>
+                        <a:t>Baud rate </a:t>
+                      </a:r>
+                      <a:r>
+                        <a:rPr lang="en-US" sz="1600" b="0" dirty="0"/>
+                        <a:t>although (the number of state changes on the wire) but the two terms are often used interchangeably. </a:t>
+                      </a:r>
+                      <a:r>
+                        <a:rPr lang="en-US" sz="1600" b="1" dirty="0"/>
+                        <a:t>Parity </a:t>
+                      </a:r>
+                      <a:r>
+                        <a:rPr lang="en-US" sz="1600" b="0" dirty="0"/>
+                        <a:t>is a single bit added to the frame which can be either 1 or 0. It is used to make the total number of 1’s in the frame either Odd, or Even. </a:t>
+                      </a:r>
+                      <a:r>
+                        <a:rPr lang="en-US" sz="1600" b="1" dirty="0"/>
+                        <a:t>Stop bits </a:t>
+                      </a:r>
+                      <a:r>
+                        <a:rPr lang="en-US" sz="1600" b="0" dirty="0"/>
+                        <a:t>indicate the end of the frame.</a:t>
+                      </a:r>
+                      <a:r>
+                        <a:rPr lang="en-US" sz="1600" b="1" dirty="0"/>
+                        <a:t> </a:t>
+                      </a:r>
+                    </a:p>
+                    <a:p>
+                      <a:pPr marL="0" marR="0" lvl="0" indent="0" algn="l" defTabSz="914400" rtl="0" eaLnBrk="1" fontAlgn="auto" latinLnBrk="0" hangingPunct="1">
+                        <a:lnSpc>
+                          <a:spcPct val="100000"/>
+                        </a:lnSpc>
+                        <a:spcBef>
+                          <a:spcPts val="0"/>
+                        </a:spcBef>
+                        <a:spcAft>
+                          <a:spcPts val="0"/>
+                        </a:spcAft>
+                        <a:buClrTx/>
+                        <a:buSzTx/>
+                        <a:buFontTx/>
+                        <a:buNone/>
+                        <a:tabLst/>
+                        <a:defRPr/>
+                      </a:pPr>
+                      <a:r>
+                        <a:rPr lang="en-US" sz="1600" b="1" dirty="0"/>
+                        <a:t>9600 8N1 </a:t>
+                      </a:r>
+                      <a:r>
+                        <a:rPr lang="en-US" sz="1600" b="0" dirty="0"/>
+                        <a:t>is a shorthand notation for 9600 bps, 8 data bits, No parity and 1 stop bit.</a:t>
+                      </a:r>
+                    </a:p>
+                  </a:txBody>
+                  <a:tcPr/>
+                </a:tc>
+                <a:tc hMerge="1">
+                  <a:txBody>
+                    <a:bodyPr/>
+                    <a:lstStyle/>
+                    <a:p>
+                      <a:endParaRPr lang="en-US"/>
+                    </a:p>
+                  </a:txBody>
+                  <a:tcPr/>
+                </a:tc>
+                <a:tc>
+                  <a:txBody>
+                    <a:bodyPr/>
+                    <a:lstStyle/>
+                    <a:p>
+                      <a:pPr marL="0" marR="0" lvl="0" indent="0" algn="l" defTabSz="914400" rtl="0" eaLnBrk="1" fontAlgn="auto" latinLnBrk="0" hangingPunct="1">
+                        <a:lnSpc>
+                          <a:spcPct val="100000"/>
+                        </a:lnSpc>
+                        <a:spcBef>
+                          <a:spcPts val="0"/>
+                        </a:spcBef>
+                        <a:spcAft>
+                          <a:spcPts val="0"/>
+                        </a:spcAft>
+                        <a:buClrTx/>
+                        <a:buSzTx/>
+                        <a:buFontTx/>
+                        <a:buNone/>
+                        <a:tabLst/>
+                        <a:defRPr/>
+                      </a:pPr>
+                      <a:r>
+                        <a:rPr lang="en-US" sz="1600" b="1" dirty="0"/>
+                        <a:t>UART – </a:t>
+                      </a:r>
+                      <a:r>
+                        <a:rPr lang="en-US" sz="1600" b="0" dirty="0"/>
+                        <a:t>Universal asynchronous Receiver/Transmitter. Takes a byte (8 bits) as input and shuffles the data bits out serially at a specific BPS while automatically adding the start, stop and parity bits as may have been configured.</a:t>
+                      </a:r>
+                    </a:p>
+                    <a:p>
+                      <a:pPr marL="0" marR="0" lvl="0" indent="0" algn="l" defTabSz="914400" rtl="0" eaLnBrk="1" fontAlgn="auto" latinLnBrk="0" hangingPunct="1">
+                        <a:lnSpc>
+                          <a:spcPct val="100000"/>
+                        </a:lnSpc>
+                        <a:spcBef>
+                          <a:spcPts val="0"/>
+                        </a:spcBef>
+                        <a:spcAft>
+                          <a:spcPts val="0"/>
+                        </a:spcAft>
+                        <a:buClrTx/>
+                        <a:buSzTx/>
+                        <a:buFontTx/>
+                        <a:buNone/>
+                        <a:tabLst/>
+                        <a:defRPr/>
+                      </a:pPr>
+                      <a:endParaRPr lang="en-US" sz="1600" b="1" dirty="0"/>
+                    </a:p>
+                    <a:p>
+                      <a:pPr marL="0" marR="0" lvl="0" indent="0" algn="l" defTabSz="914400" rtl="0" eaLnBrk="1" fontAlgn="auto" latinLnBrk="0" hangingPunct="1">
+                        <a:lnSpc>
+                          <a:spcPct val="100000"/>
+                        </a:lnSpc>
+                        <a:spcBef>
+                          <a:spcPts val="0"/>
+                        </a:spcBef>
+                        <a:spcAft>
+                          <a:spcPts val="0"/>
+                        </a:spcAft>
+                        <a:buClrTx/>
+                        <a:buSzTx/>
+                        <a:buFontTx/>
+                        <a:buNone/>
+                        <a:tabLst/>
+                        <a:defRPr/>
+                      </a:pPr>
+                      <a:r>
+                        <a:rPr lang="en-US" sz="1600" b="1" dirty="0"/>
+                        <a:t>RS-232</a:t>
+                      </a:r>
+                      <a:r>
+                        <a:rPr lang="en-US" sz="1600" b="0" dirty="0"/>
+                        <a:t> is a</a:t>
+                      </a:r>
+                      <a:r>
+                        <a:rPr lang="en-US" sz="1600" dirty="0"/>
+                        <a:t>n old serial standard that use to be very common. It operates on +/- 12 volt signals. The physical connector for RS-232 had a 25 pin plug/socket (later 9 pins). (DO NOT connect RS-232 signals directly to Tx/Rx or bad things will happen!)</a:t>
+                      </a:r>
+                    </a:p>
+                  </a:txBody>
+                  <a:tcPr/>
+                </a:tc>
+                <a:extLst>
+                  <a:ext uri="{0D108BD9-81ED-4DB2-BD59-A6C34878D82A}">
+                    <a16:rowId xmlns:a16="http://schemas.microsoft.com/office/drawing/2014/main" val="1235703702"/>
+                  </a:ext>
+                </a:extLst>
+              </a:tr>
+            </a:tbl>
+          </a:graphicData>
+        </a:graphic>
+      </p:graphicFrame>
+      <p:sp>
+        <p:nvSpPr>
+          <p:cNvPr id="8" name="Subtitle 2">
+            <a:extLst>
+              <a:ext uri="{FF2B5EF4-FFF2-40B4-BE49-F238E27FC236}">
+                <a16:creationId xmlns:a16="http://schemas.microsoft.com/office/drawing/2014/main" id="{7AFF94B5-A049-2183-7DF4-C57A515AC81C}"/>
+              </a:ext>
+            </a:extLst>
+          </p:cNvPr>
+          <p:cNvSpPr txBox="1">
+            <a:spLocks/>
+          </p:cNvSpPr>
+          <p:nvPr/>
+        </p:nvSpPr>
+        <p:spPr>
+          <a:xfrm>
+            <a:off x="560718" y="6177560"/>
+            <a:ext cx="1357223" cy="558771"/>
+          </a:xfrm>
+          <a:prstGeom prst="rect">
+            <a:avLst/>
+          </a:prstGeom>
+        </p:spPr>
+        <p:txBody>
+          <a:bodyPr vert="horz" lIns="91440" tIns="45720" rIns="91440" bIns="45720" rtlCol="0">
+            <a:noAutofit/>
+          </a:bodyPr>
+          <a:lstStyle>
+            <a:lvl1pPr marL="0" indent="0" algn="ctr" defTabSz="914400" rtl="0" eaLnBrk="1" latinLnBrk="0" hangingPunct="1">
+              <a:lnSpc>
+                <a:spcPct val="90000"/>
+              </a:lnSpc>
+              <a:spcBef>
+                <a:spcPts val="1000"/>
+              </a:spcBef>
+              <a:buFont typeface="Arial" panose="020B0604020202020204" pitchFamily="34" charset="0"/>
+              <a:buNone/>
+              <a:defRPr sz="2400" kern="1200">
+                <a:solidFill>
+                  <a:schemeClr val="tx1"/>
+                </a:solidFill>
+                <a:latin typeface="+mn-lt"/>
+                <a:ea typeface="+mn-ea"/>
+                <a:cs typeface="+mn-cs"/>
+              </a:defRPr>
+            </a:lvl1pPr>
+            <a:lvl2pPr marL="457200" indent="0" algn="ctr" defTabSz="914400" rtl="0" eaLnBrk="1" latinLnBrk="0" hangingPunct="1">
+              <a:lnSpc>
+                <a:spcPct val="90000"/>
+              </a:lnSpc>
+              <a:spcBef>
+                <a:spcPts val="500"/>
+              </a:spcBef>
+              <a:buFont typeface="Arial" panose="020B0604020202020204" pitchFamily="34" charset="0"/>
+              <a:buNone/>
+              <a:defRPr sz="2000" kern="1200">
+                <a:solidFill>
+                  <a:schemeClr val="tx1"/>
+                </a:solidFill>
+                <a:latin typeface="+mn-lt"/>
+                <a:ea typeface="+mn-ea"/>
+                <a:cs typeface="+mn-cs"/>
+              </a:defRPr>
+            </a:lvl2pPr>
+            <a:lvl3pPr marL="914400" indent="0" algn="ctr" defTabSz="914400" rtl="0" eaLnBrk="1" latinLnBrk="0" hangingPunct="1">
+              <a:lnSpc>
+                <a:spcPct val="90000"/>
+              </a:lnSpc>
+              <a:spcBef>
+                <a:spcPts val="500"/>
+              </a:spcBef>
+              <a:buFont typeface="Arial" panose="020B0604020202020204" pitchFamily="34" charset="0"/>
+              <a:buNone/>
+              <a:defRPr sz="1800" kern="1200">
+                <a:solidFill>
+                  <a:schemeClr val="tx1"/>
+                </a:solidFill>
+                <a:latin typeface="+mn-lt"/>
+                <a:ea typeface="+mn-ea"/>
+                <a:cs typeface="+mn-cs"/>
+              </a:defRPr>
+            </a:lvl3pPr>
+            <a:lvl4pPr marL="1371600" indent="0" algn="ctr" defTabSz="914400" rtl="0" eaLnBrk="1" latinLnBrk="0" hangingPunct="1">
+              <a:lnSpc>
+                <a:spcPct val="90000"/>
+              </a:lnSpc>
+              <a:spcBef>
+                <a:spcPts val="500"/>
+              </a:spcBef>
+              <a:buFont typeface="Arial" panose="020B0604020202020204" pitchFamily="34" charset="0"/>
+              <a:buNone/>
+              <a:defRPr sz="1600" kern="1200">
+                <a:solidFill>
+                  <a:schemeClr val="tx1"/>
+                </a:solidFill>
+                <a:latin typeface="+mn-lt"/>
+                <a:ea typeface="+mn-ea"/>
+                <a:cs typeface="+mn-cs"/>
+              </a:defRPr>
+            </a:lvl4pPr>
+            <a:lvl5pPr marL="1828800" indent="0" algn="ctr" defTabSz="914400" rtl="0" eaLnBrk="1" latinLnBrk="0" hangingPunct="1">
+              <a:lnSpc>
+                <a:spcPct val="90000"/>
+              </a:lnSpc>
+              <a:spcBef>
+                <a:spcPts val="500"/>
+              </a:spcBef>
+              <a:buFont typeface="Arial" panose="020B0604020202020204" pitchFamily="34" charset="0"/>
+              <a:buNone/>
+              <a:defRPr sz="1600" kern="1200">
+                <a:solidFill>
+                  <a:schemeClr val="tx1"/>
+                </a:solidFill>
+                <a:latin typeface="+mn-lt"/>
+                <a:ea typeface="+mn-ea"/>
+                <a:cs typeface="+mn-cs"/>
+              </a:defRPr>
+            </a:lvl5pPr>
+            <a:lvl6pPr marL="2286000" indent="0" algn="ctr" defTabSz="914400" rtl="0" eaLnBrk="1" latinLnBrk="0" hangingPunct="1">
+              <a:lnSpc>
+                <a:spcPct val="90000"/>
+              </a:lnSpc>
+              <a:spcBef>
+                <a:spcPts val="500"/>
+              </a:spcBef>
+              <a:buFont typeface="Arial" panose="020B0604020202020204" pitchFamily="34" charset="0"/>
+              <a:buNone/>
+              <a:defRPr sz="1600" kern="1200">
+                <a:solidFill>
+                  <a:schemeClr val="tx1"/>
+                </a:solidFill>
+                <a:latin typeface="+mn-lt"/>
+                <a:ea typeface="+mn-ea"/>
+                <a:cs typeface="+mn-cs"/>
+              </a:defRPr>
+            </a:lvl6pPr>
+            <a:lvl7pPr marL="2743200" indent="0" algn="ctr" defTabSz="914400" rtl="0" eaLnBrk="1" latinLnBrk="0" hangingPunct="1">
+              <a:lnSpc>
+                <a:spcPct val="90000"/>
+              </a:lnSpc>
+              <a:spcBef>
+                <a:spcPts val="500"/>
+              </a:spcBef>
+              <a:buFont typeface="Arial" panose="020B0604020202020204" pitchFamily="34" charset="0"/>
+              <a:buNone/>
+              <a:defRPr sz="1600" kern="1200">
+                <a:solidFill>
+                  <a:schemeClr val="tx1"/>
+                </a:solidFill>
+                <a:latin typeface="+mn-lt"/>
+                <a:ea typeface="+mn-ea"/>
+                <a:cs typeface="+mn-cs"/>
+              </a:defRPr>
+            </a:lvl7pPr>
+            <a:lvl8pPr marL="3200400" indent="0" algn="ctr" defTabSz="914400" rtl="0" eaLnBrk="1" latinLnBrk="0" hangingPunct="1">
+              <a:lnSpc>
+                <a:spcPct val="90000"/>
+              </a:lnSpc>
+              <a:spcBef>
+                <a:spcPts val="500"/>
+              </a:spcBef>
+              <a:buFont typeface="Arial" panose="020B0604020202020204" pitchFamily="34" charset="0"/>
+              <a:buNone/>
+              <a:defRPr sz="1600" kern="1200">
+                <a:solidFill>
+                  <a:schemeClr val="tx1"/>
+                </a:solidFill>
+                <a:latin typeface="+mn-lt"/>
+                <a:ea typeface="+mn-ea"/>
+                <a:cs typeface="+mn-cs"/>
+              </a:defRPr>
+            </a:lvl8pPr>
+            <a:lvl9pPr marL="3657600" indent="0" algn="ctr" defTabSz="914400" rtl="0" eaLnBrk="1" latinLnBrk="0" hangingPunct="1">
+              <a:lnSpc>
+                <a:spcPct val="90000"/>
+              </a:lnSpc>
+              <a:spcBef>
+                <a:spcPts val="500"/>
+              </a:spcBef>
+              <a:buFont typeface="Arial" panose="020B0604020202020204" pitchFamily="34" charset="0"/>
+              <a:buNone/>
+              <a:defRPr sz="1600" kern="1200">
+                <a:solidFill>
+                  <a:schemeClr val="tx1"/>
+                </a:solidFill>
+                <a:latin typeface="+mn-lt"/>
+                <a:ea typeface="+mn-ea"/>
+                <a:cs typeface="+mn-cs"/>
+              </a:defRPr>
+            </a:lvl9pPr>
+          </a:lstStyle>
+          <a:p>
+            <a:endParaRPr lang="en-US" sz="3200" b="1" dirty="0">
+              <a:solidFill>
+                <a:schemeClr val="accent1">
+                  <a:lumMod val="60000"/>
+                  <a:lumOff val="40000"/>
+                </a:schemeClr>
+              </a:solidFill>
+              <a:latin typeface="MERG_Logo" pitchFamily="2" charset="0"/>
+            </a:endParaRPr>
+          </a:p>
+        </p:txBody>
+      </p:sp>
+      <p:pic>
+        <p:nvPicPr>
+          <p:cNvPr id="4" name="Picture 3">
+            <a:extLst>
+              <a:ext uri="{FF2B5EF4-FFF2-40B4-BE49-F238E27FC236}">
+                <a16:creationId xmlns:a16="http://schemas.microsoft.com/office/drawing/2014/main" id="{C6E2AC96-7822-1777-C1B8-461219E9678D}"/>
+              </a:ext>
+            </a:extLst>
+          </p:cNvPr>
+          <p:cNvPicPr>
+            <a:picLocks noChangeAspect="1"/>
+          </p:cNvPicPr>
+          <p:nvPr/>
+        </p:nvPicPr>
+        <p:blipFill>
+          <a:blip r:embed="rId2"/>
+          <a:stretch>
+            <a:fillRect/>
+          </a:stretch>
+        </p:blipFill>
+        <p:spPr>
+          <a:xfrm>
+            <a:off x="8186468" y="1393256"/>
+            <a:ext cx="1979582" cy="539154"/>
+          </a:xfrm>
+          <a:prstGeom prst="rect">
+            <a:avLst/>
+          </a:prstGeom>
+        </p:spPr>
+      </p:pic>
+    </p:spTree>
+    <p:extLst>
+      <p:ext uri="{BB962C8B-B14F-4D97-AF65-F5344CB8AC3E}">
+        <p14:creationId xmlns:p14="http://schemas.microsoft.com/office/powerpoint/2010/main" val="699886772"/>
+      </p:ext>
+    </p:extLst>
+  </p:cSld>
+  <p:clrMapOvr>
+    <a:masterClrMapping/>
+  </p:clrMapOvr>
+</p:sld>
+</file>
+
+<file path=ppt/slides/slide42.xml><?xml version="1.0" encoding="utf-8"?>
+<p:sld xmlns:a="http://schemas.openxmlformats.org/drawingml/2006/main" xmlns:r="http://schemas.openxmlformats.org/officeDocument/2006/relationships" xmlns:p="http://schemas.openxmlformats.org/presentationml/2006/main">
+  <p:cSld>
+    <p:spTree>
+      <p:nvGrpSpPr>
+        <p:cNvPr id="1" name=""/>
+        <p:cNvGrpSpPr/>
+        <p:nvPr/>
+      </p:nvGrpSpPr>
+      <p:grpSpPr>
+        <a:xfrm>
+          <a:off x="0" y="0"/>
+          <a:ext cx="0" cy="0"/>
+          <a:chOff x="0" y="0"/>
+          <a:chExt cx="0" cy="0"/>
+        </a:xfrm>
+      </p:grpSpPr>
+      <p:graphicFrame>
+        <p:nvGraphicFramePr>
+          <p:cNvPr id="7" name="Table 7">
+            <a:extLst>
+              <a:ext uri="{FF2B5EF4-FFF2-40B4-BE49-F238E27FC236}">
+                <a16:creationId xmlns:a16="http://schemas.microsoft.com/office/drawing/2014/main" id="{9B2F03AA-E6B2-4CB4-910F-7DA903FD6ED6}"/>
+              </a:ext>
+            </a:extLst>
+          </p:cNvPr>
+          <p:cNvGraphicFramePr>
+            <a:graphicFrameLocks noGrp="1"/>
+          </p:cNvGraphicFramePr>
+          <p:nvPr>
+            <p:extLst>
+              <p:ext uri="{D42A27DB-BD31-4B8C-83A1-F6EECF244321}">
                 <p14:modId xmlns:p14="http://schemas.microsoft.com/office/powerpoint/2010/main" val="3449590086"/>
               </p:ext>
             </p:extLst>
@@ -36524,7 +38486,7 @@
 </p:sld>
 </file>
 
-<file path=ppt/slides/slide41.xml><?xml version="1.0" encoding="utf-8"?>
+<file path=ppt/slides/slide43.xml><?xml version="1.0" encoding="utf-8"?>
 <p:sld xmlns:a="http://schemas.openxmlformats.org/drawingml/2006/main" xmlns:r="http://schemas.openxmlformats.org/officeDocument/2006/relationships" xmlns:p="http://schemas.openxmlformats.org/presentationml/2006/main">
   <p:cSld>
     <p:spTree>
@@ -37357,7 +39319,7 @@
 </p:sld>
 </file>
 
-<file path=ppt/slides/slide42.xml><?xml version="1.0" encoding="utf-8"?>
+<file path=ppt/slides/slide44.xml><?xml version="1.0" encoding="utf-8"?>
 <p:sld xmlns:a="http://schemas.openxmlformats.org/drawingml/2006/main" xmlns:r="http://schemas.openxmlformats.org/officeDocument/2006/relationships" xmlns:p="http://schemas.openxmlformats.org/presentationml/2006/main">
   <p:cSld>
     <p:spTree>
@@ -38816,7 +40778,7 @@
 </p:sld>
 </file>
 
-<file path=ppt/slides/slide43.xml><?xml version="1.0" encoding="utf-8"?>
+<file path=ppt/slides/slide45.xml><?xml version="1.0" encoding="utf-8"?>
 <p:sld xmlns:a="http://schemas.openxmlformats.org/drawingml/2006/main" xmlns:r="http://schemas.openxmlformats.org/officeDocument/2006/relationships" xmlns:p="http://schemas.openxmlformats.org/presentationml/2006/main">
   <p:cSld>
     <p:spTree>
@@ -39663,7 +41625,7 @@
 </p:sld>
 </file>
 
-<file path=ppt/slides/slide44.xml><?xml version="1.0" encoding="utf-8"?>
+<file path=ppt/slides/slide46.xml><?xml version="1.0" encoding="utf-8"?>
 <p:sld xmlns:a="http://schemas.openxmlformats.org/drawingml/2006/main" xmlns:r="http://schemas.openxmlformats.org/officeDocument/2006/relationships" xmlns:p="http://schemas.openxmlformats.org/presentationml/2006/main">
   <p:cSld>
     <p:bg>
@@ -44678,7 +46640,7 @@
         <p:spPr>
           <a:xfrm>
             <a:off x="5252066" y="1433528"/>
-            <a:ext cx="6572789" cy="4353347"/>
+            <a:ext cx="6572789" cy="4744032"/>
           </a:xfrm>
           <a:prstGeom prst="rect">
             <a:avLst/>
@@ -44873,7 +46835,7 @@
                   <a:schemeClr val="tx1"/>
                 </a:solidFill>
               </a:rPr>
-              <a:t>are different in that the circuitry on the chip lacks the pullup resistor. Be aware of this when using Analog pins in digital mode or with some components that may depend on the pullup to work.  (LDR’s for example) </a:t>
+              <a:t>are different in that the circuitry behind these pins lacks digital I/O capability and so lacks the pullup resistor. Be aware of this when using Analog pins in digital mode or with some components that may depend on the pullup to work.  (LDR’s for example) </a:t>
             </a:r>
           </a:p>
           <a:p>
@@ -45174,7 +47136,7 @@
         </p:blipFill>
         <p:spPr>
           <a:xfrm>
-            <a:off x="10174870" y="4252238"/>
+            <a:off x="11308244" y="4252238"/>
             <a:ext cx="574530" cy="574530"/>
           </a:xfrm>
           <a:prstGeom prst="rect">
@@ -45349,7 +47311,7 @@
         <p:spPr>
           <a:xfrm flipH="1" flipV="1">
             <a:off x="4968262" y="3110607"/>
-            <a:ext cx="283804" cy="499595"/>
+            <a:ext cx="283804" cy="694937"/>
           </a:xfrm>
           <a:prstGeom prst="straightConnector1">
             <a:avLst/>
@@ -46905,11 +48867,11 @@
     <we:property name="MM-reminder" value="&quot;--&quot;"/>
     <we:property name="SS" value="0"/>
     <we:property name="SS-reminder" value="&quot;--&quot;"/>
-    <we:property name="canvash" value="374"/>
-    <we:property name="canvasw" value="374"/>
+    <we:property name="canvash" value="376"/>
+    <we:property name="canvasw" value="376"/>
     <we:property name="clocktype" value="&quot;digital&quot;"/>
     <we:property name="interval" value="5"/>
-    <we:property name="radius" value="168.3"/>
+    <we:property name="radius" value="169.20000000000002"/>
     <we:property name="tickType" value="&quot;tick&quot;"/>
     <we:property name="timeupType" value="&quot;alarm&quot;"/>
   </we:properties>
